--- a/docs/iBatis 3 Workskop CZJUG.pptx
+++ b/docs/iBatis 3 Workskop CZJUG.pptx
@@ -5,16 +5,24 @@
     <p:sldMasterId id="2147483649" r:id="rId1"/>
   </p:sldMasterIdLst>
   <p:notesMasterIdLst>
-    <p:notesMasterId r:id="rId6"/>
+    <p:notesMasterId r:id="rId14"/>
   </p:notesMasterIdLst>
   <p:handoutMasterIdLst>
-    <p:handoutMasterId r:id="rId7"/>
+    <p:handoutMasterId r:id="rId15"/>
   </p:handoutMasterIdLst>
   <p:sldIdLst>
     <p:sldId id="256" r:id="rId2"/>
-    <p:sldId id="318" r:id="rId3"/>
-    <p:sldId id="319" r:id="rId4"/>
-    <p:sldId id="290" r:id="rId5"/>
+    <p:sldId id="320" r:id="rId3"/>
+    <p:sldId id="318" r:id="rId4"/>
+    <p:sldId id="322" r:id="rId5"/>
+    <p:sldId id="321" r:id="rId6"/>
+    <p:sldId id="323" r:id="rId7"/>
+    <p:sldId id="325" r:id="rId8"/>
+    <p:sldId id="324" r:id="rId9"/>
+    <p:sldId id="326" r:id="rId10"/>
+    <p:sldId id="327" r:id="rId11"/>
+    <p:sldId id="328" r:id="rId12"/>
+    <p:sldId id="290" r:id="rId13"/>
   </p:sldIdLst>
   <p:sldSz cx="9144000" cy="6858000" type="screen4x3"/>
   <p:notesSz cx="6800850" cy="9931400"/>
@@ -491,6 +499,183 @@
 </p:notes>
 </file>
 
+<file path=ppt/notesSlides/notesSlide10.xml><?xml version="1.0" encoding="utf-8"?>
+<p:notes xmlns:a="http://schemas.openxmlformats.org/drawingml/2006/main" xmlns:r="http://schemas.openxmlformats.org/officeDocument/2006/relationships" xmlns:p="http://schemas.openxmlformats.org/presentationml/2006/main">
+  <p:cSld>
+    <p:spTree>
+      <p:nvGrpSpPr>
+        <p:cNvPr id="1" name=""/>
+        <p:cNvGrpSpPr/>
+        <p:nvPr/>
+      </p:nvGrpSpPr>
+      <p:grpSpPr>
+        <a:xfrm>
+          <a:off x="0" y="0"/>
+          <a:ext cx="0" cy="0"/>
+          <a:chOff x="0" y="0"/>
+          <a:chExt cx="0" cy="0"/>
+        </a:xfrm>
+      </p:grpSpPr>
+      <p:sp>
+        <p:nvSpPr>
+          <p:cNvPr id="2" name="Zástupný symbol pro obrázek snímku 1"/>
+          <p:cNvSpPr>
+            <a:spLocks noGrp="1" noRot="1" noChangeAspect="1"/>
+          </p:cNvSpPr>
+          <p:nvPr>
+            <p:ph type="sldImg"/>
+          </p:nvPr>
+        </p:nvSpPr>
+        <p:spPr/>
+      </p:sp>
+      <p:sp>
+        <p:nvSpPr>
+          <p:cNvPr id="3" name="Zástupný symbol pro poznámky 2"/>
+          <p:cNvSpPr>
+            <a:spLocks noGrp="1"/>
+          </p:cNvSpPr>
+          <p:nvPr>
+            <p:ph type="body" idx="1"/>
+          </p:nvPr>
+        </p:nvSpPr>
+        <p:spPr/>
+        <p:txBody>
+          <a:bodyPr>
+            <a:normAutofit/>
+          </a:bodyPr>
+          <a:lstStyle/>
+          <a:p>
+            <a:endParaRPr lang="cs-CZ"/>
+          </a:p>
+        </p:txBody>
+      </p:sp>
+    </p:spTree>
+  </p:cSld>
+  <p:clrMapOvr>
+    <a:masterClrMapping/>
+  </p:clrMapOvr>
+</p:notes>
+</file>
+
+<file path=ppt/notesSlides/notesSlide11.xml><?xml version="1.0" encoding="utf-8"?>
+<p:notes xmlns:a="http://schemas.openxmlformats.org/drawingml/2006/main" xmlns:r="http://schemas.openxmlformats.org/officeDocument/2006/relationships" xmlns:p="http://schemas.openxmlformats.org/presentationml/2006/main">
+  <p:cSld>
+    <p:spTree>
+      <p:nvGrpSpPr>
+        <p:cNvPr id="1" name=""/>
+        <p:cNvGrpSpPr/>
+        <p:nvPr/>
+      </p:nvGrpSpPr>
+      <p:grpSpPr>
+        <a:xfrm>
+          <a:off x="0" y="0"/>
+          <a:ext cx="0" cy="0"/>
+          <a:chOff x="0" y="0"/>
+          <a:chExt cx="0" cy="0"/>
+        </a:xfrm>
+      </p:grpSpPr>
+      <p:sp>
+        <p:nvSpPr>
+          <p:cNvPr id="2" name="Zástupný symbol pro obrázek snímku 1"/>
+          <p:cNvSpPr>
+            <a:spLocks noGrp="1" noRot="1" noChangeAspect="1"/>
+          </p:cNvSpPr>
+          <p:nvPr>
+            <p:ph type="sldImg"/>
+          </p:nvPr>
+        </p:nvSpPr>
+        <p:spPr/>
+      </p:sp>
+      <p:sp>
+        <p:nvSpPr>
+          <p:cNvPr id="3" name="Zástupný symbol pro poznámky 2"/>
+          <p:cNvSpPr>
+            <a:spLocks noGrp="1"/>
+          </p:cNvSpPr>
+          <p:nvPr>
+            <p:ph type="body" idx="1"/>
+          </p:nvPr>
+        </p:nvSpPr>
+        <p:spPr/>
+        <p:txBody>
+          <a:bodyPr>
+            <a:normAutofit/>
+          </a:bodyPr>
+          <a:lstStyle/>
+          <a:p>
+            <a:endParaRPr lang="cs-CZ"/>
+          </a:p>
+        </p:txBody>
+      </p:sp>
+    </p:spTree>
+  </p:cSld>
+  <p:clrMapOvr>
+    <a:masterClrMapping/>
+  </p:clrMapOvr>
+</p:notes>
+</file>
+
+<file path=ppt/notesSlides/notesSlide12.xml><?xml version="1.0" encoding="utf-8"?>
+<p:notes xmlns:a="http://schemas.openxmlformats.org/drawingml/2006/main" xmlns:r="http://schemas.openxmlformats.org/officeDocument/2006/relationships" xmlns:p="http://schemas.openxmlformats.org/presentationml/2006/main">
+  <p:cSld>
+    <p:spTree>
+      <p:nvGrpSpPr>
+        <p:cNvPr id="1" name=""/>
+        <p:cNvGrpSpPr/>
+        <p:nvPr/>
+      </p:nvGrpSpPr>
+      <p:grpSpPr>
+        <a:xfrm>
+          <a:off x="0" y="0"/>
+          <a:ext cx="0" cy="0"/>
+          <a:chOff x="0" y="0"/>
+          <a:chExt cx="0" cy="0"/>
+        </a:xfrm>
+      </p:grpSpPr>
+      <p:sp>
+        <p:nvSpPr>
+          <p:cNvPr id="46082" name="Rectangle 2"/>
+          <p:cNvSpPr>
+            <a:spLocks noGrp="1" noRot="1" noChangeAspect="1" noChangeArrowheads="1" noTextEdit="1"/>
+          </p:cNvSpPr>
+          <p:nvPr>
+            <p:ph type="sldImg"/>
+          </p:nvPr>
+        </p:nvSpPr>
+        <p:spPr>
+          <a:ln/>
+        </p:spPr>
+      </p:sp>
+      <p:sp>
+        <p:nvSpPr>
+          <p:cNvPr id="46083" name="Rectangle 3"/>
+          <p:cNvSpPr>
+            <a:spLocks noGrp="1" noChangeArrowheads="1"/>
+          </p:cNvSpPr>
+          <p:nvPr>
+            <p:ph type="body" idx="1"/>
+          </p:nvPr>
+        </p:nvSpPr>
+        <p:spPr>
+          <a:noFill/>
+          <a:ln w="9525"/>
+        </p:spPr>
+        <p:txBody>
+          <a:bodyPr/>
+          <a:lstStyle/>
+          <a:p>
+            <a:endParaRPr lang="cs-CZ" smtClean="0"/>
+          </a:p>
+        </p:txBody>
+      </p:sp>
+    </p:spTree>
+  </p:cSld>
+  <p:clrMapOvr>
+    <a:masterClrMapping/>
+  </p:clrMapOvr>
+</p:notes>
+</file>
+
 <file path=ppt/notesSlides/notesSlide2.xml><?xml version="1.0" encoding="utf-8"?>
 <p:notes xmlns:a="http://schemas.openxmlformats.org/drawingml/2006/main" xmlns:r="http://schemas.openxmlformats.org/officeDocument/2006/relationships" xmlns:p="http://schemas.openxmlformats.org/presentationml/2006/main">
   <p:cSld>
@@ -510,21 +695,19 @@
       </p:grpSpPr>
       <p:sp>
         <p:nvSpPr>
-          <p:cNvPr id="26626" name="Zástupný symbol pro obrázek snímku 1"/>
-          <p:cNvSpPr>
-            <a:spLocks noGrp="1" noRot="1" noChangeAspect="1" noTextEdit="1"/>
+          <p:cNvPr id="2" name="Zástupný symbol pro obrázek snímku 1"/>
+          <p:cNvSpPr>
+            <a:spLocks noGrp="1" noRot="1" noChangeAspect="1"/>
           </p:cNvSpPr>
           <p:nvPr>
             <p:ph type="sldImg"/>
           </p:nvPr>
         </p:nvSpPr>
-        <p:spPr>
-          <a:ln/>
-        </p:spPr>
-      </p:sp>
-      <p:sp>
-        <p:nvSpPr>
-          <p:cNvPr id="26627" name="Zástupný symbol pro poznámky 2"/>
+        <p:spPr/>
+      </p:sp>
+      <p:sp>
+        <p:nvSpPr>
+          <p:cNvPr id="3" name="Zástupný symbol pro poznámky 2"/>
           <p:cNvSpPr>
             <a:spLocks noGrp="1"/>
           </p:cNvSpPr>
@@ -532,15 +715,14 @@
             <p:ph type="body" idx="1"/>
           </p:nvPr>
         </p:nvSpPr>
-        <p:spPr>
-          <a:noFill/>
-          <a:ln w="9525"/>
-        </p:spPr>
-        <p:txBody>
-          <a:bodyPr/>
+        <p:spPr/>
+        <p:txBody>
+          <a:bodyPr>
+            <a:normAutofit/>
+          </a:bodyPr>
           <a:lstStyle/>
           <a:p>
-            <a:endParaRPr lang="cs-CZ" smtClean="0"/>
+            <a:endParaRPr lang="cs-CZ"/>
           </a:p>
         </p:txBody>
       </p:sp>
@@ -632,37 +814,324 @@
       </p:grpSpPr>
       <p:sp>
         <p:nvSpPr>
-          <p:cNvPr id="46082" name="Rectangle 2"/>
-          <p:cNvSpPr>
-            <a:spLocks noGrp="1" noRot="1" noChangeAspect="1" noChangeArrowheads="1" noTextEdit="1"/>
+          <p:cNvPr id="2" name="Zástupný symbol pro obrázek snímku 1"/>
+          <p:cNvSpPr>
+            <a:spLocks noGrp="1" noRot="1" noChangeAspect="1"/>
           </p:cNvSpPr>
           <p:nvPr>
             <p:ph type="sldImg"/>
           </p:nvPr>
         </p:nvSpPr>
-        <p:spPr>
-          <a:ln/>
-        </p:spPr>
-      </p:sp>
-      <p:sp>
-        <p:nvSpPr>
-          <p:cNvPr id="46083" name="Rectangle 3"/>
-          <p:cNvSpPr>
-            <a:spLocks noGrp="1" noChangeArrowheads="1"/>
+        <p:spPr/>
+      </p:sp>
+      <p:sp>
+        <p:nvSpPr>
+          <p:cNvPr id="3" name="Zástupný symbol pro poznámky 2"/>
+          <p:cNvSpPr>
+            <a:spLocks noGrp="1"/>
           </p:cNvSpPr>
           <p:nvPr>
             <p:ph type="body" idx="1"/>
           </p:nvPr>
         </p:nvSpPr>
-        <p:spPr>
-          <a:noFill/>
-          <a:ln w="9525"/>
-        </p:spPr>
-        <p:txBody>
-          <a:bodyPr/>
+        <p:spPr/>
+        <p:txBody>
+          <a:bodyPr>
+            <a:normAutofit/>
+          </a:bodyPr>
           <a:lstStyle/>
           <a:p>
-            <a:endParaRPr lang="cs-CZ" smtClean="0"/>
+            <a:endParaRPr lang="cs-CZ"/>
+          </a:p>
+        </p:txBody>
+      </p:sp>
+    </p:spTree>
+  </p:cSld>
+  <p:clrMapOvr>
+    <a:masterClrMapping/>
+  </p:clrMapOvr>
+</p:notes>
+</file>
+
+<file path=ppt/notesSlides/notesSlide5.xml><?xml version="1.0" encoding="utf-8"?>
+<p:notes xmlns:a="http://schemas.openxmlformats.org/drawingml/2006/main" xmlns:r="http://schemas.openxmlformats.org/officeDocument/2006/relationships" xmlns:p="http://schemas.openxmlformats.org/presentationml/2006/main">
+  <p:cSld>
+    <p:spTree>
+      <p:nvGrpSpPr>
+        <p:cNvPr id="1" name=""/>
+        <p:cNvGrpSpPr/>
+        <p:nvPr/>
+      </p:nvGrpSpPr>
+      <p:grpSpPr>
+        <a:xfrm>
+          <a:off x="0" y="0"/>
+          <a:ext cx="0" cy="0"/>
+          <a:chOff x="0" y="0"/>
+          <a:chExt cx="0" cy="0"/>
+        </a:xfrm>
+      </p:grpSpPr>
+      <p:sp>
+        <p:nvSpPr>
+          <p:cNvPr id="2" name="Zástupný symbol pro obrázek snímku 1"/>
+          <p:cNvSpPr>
+            <a:spLocks noGrp="1" noRot="1" noChangeAspect="1"/>
+          </p:cNvSpPr>
+          <p:nvPr>
+            <p:ph type="sldImg"/>
+          </p:nvPr>
+        </p:nvSpPr>
+        <p:spPr/>
+      </p:sp>
+      <p:sp>
+        <p:nvSpPr>
+          <p:cNvPr id="3" name="Zástupný symbol pro poznámky 2"/>
+          <p:cNvSpPr>
+            <a:spLocks noGrp="1"/>
+          </p:cNvSpPr>
+          <p:nvPr>
+            <p:ph type="body" idx="1"/>
+          </p:nvPr>
+        </p:nvSpPr>
+        <p:spPr/>
+        <p:txBody>
+          <a:bodyPr>
+            <a:normAutofit/>
+          </a:bodyPr>
+          <a:lstStyle/>
+          <a:p>
+            <a:endParaRPr lang="cs-CZ"/>
+          </a:p>
+        </p:txBody>
+      </p:sp>
+    </p:spTree>
+  </p:cSld>
+  <p:clrMapOvr>
+    <a:masterClrMapping/>
+  </p:clrMapOvr>
+</p:notes>
+</file>
+
+<file path=ppt/notesSlides/notesSlide6.xml><?xml version="1.0" encoding="utf-8"?>
+<p:notes xmlns:a="http://schemas.openxmlformats.org/drawingml/2006/main" xmlns:r="http://schemas.openxmlformats.org/officeDocument/2006/relationships" xmlns:p="http://schemas.openxmlformats.org/presentationml/2006/main">
+  <p:cSld>
+    <p:spTree>
+      <p:nvGrpSpPr>
+        <p:cNvPr id="1" name=""/>
+        <p:cNvGrpSpPr/>
+        <p:nvPr/>
+      </p:nvGrpSpPr>
+      <p:grpSpPr>
+        <a:xfrm>
+          <a:off x="0" y="0"/>
+          <a:ext cx="0" cy="0"/>
+          <a:chOff x="0" y="0"/>
+          <a:chExt cx="0" cy="0"/>
+        </a:xfrm>
+      </p:grpSpPr>
+      <p:sp>
+        <p:nvSpPr>
+          <p:cNvPr id="2" name="Zástupný symbol pro obrázek snímku 1"/>
+          <p:cNvSpPr>
+            <a:spLocks noGrp="1" noRot="1" noChangeAspect="1"/>
+          </p:cNvSpPr>
+          <p:nvPr>
+            <p:ph type="sldImg"/>
+          </p:nvPr>
+        </p:nvSpPr>
+        <p:spPr/>
+      </p:sp>
+      <p:sp>
+        <p:nvSpPr>
+          <p:cNvPr id="3" name="Zástupný symbol pro poznámky 2"/>
+          <p:cNvSpPr>
+            <a:spLocks noGrp="1"/>
+          </p:cNvSpPr>
+          <p:nvPr>
+            <p:ph type="body" idx="1"/>
+          </p:nvPr>
+        </p:nvSpPr>
+        <p:spPr/>
+        <p:txBody>
+          <a:bodyPr>
+            <a:normAutofit/>
+          </a:bodyPr>
+          <a:lstStyle/>
+          <a:p>
+            <a:endParaRPr lang="cs-CZ"/>
+          </a:p>
+        </p:txBody>
+      </p:sp>
+    </p:spTree>
+  </p:cSld>
+  <p:clrMapOvr>
+    <a:masterClrMapping/>
+  </p:clrMapOvr>
+</p:notes>
+</file>
+
+<file path=ppt/notesSlides/notesSlide7.xml><?xml version="1.0" encoding="utf-8"?>
+<p:notes xmlns:a="http://schemas.openxmlformats.org/drawingml/2006/main" xmlns:r="http://schemas.openxmlformats.org/officeDocument/2006/relationships" xmlns:p="http://schemas.openxmlformats.org/presentationml/2006/main">
+  <p:cSld>
+    <p:spTree>
+      <p:nvGrpSpPr>
+        <p:cNvPr id="1" name=""/>
+        <p:cNvGrpSpPr/>
+        <p:nvPr/>
+      </p:nvGrpSpPr>
+      <p:grpSpPr>
+        <a:xfrm>
+          <a:off x="0" y="0"/>
+          <a:ext cx="0" cy="0"/>
+          <a:chOff x="0" y="0"/>
+          <a:chExt cx="0" cy="0"/>
+        </a:xfrm>
+      </p:grpSpPr>
+      <p:sp>
+        <p:nvSpPr>
+          <p:cNvPr id="2" name="Zástupný symbol pro obrázek snímku 1"/>
+          <p:cNvSpPr>
+            <a:spLocks noGrp="1" noRot="1" noChangeAspect="1"/>
+          </p:cNvSpPr>
+          <p:nvPr>
+            <p:ph type="sldImg"/>
+          </p:nvPr>
+        </p:nvSpPr>
+        <p:spPr/>
+      </p:sp>
+      <p:sp>
+        <p:nvSpPr>
+          <p:cNvPr id="3" name="Zástupný symbol pro poznámky 2"/>
+          <p:cNvSpPr>
+            <a:spLocks noGrp="1"/>
+          </p:cNvSpPr>
+          <p:nvPr>
+            <p:ph type="body" idx="1"/>
+          </p:nvPr>
+        </p:nvSpPr>
+        <p:spPr/>
+        <p:txBody>
+          <a:bodyPr>
+            <a:normAutofit/>
+          </a:bodyPr>
+          <a:lstStyle/>
+          <a:p>
+            <a:endParaRPr lang="cs-CZ"/>
+          </a:p>
+        </p:txBody>
+      </p:sp>
+    </p:spTree>
+  </p:cSld>
+  <p:clrMapOvr>
+    <a:masterClrMapping/>
+  </p:clrMapOvr>
+</p:notes>
+</file>
+
+<file path=ppt/notesSlides/notesSlide8.xml><?xml version="1.0" encoding="utf-8"?>
+<p:notes xmlns:a="http://schemas.openxmlformats.org/drawingml/2006/main" xmlns:r="http://schemas.openxmlformats.org/officeDocument/2006/relationships" xmlns:p="http://schemas.openxmlformats.org/presentationml/2006/main">
+  <p:cSld>
+    <p:spTree>
+      <p:nvGrpSpPr>
+        <p:cNvPr id="1" name=""/>
+        <p:cNvGrpSpPr/>
+        <p:nvPr/>
+      </p:nvGrpSpPr>
+      <p:grpSpPr>
+        <a:xfrm>
+          <a:off x="0" y="0"/>
+          <a:ext cx="0" cy="0"/>
+          <a:chOff x="0" y="0"/>
+          <a:chExt cx="0" cy="0"/>
+        </a:xfrm>
+      </p:grpSpPr>
+      <p:sp>
+        <p:nvSpPr>
+          <p:cNvPr id="2" name="Zástupný symbol pro obrázek snímku 1"/>
+          <p:cNvSpPr>
+            <a:spLocks noGrp="1" noRot="1" noChangeAspect="1"/>
+          </p:cNvSpPr>
+          <p:nvPr>
+            <p:ph type="sldImg"/>
+          </p:nvPr>
+        </p:nvSpPr>
+        <p:spPr/>
+      </p:sp>
+      <p:sp>
+        <p:nvSpPr>
+          <p:cNvPr id="3" name="Zástupný symbol pro poznámky 2"/>
+          <p:cNvSpPr>
+            <a:spLocks noGrp="1"/>
+          </p:cNvSpPr>
+          <p:nvPr>
+            <p:ph type="body" idx="1"/>
+          </p:nvPr>
+        </p:nvSpPr>
+        <p:spPr/>
+        <p:txBody>
+          <a:bodyPr>
+            <a:normAutofit/>
+          </a:bodyPr>
+          <a:lstStyle/>
+          <a:p>
+            <a:endParaRPr lang="cs-CZ"/>
+          </a:p>
+        </p:txBody>
+      </p:sp>
+    </p:spTree>
+  </p:cSld>
+  <p:clrMapOvr>
+    <a:masterClrMapping/>
+  </p:clrMapOvr>
+</p:notes>
+</file>
+
+<file path=ppt/notesSlides/notesSlide9.xml><?xml version="1.0" encoding="utf-8"?>
+<p:notes xmlns:a="http://schemas.openxmlformats.org/drawingml/2006/main" xmlns:r="http://schemas.openxmlformats.org/officeDocument/2006/relationships" xmlns:p="http://schemas.openxmlformats.org/presentationml/2006/main">
+  <p:cSld>
+    <p:spTree>
+      <p:nvGrpSpPr>
+        <p:cNvPr id="1" name=""/>
+        <p:cNvGrpSpPr/>
+        <p:nvPr/>
+      </p:nvGrpSpPr>
+      <p:grpSpPr>
+        <a:xfrm>
+          <a:off x="0" y="0"/>
+          <a:ext cx="0" cy="0"/>
+          <a:chOff x="0" y="0"/>
+          <a:chExt cx="0" cy="0"/>
+        </a:xfrm>
+      </p:grpSpPr>
+      <p:sp>
+        <p:nvSpPr>
+          <p:cNvPr id="2" name="Zástupný symbol pro obrázek snímku 1"/>
+          <p:cNvSpPr>
+            <a:spLocks noGrp="1" noRot="1" noChangeAspect="1"/>
+          </p:cNvSpPr>
+          <p:nvPr>
+            <p:ph type="sldImg"/>
+          </p:nvPr>
+        </p:nvSpPr>
+        <p:spPr/>
+      </p:sp>
+      <p:sp>
+        <p:nvSpPr>
+          <p:cNvPr id="3" name="Zástupný symbol pro poznámky 2"/>
+          <p:cNvSpPr>
+            <a:spLocks noGrp="1"/>
+          </p:cNvSpPr>
+          <p:nvPr>
+            <p:ph type="body" idx="1"/>
+          </p:nvPr>
+        </p:nvSpPr>
+        <p:spPr/>
+        <p:txBody>
+          <a:bodyPr>
+            <a:normAutofit/>
+          </a:bodyPr>
+          <a:lstStyle/>
+          <a:p>
+            <a:endParaRPr lang="cs-CZ"/>
           </a:p>
         </p:txBody>
       </p:sp>
@@ -5093,8 +5562,8 @@
         </p:nvSpPr>
         <p:spPr>
           <a:xfrm>
-            <a:off x="339725" y="3686175"/>
-            <a:ext cx="8451850" cy="1571625"/>
+            <a:off x="339725" y="2071678"/>
+            <a:ext cx="8451850" cy="2257428"/>
           </a:xfrm>
         </p:spPr>
         <p:txBody>
@@ -5129,8 +5598,135 @@
             </a:r>
             <a:r>
               <a:rPr lang="cs-CZ" sz="2800" b="0" dirty="0" smtClean="0"/>
-              <a:t> 3 - Workshop</a:t>
-            </a:r>
+              <a:t> 3 – Workshop</a:t>
+            </a:r>
+            <a:br>
+              <a:rPr lang="cs-CZ" sz="2800" b="0" dirty="0" smtClean="0"/>
+            </a:br>
+            <a:r>
+              <a:rPr lang="cs-CZ" sz="2800" b="0" dirty="0" smtClean="0">
+                <a:hlinkClick r:id="rId3"/>
+              </a:rPr>
+              <a:t>http://blog.</a:t>
+            </a:r>
+            <a:r>
+              <a:rPr lang="cs-CZ" sz="2800" b="0" dirty="0" err="1" smtClean="0">
+                <a:hlinkClick r:id="rId3"/>
+              </a:rPr>
+              <a:t>novoj.net</a:t>
+            </a:r>
+            <a:r>
+              <a:rPr lang="cs-CZ" sz="2800" b="0" dirty="0" smtClean="0"/>
+              <a:t> </a:t>
+            </a:r>
+          </a:p>
+        </p:txBody>
+      </p:sp>
+      <p:pic>
+        <p:nvPicPr>
+          <p:cNvPr id="4" name="Obrázek 3" descr="logo_jetbrains.tif"/>
+          <p:cNvPicPr>
+            <a:picLocks noChangeAspect="1"/>
+          </p:cNvPicPr>
+          <p:nvPr/>
+        </p:nvPicPr>
+        <p:blipFill>
+          <a:blip r:embed="rId4" cstate="print">
+            <a:clrChange>
+              <a:clrFrom>
+                <a:srgbClr val="FFFFFF"/>
+              </a:clrFrom>
+              <a:clrTo>
+                <a:srgbClr val="FFFFFF">
+                  <a:alpha val="0"/>
+                </a:srgbClr>
+              </a:clrTo>
+            </a:clrChange>
+          </a:blip>
+          <a:stretch>
+            <a:fillRect/>
+          </a:stretch>
+        </p:blipFill>
+        <p:spPr>
+          <a:xfrm>
+            <a:off x="5072066" y="5000636"/>
+            <a:ext cx="2418687" cy="928694"/>
+          </a:xfrm>
+          <a:prstGeom prst="rect">
+            <a:avLst/>
+          </a:prstGeom>
+        </p:spPr>
+      </p:pic>
+      <p:pic>
+        <p:nvPicPr>
+          <p:cNvPr id="9218" name="Picture 2" descr="http://jetbrains-java-academy.googlegroups.com/attach/a98d7908e16103d8/Member.gif?gda=ohudYEYAAACj_6sddv3GpgjRo6pCWO-iTUTQ6AIjER5ZxZjwcxgCQipCvwWZUes_HoVjQQt1p_w3MCnZ3ExGKa1voVhs8LxdWEbx3Jxluo-tWVup78SUNg&amp;view=1&amp;part=2"/>
+          <p:cNvPicPr>
+            <a:picLocks noChangeAspect="1" noChangeArrowheads="1"/>
+          </p:cNvPicPr>
+          <p:nvPr/>
+        </p:nvPicPr>
+        <p:blipFill>
+          <a:blip r:embed="rId5" cstate="print">
+            <a:clrChange>
+              <a:clrFrom>
+                <a:srgbClr val="FFFFFF"/>
+              </a:clrFrom>
+              <a:clrTo>
+                <a:srgbClr val="FFFFFF">
+                  <a:alpha val="0"/>
+                </a:srgbClr>
+              </a:clrTo>
+            </a:clrChange>
+          </a:blip>
+          <a:srcRect/>
+          <a:stretch>
+            <a:fillRect/>
+          </a:stretch>
+        </p:blipFill>
+        <p:spPr bwMode="auto">
+          <a:xfrm>
+            <a:off x="7715272" y="5000636"/>
+            <a:ext cx="790826" cy="1071570"/>
+          </a:xfrm>
+          <a:prstGeom prst="rect">
+            <a:avLst/>
+          </a:prstGeom>
+          <a:noFill/>
+          <a:scene3d>
+            <a:camera prst="orthographicFront">
+              <a:rot lat="0" lon="0" rev="19799999"/>
+            </a:camera>
+            <a:lightRig rig="threePt" dir="t"/>
+          </a:scene3d>
+        </p:spPr>
+      </p:pic>
+      <p:sp>
+        <p:nvSpPr>
+          <p:cNvPr id="5" name="TextovéPole 4"/>
+          <p:cNvSpPr txBox="1"/>
+          <p:nvPr/>
+        </p:nvSpPr>
+        <p:spPr>
+          <a:xfrm>
+            <a:off x="5072066" y="4572008"/>
+            <a:ext cx="1857388" cy="369332"/>
+          </a:xfrm>
+          <a:prstGeom prst="rect">
+            <a:avLst/>
+          </a:prstGeom>
+          <a:noFill/>
+        </p:spPr>
+        <p:txBody>
+          <a:bodyPr wrap="square" rtlCol="0">
+            <a:spAutoFit/>
+          </a:bodyPr>
+          <a:lstStyle/>
+          <a:p>
+            <a:r>
+              <a:rPr lang="cs-CZ" sz="1800" dirty="0" smtClean="0"/>
+              <a:t>Sponzor:</a:t>
+            </a:r>
+            <a:endParaRPr lang="cs-CZ" sz="1800" dirty="0"/>
           </a:p>
         </p:txBody>
       </p:sp>
@@ -5152,7 +5748,7 @@
 </p:sld>
 </file>
 
-<file path=ppt/slides/slide2.xml><?xml version="1.0" encoding="utf-8"?>
+<file path=ppt/slides/slide10.xml><?xml version="1.0" encoding="utf-8"?>
 <p:sld xmlns:a="http://schemas.openxmlformats.org/drawingml/2006/main" xmlns:r="http://schemas.openxmlformats.org/officeDocument/2006/relationships" xmlns:p="http://schemas.openxmlformats.org/presentationml/2006/main">
   <p:cSld>
     <p:spTree>
@@ -5171,7 +5767,7 @@
       </p:grpSpPr>
       <p:sp>
         <p:nvSpPr>
-          <p:cNvPr id="4098" name="Nadpis 1"/>
+          <p:cNvPr id="2" name="Nadpis 1"/>
           <p:cNvSpPr>
             <a:spLocks noGrp="1"/>
           </p:cNvSpPr>
@@ -5185,19 +5781,16 @@
           <a:lstStyle/>
           <a:p>
             <a:r>
-              <a:rPr lang="cs-CZ" dirty="0" err="1" smtClean="0"/>
-              <a:t>SetUp</a:t>
-            </a:r>
-            <a:r>
               <a:rPr lang="cs-CZ" dirty="0" smtClean="0"/>
-              <a:t> připojení</a:t>
-            </a:r>
-          </a:p>
-        </p:txBody>
-      </p:sp>
-      <p:sp>
-        <p:nvSpPr>
-          <p:cNvPr id="4099" name="Zástupný symbol pro obsah 2"/>
+              <a:t>Anotace místo XML</a:t>
+            </a:r>
+            <a:endParaRPr lang="cs-CZ" dirty="0"/>
+          </a:p>
+        </p:txBody>
+      </p:sp>
+      <p:sp>
+        <p:nvSpPr>
+          <p:cNvPr id="3" name="Zástupný symbol pro obsah 2"/>
           <p:cNvSpPr>
             <a:spLocks noGrp="1"/>
           </p:cNvSpPr>
@@ -5211,141 +5804,288 @@
           <a:lstStyle/>
           <a:p>
             <a:r>
-              <a:rPr lang="cs-CZ" sz="2000" dirty="0" err="1" smtClean="0"/>
-              <a:t>cz.novoj.ibatis.IBatisInitializationTest</a:t>
-            </a:r>
-            <a:endParaRPr lang="cs-CZ" sz="2000" smtClean="0"/>
-          </a:p>
-          <a:p>
-            <a:r>
-              <a:rPr lang="cs-CZ" sz="2000" dirty="0" err="1" smtClean="0"/>
-              <a:t>Pure</a:t>
-            </a:r>
-            <a:r>
-              <a:rPr lang="cs-CZ" sz="2000" dirty="0" smtClean="0"/>
+              <a:rPr lang="cs-CZ" sz="2000" b="1" dirty="0" smtClean="0">
+                <a:ln w="12700">
+                  <a:solidFill>
+                    <a:schemeClr val="tx2">
+                      <a:satMod val="155000"/>
+                    </a:schemeClr>
+                  </a:solidFill>
+                  <a:prstDash val="solid"/>
+                </a:ln>
+                <a:solidFill>
+                  <a:schemeClr val="bg2">
+                    <a:tint val="85000"/>
+                    <a:satMod val="155000"/>
+                  </a:schemeClr>
+                </a:solidFill>
+                <a:effectLst>
+                  <a:outerShdw blurRad="41275" dist="20320" dir="1800000" algn="tl" rotWithShape="0">
+                    <a:srgbClr val="000000">
+                      <a:alpha val="40000"/>
+                    </a:srgbClr>
+                  </a:outerShdw>
+                </a:effectLst>
+              </a:rPr>
+              <a:t>E_</a:t>
+            </a:r>
+            <a:r>
+              <a:rPr lang="cs-CZ" sz="2000" b="1" dirty="0" err="1" smtClean="0">
+                <a:ln w="12700">
+                  <a:solidFill>
+                    <a:schemeClr val="tx2">
+                      <a:satMod val="155000"/>
+                    </a:schemeClr>
+                  </a:solidFill>
+                  <a:prstDash val="solid"/>
+                </a:ln>
+                <a:solidFill>
+                  <a:schemeClr val="bg2">
+                    <a:tint val="85000"/>
+                    <a:satMod val="155000"/>
+                  </a:schemeClr>
+                </a:solidFill>
+                <a:effectLst>
+                  <a:outerShdw blurRad="41275" dist="20320" dir="1800000" algn="tl" rotWithShape="0">
+                    <a:srgbClr val="000000">
+                      <a:alpha val="40000"/>
+                    </a:srgbClr>
+                  </a:outerShdw>
+                </a:effectLst>
+              </a:rPr>
+              <a:t>AnnotationBasedProductMapperTest</a:t>
+            </a:r>
+            <a:endParaRPr lang="cs-CZ" sz="1800" dirty="0" smtClean="0"/>
+          </a:p>
+          <a:p>
+            <a:pPr lvl="1"/>
+            <a:r>
+              <a:rPr lang="cs-CZ" sz="1800" dirty="0" err="1" smtClean="0"/>
+              <a:t>countProducts</a:t>
+            </a:r>
+            <a:endParaRPr lang="cs-CZ" sz="1800" dirty="0" smtClean="0"/>
+          </a:p>
+          <a:p>
+            <a:pPr lvl="2">
+              <a:buNone/>
+            </a:pPr>
+            <a:r>
+              <a:rPr lang="cs-CZ" sz="1600" dirty="0" err="1" smtClean="0">
+                <a:solidFill>
+                  <a:schemeClr val="tx1"/>
+                </a:solidFill>
+              </a:rPr>
+              <a:t>select</a:t>
+            </a:r>
+            <a:r>
+              <a:rPr lang="cs-CZ" sz="1600" dirty="0" smtClean="0">
+                <a:solidFill>
+                  <a:schemeClr val="tx1"/>
+                </a:solidFill>
+              </a:rPr>
               <a:t> </a:t>
             </a:r>
             <a:r>
-              <a:rPr lang="cs-CZ" sz="2000" dirty="0" err="1" smtClean="0"/>
-              <a:t>iBatis</a:t>
-            </a:r>
-            <a:endParaRPr lang="cs-CZ" sz="2000" dirty="0" smtClean="0"/>
-          </a:p>
-          <a:p>
-            <a:r>
-              <a:rPr lang="cs-CZ" sz="2000" dirty="0" err="1" smtClean="0"/>
-              <a:t>Spring</a:t>
-            </a:r>
-            <a:r>
-              <a:rPr lang="cs-CZ" sz="2000" dirty="0" smtClean="0"/>
-              <a:t> Framework (podpora plánována do 3.1)</a:t>
-            </a:r>
+              <a:rPr lang="cs-CZ" sz="1600" dirty="0" err="1" smtClean="0">
+                <a:solidFill>
+                  <a:schemeClr val="tx1"/>
+                </a:solidFill>
+              </a:rPr>
+              <a:t>count</a:t>
+            </a:r>
+            <a:r>
+              <a:rPr lang="cs-CZ" sz="1600" dirty="0" smtClean="0">
+                <a:solidFill>
+                  <a:schemeClr val="tx1"/>
+                </a:solidFill>
+              </a:rPr>
+              <a:t>(0) </a:t>
+            </a:r>
+            <a:r>
+              <a:rPr lang="cs-CZ" sz="1600" dirty="0" err="1" smtClean="0">
+                <a:solidFill>
+                  <a:schemeClr val="tx1"/>
+                </a:solidFill>
+              </a:rPr>
+              <a:t>from</a:t>
+            </a:r>
+            <a:r>
+              <a:rPr lang="cs-CZ" sz="1600" dirty="0" smtClean="0">
+                <a:solidFill>
+                  <a:schemeClr val="tx1"/>
+                </a:solidFill>
+              </a:rPr>
+              <a:t> </a:t>
+            </a:r>
+            <a:r>
+              <a:rPr lang="cs-CZ" sz="1600" dirty="0" err="1" smtClean="0">
+                <a:solidFill>
+                  <a:schemeClr val="tx1"/>
+                </a:solidFill>
+              </a:rPr>
+              <a:t>product</a:t>
+            </a:r>
+            <a:endParaRPr lang="cs-CZ" sz="1600" dirty="0" smtClean="0">
+              <a:solidFill>
+                <a:schemeClr val="tx1"/>
+              </a:solidFill>
+            </a:endParaRPr>
           </a:p>
           <a:p>
             <a:pPr lvl="1"/>
             <a:r>
-              <a:rPr lang="cs-CZ" sz="1700" dirty="0" smtClean="0">
-                <a:hlinkClick r:id="rId3"/>
-              </a:rPr>
-              <a:t>http://jira.springframework.org/browse/SPR-5991</a:t>
-            </a:r>
-            <a:r>
-              <a:rPr lang="cs-CZ" sz="1700" dirty="0" smtClean="0"/>
+              <a:rPr lang="cs-CZ" sz="1800" dirty="0" err="1" smtClean="0"/>
+              <a:t>getProductById</a:t>
+            </a:r>
+            <a:endParaRPr lang="cs-CZ" sz="1800" dirty="0" smtClean="0"/>
+          </a:p>
+          <a:p>
+            <a:pPr lvl="2">
+              <a:buNone/>
+            </a:pPr>
+            <a:r>
+              <a:rPr lang="en-US" sz="1600" dirty="0" smtClean="0">
+                <a:solidFill>
+                  <a:schemeClr val="tx1"/>
+                </a:solidFill>
+              </a:rPr>
+              <a:t>select product.* , productGroup.name as </a:t>
+            </a:r>
+            <a:r>
+              <a:rPr lang="en-US" sz="1600" dirty="0" err="1" smtClean="0">
+                <a:solidFill>
+                  <a:schemeClr val="tx1"/>
+                </a:solidFill>
+              </a:rPr>
+              <a:t>groupName</a:t>
+            </a:r>
+            <a:r>
+              <a:rPr lang="en-US" sz="1600" dirty="0" smtClean="0">
+                <a:solidFill>
+                  <a:schemeClr val="tx1"/>
+                </a:solidFill>
+              </a:rPr>
+              <a:t>,</a:t>
+            </a:r>
+            <a:r>
+              <a:rPr lang="cs-CZ" sz="1600" dirty="0" smtClean="0">
+                <a:solidFill>
+                  <a:schemeClr val="tx1"/>
+                </a:solidFill>
+              </a:rPr>
               <a:t> </a:t>
             </a:r>
-          </a:p>
-          <a:p>
-            <a:r>
-              <a:rPr lang="cs-CZ" sz="1800" b="1" i="1" dirty="0" err="1" smtClean="0"/>
-              <a:t>SqlSessionFactoryBuilder</a:t>
-            </a:r>
-            <a:endParaRPr lang="cs-CZ" sz="1800" b="1" i="1" dirty="0" smtClean="0"/>
-          </a:p>
-          <a:p>
-            <a:pPr lvl="1"/>
-            <a:r>
-              <a:rPr lang="cs-CZ" sz="1500" dirty="0" smtClean="0"/>
-              <a:t>jednoúčelový objekt sloužící pro vytvoření </a:t>
-            </a:r>
-            <a:r>
-              <a:rPr lang="cs-CZ" sz="1500" dirty="0" err="1" smtClean="0"/>
-              <a:t>SqlSessionFactory</a:t>
-            </a:r>
-            <a:r>
-              <a:rPr lang="cs-CZ" sz="1500" dirty="0" smtClean="0"/>
-              <a:t> – možno ihned zahodit</a:t>
-            </a:r>
-          </a:p>
-          <a:p>
-            <a:r>
-              <a:rPr lang="cs-CZ" sz="1800" b="1" i="1" dirty="0" err="1" smtClean="0"/>
-              <a:t>SqlSessionFactory</a:t>
-            </a:r>
-            <a:endParaRPr lang="cs-CZ" sz="1800" b="1" i="1" dirty="0" smtClean="0"/>
-          </a:p>
-          <a:p>
-            <a:pPr lvl="1"/>
-            <a:r>
-              <a:rPr lang="cs-CZ" sz="1500" dirty="0" smtClean="0"/>
-              <a:t>sdílená v aplikaci, </a:t>
-            </a:r>
-            <a:r>
-              <a:rPr lang="cs-CZ" sz="1500" dirty="0" err="1" smtClean="0"/>
-              <a:t>thread</a:t>
-            </a:r>
-            <a:r>
-              <a:rPr lang="cs-CZ" sz="1500" dirty="0" smtClean="0"/>
-              <a:t>-safe, pracovat jako se </a:t>
-            </a:r>
-            <a:r>
-              <a:rPr lang="cs-CZ" sz="1500" dirty="0" err="1" smtClean="0"/>
-              <a:t>singletonem</a:t>
-            </a:r>
-            <a:endParaRPr lang="cs-CZ" sz="1500" dirty="0" smtClean="0"/>
-          </a:p>
-          <a:p>
-            <a:r>
-              <a:rPr lang="cs-CZ" sz="1800" b="1" i="1" dirty="0" err="1" smtClean="0"/>
-              <a:t>SqlSession</a:t>
-            </a:r>
-            <a:endParaRPr lang="cs-CZ" sz="1800" b="1" i="1" dirty="0" smtClean="0"/>
-          </a:p>
-          <a:p>
-            <a:pPr lvl="1"/>
-            <a:r>
-              <a:rPr lang="cs-CZ" sz="1500" dirty="0" smtClean="0"/>
-              <a:t>pro každý </a:t>
-            </a:r>
-            <a:r>
-              <a:rPr lang="cs-CZ" sz="1500" dirty="0" err="1" smtClean="0"/>
-              <a:t>thread</a:t>
-            </a:r>
-            <a:r>
-              <a:rPr lang="cs-CZ" sz="1500" dirty="0" smtClean="0"/>
-              <a:t> unikání (není </a:t>
-            </a:r>
-            <a:r>
-              <a:rPr lang="cs-CZ" sz="1500" dirty="0" err="1" smtClean="0"/>
-              <a:t>thread</a:t>
-            </a:r>
-            <a:r>
-              <a:rPr lang="cs-CZ" sz="1500" dirty="0" smtClean="0"/>
-              <a:t>-safe)</a:t>
-            </a:r>
-          </a:p>
-          <a:p>
-            <a:pPr lvl="1"/>
-            <a:r>
-              <a:rPr lang="cs-CZ" sz="1500" dirty="0" smtClean="0"/>
-              <a:t>ideálně otevřít na začátku </a:t>
-            </a:r>
-            <a:r>
-              <a:rPr lang="cs-CZ" sz="1500" dirty="0" err="1" smtClean="0"/>
-              <a:t>requestu</a:t>
-            </a:r>
-            <a:r>
-              <a:rPr lang="cs-CZ" sz="1500" dirty="0" smtClean="0"/>
-              <a:t> a na konci ji zase zavřít</a:t>
+            <a:r>
+              <a:rPr lang="en-US" sz="1600" dirty="0" err="1" smtClean="0">
+                <a:solidFill>
+                  <a:schemeClr val="tx1"/>
+                </a:solidFill>
+              </a:rPr>
+              <a:t>productGroup.groupType</a:t>
+            </a:r>
+            <a:r>
+              <a:rPr lang="cs-CZ" sz="1600" dirty="0" smtClean="0">
+                <a:solidFill>
+                  <a:schemeClr val="tx1"/>
+                </a:solidFill>
+              </a:rPr>
+              <a:t> </a:t>
+            </a:r>
+            <a:r>
+              <a:rPr lang="en-US" sz="1600" dirty="0" smtClean="0">
+                <a:solidFill>
+                  <a:schemeClr val="tx1"/>
+                </a:solidFill>
+              </a:rPr>
+              <a:t>from </a:t>
+            </a:r>
+            <a:r>
+              <a:rPr lang="en-US" sz="1600" dirty="0" smtClean="0">
+                <a:solidFill>
+                  <a:schemeClr val="tx1"/>
+                </a:solidFill>
+              </a:rPr>
+              <a:t>product inner join </a:t>
+            </a:r>
+            <a:r>
+              <a:rPr lang="en-US" sz="1600" dirty="0" err="1" smtClean="0">
+                <a:solidFill>
+                  <a:schemeClr val="tx1"/>
+                </a:solidFill>
+              </a:rPr>
+              <a:t>productGroup</a:t>
+            </a:r>
+            <a:r>
+              <a:rPr lang="en-US" sz="1600" dirty="0" smtClean="0">
+                <a:solidFill>
+                  <a:schemeClr val="tx1"/>
+                </a:solidFill>
+              </a:rPr>
+              <a:t> on </a:t>
+            </a:r>
+            <a:r>
+              <a:rPr lang="en-US" sz="1600" dirty="0" err="1" smtClean="0">
+                <a:solidFill>
+                  <a:schemeClr val="tx1"/>
+                </a:solidFill>
+              </a:rPr>
+              <a:t>idGroup</a:t>
+            </a:r>
+            <a:r>
+              <a:rPr lang="en-US" sz="1600" dirty="0" smtClean="0">
+                <a:solidFill>
+                  <a:schemeClr val="tx1"/>
+                </a:solidFill>
+              </a:rPr>
+              <a:t> = </a:t>
+            </a:r>
+            <a:r>
+              <a:rPr lang="en-US" sz="1600" dirty="0" smtClean="0">
+                <a:solidFill>
+                  <a:schemeClr val="tx1"/>
+                </a:solidFill>
+              </a:rPr>
+              <a:t>productGroup.id</a:t>
+            </a:r>
+            <a:r>
+              <a:rPr lang="cs-CZ" sz="1600" dirty="0" smtClean="0">
+                <a:solidFill>
+                  <a:schemeClr val="tx1"/>
+                </a:solidFill>
+              </a:rPr>
+              <a:t> </a:t>
+            </a:r>
+            <a:r>
+              <a:rPr lang="en-US" sz="1600" dirty="0" smtClean="0">
+                <a:solidFill>
+                  <a:schemeClr val="tx1"/>
+                </a:solidFill>
+              </a:rPr>
+              <a:t>where </a:t>
+            </a:r>
+            <a:r>
+              <a:rPr lang="en-US" sz="1600" dirty="0" smtClean="0">
+                <a:solidFill>
+                  <a:schemeClr val="tx1"/>
+                </a:solidFill>
+              </a:rPr>
+              <a:t>id = </a:t>
+            </a:r>
+            <a:r>
+              <a:rPr lang="en-US" sz="1600" dirty="0" smtClean="0">
+                <a:solidFill>
+                  <a:schemeClr val="tx1"/>
+                </a:solidFill>
+              </a:rPr>
+              <a:t>#</a:t>
+            </a:r>
+            <a:r>
+              <a:rPr lang="cs-CZ" sz="1600" dirty="0" smtClean="0">
+                <a:solidFill>
+                  <a:schemeClr val="tx1"/>
+                </a:solidFill>
+              </a:rPr>
+              <a:t>?</a:t>
             </a:r>
           </a:p>
         </p:txBody>
@@ -5368,12 +6108,12 @@
             <a:pPr>
               <a:defRPr/>
             </a:pPr>
-            <a:fld id="{A6112C02-2ADB-4963-B455-E27F555BA63A}" type="slidenum">
+            <a:fld id="{9AF1F007-AFEE-4035-9C51-B1CFC008845C}" type="slidenum">
               <a:rPr lang="cs-CZ" smtClean="0"/>
               <a:pPr>
                 <a:defRPr/>
               </a:pPr>
-              <a:t>2</a:t>
+              <a:t>10</a:t>
             </a:fld>
             <a:endParaRPr lang="cs-CZ"/>
           </a:p>
@@ -5410,7 +6150,7 @@
   <p:clrMapOvr>
     <a:masterClrMapping/>
   </p:clrMapOvr>
-  <p:transition advTm="177966">
+  <p:transition>
     <p:fade thruBlk="1"/>
   </p:transition>
   <p:timing>
@@ -5423,7 +6163,7 @@
 </p:sld>
 </file>
 
-<file path=ppt/slides/slide3.xml><?xml version="1.0" encoding="utf-8"?>
+<file path=ppt/slides/slide11.xml><?xml version="1.0" encoding="utf-8"?>
 <p:sld xmlns:a="http://schemas.openxmlformats.org/drawingml/2006/main" xmlns:r="http://schemas.openxmlformats.org/officeDocument/2006/relationships" xmlns:p="http://schemas.openxmlformats.org/presentationml/2006/main">
   <p:cSld>
     <p:spTree>
@@ -5440,9 +6180,33 @@
           <a:chExt cx="0" cy="0"/>
         </a:xfrm>
       </p:grpSpPr>
-      <p:sp>
-        <p:nvSpPr>
-          <p:cNvPr id="4098" name="Nadpis 1"/>
+      <p:pic>
+        <p:nvPicPr>
+          <p:cNvPr id="7" name="Obrázek 6" descr="User-class-model.png"/>
+          <p:cNvPicPr>
+            <a:picLocks noChangeAspect="1"/>
+          </p:cNvPicPr>
+          <p:nvPr/>
+        </p:nvPicPr>
+        <p:blipFill>
+          <a:blip r:embed="rId3" cstate="print"/>
+          <a:stretch>
+            <a:fillRect/>
+          </a:stretch>
+        </p:blipFill>
+        <p:spPr>
+          <a:xfrm>
+            <a:off x="642910" y="1428736"/>
+            <a:ext cx="7953375" cy="4857750"/>
+          </a:xfrm>
+          <a:prstGeom prst="rect">
+            <a:avLst/>
+          </a:prstGeom>
+        </p:spPr>
+      </p:pic>
+      <p:sp>
+        <p:nvSpPr>
+          <p:cNvPr id="2" name="Nadpis 1"/>
           <p:cNvSpPr>
             <a:spLocks noGrp="1"/>
           </p:cNvSpPr>
@@ -5457,14 +6221,15 @@
           <a:p>
             <a:r>
               <a:rPr lang="cs-CZ" dirty="0" smtClean="0"/>
-              <a:t>Priorita dat</a:t>
-            </a:r>
-          </a:p>
-        </p:txBody>
-      </p:sp>
-      <p:sp>
-        <p:nvSpPr>
-          <p:cNvPr id="4099" name="Zástupný symbol pro obsah 2"/>
+              <a:t>Diskriminátor</a:t>
+            </a:r>
+            <a:endParaRPr lang="cs-CZ" dirty="0"/>
+          </a:p>
+        </p:txBody>
+      </p:sp>
+      <p:sp>
+        <p:nvSpPr>
+          <p:cNvPr id="3" name="Zástupný symbol pro obsah 2"/>
           <p:cNvSpPr>
             <a:spLocks noGrp="1"/>
           </p:cNvSpPr>
@@ -5478,23 +6243,57 @@
           <a:lstStyle/>
           <a:p>
             <a:r>
-              <a:rPr lang="cs-CZ" sz="1800" dirty="0" smtClean="0"/>
-              <a:t>Programové</a:t>
-            </a:r>
-          </a:p>
-          <a:p>
-            <a:r>
-              <a:rPr lang="cs-CZ" sz="1800" dirty="0" smtClean="0"/>
-              <a:t>XML</a:t>
-            </a:r>
-          </a:p>
-          <a:p>
-            <a:r>
-              <a:rPr lang="cs-CZ" sz="1800" dirty="0" smtClean="0"/>
-              <a:t>Anotace</a:t>
-            </a:r>
-          </a:p>
-          <a:p>
+              <a:rPr lang="cs-CZ" sz="2000" b="1" dirty="0" smtClean="0">
+                <a:ln w="12700">
+                  <a:solidFill>
+                    <a:schemeClr val="tx2">
+                      <a:satMod val="155000"/>
+                    </a:schemeClr>
+                  </a:solidFill>
+                  <a:prstDash val="solid"/>
+                </a:ln>
+                <a:solidFill>
+                  <a:schemeClr val="bg2">
+                    <a:tint val="85000"/>
+                    <a:satMod val="155000"/>
+                  </a:schemeClr>
+                </a:solidFill>
+                <a:effectLst>
+                  <a:outerShdw blurRad="41275" dist="20320" dir="1800000" algn="tl" rotWithShape="0">
+                    <a:srgbClr val="000000">
+                      <a:alpha val="40000"/>
+                    </a:srgbClr>
+                  </a:outerShdw>
+                </a:effectLst>
+              </a:rPr>
+              <a:t>F_</a:t>
+            </a:r>
+            <a:r>
+              <a:rPr lang="cs-CZ" sz="2000" b="1" dirty="0" err="1" smtClean="0">
+                <a:ln w="12700">
+                  <a:solidFill>
+                    <a:schemeClr val="tx2">
+                      <a:satMod val="155000"/>
+                    </a:schemeClr>
+                  </a:solidFill>
+                  <a:prstDash val="solid"/>
+                </a:ln>
+                <a:solidFill>
+                  <a:schemeClr val="bg2">
+                    <a:tint val="85000"/>
+                    <a:satMod val="155000"/>
+                  </a:schemeClr>
+                </a:solidFill>
+                <a:effectLst>
+                  <a:outerShdw blurRad="41275" dist="20320" dir="1800000" algn="tl" rotWithShape="0">
+                    <a:srgbClr val="000000">
+                      <a:alpha val="40000"/>
+                    </a:srgbClr>
+                  </a:outerShdw>
+                </a:effectLst>
+              </a:rPr>
+              <a:t>UserMapperTest</a:t>
+            </a:r>
             <a:endParaRPr lang="cs-CZ" sz="1800" dirty="0" smtClean="0"/>
           </a:p>
         </p:txBody>
@@ -5517,12 +6316,12 @@
             <a:pPr>
               <a:defRPr/>
             </a:pPr>
-            <a:fld id="{A6112C02-2ADB-4963-B455-E27F555BA63A}" type="slidenum">
+            <a:fld id="{9AF1F007-AFEE-4035-9C51-B1CFC008845C}" type="slidenum">
               <a:rPr lang="cs-CZ" smtClean="0"/>
               <a:pPr>
                 <a:defRPr/>
               </a:pPr>
-              <a:t>3</a:t>
+              <a:t>11</a:t>
             </a:fld>
             <a:endParaRPr lang="cs-CZ"/>
           </a:p>
@@ -5554,481 +6353,41 @@
           </a:p>
         </p:txBody>
       </p:sp>
+      <p:pic>
+        <p:nvPicPr>
+          <p:cNvPr id="6" name="Obrázek 5" descr="User-data-model.png"/>
+          <p:cNvPicPr>
+            <a:picLocks noChangeAspect="1"/>
+          </p:cNvPicPr>
+          <p:nvPr/>
+        </p:nvPicPr>
+        <p:blipFill>
+          <a:blip r:embed="rId4" cstate="print"/>
+          <a:stretch>
+            <a:fillRect/>
+          </a:stretch>
+        </p:blipFill>
+        <p:spPr>
+          <a:xfrm>
+            <a:off x="3571868" y="3214686"/>
+            <a:ext cx="2343150" cy="2695575"/>
+          </a:xfrm>
+          <a:prstGeom prst="rect">
+            <a:avLst/>
+          </a:prstGeom>
+          <a:effectLst>
+            <a:outerShdw blurRad="520700" sx="140000" sy="140000" algn="ctr" rotWithShape="0">
+              <a:schemeClr val="bg1"/>
+            </a:outerShdw>
+          </a:effectLst>
+        </p:spPr>
+      </p:pic>
     </p:spTree>
   </p:cSld>
   <p:clrMapOvr>
     <a:masterClrMapping/>
   </p:clrMapOvr>
-  <p:transition advTm="177966">
-    <p:fade thruBlk="1"/>
-  </p:transition>
-  <p:timing>
-    <p:tnLst>
-      <p:par>
-        <p:cTn id="1" dur="indefinite" restart="never" nodeType="tmRoot"/>
-      </p:par>
-    </p:tnLst>
-  </p:timing>
-</p:sld>
-</file>
-
-<file path=ppt/slides/slide4.xml><?xml version="1.0" encoding="utf-8"?>
-<p:sld xmlns:a="http://schemas.openxmlformats.org/drawingml/2006/main" xmlns:r="http://schemas.openxmlformats.org/officeDocument/2006/relationships" xmlns:p="http://schemas.openxmlformats.org/presentationml/2006/main" showMasterPhAnim="0">
-  <p:cSld>
-    <p:spTree>
-      <p:nvGrpSpPr>
-        <p:cNvPr id="1" name=""/>
-        <p:cNvGrpSpPr/>
-        <p:nvPr/>
-      </p:nvGrpSpPr>
-      <p:grpSpPr>
-        <a:xfrm>
-          <a:off x="0" y="0"/>
-          <a:ext cx="0" cy="0"/>
-          <a:chOff x="0" y="0"/>
-          <a:chExt cx="0" cy="0"/>
-        </a:xfrm>
-      </p:grpSpPr>
-      <p:sp>
-        <p:nvSpPr>
-          <p:cNvPr id="17410" name="Zástupný symbol pro číslo snímku 3"/>
-          <p:cNvSpPr>
-            <a:spLocks noGrp="1"/>
-          </p:cNvSpPr>
-          <p:nvPr>
-            <p:ph type="sldNum" sz="quarter" idx="10"/>
-          </p:nvPr>
-        </p:nvSpPr>
-        <p:spPr/>
-        <p:txBody>
-          <a:bodyPr/>
-          <a:lstStyle/>
-          <a:p>
-            <a:pPr>
-              <a:defRPr/>
-            </a:pPr>
-            <a:fld id="{1B49ED0A-F5BA-4E63-BAB1-AC05AF2A8F08}" type="slidenum">
-              <a:rPr lang="cs-CZ" smtClean="0"/>
-              <a:pPr>
-                <a:defRPr/>
-              </a:pPr>
-              <a:t>4</a:t>
-            </a:fld>
-            <a:endParaRPr lang="cs-CZ" smtClean="0"/>
-          </a:p>
-        </p:txBody>
-      </p:sp>
-      <p:sp>
-        <p:nvSpPr>
-          <p:cNvPr id="17411" name="Zástupný symbol pro zápatí 4"/>
-          <p:cNvSpPr>
-            <a:spLocks noGrp="1"/>
-          </p:cNvSpPr>
-          <p:nvPr>
-            <p:ph type="ftr" sz="quarter" idx="11"/>
-          </p:nvPr>
-        </p:nvSpPr>
-        <p:spPr/>
-        <p:txBody>
-          <a:bodyPr/>
-          <a:lstStyle/>
-          <a:p>
-            <a:pPr>
-              <a:defRPr/>
-            </a:pPr>
-            <a:r>
-              <a:rPr lang="cs-CZ" smtClean="0"/>
-              <a:t>www.fg.cz</a:t>
-            </a:r>
-          </a:p>
-        </p:txBody>
-      </p:sp>
-      <p:sp>
-        <p:nvSpPr>
-          <p:cNvPr id="23556" name="Rectangle 2"/>
-          <p:cNvSpPr>
-            <a:spLocks noGrp="1" noChangeArrowheads="1"/>
-          </p:cNvSpPr>
-          <p:nvPr>
-            <p:ph type="title"/>
-          </p:nvPr>
-        </p:nvSpPr>
-        <p:spPr/>
-        <p:txBody>
-          <a:bodyPr/>
-          <a:lstStyle/>
-          <a:p>
-            <a:pPr eaLnBrk="1" hangingPunct="1"/>
-            <a:r>
-              <a:rPr lang="cs-CZ" smtClean="0"/>
-              <a:t>Užitečné odkazy</a:t>
-            </a:r>
-          </a:p>
-        </p:txBody>
-      </p:sp>
-      <p:sp>
-        <p:nvSpPr>
-          <p:cNvPr id="35845" name="Rectangle 3"/>
-          <p:cNvSpPr>
-            <a:spLocks noGrp="1" noChangeArrowheads="1"/>
-          </p:cNvSpPr>
-          <p:nvPr>
-            <p:ph type="body" idx="1"/>
-          </p:nvPr>
-        </p:nvSpPr>
-        <p:spPr>
-          <a:xfrm>
-            <a:off x="422275" y="960438"/>
-            <a:ext cx="8229600" cy="4183062"/>
-          </a:xfrm>
-        </p:spPr>
-        <p:txBody>
-          <a:bodyPr/>
-          <a:lstStyle/>
-          <a:p>
-            <a:pPr eaLnBrk="1" hangingPunct="1"/>
-            <a:r>
-              <a:rPr lang="cs-CZ" dirty="0" smtClean="0">
-                <a:hlinkClick r:id="rId3"/>
-              </a:rPr>
-              <a:t>http://junit.org</a:t>
-            </a:r>
-            <a:r>
-              <a:rPr lang="cs-CZ" dirty="0" smtClean="0"/>
-              <a:t> (</a:t>
-            </a:r>
-            <a:r>
-              <a:rPr lang="cs-CZ" dirty="0" err="1" smtClean="0"/>
-              <a:t>jUnit</a:t>
-            </a:r>
-            <a:r>
-              <a:rPr lang="cs-CZ" dirty="0" smtClean="0"/>
-              <a:t> </a:t>
-            </a:r>
-            <a:r>
-              <a:rPr lang="cs-CZ" dirty="0" err="1" smtClean="0"/>
-              <a:t>homepage</a:t>
-            </a:r>
-            <a:r>
-              <a:rPr lang="cs-CZ" dirty="0" smtClean="0"/>
-              <a:t>)</a:t>
-            </a:r>
-          </a:p>
-          <a:p>
-            <a:pPr eaLnBrk="1" hangingPunct="1"/>
-            <a:r>
-              <a:rPr lang="cs-CZ" dirty="0" smtClean="0">
-                <a:hlinkClick r:id="rId4"/>
-              </a:rPr>
-              <a:t>http://www.</a:t>
-            </a:r>
-            <a:r>
-              <a:rPr lang="cs-CZ" dirty="0" err="1" smtClean="0">
-                <a:hlinkClick r:id="rId4"/>
-              </a:rPr>
-              <a:t>devx.com</a:t>
-            </a:r>
-            <a:r>
-              <a:rPr lang="cs-CZ" dirty="0" smtClean="0">
-                <a:hlinkClick r:id="rId4"/>
-              </a:rPr>
-              <a:t>/</a:t>
-            </a:r>
-            <a:r>
-              <a:rPr lang="cs-CZ" dirty="0" err="1" smtClean="0">
-                <a:hlinkClick r:id="rId4"/>
-              </a:rPr>
-              <a:t>Java</a:t>
-            </a:r>
-            <a:r>
-              <a:rPr lang="cs-CZ" dirty="0" smtClean="0">
-                <a:hlinkClick r:id="rId4"/>
-              </a:rPr>
-              <a:t>/</a:t>
-            </a:r>
-            <a:r>
-              <a:rPr lang="cs-CZ" dirty="0" err="1" smtClean="0">
-                <a:hlinkClick r:id="rId4"/>
-              </a:rPr>
-              <a:t>Article</a:t>
-            </a:r>
-            <a:r>
-              <a:rPr lang="cs-CZ" dirty="0" smtClean="0">
-                <a:hlinkClick r:id="rId4"/>
-              </a:rPr>
-              <a:t>/31983</a:t>
-            </a:r>
-            <a:r>
-              <a:rPr lang="cs-CZ" dirty="0" smtClean="0"/>
-              <a:t> (</a:t>
-            </a:r>
-            <a:r>
-              <a:rPr lang="cs-CZ" dirty="0" err="1" smtClean="0"/>
-              <a:t>jUnit</a:t>
-            </a:r>
-            <a:r>
-              <a:rPr lang="cs-CZ" dirty="0" smtClean="0"/>
-              <a:t> 4.x)</a:t>
-            </a:r>
-          </a:p>
-          <a:p>
-            <a:pPr eaLnBrk="1" hangingPunct="1"/>
-            <a:r>
-              <a:rPr lang="cs-CZ" dirty="0" smtClean="0">
-                <a:hlinkClick r:id="rId5"/>
-              </a:rPr>
-              <a:t>http://xunitpatterns.com</a:t>
-            </a:r>
-            <a:r>
-              <a:rPr lang="cs-CZ" dirty="0" smtClean="0"/>
-              <a:t> (</a:t>
-            </a:r>
-            <a:r>
-              <a:rPr lang="cs-CZ" dirty="0" err="1" smtClean="0"/>
-              <a:t>patterny</a:t>
-            </a:r>
-            <a:r>
-              <a:rPr lang="cs-CZ" dirty="0" smtClean="0"/>
-              <a:t> &amp; </a:t>
-            </a:r>
-            <a:r>
-              <a:rPr lang="cs-CZ" dirty="0" err="1" smtClean="0"/>
-              <a:t>antipatterny</a:t>
-            </a:r>
-            <a:r>
-              <a:rPr lang="cs-CZ" dirty="0" smtClean="0"/>
-              <a:t>)</a:t>
-            </a:r>
-          </a:p>
-          <a:p>
-            <a:pPr eaLnBrk="1" hangingPunct="1"/>
-            <a:r>
-              <a:rPr lang="cs-CZ" dirty="0" smtClean="0">
-                <a:hlinkClick r:id="rId6"/>
-              </a:rPr>
-              <a:t>http://www.</a:t>
-            </a:r>
-            <a:r>
-              <a:rPr lang="cs-CZ" dirty="0" err="1" smtClean="0">
-                <a:hlinkClick r:id="rId6"/>
-              </a:rPr>
-              <a:t>mockobjects.com</a:t>
-            </a:r>
-            <a:r>
-              <a:rPr lang="cs-CZ" dirty="0" smtClean="0"/>
-              <a:t> (techniky testování)</a:t>
-            </a:r>
-          </a:p>
-          <a:p>
-            <a:pPr eaLnBrk="1" hangingPunct="1"/>
-            <a:r>
-              <a:rPr lang="cs-CZ" dirty="0" smtClean="0">
-                <a:hlinkClick r:id="rId7"/>
-              </a:rPr>
-              <a:t>http://www.</a:t>
-            </a:r>
-            <a:r>
-              <a:rPr lang="cs-CZ" dirty="0" err="1" smtClean="0">
-                <a:hlinkClick r:id="rId7"/>
-              </a:rPr>
-              <a:t>easymock.org</a:t>
-            </a:r>
-            <a:r>
-              <a:rPr lang="cs-CZ" dirty="0" smtClean="0"/>
-              <a:t> (</a:t>
-            </a:r>
-            <a:r>
-              <a:rPr lang="cs-CZ" dirty="0" err="1" smtClean="0"/>
-              <a:t>mock</a:t>
-            </a:r>
-            <a:r>
-              <a:rPr lang="cs-CZ" dirty="0" smtClean="0"/>
-              <a:t> </a:t>
-            </a:r>
-            <a:r>
-              <a:rPr lang="cs-CZ" dirty="0" err="1" smtClean="0"/>
-              <a:t>testing</a:t>
-            </a:r>
-            <a:r>
-              <a:rPr lang="cs-CZ" dirty="0" smtClean="0"/>
-              <a:t> </a:t>
-            </a:r>
-            <a:r>
-              <a:rPr lang="cs-CZ" dirty="0" err="1" smtClean="0"/>
-              <a:t>tool</a:t>
-            </a:r>
-            <a:r>
-              <a:rPr lang="cs-CZ" dirty="0" smtClean="0"/>
-              <a:t>)</a:t>
-            </a:r>
-          </a:p>
-          <a:p>
-            <a:pPr eaLnBrk="1" hangingPunct="1"/>
-            <a:r>
-              <a:rPr lang="cs-CZ" dirty="0" smtClean="0">
-                <a:hlinkClick r:id="rId8"/>
-              </a:rPr>
-              <a:t>http://selenium.openqa.org</a:t>
-            </a:r>
-            <a:r>
-              <a:rPr lang="cs-CZ" dirty="0" smtClean="0"/>
-              <a:t> (testování web UI)</a:t>
-            </a:r>
-          </a:p>
-          <a:p>
-            <a:pPr eaLnBrk="1" hangingPunct="1"/>
-            <a:r>
-              <a:rPr lang="cs-CZ" dirty="0" smtClean="0">
-                <a:hlinkClick r:id="rId9"/>
-              </a:rPr>
-              <a:t>http://www.</a:t>
-            </a:r>
-            <a:r>
-              <a:rPr lang="cs-CZ" dirty="0" err="1" smtClean="0">
-                <a:hlinkClick r:id="rId9"/>
-              </a:rPr>
-              <a:t>martinfowler.com</a:t>
-            </a:r>
-            <a:r>
-              <a:rPr lang="cs-CZ" dirty="0" smtClean="0">
-                <a:hlinkClick r:id="rId9"/>
-              </a:rPr>
-              <a:t>/</a:t>
-            </a:r>
-            <a:r>
-              <a:rPr lang="cs-CZ" dirty="0" smtClean="0"/>
-              <a:t> (blog Martina </a:t>
-            </a:r>
-            <a:r>
-              <a:rPr lang="cs-CZ" dirty="0" err="1" smtClean="0"/>
-              <a:t>Fowlera</a:t>
-            </a:r>
-            <a:r>
-              <a:rPr lang="cs-CZ" dirty="0" smtClean="0"/>
-              <a:t>)</a:t>
-            </a:r>
-          </a:p>
-          <a:p>
-            <a:pPr eaLnBrk="1" hangingPunct="1"/>
-            <a:r>
-              <a:rPr lang="cs-CZ" dirty="0" smtClean="0">
-                <a:hlinkClick r:id="rId10"/>
-              </a:rPr>
-              <a:t>http://blog.</a:t>
-            </a:r>
-            <a:r>
-              <a:rPr lang="cs-CZ" dirty="0" err="1" smtClean="0">
-                <a:hlinkClick r:id="rId10"/>
-              </a:rPr>
-              <a:t>novoj.net</a:t>
-            </a:r>
-            <a:r>
-              <a:rPr lang="cs-CZ" dirty="0" smtClean="0"/>
-              <a:t> (Myšlenky dne Otce </a:t>
-            </a:r>
-            <a:r>
-              <a:rPr lang="cs-CZ" dirty="0" err="1" smtClean="0"/>
-              <a:t>Fura</a:t>
-            </a:r>
-            <a:r>
-              <a:rPr lang="cs-CZ" dirty="0" smtClean="0"/>
-              <a:t>)</a:t>
-            </a:r>
-          </a:p>
-          <a:p>
-            <a:pPr eaLnBrk="1" hangingPunct="1"/>
-            <a:r>
-              <a:rPr lang="cs-CZ" dirty="0" smtClean="0">
-                <a:hlinkClick r:id="rId11"/>
-              </a:rPr>
-              <a:t>http://www.</a:t>
-            </a:r>
-            <a:r>
-              <a:rPr lang="cs-CZ" dirty="0" err="1" smtClean="0">
-                <a:hlinkClick r:id="rId11"/>
-              </a:rPr>
-              <a:t>fg.cz</a:t>
-            </a:r>
-            <a:r>
-              <a:rPr lang="cs-CZ" dirty="0" smtClean="0"/>
-              <a:t> (Web společnosti FG Forrest - články)</a:t>
-            </a:r>
-          </a:p>
-        </p:txBody>
-      </p:sp>
-      <p:sp>
-        <p:nvSpPr>
-          <p:cNvPr id="35846" name="WordArt 4"/>
-          <p:cNvSpPr>
-            <a:spLocks noChangeArrowheads="1" noChangeShapeType="1" noTextEdit="1"/>
-          </p:cNvSpPr>
-          <p:nvPr/>
-        </p:nvSpPr>
-        <p:spPr bwMode="auto">
-          <a:xfrm>
-            <a:off x="2195513" y="5373688"/>
-            <a:ext cx="5381625" cy="906462"/>
-          </a:xfrm>
-          <a:prstGeom prst="rect">
-            <a:avLst/>
-          </a:prstGeom>
-        </p:spPr>
-        <p:txBody>
-          <a:bodyPr wrap="none" fromWordArt="1">
-            <a:prstTxWarp prst="textInflateTop">
-              <a:avLst>
-                <a:gd name="adj" fmla="val 31917"/>
-              </a:avLst>
-            </a:prstTxWarp>
-            <a:scene3d>
-              <a:camera prst="legacyObliqueTopLeft"/>
-              <a:lightRig rig="legacyNormal3" dir="r"/>
-            </a:scene3d>
-            <a:sp3d extrusionH="201600" prstMaterial="legacyMatte">
-              <a:extrusionClr>
-                <a:srgbClr val="0066CC"/>
-              </a:extrusionClr>
-            </a:sp3d>
-          </a:bodyPr>
-          <a:lstStyle/>
-          <a:p>
-            <a:pPr algn="ctr"/>
-            <a:r>
-              <a:rPr lang="cs-CZ" sz="4800" b="1" kern="10">
-                <a:ln w="9525">
-                  <a:round/>
-                  <a:headEnd/>
-                  <a:tailEnd/>
-                </a:ln>
-                <a:gradFill rotWithShape="1">
-                  <a:gsLst>
-                    <a:gs pos="0">
-                      <a:srgbClr val="FF0000"/>
-                    </a:gs>
-                    <a:gs pos="50000">
-                      <a:srgbClr val="FFCC00"/>
-                    </a:gs>
-                    <a:gs pos="100000">
-                      <a:srgbClr val="FF0000"/>
-                    </a:gs>
-                  </a:gsLst>
-                  <a:lin ang="0" scaled="1"/>
-                </a:gradFill>
-                <a:latin typeface="Arial Unicode MS"/>
-                <a:ea typeface="Arial Unicode MS"/>
-                <a:cs typeface="Arial Unicode MS"/>
-              </a:rPr>
-              <a:t>Děkuji za pozornost</a:t>
-            </a:r>
-          </a:p>
-        </p:txBody>
-      </p:sp>
-    </p:spTree>
-  </p:cSld>
-  <p:clrMapOvr>
-    <a:masterClrMapping/>
-  </p:clrMapOvr>
-  <p:transition advTm="123288">
+  <p:transition>
     <p:fade thruBlk="1"/>
   </p:transition>
   <p:timing>
@@ -6043,9 +6402,6 @@
                     <p:cTn id="3" fill="hold">
                       <p:stCondLst>
                         <p:cond delay="indefinite"/>
-                        <p:cond evt="onBegin" delay="0">
-                          <p:tn val="2"/>
-                        </p:cond>
                       </p:stCondLst>
                       <p:childTnLst>
                         <p:par>
@@ -6055,7 +6411,7 @@
                             </p:stCondLst>
                             <p:childTnLst>
                               <p:par>
-                                <p:cTn id="5" presetID="47" presetClass="entr" presetSubtype="0" fill="hold" grpId="0" nodeType="withEffect">
+                                <p:cTn id="5" presetID="23" presetClass="entr" presetSubtype="16" fill="hold" nodeType="clickEffect">
                                   <p:stCondLst>
                                     <p:cond delay="0"/>
                                   </p:stCondLst>
@@ -6068,889 +6424,7 @@
                                           </p:stCondLst>
                                         </p:cTn>
                                         <p:tgtEl>
-                                          <p:spTgt spid="35845">
-                                            <p:txEl>
-                                              <p:pRg st="0" end="0"/>
-                                            </p:txEl>
-                                          </p:spTgt>
-                                        </p:tgtEl>
-                                        <p:attrNameLst>
-                                          <p:attrName>style.visibility</p:attrName>
-                                        </p:attrNameLst>
-                                      </p:cBhvr>
-                                      <p:to>
-                                        <p:strVal val="visible"/>
-                                      </p:to>
-                                    </p:set>
-                                    <p:animEffect transition="in" filter="fade">
-                                      <p:cBhvr>
-                                        <p:cTn id="7" dur="500"/>
-                                        <p:tgtEl>
-                                          <p:spTgt spid="35845">
-                                            <p:txEl>
-                                              <p:pRg st="0" end="0"/>
-                                            </p:txEl>
-                                          </p:spTgt>
-                                        </p:tgtEl>
-                                      </p:cBhvr>
-                                    </p:animEffect>
-                                    <p:anim calcmode="lin" valueType="num">
-                                      <p:cBhvr>
-                                        <p:cTn id="8" dur="500" fill="hold"/>
-                                        <p:tgtEl>
-                                          <p:spTgt spid="35845">
-                                            <p:txEl>
-                                              <p:pRg st="0" end="0"/>
-                                            </p:txEl>
-                                          </p:spTgt>
-                                        </p:tgtEl>
-                                        <p:attrNameLst>
-                                          <p:attrName>ppt_x</p:attrName>
-                                        </p:attrNameLst>
-                                      </p:cBhvr>
-                                      <p:tavLst>
-                                        <p:tav tm="0">
-                                          <p:val>
-                                            <p:strVal val="#ppt_x"/>
-                                          </p:val>
-                                        </p:tav>
-                                        <p:tav tm="100000">
-                                          <p:val>
-                                            <p:strVal val="#ppt_x"/>
-                                          </p:val>
-                                        </p:tav>
-                                      </p:tavLst>
-                                    </p:anim>
-                                    <p:anim calcmode="lin" valueType="num">
-                                      <p:cBhvr>
-                                        <p:cTn id="9" dur="500" fill="hold"/>
-                                        <p:tgtEl>
-                                          <p:spTgt spid="35845">
-                                            <p:txEl>
-                                              <p:pRg st="0" end="0"/>
-                                            </p:txEl>
-                                          </p:spTgt>
-                                        </p:tgtEl>
-                                        <p:attrNameLst>
-                                          <p:attrName>ppt_y</p:attrName>
-                                        </p:attrNameLst>
-                                      </p:cBhvr>
-                                      <p:tavLst>
-                                        <p:tav tm="0">
-                                          <p:val>
-                                            <p:strVal val="#ppt_y-.1"/>
-                                          </p:val>
-                                        </p:tav>
-                                        <p:tav tm="100000">
-                                          <p:val>
-                                            <p:strVal val="#ppt_y"/>
-                                          </p:val>
-                                        </p:tav>
-                                      </p:tavLst>
-                                    </p:anim>
-                                  </p:childTnLst>
-                                </p:cTn>
-                              </p:par>
-                              <p:par>
-                                <p:cTn id="10" presetID="47" presetClass="entr" presetSubtype="0" fill="hold" grpId="0" nodeType="withEffect">
-                                  <p:stCondLst>
-                                    <p:cond delay="0"/>
-                                  </p:stCondLst>
-                                  <p:childTnLst>
-                                    <p:set>
-                                      <p:cBhvr>
-                                        <p:cTn id="11" dur="1" fill="hold">
-                                          <p:stCondLst>
-                                            <p:cond delay="0"/>
-                                          </p:stCondLst>
-                                        </p:cTn>
-                                        <p:tgtEl>
-                                          <p:spTgt spid="35845">
-                                            <p:txEl>
-                                              <p:pRg st="1" end="1"/>
-                                            </p:txEl>
-                                          </p:spTgt>
-                                        </p:tgtEl>
-                                        <p:attrNameLst>
-                                          <p:attrName>style.visibility</p:attrName>
-                                        </p:attrNameLst>
-                                      </p:cBhvr>
-                                      <p:to>
-                                        <p:strVal val="visible"/>
-                                      </p:to>
-                                    </p:set>
-                                    <p:animEffect transition="in" filter="fade">
-                                      <p:cBhvr>
-                                        <p:cTn id="12" dur="500"/>
-                                        <p:tgtEl>
-                                          <p:spTgt spid="35845">
-                                            <p:txEl>
-                                              <p:pRg st="1" end="1"/>
-                                            </p:txEl>
-                                          </p:spTgt>
-                                        </p:tgtEl>
-                                      </p:cBhvr>
-                                    </p:animEffect>
-                                    <p:anim calcmode="lin" valueType="num">
-                                      <p:cBhvr>
-                                        <p:cTn id="13" dur="500" fill="hold"/>
-                                        <p:tgtEl>
-                                          <p:spTgt spid="35845">
-                                            <p:txEl>
-                                              <p:pRg st="1" end="1"/>
-                                            </p:txEl>
-                                          </p:spTgt>
-                                        </p:tgtEl>
-                                        <p:attrNameLst>
-                                          <p:attrName>ppt_x</p:attrName>
-                                        </p:attrNameLst>
-                                      </p:cBhvr>
-                                      <p:tavLst>
-                                        <p:tav tm="0">
-                                          <p:val>
-                                            <p:strVal val="#ppt_x"/>
-                                          </p:val>
-                                        </p:tav>
-                                        <p:tav tm="100000">
-                                          <p:val>
-                                            <p:strVal val="#ppt_x"/>
-                                          </p:val>
-                                        </p:tav>
-                                      </p:tavLst>
-                                    </p:anim>
-                                    <p:anim calcmode="lin" valueType="num">
-                                      <p:cBhvr>
-                                        <p:cTn id="14" dur="500" fill="hold"/>
-                                        <p:tgtEl>
-                                          <p:spTgt spid="35845">
-                                            <p:txEl>
-                                              <p:pRg st="1" end="1"/>
-                                            </p:txEl>
-                                          </p:spTgt>
-                                        </p:tgtEl>
-                                        <p:attrNameLst>
-                                          <p:attrName>ppt_y</p:attrName>
-                                        </p:attrNameLst>
-                                      </p:cBhvr>
-                                      <p:tavLst>
-                                        <p:tav tm="0">
-                                          <p:val>
-                                            <p:strVal val="#ppt_y-.1"/>
-                                          </p:val>
-                                        </p:tav>
-                                        <p:tav tm="100000">
-                                          <p:val>
-                                            <p:strVal val="#ppt_y"/>
-                                          </p:val>
-                                        </p:tav>
-                                      </p:tavLst>
-                                    </p:anim>
-                                  </p:childTnLst>
-                                </p:cTn>
-                              </p:par>
-                              <p:par>
-                                <p:cTn id="15" presetID="47" presetClass="entr" presetSubtype="0" fill="hold" grpId="0" nodeType="withEffect">
-                                  <p:stCondLst>
-                                    <p:cond delay="0"/>
-                                  </p:stCondLst>
-                                  <p:childTnLst>
-                                    <p:set>
-                                      <p:cBhvr>
-                                        <p:cTn id="16" dur="1" fill="hold">
-                                          <p:stCondLst>
-                                            <p:cond delay="0"/>
-                                          </p:stCondLst>
-                                        </p:cTn>
-                                        <p:tgtEl>
-                                          <p:spTgt spid="35845">
-                                            <p:txEl>
-                                              <p:pRg st="2" end="2"/>
-                                            </p:txEl>
-                                          </p:spTgt>
-                                        </p:tgtEl>
-                                        <p:attrNameLst>
-                                          <p:attrName>style.visibility</p:attrName>
-                                        </p:attrNameLst>
-                                      </p:cBhvr>
-                                      <p:to>
-                                        <p:strVal val="visible"/>
-                                      </p:to>
-                                    </p:set>
-                                    <p:animEffect transition="in" filter="fade">
-                                      <p:cBhvr>
-                                        <p:cTn id="17" dur="500"/>
-                                        <p:tgtEl>
-                                          <p:spTgt spid="35845">
-                                            <p:txEl>
-                                              <p:pRg st="2" end="2"/>
-                                            </p:txEl>
-                                          </p:spTgt>
-                                        </p:tgtEl>
-                                      </p:cBhvr>
-                                    </p:animEffect>
-                                    <p:anim calcmode="lin" valueType="num">
-                                      <p:cBhvr>
-                                        <p:cTn id="18" dur="500" fill="hold"/>
-                                        <p:tgtEl>
-                                          <p:spTgt spid="35845">
-                                            <p:txEl>
-                                              <p:pRg st="2" end="2"/>
-                                            </p:txEl>
-                                          </p:spTgt>
-                                        </p:tgtEl>
-                                        <p:attrNameLst>
-                                          <p:attrName>ppt_x</p:attrName>
-                                        </p:attrNameLst>
-                                      </p:cBhvr>
-                                      <p:tavLst>
-                                        <p:tav tm="0">
-                                          <p:val>
-                                            <p:strVal val="#ppt_x"/>
-                                          </p:val>
-                                        </p:tav>
-                                        <p:tav tm="100000">
-                                          <p:val>
-                                            <p:strVal val="#ppt_x"/>
-                                          </p:val>
-                                        </p:tav>
-                                      </p:tavLst>
-                                    </p:anim>
-                                    <p:anim calcmode="lin" valueType="num">
-                                      <p:cBhvr>
-                                        <p:cTn id="19" dur="500" fill="hold"/>
-                                        <p:tgtEl>
-                                          <p:spTgt spid="35845">
-                                            <p:txEl>
-                                              <p:pRg st="2" end="2"/>
-                                            </p:txEl>
-                                          </p:spTgt>
-                                        </p:tgtEl>
-                                        <p:attrNameLst>
-                                          <p:attrName>ppt_y</p:attrName>
-                                        </p:attrNameLst>
-                                      </p:cBhvr>
-                                      <p:tavLst>
-                                        <p:tav tm="0">
-                                          <p:val>
-                                            <p:strVal val="#ppt_y-.1"/>
-                                          </p:val>
-                                        </p:tav>
-                                        <p:tav tm="100000">
-                                          <p:val>
-                                            <p:strVal val="#ppt_y"/>
-                                          </p:val>
-                                        </p:tav>
-                                      </p:tavLst>
-                                    </p:anim>
-                                  </p:childTnLst>
-                                </p:cTn>
-                              </p:par>
-                              <p:par>
-                                <p:cTn id="20" presetID="47" presetClass="entr" presetSubtype="0" fill="hold" grpId="0" nodeType="withEffect">
-                                  <p:stCondLst>
-                                    <p:cond delay="0"/>
-                                  </p:stCondLst>
-                                  <p:childTnLst>
-                                    <p:set>
-                                      <p:cBhvr>
-                                        <p:cTn id="21" dur="1" fill="hold">
-                                          <p:stCondLst>
-                                            <p:cond delay="0"/>
-                                          </p:stCondLst>
-                                        </p:cTn>
-                                        <p:tgtEl>
-                                          <p:spTgt spid="35845">
-                                            <p:txEl>
-                                              <p:pRg st="3" end="3"/>
-                                            </p:txEl>
-                                          </p:spTgt>
-                                        </p:tgtEl>
-                                        <p:attrNameLst>
-                                          <p:attrName>style.visibility</p:attrName>
-                                        </p:attrNameLst>
-                                      </p:cBhvr>
-                                      <p:to>
-                                        <p:strVal val="visible"/>
-                                      </p:to>
-                                    </p:set>
-                                    <p:animEffect transition="in" filter="fade">
-                                      <p:cBhvr>
-                                        <p:cTn id="22" dur="500"/>
-                                        <p:tgtEl>
-                                          <p:spTgt spid="35845">
-                                            <p:txEl>
-                                              <p:pRg st="3" end="3"/>
-                                            </p:txEl>
-                                          </p:spTgt>
-                                        </p:tgtEl>
-                                      </p:cBhvr>
-                                    </p:animEffect>
-                                    <p:anim calcmode="lin" valueType="num">
-                                      <p:cBhvr>
-                                        <p:cTn id="23" dur="500" fill="hold"/>
-                                        <p:tgtEl>
-                                          <p:spTgt spid="35845">
-                                            <p:txEl>
-                                              <p:pRg st="3" end="3"/>
-                                            </p:txEl>
-                                          </p:spTgt>
-                                        </p:tgtEl>
-                                        <p:attrNameLst>
-                                          <p:attrName>ppt_x</p:attrName>
-                                        </p:attrNameLst>
-                                      </p:cBhvr>
-                                      <p:tavLst>
-                                        <p:tav tm="0">
-                                          <p:val>
-                                            <p:strVal val="#ppt_x"/>
-                                          </p:val>
-                                        </p:tav>
-                                        <p:tav tm="100000">
-                                          <p:val>
-                                            <p:strVal val="#ppt_x"/>
-                                          </p:val>
-                                        </p:tav>
-                                      </p:tavLst>
-                                    </p:anim>
-                                    <p:anim calcmode="lin" valueType="num">
-                                      <p:cBhvr>
-                                        <p:cTn id="24" dur="500" fill="hold"/>
-                                        <p:tgtEl>
-                                          <p:spTgt spid="35845">
-                                            <p:txEl>
-                                              <p:pRg st="3" end="3"/>
-                                            </p:txEl>
-                                          </p:spTgt>
-                                        </p:tgtEl>
-                                        <p:attrNameLst>
-                                          <p:attrName>ppt_y</p:attrName>
-                                        </p:attrNameLst>
-                                      </p:cBhvr>
-                                      <p:tavLst>
-                                        <p:tav tm="0">
-                                          <p:val>
-                                            <p:strVal val="#ppt_y-.1"/>
-                                          </p:val>
-                                        </p:tav>
-                                        <p:tav tm="100000">
-                                          <p:val>
-                                            <p:strVal val="#ppt_y"/>
-                                          </p:val>
-                                        </p:tav>
-                                      </p:tavLst>
-                                    </p:anim>
-                                  </p:childTnLst>
-                                </p:cTn>
-                              </p:par>
-                              <p:par>
-                                <p:cTn id="25" presetID="47" presetClass="entr" presetSubtype="0" fill="hold" grpId="0" nodeType="withEffect">
-                                  <p:stCondLst>
-                                    <p:cond delay="0"/>
-                                  </p:stCondLst>
-                                  <p:childTnLst>
-                                    <p:set>
-                                      <p:cBhvr>
-                                        <p:cTn id="26" dur="1" fill="hold">
-                                          <p:stCondLst>
-                                            <p:cond delay="0"/>
-                                          </p:stCondLst>
-                                        </p:cTn>
-                                        <p:tgtEl>
-                                          <p:spTgt spid="35845">
-                                            <p:txEl>
-                                              <p:pRg st="4" end="4"/>
-                                            </p:txEl>
-                                          </p:spTgt>
-                                        </p:tgtEl>
-                                        <p:attrNameLst>
-                                          <p:attrName>style.visibility</p:attrName>
-                                        </p:attrNameLst>
-                                      </p:cBhvr>
-                                      <p:to>
-                                        <p:strVal val="visible"/>
-                                      </p:to>
-                                    </p:set>
-                                    <p:animEffect transition="in" filter="fade">
-                                      <p:cBhvr>
-                                        <p:cTn id="27" dur="500"/>
-                                        <p:tgtEl>
-                                          <p:spTgt spid="35845">
-                                            <p:txEl>
-                                              <p:pRg st="4" end="4"/>
-                                            </p:txEl>
-                                          </p:spTgt>
-                                        </p:tgtEl>
-                                      </p:cBhvr>
-                                    </p:animEffect>
-                                    <p:anim calcmode="lin" valueType="num">
-                                      <p:cBhvr>
-                                        <p:cTn id="28" dur="500" fill="hold"/>
-                                        <p:tgtEl>
-                                          <p:spTgt spid="35845">
-                                            <p:txEl>
-                                              <p:pRg st="4" end="4"/>
-                                            </p:txEl>
-                                          </p:spTgt>
-                                        </p:tgtEl>
-                                        <p:attrNameLst>
-                                          <p:attrName>ppt_x</p:attrName>
-                                        </p:attrNameLst>
-                                      </p:cBhvr>
-                                      <p:tavLst>
-                                        <p:tav tm="0">
-                                          <p:val>
-                                            <p:strVal val="#ppt_x"/>
-                                          </p:val>
-                                        </p:tav>
-                                        <p:tav tm="100000">
-                                          <p:val>
-                                            <p:strVal val="#ppt_x"/>
-                                          </p:val>
-                                        </p:tav>
-                                      </p:tavLst>
-                                    </p:anim>
-                                    <p:anim calcmode="lin" valueType="num">
-                                      <p:cBhvr>
-                                        <p:cTn id="29" dur="500" fill="hold"/>
-                                        <p:tgtEl>
-                                          <p:spTgt spid="35845">
-                                            <p:txEl>
-                                              <p:pRg st="4" end="4"/>
-                                            </p:txEl>
-                                          </p:spTgt>
-                                        </p:tgtEl>
-                                        <p:attrNameLst>
-                                          <p:attrName>ppt_y</p:attrName>
-                                        </p:attrNameLst>
-                                      </p:cBhvr>
-                                      <p:tavLst>
-                                        <p:tav tm="0">
-                                          <p:val>
-                                            <p:strVal val="#ppt_y-.1"/>
-                                          </p:val>
-                                        </p:tav>
-                                        <p:tav tm="100000">
-                                          <p:val>
-                                            <p:strVal val="#ppt_y"/>
-                                          </p:val>
-                                        </p:tav>
-                                      </p:tavLst>
-                                    </p:anim>
-                                  </p:childTnLst>
-                                </p:cTn>
-                              </p:par>
-                              <p:par>
-                                <p:cTn id="30" presetID="47" presetClass="entr" presetSubtype="0" fill="hold" grpId="0" nodeType="withEffect">
-                                  <p:stCondLst>
-                                    <p:cond delay="0"/>
-                                  </p:stCondLst>
-                                  <p:childTnLst>
-                                    <p:set>
-                                      <p:cBhvr>
-                                        <p:cTn id="31" dur="1" fill="hold">
-                                          <p:stCondLst>
-                                            <p:cond delay="0"/>
-                                          </p:stCondLst>
-                                        </p:cTn>
-                                        <p:tgtEl>
-                                          <p:spTgt spid="35845">
-                                            <p:txEl>
-                                              <p:pRg st="5" end="5"/>
-                                            </p:txEl>
-                                          </p:spTgt>
-                                        </p:tgtEl>
-                                        <p:attrNameLst>
-                                          <p:attrName>style.visibility</p:attrName>
-                                        </p:attrNameLst>
-                                      </p:cBhvr>
-                                      <p:to>
-                                        <p:strVal val="visible"/>
-                                      </p:to>
-                                    </p:set>
-                                    <p:animEffect transition="in" filter="fade">
-                                      <p:cBhvr>
-                                        <p:cTn id="32" dur="500"/>
-                                        <p:tgtEl>
-                                          <p:spTgt spid="35845">
-                                            <p:txEl>
-                                              <p:pRg st="5" end="5"/>
-                                            </p:txEl>
-                                          </p:spTgt>
-                                        </p:tgtEl>
-                                      </p:cBhvr>
-                                    </p:animEffect>
-                                    <p:anim calcmode="lin" valueType="num">
-                                      <p:cBhvr>
-                                        <p:cTn id="33" dur="500" fill="hold"/>
-                                        <p:tgtEl>
-                                          <p:spTgt spid="35845">
-                                            <p:txEl>
-                                              <p:pRg st="5" end="5"/>
-                                            </p:txEl>
-                                          </p:spTgt>
-                                        </p:tgtEl>
-                                        <p:attrNameLst>
-                                          <p:attrName>ppt_x</p:attrName>
-                                        </p:attrNameLst>
-                                      </p:cBhvr>
-                                      <p:tavLst>
-                                        <p:tav tm="0">
-                                          <p:val>
-                                            <p:strVal val="#ppt_x"/>
-                                          </p:val>
-                                        </p:tav>
-                                        <p:tav tm="100000">
-                                          <p:val>
-                                            <p:strVal val="#ppt_x"/>
-                                          </p:val>
-                                        </p:tav>
-                                      </p:tavLst>
-                                    </p:anim>
-                                    <p:anim calcmode="lin" valueType="num">
-                                      <p:cBhvr>
-                                        <p:cTn id="34" dur="500" fill="hold"/>
-                                        <p:tgtEl>
-                                          <p:spTgt spid="35845">
-                                            <p:txEl>
-                                              <p:pRg st="5" end="5"/>
-                                            </p:txEl>
-                                          </p:spTgt>
-                                        </p:tgtEl>
-                                        <p:attrNameLst>
-                                          <p:attrName>ppt_y</p:attrName>
-                                        </p:attrNameLst>
-                                      </p:cBhvr>
-                                      <p:tavLst>
-                                        <p:tav tm="0">
-                                          <p:val>
-                                            <p:strVal val="#ppt_y-.1"/>
-                                          </p:val>
-                                        </p:tav>
-                                        <p:tav tm="100000">
-                                          <p:val>
-                                            <p:strVal val="#ppt_y"/>
-                                          </p:val>
-                                        </p:tav>
-                                      </p:tavLst>
-                                    </p:anim>
-                                  </p:childTnLst>
-                                </p:cTn>
-                              </p:par>
-                              <p:par>
-                                <p:cTn id="35" presetID="47" presetClass="entr" presetSubtype="0" fill="hold" grpId="0" nodeType="withEffect">
-                                  <p:stCondLst>
-                                    <p:cond delay="0"/>
-                                  </p:stCondLst>
-                                  <p:childTnLst>
-                                    <p:set>
-                                      <p:cBhvr>
-                                        <p:cTn id="36" dur="1" fill="hold">
-                                          <p:stCondLst>
-                                            <p:cond delay="0"/>
-                                          </p:stCondLst>
-                                        </p:cTn>
-                                        <p:tgtEl>
-                                          <p:spTgt spid="35845">
-                                            <p:txEl>
-                                              <p:pRg st="6" end="6"/>
-                                            </p:txEl>
-                                          </p:spTgt>
-                                        </p:tgtEl>
-                                        <p:attrNameLst>
-                                          <p:attrName>style.visibility</p:attrName>
-                                        </p:attrNameLst>
-                                      </p:cBhvr>
-                                      <p:to>
-                                        <p:strVal val="visible"/>
-                                      </p:to>
-                                    </p:set>
-                                    <p:animEffect transition="in" filter="fade">
-                                      <p:cBhvr>
-                                        <p:cTn id="37" dur="500"/>
-                                        <p:tgtEl>
-                                          <p:spTgt spid="35845">
-                                            <p:txEl>
-                                              <p:pRg st="6" end="6"/>
-                                            </p:txEl>
-                                          </p:spTgt>
-                                        </p:tgtEl>
-                                      </p:cBhvr>
-                                    </p:animEffect>
-                                    <p:anim calcmode="lin" valueType="num">
-                                      <p:cBhvr>
-                                        <p:cTn id="38" dur="500" fill="hold"/>
-                                        <p:tgtEl>
-                                          <p:spTgt spid="35845">
-                                            <p:txEl>
-                                              <p:pRg st="6" end="6"/>
-                                            </p:txEl>
-                                          </p:spTgt>
-                                        </p:tgtEl>
-                                        <p:attrNameLst>
-                                          <p:attrName>ppt_x</p:attrName>
-                                        </p:attrNameLst>
-                                      </p:cBhvr>
-                                      <p:tavLst>
-                                        <p:tav tm="0">
-                                          <p:val>
-                                            <p:strVal val="#ppt_x"/>
-                                          </p:val>
-                                        </p:tav>
-                                        <p:tav tm="100000">
-                                          <p:val>
-                                            <p:strVal val="#ppt_x"/>
-                                          </p:val>
-                                        </p:tav>
-                                      </p:tavLst>
-                                    </p:anim>
-                                    <p:anim calcmode="lin" valueType="num">
-                                      <p:cBhvr>
-                                        <p:cTn id="39" dur="500" fill="hold"/>
-                                        <p:tgtEl>
-                                          <p:spTgt spid="35845">
-                                            <p:txEl>
-                                              <p:pRg st="6" end="6"/>
-                                            </p:txEl>
-                                          </p:spTgt>
-                                        </p:tgtEl>
-                                        <p:attrNameLst>
-                                          <p:attrName>ppt_y</p:attrName>
-                                        </p:attrNameLst>
-                                      </p:cBhvr>
-                                      <p:tavLst>
-                                        <p:tav tm="0">
-                                          <p:val>
-                                            <p:strVal val="#ppt_y-.1"/>
-                                          </p:val>
-                                        </p:tav>
-                                        <p:tav tm="100000">
-                                          <p:val>
-                                            <p:strVal val="#ppt_y"/>
-                                          </p:val>
-                                        </p:tav>
-                                      </p:tavLst>
-                                    </p:anim>
-                                  </p:childTnLst>
-                                </p:cTn>
-                              </p:par>
-                              <p:par>
-                                <p:cTn id="40" presetID="47" presetClass="entr" presetSubtype="0" fill="hold" grpId="0" nodeType="withEffect">
-                                  <p:stCondLst>
-                                    <p:cond delay="0"/>
-                                  </p:stCondLst>
-                                  <p:childTnLst>
-                                    <p:set>
-                                      <p:cBhvr>
-                                        <p:cTn id="41" dur="1" fill="hold">
-                                          <p:stCondLst>
-                                            <p:cond delay="0"/>
-                                          </p:stCondLst>
-                                        </p:cTn>
-                                        <p:tgtEl>
-                                          <p:spTgt spid="35845">
-                                            <p:txEl>
-                                              <p:pRg st="7" end="7"/>
-                                            </p:txEl>
-                                          </p:spTgt>
-                                        </p:tgtEl>
-                                        <p:attrNameLst>
-                                          <p:attrName>style.visibility</p:attrName>
-                                        </p:attrNameLst>
-                                      </p:cBhvr>
-                                      <p:to>
-                                        <p:strVal val="visible"/>
-                                      </p:to>
-                                    </p:set>
-                                    <p:animEffect transition="in" filter="fade">
-                                      <p:cBhvr>
-                                        <p:cTn id="42" dur="500"/>
-                                        <p:tgtEl>
-                                          <p:spTgt spid="35845">
-                                            <p:txEl>
-                                              <p:pRg st="7" end="7"/>
-                                            </p:txEl>
-                                          </p:spTgt>
-                                        </p:tgtEl>
-                                      </p:cBhvr>
-                                    </p:animEffect>
-                                    <p:anim calcmode="lin" valueType="num">
-                                      <p:cBhvr>
-                                        <p:cTn id="43" dur="500" fill="hold"/>
-                                        <p:tgtEl>
-                                          <p:spTgt spid="35845">
-                                            <p:txEl>
-                                              <p:pRg st="7" end="7"/>
-                                            </p:txEl>
-                                          </p:spTgt>
-                                        </p:tgtEl>
-                                        <p:attrNameLst>
-                                          <p:attrName>ppt_x</p:attrName>
-                                        </p:attrNameLst>
-                                      </p:cBhvr>
-                                      <p:tavLst>
-                                        <p:tav tm="0">
-                                          <p:val>
-                                            <p:strVal val="#ppt_x"/>
-                                          </p:val>
-                                        </p:tav>
-                                        <p:tav tm="100000">
-                                          <p:val>
-                                            <p:strVal val="#ppt_x"/>
-                                          </p:val>
-                                        </p:tav>
-                                      </p:tavLst>
-                                    </p:anim>
-                                    <p:anim calcmode="lin" valueType="num">
-                                      <p:cBhvr>
-                                        <p:cTn id="44" dur="500" fill="hold"/>
-                                        <p:tgtEl>
-                                          <p:spTgt spid="35845">
-                                            <p:txEl>
-                                              <p:pRg st="7" end="7"/>
-                                            </p:txEl>
-                                          </p:spTgt>
-                                        </p:tgtEl>
-                                        <p:attrNameLst>
-                                          <p:attrName>ppt_y</p:attrName>
-                                        </p:attrNameLst>
-                                      </p:cBhvr>
-                                      <p:tavLst>
-                                        <p:tav tm="0">
-                                          <p:val>
-                                            <p:strVal val="#ppt_y-.1"/>
-                                          </p:val>
-                                        </p:tav>
-                                        <p:tav tm="100000">
-                                          <p:val>
-                                            <p:strVal val="#ppt_y"/>
-                                          </p:val>
-                                        </p:tav>
-                                      </p:tavLst>
-                                    </p:anim>
-                                  </p:childTnLst>
-                                </p:cTn>
-                              </p:par>
-                              <p:par>
-                                <p:cTn id="45" presetID="47" presetClass="entr" presetSubtype="0" fill="hold" grpId="0" nodeType="withEffect">
-                                  <p:stCondLst>
-                                    <p:cond delay="0"/>
-                                  </p:stCondLst>
-                                  <p:childTnLst>
-                                    <p:set>
-                                      <p:cBhvr>
-                                        <p:cTn id="46" dur="1" fill="hold">
-                                          <p:stCondLst>
-                                            <p:cond delay="0"/>
-                                          </p:stCondLst>
-                                        </p:cTn>
-                                        <p:tgtEl>
-                                          <p:spTgt spid="35845">
-                                            <p:txEl>
-                                              <p:pRg st="8" end="8"/>
-                                            </p:txEl>
-                                          </p:spTgt>
-                                        </p:tgtEl>
-                                        <p:attrNameLst>
-                                          <p:attrName>style.visibility</p:attrName>
-                                        </p:attrNameLst>
-                                      </p:cBhvr>
-                                      <p:to>
-                                        <p:strVal val="visible"/>
-                                      </p:to>
-                                    </p:set>
-                                    <p:animEffect transition="in" filter="fade">
-                                      <p:cBhvr>
-                                        <p:cTn id="47" dur="500"/>
-                                        <p:tgtEl>
-                                          <p:spTgt spid="35845">
-                                            <p:txEl>
-                                              <p:pRg st="8" end="8"/>
-                                            </p:txEl>
-                                          </p:spTgt>
-                                        </p:tgtEl>
-                                      </p:cBhvr>
-                                    </p:animEffect>
-                                    <p:anim calcmode="lin" valueType="num">
-                                      <p:cBhvr>
-                                        <p:cTn id="48" dur="500" fill="hold"/>
-                                        <p:tgtEl>
-                                          <p:spTgt spid="35845">
-                                            <p:txEl>
-                                              <p:pRg st="8" end="8"/>
-                                            </p:txEl>
-                                          </p:spTgt>
-                                        </p:tgtEl>
-                                        <p:attrNameLst>
-                                          <p:attrName>ppt_x</p:attrName>
-                                        </p:attrNameLst>
-                                      </p:cBhvr>
-                                      <p:tavLst>
-                                        <p:tav tm="0">
-                                          <p:val>
-                                            <p:strVal val="#ppt_x"/>
-                                          </p:val>
-                                        </p:tav>
-                                        <p:tav tm="100000">
-                                          <p:val>
-                                            <p:strVal val="#ppt_x"/>
-                                          </p:val>
-                                        </p:tav>
-                                      </p:tavLst>
-                                    </p:anim>
-                                    <p:anim calcmode="lin" valueType="num">
-                                      <p:cBhvr>
-                                        <p:cTn id="49" dur="500" fill="hold"/>
-                                        <p:tgtEl>
-                                          <p:spTgt spid="35845">
-                                            <p:txEl>
-                                              <p:pRg st="8" end="8"/>
-                                            </p:txEl>
-                                          </p:spTgt>
-                                        </p:tgtEl>
-                                        <p:attrNameLst>
-                                          <p:attrName>ppt_y</p:attrName>
-                                        </p:attrNameLst>
-                                      </p:cBhvr>
-                                      <p:tavLst>
-                                        <p:tav tm="0">
-                                          <p:val>
-                                            <p:strVal val="#ppt_y-.1"/>
-                                          </p:val>
-                                        </p:tav>
-                                        <p:tav tm="100000">
-                                          <p:val>
-                                            <p:strVal val="#ppt_y"/>
-                                          </p:val>
-                                        </p:tav>
-                                      </p:tavLst>
-                                    </p:anim>
-                                  </p:childTnLst>
-                                </p:cTn>
-                              </p:par>
-                            </p:childTnLst>
-                          </p:cTn>
-                        </p:par>
-                        <p:par>
-                          <p:cTn id="50" fill="hold">
-                            <p:stCondLst>
-                              <p:cond delay="500"/>
-                            </p:stCondLst>
-                            <p:childTnLst>
-                              <p:par>
-                                <p:cTn id="51" presetID="49" presetClass="entr" presetSubtype="0" decel="100000" fill="hold" grpId="0" nodeType="afterEffect">
-                                  <p:stCondLst>
-                                    <p:cond delay="0"/>
-                                  </p:stCondLst>
-                                  <p:childTnLst>
-                                    <p:set>
-                                      <p:cBhvr>
-                                        <p:cTn id="52" dur="1" fill="hold">
-                                          <p:stCondLst>
-                                            <p:cond delay="0"/>
-                                          </p:stCondLst>
-                                        </p:cTn>
-                                        <p:tgtEl>
-                                          <p:spTgt spid="35846"/>
+                                          <p:spTgt spid="6"/>
                                         </p:tgtEl>
                                         <p:attrNameLst>
                                           <p:attrName>style.visibility</p:attrName>
@@ -6962,9 +6436,9 @@
                                     </p:set>
                                     <p:anim calcmode="lin" valueType="num">
                                       <p:cBhvr>
-                                        <p:cTn id="53" dur="500" fill="hold"/>
+                                        <p:cTn id="7" dur="500" fill="hold"/>
                                         <p:tgtEl>
-                                          <p:spTgt spid="35846"/>
+                                          <p:spTgt spid="6"/>
                                         </p:tgtEl>
                                         <p:attrNameLst>
                                           <p:attrName>ppt_w</p:attrName>
@@ -6985,9 +6459,9 @@
                                     </p:anim>
                                     <p:anim calcmode="lin" valueType="num">
                                       <p:cBhvr>
-                                        <p:cTn id="54" dur="500" fill="hold"/>
+                                        <p:cTn id="8" dur="500" fill="hold"/>
                                         <p:tgtEl>
-                                          <p:spTgt spid="35846"/>
+                                          <p:spTgt spid="6"/>
                                         </p:tgtEl>
                                         <p:attrNameLst>
                                           <p:attrName>ppt_h</p:attrName>
@@ -7006,37 +6480,6 @@
                                         </p:tav>
                                       </p:tavLst>
                                     </p:anim>
-                                    <p:anim calcmode="lin" valueType="num">
-                                      <p:cBhvr>
-                                        <p:cTn id="55" dur="500" fill="hold"/>
-                                        <p:tgtEl>
-                                          <p:spTgt spid="35846"/>
-                                        </p:tgtEl>
-                                        <p:attrNameLst>
-                                          <p:attrName>style.rotation</p:attrName>
-                                        </p:attrNameLst>
-                                      </p:cBhvr>
-                                      <p:tavLst>
-                                        <p:tav tm="0">
-                                          <p:val>
-                                            <p:fltVal val="360"/>
-                                          </p:val>
-                                        </p:tav>
-                                        <p:tav tm="100000">
-                                          <p:val>
-                                            <p:fltVal val="0"/>
-                                          </p:val>
-                                        </p:tav>
-                                      </p:tavLst>
-                                    </p:anim>
-                                    <p:animEffect transition="in" filter="fade">
-                                      <p:cBhvr>
-                                        <p:cTn id="56" dur="500"/>
-                                        <p:tgtEl>
-                                          <p:spTgt spid="35846"/>
-                                        </p:tgtEl>
-                                      </p:cBhvr>
-                                    </p:animEffect>
                                   </p:childTnLst>
                                 </p:cTn>
                               </p:par>
@@ -7067,10 +6510,5533 @@
         </p:cTn>
       </p:par>
     </p:tnLst>
-    <p:bldLst>
-      <p:bldP spid="35845" grpId="0" uiExpand="1" build="p"/>
-      <p:bldP spid="35846" grpId="0" animBg="1"/>
-    </p:bldLst>
+  </p:timing>
+</p:sld>
+</file>
+
+<file path=ppt/slides/slide12.xml><?xml version="1.0" encoding="utf-8"?>
+<p:sld xmlns:a="http://schemas.openxmlformats.org/drawingml/2006/main" xmlns:r="http://schemas.openxmlformats.org/officeDocument/2006/relationships" xmlns:p="http://schemas.openxmlformats.org/presentationml/2006/main" showMasterPhAnim="0">
+  <p:cSld>
+    <p:spTree>
+      <p:nvGrpSpPr>
+        <p:cNvPr id="1" name=""/>
+        <p:cNvGrpSpPr/>
+        <p:nvPr/>
+      </p:nvGrpSpPr>
+      <p:grpSpPr>
+        <a:xfrm>
+          <a:off x="0" y="0"/>
+          <a:ext cx="0" cy="0"/>
+          <a:chOff x="0" y="0"/>
+          <a:chExt cx="0" cy="0"/>
+        </a:xfrm>
+      </p:grpSpPr>
+      <p:sp>
+        <p:nvSpPr>
+          <p:cNvPr id="23556" name="Rectangle 2"/>
+          <p:cNvSpPr>
+            <a:spLocks noGrp="1" noChangeArrowheads="1"/>
+          </p:cNvSpPr>
+          <p:nvPr>
+            <p:ph type="title"/>
+          </p:nvPr>
+        </p:nvSpPr>
+        <p:spPr/>
+        <p:txBody>
+          <a:bodyPr/>
+          <a:lstStyle/>
+          <a:p>
+            <a:pPr eaLnBrk="1" hangingPunct="1"/>
+            <a:r>
+              <a:rPr lang="cs-CZ" smtClean="0"/>
+              <a:t>Užitečné odkazy</a:t>
+            </a:r>
+          </a:p>
+        </p:txBody>
+      </p:sp>
+      <p:sp>
+        <p:nvSpPr>
+          <p:cNvPr id="35845" name="Rectangle 3"/>
+          <p:cNvSpPr>
+            <a:spLocks noGrp="1" noChangeArrowheads="1"/>
+          </p:cNvSpPr>
+          <p:nvPr>
+            <p:ph idx="1"/>
+          </p:nvPr>
+        </p:nvSpPr>
+        <p:spPr>
+          <a:xfrm>
+            <a:off x="422275" y="960438"/>
+            <a:ext cx="8229600" cy="1325554"/>
+          </a:xfrm>
+        </p:spPr>
+        <p:txBody>
+          <a:bodyPr/>
+          <a:lstStyle/>
+          <a:p>
+            <a:pPr eaLnBrk="1" hangingPunct="1"/>
+            <a:r>
+              <a:rPr lang="cs-CZ" dirty="0" smtClean="0">
+                <a:hlinkClick r:id="rId3"/>
+              </a:rPr>
+              <a:t>http://ibatis.apache.org/</a:t>
+            </a:r>
+            <a:r>
+              <a:rPr lang="cs-CZ" dirty="0" smtClean="0"/>
+              <a:t> (</a:t>
+            </a:r>
+            <a:r>
+              <a:rPr lang="cs-CZ" dirty="0" err="1" smtClean="0"/>
+              <a:t>iBatis</a:t>
+            </a:r>
+            <a:r>
+              <a:rPr lang="cs-CZ" dirty="0" smtClean="0"/>
+              <a:t> </a:t>
+            </a:r>
+            <a:r>
+              <a:rPr lang="cs-CZ" dirty="0" err="1" smtClean="0"/>
+              <a:t>homepage</a:t>
+            </a:r>
+            <a:r>
+              <a:rPr lang="cs-CZ" dirty="0" smtClean="0"/>
+              <a:t>)</a:t>
+            </a:r>
+          </a:p>
+          <a:p>
+            <a:pPr eaLnBrk="1" hangingPunct="1"/>
+            <a:r>
+              <a:rPr lang="cs-CZ" sz="2800" dirty="0" smtClean="0">
+                <a:hlinkClick r:id="rId4"/>
+              </a:rPr>
+              <a:t>http://www.</a:t>
+            </a:r>
+            <a:r>
+              <a:rPr lang="cs-CZ" sz="2800" dirty="0" err="1" smtClean="0">
+                <a:hlinkClick r:id="rId4"/>
+              </a:rPr>
+              <a:t>opensymphony.com</a:t>
+            </a:r>
+            <a:r>
+              <a:rPr lang="cs-CZ" sz="2800" dirty="0" smtClean="0">
+                <a:hlinkClick r:id="rId4"/>
+              </a:rPr>
+              <a:t>/</a:t>
+            </a:r>
+            <a:r>
+              <a:rPr lang="cs-CZ" sz="2800" dirty="0" err="1" smtClean="0">
+                <a:hlinkClick r:id="rId4"/>
+              </a:rPr>
+              <a:t>ognl</a:t>
+            </a:r>
+            <a:r>
+              <a:rPr lang="cs-CZ" sz="2800" dirty="0" smtClean="0">
+                <a:hlinkClick r:id="rId4"/>
+              </a:rPr>
+              <a:t>/</a:t>
+            </a:r>
+            <a:r>
+              <a:rPr lang="cs-CZ" sz="2800" dirty="0" smtClean="0"/>
+              <a:t> (OGNL)</a:t>
+            </a:r>
+            <a:endParaRPr lang="cs-CZ" dirty="0" smtClean="0"/>
+          </a:p>
+          <a:p>
+            <a:pPr eaLnBrk="1" hangingPunct="1"/>
+            <a:r>
+              <a:rPr lang="cs-CZ" dirty="0" smtClean="0">
+                <a:hlinkClick r:id="rId5"/>
+              </a:rPr>
+              <a:t>http://blog.</a:t>
+            </a:r>
+            <a:r>
+              <a:rPr lang="cs-CZ" dirty="0" err="1" smtClean="0">
+                <a:hlinkClick r:id="rId5"/>
+              </a:rPr>
+              <a:t>novoj.net</a:t>
+            </a:r>
+            <a:r>
+              <a:rPr lang="cs-CZ" dirty="0" smtClean="0"/>
+              <a:t> (Myšlenky dne Otce </a:t>
+            </a:r>
+            <a:r>
+              <a:rPr lang="cs-CZ" dirty="0" err="1" smtClean="0"/>
+              <a:t>Fura</a:t>
+            </a:r>
+            <a:r>
+              <a:rPr lang="cs-CZ" dirty="0" smtClean="0"/>
+              <a:t>)</a:t>
+            </a:r>
+          </a:p>
+        </p:txBody>
+      </p:sp>
+      <p:sp>
+        <p:nvSpPr>
+          <p:cNvPr id="17410" name="Zástupný symbol pro číslo snímku 3"/>
+          <p:cNvSpPr>
+            <a:spLocks noGrp="1"/>
+          </p:cNvSpPr>
+          <p:nvPr>
+            <p:ph type="sldNum" sz="quarter" idx="10"/>
+          </p:nvPr>
+        </p:nvSpPr>
+        <p:spPr/>
+        <p:txBody>
+          <a:bodyPr/>
+          <a:lstStyle/>
+          <a:p>
+            <a:pPr>
+              <a:defRPr/>
+            </a:pPr>
+            <a:fld id="{1B49ED0A-F5BA-4E63-BAB1-AC05AF2A8F08}" type="slidenum">
+              <a:rPr lang="cs-CZ" smtClean="0"/>
+              <a:pPr>
+                <a:defRPr/>
+              </a:pPr>
+              <a:t>12</a:t>
+            </a:fld>
+            <a:endParaRPr lang="cs-CZ" smtClean="0"/>
+          </a:p>
+        </p:txBody>
+      </p:sp>
+      <p:sp>
+        <p:nvSpPr>
+          <p:cNvPr id="17411" name="Zástupný symbol pro zápatí 4"/>
+          <p:cNvSpPr>
+            <a:spLocks noGrp="1"/>
+          </p:cNvSpPr>
+          <p:nvPr>
+            <p:ph type="ftr" sz="quarter" idx="11"/>
+          </p:nvPr>
+        </p:nvSpPr>
+        <p:spPr/>
+        <p:txBody>
+          <a:bodyPr/>
+          <a:lstStyle/>
+          <a:p>
+            <a:pPr>
+              <a:defRPr/>
+            </a:pPr>
+            <a:r>
+              <a:rPr lang="cs-CZ" smtClean="0"/>
+              <a:t>www.fg.cz</a:t>
+            </a:r>
+          </a:p>
+        </p:txBody>
+      </p:sp>
+      <p:sp>
+        <p:nvSpPr>
+          <p:cNvPr id="7" name="Rectangle 2"/>
+          <p:cNvSpPr txBox="1">
+            <a:spLocks noChangeArrowheads="1"/>
+          </p:cNvSpPr>
+          <p:nvPr/>
+        </p:nvSpPr>
+        <p:spPr bwMode="auto">
+          <a:xfrm>
+            <a:off x="369908" y="2738438"/>
+            <a:ext cx="7059612" cy="762000"/>
+          </a:xfrm>
+          <a:prstGeom prst="rect">
+            <a:avLst/>
+          </a:prstGeom>
+          <a:noFill/>
+          <a:ln w="9525">
+            <a:noFill/>
+            <a:miter lim="800000"/>
+            <a:headEnd/>
+            <a:tailEnd/>
+          </a:ln>
+        </p:spPr>
+        <p:txBody>
+          <a:bodyPr vert="horz" wrap="square" lIns="91440" tIns="45720" rIns="91440" bIns="45720" numCol="1" anchor="ctr" anchorCtr="0" compatLnSpc="1">
+            <a:prstTxWarp prst="textNoShape">
+              <a:avLst/>
+            </a:prstTxWarp>
+          </a:bodyPr>
+          <a:lstStyle/>
+          <a:p>
+            <a:pPr marL="0" marR="0" lvl="0" indent="0" algn="l" defTabSz="914400" rtl="0" eaLnBrk="1" fontAlgn="base" latinLnBrk="0" hangingPunct="1">
+              <a:lnSpc>
+                <a:spcPct val="100000"/>
+              </a:lnSpc>
+              <a:spcBef>
+                <a:spcPct val="0"/>
+              </a:spcBef>
+              <a:spcAft>
+                <a:spcPct val="0"/>
+              </a:spcAft>
+              <a:buClrTx/>
+              <a:buSzTx/>
+              <a:buFontTx/>
+              <a:buNone/>
+              <a:tabLst/>
+              <a:defRPr/>
+            </a:pPr>
+            <a:r>
+              <a:rPr kumimoji="0" lang="cs-CZ" sz="2400" b="0" i="0" u="none" strike="noStrike" kern="0" cap="none" spc="0" normalizeH="0" baseline="0" noProof="0" dirty="0" smtClean="0">
+                <a:ln>
+                  <a:noFill/>
+                </a:ln>
+                <a:solidFill>
+                  <a:srgbClr val="DE4322"/>
+                </a:solidFill>
+                <a:effectLst/>
+                <a:uLnTx/>
+                <a:uFillTx/>
+                <a:latin typeface="+mj-lt"/>
+                <a:ea typeface="+mj-ea"/>
+                <a:cs typeface="+mj-cs"/>
+              </a:rPr>
+              <a:t>Nezapomeňte:</a:t>
+            </a:r>
+          </a:p>
+        </p:txBody>
+      </p:sp>
+      <p:sp>
+        <p:nvSpPr>
+          <p:cNvPr id="8" name="Rectangle 3"/>
+          <p:cNvSpPr txBox="1">
+            <a:spLocks noChangeArrowheads="1"/>
+          </p:cNvSpPr>
+          <p:nvPr/>
+        </p:nvSpPr>
+        <p:spPr bwMode="auto">
+          <a:xfrm>
+            <a:off x="428596" y="3389330"/>
+            <a:ext cx="8229600" cy="1754182"/>
+          </a:xfrm>
+          <a:prstGeom prst="rect">
+            <a:avLst/>
+          </a:prstGeom>
+          <a:noFill/>
+          <a:ln w="9525">
+            <a:noFill/>
+            <a:miter lim="800000"/>
+            <a:headEnd/>
+            <a:tailEnd/>
+          </a:ln>
+        </p:spPr>
+        <p:txBody>
+          <a:bodyPr vert="horz" wrap="square" lIns="91440" tIns="45720" rIns="91440" bIns="45720" numCol="1" anchor="t" anchorCtr="0" compatLnSpc="1">
+            <a:prstTxWarp prst="textNoShape">
+              <a:avLst/>
+            </a:prstTxWarp>
+          </a:bodyPr>
+          <a:lstStyle/>
+          <a:p>
+            <a:pPr marL="342900" marR="0" lvl="0" indent="-342900" algn="l" defTabSz="914400" rtl="0" eaLnBrk="1" fontAlgn="base" latinLnBrk="0" hangingPunct="1">
+              <a:lnSpc>
+                <a:spcPct val="100000"/>
+              </a:lnSpc>
+              <a:spcBef>
+                <a:spcPct val="20000"/>
+              </a:spcBef>
+              <a:spcAft>
+                <a:spcPct val="0"/>
+              </a:spcAft>
+              <a:buClrTx/>
+              <a:buSzTx/>
+              <a:buFontTx/>
+              <a:buBlip>
+                <a:blip r:embed="rId6"/>
+              </a:buBlip>
+              <a:tabLst/>
+              <a:defRPr/>
+            </a:pPr>
+            <a:r>
+              <a:rPr kumimoji="0" lang="cs-CZ" sz="2500" b="0" i="0" u="none" strike="noStrike" kern="0" cap="none" spc="0" normalizeH="0" baseline="0" noProof="0" dirty="0" smtClean="0">
+                <a:ln>
+                  <a:noFill/>
+                </a:ln>
+                <a:solidFill>
+                  <a:schemeClr val="bg2"/>
+                </a:solidFill>
+                <a:effectLst/>
+                <a:uLnTx/>
+                <a:uFillTx/>
+                <a:latin typeface="+mn-lt"/>
+                <a:ea typeface="+mn-ea"/>
+                <a:cs typeface="+mn-cs"/>
+              </a:rPr>
+              <a:t>dokončené implementace posílejte na adresu </a:t>
+            </a:r>
+            <a:r>
+              <a:rPr kumimoji="0" lang="cs-CZ" sz="2500" b="0" i="0" u="none" strike="noStrike" kern="0" cap="none" spc="0" normalizeH="0" baseline="0" noProof="0" dirty="0" smtClean="0">
+                <a:ln>
+                  <a:noFill/>
+                </a:ln>
+                <a:solidFill>
+                  <a:schemeClr val="bg2"/>
+                </a:solidFill>
+                <a:effectLst/>
+                <a:uLnTx/>
+                <a:uFillTx/>
+                <a:latin typeface="+mn-lt"/>
+                <a:ea typeface="+mn-ea"/>
+                <a:cs typeface="+mn-cs"/>
+                <a:hlinkClick r:id="rId7"/>
+              </a:rPr>
+              <a:t>novotny@fg.cz</a:t>
+            </a:r>
+            <a:r>
+              <a:rPr lang="cs-CZ" kern="0" dirty="0" smtClean="0">
+                <a:latin typeface="+mn-lt"/>
+                <a:cs typeface="+mn-cs"/>
+              </a:rPr>
+              <a:t> </a:t>
+            </a:r>
+          </a:p>
+          <a:p>
+            <a:pPr marL="342900" marR="0" lvl="0" indent="-342900" algn="l" defTabSz="914400" rtl="0" eaLnBrk="1" fontAlgn="base" latinLnBrk="0" hangingPunct="1">
+              <a:lnSpc>
+                <a:spcPct val="100000"/>
+              </a:lnSpc>
+              <a:spcBef>
+                <a:spcPct val="20000"/>
+              </a:spcBef>
+              <a:spcAft>
+                <a:spcPct val="0"/>
+              </a:spcAft>
+              <a:buClrTx/>
+              <a:buSzTx/>
+              <a:buFontTx/>
+              <a:buBlip>
+                <a:blip r:embed="rId6"/>
+              </a:buBlip>
+              <a:tabLst/>
+              <a:defRPr/>
+            </a:pPr>
+            <a:r>
+              <a:rPr lang="cs-CZ" kern="0" dirty="0" smtClean="0">
+                <a:latin typeface="+mn-lt"/>
+                <a:cs typeface="+mn-cs"/>
+              </a:rPr>
+              <a:t>soutěž bude uzavřena nejpozději 7. března, výherce bude zveřejněn na adrese </a:t>
+            </a:r>
+            <a:r>
+              <a:rPr lang="cs-CZ" kern="0" dirty="0" smtClean="0">
+                <a:latin typeface="+mn-lt"/>
+                <a:cs typeface="+mn-cs"/>
+                <a:hlinkClick r:id="rId5"/>
+              </a:rPr>
+              <a:t>http://blog.</a:t>
+            </a:r>
+            <a:r>
+              <a:rPr lang="cs-CZ" kern="0" dirty="0" err="1" smtClean="0">
+                <a:latin typeface="+mn-lt"/>
+                <a:cs typeface="+mn-cs"/>
+                <a:hlinkClick r:id="rId5"/>
+              </a:rPr>
+              <a:t>novoj.net</a:t>
+            </a:r>
+            <a:r>
+              <a:rPr lang="cs-CZ" kern="0" dirty="0" smtClean="0">
+                <a:latin typeface="+mn-lt"/>
+                <a:cs typeface="+mn-cs"/>
+              </a:rPr>
+              <a:t> </a:t>
+            </a:r>
+            <a:endParaRPr kumimoji="0" lang="cs-CZ" sz="2500" b="0" i="0" u="none" strike="noStrike" kern="0" cap="none" spc="0" normalizeH="0" baseline="0" noProof="0" dirty="0" smtClean="0">
+              <a:ln>
+                <a:noFill/>
+              </a:ln>
+              <a:solidFill>
+                <a:schemeClr val="bg2"/>
+              </a:solidFill>
+              <a:effectLst/>
+              <a:uLnTx/>
+              <a:uFillTx/>
+              <a:latin typeface="+mn-lt"/>
+              <a:ea typeface="+mn-ea"/>
+              <a:cs typeface="+mn-cs"/>
+            </a:endParaRPr>
+          </a:p>
+        </p:txBody>
+      </p:sp>
+    </p:spTree>
+  </p:cSld>
+  <p:clrMapOvr>
+    <a:masterClrMapping/>
+  </p:clrMapOvr>
+  <p:transition advTm="123288">
+    <p:fade thruBlk="1"/>
+  </p:transition>
+  <p:timing>
+    <p:tnLst>
+      <p:par>
+        <p:cTn id="1" dur="indefinite" restart="never" nodeType="tmRoot"/>
+      </p:par>
+    </p:tnLst>
+  </p:timing>
+</p:sld>
+</file>
+
+<file path=ppt/slides/slide2.xml><?xml version="1.0" encoding="utf-8"?>
+<p:sld xmlns:a="http://schemas.openxmlformats.org/drawingml/2006/main" xmlns:r="http://schemas.openxmlformats.org/officeDocument/2006/relationships" xmlns:p="http://schemas.openxmlformats.org/presentationml/2006/main">
+  <p:cSld>
+    <p:spTree>
+      <p:nvGrpSpPr>
+        <p:cNvPr id="1" name=""/>
+        <p:cNvGrpSpPr/>
+        <p:nvPr/>
+      </p:nvGrpSpPr>
+      <p:grpSpPr>
+        <a:xfrm>
+          <a:off x="0" y="0"/>
+          <a:ext cx="0" cy="0"/>
+          <a:chOff x="0" y="0"/>
+          <a:chExt cx="0" cy="0"/>
+        </a:xfrm>
+      </p:grpSpPr>
+      <p:sp>
+        <p:nvSpPr>
+          <p:cNvPr id="2" name="Nadpis 1"/>
+          <p:cNvSpPr>
+            <a:spLocks noGrp="1"/>
+          </p:cNvSpPr>
+          <p:nvPr>
+            <p:ph type="title"/>
+          </p:nvPr>
+        </p:nvSpPr>
+        <p:spPr/>
+        <p:txBody>
+          <a:bodyPr/>
+          <a:lstStyle/>
+          <a:p>
+            <a:r>
+              <a:rPr lang="cs-CZ" dirty="0" smtClean="0"/>
+              <a:t>Agenda</a:t>
+            </a:r>
+            <a:endParaRPr lang="cs-CZ" dirty="0"/>
+          </a:p>
+        </p:txBody>
+      </p:sp>
+      <p:sp>
+        <p:nvSpPr>
+          <p:cNvPr id="3" name="Zástupný symbol pro obsah 2"/>
+          <p:cNvSpPr>
+            <a:spLocks noGrp="1"/>
+          </p:cNvSpPr>
+          <p:nvPr>
+            <p:ph idx="1"/>
+          </p:nvPr>
+        </p:nvSpPr>
+        <p:spPr/>
+        <p:txBody>
+          <a:bodyPr/>
+          <a:lstStyle/>
+          <a:p>
+            <a:r>
+              <a:rPr lang="cs-CZ" sz="2400" dirty="0" smtClean="0"/>
+              <a:t>Požadavky:</a:t>
+            </a:r>
+          </a:p>
+          <a:p>
+            <a:pPr lvl="1"/>
+            <a:r>
+              <a:rPr lang="cs-CZ" sz="1800" dirty="0" smtClean="0"/>
+              <a:t>JDK 1.5 / 1.6</a:t>
+            </a:r>
+          </a:p>
+          <a:p>
+            <a:pPr lvl="1"/>
+            <a:r>
+              <a:rPr lang="cs-CZ" sz="1800" dirty="0" smtClean="0"/>
+              <a:t>Java IDE</a:t>
+            </a:r>
+          </a:p>
+          <a:p>
+            <a:pPr lvl="1"/>
+            <a:r>
+              <a:rPr lang="cs-CZ" sz="1800" dirty="0" smtClean="0"/>
+              <a:t>Apache </a:t>
+            </a:r>
+            <a:r>
+              <a:rPr lang="cs-CZ" sz="1800" dirty="0" err="1" smtClean="0"/>
+              <a:t>Maven</a:t>
+            </a:r>
+            <a:endParaRPr lang="cs-CZ" sz="1800" dirty="0" smtClean="0"/>
+          </a:p>
+          <a:p>
+            <a:pPr lvl="1"/>
+            <a:r>
+              <a:rPr lang="cs-CZ" sz="1800" dirty="0" smtClean="0"/>
+              <a:t>GIT</a:t>
+            </a:r>
+          </a:p>
+          <a:p>
+            <a:r>
+              <a:rPr lang="cs-CZ" sz="2400" dirty="0" smtClean="0"/>
+              <a:t>Ke stažení:</a:t>
+            </a:r>
+          </a:p>
+          <a:p>
+            <a:pPr lvl="1"/>
+            <a:r>
+              <a:rPr lang="cs-CZ" sz="1800" dirty="0" smtClean="0"/>
+              <a:t>GIT: </a:t>
+            </a:r>
+            <a:r>
+              <a:rPr lang="cs-CZ" sz="1800" dirty="0" err="1" smtClean="0">
+                <a:hlinkClick r:id="rId3"/>
+              </a:rPr>
+              <a:t>git</a:t>
+            </a:r>
+            <a:r>
+              <a:rPr lang="cs-CZ" sz="1800" dirty="0" smtClean="0">
+                <a:hlinkClick r:id="rId3"/>
+              </a:rPr>
+              <a:t>://</a:t>
+            </a:r>
+            <a:r>
+              <a:rPr lang="cs-CZ" sz="1800" dirty="0" err="1" smtClean="0">
+                <a:hlinkClick r:id="rId3"/>
+              </a:rPr>
+              <a:t>github.com</a:t>
+            </a:r>
+            <a:r>
+              <a:rPr lang="cs-CZ" sz="1800" dirty="0" smtClean="0">
+                <a:hlinkClick r:id="rId3"/>
+              </a:rPr>
+              <a:t>/</a:t>
+            </a:r>
+            <a:r>
+              <a:rPr lang="cs-CZ" sz="1800" dirty="0" err="1" smtClean="0">
+                <a:hlinkClick r:id="rId3"/>
+              </a:rPr>
+              <a:t>novoj</a:t>
+            </a:r>
+            <a:r>
+              <a:rPr lang="cs-CZ" sz="1800" dirty="0" smtClean="0">
+                <a:hlinkClick r:id="rId3"/>
+              </a:rPr>
+              <a:t>/</a:t>
+            </a:r>
+            <a:r>
+              <a:rPr lang="cs-CZ" sz="1800" dirty="0" err="1" smtClean="0">
+                <a:hlinkClick r:id="rId3"/>
+              </a:rPr>
+              <a:t>iBatisWorkShop.git</a:t>
+            </a:r>
+            <a:endParaRPr lang="cs-CZ" sz="1800" dirty="0" smtClean="0"/>
+          </a:p>
+          <a:p>
+            <a:pPr lvl="1"/>
+            <a:r>
+              <a:rPr lang="cs-CZ" sz="1800" dirty="0" smtClean="0"/>
+              <a:t>HTTP: </a:t>
+            </a:r>
+            <a:r>
+              <a:rPr lang="cs-CZ" sz="1800" dirty="0" smtClean="0">
+                <a:hlinkClick r:id="rId4"/>
+              </a:rPr>
+              <a:t>http://github.com/novoj/iBatisWorkShop/tree/master</a:t>
+            </a:r>
+            <a:r>
+              <a:rPr lang="cs-CZ" sz="1800" dirty="0" smtClean="0"/>
+              <a:t> </a:t>
+            </a:r>
+          </a:p>
+          <a:p>
+            <a:r>
+              <a:rPr lang="cs-CZ" sz="2000" dirty="0" smtClean="0"/>
+              <a:t>Ověření připraveného prostředí:</a:t>
+            </a:r>
+          </a:p>
+          <a:p>
+            <a:pPr lvl="1"/>
+            <a:r>
+              <a:rPr lang="cs-CZ" sz="1800" dirty="0" smtClean="0"/>
+              <a:t>všechny testy v </a:t>
+            </a:r>
+            <a:r>
+              <a:rPr lang="cs-CZ" sz="1800" dirty="0" err="1" smtClean="0"/>
+              <a:t>package</a:t>
+            </a:r>
+            <a:r>
+              <a:rPr lang="cs-CZ" sz="1800" dirty="0" smtClean="0"/>
+              <a:t> </a:t>
+            </a:r>
+            <a:r>
+              <a:rPr lang="cs-CZ" sz="1800" b="1" dirty="0" err="1" smtClean="0"/>
+              <a:t>cz.novoj.ibatis.init</a:t>
+            </a:r>
+            <a:r>
+              <a:rPr lang="cs-CZ" sz="1800" dirty="0" smtClean="0"/>
+              <a:t> prošly</a:t>
+            </a:r>
+          </a:p>
+          <a:p>
+            <a:r>
+              <a:rPr lang="cs-CZ" sz="2000" dirty="0" smtClean="0"/>
+              <a:t>Soutěž o licenci </a:t>
+            </a:r>
+            <a:r>
+              <a:rPr lang="cs-CZ" sz="2000" b="1" dirty="0" err="1" smtClean="0"/>
+              <a:t>IntelliJ</a:t>
+            </a:r>
+            <a:r>
+              <a:rPr lang="cs-CZ" sz="2000" b="1" dirty="0" smtClean="0"/>
+              <a:t> Idea 9 – </a:t>
+            </a:r>
+            <a:r>
+              <a:rPr lang="cs-CZ" sz="2000" b="1" dirty="0" err="1" smtClean="0"/>
+              <a:t>Ultimate</a:t>
+            </a:r>
+            <a:r>
+              <a:rPr lang="cs-CZ" sz="2000" b="1" dirty="0" smtClean="0"/>
+              <a:t> </a:t>
+            </a:r>
+            <a:r>
+              <a:rPr lang="cs-CZ" sz="2000" b="1" dirty="0" err="1" smtClean="0"/>
+              <a:t>Edition</a:t>
+            </a:r>
+            <a:endParaRPr lang="cs-CZ" sz="2000" b="1" dirty="0" smtClean="0"/>
+          </a:p>
+          <a:p>
+            <a:pPr lvl="1"/>
+            <a:r>
+              <a:rPr lang="cs-CZ" sz="1800" dirty="0" smtClean="0"/>
+              <a:t>zprovoznění všech </a:t>
+            </a:r>
+            <a:r>
+              <a:rPr lang="cs-CZ" sz="1800" dirty="0" err="1" smtClean="0"/>
+              <a:t>JUnit</a:t>
+            </a:r>
+            <a:r>
+              <a:rPr lang="cs-CZ" sz="1800" dirty="0" smtClean="0"/>
+              <a:t> testů = doplnění chybějící </a:t>
+            </a:r>
+            <a:r>
+              <a:rPr lang="cs-CZ" sz="1800" dirty="0" err="1" smtClean="0"/>
+              <a:t>iBatis</a:t>
+            </a:r>
+            <a:r>
+              <a:rPr lang="cs-CZ" sz="1800" dirty="0" smtClean="0"/>
+              <a:t> implementace</a:t>
+            </a:r>
+          </a:p>
+          <a:p>
+            <a:pPr lvl="1"/>
+            <a:r>
+              <a:rPr lang="cs-CZ" sz="1800" dirty="0" smtClean="0"/>
+              <a:t>odeslání výsledku na adresu </a:t>
+            </a:r>
+            <a:r>
+              <a:rPr lang="cs-CZ" sz="1800" dirty="0" err="1" smtClean="0">
+                <a:hlinkClick r:id="rId5"/>
+              </a:rPr>
+              <a:t>novotny</a:t>
+            </a:r>
+            <a:r>
+              <a:rPr lang="cs-CZ" sz="1800" dirty="0" smtClean="0">
+                <a:hlinkClick r:id="rId5"/>
+              </a:rPr>
+              <a:t>@</a:t>
+            </a:r>
+            <a:r>
+              <a:rPr lang="cs-CZ" sz="1800" dirty="0" err="1" smtClean="0">
+                <a:hlinkClick r:id="rId5"/>
+              </a:rPr>
+              <a:t>fg.cz</a:t>
+            </a:r>
+            <a:r>
+              <a:rPr lang="cs-CZ" sz="1800" dirty="0" smtClean="0"/>
+              <a:t> </a:t>
+            </a:r>
+          </a:p>
+          <a:p>
+            <a:pPr lvl="1"/>
+            <a:r>
+              <a:rPr lang="cs-CZ" sz="1800" dirty="0" smtClean="0"/>
+              <a:t>první uspokojivý výsledek vyhrává</a:t>
+            </a:r>
+            <a:endParaRPr lang="cs-CZ" sz="2000" dirty="0" smtClean="0"/>
+          </a:p>
+        </p:txBody>
+      </p:sp>
+      <p:sp>
+        <p:nvSpPr>
+          <p:cNvPr id="4" name="Zástupný symbol pro číslo snímku 3"/>
+          <p:cNvSpPr>
+            <a:spLocks noGrp="1"/>
+          </p:cNvSpPr>
+          <p:nvPr>
+            <p:ph type="sldNum" sz="quarter" idx="10"/>
+          </p:nvPr>
+        </p:nvSpPr>
+        <p:spPr/>
+        <p:txBody>
+          <a:bodyPr/>
+          <a:lstStyle/>
+          <a:p>
+            <a:pPr>
+              <a:defRPr/>
+            </a:pPr>
+            <a:fld id="{9AF1F007-AFEE-4035-9C51-B1CFC008845C}" type="slidenum">
+              <a:rPr lang="cs-CZ" smtClean="0"/>
+              <a:pPr>
+                <a:defRPr/>
+              </a:pPr>
+              <a:t>2</a:t>
+            </a:fld>
+            <a:endParaRPr lang="cs-CZ"/>
+          </a:p>
+        </p:txBody>
+      </p:sp>
+      <p:sp>
+        <p:nvSpPr>
+          <p:cNvPr id="5" name="Zástupný symbol pro zápatí 4"/>
+          <p:cNvSpPr>
+            <a:spLocks noGrp="1"/>
+          </p:cNvSpPr>
+          <p:nvPr>
+            <p:ph type="ftr" sz="quarter" idx="11"/>
+          </p:nvPr>
+        </p:nvSpPr>
+        <p:spPr>
+          <a:xfrm>
+            <a:off x="468312" y="6524625"/>
+            <a:ext cx="6461141" cy="333375"/>
+          </a:xfrm>
+        </p:spPr>
+        <p:txBody>
+          <a:bodyPr/>
+          <a:lstStyle/>
+          <a:p>
+            <a:pPr>
+              <a:defRPr/>
+            </a:pPr>
+            <a:r>
+              <a:rPr lang="cs-CZ" dirty="0" smtClean="0"/>
+              <a:t>www.</a:t>
+            </a:r>
+            <a:r>
+              <a:rPr lang="cs-CZ" dirty="0" err="1" smtClean="0"/>
+              <a:t>fg.cz</a:t>
+            </a:r>
+            <a:endParaRPr lang="cs-CZ" dirty="0"/>
+          </a:p>
+        </p:txBody>
+      </p:sp>
+      <p:pic>
+        <p:nvPicPr>
+          <p:cNvPr id="6" name="Obrázek 5" descr="logo_jetbrains.tif"/>
+          <p:cNvPicPr>
+            <a:picLocks noChangeAspect="1"/>
+          </p:cNvPicPr>
+          <p:nvPr/>
+        </p:nvPicPr>
+        <p:blipFill>
+          <a:blip r:embed="rId6" cstate="print">
+            <a:clrChange>
+              <a:clrFrom>
+                <a:srgbClr val="FFFFFF"/>
+              </a:clrFrom>
+              <a:clrTo>
+                <a:srgbClr val="FFFFFF">
+                  <a:alpha val="0"/>
+                </a:srgbClr>
+              </a:clrTo>
+            </a:clrChange>
+          </a:blip>
+          <a:stretch>
+            <a:fillRect/>
+          </a:stretch>
+        </p:blipFill>
+        <p:spPr>
+          <a:xfrm>
+            <a:off x="5209934" y="1428736"/>
+            <a:ext cx="2418687" cy="928694"/>
+          </a:xfrm>
+          <a:prstGeom prst="rect">
+            <a:avLst/>
+          </a:prstGeom>
+        </p:spPr>
+      </p:pic>
+      <p:pic>
+        <p:nvPicPr>
+          <p:cNvPr id="7" name="Picture 2" descr="http://jetbrains-java-academy.googlegroups.com/attach/a98d7908e16103d8/Member.gif?gda=ohudYEYAAACj_6sddv3GpgjRo6pCWO-iTUTQ6AIjER5ZxZjwcxgCQipCvwWZUes_HoVjQQt1p_w3MCnZ3ExGKa1voVhs8LxdWEbx3Jxluo-tWVup78SUNg&amp;view=1&amp;part=2"/>
+          <p:cNvPicPr>
+            <a:picLocks noChangeAspect="1" noChangeArrowheads="1"/>
+          </p:cNvPicPr>
+          <p:nvPr/>
+        </p:nvPicPr>
+        <p:blipFill>
+          <a:blip r:embed="rId7" cstate="print">
+            <a:clrChange>
+              <a:clrFrom>
+                <a:srgbClr val="FFFFFF"/>
+              </a:clrFrom>
+              <a:clrTo>
+                <a:srgbClr val="FFFFFF">
+                  <a:alpha val="0"/>
+                </a:srgbClr>
+              </a:clrTo>
+            </a:clrChange>
+          </a:blip>
+          <a:srcRect/>
+          <a:stretch>
+            <a:fillRect/>
+          </a:stretch>
+        </p:blipFill>
+        <p:spPr bwMode="auto">
+          <a:xfrm>
+            <a:off x="7853140" y="1428736"/>
+            <a:ext cx="790826" cy="1071570"/>
+          </a:xfrm>
+          <a:prstGeom prst="rect">
+            <a:avLst/>
+          </a:prstGeom>
+          <a:noFill/>
+          <a:scene3d>
+            <a:camera prst="orthographicFront">
+              <a:rot lat="0" lon="0" rev="19799999"/>
+            </a:camera>
+            <a:lightRig rig="threePt" dir="t"/>
+          </a:scene3d>
+        </p:spPr>
+      </p:pic>
+      <p:sp>
+        <p:nvSpPr>
+          <p:cNvPr id="8" name="TextovéPole 7"/>
+          <p:cNvSpPr txBox="1"/>
+          <p:nvPr/>
+        </p:nvSpPr>
+        <p:spPr>
+          <a:xfrm>
+            <a:off x="5209934" y="1000108"/>
+            <a:ext cx="1857388" cy="369332"/>
+          </a:xfrm>
+          <a:prstGeom prst="rect">
+            <a:avLst/>
+          </a:prstGeom>
+          <a:noFill/>
+        </p:spPr>
+        <p:txBody>
+          <a:bodyPr wrap="square" rtlCol="0">
+            <a:spAutoFit/>
+          </a:bodyPr>
+          <a:lstStyle/>
+          <a:p>
+            <a:r>
+              <a:rPr lang="cs-CZ" sz="1800" dirty="0" smtClean="0"/>
+              <a:t>Sponzor:</a:t>
+            </a:r>
+            <a:endParaRPr lang="cs-CZ" sz="1800" dirty="0"/>
+          </a:p>
+        </p:txBody>
+      </p:sp>
+    </p:spTree>
+  </p:cSld>
+  <p:clrMapOvr>
+    <a:masterClrMapping/>
+  </p:clrMapOvr>
+  <p:transition>
+    <p:fade thruBlk="1"/>
+  </p:transition>
+  <p:timing>
+    <p:tnLst>
+      <p:par>
+        <p:cTn id="1" dur="indefinite" restart="never" nodeType="tmRoot"/>
+      </p:par>
+    </p:tnLst>
+  </p:timing>
+</p:sld>
+</file>
+
+<file path=ppt/slides/slide3.xml><?xml version="1.0" encoding="utf-8"?>
+<p:sld xmlns:a="http://schemas.openxmlformats.org/drawingml/2006/main" xmlns:r="http://schemas.openxmlformats.org/officeDocument/2006/relationships" xmlns:p="http://schemas.openxmlformats.org/presentationml/2006/main">
+  <p:cSld>
+    <p:spTree>
+      <p:nvGrpSpPr>
+        <p:cNvPr id="1" name=""/>
+        <p:cNvGrpSpPr/>
+        <p:nvPr/>
+      </p:nvGrpSpPr>
+      <p:grpSpPr>
+        <a:xfrm>
+          <a:off x="0" y="0"/>
+          <a:ext cx="0" cy="0"/>
+          <a:chOff x="0" y="0"/>
+          <a:chExt cx="0" cy="0"/>
+        </a:xfrm>
+      </p:grpSpPr>
+      <p:sp>
+        <p:nvSpPr>
+          <p:cNvPr id="4098" name="Nadpis 1"/>
+          <p:cNvSpPr>
+            <a:spLocks noGrp="1"/>
+          </p:cNvSpPr>
+          <p:nvPr>
+            <p:ph type="title"/>
+          </p:nvPr>
+        </p:nvSpPr>
+        <p:spPr/>
+        <p:txBody>
+          <a:bodyPr/>
+          <a:lstStyle/>
+          <a:p>
+            <a:r>
+              <a:rPr lang="cs-CZ" dirty="0" smtClean="0"/>
+              <a:t>Zprovoznění </a:t>
+            </a:r>
+            <a:r>
+              <a:rPr lang="cs-CZ" dirty="0" err="1" smtClean="0"/>
+              <a:t>iBatis</a:t>
+            </a:r>
+            <a:r>
+              <a:rPr lang="cs-CZ" dirty="0" smtClean="0"/>
+              <a:t> 3 na projektu</a:t>
+            </a:r>
+          </a:p>
+        </p:txBody>
+      </p:sp>
+      <p:sp>
+        <p:nvSpPr>
+          <p:cNvPr id="4099" name="Zástupný symbol pro obsah 2"/>
+          <p:cNvSpPr>
+            <a:spLocks noGrp="1"/>
+          </p:cNvSpPr>
+          <p:nvPr>
+            <p:ph idx="1"/>
+          </p:nvPr>
+        </p:nvSpPr>
+        <p:spPr/>
+        <p:txBody>
+          <a:bodyPr/>
+          <a:lstStyle/>
+          <a:p>
+            <a:r>
+              <a:rPr lang="cs-CZ" sz="2000" dirty="0" err="1" smtClean="0"/>
+              <a:t>iBatis</a:t>
+            </a:r>
+            <a:r>
+              <a:rPr lang="cs-CZ" sz="2000" dirty="0" smtClean="0"/>
+              <a:t> samostatně</a:t>
+            </a:r>
+          </a:p>
+          <a:p>
+            <a:pPr lvl="1"/>
+            <a:r>
+              <a:rPr lang="cs-CZ" sz="1700" dirty="0" smtClean="0"/>
+              <a:t>Konfigurace pomocí XML</a:t>
+            </a:r>
+          </a:p>
+          <a:p>
+            <a:pPr lvl="1"/>
+            <a:r>
+              <a:rPr lang="cs-CZ" sz="1700" dirty="0" smtClean="0"/>
+              <a:t>Konfigurace samostatně Java kódem</a:t>
+            </a:r>
+          </a:p>
+          <a:p>
+            <a:endParaRPr lang="cs-CZ" sz="1200" dirty="0" smtClean="0"/>
+          </a:p>
+          <a:p>
+            <a:r>
+              <a:rPr lang="cs-CZ" sz="1600" b="1" i="1" dirty="0" err="1" smtClean="0"/>
+              <a:t>SqlSessionFactoryBuilder</a:t>
+            </a:r>
+            <a:endParaRPr lang="cs-CZ" sz="1600" b="1" i="1" dirty="0" smtClean="0"/>
+          </a:p>
+          <a:p>
+            <a:pPr lvl="1"/>
+            <a:r>
+              <a:rPr lang="cs-CZ" sz="1400" dirty="0" smtClean="0"/>
+              <a:t>jednoúčelový objekt sloužící pro vytvoření </a:t>
+            </a:r>
+            <a:r>
+              <a:rPr lang="cs-CZ" sz="1400" dirty="0" err="1" smtClean="0"/>
+              <a:t>SqlSessionFactory</a:t>
+            </a:r>
+            <a:r>
+              <a:rPr lang="cs-CZ" sz="1400" dirty="0" smtClean="0"/>
+              <a:t> – možno ihned zahodit</a:t>
+            </a:r>
+          </a:p>
+          <a:p>
+            <a:r>
+              <a:rPr lang="cs-CZ" sz="1600" b="1" i="1" dirty="0" err="1" smtClean="0"/>
+              <a:t>SqlSessionFactory</a:t>
+            </a:r>
+            <a:endParaRPr lang="cs-CZ" sz="1600" b="1" i="1" dirty="0" smtClean="0"/>
+          </a:p>
+          <a:p>
+            <a:pPr lvl="1"/>
+            <a:r>
+              <a:rPr lang="cs-CZ" sz="1400" dirty="0" smtClean="0"/>
+              <a:t>sdílená v aplikaci</a:t>
+            </a:r>
+          </a:p>
+          <a:p>
+            <a:pPr lvl="1"/>
+            <a:r>
+              <a:rPr lang="cs-CZ" sz="1400" dirty="0" err="1" smtClean="0"/>
+              <a:t>thread</a:t>
+            </a:r>
+            <a:r>
+              <a:rPr lang="cs-CZ" sz="1400" dirty="0" smtClean="0"/>
+              <a:t>-safe</a:t>
+            </a:r>
+          </a:p>
+          <a:p>
+            <a:pPr lvl="1"/>
+            <a:r>
+              <a:rPr lang="cs-CZ" sz="1400" dirty="0" smtClean="0"/>
+              <a:t>pracovat jako se </a:t>
+            </a:r>
+            <a:r>
+              <a:rPr lang="cs-CZ" sz="1400" dirty="0" err="1" smtClean="0"/>
+              <a:t>singletonem</a:t>
+            </a:r>
+            <a:endParaRPr lang="cs-CZ" sz="1400" dirty="0" smtClean="0"/>
+          </a:p>
+          <a:p>
+            <a:r>
+              <a:rPr lang="cs-CZ" sz="1600" b="1" i="1" dirty="0" err="1" smtClean="0"/>
+              <a:t>SqlSession</a:t>
+            </a:r>
+            <a:endParaRPr lang="cs-CZ" sz="1600" b="1" i="1" dirty="0" smtClean="0"/>
+          </a:p>
+          <a:p>
+            <a:pPr lvl="1"/>
+            <a:r>
+              <a:rPr lang="cs-CZ" sz="1400" dirty="0" smtClean="0"/>
+              <a:t>pro každý </a:t>
+            </a:r>
+            <a:r>
+              <a:rPr lang="cs-CZ" sz="1400" dirty="0" err="1" smtClean="0"/>
+              <a:t>thread</a:t>
+            </a:r>
+            <a:r>
+              <a:rPr lang="cs-CZ" sz="1400" dirty="0" smtClean="0"/>
+              <a:t> unikání (není </a:t>
+            </a:r>
+            <a:r>
+              <a:rPr lang="cs-CZ" sz="1400" dirty="0" err="1" smtClean="0"/>
+              <a:t>thread</a:t>
+            </a:r>
+            <a:r>
+              <a:rPr lang="cs-CZ" sz="1400" dirty="0" smtClean="0"/>
+              <a:t>-safe)</a:t>
+            </a:r>
+          </a:p>
+          <a:p>
+            <a:pPr lvl="1"/>
+            <a:r>
+              <a:rPr lang="cs-CZ" sz="1400" dirty="0" smtClean="0"/>
+              <a:t>ideálně otevřít na začátku </a:t>
+            </a:r>
+            <a:r>
+              <a:rPr lang="cs-CZ" sz="1400" dirty="0" err="1" smtClean="0"/>
+              <a:t>requestu</a:t>
+            </a:r>
+            <a:r>
+              <a:rPr lang="cs-CZ" sz="1400" dirty="0" smtClean="0"/>
+              <a:t> a na konci ji zase zavřít</a:t>
+            </a:r>
+            <a:endParaRPr lang="cs-CZ" sz="1800" dirty="0" smtClean="0"/>
+          </a:p>
+          <a:p>
+            <a:endParaRPr lang="cs-CZ" sz="1200" dirty="0" smtClean="0"/>
+          </a:p>
+          <a:p>
+            <a:r>
+              <a:rPr lang="cs-CZ" sz="2000" dirty="0" err="1" smtClean="0"/>
+              <a:t>Spring</a:t>
+            </a:r>
+            <a:r>
+              <a:rPr lang="cs-CZ" sz="2000" dirty="0" smtClean="0"/>
+              <a:t> Framework (podpora plánována do 3.1)</a:t>
+            </a:r>
+          </a:p>
+          <a:p>
+            <a:pPr lvl="1"/>
+            <a:r>
+              <a:rPr lang="cs-CZ" sz="1700" dirty="0" smtClean="0">
+                <a:hlinkClick r:id="rId3"/>
+              </a:rPr>
+              <a:t>http://jira.springframework.org/browse/SPR-5991</a:t>
+            </a:r>
+            <a:r>
+              <a:rPr lang="cs-CZ" sz="1700" dirty="0" smtClean="0"/>
+              <a:t> </a:t>
+            </a:r>
+          </a:p>
+          <a:p>
+            <a:pPr lvl="1"/>
+            <a:r>
+              <a:rPr lang="cs-CZ" sz="1700" dirty="0" smtClean="0"/>
+              <a:t>Ukázková implementace v </a:t>
+            </a:r>
+            <a:r>
+              <a:rPr lang="cs-CZ" sz="1700" dirty="0" err="1" smtClean="0"/>
+              <a:t>package</a:t>
+            </a:r>
+            <a:r>
+              <a:rPr lang="cs-CZ" sz="1700" dirty="0" smtClean="0"/>
+              <a:t> </a:t>
+            </a:r>
+            <a:r>
+              <a:rPr lang="cs-CZ" sz="1700" b="1" dirty="0" smtClean="0"/>
+              <a:t>org.springframework.orm.ibatis3</a:t>
+            </a:r>
+          </a:p>
+          <a:p>
+            <a:pPr lvl="1"/>
+            <a:r>
+              <a:rPr lang="cs-CZ" sz="1700" dirty="0" smtClean="0"/>
+              <a:t>Práce s infrastrukturními třídami je řešena za nás</a:t>
+            </a:r>
+          </a:p>
+          <a:p>
+            <a:pPr lvl="1"/>
+            <a:r>
+              <a:rPr lang="cs-CZ" sz="1700" dirty="0" smtClean="0"/>
+              <a:t>Nemusíme se starat o uzavírání </a:t>
+            </a:r>
+            <a:r>
+              <a:rPr lang="cs-CZ" sz="1700" dirty="0" err="1" smtClean="0"/>
+              <a:t>SqlSession</a:t>
+            </a:r>
+            <a:endParaRPr lang="cs-CZ" sz="1700" dirty="0" smtClean="0"/>
+          </a:p>
+        </p:txBody>
+      </p:sp>
+      <p:sp>
+        <p:nvSpPr>
+          <p:cNvPr id="4" name="Zástupný symbol pro číslo snímku 3"/>
+          <p:cNvSpPr>
+            <a:spLocks noGrp="1"/>
+          </p:cNvSpPr>
+          <p:nvPr>
+            <p:ph type="sldNum" sz="quarter" idx="10"/>
+          </p:nvPr>
+        </p:nvSpPr>
+        <p:spPr/>
+        <p:txBody>
+          <a:bodyPr/>
+          <a:lstStyle/>
+          <a:p>
+            <a:pPr>
+              <a:defRPr/>
+            </a:pPr>
+            <a:fld id="{A6112C02-2ADB-4963-B455-E27F555BA63A}" type="slidenum">
+              <a:rPr lang="cs-CZ" smtClean="0"/>
+              <a:pPr>
+                <a:defRPr/>
+              </a:pPr>
+              <a:t>3</a:t>
+            </a:fld>
+            <a:endParaRPr lang="cs-CZ"/>
+          </a:p>
+        </p:txBody>
+      </p:sp>
+      <p:sp>
+        <p:nvSpPr>
+          <p:cNvPr id="5" name="Zástupný symbol pro zápatí 4"/>
+          <p:cNvSpPr>
+            <a:spLocks noGrp="1"/>
+          </p:cNvSpPr>
+          <p:nvPr>
+            <p:ph type="ftr" sz="quarter" idx="11"/>
+          </p:nvPr>
+        </p:nvSpPr>
+        <p:spPr/>
+        <p:txBody>
+          <a:bodyPr/>
+          <a:lstStyle/>
+          <a:p>
+            <a:pPr>
+              <a:defRPr/>
+            </a:pPr>
+            <a:r>
+              <a:rPr lang="cs-CZ" smtClean="0"/>
+              <a:t>www.fg.cz</a:t>
+            </a:r>
+            <a:endParaRPr lang="cs-CZ"/>
+          </a:p>
+        </p:txBody>
+      </p:sp>
+    </p:spTree>
+  </p:cSld>
+  <p:clrMapOvr>
+    <a:masterClrMapping/>
+  </p:clrMapOvr>
+  <p:transition advTm="177966">
+    <p:fade thruBlk="1"/>
+  </p:transition>
+  <p:timing>
+    <p:tnLst>
+      <p:par>
+        <p:cTn id="1" dur="indefinite" restart="never" nodeType="tmRoot"/>
+      </p:par>
+    </p:tnLst>
+  </p:timing>
+</p:sld>
+</file>
+
+<file path=ppt/slides/slide4.xml><?xml version="1.0" encoding="utf-8"?>
+<p:sld xmlns:a="http://schemas.openxmlformats.org/drawingml/2006/main" xmlns:r="http://schemas.openxmlformats.org/officeDocument/2006/relationships" xmlns:p="http://schemas.openxmlformats.org/presentationml/2006/main">
+  <p:cSld>
+    <p:spTree>
+      <p:nvGrpSpPr>
+        <p:cNvPr id="1" name=""/>
+        <p:cNvGrpSpPr/>
+        <p:nvPr/>
+      </p:nvGrpSpPr>
+      <p:grpSpPr>
+        <a:xfrm>
+          <a:off x="0" y="0"/>
+          <a:ext cx="0" cy="0"/>
+          <a:chOff x="0" y="0"/>
+          <a:chExt cx="0" cy="0"/>
+        </a:xfrm>
+      </p:grpSpPr>
+      <p:sp>
+        <p:nvSpPr>
+          <p:cNvPr id="2" name="Nadpis 1"/>
+          <p:cNvSpPr>
+            <a:spLocks noGrp="1"/>
+          </p:cNvSpPr>
+          <p:nvPr>
+            <p:ph type="title"/>
+          </p:nvPr>
+        </p:nvSpPr>
+        <p:spPr/>
+        <p:txBody>
+          <a:bodyPr/>
+          <a:lstStyle/>
+          <a:p>
+            <a:r>
+              <a:rPr lang="cs-CZ" dirty="0" smtClean="0"/>
+              <a:t>Datový model</a:t>
+            </a:r>
+            <a:endParaRPr lang="cs-CZ" dirty="0"/>
+          </a:p>
+        </p:txBody>
+      </p:sp>
+      <p:pic>
+        <p:nvPicPr>
+          <p:cNvPr id="6" name="Zástupný symbol pro obsah 5" descr="Products-data-model.png"/>
+          <p:cNvPicPr>
+            <a:picLocks noGrp="1" noChangeAspect="1"/>
+          </p:cNvPicPr>
+          <p:nvPr>
+            <p:ph idx="1"/>
+          </p:nvPr>
+        </p:nvPicPr>
+        <p:blipFill>
+          <a:blip r:embed="rId3" cstate="print"/>
+          <a:stretch>
+            <a:fillRect/>
+          </a:stretch>
+        </p:blipFill>
+        <p:spPr>
+          <a:xfrm>
+            <a:off x="498475" y="1132681"/>
+            <a:ext cx="8077200" cy="4867275"/>
+          </a:xfrm>
+        </p:spPr>
+      </p:pic>
+      <p:sp>
+        <p:nvSpPr>
+          <p:cNvPr id="4" name="Zástupný symbol pro číslo snímku 3"/>
+          <p:cNvSpPr>
+            <a:spLocks noGrp="1"/>
+          </p:cNvSpPr>
+          <p:nvPr>
+            <p:ph type="sldNum" sz="quarter" idx="10"/>
+          </p:nvPr>
+        </p:nvSpPr>
+        <p:spPr/>
+        <p:txBody>
+          <a:bodyPr/>
+          <a:lstStyle/>
+          <a:p>
+            <a:pPr>
+              <a:defRPr/>
+            </a:pPr>
+            <a:fld id="{9AF1F007-AFEE-4035-9C51-B1CFC008845C}" type="slidenum">
+              <a:rPr lang="cs-CZ" smtClean="0"/>
+              <a:pPr>
+                <a:defRPr/>
+              </a:pPr>
+              <a:t>4</a:t>
+            </a:fld>
+            <a:endParaRPr lang="cs-CZ"/>
+          </a:p>
+        </p:txBody>
+      </p:sp>
+      <p:sp>
+        <p:nvSpPr>
+          <p:cNvPr id="5" name="Zástupný symbol pro zápatí 4"/>
+          <p:cNvSpPr>
+            <a:spLocks noGrp="1"/>
+          </p:cNvSpPr>
+          <p:nvPr>
+            <p:ph type="ftr" sz="quarter" idx="11"/>
+          </p:nvPr>
+        </p:nvSpPr>
+        <p:spPr/>
+        <p:txBody>
+          <a:bodyPr/>
+          <a:lstStyle/>
+          <a:p>
+            <a:pPr>
+              <a:defRPr/>
+            </a:pPr>
+            <a:r>
+              <a:rPr lang="cs-CZ" smtClean="0"/>
+              <a:t>www.fg.cz</a:t>
+            </a:r>
+            <a:endParaRPr lang="cs-CZ"/>
+          </a:p>
+        </p:txBody>
+      </p:sp>
+      <p:pic>
+        <p:nvPicPr>
+          <p:cNvPr id="7" name="Obrázek 6" descr="Product-class-model.png"/>
+          <p:cNvPicPr>
+            <a:picLocks noChangeAspect="1"/>
+          </p:cNvPicPr>
+          <p:nvPr/>
+        </p:nvPicPr>
+        <p:blipFill>
+          <a:blip r:embed="rId4" cstate="print"/>
+          <a:stretch>
+            <a:fillRect/>
+          </a:stretch>
+        </p:blipFill>
+        <p:spPr>
+          <a:xfrm>
+            <a:off x="500034" y="1142984"/>
+            <a:ext cx="8058150" cy="4933950"/>
+          </a:xfrm>
+          <a:prstGeom prst="rect">
+            <a:avLst/>
+          </a:prstGeom>
+        </p:spPr>
+      </p:pic>
+    </p:spTree>
+  </p:cSld>
+  <p:clrMapOvr>
+    <a:masterClrMapping/>
+  </p:clrMapOvr>
+  <p:transition>
+    <p:fade thruBlk="1"/>
+  </p:transition>
+  <p:timing>
+    <p:tnLst>
+      <p:par>
+        <p:cTn id="1" dur="indefinite" restart="never" nodeType="tmRoot">
+          <p:childTnLst>
+            <p:seq concurrent="1" nextAc="seek">
+              <p:cTn id="2" dur="indefinite" nodeType="mainSeq">
+                <p:childTnLst>
+                  <p:par>
+                    <p:cTn id="3" fill="hold">
+                      <p:stCondLst>
+                        <p:cond delay="indefinite"/>
+                      </p:stCondLst>
+                      <p:childTnLst>
+                        <p:par>
+                          <p:cTn id="4" fill="hold">
+                            <p:stCondLst>
+                              <p:cond delay="0"/>
+                            </p:stCondLst>
+                            <p:childTnLst>
+                              <p:par>
+                                <p:cTn id="5" presetID="2" presetClass="entr" presetSubtype="4" fill="hold" nodeType="clickEffect">
+                                  <p:stCondLst>
+                                    <p:cond delay="0"/>
+                                  </p:stCondLst>
+                                  <p:childTnLst>
+                                    <p:set>
+                                      <p:cBhvr>
+                                        <p:cTn id="6" dur="1" fill="hold">
+                                          <p:stCondLst>
+                                            <p:cond delay="0"/>
+                                          </p:stCondLst>
+                                        </p:cTn>
+                                        <p:tgtEl>
+                                          <p:spTgt spid="7"/>
+                                        </p:tgtEl>
+                                        <p:attrNameLst>
+                                          <p:attrName>style.visibility</p:attrName>
+                                        </p:attrNameLst>
+                                      </p:cBhvr>
+                                      <p:to>
+                                        <p:strVal val="visible"/>
+                                      </p:to>
+                                    </p:set>
+                                    <p:anim calcmode="lin" valueType="num">
+                                      <p:cBhvr additive="base">
+                                        <p:cTn id="7" dur="500" fill="hold"/>
+                                        <p:tgtEl>
+                                          <p:spTgt spid="7"/>
+                                        </p:tgtEl>
+                                        <p:attrNameLst>
+                                          <p:attrName>ppt_x</p:attrName>
+                                        </p:attrNameLst>
+                                      </p:cBhvr>
+                                      <p:tavLst>
+                                        <p:tav tm="0">
+                                          <p:val>
+                                            <p:strVal val="#ppt_x"/>
+                                          </p:val>
+                                        </p:tav>
+                                        <p:tav tm="100000">
+                                          <p:val>
+                                            <p:strVal val="#ppt_x"/>
+                                          </p:val>
+                                        </p:tav>
+                                      </p:tavLst>
+                                    </p:anim>
+                                    <p:anim calcmode="lin" valueType="num">
+                                      <p:cBhvr additive="base">
+                                        <p:cTn id="8" dur="500" fill="hold"/>
+                                        <p:tgtEl>
+                                          <p:spTgt spid="7"/>
+                                        </p:tgtEl>
+                                        <p:attrNameLst>
+                                          <p:attrName>ppt_y</p:attrName>
+                                        </p:attrNameLst>
+                                      </p:cBhvr>
+                                      <p:tavLst>
+                                        <p:tav tm="0">
+                                          <p:val>
+                                            <p:strVal val="1+#ppt_h/2"/>
+                                          </p:val>
+                                        </p:tav>
+                                        <p:tav tm="100000">
+                                          <p:val>
+                                            <p:strVal val="#ppt_y"/>
+                                          </p:val>
+                                        </p:tav>
+                                      </p:tavLst>
+                                    </p:anim>
+                                  </p:childTnLst>
+                                </p:cTn>
+                              </p:par>
+                            </p:childTnLst>
+                          </p:cTn>
+                        </p:par>
+                      </p:childTnLst>
+                    </p:cTn>
+                  </p:par>
+                </p:childTnLst>
+              </p:cTn>
+              <p:prevCondLst>
+                <p:cond evt="onPrev" delay="0">
+                  <p:tgtEl>
+                    <p:sldTgt/>
+                  </p:tgtEl>
+                </p:cond>
+              </p:prevCondLst>
+              <p:nextCondLst>
+                <p:cond evt="onNext" delay="0">
+                  <p:tgtEl>
+                    <p:sldTgt/>
+                  </p:tgtEl>
+                </p:cond>
+              </p:nextCondLst>
+            </p:seq>
+          </p:childTnLst>
+        </p:cTn>
+      </p:par>
+    </p:tnLst>
+  </p:timing>
+</p:sld>
+</file>
+
+<file path=ppt/slides/slide5.xml><?xml version="1.0" encoding="utf-8"?>
+<p:sld xmlns:a="http://schemas.openxmlformats.org/drawingml/2006/main" xmlns:r="http://schemas.openxmlformats.org/officeDocument/2006/relationships" xmlns:p="http://schemas.openxmlformats.org/presentationml/2006/main">
+  <p:cSld>
+    <p:spTree>
+      <p:nvGrpSpPr>
+        <p:cNvPr id="1" name=""/>
+        <p:cNvGrpSpPr/>
+        <p:nvPr/>
+      </p:nvGrpSpPr>
+      <p:grpSpPr>
+        <a:xfrm>
+          <a:off x="0" y="0"/>
+          <a:ext cx="0" cy="0"/>
+          <a:chOff x="0" y="0"/>
+          <a:chExt cx="0" cy="0"/>
+        </a:xfrm>
+      </p:grpSpPr>
+      <p:sp>
+        <p:nvSpPr>
+          <p:cNvPr id="2" name="Nadpis 1"/>
+          <p:cNvSpPr>
+            <a:spLocks noGrp="1"/>
+          </p:cNvSpPr>
+          <p:nvPr>
+            <p:ph type="title"/>
+          </p:nvPr>
+        </p:nvSpPr>
+        <p:spPr/>
+        <p:txBody>
+          <a:bodyPr/>
+          <a:lstStyle/>
+          <a:p>
+            <a:r>
+              <a:rPr lang="cs-CZ" dirty="0" smtClean="0"/>
+              <a:t>Základní použití </a:t>
+            </a:r>
+            <a:r>
+              <a:rPr lang="cs-CZ" dirty="0" err="1" smtClean="0"/>
+              <a:t>iBatis</a:t>
+            </a:r>
+            <a:r>
+              <a:rPr lang="cs-CZ" dirty="0" smtClean="0"/>
+              <a:t> 3</a:t>
+            </a:r>
+            <a:endParaRPr lang="cs-CZ" dirty="0"/>
+          </a:p>
+        </p:txBody>
+      </p:sp>
+      <p:sp>
+        <p:nvSpPr>
+          <p:cNvPr id="3" name="Zástupný symbol pro obsah 2"/>
+          <p:cNvSpPr>
+            <a:spLocks noGrp="1"/>
+          </p:cNvSpPr>
+          <p:nvPr>
+            <p:ph idx="1"/>
+          </p:nvPr>
+        </p:nvSpPr>
+        <p:spPr/>
+        <p:txBody>
+          <a:bodyPr/>
+          <a:lstStyle/>
+          <a:p>
+            <a:r>
+              <a:rPr lang="cs-CZ" sz="2000" b="1" dirty="0" smtClean="0">
+                <a:ln w="12700">
+                  <a:solidFill>
+                    <a:schemeClr val="tx2">
+                      <a:satMod val="155000"/>
+                    </a:schemeClr>
+                  </a:solidFill>
+                  <a:prstDash val="solid"/>
+                </a:ln>
+                <a:solidFill>
+                  <a:schemeClr val="bg2">
+                    <a:tint val="85000"/>
+                    <a:satMod val="155000"/>
+                  </a:schemeClr>
+                </a:solidFill>
+                <a:effectLst>
+                  <a:outerShdw blurRad="41275" dist="20320" dir="1800000" algn="tl" rotWithShape="0">
+                    <a:srgbClr val="000000">
+                      <a:alpha val="40000"/>
+                    </a:srgbClr>
+                  </a:outerShdw>
+                </a:effectLst>
+              </a:rPr>
+              <a:t>A_</a:t>
+            </a:r>
+            <a:r>
+              <a:rPr lang="cs-CZ" sz="2000" b="1" dirty="0" err="1" smtClean="0">
+                <a:ln w="12700">
+                  <a:solidFill>
+                    <a:schemeClr val="tx2">
+                      <a:satMod val="155000"/>
+                    </a:schemeClr>
+                  </a:solidFill>
+                  <a:prstDash val="solid"/>
+                </a:ln>
+                <a:solidFill>
+                  <a:schemeClr val="bg2">
+                    <a:tint val="85000"/>
+                    <a:satMod val="155000"/>
+                  </a:schemeClr>
+                </a:solidFill>
+                <a:effectLst>
+                  <a:outerShdw blurRad="41275" dist="20320" dir="1800000" algn="tl" rotWithShape="0">
+                    <a:srgbClr val="000000">
+                      <a:alpha val="40000"/>
+                    </a:srgbClr>
+                  </a:outerShdw>
+                </a:effectLst>
+              </a:rPr>
+              <a:t>ProductTagMapperTest</a:t>
+            </a:r>
+            <a:endParaRPr lang="cs-CZ" sz="2000" b="1" dirty="0" smtClean="0">
+              <a:ln w="12700">
+                <a:solidFill>
+                  <a:schemeClr val="tx2">
+                    <a:satMod val="155000"/>
+                  </a:schemeClr>
+                </a:solidFill>
+                <a:prstDash val="solid"/>
+              </a:ln>
+              <a:solidFill>
+                <a:schemeClr val="bg2">
+                  <a:tint val="85000"/>
+                  <a:satMod val="155000"/>
+                </a:schemeClr>
+              </a:solidFill>
+              <a:effectLst>
+                <a:outerShdw blurRad="41275" dist="20320" dir="1800000" algn="tl" rotWithShape="0">
+                  <a:srgbClr val="000000">
+                    <a:alpha val="40000"/>
+                  </a:srgbClr>
+                </a:outerShdw>
+              </a:effectLst>
+            </a:endParaRPr>
+          </a:p>
+          <a:p>
+            <a:pPr lvl="1"/>
+            <a:r>
+              <a:rPr lang="cs-CZ" sz="1800" dirty="0" err="1" smtClean="0"/>
+              <a:t>testCountTags</a:t>
+            </a:r>
+            <a:endParaRPr lang="cs-CZ" sz="1800" dirty="0" smtClean="0"/>
+          </a:p>
+          <a:p>
+            <a:pPr lvl="2">
+              <a:buNone/>
+            </a:pPr>
+            <a:r>
+              <a:rPr lang="cs-CZ" sz="1600" dirty="0" err="1" smtClean="0">
+                <a:solidFill>
+                  <a:schemeClr val="tx1"/>
+                </a:solidFill>
+              </a:rPr>
+              <a:t>select</a:t>
+            </a:r>
+            <a:r>
+              <a:rPr lang="cs-CZ" sz="1600" dirty="0" smtClean="0">
+                <a:solidFill>
+                  <a:schemeClr val="tx1"/>
+                </a:solidFill>
+              </a:rPr>
+              <a:t> </a:t>
+            </a:r>
+            <a:r>
+              <a:rPr lang="cs-CZ" sz="1600" dirty="0" err="1" smtClean="0">
+                <a:solidFill>
+                  <a:schemeClr val="tx1"/>
+                </a:solidFill>
+              </a:rPr>
+              <a:t>count</a:t>
+            </a:r>
+            <a:r>
+              <a:rPr lang="cs-CZ" sz="1600" dirty="0" smtClean="0">
+                <a:solidFill>
+                  <a:schemeClr val="tx1"/>
+                </a:solidFill>
+              </a:rPr>
+              <a:t>(*) </a:t>
+            </a:r>
+            <a:r>
+              <a:rPr lang="cs-CZ" sz="1600" dirty="0" err="1" smtClean="0">
+                <a:solidFill>
+                  <a:schemeClr val="tx1"/>
+                </a:solidFill>
+              </a:rPr>
+              <a:t>from</a:t>
+            </a:r>
+            <a:r>
+              <a:rPr lang="cs-CZ" sz="1600" dirty="0" smtClean="0">
+                <a:solidFill>
+                  <a:schemeClr val="tx1"/>
+                </a:solidFill>
+              </a:rPr>
+              <a:t> </a:t>
+            </a:r>
+            <a:r>
+              <a:rPr lang="cs-CZ" sz="1600" dirty="0" err="1" smtClean="0">
+                <a:solidFill>
+                  <a:schemeClr val="tx1"/>
+                </a:solidFill>
+              </a:rPr>
+              <a:t>tag</a:t>
+            </a:r>
+            <a:endParaRPr lang="cs-CZ" sz="1600" dirty="0" smtClean="0">
+              <a:solidFill>
+                <a:schemeClr val="tx1"/>
+              </a:solidFill>
+            </a:endParaRPr>
+          </a:p>
+          <a:p>
+            <a:pPr lvl="1"/>
+            <a:r>
+              <a:rPr lang="cs-CZ" sz="1800" dirty="0" err="1" smtClean="0"/>
+              <a:t>testGetTagById</a:t>
+            </a:r>
+            <a:r>
+              <a:rPr lang="cs-CZ" sz="1800" dirty="0" smtClean="0"/>
+              <a:t>, </a:t>
+            </a:r>
+            <a:r>
+              <a:rPr lang="cs-CZ" sz="1800" dirty="0" err="1" smtClean="0"/>
+              <a:t>testGetImmutableTagById</a:t>
+            </a:r>
+            <a:endParaRPr lang="cs-CZ" sz="1800" dirty="0" smtClean="0"/>
+          </a:p>
+          <a:p>
+            <a:pPr lvl="2">
+              <a:buNone/>
+            </a:pPr>
+            <a:r>
+              <a:rPr lang="en-US" sz="1600" dirty="0" err="1" smtClean="0">
+                <a:solidFill>
+                  <a:schemeClr val="tx1"/>
+                </a:solidFill>
+              </a:rPr>
+              <a:t>select * from tag where id = </a:t>
+            </a:r>
+            <a:r>
+              <a:rPr lang="cs-CZ" sz="1600" dirty="0" err="1" smtClean="0">
+                <a:solidFill>
+                  <a:schemeClr val="tx1"/>
+                </a:solidFill>
+              </a:rPr>
+              <a:t>?</a:t>
+            </a:r>
+          </a:p>
+          <a:p>
+            <a:pPr lvl="1"/>
+            <a:r>
+              <a:rPr lang="cs-CZ" sz="1800" dirty="0" err="1" smtClean="0"/>
+              <a:t>testCreateTag</a:t>
+            </a:r>
+            <a:endParaRPr lang="cs-CZ" sz="1800" dirty="0" smtClean="0"/>
+          </a:p>
+          <a:p>
+            <a:pPr lvl="2">
+              <a:buNone/>
+            </a:pPr>
+            <a:r>
+              <a:rPr lang="cs-CZ" sz="1600" dirty="0" err="1" smtClean="0">
+                <a:solidFill>
+                  <a:schemeClr val="tx1"/>
+                </a:solidFill>
+              </a:rPr>
+              <a:t>call identity()</a:t>
+            </a:r>
+          </a:p>
+          <a:p>
+            <a:pPr lvl="2">
+              <a:buNone/>
+            </a:pPr>
+            <a:r>
+              <a:rPr lang="en-US" sz="1600" dirty="0" err="1" smtClean="0">
+                <a:solidFill>
+                  <a:schemeClr val="tx1"/>
+                </a:solidFill>
+              </a:rPr>
+              <a:t>insert into tag (name) values (</a:t>
+            </a:r>
+            <a:r>
+              <a:rPr lang="cs-CZ" sz="1600" dirty="0" err="1" smtClean="0">
+                <a:solidFill>
+                  <a:schemeClr val="tx1"/>
+                </a:solidFill>
+              </a:rPr>
+              <a:t>?</a:t>
+            </a:r>
+            <a:r>
+              <a:rPr lang="en-US" sz="1600" dirty="0" err="1" smtClean="0">
+                <a:solidFill>
+                  <a:schemeClr val="tx1"/>
+                </a:solidFill>
+              </a:rPr>
+              <a:t>)</a:t>
+            </a:r>
+            <a:endParaRPr lang="cs-CZ" sz="1600" dirty="0" err="1" smtClean="0">
+              <a:solidFill>
+                <a:schemeClr val="tx1"/>
+              </a:solidFill>
+            </a:endParaRPr>
+          </a:p>
+          <a:p>
+            <a:pPr lvl="1"/>
+            <a:r>
+              <a:rPr lang="cs-CZ" sz="1800" dirty="0" err="1" smtClean="0"/>
+              <a:t>testUpdateTag</a:t>
+            </a:r>
+            <a:endParaRPr lang="cs-CZ" sz="1800" dirty="0" smtClean="0"/>
+          </a:p>
+          <a:p>
+            <a:pPr lvl="2">
+              <a:buNone/>
+            </a:pPr>
+            <a:r>
+              <a:rPr lang="en-US" sz="1600" dirty="0" err="1" smtClean="0">
+                <a:solidFill>
+                  <a:schemeClr val="tx1"/>
+                </a:solidFill>
+              </a:rPr>
+              <a:t>update tag</a:t>
+            </a:r>
+            <a:r>
+              <a:rPr lang="cs-CZ" sz="1600" dirty="0" err="1" smtClean="0">
+                <a:solidFill>
+                  <a:schemeClr val="tx1"/>
+                </a:solidFill>
+              </a:rPr>
+              <a:t> </a:t>
+            </a:r>
+            <a:r>
+              <a:rPr lang="en-US" sz="1600" dirty="0" err="1" smtClean="0">
+                <a:solidFill>
+                  <a:schemeClr val="tx1"/>
+                </a:solidFill>
+              </a:rPr>
+              <a:t>set name = </a:t>
+            </a:r>
+            <a:r>
+              <a:rPr lang="cs-CZ" sz="1600" dirty="0" err="1" smtClean="0">
+                <a:solidFill>
+                  <a:schemeClr val="tx1"/>
+                </a:solidFill>
+              </a:rPr>
+              <a:t>? </a:t>
+            </a:r>
+            <a:r>
+              <a:rPr lang="en-US" sz="1600" dirty="0" err="1" smtClean="0">
+                <a:solidFill>
+                  <a:schemeClr val="tx1"/>
+                </a:solidFill>
+              </a:rPr>
+              <a:t>where id = </a:t>
+            </a:r>
+            <a:r>
+              <a:rPr lang="cs-CZ" sz="1600" dirty="0" err="1" smtClean="0">
+                <a:solidFill>
+                  <a:schemeClr val="tx1"/>
+                </a:solidFill>
+              </a:rPr>
+              <a:t>?</a:t>
+            </a:r>
+          </a:p>
+          <a:p>
+            <a:pPr lvl="1"/>
+            <a:r>
+              <a:rPr lang="cs-CZ" sz="1800" dirty="0" err="1" smtClean="0"/>
+              <a:t>testDeleteTag</a:t>
+            </a:r>
+            <a:endParaRPr lang="cs-CZ" sz="1800" dirty="0" smtClean="0"/>
+          </a:p>
+          <a:p>
+            <a:pPr lvl="2">
+              <a:buNone/>
+            </a:pPr>
+            <a:r>
+              <a:rPr lang="en-US" sz="1600" dirty="0" err="1" smtClean="0">
+                <a:solidFill>
+                  <a:schemeClr val="tx1"/>
+                </a:solidFill>
+              </a:rPr>
+              <a:t>delete from tag where id = </a:t>
+            </a:r>
+            <a:r>
+              <a:rPr lang="cs-CZ" sz="1600" dirty="0" err="1" smtClean="0">
+                <a:solidFill>
+                  <a:schemeClr val="tx1"/>
+                </a:solidFill>
+              </a:rPr>
+              <a:t>?</a:t>
+            </a:r>
+          </a:p>
+          <a:p>
+            <a:pPr lvl="1"/>
+            <a:r>
+              <a:rPr lang="cs-CZ" sz="1800" dirty="0" err="1" smtClean="0"/>
+              <a:t>testListTagsOrdered</a:t>
+            </a:r>
+          </a:p>
+          <a:p>
+            <a:pPr lvl="2">
+              <a:buNone/>
+            </a:pPr>
+            <a:r>
+              <a:rPr lang="en-US" sz="1600" dirty="0" err="1" smtClean="0">
+                <a:solidFill>
+                  <a:schemeClr val="tx1"/>
+                </a:solidFill>
+              </a:rPr>
+              <a:t>select * from tag order by </a:t>
+            </a:r>
+            <a:r>
+              <a:rPr lang="cs-CZ" sz="1600" dirty="0" err="1" smtClean="0">
+                <a:solidFill>
+                  <a:schemeClr val="tx1"/>
+                </a:solidFill>
+              </a:rPr>
+              <a:t>column</a:t>
+            </a:r>
+            <a:r>
+              <a:rPr lang="en-US" sz="1600" dirty="0" err="1" smtClean="0">
+                <a:solidFill>
+                  <a:schemeClr val="tx1"/>
+                </a:solidFill>
+              </a:rPr>
+              <a:t> asc</a:t>
+            </a:r>
+            <a:endParaRPr lang="cs-CZ" sz="1600" dirty="0" err="1" smtClean="0">
+              <a:solidFill>
+                <a:schemeClr val="tx1"/>
+              </a:solidFill>
+            </a:endParaRPr>
+          </a:p>
+          <a:p>
+            <a:pPr lvl="1"/>
+            <a:r>
+              <a:rPr lang="cs-CZ" sz="1800" dirty="0" err="1" smtClean="0"/>
+              <a:t>testGetCalculationsInHashMap</a:t>
+            </a:r>
+          </a:p>
+          <a:p>
+            <a:pPr lvl="2">
+              <a:buNone/>
+            </a:pPr>
+            <a:r>
+              <a:rPr lang="cs-CZ" sz="1600" dirty="0" err="1" smtClean="0">
+                <a:solidFill>
+                  <a:schemeClr val="tx1"/>
+                </a:solidFill>
+              </a:rPr>
+              <a:t>s</a:t>
+            </a:r>
+            <a:r>
+              <a:rPr lang="en-US" sz="1600" dirty="0" err="1" smtClean="0">
+                <a:solidFill>
+                  <a:schemeClr val="tx1"/>
+                </a:solidFill>
+              </a:rPr>
+              <a:t>elect</a:t>
+            </a:r>
+            <a:r>
+              <a:rPr lang="cs-CZ" sz="1600" dirty="0" err="1" smtClean="0">
+                <a:solidFill>
+                  <a:schemeClr val="tx1"/>
+                </a:solidFill>
+              </a:rPr>
+              <a:t> </a:t>
+            </a:r>
+            <a:r>
+              <a:rPr lang="en-US" sz="1600" dirty="0" err="1" smtClean="0">
+                <a:solidFill>
+                  <a:schemeClr val="tx1"/>
+                </a:solidFill>
+              </a:rPr>
+              <a:t>avg(length(name)) as averageLength,</a:t>
+            </a:r>
+            <a:r>
+              <a:rPr lang="cs-CZ" sz="1600" dirty="0" err="1" smtClean="0">
+                <a:solidFill>
+                  <a:schemeClr val="tx1"/>
+                </a:solidFill>
+              </a:rPr>
+              <a:t> </a:t>
+            </a:r>
+            <a:r>
+              <a:rPr lang="en-US" sz="1600" dirty="0" err="1" smtClean="0">
+                <a:solidFill>
+                  <a:schemeClr val="tx1"/>
+                </a:solidFill>
+              </a:rPr>
+              <a:t>min(length(name)) as minLength,</a:t>
+            </a:r>
+            <a:r>
+              <a:rPr lang="cs-CZ" sz="1600" dirty="0" err="1" smtClean="0">
+                <a:solidFill>
+                  <a:schemeClr val="tx1"/>
+                </a:solidFill>
+              </a:rPr>
+              <a:t> </a:t>
+            </a:r>
+            <a:r>
+              <a:rPr lang="en-US" sz="1600" dirty="0" err="1" smtClean="0">
+                <a:solidFill>
+                  <a:schemeClr val="tx1"/>
+                </a:solidFill>
+              </a:rPr>
+              <a:t>max(length(name)) as maxLength</a:t>
+            </a:r>
+            <a:r>
+              <a:rPr lang="cs-CZ" sz="1600" dirty="0" err="1" smtClean="0">
+                <a:solidFill>
+                  <a:schemeClr val="tx1"/>
+                </a:solidFill>
+              </a:rPr>
+              <a:t> </a:t>
+            </a:r>
+            <a:r>
+              <a:rPr lang="en-US" sz="1600" dirty="0" err="1" smtClean="0">
+                <a:solidFill>
+                  <a:schemeClr val="tx1"/>
+                </a:solidFill>
+              </a:rPr>
+              <a:t>from tag</a:t>
+            </a:r>
+            <a:endParaRPr lang="cs-CZ" sz="1600" dirty="0" err="1" smtClean="0">
+              <a:solidFill>
+                <a:schemeClr val="tx1"/>
+              </a:solidFill>
+            </a:endParaRPr>
+          </a:p>
+        </p:txBody>
+      </p:sp>
+      <p:sp>
+        <p:nvSpPr>
+          <p:cNvPr id="4" name="Zástupný symbol pro číslo snímku 3"/>
+          <p:cNvSpPr>
+            <a:spLocks noGrp="1"/>
+          </p:cNvSpPr>
+          <p:nvPr>
+            <p:ph type="sldNum" sz="quarter" idx="10"/>
+          </p:nvPr>
+        </p:nvSpPr>
+        <p:spPr/>
+        <p:txBody>
+          <a:bodyPr/>
+          <a:lstStyle/>
+          <a:p>
+            <a:pPr>
+              <a:defRPr/>
+            </a:pPr>
+            <a:fld id="{9AF1F007-AFEE-4035-9C51-B1CFC008845C}" type="slidenum">
+              <a:rPr lang="cs-CZ" smtClean="0"/>
+              <a:pPr>
+                <a:defRPr/>
+              </a:pPr>
+              <a:t>5</a:t>
+            </a:fld>
+            <a:endParaRPr lang="cs-CZ"/>
+          </a:p>
+        </p:txBody>
+      </p:sp>
+      <p:sp>
+        <p:nvSpPr>
+          <p:cNvPr id="5" name="Zástupný symbol pro zápatí 4"/>
+          <p:cNvSpPr>
+            <a:spLocks noGrp="1"/>
+          </p:cNvSpPr>
+          <p:nvPr>
+            <p:ph type="ftr" sz="quarter" idx="11"/>
+          </p:nvPr>
+        </p:nvSpPr>
+        <p:spPr/>
+        <p:txBody>
+          <a:bodyPr/>
+          <a:lstStyle/>
+          <a:p>
+            <a:pPr>
+              <a:defRPr/>
+            </a:pPr>
+            <a:r>
+              <a:rPr lang="cs-CZ" smtClean="0"/>
+              <a:t>www.fg.cz</a:t>
+            </a:r>
+            <a:endParaRPr lang="cs-CZ"/>
+          </a:p>
+        </p:txBody>
+      </p:sp>
+    </p:spTree>
+  </p:cSld>
+  <p:clrMapOvr>
+    <a:masterClrMapping/>
+  </p:clrMapOvr>
+  <p:transition>
+    <p:fade thruBlk="1"/>
+  </p:transition>
+  <p:timing>
+    <p:tnLst>
+      <p:par>
+        <p:cTn id="1" dur="indefinite" restart="never" nodeType="tmRoot"/>
+      </p:par>
+    </p:tnLst>
+  </p:timing>
+</p:sld>
+</file>
+
+<file path=ppt/slides/slide6.xml><?xml version="1.0" encoding="utf-8"?>
+<p:sld xmlns:a="http://schemas.openxmlformats.org/drawingml/2006/main" xmlns:r="http://schemas.openxmlformats.org/officeDocument/2006/relationships" xmlns:p="http://schemas.openxmlformats.org/presentationml/2006/main">
+  <p:cSld>
+    <p:spTree>
+      <p:nvGrpSpPr>
+        <p:cNvPr id="1" name=""/>
+        <p:cNvGrpSpPr/>
+        <p:nvPr/>
+      </p:nvGrpSpPr>
+      <p:grpSpPr>
+        <a:xfrm>
+          <a:off x="0" y="0"/>
+          <a:ext cx="0" cy="0"/>
+          <a:chOff x="0" y="0"/>
+          <a:chExt cx="0" cy="0"/>
+        </a:xfrm>
+      </p:grpSpPr>
+      <p:sp>
+        <p:nvSpPr>
+          <p:cNvPr id="2" name="Nadpis 1"/>
+          <p:cNvSpPr>
+            <a:spLocks noGrp="1"/>
+          </p:cNvSpPr>
+          <p:nvPr>
+            <p:ph type="title"/>
+          </p:nvPr>
+        </p:nvSpPr>
+        <p:spPr/>
+        <p:txBody>
+          <a:bodyPr/>
+          <a:lstStyle/>
+          <a:p>
+            <a:r>
+              <a:rPr lang="cs-CZ" dirty="0" smtClean="0"/>
+              <a:t>Práce se sekvencemi a </a:t>
+            </a:r>
+            <a:r>
+              <a:rPr lang="cs-CZ" dirty="0" err="1" smtClean="0"/>
+              <a:t>inline</a:t>
+            </a:r>
+            <a:r>
+              <a:rPr lang="cs-CZ" dirty="0" smtClean="0"/>
+              <a:t> parametry</a:t>
+            </a:r>
+            <a:endParaRPr lang="cs-CZ" dirty="0"/>
+          </a:p>
+        </p:txBody>
+      </p:sp>
+      <p:sp>
+        <p:nvSpPr>
+          <p:cNvPr id="3" name="Zástupný symbol pro obsah 2"/>
+          <p:cNvSpPr>
+            <a:spLocks noGrp="1"/>
+          </p:cNvSpPr>
+          <p:nvPr>
+            <p:ph idx="1"/>
+          </p:nvPr>
+        </p:nvSpPr>
+        <p:spPr/>
+        <p:txBody>
+          <a:bodyPr/>
+          <a:lstStyle/>
+          <a:p>
+            <a:r>
+              <a:rPr lang="cs-CZ" sz="2000" b="1" dirty="0" smtClean="0">
+                <a:ln w="12700">
+                  <a:solidFill>
+                    <a:schemeClr val="tx2">
+                      <a:satMod val="155000"/>
+                    </a:schemeClr>
+                  </a:solidFill>
+                  <a:prstDash val="solid"/>
+                </a:ln>
+                <a:solidFill>
+                  <a:schemeClr val="bg2">
+                    <a:tint val="85000"/>
+                    <a:satMod val="155000"/>
+                  </a:schemeClr>
+                </a:solidFill>
+                <a:effectLst>
+                  <a:outerShdw blurRad="41275" dist="20320" dir="1800000" algn="tl" rotWithShape="0">
+                    <a:srgbClr val="000000">
+                      <a:alpha val="40000"/>
+                    </a:srgbClr>
+                  </a:outerShdw>
+                </a:effectLst>
+              </a:rPr>
+              <a:t>B_</a:t>
+            </a:r>
+            <a:r>
+              <a:rPr lang="cs-CZ" sz="2000" b="1" dirty="0" err="1" smtClean="0">
+                <a:ln w="12700">
+                  <a:solidFill>
+                    <a:schemeClr val="tx2">
+                      <a:satMod val="155000"/>
+                    </a:schemeClr>
+                  </a:solidFill>
+                  <a:prstDash val="solid"/>
+                </a:ln>
+                <a:solidFill>
+                  <a:schemeClr val="bg2">
+                    <a:tint val="85000"/>
+                    <a:satMod val="155000"/>
+                  </a:schemeClr>
+                </a:solidFill>
+                <a:effectLst>
+                  <a:outerShdw blurRad="41275" dist="20320" dir="1800000" algn="tl" rotWithShape="0">
+                    <a:srgbClr val="000000">
+                      <a:alpha val="40000"/>
+                    </a:srgbClr>
+                  </a:outerShdw>
+                </a:effectLst>
+              </a:rPr>
+              <a:t>ProductGroupMapperTest</a:t>
+            </a:r>
+            <a:endParaRPr lang="cs-CZ" sz="2000" b="1" dirty="0" smtClean="0">
+              <a:ln w="12700">
+                <a:solidFill>
+                  <a:schemeClr val="tx2">
+                    <a:satMod val="155000"/>
+                  </a:schemeClr>
+                </a:solidFill>
+                <a:prstDash val="solid"/>
+              </a:ln>
+              <a:solidFill>
+                <a:schemeClr val="bg2">
+                  <a:tint val="85000"/>
+                  <a:satMod val="155000"/>
+                </a:schemeClr>
+              </a:solidFill>
+              <a:effectLst>
+                <a:outerShdw blurRad="41275" dist="20320" dir="1800000" algn="tl" rotWithShape="0">
+                  <a:srgbClr val="000000">
+                    <a:alpha val="40000"/>
+                  </a:srgbClr>
+                </a:outerShdw>
+              </a:effectLst>
+            </a:endParaRPr>
+          </a:p>
+          <a:p>
+            <a:pPr lvl="1"/>
+            <a:r>
+              <a:rPr lang="cs-CZ" sz="1800" dirty="0" err="1" smtClean="0"/>
+              <a:t>testCreateGroup</a:t>
+            </a:r>
+            <a:r>
+              <a:rPr lang="cs-CZ" sz="1800" dirty="0" smtClean="0"/>
+              <a:t>, </a:t>
+            </a:r>
+            <a:r>
+              <a:rPr lang="cs-CZ" sz="1800" dirty="0" err="1" smtClean="0"/>
+              <a:t>testCreateGroupWithNullValue</a:t>
+            </a:r>
+            <a:endParaRPr lang="cs-CZ" sz="1800" dirty="0" smtClean="0"/>
+          </a:p>
+          <a:p>
+            <a:pPr lvl="2">
+              <a:buNone/>
+            </a:pPr>
+            <a:r>
+              <a:rPr lang="en-US" sz="1600" dirty="0" smtClean="0">
+                <a:solidFill>
+                  <a:schemeClr val="tx1"/>
+                </a:solidFill>
+              </a:rPr>
+              <a:t>call next value for </a:t>
+            </a:r>
+            <a:r>
+              <a:rPr lang="en-US" sz="1600" dirty="0" err="1" smtClean="0">
+                <a:solidFill>
+                  <a:schemeClr val="tx1"/>
+                </a:solidFill>
+              </a:rPr>
+              <a:t>groupSequence</a:t>
+            </a:r>
+            <a:endParaRPr lang="cs-CZ" sz="1600" dirty="0" smtClean="0">
+              <a:solidFill>
+                <a:schemeClr val="tx1"/>
+              </a:solidFill>
+            </a:endParaRPr>
+          </a:p>
+          <a:p>
+            <a:pPr lvl="2">
+              <a:buNone/>
+            </a:pPr>
+            <a:r>
+              <a:rPr lang="cs-CZ" sz="1600" dirty="0" smtClean="0">
+                <a:solidFill>
+                  <a:schemeClr val="tx1"/>
+                </a:solidFill>
+              </a:rPr>
+              <a:t>insert </a:t>
+            </a:r>
+            <a:r>
+              <a:rPr lang="cs-CZ" sz="1600" dirty="0" err="1" smtClean="0">
+                <a:solidFill>
+                  <a:schemeClr val="tx1"/>
+                </a:solidFill>
+              </a:rPr>
+              <a:t>into</a:t>
+            </a:r>
+            <a:r>
+              <a:rPr lang="cs-CZ" sz="1600" dirty="0" smtClean="0">
+                <a:solidFill>
+                  <a:schemeClr val="tx1"/>
+                </a:solidFill>
+              </a:rPr>
+              <a:t> </a:t>
+            </a:r>
+            <a:r>
+              <a:rPr lang="cs-CZ" sz="1600" dirty="0" err="1" smtClean="0">
+                <a:solidFill>
+                  <a:schemeClr val="tx1"/>
+                </a:solidFill>
+              </a:rPr>
+              <a:t>productGroup</a:t>
+            </a:r>
+            <a:r>
+              <a:rPr lang="cs-CZ" sz="1600" dirty="0" smtClean="0">
+                <a:solidFill>
+                  <a:schemeClr val="tx1"/>
+                </a:solidFill>
+              </a:rPr>
+              <a:t> (id, </a:t>
+            </a:r>
+            <a:r>
+              <a:rPr lang="cs-CZ" sz="1600" dirty="0" err="1" smtClean="0">
+                <a:solidFill>
+                  <a:schemeClr val="tx1"/>
+                </a:solidFill>
+              </a:rPr>
+              <a:t>name</a:t>
+            </a:r>
+            <a:r>
+              <a:rPr lang="cs-CZ" sz="1600" dirty="0" smtClean="0">
+                <a:solidFill>
+                  <a:schemeClr val="tx1"/>
+                </a:solidFill>
+              </a:rPr>
+              <a:t>, </a:t>
+            </a:r>
+            <a:r>
+              <a:rPr lang="cs-CZ" sz="1600" dirty="0" err="1" smtClean="0">
+                <a:solidFill>
+                  <a:schemeClr val="tx1"/>
+                </a:solidFill>
+              </a:rPr>
+              <a:t>groupType</a:t>
+            </a:r>
+            <a:r>
+              <a:rPr lang="cs-CZ" sz="1600" dirty="0" smtClean="0">
+                <a:solidFill>
+                  <a:schemeClr val="tx1"/>
+                </a:solidFill>
+              </a:rPr>
+              <a:t>) </a:t>
+            </a:r>
+            <a:r>
+              <a:rPr lang="cs-CZ" sz="1600" dirty="0" err="1" smtClean="0">
+                <a:solidFill>
+                  <a:schemeClr val="tx1"/>
+                </a:solidFill>
+              </a:rPr>
+              <a:t>values</a:t>
+            </a:r>
+            <a:r>
+              <a:rPr lang="cs-CZ" sz="1600" dirty="0" smtClean="0">
+                <a:solidFill>
+                  <a:schemeClr val="tx1"/>
+                </a:solidFill>
+              </a:rPr>
+              <a:t> (?, ?, ?)</a:t>
+            </a:r>
+          </a:p>
+        </p:txBody>
+      </p:sp>
+      <p:sp>
+        <p:nvSpPr>
+          <p:cNvPr id="4" name="Zástupný symbol pro číslo snímku 3"/>
+          <p:cNvSpPr>
+            <a:spLocks noGrp="1"/>
+          </p:cNvSpPr>
+          <p:nvPr>
+            <p:ph type="sldNum" sz="quarter" idx="10"/>
+          </p:nvPr>
+        </p:nvSpPr>
+        <p:spPr/>
+        <p:txBody>
+          <a:bodyPr/>
+          <a:lstStyle/>
+          <a:p>
+            <a:pPr>
+              <a:defRPr/>
+            </a:pPr>
+            <a:fld id="{9AF1F007-AFEE-4035-9C51-B1CFC008845C}" type="slidenum">
+              <a:rPr lang="cs-CZ" smtClean="0"/>
+              <a:pPr>
+                <a:defRPr/>
+              </a:pPr>
+              <a:t>6</a:t>
+            </a:fld>
+            <a:endParaRPr lang="cs-CZ"/>
+          </a:p>
+        </p:txBody>
+      </p:sp>
+      <p:sp>
+        <p:nvSpPr>
+          <p:cNvPr id="5" name="Zástupný symbol pro zápatí 4"/>
+          <p:cNvSpPr>
+            <a:spLocks noGrp="1"/>
+          </p:cNvSpPr>
+          <p:nvPr>
+            <p:ph type="ftr" sz="quarter" idx="11"/>
+          </p:nvPr>
+        </p:nvSpPr>
+        <p:spPr/>
+        <p:txBody>
+          <a:bodyPr/>
+          <a:lstStyle/>
+          <a:p>
+            <a:pPr>
+              <a:defRPr/>
+            </a:pPr>
+            <a:r>
+              <a:rPr lang="cs-CZ" smtClean="0"/>
+              <a:t>www.fg.cz</a:t>
+            </a:r>
+            <a:endParaRPr lang="cs-CZ"/>
+          </a:p>
+        </p:txBody>
+      </p:sp>
+    </p:spTree>
+  </p:cSld>
+  <p:clrMapOvr>
+    <a:masterClrMapping/>
+  </p:clrMapOvr>
+  <p:transition>
+    <p:fade thruBlk="1"/>
+  </p:transition>
+  <p:timing>
+    <p:tnLst>
+      <p:par>
+        <p:cTn id="1" dur="indefinite" restart="never" nodeType="tmRoot"/>
+      </p:par>
+    </p:tnLst>
+  </p:timing>
+</p:sld>
+</file>
+
+<file path=ppt/slides/slide7.xml><?xml version="1.0" encoding="utf-8"?>
+<p:sld xmlns:a="http://schemas.openxmlformats.org/drawingml/2006/main" xmlns:r="http://schemas.openxmlformats.org/officeDocument/2006/relationships" xmlns:p="http://schemas.openxmlformats.org/presentationml/2006/main">
+  <p:cSld>
+    <p:spTree>
+      <p:nvGrpSpPr>
+        <p:cNvPr id="1" name=""/>
+        <p:cNvGrpSpPr/>
+        <p:nvPr/>
+      </p:nvGrpSpPr>
+      <p:grpSpPr>
+        <a:xfrm>
+          <a:off x="0" y="0"/>
+          <a:ext cx="0" cy="0"/>
+          <a:chOff x="0" y="0"/>
+          <a:chExt cx="0" cy="0"/>
+        </a:xfrm>
+      </p:grpSpPr>
+      <p:sp>
+        <p:nvSpPr>
+          <p:cNvPr id="2" name="Nadpis 1"/>
+          <p:cNvSpPr>
+            <a:spLocks noGrp="1"/>
+          </p:cNvSpPr>
+          <p:nvPr>
+            <p:ph type="title"/>
+          </p:nvPr>
+        </p:nvSpPr>
+        <p:spPr/>
+        <p:txBody>
+          <a:bodyPr/>
+          <a:lstStyle/>
+          <a:p>
+            <a:r>
+              <a:rPr lang="cs-CZ" dirty="0" smtClean="0"/>
+              <a:t>Asociace a kolekce - </a:t>
+            </a:r>
+            <a:r>
+              <a:rPr lang="cs-CZ" dirty="0" err="1" smtClean="0"/>
+              <a:t>l</a:t>
+            </a:r>
+            <a:r>
+              <a:rPr lang="cs-CZ" dirty="0" err="1" smtClean="0"/>
+              <a:t>azy</a:t>
+            </a:r>
+            <a:r>
+              <a:rPr lang="cs-CZ" dirty="0" smtClean="0"/>
+              <a:t> </a:t>
+            </a:r>
+            <a:r>
+              <a:rPr lang="cs-CZ" dirty="0" err="1" smtClean="0"/>
+              <a:t>loading</a:t>
+            </a:r>
+            <a:endParaRPr lang="cs-CZ" dirty="0"/>
+          </a:p>
+        </p:txBody>
+      </p:sp>
+      <p:sp>
+        <p:nvSpPr>
+          <p:cNvPr id="3" name="Zástupný symbol pro obsah 2"/>
+          <p:cNvSpPr>
+            <a:spLocks noGrp="1"/>
+          </p:cNvSpPr>
+          <p:nvPr>
+            <p:ph idx="1"/>
+          </p:nvPr>
+        </p:nvSpPr>
+        <p:spPr/>
+        <p:txBody>
+          <a:bodyPr/>
+          <a:lstStyle/>
+          <a:p>
+            <a:r>
+              <a:rPr lang="cs-CZ" sz="2000" b="1" dirty="0" smtClean="0">
+                <a:ln w="12700">
+                  <a:solidFill>
+                    <a:schemeClr val="tx2">
+                      <a:satMod val="155000"/>
+                    </a:schemeClr>
+                  </a:solidFill>
+                  <a:prstDash val="solid"/>
+                </a:ln>
+                <a:solidFill>
+                  <a:schemeClr val="bg2">
+                    <a:tint val="85000"/>
+                    <a:satMod val="155000"/>
+                  </a:schemeClr>
+                </a:solidFill>
+                <a:effectLst>
+                  <a:outerShdw blurRad="41275" dist="20320" dir="1800000" algn="tl" rotWithShape="0">
+                    <a:srgbClr val="000000">
+                      <a:alpha val="40000"/>
+                    </a:srgbClr>
+                  </a:outerShdw>
+                </a:effectLst>
+              </a:rPr>
+              <a:t>C_</a:t>
+            </a:r>
+            <a:r>
+              <a:rPr lang="cs-CZ" sz="2000" b="1" dirty="0" err="1" smtClean="0">
+                <a:ln w="12700">
+                  <a:solidFill>
+                    <a:schemeClr val="tx2">
+                      <a:satMod val="155000"/>
+                    </a:schemeClr>
+                  </a:solidFill>
+                  <a:prstDash val="solid"/>
+                </a:ln>
+                <a:solidFill>
+                  <a:schemeClr val="bg2">
+                    <a:tint val="85000"/>
+                    <a:satMod val="155000"/>
+                  </a:schemeClr>
+                </a:solidFill>
+                <a:effectLst>
+                  <a:outerShdw blurRad="41275" dist="20320" dir="1800000" algn="tl" rotWithShape="0">
+                    <a:srgbClr val="000000">
+                      <a:alpha val="40000"/>
+                    </a:srgbClr>
+                  </a:outerShdw>
+                </a:effectLst>
+              </a:rPr>
+              <a:t>ProductMapperTest</a:t>
+            </a:r>
+            <a:endParaRPr lang="cs-CZ" sz="2000" b="1" dirty="0" smtClean="0">
+              <a:ln w="12700">
+                <a:solidFill>
+                  <a:schemeClr val="tx2">
+                    <a:satMod val="155000"/>
+                  </a:schemeClr>
+                </a:solidFill>
+                <a:prstDash val="solid"/>
+              </a:ln>
+              <a:solidFill>
+                <a:schemeClr val="bg2">
+                  <a:tint val="85000"/>
+                  <a:satMod val="155000"/>
+                </a:schemeClr>
+              </a:solidFill>
+              <a:effectLst>
+                <a:outerShdw blurRad="41275" dist="20320" dir="1800000" algn="tl" rotWithShape="0">
+                  <a:srgbClr val="000000">
+                    <a:alpha val="40000"/>
+                  </a:srgbClr>
+                </a:outerShdw>
+              </a:effectLst>
+            </a:endParaRPr>
+          </a:p>
+          <a:p>
+            <a:pPr lvl="1"/>
+            <a:r>
+              <a:rPr lang="cs-CZ" sz="1800" dirty="0" err="1" smtClean="0"/>
+              <a:t>testGetLazyProductById</a:t>
+            </a:r>
+            <a:endParaRPr lang="cs-CZ" sz="1800" dirty="0" smtClean="0"/>
+          </a:p>
+          <a:p>
+            <a:pPr lvl="2">
+              <a:buNone/>
+            </a:pPr>
+            <a:r>
+              <a:rPr lang="en-US" sz="1600" dirty="0" smtClean="0">
+                <a:solidFill>
+                  <a:schemeClr val="tx1"/>
+                </a:solidFill>
+              </a:rPr>
+              <a:t>select * from product where id = </a:t>
+            </a:r>
+            <a:r>
+              <a:rPr lang="cs-CZ" sz="1600" dirty="0" smtClean="0">
+                <a:solidFill>
+                  <a:schemeClr val="tx1"/>
+                </a:solidFill>
+              </a:rPr>
+              <a:t>?</a:t>
+            </a:r>
+          </a:p>
+          <a:p>
+            <a:pPr lvl="2">
+              <a:buNone/>
+            </a:pPr>
+            <a:r>
+              <a:rPr lang="en-US" sz="1600" dirty="0" smtClean="0">
+                <a:solidFill>
+                  <a:schemeClr val="tx1"/>
+                </a:solidFill>
+              </a:rPr>
+              <a:t>select * from </a:t>
+            </a:r>
+            <a:r>
+              <a:rPr lang="en-US" sz="1600" dirty="0" err="1" smtClean="0">
+                <a:solidFill>
+                  <a:schemeClr val="tx1"/>
+                </a:solidFill>
+              </a:rPr>
+              <a:t>productGroup</a:t>
+            </a:r>
+            <a:r>
+              <a:rPr lang="en-US" sz="1600" dirty="0" smtClean="0">
+                <a:solidFill>
+                  <a:schemeClr val="tx1"/>
+                </a:solidFill>
+              </a:rPr>
+              <a:t> where id = </a:t>
+            </a:r>
+            <a:r>
+              <a:rPr lang="cs-CZ" sz="1600" dirty="0" smtClean="0">
+                <a:solidFill>
+                  <a:schemeClr val="tx1"/>
+                </a:solidFill>
+              </a:rPr>
+              <a:t>?</a:t>
+            </a:r>
+            <a:endParaRPr lang="cs-CZ" sz="1600" dirty="0" smtClean="0">
+              <a:solidFill>
+                <a:schemeClr val="tx1"/>
+              </a:solidFill>
+            </a:endParaRPr>
+          </a:p>
+          <a:p>
+            <a:pPr lvl="1"/>
+            <a:r>
+              <a:rPr lang="cs-CZ" sz="1800" dirty="0" err="1" smtClean="0"/>
+              <a:t>testGetFullLazyProductById</a:t>
+            </a:r>
+            <a:endParaRPr lang="cs-CZ" sz="1800" dirty="0" smtClean="0"/>
+          </a:p>
+          <a:p>
+            <a:pPr lvl="2">
+              <a:buNone/>
+            </a:pPr>
+            <a:r>
+              <a:rPr lang="en-US" sz="1600" dirty="0" smtClean="0">
+                <a:solidFill>
+                  <a:schemeClr val="tx1"/>
+                </a:solidFill>
+              </a:rPr>
+              <a:t>select * from product where id = </a:t>
+            </a:r>
+            <a:r>
+              <a:rPr lang="cs-CZ" sz="1600" dirty="0" smtClean="0">
+                <a:solidFill>
+                  <a:schemeClr val="tx1"/>
+                </a:solidFill>
+              </a:rPr>
+              <a:t>?</a:t>
+            </a:r>
+          </a:p>
+          <a:p>
+            <a:pPr lvl="2">
+              <a:buNone/>
+            </a:pPr>
+            <a:r>
+              <a:rPr lang="en-US" sz="1600" dirty="0" smtClean="0">
+                <a:solidFill>
+                  <a:schemeClr val="tx1"/>
+                </a:solidFill>
+              </a:rPr>
+              <a:t>select * from </a:t>
+            </a:r>
+            <a:r>
+              <a:rPr lang="en-US" sz="1600" dirty="0" err="1" smtClean="0">
+                <a:solidFill>
+                  <a:schemeClr val="tx1"/>
+                </a:solidFill>
+              </a:rPr>
+              <a:t>productGroup</a:t>
+            </a:r>
+            <a:r>
+              <a:rPr lang="en-US" sz="1600" dirty="0" smtClean="0">
+                <a:solidFill>
+                  <a:schemeClr val="tx1"/>
+                </a:solidFill>
+              </a:rPr>
+              <a:t> where id = </a:t>
+            </a:r>
+            <a:r>
+              <a:rPr lang="cs-CZ" sz="1600" dirty="0" smtClean="0">
+                <a:solidFill>
+                  <a:schemeClr val="tx1"/>
+                </a:solidFill>
+              </a:rPr>
+              <a:t>?</a:t>
+            </a:r>
+          </a:p>
+          <a:p>
+            <a:pPr lvl="2">
+              <a:buNone/>
+            </a:pPr>
+            <a:r>
+              <a:rPr lang="cs-CZ" sz="1600" dirty="0" err="1" smtClean="0">
+                <a:solidFill>
+                  <a:schemeClr val="tx1"/>
+                </a:solidFill>
+              </a:rPr>
+              <a:t>select</a:t>
+            </a:r>
+            <a:r>
+              <a:rPr lang="cs-CZ" sz="1600" dirty="0" smtClean="0">
+                <a:solidFill>
+                  <a:schemeClr val="tx1"/>
+                </a:solidFill>
+              </a:rPr>
+              <a:t> * </a:t>
+            </a:r>
+            <a:r>
+              <a:rPr lang="cs-CZ" sz="1600" dirty="0" err="1" smtClean="0">
+                <a:solidFill>
+                  <a:schemeClr val="tx1"/>
+                </a:solidFill>
+              </a:rPr>
+              <a:t>from</a:t>
+            </a:r>
+            <a:r>
+              <a:rPr lang="cs-CZ" sz="1600" dirty="0" smtClean="0">
+                <a:solidFill>
+                  <a:schemeClr val="tx1"/>
+                </a:solidFill>
+              </a:rPr>
+              <a:t> </a:t>
+            </a:r>
+            <a:r>
+              <a:rPr lang="cs-CZ" sz="1600" dirty="0" err="1" smtClean="0">
+                <a:solidFill>
+                  <a:schemeClr val="tx1"/>
+                </a:solidFill>
+              </a:rPr>
+              <a:t>tag</a:t>
+            </a:r>
+            <a:r>
+              <a:rPr lang="cs-CZ" sz="1600" dirty="0" smtClean="0">
+                <a:solidFill>
+                  <a:schemeClr val="tx1"/>
+                </a:solidFill>
+              </a:rPr>
+              <a:t> </a:t>
+            </a:r>
+            <a:r>
+              <a:rPr lang="cs-CZ" sz="1600" dirty="0" err="1" smtClean="0">
+                <a:solidFill>
+                  <a:schemeClr val="tx1"/>
+                </a:solidFill>
+              </a:rPr>
+              <a:t>inner</a:t>
+            </a:r>
+            <a:r>
+              <a:rPr lang="cs-CZ" sz="1600" dirty="0" smtClean="0">
+                <a:solidFill>
+                  <a:schemeClr val="tx1"/>
+                </a:solidFill>
+              </a:rPr>
+              <a:t> </a:t>
+            </a:r>
+            <a:r>
+              <a:rPr lang="cs-CZ" sz="1600" dirty="0" err="1" smtClean="0">
+                <a:solidFill>
+                  <a:schemeClr val="tx1"/>
+                </a:solidFill>
+              </a:rPr>
+              <a:t>join</a:t>
+            </a:r>
+            <a:r>
+              <a:rPr lang="cs-CZ" sz="1600" dirty="0" smtClean="0">
+                <a:solidFill>
+                  <a:schemeClr val="tx1"/>
+                </a:solidFill>
+              </a:rPr>
+              <a:t> </a:t>
+            </a:r>
+            <a:r>
+              <a:rPr lang="cs-CZ" sz="1600" dirty="0" err="1" smtClean="0">
+                <a:solidFill>
+                  <a:schemeClr val="tx1"/>
+                </a:solidFill>
+              </a:rPr>
+              <a:t>productTag</a:t>
+            </a:r>
+            <a:r>
+              <a:rPr lang="cs-CZ" sz="1600" dirty="0" smtClean="0">
+                <a:solidFill>
+                  <a:schemeClr val="tx1"/>
+                </a:solidFill>
+              </a:rPr>
+              <a:t> on </a:t>
+            </a:r>
+            <a:r>
+              <a:rPr lang="cs-CZ" sz="1600" dirty="0" err="1" smtClean="0">
+                <a:solidFill>
+                  <a:schemeClr val="tx1"/>
+                </a:solidFill>
+              </a:rPr>
+              <a:t>productTag.idTag</a:t>
+            </a:r>
+            <a:r>
+              <a:rPr lang="cs-CZ" sz="1600" dirty="0" smtClean="0">
+                <a:solidFill>
+                  <a:schemeClr val="tx1"/>
+                </a:solidFill>
+              </a:rPr>
+              <a:t> = </a:t>
+            </a:r>
+            <a:r>
+              <a:rPr lang="cs-CZ" sz="1600" dirty="0" err="1" smtClean="0">
+                <a:solidFill>
+                  <a:schemeClr val="tx1"/>
+                </a:solidFill>
+              </a:rPr>
+              <a:t>tag.id</a:t>
+            </a:r>
+            <a:r>
+              <a:rPr lang="cs-CZ" sz="1600" dirty="0" smtClean="0">
+                <a:solidFill>
+                  <a:schemeClr val="tx1"/>
+                </a:solidFill>
+              </a:rPr>
+              <a:t> </a:t>
+            </a:r>
+            <a:r>
+              <a:rPr lang="cs-CZ" sz="1600" dirty="0" err="1" smtClean="0">
+                <a:solidFill>
+                  <a:schemeClr val="tx1"/>
+                </a:solidFill>
+              </a:rPr>
+              <a:t>where</a:t>
+            </a:r>
+            <a:r>
+              <a:rPr lang="cs-CZ" sz="1600" dirty="0" smtClean="0">
+                <a:solidFill>
+                  <a:schemeClr val="tx1"/>
+                </a:solidFill>
+              </a:rPr>
+              <a:t> </a:t>
+            </a:r>
+            <a:r>
+              <a:rPr lang="cs-CZ" sz="1600" dirty="0" err="1" smtClean="0">
+                <a:solidFill>
+                  <a:schemeClr val="tx1"/>
+                </a:solidFill>
+              </a:rPr>
+              <a:t>productTag.idProduct</a:t>
+            </a:r>
+            <a:r>
+              <a:rPr lang="cs-CZ" sz="1600" dirty="0" smtClean="0">
+                <a:solidFill>
+                  <a:schemeClr val="tx1"/>
+                </a:solidFill>
+              </a:rPr>
+              <a:t> = ?</a:t>
+            </a:r>
+            <a:endParaRPr lang="cs-CZ" sz="1600" dirty="0" smtClean="0">
+              <a:solidFill>
+                <a:schemeClr val="tx1"/>
+              </a:solidFill>
+            </a:endParaRPr>
+          </a:p>
+        </p:txBody>
+      </p:sp>
+      <p:sp>
+        <p:nvSpPr>
+          <p:cNvPr id="4" name="Zástupný symbol pro číslo snímku 3"/>
+          <p:cNvSpPr>
+            <a:spLocks noGrp="1"/>
+          </p:cNvSpPr>
+          <p:nvPr>
+            <p:ph type="sldNum" sz="quarter" idx="10"/>
+          </p:nvPr>
+        </p:nvSpPr>
+        <p:spPr/>
+        <p:txBody>
+          <a:bodyPr/>
+          <a:lstStyle/>
+          <a:p>
+            <a:pPr>
+              <a:defRPr/>
+            </a:pPr>
+            <a:fld id="{9AF1F007-AFEE-4035-9C51-B1CFC008845C}" type="slidenum">
+              <a:rPr lang="cs-CZ" smtClean="0"/>
+              <a:pPr>
+                <a:defRPr/>
+              </a:pPr>
+              <a:t>7</a:t>
+            </a:fld>
+            <a:endParaRPr lang="cs-CZ"/>
+          </a:p>
+        </p:txBody>
+      </p:sp>
+      <p:sp>
+        <p:nvSpPr>
+          <p:cNvPr id="5" name="Zástupný symbol pro zápatí 4"/>
+          <p:cNvSpPr>
+            <a:spLocks noGrp="1"/>
+          </p:cNvSpPr>
+          <p:nvPr>
+            <p:ph type="ftr" sz="quarter" idx="11"/>
+          </p:nvPr>
+        </p:nvSpPr>
+        <p:spPr/>
+        <p:txBody>
+          <a:bodyPr/>
+          <a:lstStyle/>
+          <a:p>
+            <a:pPr>
+              <a:defRPr/>
+            </a:pPr>
+            <a:r>
+              <a:rPr lang="cs-CZ" smtClean="0"/>
+              <a:t>www.fg.cz</a:t>
+            </a:r>
+            <a:endParaRPr lang="cs-CZ"/>
+          </a:p>
+        </p:txBody>
+      </p:sp>
+    </p:spTree>
+  </p:cSld>
+  <p:clrMapOvr>
+    <a:masterClrMapping/>
+  </p:clrMapOvr>
+  <p:transition>
+    <p:fade thruBlk="1"/>
+  </p:transition>
+  <p:timing>
+    <p:tnLst>
+      <p:par>
+        <p:cTn id="1" dur="indefinite" restart="never" nodeType="tmRoot"/>
+      </p:par>
+    </p:tnLst>
+  </p:timing>
+</p:sld>
+</file>
+
+<file path=ppt/slides/slide8.xml><?xml version="1.0" encoding="utf-8"?>
+<p:sld xmlns:a="http://schemas.openxmlformats.org/drawingml/2006/main" xmlns:r="http://schemas.openxmlformats.org/officeDocument/2006/relationships" xmlns:p="http://schemas.openxmlformats.org/presentationml/2006/main">
+  <p:cSld>
+    <p:spTree>
+      <p:nvGrpSpPr>
+        <p:cNvPr id="1" name=""/>
+        <p:cNvGrpSpPr/>
+        <p:nvPr/>
+      </p:nvGrpSpPr>
+      <p:grpSpPr>
+        <a:xfrm>
+          <a:off x="0" y="0"/>
+          <a:ext cx="0" cy="0"/>
+          <a:chOff x="0" y="0"/>
+          <a:chExt cx="0" cy="0"/>
+        </a:xfrm>
+      </p:grpSpPr>
+      <p:sp>
+        <p:nvSpPr>
+          <p:cNvPr id="2" name="Nadpis 1"/>
+          <p:cNvSpPr>
+            <a:spLocks noGrp="1"/>
+          </p:cNvSpPr>
+          <p:nvPr>
+            <p:ph type="title"/>
+          </p:nvPr>
+        </p:nvSpPr>
+        <p:spPr/>
+        <p:txBody>
+          <a:bodyPr/>
+          <a:lstStyle/>
+          <a:p>
+            <a:r>
+              <a:rPr lang="cs-CZ" dirty="0" smtClean="0"/>
+              <a:t>Asociace a </a:t>
+            </a:r>
+            <a:r>
+              <a:rPr lang="cs-CZ" dirty="0" smtClean="0"/>
+              <a:t>kolekce – </a:t>
+            </a:r>
+            <a:r>
+              <a:rPr lang="cs-CZ" dirty="0" err="1" smtClean="0"/>
+              <a:t>inner</a:t>
+            </a:r>
+            <a:r>
+              <a:rPr lang="cs-CZ" dirty="0" smtClean="0"/>
+              <a:t> </a:t>
+            </a:r>
+            <a:r>
+              <a:rPr lang="cs-CZ" dirty="0" err="1" smtClean="0"/>
+              <a:t>join</a:t>
+            </a:r>
+            <a:endParaRPr lang="cs-CZ" dirty="0"/>
+          </a:p>
+        </p:txBody>
+      </p:sp>
+      <p:sp>
+        <p:nvSpPr>
+          <p:cNvPr id="3" name="Zástupný symbol pro obsah 2"/>
+          <p:cNvSpPr>
+            <a:spLocks noGrp="1"/>
+          </p:cNvSpPr>
+          <p:nvPr>
+            <p:ph idx="1"/>
+          </p:nvPr>
+        </p:nvSpPr>
+        <p:spPr/>
+        <p:txBody>
+          <a:bodyPr/>
+          <a:lstStyle/>
+          <a:p>
+            <a:r>
+              <a:rPr lang="cs-CZ" sz="2000" b="1" dirty="0" smtClean="0">
+                <a:ln w="12700">
+                  <a:solidFill>
+                    <a:schemeClr val="tx2">
+                      <a:satMod val="155000"/>
+                    </a:schemeClr>
+                  </a:solidFill>
+                  <a:prstDash val="solid"/>
+                </a:ln>
+                <a:solidFill>
+                  <a:schemeClr val="bg2">
+                    <a:tint val="85000"/>
+                    <a:satMod val="155000"/>
+                  </a:schemeClr>
+                </a:solidFill>
+                <a:effectLst>
+                  <a:outerShdw blurRad="41275" dist="20320" dir="1800000" algn="tl" rotWithShape="0">
+                    <a:srgbClr val="000000">
+                      <a:alpha val="40000"/>
+                    </a:srgbClr>
+                  </a:outerShdw>
+                </a:effectLst>
+              </a:rPr>
+              <a:t>C_</a:t>
+            </a:r>
+            <a:r>
+              <a:rPr lang="cs-CZ" sz="2000" b="1" dirty="0" err="1" smtClean="0">
+                <a:ln w="12700">
+                  <a:solidFill>
+                    <a:schemeClr val="tx2">
+                      <a:satMod val="155000"/>
+                    </a:schemeClr>
+                  </a:solidFill>
+                  <a:prstDash val="solid"/>
+                </a:ln>
+                <a:solidFill>
+                  <a:schemeClr val="bg2">
+                    <a:tint val="85000"/>
+                    <a:satMod val="155000"/>
+                  </a:schemeClr>
+                </a:solidFill>
+                <a:effectLst>
+                  <a:outerShdw blurRad="41275" dist="20320" dir="1800000" algn="tl" rotWithShape="0">
+                    <a:srgbClr val="000000">
+                      <a:alpha val="40000"/>
+                    </a:srgbClr>
+                  </a:outerShdw>
+                </a:effectLst>
+              </a:rPr>
+              <a:t>ProductMapperTest</a:t>
+            </a:r>
+            <a:endParaRPr lang="cs-CZ" sz="2000" b="1" dirty="0" smtClean="0">
+              <a:ln w="12700">
+                <a:solidFill>
+                  <a:schemeClr val="tx2">
+                    <a:satMod val="155000"/>
+                  </a:schemeClr>
+                </a:solidFill>
+                <a:prstDash val="solid"/>
+              </a:ln>
+              <a:solidFill>
+                <a:schemeClr val="bg2">
+                  <a:tint val="85000"/>
+                  <a:satMod val="155000"/>
+                </a:schemeClr>
+              </a:solidFill>
+              <a:effectLst>
+                <a:outerShdw blurRad="41275" dist="20320" dir="1800000" algn="tl" rotWithShape="0">
+                  <a:srgbClr val="000000">
+                    <a:alpha val="40000"/>
+                  </a:srgbClr>
+                </a:outerShdw>
+              </a:effectLst>
+            </a:endParaRPr>
+          </a:p>
+          <a:p>
+            <a:pPr lvl="1"/>
+            <a:r>
+              <a:rPr lang="cs-CZ" sz="1800" dirty="0" err="1" smtClean="0"/>
+              <a:t>testGetProducts</a:t>
+            </a:r>
+            <a:r>
+              <a:rPr lang="cs-CZ" sz="1800" dirty="0" smtClean="0"/>
+              <a:t>, </a:t>
+            </a:r>
+            <a:r>
+              <a:rPr lang="cs-CZ" sz="1800" dirty="0" err="1" smtClean="0"/>
+              <a:t>testGetProductsRowBounds</a:t>
+            </a:r>
+            <a:endParaRPr lang="cs-CZ" sz="1800" dirty="0" smtClean="0"/>
+          </a:p>
+          <a:p>
+            <a:pPr lvl="2">
+              <a:buNone/>
+            </a:pPr>
+            <a:r>
+              <a:rPr lang="cs-CZ" sz="1600" dirty="0" err="1" smtClean="0">
+                <a:solidFill>
+                  <a:schemeClr val="tx1"/>
+                </a:solidFill>
+              </a:rPr>
+              <a:t>select</a:t>
+            </a:r>
+            <a:r>
+              <a:rPr lang="cs-CZ" sz="1600" dirty="0" smtClean="0">
+                <a:solidFill>
+                  <a:schemeClr val="tx1"/>
+                </a:solidFill>
+              </a:rPr>
+              <a:t> </a:t>
+            </a:r>
+            <a:r>
+              <a:rPr lang="cs-CZ" sz="1600" dirty="0" err="1" smtClean="0">
+                <a:solidFill>
+                  <a:schemeClr val="tx1"/>
+                </a:solidFill>
+              </a:rPr>
+              <a:t>product</a:t>
+            </a:r>
+            <a:r>
+              <a:rPr lang="cs-CZ" sz="1600" dirty="0" smtClean="0">
+                <a:solidFill>
+                  <a:schemeClr val="tx1"/>
+                </a:solidFill>
+              </a:rPr>
+              <a:t>.*, </a:t>
+            </a:r>
+            <a:r>
+              <a:rPr lang="cs-CZ" sz="1600" dirty="0" err="1" smtClean="0">
+                <a:solidFill>
+                  <a:schemeClr val="tx1"/>
+                </a:solidFill>
+              </a:rPr>
+              <a:t>productGroup.name</a:t>
+            </a:r>
+            <a:r>
+              <a:rPr lang="cs-CZ" sz="1600" dirty="0" smtClean="0">
+                <a:solidFill>
+                  <a:schemeClr val="tx1"/>
+                </a:solidFill>
+              </a:rPr>
+              <a:t> as </a:t>
+            </a:r>
+            <a:r>
+              <a:rPr lang="cs-CZ" sz="1600" dirty="0" err="1" smtClean="0">
+                <a:solidFill>
+                  <a:schemeClr val="tx1"/>
+                </a:solidFill>
+              </a:rPr>
+              <a:t>groupName</a:t>
+            </a:r>
+            <a:r>
+              <a:rPr lang="cs-CZ" sz="1600" dirty="0" smtClean="0">
+                <a:solidFill>
+                  <a:schemeClr val="tx1"/>
+                </a:solidFill>
+              </a:rPr>
+              <a:t>, </a:t>
+            </a:r>
+            <a:r>
+              <a:rPr lang="cs-CZ" sz="1600" dirty="0" err="1" smtClean="0">
+                <a:solidFill>
+                  <a:schemeClr val="tx1"/>
+                </a:solidFill>
+              </a:rPr>
+              <a:t>productGroup.groupType</a:t>
+            </a:r>
+            <a:r>
+              <a:rPr lang="cs-CZ" sz="1600" dirty="0" smtClean="0">
+                <a:solidFill>
+                  <a:schemeClr val="tx1"/>
+                </a:solidFill>
+              </a:rPr>
+              <a:t> </a:t>
+            </a:r>
+            <a:r>
+              <a:rPr lang="cs-CZ" sz="1600" dirty="0" err="1" smtClean="0">
+                <a:solidFill>
+                  <a:schemeClr val="tx1"/>
+                </a:solidFill>
+              </a:rPr>
+              <a:t>from</a:t>
+            </a:r>
+            <a:r>
+              <a:rPr lang="cs-CZ" sz="1600" dirty="0" smtClean="0">
+                <a:solidFill>
+                  <a:schemeClr val="tx1"/>
+                </a:solidFill>
+              </a:rPr>
+              <a:t> </a:t>
+            </a:r>
+            <a:r>
+              <a:rPr lang="cs-CZ" sz="1600" dirty="0" err="1" smtClean="0">
+                <a:solidFill>
+                  <a:schemeClr val="tx1"/>
+                </a:solidFill>
+              </a:rPr>
+              <a:t>product</a:t>
+            </a:r>
+            <a:r>
+              <a:rPr lang="cs-CZ" sz="1600" dirty="0" smtClean="0">
+                <a:solidFill>
+                  <a:schemeClr val="tx1"/>
+                </a:solidFill>
+              </a:rPr>
+              <a:t> </a:t>
+            </a:r>
+            <a:r>
+              <a:rPr lang="cs-CZ" sz="1600" dirty="0" err="1" smtClean="0">
+                <a:solidFill>
+                  <a:schemeClr val="tx1"/>
+                </a:solidFill>
+              </a:rPr>
+              <a:t>inner</a:t>
+            </a:r>
+            <a:r>
+              <a:rPr lang="cs-CZ" sz="1600" dirty="0" smtClean="0">
+                <a:solidFill>
+                  <a:schemeClr val="tx1"/>
+                </a:solidFill>
+              </a:rPr>
+              <a:t> </a:t>
+            </a:r>
+            <a:r>
+              <a:rPr lang="cs-CZ" sz="1600" dirty="0" err="1" smtClean="0">
+                <a:solidFill>
+                  <a:schemeClr val="tx1"/>
+                </a:solidFill>
+              </a:rPr>
+              <a:t>join</a:t>
+            </a:r>
+            <a:r>
+              <a:rPr lang="cs-CZ" sz="1600" dirty="0" smtClean="0">
+                <a:solidFill>
+                  <a:schemeClr val="tx1"/>
+                </a:solidFill>
+              </a:rPr>
+              <a:t> </a:t>
+            </a:r>
+            <a:r>
+              <a:rPr lang="cs-CZ" sz="1600" dirty="0" err="1" smtClean="0">
+                <a:solidFill>
+                  <a:schemeClr val="tx1"/>
+                </a:solidFill>
+              </a:rPr>
+              <a:t>productGroup</a:t>
+            </a:r>
+            <a:r>
+              <a:rPr lang="cs-CZ" sz="1600" dirty="0" smtClean="0">
+                <a:solidFill>
+                  <a:schemeClr val="tx1"/>
+                </a:solidFill>
+              </a:rPr>
+              <a:t> on </a:t>
+            </a:r>
+            <a:r>
+              <a:rPr lang="cs-CZ" sz="1600" dirty="0" err="1" smtClean="0">
+                <a:solidFill>
+                  <a:schemeClr val="tx1"/>
+                </a:solidFill>
+              </a:rPr>
+              <a:t>idGroup</a:t>
+            </a:r>
+            <a:r>
+              <a:rPr lang="cs-CZ" sz="1600" dirty="0" smtClean="0">
+                <a:solidFill>
+                  <a:schemeClr val="tx1"/>
+                </a:solidFill>
+              </a:rPr>
+              <a:t> = </a:t>
+            </a:r>
+            <a:r>
+              <a:rPr lang="cs-CZ" sz="1600" dirty="0" err="1" smtClean="0">
+                <a:solidFill>
+                  <a:schemeClr val="tx1"/>
+                </a:solidFill>
+              </a:rPr>
+              <a:t>productGroup.id</a:t>
+            </a:r>
+            <a:endParaRPr lang="cs-CZ" sz="1600" dirty="0" smtClean="0">
+              <a:solidFill>
+                <a:schemeClr val="tx1"/>
+              </a:solidFill>
+            </a:endParaRPr>
+          </a:p>
+          <a:p>
+            <a:pPr lvl="1"/>
+            <a:r>
+              <a:rPr lang="cs-CZ" sz="1800" dirty="0" err="1" smtClean="0"/>
+              <a:t>testGetProductById</a:t>
+            </a:r>
+            <a:endParaRPr lang="cs-CZ" sz="1800" dirty="0" smtClean="0"/>
+          </a:p>
+          <a:p>
+            <a:pPr lvl="2">
+              <a:buNone/>
+            </a:pPr>
+            <a:r>
+              <a:rPr lang="cs-CZ" sz="1600" dirty="0" err="1" smtClean="0">
+                <a:solidFill>
+                  <a:schemeClr val="tx1"/>
+                </a:solidFill>
+              </a:rPr>
+              <a:t>select</a:t>
+            </a:r>
+            <a:r>
+              <a:rPr lang="cs-CZ" sz="1600" dirty="0" smtClean="0">
+                <a:solidFill>
+                  <a:schemeClr val="tx1"/>
+                </a:solidFill>
+              </a:rPr>
+              <a:t> </a:t>
+            </a:r>
+            <a:r>
+              <a:rPr lang="cs-CZ" sz="1600" dirty="0" err="1" smtClean="0">
+                <a:solidFill>
+                  <a:schemeClr val="tx1"/>
+                </a:solidFill>
+              </a:rPr>
+              <a:t>product</a:t>
+            </a:r>
+            <a:r>
+              <a:rPr lang="cs-CZ" sz="1600" dirty="0" smtClean="0">
+                <a:solidFill>
+                  <a:schemeClr val="tx1"/>
+                </a:solidFill>
+              </a:rPr>
+              <a:t>.*, </a:t>
+            </a:r>
+            <a:r>
+              <a:rPr lang="cs-CZ" sz="1600" dirty="0" err="1" smtClean="0">
+                <a:solidFill>
+                  <a:schemeClr val="tx1"/>
+                </a:solidFill>
+              </a:rPr>
+              <a:t>productGroup.name</a:t>
+            </a:r>
+            <a:r>
+              <a:rPr lang="cs-CZ" sz="1600" dirty="0" smtClean="0">
+                <a:solidFill>
+                  <a:schemeClr val="tx1"/>
+                </a:solidFill>
+              </a:rPr>
+              <a:t> as </a:t>
+            </a:r>
+            <a:r>
+              <a:rPr lang="cs-CZ" sz="1600" dirty="0" err="1" smtClean="0">
+                <a:solidFill>
+                  <a:schemeClr val="tx1"/>
+                </a:solidFill>
+              </a:rPr>
+              <a:t>groupName</a:t>
+            </a:r>
+            <a:r>
+              <a:rPr lang="cs-CZ" sz="1600" dirty="0" smtClean="0">
+                <a:solidFill>
+                  <a:schemeClr val="tx1"/>
+                </a:solidFill>
+              </a:rPr>
+              <a:t>, </a:t>
+            </a:r>
+            <a:r>
+              <a:rPr lang="cs-CZ" sz="1600" dirty="0" err="1" smtClean="0">
+                <a:solidFill>
+                  <a:schemeClr val="tx1"/>
+                </a:solidFill>
+              </a:rPr>
+              <a:t>productGroup.groupType</a:t>
+            </a:r>
+            <a:r>
+              <a:rPr lang="cs-CZ" sz="1600" dirty="0" smtClean="0">
+                <a:solidFill>
+                  <a:schemeClr val="tx1"/>
+                </a:solidFill>
+              </a:rPr>
+              <a:t> </a:t>
+            </a:r>
+            <a:r>
+              <a:rPr lang="cs-CZ" sz="1600" dirty="0" err="1" smtClean="0">
+                <a:solidFill>
+                  <a:schemeClr val="tx1"/>
+                </a:solidFill>
+              </a:rPr>
+              <a:t>from</a:t>
+            </a:r>
+            <a:r>
+              <a:rPr lang="cs-CZ" sz="1600" dirty="0" smtClean="0">
+                <a:solidFill>
+                  <a:schemeClr val="tx1"/>
+                </a:solidFill>
+              </a:rPr>
+              <a:t> </a:t>
+            </a:r>
+            <a:r>
+              <a:rPr lang="cs-CZ" sz="1600" dirty="0" err="1" smtClean="0">
+                <a:solidFill>
+                  <a:schemeClr val="tx1"/>
+                </a:solidFill>
+              </a:rPr>
+              <a:t>product</a:t>
+            </a:r>
+            <a:r>
+              <a:rPr lang="cs-CZ" sz="1600" dirty="0" smtClean="0">
+                <a:solidFill>
+                  <a:schemeClr val="tx1"/>
+                </a:solidFill>
+              </a:rPr>
+              <a:t> </a:t>
+            </a:r>
+            <a:r>
+              <a:rPr lang="cs-CZ" sz="1600" dirty="0" err="1" smtClean="0">
+                <a:solidFill>
+                  <a:schemeClr val="tx1"/>
+                </a:solidFill>
+              </a:rPr>
+              <a:t>inner</a:t>
+            </a:r>
+            <a:r>
+              <a:rPr lang="cs-CZ" sz="1600" dirty="0" smtClean="0">
+                <a:solidFill>
+                  <a:schemeClr val="tx1"/>
+                </a:solidFill>
+              </a:rPr>
+              <a:t> </a:t>
+            </a:r>
+            <a:r>
+              <a:rPr lang="cs-CZ" sz="1600" dirty="0" err="1" smtClean="0">
+                <a:solidFill>
+                  <a:schemeClr val="tx1"/>
+                </a:solidFill>
+              </a:rPr>
+              <a:t>join</a:t>
+            </a:r>
+            <a:r>
+              <a:rPr lang="cs-CZ" sz="1600" dirty="0" smtClean="0">
+                <a:solidFill>
+                  <a:schemeClr val="tx1"/>
+                </a:solidFill>
+              </a:rPr>
+              <a:t> </a:t>
+            </a:r>
+            <a:r>
+              <a:rPr lang="cs-CZ" sz="1600" dirty="0" err="1" smtClean="0">
+                <a:solidFill>
+                  <a:schemeClr val="tx1"/>
+                </a:solidFill>
+              </a:rPr>
+              <a:t>productGroup</a:t>
+            </a:r>
+            <a:r>
+              <a:rPr lang="cs-CZ" sz="1600" dirty="0" smtClean="0">
+                <a:solidFill>
+                  <a:schemeClr val="tx1"/>
+                </a:solidFill>
+              </a:rPr>
+              <a:t> on </a:t>
+            </a:r>
+            <a:r>
+              <a:rPr lang="cs-CZ" sz="1600" dirty="0" err="1" smtClean="0">
+                <a:solidFill>
+                  <a:schemeClr val="tx1"/>
+                </a:solidFill>
+              </a:rPr>
+              <a:t>idGroup</a:t>
+            </a:r>
+            <a:r>
+              <a:rPr lang="cs-CZ" sz="1600" dirty="0" smtClean="0">
+                <a:solidFill>
+                  <a:schemeClr val="tx1"/>
+                </a:solidFill>
+              </a:rPr>
+              <a:t> = </a:t>
+            </a:r>
+            <a:r>
+              <a:rPr lang="cs-CZ" sz="1600" dirty="0" err="1" smtClean="0">
+                <a:solidFill>
+                  <a:schemeClr val="tx1"/>
+                </a:solidFill>
+              </a:rPr>
+              <a:t>productGroup.id</a:t>
+            </a:r>
+            <a:r>
+              <a:rPr lang="cs-CZ" sz="1600" dirty="0" smtClean="0">
+                <a:solidFill>
+                  <a:schemeClr val="tx1"/>
+                </a:solidFill>
+              </a:rPr>
+              <a:t> </a:t>
+            </a:r>
+            <a:r>
+              <a:rPr lang="cs-CZ" sz="1600" dirty="0" err="1" smtClean="0">
+                <a:solidFill>
+                  <a:schemeClr val="tx1"/>
+                </a:solidFill>
+              </a:rPr>
+              <a:t>where</a:t>
+            </a:r>
+            <a:r>
+              <a:rPr lang="cs-CZ" sz="1600" dirty="0" smtClean="0">
+                <a:solidFill>
+                  <a:schemeClr val="tx1"/>
+                </a:solidFill>
+              </a:rPr>
+              <a:t> </a:t>
+            </a:r>
+            <a:r>
+              <a:rPr lang="cs-CZ" sz="1600" dirty="0" err="1" smtClean="0">
+                <a:solidFill>
+                  <a:schemeClr val="tx1"/>
+                </a:solidFill>
+              </a:rPr>
+              <a:t>product.id</a:t>
+            </a:r>
+            <a:r>
+              <a:rPr lang="cs-CZ" sz="1600" dirty="0" smtClean="0">
+                <a:solidFill>
+                  <a:schemeClr val="tx1"/>
+                </a:solidFill>
+              </a:rPr>
+              <a:t> = ?</a:t>
+            </a:r>
+          </a:p>
+          <a:p>
+            <a:pPr lvl="1"/>
+            <a:r>
+              <a:rPr lang="cs-CZ" sz="1800" dirty="0" err="1" smtClean="0"/>
+              <a:t>testGetFullProductById</a:t>
+            </a:r>
+            <a:endParaRPr lang="cs-CZ" sz="1800" dirty="0" smtClean="0"/>
+          </a:p>
+          <a:p>
+            <a:pPr lvl="2">
+              <a:buNone/>
+            </a:pPr>
+            <a:r>
+              <a:rPr lang="cs-CZ" sz="1600" dirty="0" err="1" smtClean="0">
+                <a:solidFill>
+                  <a:schemeClr val="tx1"/>
+                </a:solidFill>
+              </a:rPr>
+              <a:t>select</a:t>
+            </a:r>
+            <a:r>
+              <a:rPr lang="cs-CZ" sz="1600" dirty="0" smtClean="0">
+                <a:solidFill>
+                  <a:schemeClr val="tx1"/>
+                </a:solidFill>
+              </a:rPr>
+              <a:t> </a:t>
+            </a:r>
+            <a:r>
+              <a:rPr lang="cs-CZ" sz="1600" dirty="0" err="1" smtClean="0">
+                <a:solidFill>
+                  <a:schemeClr val="tx1"/>
+                </a:solidFill>
+              </a:rPr>
+              <a:t>product</a:t>
+            </a:r>
+            <a:r>
+              <a:rPr lang="cs-CZ" sz="1600" dirty="0" smtClean="0">
+                <a:solidFill>
+                  <a:schemeClr val="tx1"/>
+                </a:solidFill>
+              </a:rPr>
+              <a:t>.*, </a:t>
+            </a:r>
+            <a:r>
+              <a:rPr lang="cs-CZ" sz="1600" dirty="0" err="1" smtClean="0">
+                <a:solidFill>
+                  <a:schemeClr val="tx1"/>
+                </a:solidFill>
+              </a:rPr>
+              <a:t>productGroup.name</a:t>
+            </a:r>
+            <a:r>
+              <a:rPr lang="cs-CZ" sz="1600" dirty="0" smtClean="0">
+                <a:solidFill>
+                  <a:schemeClr val="tx1"/>
+                </a:solidFill>
+              </a:rPr>
+              <a:t> as </a:t>
+            </a:r>
+            <a:r>
+              <a:rPr lang="cs-CZ" sz="1600" dirty="0" err="1" smtClean="0">
+                <a:solidFill>
+                  <a:schemeClr val="tx1"/>
+                </a:solidFill>
+              </a:rPr>
+              <a:t>groupName</a:t>
+            </a:r>
+            <a:r>
+              <a:rPr lang="cs-CZ" sz="1600" dirty="0" smtClean="0">
+                <a:solidFill>
+                  <a:schemeClr val="tx1"/>
+                </a:solidFill>
+              </a:rPr>
+              <a:t>, </a:t>
+            </a:r>
+            <a:r>
+              <a:rPr lang="cs-CZ" sz="1600" dirty="0" err="1" smtClean="0">
+                <a:solidFill>
+                  <a:schemeClr val="tx1"/>
+                </a:solidFill>
+              </a:rPr>
+              <a:t>productGroup.groupType</a:t>
+            </a:r>
+            <a:r>
+              <a:rPr lang="cs-CZ" sz="1600" dirty="0" smtClean="0">
+                <a:solidFill>
+                  <a:schemeClr val="tx1"/>
+                </a:solidFill>
+              </a:rPr>
+              <a:t>, </a:t>
+            </a:r>
+            <a:r>
+              <a:rPr lang="cs-CZ" sz="1600" dirty="0" err="1" smtClean="0">
+                <a:solidFill>
+                  <a:schemeClr val="tx1"/>
+                </a:solidFill>
+              </a:rPr>
+              <a:t>tag.id</a:t>
+            </a:r>
+            <a:r>
+              <a:rPr lang="cs-CZ" sz="1600" dirty="0" smtClean="0">
+                <a:solidFill>
+                  <a:schemeClr val="tx1"/>
+                </a:solidFill>
+              </a:rPr>
+              <a:t> as </a:t>
+            </a:r>
+            <a:r>
+              <a:rPr lang="cs-CZ" sz="1600" dirty="0" err="1" smtClean="0">
+                <a:solidFill>
+                  <a:schemeClr val="tx1"/>
+                </a:solidFill>
+              </a:rPr>
+              <a:t>idTag</a:t>
+            </a:r>
+            <a:r>
+              <a:rPr lang="cs-CZ" sz="1600" dirty="0" smtClean="0">
+                <a:solidFill>
+                  <a:schemeClr val="tx1"/>
+                </a:solidFill>
+              </a:rPr>
+              <a:t>, </a:t>
+            </a:r>
+            <a:r>
+              <a:rPr lang="cs-CZ" sz="1600" dirty="0" err="1" smtClean="0">
+                <a:solidFill>
+                  <a:schemeClr val="tx1"/>
+                </a:solidFill>
+              </a:rPr>
+              <a:t>tag.name</a:t>
+            </a:r>
+            <a:r>
+              <a:rPr lang="cs-CZ" sz="1600" dirty="0" smtClean="0">
+                <a:solidFill>
+                  <a:schemeClr val="tx1"/>
+                </a:solidFill>
+              </a:rPr>
+              <a:t> as </a:t>
+            </a:r>
+            <a:r>
+              <a:rPr lang="cs-CZ" sz="1600" dirty="0" err="1" smtClean="0">
+                <a:solidFill>
+                  <a:schemeClr val="tx1"/>
+                </a:solidFill>
+              </a:rPr>
+              <a:t>tagName</a:t>
+            </a:r>
+            <a:r>
+              <a:rPr lang="cs-CZ" sz="1600" dirty="0" smtClean="0">
+                <a:solidFill>
+                  <a:schemeClr val="tx1"/>
+                </a:solidFill>
+              </a:rPr>
+              <a:t> </a:t>
+            </a:r>
+            <a:r>
+              <a:rPr lang="cs-CZ" sz="1600" dirty="0" err="1" smtClean="0">
+                <a:solidFill>
+                  <a:schemeClr val="tx1"/>
+                </a:solidFill>
+              </a:rPr>
+              <a:t>from</a:t>
+            </a:r>
+            <a:r>
+              <a:rPr lang="cs-CZ" sz="1600" dirty="0" smtClean="0">
+                <a:solidFill>
+                  <a:schemeClr val="tx1"/>
+                </a:solidFill>
+              </a:rPr>
+              <a:t> </a:t>
+            </a:r>
+            <a:r>
+              <a:rPr lang="cs-CZ" sz="1600" dirty="0" err="1" smtClean="0">
+                <a:solidFill>
+                  <a:schemeClr val="tx1"/>
+                </a:solidFill>
+              </a:rPr>
+              <a:t>product</a:t>
+            </a:r>
+            <a:r>
+              <a:rPr lang="cs-CZ" sz="1600" dirty="0" smtClean="0">
+                <a:solidFill>
+                  <a:schemeClr val="tx1"/>
+                </a:solidFill>
+              </a:rPr>
+              <a:t> </a:t>
+            </a:r>
+            <a:r>
+              <a:rPr lang="cs-CZ" sz="1600" dirty="0" err="1" smtClean="0">
+                <a:solidFill>
+                  <a:schemeClr val="tx1"/>
+                </a:solidFill>
+              </a:rPr>
+              <a:t>inner</a:t>
+            </a:r>
+            <a:r>
+              <a:rPr lang="cs-CZ" sz="1600" dirty="0" smtClean="0">
+                <a:solidFill>
+                  <a:schemeClr val="tx1"/>
+                </a:solidFill>
+              </a:rPr>
+              <a:t> </a:t>
+            </a:r>
+            <a:r>
+              <a:rPr lang="cs-CZ" sz="1600" dirty="0" err="1" smtClean="0">
+                <a:solidFill>
+                  <a:schemeClr val="tx1"/>
+                </a:solidFill>
+              </a:rPr>
+              <a:t>join</a:t>
+            </a:r>
+            <a:r>
+              <a:rPr lang="cs-CZ" sz="1600" dirty="0" smtClean="0">
+                <a:solidFill>
+                  <a:schemeClr val="tx1"/>
+                </a:solidFill>
+              </a:rPr>
+              <a:t> </a:t>
+            </a:r>
+            <a:r>
+              <a:rPr lang="cs-CZ" sz="1600" dirty="0" err="1" smtClean="0">
+                <a:solidFill>
+                  <a:schemeClr val="tx1"/>
+                </a:solidFill>
+              </a:rPr>
+              <a:t>productGroup</a:t>
+            </a:r>
+            <a:r>
+              <a:rPr lang="cs-CZ" sz="1600" dirty="0" smtClean="0">
+                <a:solidFill>
+                  <a:schemeClr val="tx1"/>
+                </a:solidFill>
+              </a:rPr>
+              <a:t> on </a:t>
+            </a:r>
+            <a:r>
+              <a:rPr lang="cs-CZ" sz="1600" dirty="0" err="1" smtClean="0">
+                <a:solidFill>
+                  <a:schemeClr val="tx1"/>
+                </a:solidFill>
+              </a:rPr>
+              <a:t>idGroup</a:t>
+            </a:r>
+            <a:r>
+              <a:rPr lang="cs-CZ" sz="1600" dirty="0" smtClean="0">
+                <a:solidFill>
+                  <a:schemeClr val="tx1"/>
+                </a:solidFill>
+              </a:rPr>
+              <a:t> = </a:t>
+            </a:r>
+            <a:r>
+              <a:rPr lang="cs-CZ" sz="1600" dirty="0" err="1" smtClean="0">
+                <a:solidFill>
+                  <a:schemeClr val="tx1"/>
+                </a:solidFill>
+              </a:rPr>
+              <a:t>productGroup.id</a:t>
+            </a:r>
+            <a:r>
+              <a:rPr lang="cs-CZ" sz="1600" dirty="0" smtClean="0">
+                <a:solidFill>
+                  <a:schemeClr val="tx1"/>
+                </a:solidFill>
+              </a:rPr>
+              <a:t> </a:t>
+            </a:r>
+            <a:r>
+              <a:rPr lang="cs-CZ" sz="1600" dirty="0" err="1" smtClean="0">
+                <a:solidFill>
+                  <a:schemeClr val="tx1"/>
+                </a:solidFill>
+              </a:rPr>
+              <a:t>left</a:t>
+            </a:r>
+            <a:r>
+              <a:rPr lang="cs-CZ" sz="1600" dirty="0" smtClean="0">
+                <a:solidFill>
+                  <a:schemeClr val="tx1"/>
+                </a:solidFill>
+              </a:rPr>
+              <a:t> </a:t>
+            </a:r>
+            <a:r>
+              <a:rPr lang="cs-CZ" sz="1600" dirty="0" err="1" smtClean="0">
+                <a:solidFill>
+                  <a:schemeClr val="tx1"/>
+                </a:solidFill>
+              </a:rPr>
+              <a:t>join</a:t>
+            </a:r>
+            <a:r>
+              <a:rPr lang="cs-CZ" sz="1600" dirty="0" smtClean="0">
+                <a:solidFill>
+                  <a:schemeClr val="tx1"/>
+                </a:solidFill>
+              </a:rPr>
+              <a:t> </a:t>
+            </a:r>
+            <a:r>
+              <a:rPr lang="cs-CZ" sz="1600" dirty="0" err="1" smtClean="0">
+                <a:solidFill>
+                  <a:schemeClr val="tx1"/>
+                </a:solidFill>
+              </a:rPr>
+              <a:t>productTag</a:t>
+            </a:r>
+            <a:r>
+              <a:rPr lang="cs-CZ" sz="1600" dirty="0" smtClean="0">
+                <a:solidFill>
+                  <a:schemeClr val="tx1"/>
+                </a:solidFill>
+              </a:rPr>
+              <a:t> on </a:t>
+            </a:r>
+            <a:r>
+              <a:rPr lang="cs-CZ" sz="1600" dirty="0" err="1" smtClean="0">
+                <a:solidFill>
+                  <a:schemeClr val="tx1"/>
+                </a:solidFill>
+              </a:rPr>
+              <a:t>product.id</a:t>
+            </a:r>
+            <a:r>
+              <a:rPr lang="cs-CZ" sz="1600" dirty="0" smtClean="0">
+                <a:solidFill>
+                  <a:schemeClr val="tx1"/>
+                </a:solidFill>
+              </a:rPr>
+              <a:t> = </a:t>
+            </a:r>
+            <a:r>
+              <a:rPr lang="cs-CZ" sz="1600" dirty="0" err="1" smtClean="0">
+                <a:solidFill>
+                  <a:schemeClr val="tx1"/>
+                </a:solidFill>
+              </a:rPr>
+              <a:t>productTag.idProduct</a:t>
+            </a:r>
+            <a:r>
+              <a:rPr lang="cs-CZ" sz="1600" dirty="0" smtClean="0">
+                <a:solidFill>
+                  <a:schemeClr val="tx1"/>
+                </a:solidFill>
+              </a:rPr>
+              <a:t> </a:t>
+            </a:r>
+            <a:r>
+              <a:rPr lang="cs-CZ" sz="1600" dirty="0" err="1" smtClean="0">
+                <a:solidFill>
+                  <a:schemeClr val="tx1"/>
+                </a:solidFill>
+              </a:rPr>
+              <a:t>inner</a:t>
+            </a:r>
+            <a:r>
+              <a:rPr lang="cs-CZ" sz="1600" dirty="0" smtClean="0">
+                <a:solidFill>
+                  <a:schemeClr val="tx1"/>
+                </a:solidFill>
+              </a:rPr>
+              <a:t> </a:t>
+            </a:r>
+            <a:r>
+              <a:rPr lang="cs-CZ" sz="1600" dirty="0" err="1" smtClean="0">
+                <a:solidFill>
+                  <a:schemeClr val="tx1"/>
+                </a:solidFill>
+              </a:rPr>
+              <a:t>join</a:t>
+            </a:r>
+            <a:r>
+              <a:rPr lang="cs-CZ" sz="1600" dirty="0" smtClean="0">
+                <a:solidFill>
+                  <a:schemeClr val="tx1"/>
+                </a:solidFill>
+              </a:rPr>
+              <a:t> </a:t>
+            </a:r>
+            <a:r>
+              <a:rPr lang="cs-CZ" sz="1600" dirty="0" err="1" smtClean="0">
+                <a:solidFill>
+                  <a:schemeClr val="tx1"/>
+                </a:solidFill>
+              </a:rPr>
+              <a:t>tag</a:t>
+            </a:r>
+            <a:r>
+              <a:rPr lang="cs-CZ" sz="1600" dirty="0" smtClean="0">
+                <a:solidFill>
+                  <a:schemeClr val="tx1"/>
+                </a:solidFill>
+              </a:rPr>
+              <a:t> on </a:t>
+            </a:r>
+            <a:r>
+              <a:rPr lang="cs-CZ" sz="1600" dirty="0" err="1" smtClean="0">
+                <a:solidFill>
+                  <a:schemeClr val="tx1"/>
+                </a:solidFill>
+              </a:rPr>
+              <a:t>productTag.idTag</a:t>
+            </a:r>
+            <a:r>
+              <a:rPr lang="cs-CZ" sz="1600" dirty="0" smtClean="0">
+                <a:solidFill>
+                  <a:schemeClr val="tx1"/>
+                </a:solidFill>
+              </a:rPr>
+              <a:t> = </a:t>
+            </a:r>
+            <a:r>
+              <a:rPr lang="cs-CZ" sz="1600" dirty="0" err="1" smtClean="0">
+                <a:solidFill>
+                  <a:schemeClr val="tx1"/>
+                </a:solidFill>
+              </a:rPr>
+              <a:t>tag.id</a:t>
+            </a:r>
+            <a:r>
+              <a:rPr lang="cs-CZ" sz="1600" dirty="0" smtClean="0">
+                <a:solidFill>
+                  <a:schemeClr val="tx1"/>
+                </a:solidFill>
+              </a:rPr>
+              <a:t>  </a:t>
+            </a:r>
+            <a:r>
+              <a:rPr lang="cs-CZ" sz="1600" dirty="0" err="1" smtClean="0">
+                <a:solidFill>
+                  <a:schemeClr val="tx1"/>
+                </a:solidFill>
+              </a:rPr>
+              <a:t>where</a:t>
+            </a:r>
+            <a:r>
+              <a:rPr lang="cs-CZ" sz="1600" dirty="0" smtClean="0">
+                <a:solidFill>
+                  <a:schemeClr val="tx1"/>
+                </a:solidFill>
+              </a:rPr>
+              <a:t> </a:t>
+            </a:r>
+            <a:r>
+              <a:rPr lang="cs-CZ" sz="1600" dirty="0" err="1" smtClean="0">
+                <a:solidFill>
+                  <a:schemeClr val="tx1"/>
+                </a:solidFill>
+              </a:rPr>
+              <a:t>product.id</a:t>
+            </a:r>
+            <a:r>
+              <a:rPr lang="cs-CZ" sz="1600" dirty="0" smtClean="0">
+                <a:solidFill>
+                  <a:schemeClr val="tx1"/>
+                </a:solidFill>
+              </a:rPr>
+              <a:t> = ?</a:t>
+            </a:r>
+          </a:p>
+          <a:p>
+            <a:pPr lvl="1"/>
+            <a:r>
+              <a:rPr lang="cs-CZ" sz="1800" dirty="0" err="1" smtClean="0"/>
+              <a:t>testGetProductByNameAndGroup</a:t>
+            </a:r>
+            <a:endParaRPr lang="cs-CZ" sz="1800" dirty="0" smtClean="0"/>
+          </a:p>
+          <a:p>
+            <a:pPr lvl="2">
+              <a:buNone/>
+            </a:pPr>
+            <a:r>
+              <a:rPr lang="cs-CZ" sz="1600" dirty="0" err="1" smtClean="0">
+                <a:solidFill>
+                  <a:schemeClr val="tx1"/>
+                </a:solidFill>
+              </a:rPr>
+              <a:t>select</a:t>
+            </a:r>
+            <a:r>
+              <a:rPr lang="cs-CZ" sz="1600" dirty="0" smtClean="0">
+                <a:solidFill>
+                  <a:schemeClr val="tx1"/>
+                </a:solidFill>
+              </a:rPr>
+              <a:t> </a:t>
+            </a:r>
+            <a:r>
+              <a:rPr lang="cs-CZ" sz="1600" dirty="0" err="1" smtClean="0">
+                <a:solidFill>
+                  <a:schemeClr val="tx1"/>
+                </a:solidFill>
+              </a:rPr>
+              <a:t>product</a:t>
+            </a:r>
+            <a:r>
+              <a:rPr lang="cs-CZ" sz="1600" dirty="0" smtClean="0">
+                <a:solidFill>
+                  <a:schemeClr val="tx1"/>
+                </a:solidFill>
+              </a:rPr>
+              <a:t>.*, </a:t>
+            </a:r>
+            <a:r>
+              <a:rPr lang="cs-CZ" sz="1600" dirty="0" err="1" smtClean="0">
+                <a:solidFill>
+                  <a:schemeClr val="tx1"/>
+                </a:solidFill>
+              </a:rPr>
+              <a:t>productGroup.name</a:t>
+            </a:r>
+            <a:r>
+              <a:rPr lang="cs-CZ" sz="1600" dirty="0" smtClean="0">
+                <a:solidFill>
+                  <a:schemeClr val="tx1"/>
+                </a:solidFill>
+              </a:rPr>
+              <a:t> as </a:t>
+            </a:r>
+            <a:r>
+              <a:rPr lang="cs-CZ" sz="1600" dirty="0" err="1" smtClean="0">
+                <a:solidFill>
+                  <a:schemeClr val="tx1"/>
+                </a:solidFill>
+              </a:rPr>
+              <a:t>groupName</a:t>
+            </a:r>
+            <a:r>
+              <a:rPr lang="cs-CZ" sz="1600" dirty="0" smtClean="0">
+                <a:solidFill>
+                  <a:schemeClr val="tx1"/>
+                </a:solidFill>
+              </a:rPr>
+              <a:t>, </a:t>
+            </a:r>
+            <a:r>
+              <a:rPr lang="cs-CZ" sz="1600" dirty="0" err="1" smtClean="0">
+                <a:solidFill>
+                  <a:schemeClr val="tx1"/>
+                </a:solidFill>
+              </a:rPr>
+              <a:t>productGroup.groupType</a:t>
+            </a:r>
+            <a:r>
+              <a:rPr lang="cs-CZ" sz="1600" dirty="0" smtClean="0">
+                <a:solidFill>
+                  <a:schemeClr val="tx1"/>
+                </a:solidFill>
+              </a:rPr>
+              <a:t> </a:t>
+            </a:r>
+            <a:r>
+              <a:rPr lang="cs-CZ" sz="1600" dirty="0" err="1" smtClean="0">
+                <a:solidFill>
+                  <a:schemeClr val="tx1"/>
+                </a:solidFill>
+              </a:rPr>
+              <a:t>from</a:t>
+            </a:r>
+            <a:r>
+              <a:rPr lang="cs-CZ" sz="1600" dirty="0" smtClean="0">
+                <a:solidFill>
+                  <a:schemeClr val="tx1"/>
+                </a:solidFill>
+              </a:rPr>
+              <a:t> </a:t>
+            </a:r>
+            <a:r>
+              <a:rPr lang="cs-CZ" sz="1600" dirty="0" err="1" smtClean="0">
+                <a:solidFill>
+                  <a:schemeClr val="tx1"/>
+                </a:solidFill>
+              </a:rPr>
+              <a:t>product</a:t>
+            </a:r>
+            <a:r>
+              <a:rPr lang="cs-CZ" sz="1600" dirty="0" smtClean="0">
+                <a:solidFill>
+                  <a:schemeClr val="tx1"/>
+                </a:solidFill>
+              </a:rPr>
+              <a:t> </a:t>
+            </a:r>
+            <a:r>
+              <a:rPr lang="cs-CZ" sz="1600" dirty="0" err="1" smtClean="0">
+                <a:solidFill>
+                  <a:schemeClr val="tx1"/>
+                </a:solidFill>
+              </a:rPr>
+              <a:t>inner</a:t>
+            </a:r>
+            <a:r>
+              <a:rPr lang="cs-CZ" sz="1600" dirty="0" smtClean="0">
+                <a:solidFill>
+                  <a:schemeClr val="tx1"/>
+                </a:solidFill>
+              </a:rPr>
+              <a:t> </a:t>
+            </a:r>
+            <a:r>
+              <a:rPr lang="cs-CZ" sz="1600" dirty="0" err="1" smtClean="0">
+                <a:solidFill>
+                  <a:schemeClr val="tx1"/>
+                </a:solidFill>
+              </a:rPr>
+              <a:t>join</a:t>
+            </a:r>
+            <a:r>
+              <a:rPr lang="cs-CZ" sz="1600" dirty="0" smtClean="0">
+                <a:solidFill>
+                  <a:schemeClr val="tx1"/>
+                </a:solidFill>
+              </a:rPr>
+              <a:t> </a:t>
+            </a:r>
+            <a:r>
+              <a:rPr lang="cs-CZ" sz="1600" dirty="0" err="1" smtClean="0">
+                <a:solidFill>
+                  <a:schemeClr val="tx1"/>
+                </a:solidFill>
+              </a:rPr>
+              <a:t>productGroup</a:t>
+            </a:r>
+            <a:r>
+              <a:rPr lang="cs-CZ" sz="1600" dirty="0" smtClean="0">
+                <a:solidFill>
+                  <a:schemeClr val="tx1"/>
+                </a:solidFill>
+              </a:rPr>
+              <a:t> on </a:t>
+            </a:r>
+            <a:r>
+              <a:rPr lang="cs-CZ" sz="1600" dirty="0" err="1" smtClean="0">
+                <a:solidFill>
+                  <a:schemeClr val="tx1"/>
+                </a:solidFill>
+              </a:rPr>
+              <a:t>idGroup</a:t>
+            </a:r>
+            <a:r>
+              <a:rPr lang="cs-CZ" sz="1600" dirty="0" smtClean="0">
+                <a:solidFill>
+                  <a:schemeClr val="tx1"/>
+                </a:solidFill>
+              </a:rPr>
+              <a:t> = </a:t>
+            </a:r>
+            <a:r>
+              <a:rPr lang="cs-CZ" sz="1600" dirty="0" err="1" smtClean="0">
+                <a:solidFill>
+                  <a:schemeClr val="tx1"/>
+                </a:solidFill>
+              </a:rPr>
+              <a:t>productGroup.id</a:t>
+            </a:r>
+            <a:r>
+              <a:rPr lang="cs-CZ" sz="1600" dirty="0" smtClean="0">
+                <a:solidFill>
+                  <a:schemeClr val="tx1"/>
+                </a:solidFill>
+              </a:rPr>
+              <a:t> </a:t>
+            </a:r>
+            <a:r>
+              <a:rPr lang="cs-CZ" sz="1600" dirty="0" err="1" smtClean="0">
+                <a:solidFill>
+                  <a:schemeClr val="tx1"/>
+                </a:solidFill>
+              </a:rPr>
+              <a:t>where</a:t>
+            </a:r>
+            <a:r>
+              <a:rPr lang="cs-CZ" sz="1600" dirty="0" smtClean="0">
+                <a:solidFill>
+                  <a:schemeClr val="tx1"/>
+                </a:solidFill>
+              </a:rPr>
+              <a:t> </a:t>
+            </a:r>
+            <a:r>
+              <a:rPr lang="en-US" sz="1600" dirty="0" smtClean="0">
+                <a:solidFill>
+                  <a:schemeClr val="tx1"/>
+                </a:solidFill>
+              </a:rPr>
+              <a:t>name = </a:t>
+            </a:r>
+            <a:r>
+              <a:rPr lang="cs-CZ" sz="1600" dirty="0" smtClean="0">
+                <a:solidFill>
+                  <a:schemeClr val="tx1"/>
+                </a:solidFill>
+              </a:rPr>
+              <a:t>?</a:t>
+            </a:r>
+            <a:r>
+              <a:rPr lang="en-US" sz="1600" dirty="0" smtClean="0">
+                <a:solidFill>
+                  <a:schemeClr val="tx1"/>
+                </a:solidFill>
+              </a:rPr>
+              <a:t> and productGroup.name = </a:t>
+            </a:r>
+            <a:r>
+              <a:rPr lang="cs-CZ" sz="1600" dirty="0" smtClean="0">
+                <a:solidFill>
+                  <a:schemeClr val="tx1"/>
+                </a:solidFill>
+              </a:rPr>
+              <a:t>?</a:t>
+            </a:r>
+          </a:p>
+        </p:txBody>
+      </p:sp>
+      <p:sp>
+        <p:nvSpPr>
+          <p:cNvPr id="4" name="Zástupný symbol pro číslo snímku 3"/>
+          <p:cNvSpPr>
+            <a:spLocks noGrp="1"/>
+          </p:cNvSpPr>
+          <p:nvPr>
+            <p:ph type="sldNum" sz="quarter" idx="10"/>
+          </p:nvPr>
+        </p:nvSpPr>
+        <p:spPr/>
+        <p:txBody>
+          <a:bodyPr/>
+          <a:lstStyle/>
+          <a:p>
+            <a:pPr>
+              <a:defRPr/>
+            </a:pPr>
+            <a:fld id="{9AF1F007-AFEE-4035-9C51-B1CFC008845C}" type="slidenum">
+              <a:rPr lang="cs-CZ" smtClean="0"/>
+              <a:pPr>
+                <a:defRPr/>
+              </a:pPr>
+              <a:t>8</a:t>
+            </a:fld>
+            <a:endParaRPr lang="cs-CZ"/>
+          </a:p>
+        </p:txBody>
+      </p:sp>
+      <p:sp>
+        <p:nvSpPr>
+          <p:cNvPr id="5" name="Zástupný symbol pro zápatí 4"/>
+          <p:cNvSpPr>
+            <a:spLocks noGrp="1"/>
+          </p:cNvSpPr>
+          <p:nvPr>
+            <p:ph type="ftr" sz="quarter" idx="11"/>
+          </p:nvPr>
+        </p:nvSpPr>
+        <p:spPr/>
+        <p:txBody>
+          <a:bodyPr/>
+          <a:lstStyle/>
+          <a:p>
+            <a:pPr>
+              <a:defRPr/>
+            </a:pPr>
+            <a:r>
+              <a:rPr lang="cs-CZ" smtClean="0"/>
+              <a:t>www.fg.cz</a:t>
+            </a:r>
+            <a:endParaRPr lang="cs-CZ"/>
+          </a:p>
+        </p:txBody>
+      </p:sp>
+    </p:spTree>
+  </p:cSld>
+  <p:clrMapOvr>
+    <a:masterClrMapping/>
+  </p:clrMapOvr>
+  <p:transition>
+    <p:fade thruBlk="1"/>
+  </p:transition>
+  <p:timing>
+    <p:tnLst>
+      <p:par>
+        <p:cTn id="1" dur="indefinite" restart="never" nodeType="tmRoot"/>
+      </p:par>
+    </p:tnLst>
+  </p:timing>
+</p:sld>
+</file>
+
+<file path=ppt/slides/slide9.xml><?xml version="1.0" encoding="utf-8"?>
+<p:sld xmlns:a="http://schemas.openxmlformats.org/drawingml/2006/main" xmlns:r="http://schemas.openxmlformats.org/officeDocument/2006/relationships" xmlns:p="http://schemas.openxmlformats.org/presentationml/2006/main">
+  <p:cSld>
+    <p:spTree>
+      <p:nvGrpSpPr>
+        <p:cNvPr id="1" name=""/>
+        <p:cNvGrpSpPr/>
+        <p:nvPr/>
+      </p:nvGrpSpPr>
+      <p:grpSpPr>
+        <a:xfrm>
+          <a:off x="0" y="0"/>
+          <a:ext cx="0" cy="0"/>
+          <a:chOff x="0" y="0"/>
+          <a:chExt cx="0" cy="0"/>
+        </a:xfrm>
+      </p:grpSpPr>
+      <p:sp>
+        <p:nvSpPr>
+          <p:cNvPr id="2" name="Nadpis 1"/>
+          <p:cNvSpPr>
+            <a:spLocks noGrp="1"/>
+          </p:cNvSpPr>
+          <p:nvPr>
+            <p:ph type="title"/>
+          </p:nvPr>
+        </p:nvSpPr>
+        <p:spPr/>
+        <p:txBody>
+          <a:bodyPr/>
+          <a:lstStyle/>
+          <a:p>
+            <a:r>
+              <a:rPr lang="cs-CZ" dirty="0" smtClean="0"/>
+              <a:t>Dynamick</a:t>
+            </a:r>
+            <a:r>
+              <a:rPr lang="cs-CZ" dirty="0" smtClean="0"/>
+              <a:t>é SQL</a:t>
+            </a:r>
+            <a:endParaRPr lang="cs-CZ" dirty="0"/>
+          </a:p>
+        </p:txBody>
+      </p:sp>
+      <p:sp>
+        <p:nvSpPr>
+          <p:cNvPr id="3" name="Zástupný symbol pro obsah 2"/>
+          <p:cNvSpPr>
+            <a:spLocks noGrp="1"/>
+          </p:cNvSpPr>
+          <p:nvPr>
+            <p:ph idx="1"/>
+          </p:nvPr>
+        </p:nvSpPr>
+        <p:spPr/>
+        <p:txBody>
+          <a:bodyPr/>
+          <a:lstStyle/>
+          <a:p>
+            <a:r>
+              <a:rPr lang="cs-CZ" sz="2000" b="1" dirty="0" smtClean="0">
+                <a:ln w="12700">
+                  <a:solidFill>
+                    <a:schemeClr val="tx2">
+                      <a:satMod val="155000"/>
+                    </a:schemeClr>
+                  </a:solidFill>
+                  <a:prstDash val="solid"/>
+                </a:ln>
+                <a:solidFill>
+                  <a:schemeClr val="bg2">
+                    <a:tint val="85000"/>
+                    <a:satMod val="155000"/>
+                  </a:schemeClr>
+                </a:solidFill>
+                <a:effectLst>
+                  <a:outerShdw blurRad="41275" dist="20320" dir="1800000" algn="tl" rotWithShape="0">
+                    <a:srgbClr val="000000">
+                      <a:alpha val="40000"/>
+                    </a:srgbClr>
+                  </a:outerShdw>
+                </a:effectLst>
+              </a:rPr>
+              <a:t>D_</a:t>
+            </a:r>
+            <a:r>
+              <a:rPr lang="cs-CZ" sz="2000" b="1" dirty="0" err="1" smtClean="0">
+                <a:ln w="12700">
+                  <a:solidFill>
+                    <a:schemeClr val="tx2">
+                      <a:satMod val="155000"/>
+                    </a:schemeClr>
+                  </a:solidFill>
+                  <a:prstDash val="solid"/>
+                </a:ln>
+                <a:solidFill>
+                  <a:schemeClr val="bg2">
+                    <a:tint val="85000"/>
+                    <a:satMod val="155000"/>
+                  </a:schemeClr>
+                </a:solidFill>
+                <a:effectLst>
+                  <a:outerShdw blurRad="41275" dist="20320" dir="1800000" algn="tl" rotWithShape="0">
+                    <a:srgbClr val="000000">
+                      <a:alpha val="40000"/>
+                    </a:srgbClr>
+                  </a:outerShdw>
+                </a:effectLst>
+              </a:rPr>
+              <a:t>ConditionalExpressionsTest</a:t>
+            </a:r>
+            <a:r>
+              <a:rPr lang="cs-CZ" sz="2000" b="1" dirty="0" smtClean="0">
+                <a:ln w="12700">
+                  <a:solidFill>
+                    <a:schemeClr val="tx2">
+                      <a:satMod val="155000"/>
+                    </a:schemeClr>
+                  </a:solidFill>
+                  <a:prstDash val="solid"/>
+                </a:ln>
+                <a:solidFill>
+                  <a:schemeClr val="bg2">
+                    <a:tint val="85000"/>
+                    <a:satMod val="155000"/>
+                  </a:schemeClr>
+                </a:solidFill>
+                <a:effectLst>
+                  <a:outerShdw blurRad="41275" dist="20320" dir="1800000" algn="tl" rotWithShape="0">
+                    <a:srgbClr val="000000">
+                      <a:alpha val="40000"/>
+                    </a:srgbClr>
+                  </a:outerShdw>
+                </a:effectLst>
+              </a:rPr>
+              <a:t> (OGNL)</a:t>
+            </a:r>
+            <a:endParaRPr lang="cs-CZ" sz="1800" dirty="0" smtClean="0"/>
+          </a:p>
+          <a:p>
+            <a:pPr lvl="1"/>
+            <a:r>
+              <a:rPr lang="cs-CZ" sz="1800" dirty="0" err="1" smtClean="0"/>
+              <a:t>testCountProducts</a:t>
+            </a:r>
+            <a:endParaRPr lang="cs-CZ" sz="1800" dirty="0" smtClean="0"/>
+          </a:p>
+          <a:p>
+            <a:pPr lvl="2">
+              <a:buNone/>
+            </a:pPr>
+            <a:r>
+              <a:rPr lang="cs-CZ" sz="1600" dirty="0" err="1" smtClean="0">
+                <a:solidFill>
+                  <a:schemeClr val="tx1"/>
+                </a:solidFill>
+              </a:rPr>
+              <a:t>select</a:t>
+            </a:r>
+            <a:r>
+              <a:rPr lang="cs-CZ" sz="1600" dirty="0" smtClean="0">
+                <a:solidFill>
+                  <a:schemeClr val="tx1"/>
+                </a:solidFill>
+              </a:rPr>
+              <a:t> </a:t>
+            </a:r>
+            <a:r>
+              <a:rPr lang="cs-CZ" sz="1600" dirty="0" err="1" smtClean="0">
+                <a:solidFill>
+                  <a:schemeClr val="tx1"/>
+                </a:solidFill>
+              </a:rPr>
+              <a:t>product</a:t>
+            </a:r>
+            <a:r>
+              <a:rPr lang="cs-CZ" sz="1600" dirty="0" smtClean="0">
+                <a:solidFill>
+                  <a:schemeClr val="tx1"/>
+                </a:solidFill>
+              </a:rPr>
+              <a:t>.*, </a:t>
+            </a:r>
+            <a:r>
+              <a:rPr lang="cs-CZ" sz="1600" dirty="0" err="1" smtClean="0">
+                <a:solidFill>
+                  <a:schemeClr val="tx1"/>
+                </a:solidFill>
+              </a:rPr>
+              <a:t>productGroup.name</a:t>
+            </a:r>
+            <a:r>
+              <a:rPr lang="cs-CZ" sz="1600" dirty="0" smtClean="0">
+                <a:solidFill>
+                  <a:schemeClr val="tx1"/>
+                </a:solidFill>
+              </a:rPr>
+              <a:t> as </a:t>
+            </a:r>
+            <a:r>
+              <a:rPr lang="cs-CZ" sz="1600" dirty="0" err="1" smtClean="0">
+                <a:solidFill>
+                  <a:schemeClr val="tx1"/>
+                </a:solidFill>
+              </a:rPr>
+              <a:t>groupName</a:t>
+            </a:r>
+            <a:r>
+              <a:rPr lang="cs-CZ" sz="1600" dirty="0" smtClean="0">
+                <a:solidFill>
+                  <a:schemeClr val="tx1"/>
+                </a:solidFill>
+              </a:rPr>
+              <a:t>, </a:t>
+            </a:r>
+            <a:r>
+              <a:rPr lang="cs-CZ" sz="1600" dirty="0" err="1" smtClean="0">
+                <a:solidFill>
+                  <a:schemeClr val="tx1"/>
+                </a:solidFill>
+              </a:rPr>
+              <a:t>productGroup.groupType</a:t>
+            </a:r>
+            <a:r>
+              <a:rPr lang="cs-CZ" sz="1600" dirty="0" smtClean="0">
+                <a:solidFill>
+                  <a:schemeClr val="tx1"/>
+                </a:solidFill>
+              </a:rPr>
+              <a:t> </a:t>
+            </a:r>
+            <a:r>
+              <a:rPr lang="cs-CZ" sz="1600" dirty="0" err="1" smtClean="0">
+                <a:solidFill>
+                  <a:schemeClr val="tx1"/>
+                </a:solidFill>
+              </a:rPr>
+              <a:t>from</a:t>
+            </a:r>
+            <a:r>
+              <a:rPr lang="cs-CZ" sz="1600" dirty="0" smtClean="0">
+                <a:solidFill>
+                  <a:schemeClr val="tx1"/>
+                </a:solidFill>
+              </a:rPr>
+              <a:t> </a:t>
+            </a:r>
+            <a:r>
+              <a:rPr lang="cs-CZ" sz="1600" dirty="0" err="1" smtClean="0">
+                <a:solidFill>
+                  <a:schemeClr val="tx1"/>
+                </a:solidFill>
+              </a:rPr>
+              <a:t>product</a:t>
+            </a:r>
+            <a:r>
+              <a:rPr lang="cs-CZ" sz="1600" dirty="0" smtClean="0">
+                <a:solidFill>
+                  <a:schemeClr val="tx1"/>
+                </a:solidFill>
+              </a:rPr>
+              <a:t> </a:t>
+            </a:r>
+            <a:r>
+              <a:rPr lang="cs-CZ" sz="1600" dirty="0" err="1" smtClean="0">
+                <a:solidFill>
+                  <a:schemeClr val="tx1"/>
+                </a:solidFill>
+              </a:rPr>
+              <a:t>inner</a:t>
+            </a:r>
+            <a:r>
+              <a:rPr lang="cs-CZ" sz="1600" dirty="0" smtClean="0">
+                <a:solidFill>
+                  <a:schemeClr val="tx1"/>
+                </a:solidFill>
+              </a:rPr>
+              <a:t> </a:t>
+            </a:r>
+            <a:r>
+              <a:rPr lang="cs-CZ" sz="1600" dirty="0" err="1" smtClean="0">
+                <a:solidFill>
+                  <a:schemeClr val="tx1"/>
+                </a:solidFill>
+              </a:rPr>
+              <a:t>join</a:t>
+            </a:r>
+            <a:r>
+              <a:rPr lang="cs-CZ" sz="1600" dirty="0" smtClean="0">
+                <a:solidFill>
+                  <a:schemeClr val="tx1"/>
+                </a:solidFill>
+              </a:rPr>
+              <a:t> </a:t>
+            </a:r>
+            <a:r>
+              <a:rPr lang="cs-CZ" sz="1600" dirty="0" err="1" smtClean="0">
+                <a:solidFill>
+                  <a:schemeClr val="tx1"/>
+                </a:solidFill>
+              </a:rPr>
+              <a:t>productGroup</a:t>
+            </a:r>
+            <a:r>
+              <a:rPr lang="cs-CZ" sz="1600" dirty="0" smtClean="0">
+                <a:solidFill>
+                  <a:schemeClr val="tx1"/>
+                </a:solidFill>
+              </a:rPr>
+              <a:t> on </a:t>
+            </a:r>
+            <a:r>
+              <a:rPr lang="cs-CZ" sz="1600" dirty="0" err="1" smtClean="0">
+                <a:solidFill>
+                  <a:schemeClr val="tx1"/>
+                </a:solidFill>
+              </a:rPr>
+              <a:t>idGroup</a:t>
+            </a:r>
+            <a:r>
+              <a:rPr lang="cs-CZ" sz="1600" dirty="0" smtClean="0">
+                <a:solidFill>
+                  <a:schemeClr val="tx1"/>
+                </a:solidFill>
+              </a:rPr>
+              <a:t> = </a:t>
+            </a:r>
+            <a:r>
+              <a:rPr lang="cs-CZ" sz="1600" dirty="0" err="1" smtClean="0">
+                <a:solidFill>
+                  <a:schemeClr val="tx1"/>
+                </a:solidFill>
+              </a:rPr>
+              <a:t>productGroup.id</a:t>
+            </a:r>
+            <a:r>
+              <a:rPr lang="cs-CZ" sz="1600" dirty="0" smtClean="0">
+                <a:solidFill>
+                  <a:schemeClr val="tx1"/>
+                </a:solidFill>
+              </a:rPr>
+              <a:t> </a:t>
+            </a:r>
+            <a:r>
+              <a:rPr lang="cs-CZ" sz="1600" dirty="0" err="1" smtClean="0">
+                <a:solidFill>
+                  <a:schemeClr val="tx1"/>
+                </a:solidFill>
+              </a:rPr>
+              <a:t>where</a:t>
+            </a:r>
+            <a:r>
+              <a:rPr lang="cs-CZ" sz="1600" dirty="0" smtClean="0">
+                <a:solidFill>
+                  <a:schemeClr val="tx1"/>
+                </a:solidFill>
+              </a:rPr>
+              <a:t> </a:t>
+            </a:r>
+            <a:r>
+              <a:rPr lang="cs-CZ" sz="1600" dirty="0" err="1" smtClean="0">
+                <a:solidFill>
+                  <a:schemeClr val="tx1"/>
+                </a:solidFill>
+              </a:rPr>
+              <a:t>product.name</a:t>
+            </a:r>
+            <a:r>
+              <a:rPr lang="cs-CZ" sz="1600" dirty="0" smtClean="0">
+                <a:solidFill>
+                  <a:schemeClr val="tx1"/>
+                </a:solidFill>
+              </a:rPr>
+              <a:t> </a:t>
+            </a:r>
+            <a:r>
+              <a:rPr lang="cs-CZ" sz="1600" dirty="0" err="1" smtClean="0">
+                <a:solidFill>
+                  <a:schemeClr val="tx1"/>
+                </a:solidFill>
+              </a:rPr>
+              <a:t>like</a:t>
+            </a:r>
+            <a:r>
+              <a:rPr lang="cs-CZ" sz="1600" dirty="0" smtClean="0">
+                <a:solidFill>
+                  <a:schemeClr val="tx1"/>
+                </a:solidFill>
+              </a:rPr>
+              <a:t> </a:t>
+            </a:r>
+            <a:r>
+              <a:rPr lang="cs-CZ" sz="1600" dirty="0" smtClean="0">
+                <a:solidFill>
+                  <a:schemeClr val="tx1"/>
+                </a:solidFill>
+              </a:rPr>
+              <a:t>? </a:t>
+            </a:r>
+            <a:r>
+              <a:rPr lang="cs-CZ" sz="1600" dirty="0" err="1" smtClean="0">
+                <a:solidFill>
+                  <a:schemeClr val="tx1"/>
+                </a:solidFill>
+              </a:rPr>
+              <a:t>and</a:t>
+            </a:r>
+            <a:r>
+              <a:rPr lang="cs-CZ" sz="1600" dirty="0" smtClean="0">
+                <a:solidFill>
+                  <a:schemeClr val="tx1"/>
+                </a:solidFill>
+              </a:rPr>
+              <a:t> </a:t>
+            </a:r>
+            <a:r>
+              <a:rPr lang="cs-CZ" sz="1600" dirty="0" err="1" smtClean="0">
+                <a:solidFill>
+                  <a:schemeClr val="tx1"/>
+                </a:solidFill>
+              </a:rPr>
+              <a:t>productGroup.name</a:t>
+            </a:r>
+            <a:r>
+              <a:rPr lang="cs-CZ" sz="1600" dirty="0" smtClean="0">
+                <a:solidFill>
+                  <a:schemeClr val="tx1"/>
+                </a:solidFill>
+              </a:rPr>
+              <a:t> </a:t>
+            </a:r>
+            <a:r>
+              <a:rPr lang="cs-CZ" sz="1600" dirty="0" err="1" smtClean="0">
+                <a:solidFill>
+                  <a:schemeClr val="tx1"/>
+                </a:solidFill>
+              </a:rPr>
+              <a:t>like</a:t>
+            </a:r>
+            <a:r>
+              <a:rPr lang="cs-CZ" sz="1600" dirty="0" smtClean="0">
+                <a:solidFill>
+                  <a:schemeClr val="tx1"/>
+                </a:solidFill>
+              </a:rPr>
+              <a:t> ?</a:t>
+            </a:r>
+            <a:endParaRPr lang="cs-CZ" sz="1600" dirty="0" smtClean="0">
+              <a:solidFill>
+                <a:schemeClr val="tx1"/>
+              </a:solidFill>
+            </a:endParaRPr>
+          </a:p>
+          <a:p>
+            <a:pPr lvl="1"/>
+            <a:r>
+              <a:rPr lang="cs-CZ" sz="1800" dirty="0" err="1" smtClean="0"/>
+              <a:t>getProductsByChoose</a:t>
+            </a:r>
+            <a:endParaRPr lang="cs-CZ" sz="1800" dirty="0" smtClean="0"/>
+          </a:p>
+          <a:p>
+            <a:pPr lvl="2">
+              <a:buNone/>
+            </a:pPr>
+            <a:r>
+              <a:rPr lang="cs-CZ" sz="1600" dirty="0" err="1" smtClean="0">
+                <a:solidFill>
+                  <a:schemeClr val="tx1"/>
+                </a:solidFill>
+              </a:rPr>
+              <a:t>select</a:t>
+            </a:r>
+            <a:r>
+              <a:rPr lang="cs-CZ" sz="1600" dirty="0" smtClean="0">
+                <a:solidFill>
+                  <a:schemeClr val="tx1"/>
+                </a:solidFill>
+              </a:rPr>
+              <a:t> </a:t>
+            </a:r>
+            <a:r>
+              <a:rPr lang="cs-CZ" sz="1600" dirty="0" err="1" smtClean="0">
+                <a:solidFill>
+                  <a:schemeClr val="tx1"/>
+                </a:solidFill>
+              </a:rPr>
+              <a:t>product</a:t>
+            </a:r>
+            <a:r>
+              <a:rPr lang="cs-CZ" sz="1600" dirty="0" smtClean="0">
+                <a:solidFill>
+                  <a:schemeClr val="tx1"/>
+                </a:solidFill>
+              </a:rPr>
+              <a:t>.*, </a:t>
+            </a:r>
+            <a:r>
+              <a:rPr lang="cs-CZ" sz="1600" dirty="0" err="1" smtClean="0">
+                <a:solidFill>
+                  <a:schemeClr val="tx1"/>
+                </a:solidFill>
+              </a:rPr>
+              <a:t>productGroup.name</a:t>
+            </a:r>
+            <a:r>
+              <a:rPr lang="cs-CZ" sz="1600" dirty="0" smtClean="0">
+                <a:solidFill>
+                  <a:schemeClr val="tx1"/>
+                </a:solidFill>
+              </a:rPr>
+              <a:t> as </a:t>
+            </a:r>
+            <a:r>
+              <a:rPr lang="cs-CZ" sz="1600" dirty="0" err="1" smtClean="0">
+                <a:solidFill>
+                  <a:schemeClr val="tx1"/>
+                </a:solidFill>
+              </a:rPr>
+              <a:t>groupName</a:t>
+            </a:r>
+            <a:r>
+              <a:rPr lang="cs-CZ" sz="1600" dirty="0" smtClean="0">
+                <a:solidFill>
+                  <a:schemeClr val="tx1"/>
+                </a:solidFill>
+              </a:rPr>
+              <a:t>, </a:t>
+            </a:r>
+            <a:r>
+              <a:rPr lang="cs-CZ" sz="1600" dirty="0" err="1" smtClean="0">
+                <a:solidFill>
+                  <a:schemeClr val="tx1"/>
+                </a:solidFill>
+              </a:rPr>
+              <a:t>productGroup.groupType</a:t>
+            </a:r>
+            <a:r>
+              <a:rPr lang="cs-CZ" sz="1600" dirty="0" smtClean="0">
+                <a:solidFill>
+                  <a:schemeClr val="tx1"/>
+                </a:solidFill>
+              </a:rPr>
+              <a:t> </a:t>
+            </a:r>
+            <a:r>
+              <a:rPr lang="cs-CZ" sz="1600" dirty="0" err="1" smtClean="0">
+                <a:solidFill>
+                  <a:schemeClr val="tx1"/>
+                </a:solidFill>
+              </a:rPr>
+              <a:t>from</a:t>
+            </a:r>
+            <a:r>
+              <a:rPr lang="cs-CZ" sz="1600" dirty="0" smtClean="0">
+                <a:solidFill>
+                  <a:schemeClr val="tx1"/>
+                </a:solidFill>
+              </a:rPr>
+              <a:t> </a:t>
+            </a:r>
+            <a:r>
+              <a:rPr lang="cs-CZ" sz="1600" dirty="0" err="1" smtClean="0">
+                <a:solidFill>
+                  <a:schemeClr val="tx1"/>
+                </a:solidFill>
+              </a:rPr>
+              <a:t>product</a:t>
+            </a:r>
+            <a:r>
+              <a:rPr lang="cs-CZ" sz="1600" dirty="0" smtClean="0">
+                <a:solidFill>
+                  <a:schemeClr val="tx1"/>
+                </a:solidFill>
+              </a:rPr>
+              <a:t> </a:t>
+            </a:r>
+            <a:r>
+              <a:rPr lang="cs-CZ" sz="1600" dirty="0" err="1" smtClean="0">
+                <a:solidFill>
+                  <a:schemeClr val="tx1"/>
+                </a:solidFill>
+              </a:rPr>
+              <a:t>inner</a:t>
+            </a:r>
+            <a:r>
+              <a:rPr lang="cs-CZ" sz="1600" dirty="0" smtClean="0">
+                <a:solidFill>
+                  <a:schemeClr val="tx1"/>
+                </a:solidFill>
+              </a:rPr>
+              <a:t> </a:t>
+            </a:r>
+            <a:r>
+              <a:rPr lang="cs-CZ" sz="1600" dirty="0" err="1" smtClean="0">
+                <a:solidFill>
+                  <a:schemeClr val="tx1"/>
+                </a:solidFill>
+              </a:rPr>
+              <a:t>join</a:t>
+            </a:r>
+            <a:r>
+              <a:rPr lang="cs-CZ" sz="1600" dirty="0" smtClean="0">
+                <a:solidFill>
+                  <a:schemeClr val="tx1"/>
+                </a:solidFill>
+              </a:rPr>
+              <a:t> </a:t>
+            </a:r>
+            <a:r>
+              <a:rPr lang="cs-CZ" sz="1600" dirty="0" err="1" smtClean="0">
+                <a:solidFill>
+                  <a:schemeClr val="tx1"/>
+                </a:solidFill>
+              </a:rPr>
+              <a:t>productGroup</a:t>
+            </a:r>
+            <a:r>
+              <a:rPr lang="cs-CZ" sz="1600" dirty="0" smtClean="0">
+                <a:solidFill>
+                  <a:schemeClr val="tx1"/>
+                </a:solidFill>
+              </a:rPr>
+              <a:t> on </a:t>
+            </a:r>
+            <a:r>
+              <a:rPr lang="cs-CZ" sz="1600" dirty="0" err="1" smtClean="0">
+                <a:solidFill>
+                  <a:schemeClr val="tx1"/>
+                </a:solidFill>
+              </a:rPr>
+              <a:t>idGroup</a:t>
+            </a:r>
+            <a:r>
+              <a:rPr lang="cs-CZ" sz="1600" dirty="0" smtClean="0">
+                <a:solidFill>
+                  <a:schemeClr val="tx1"/>
+                </a:solidFill>
+              </a:rPr>
+              <a:t> = </a:t>
+            </a:r>
+            <a:r>
+              <a:rPr lang="cs-CZ" sz="1600" dirty="0" err="1" smtClean="0">
+                <a:solidFill>
+                  <a:schemeClr val="tx1"/>
+                </a:solidFill>
+              </a:rPr>
+              <a:t>productGroup.id</a:t>
+            </a:r>
+            <a:r>
+              <a:rPr lang="cs-CZ" sz="1600" dirty="0" smtClean="0">
+                <a:solidFill>
+                  <a:schemeClr val="tx1"/>
+                </a:solidFill>
+              </a:rPr>
+              <a:t> </a:t>
+            </a:r>
+            <a:r>
+              <a:rPr lang="cs-CZ" sz="1600" dirty="0" err="1" smtClean="0">
+                <a:solidFill>
+                  <a:schemeClr val="tx1"/>
+                </a:solidFill>
+              </a:rPr>
+              <a:t>where</a:t>
+            </a:r>
+            <a:r>
+              <a:rPr lang="cs-CZ" sz="1600" dirty="0" smtClean="0">
+                <a:solidFill>
+                  <a:schemeClr val="tx1"/>
+                </a:solidFill>
+              </a:rPr>
+              <a:t> </a:t>
+            </a:r>
+            <a:r>
+              <a:rPr lang="cs-CZ" sz="1600" dirty="0" err="1" smtClean="0">
+                <a:solidFill>
+                  <a:schemeClr val="tx1"/>
+                </a:solidFill>
+              </a:rPr>
+              <a:t>product.name</a:t>
+            </a:r>
+            <a:r>
+              <a:rPr lang="cs-CZ" sz="1600" dirty="0" smtClean="0">
+                <a:solidFill>
+                  <a:schemeClr val="tx1"/>
+                </a:solidFill>
+              </a:rPr>
+              <a:t> </a:t>
+            </a:r>
+            <a:r>
+              <a:rPr lang="cs-CZ" sz="1600" dirty="0" err="1" smtClean="0">
+                <a:solidFill>
+                  <a:schemeClr val="tx1"/>
+                </a:solidFill>
+              </a:rPr>
+              <a:t>like</a:t>
+            </a:r>
+            <a:r>
+              <a:rPr lang="cs-CZ" sz="1600" dirty="0" smtClean="0">
+                <a:solidFill>
+                  <a:schemeClr val="tx1"/>
+                </a:solidFill>
+              </a:rPr>
+              <a:t> ? </a:t>
+            </a:r>
+            <a:r>
+              <a:rPr lang="cs-CZ" sz="1600" dirty="0" err="1" smtClean="0">
+                <a:solidFill>
+                  <a:schemeClr val="tx1"/>
+                </a:solidFill>
+              </a:rPr>
+              <a:t>and</a:t>
+            </a:r>
+            <a:r>
+              <a:rPr lang="cs-CZ" sz="1600" dirty="0" smtClean="0">
+                <a:solidFill>
+                  <a:schemeClr val="tx1"/>
+                </a:solidFill>
+              </a:rPr>
+              <a:t> </a:t>
+            </a:r>
+            <a:r>
+              <a:rPr lang="cs-CZ" sz="1600" dirty="0" err="1" smtClean="0">
+                <a:solidFill>
+                  <a:schemeClr val="tx1"/>
+                </a:solidFill>
+              </a:rPr>
+              <a:t>productGroup.name</a:t>
+            </a:r>
+            <a:r>
+              <a:rPr lang="cs-CZ" sz="1600" dirty="0" smtClean="0">
+                <a:solidFill>
+                  <a:schemeClr val="tx1"/>
+                </a:solidFill>
+              </a:rPr>
+              <a:t> </a:t>
+            </a:r>
+            <a:r>
+              <a:rPr lang="cs-CZ" sz="1600" dirty="0" err="1" smtClean="0">
+                <a:solidFill>
+                  <a:schemeClr val="tx1"/>
+                </a:solidFill>
+              </a:rPr>
+              <a:t>like</a:t>
+            </a:r>
+            <a:r>
+              <a:rPr lang="cs-CZ" sz="1600" dirty="0" smtClean="0">
+                <a:solidFill>
+                  <a:schemeClr val="tx1"/>
+                </a:solidFill>
+              </a:rPr>
+              <a:t> </a:t>
+            </a:r>
+            <a:r>
+              <a:rPr lang="cs-CZ" sz="1600" dirty="0" smtClean="0">
+                <a:solidFill>
+                  <a:schemeClr val="tx1"/>
+                </a:solidFill>
+              </a:rPr>
+              <a:t>? </a:t>
+            </a:r>
+            <a:r>
+              <a:rPr lang="cs-CZ" sz="1600" dirty="0" err="1" smtClean="0">
+                <a:solidFill>
+                  <a:schemeClr val="tx1"/>
+                </a:solidFill>
+              </a:rPr>
+              <a:t>and</a:t>
+            </a:r>
+            <a:r>
+              <a:rPr lang="cs-CZ" sz="1600" dirty="0" smtClean="0">
+                <a:solidFill>
+                  <a:schemeClr val="tx1"/>
+                </a:solidFill>
+              </a:rPr>
+              <a:t> </a:t>
+            </a:r>
+            <a:r>
+              <a:rPr lang="cs-CZ" sz="1600" dirty="0" err="1" smtClean="0">
+                <a:solidFill>
+                  <a:schemeClr val="tx1"/>
+                </a:solidFill>
+              </a:rPr>
+              <a:t>product.id</a:t>
+            </a:r>
+            <a:r>
+              <a:rPr lang="cs-CZ" sz="1600" dirty="0" smtClean="0">
+                <a:solidFill>
+                  <a:schemeClr val="tx1"/>
+                </a:solidFill>
+              </a:rPr>
+              <a:t> = 1</a:t>
+            </a:r>
+          </a:p>
+          <a:p>
+            <a:pPr lvl="1"/>
+            <a:r>
+              <a:rPr lang="cs-CZ" sz="1800" dirty="0" err="1" smtClean="0"/>
+              <a:t>getProductsByChoose</a:t>
+            </a:r>
+            <a:endParaRPr lang="cs-CZ" sz="1800" dirty="0" smtClean="0"/>
+          </a:p>
+          <a:p>
+            <a:pPr lvl="2">
+              <a:buNone/>
+            </a:pPr>
+            <a:r>
+              <a:rPr lang="cs-CZ" sz="1600" dirty="0" err="1" smtClean="0">
+                <a:solidFill>
+                  <a:schemeClr val="tx1"/>
+                </a:solidFill>
+              </a:rPr>
+              <a:t>Select</a:t>
+            </a:r>
+            <a:endParaRPr lang="cs-CZ" sz="1600" dirty="0" smtClean="0">
+              <a:solidFill>
+                <a:schemeClr val="tx1"/>
+              </a:solidFill>
+            </a:endParaRPr>
+          </a:p>
+          <a:p>
+            <a:pPr lvl="1"/>
+            <a:r>
+              <a:rPr lang="cs-CZ" sz="1800" dirty="0" err="1" smtClean="0"/>
+              <a:t>getProductsById</a:t>
+            </a:r>
+            <a:endParaRPr lang="cs-CZ" sz="1800" dirty="0" smtClean="0"/>
+          </a:p>
+          <a:p>
+            <a:pPr lvl="2">
+              <a:buNone/>
+            </a:pPr>
+            <a:r>
+              <a:rPr lang="en-US" sz="1600" dirty="0" smtClean="0">
+                <a:solidFill>
+                  <a:schemeClr val="tx1"/>
+                </a:solidFill>
+              </a:rPr>
+              <a:t>select product.*, productGroup.name as </a:t>
+            </a:r>
+            <a:r>
+              <a:rPr lang="en-US" sz="1600" dirty="0" err="1" smtClean="0">
+                <a:solidFill>
+                  <a:schemeClr val="tx1"/>
+                </a:solidFill>
+              </a:rPr>
+              <a:t>groupName</a:t>
+            </a:r>
+            <a:r>
+              <a:rPr lang="en-US" sz="1600" dirty="0" smtClean="0">
+                <a:solidFill>
+                  <a:schemeClr val="tx1"/>
+                </a:solidFill>
+              </a:rPr>
+              <a:t>, </a:t>
+            </a:r>
+            <a:r>
+              <a:rPr lang="en-US" sz="1600" dirty="0" err="1" smtClean="0">
+                <a:solidFill>
+                  <a:schemeClr val="tx1"/>
+                </a:solidFill>
+              </a:rPr>
+              <a:t>productGroup.groupType</a:t>
+            </a:r>
+            <a:r>
+              <a:rPr lang="cs-CZ" sz="1600" dirty="0" smtClean="0">
+                <a:solidFill>
+                  <a:schemeClr val="tx1"/>
+                </a:solidFill>
+              </a:rPr>
+              <a:t> f</a:t>
+            </a:r>
+            <a:r>
+              <a:rPr lang="en-US" sz="1600" dirty="0" err="1" smtClean="0">
+                <a:solidFill>
+                  <a:schemeClr val="tx1"/>
+                </a:solidFill>
+              </a:rPr>
+              <a:t>rom</a:t>
+            </a:r>
+            <a:r>
+              <a:rPr lang="en-US" sz="1600" dirty="0" smtClean="0">
+                <a:solidFill>
+                  <a:schemeClr val="tx1"/>
+                </a:solidFill>
+              </a:rPr>
+              <a:t> product</a:t>
+            </a:r>
+            <a:r>
+              <a:rPr lang="cs-CZ" sz="1600" dirty="0" smtClean="0">
+                <a:solidFill>
+                  <a:schemeClr val="tx1"/>
+                </a:solidFill>
+              </a:rPr>
+              <a:t> </a:t>
+            </a:r>
+            <a:r>
+              <a:rPr lang="en-US" sz="1600" dirty="0" smtClean="0">
+                <a:solidFill>
+                  <a:schemeClr val="tx1"/>
+                </a:solidFill>
+              </a:rPr>
+              <a:t>inner join </a:t>
+            </a:r>
+            <a:r>
+              <a:rPr lang="en-US" sz="1600" dirty="0" err="1" smtClean="0">
+                <a:solidFill>
+                  <a:schemeClr val="tx1"/>
+                </a:solidFill>
+              </a:rPr>
+              <a:t>productGroup</a:t>
+            </a:r>
+            <a:r>
+              <a:rPr lang="en-US" sz="1600" dirty="0" smtClean="0">
+                <a:solidFill>
+                  <a:schemeClr val="tx1"/>
+                </a:solidFill>
+              </a:rPr>
+              <a:t> on </a:t>
+            </a:r>
+            <a:r>
+              <a:rPr lang="en-US" sz="1600" dirty="0" err="1" smtClean="0">
+                <a:solidFill>
+                  <a:schemeClr val="tx1"/>
+                </a:solidFill>
+              </a:rPr>
+              <a:t>idGroup</a:t>
+            </a:r>
+            <a:r>
+              <a:rPr lang="en-US" sz="1600" dirty="0" smtClean="0">
+                <a:solidFill>
+                  <a:schemeClr val="tx1"/>
+                </a:solidFill>
+              </a:rPr>
+              <a:t> = productGroup.id</a:t>
+            </a:r>
+            <a:r>
+              <a:rPr lang="cs-CZ" sz="1600" dirty="0" smtClean="0">
+                <a:solidFill>
+                  <a:schemeClr val="tx1"/>
+                </a:solidFill>
+              </a:rPr>
+              <a:t> </a:t>
+            </a:r>
+            <a:r>
+              <a:rPr lang="en-US" sz="1600" dirty="0" smtClean="0">
+                <a:solidFill>
+                  <a:schemeClr val="tx1"/>
+                </a:solidFill>
+              </a:rPr>
+              <a:t>where product.id in</a:t>
+            </a:r>
+            <a:r>
+              <a:rPr lang="cs-CZ" sz="1600" dirty="0" smtClean="0">
+                <a:solidFill>
+                  <a:schemeClr val="tx1"/>
+                </a:solidFill>
+              </a:rPr>
+              <a:t> (?, ?, ?)</a:t>
+            </a:r>
+          </a:p>
+          <a:p>
+            <a:pPr lvl="1"/>
+            <a:r>
+              <a:rPr lang="cs-CZ" sz="1800" dirty="0" err="1" smtClean="0"/>
+              <a:t>selectiveUpdate</a:t>
+            </a:r>
+            <a:r>
+              <a:rPr lang="cs-CZ" sz="1800" dirty="0" smtClean="0"/>
+              <a:t>, </a:t>
+            </a:r>
+            <a:r>
+              <a:rPr lang="cs-CZ" sz="1800" dirty="0" err="1" smtClean="0"/>
+              <a:t>selectiveUpdateAlternativeWithTrim</a:t>
+            </a:r>
+            <a:endParaRPr lang="cs-CZ" sz="1800" dirty="0" smtClean="0"/>
+          </a:p>
+          <a:p>
+            <a:pPr lvl="2">
+              <a:buNone/>
+            </a:pPr>
+            <a:r>
+              <a:rPr lang="en-US" sz="1600" dirty="0" smtClean="0">
+                <a:solidFill>
+                  <a:schemeClr val="tx1"/>
+                </a:solidFill>
+              </a:rPr>
+              <a:t>update product</a:t>
+            </a:r>
+            <a:r>
+              <a:rPr lang="cs-CZ" sz="1600" dirty="0" smtClean="0">
+                <a:solidFill>
+                  <a:schemeClr val="tx1"/>
+                </a:solidFill>
+              </a:rPr>
+              <a:t> set </a:t>
+            </a:r>
+            <a:r>
+              <a:rPr lang="cs-CZ" sz="1600" dirty="0" err="1" smtClean="0">
+                <a:solidFill>
+                  <a:schemeClr val="tx1"/>
+                </a:solidFill>
+              </a:rPr>
+              <a:t>name</a:t>
+            </a:r>
+            <a:r>
+              <a:rPr lang="cs-CZ" sz="1600" dirty="0" smtClean="0">
+                <a:solidFill>
+                  <a:schemeClr val="tx1"/>
+                </a:solidFill>
+              </a:rPr>
+              <a:t> = ?, </a:t>
+            </a:r>
+            <a:r>
+              <a:rPr lang="cs-CZ" sz="1600" dirty="0" err="1" smtClean="0">
+                <a:solidFill>
+                  <a:schemeClr val="tx1"/>
+                </a:solidFill>
+              </a:rPr>
+              <a:t>idGroup</a:t>
+            </a:r>
+            <a:r>
+              <a:rPr lang="cs-CZ" sz="1600" dirty="0" smtClean="0">
+                <a:solidFill>
+                  <a:schemeClr val="tx1"/>
+                </a:solidFill>
+              </a:rPr>
+              <a:t> = ? </a:t>
+            </a:r>
+            <a:r>
+              <a:rPr lang="cs-CZ" sz="1600" dirty="0" err="1" smtClean="0">
+                <a:solidFill>
+                  <a:schemeClr val="tx1"/>
+                </a:solidFill>
+              </a:rPr>
+              <a:t>where</a:t>
+            </a:r>
+            <a:r>
+              <a:rPr lang="cs-CZ" sz="1600" dirty="0" smtClean="0">
+                <a:solidFill>
+                  <a:schemeClr val="tx1"/>
+                </a:solidFill>
+              </a:rPr>
+              <a:t> id = ?</a:t>
+            </a:r>
+          </a:p>
+        </p:txBody>
+      </p:sp>
+      <p:sp>
+        <p:nvSpPr>
+          <p:cNvPr id="4" name="Zástupný symbol pro číslo snímku 3"/>
+          <p:cNvSpPr>
+            <a:spLocks noGrp="1"/>
+          </p:cNvSpPr>
+          <p:nvPr>
+            <p:ph type="sldNum" sz="quarter" idx="10"/>
+          </p:nvPr>
+        </p:nvSpPr>
+        <p:spPr/>
+        <p:txBody>
+          <a:bodyPr/>
+          <a:lstStyle/>
+          <a:p>
+            <a:pPr>
+              <a:defRPr/>
+            </a:pPr>
+            <a:fld id="{9AF1F007-AFEE-4035-9C51-B1CFC008845C}" type="slidenum">
+              <a:rPr lang="cs-CZ" smtClean="0"/>
+              <a:pPr>
+                <a:defRPr/>
+              </a:pPr>
+              <a:t>9</a:t>
+            </a:fld>
+            <a:endParaRPr lang="cs-CZ"/>
+          </a:p>
+        </p:txBody>
+      </p:sp>
+      <p:sp>
+        <p:nvSpPr>
+          <p:cNvPr id="5" name="Zástupný symbol pro zápatí 4"/>
+          <p:cNvSpPr>
+            <a:spLocks noGrp="1"/>
+          </p:cNvSpPr>
+          <p:nvPr>
+            <p:ph type="ftr" sz="quarter" idx="11"/>
+          </p:nvPr>
+        </p:nvSpPr>
+        <p:spPr/>
+        <p:txBody>
+          <a:bodyPr/>
+          <a:lstStyle/>
+          <a:p>
+            <a:pPr>
+              <a:defRPr/>
+            </a:pPr>
+            <a:r>
+              <a:rPr lang="cs-CZ" smtClean="0"/>
+              <a:t>www.fg.cz</a:t>
+            </a:r>
+            <a:endParaRPr lang="cs-CZ"/>
+          </a:p>
+        </p:txBody>
+      </p:sp>
+    </p:spTree>
+  </p:cSld>
+  <p:clrMapOvr>
+    <a:masterClrMapping/>
+  </p:clrMapOvr>
+  <p:transition>
+    <p:fade thruBlk="1"/>
+  </p:transition>
+  <p:timing>
+    <p:tnLst>
+      <p:par>
+        <p:cTn id="1" dur="indefinite" restart="never" nodeType="tmRoot"/>
+      </p:par>
+    </p:tnLst>
   </p:timing>
 </p:sld>
 </file>

--- a/docs/iBatis 3 Workskop CZJUG.pptx
+++ b/docs/iBatis 3 Workskop CZJUG.pptx
@@ -5,24 +5,25 @@
     <p:sldMasterId id="2147483649" r:id="rId1"/>
   </p:sldMasterIdLst>
   <p:notesMasterIdLst>
-    <p:notesMasterId r:id="rId14"/>
+    <p:notesMasterId r:id="rId15"/>
   </p:notesMasterIdLst>
   <p:handoutMasterIdLst>
-    <p:handoutMasterId r:id="rId15"/>
+    <p:handoutMasterId r:id="rId16"/>
   </p:handoutMasterIdLst>
   <p:sldIdLst>
     <p:sldId id="256" r:id="rId2"/>
     <p:sldId id="320" r:id="rId3"/>
-    <p:sldId id="318" r:id="rId4"/>
-    <p:sldId id="322" r:id="rId5"/>
-    <p:sldId id="321" r:id="rId6"/>
-    <p:sldId id="323" r:id="rId7"/>
-    <p:sldId id="325" r:id="rId8"/>
-    <p:sldId id="324" r:id="rId9"/>
-    <p:sldId id="326" r:id="rId10"/>
-    <p:sldId id="327" r:id="rId11"/>
-    <p:sldId id="328" r:id="rId12"/>
-    <p:sldId id="290" r:id="rId13"/>
+    <p:sldId id="329" r:id="rId4"/>
+    <p:sldId id="318" r:id="rId5"/>
+    <p:sldId id="322" r:id="rId6"/>
+    <p:sldId id="321" r:id="rId7"/>
+    <p:sldId id="323" r:id="rId8"/>
+    <p:sldId id="325" r:id="rId9"/>
+    <p:sldId id="324" r:id="rId10"/>
+    <p:sldId id="326" r:id="rId11"/>
+    <p:sldId id="327" r:id="rId12"/>
+    <p:sldId id="328" r:id="rId13"/>
+    <p:sldId id="290" r:id="rId14"/>
   </p:sldIdLst>
   <p:sldSz cx="9144000" cy="6858000" type="screen4x3"/>
   <p:notesSz cx="6800850" cy="9931400"/>
@@ -634,6 +635,64 @@
       </p:grpSpPr>
       <p:sp>
         <p:nvSpPr>
+          <p:cNvPr id="2" name="Zástupný symbol pro obrázek snímku 1"/>
+          <p:cNvSpPr>
+            <a:spLocks noGrp="1" noRot="1" noChangeAspect="1"/>
+          </p:cNvSpPr>
+          <p:nvPr>
+            <p:ph type="sldImg"/>
+          </p:nvPr>
+        </p:nvSpPr>
+        <p:spPr/>
+      </p:sp>
+      <p:sp>
+        <p:nvSpPr>
+          <p:cNvPr id="3" name="Zástupný symbol pro poznámky 2"/>
+          <p:cNvSpPr>
+            <a:spLocks noGrp="1"/>
+          </p:cNvSpPr>
+          <p:nvPr>
+            <p:ph type="body" idx="1"/>
+          </p:nvPr>
+        </p:nvSpPr>
+        <p:spPr/>
+        <p:txBody>
+          <a:bodyPr>
+            <a:normAutofit/>
+          </a:bodyPr>
+          <a:lstStyle/>
+          <a:p>
+            <a:endParaRPr lang="cs-CZ"/>
+          </a:p>
+        </p:txBody>
+      </p:sp>
+    </p:spTree>
+  </p:cSld>
+  <p:clrMapOvr>
+    <a:masterClrMapping/>
+  </p:clrMapOvr>
+</p:notes>
+</file>
+
+<file path=ppt/notesSlides/notesSlide13.xml><?xml version="1.0" encoding="utf-8"?>
+<p:notes xmlns:a="http://schemas.openxmlformats.org/drawingml/2006/main" xmlns:r="http://schemas.openxmlformats.org/officeDocument/2006/relationships" xmlns:p="http://schemas.openxmlformats.org/presentationml/2006/main">
+  <p:cSld>
+    <p:spTree>
+      <p:nvGrpSpPr>
+        <p:cNvPr id="1" name=""/>
+        <p:cNvGrpSpPr/>
+        <p:nvPr/>
+      </p:nvGrpSpPr>
+      <p:grpSpPr>
+        <a:xfrm>
+          <a:off x="0" y="0"/>
+          <a:ext cx="0" cy="0"/>
+          <a:chOff x="0" y="0"/>
+          <a:chExt cx="0" cy="0"/>
+        </a:xfrm>
+      </p:grpSpPr>
+      <p:sp>
+        <p:nvSpPr>
           <p:cNvPr id="46082" name="Rectangle 2"/>
           <p:cNvSpPr>
             <a:spLocks noGrp="1" noRot="1" noChangeAspect="1" noChangeArrowheads="1" noTextEdit="1"/>
@@ -814,19 +873,21 @@
       </p:grpSpPr>
       <p:sp>
         <p:nvSpPr>
-          <p:cNvPr id="2" name="Zástupný symbol pro obrázek snímku 1"/>
-          <p:cNvSpPr>
-            <a:spLocks noGrp="1" noRot="1" noChangeAspect="1"/>
+          <p:cNvPr id="26626" name="Zástupný symbol pro obrázek snímku 1"/>
+          <p:cNvSpPr>
+            <a:spLocks noGrp="1" noRot="1" noChangeAspect="1" noTextEdit="1"/>
           </p:cNvSpPr>
           <p:nvPr>
             <p:ph type="sldImg"/>
           </p:nvPr>
         </p:nvSpPr>
-        <p:spPr/>
-      </p:sp>
-      <p:sp>
-        <p:nvSpPr>
-          <p:cNvPr id="3" name="Zástupný symbol pro poznámky 2"/>
+        <p:spPr>
+          <a:ln/>
+        </p:spPr>
+      </p:sp>
+      <p:sp>
+        <p:nvSpPr>
+          <p:cNvPr id="26627" name="Zástupný symbol pro poznámky 2"/>
           <p:cNvSpPr>
             <a:spLocks noGrp="1"/>
           </p:cNvSpPr>
@@ -834,14 +895,15 @@
             <p:ph type="body" idx="1"/>
           </p:nvPr>
         </p:nvSpPr>
-        <p:spPr/>
+        <p:spPr>
+          <a:noFill/>
+          <a:ln w="9525"/>
+        </p:spPr>
         <p:txBody>
-          <a:bodyPr>
-            <a:normAutofit/>
-          </a:bodyPr>
+          <a:bodyPr/>
           <a:lstStyle/>
           <a:p>
-            <a:endParaRPr lang="cs-CZ"/>
+            <a:endParaRPr lang="cs-CZ" smtClean="0"/>
           </a:p>
         </p:txBody>
       </p:sp>
@@ -5782,7 +5844,11 @@
           <a:p>
             <a:r>
               <a:rPr lang="cs-CZ" dirty="0" smtClean="0"/>
-              <a:t>Anotace místo XML</a:t>
+              <a:t>Dynamick</a:t>
+            </a:r>
+            <a:r>
+              <a:rPr lang="cs-CZ" dirty="0" smtClean="0"/>
+              <a:t>é SQL</a:t>
             </a:r>
             <a:endParaRPr lang="cs-CZ" dirty="0"/>
           </a:p>
@@ -5827,7 +5893,7 @@
                   </a:outerShdw>
                 </a:effectLst>
               </a:rPr>
-              <a:t>E_</a:t>
+              <a:t>D_</a:t>
             </a:r>
             <a:r>
               <a:rPr lang="cs-CZ" sz="2000" b="1" dirty="0" err="1" smtClean="0">
@@ -5853,7 +5919,33 @@
                   </a:outerShdw>
                 </a:effectLst>
               </a:rPr>
-              <a:t>AnnotationBasedProductMapperTest</a:t>
+              <a:t>ConditionalExpressionsTest</a:t>
+            </a:r>
+            <a:r>
+              <a:rPr lang="cs-CZ" sz="2000" b="1" dirty="0" smtClean="0">
+                <a:ln w="12700">
+                  <a:solidFill>
+                    <a:schemeClr val="tx2">
+                      <a:satMod val="155000"/>
+                    </a:schemeClr>
+                  </a:solidFill>
+                  <a:prstDash val="solid"/>
+                </a:ln>
+                <a:solidFill>
+                  <a:schemeClr val="bg2">
+                    <a:tint val="85000"/>
+                    <a:satMod val="155000"/>
+                  </a:schemeClr>
+                </a:solidFill>
+                <a:effectLst>
+                  <a:outerShdw blurRad="41275" dist="20320" dir="1800000" algn="tl" rotWithShape="0">
+                    <a:srgbClr val="000000">
+                      <a:alpha val="40000"/>
+                    </a:srgbClr>
+                  </a:outerShdw>
+                </a:effectLst>
+              </a:rPr>
+              <a:t> (OGNL)</a:t>
             </a:r>
             <a:endParaRPr lang="cs-CZ" sz="1800" dirty="0" smtClean="0"/>
           </a:p>
@@ -5861,7 +5953,7 @@
             <a:pPr lvl="1"/>
             <a:r>
               <a:rPr lang="cs-CZ" sz="1800" dirty="0" err="1" smtClean="0"/>
-              <a:t>countProducts</a:t>
+              <a:t>testCountProducts</a:t>
             </a:r>
             <a:endParaRPr lang="cs-CZ" sz="1800" dirty="0" smtClean="0"/>
           </a:p>
@@ -5891,7 +5983,7 @@
                   <a:schemeClr val="tx1"/>
                 </a:solidFill>
               </a:rPr>
-              <a:t>count</a:t>
+              <a:t>product</a:t>
             </a:r>
             <a:r>
               <a:rPr lang="cs-CZ" sz="1600" dirty="0" smtClean="0">
@@ -5899,7 +5991,7 @@
                   <a:schemeClr val="tx1"/>
                 </a:solidFill>
               </a:rPr>
-              <a:t>(0) </a:t>
+              <a:t>.*, </a:t>
             </a:r>
             <a:r>
               <a:rPr lang="cs-CZ" sz="1600" dirty="0" err="1" smtClean="0">
@@ -5907,6 +5999,54 @@
                   <a:schemeClr val="tx1"/>
                 </a:solidFill>
               </a:rPr>
+              <a:t>productGroup.name</a:t>
+            </a:r>
+            <a:r>
+              <a:rPr lang="cs-CZ" sz="1600" dirty="0" smtClean="0">
+                <a:solidFill>
+                  <a:schemeClr val="tx1"/>
+                </a:solidFill>
+              </a:rPr>
+              <a:t> as </a:t>
+            </a:r>
+            <a:r>
+              <a:rPr lang="cs-CZ" sz="1600" dirty="0" err="1" smtClean="0">
+                <a:solidFill>
+                  <a:schemeClr val="tx1"/>
+                </a:solidFill>
+              </a:rPr>
+              <a:t>groupName</a:t>
+            </a:r>
+            <a:r>
+              <a:rPr lang="cs-CZ" sz="1600" dirty="0" smtClean="0">
+                <a:solidFill>
+                  <a:schemeClr val="tx1"/>
+                </a:solidFill>
+              </a:rPr>
+              <a:t>, </a:t>
+            </a:r>
+            <a:r>
+              <a:rPr lang="cs-CZ" sz="1600" dirty="0" err="1" smtClean="0">
+                <a:solidFill>
+                  <a:schemeClr val="tx1"/>
+                </a:solidFill>
+              </a:rPr>
+              <a:t>productGroup.groupType</a:t>
+            </a:r>
+            <a:r>
+              <a:rPr lang="cs-CZ" sz="1600" dirty="0" smtClean="0">
+                <a:solidFill>
+                  <a:schemeClr val="tx1"/>
+                </a:solidFill>
+              </a:rPr>
+              <a:t> </a:t>
+            </a:r>
+            <a:r>
+              <a:rPr lang="cs-CZ" sz="1600" dirty="0" err="1" smtClean="0">
+                <a:solidFill>
+                  <a:schemeClr val="tx1"/>
+                </a:solidFill>
+              </a:rPr>
               <a:t>from</a:t>
             </a:r>
             <a:r>
@@ -5924,6 +6064,198 @@
                 </a:solidFill>
               </a:rPr>
               <a:t>product</a:t>
+            </a:r>
+            <a:r>
+              <a:rPr lang="cs-CZ" sz="1600" dirty="0" smtClean="0">
+                <a:solidFill>
+                  <a:schemeClr val="tx1"/>
+                </a:solidFill>
+              </a:rPr>
+              <a:t> </a:t>
+            </a:r>
+            <a:r>
+              <a:rPr lang="cs-CZ" sz="1600" dirty="0" err="1" smtClean="0">
+                <a:solidFill>
+                  <a:schemeClr val="tx1"/>
+                </a:solidFill>
+              </a:rPr>
+              <a:t>inner</a:t>
+            </a:r>
+            <a:r>
+              <a:rPr lang="cs-CZ" sz="1600" dirty="0" smtClean="0">
+                <a:solidFill>
+                  <a:schemeClr val="tx1"/>
+                </a:solidFill>
+              </a:rPr>
+              <a:t> </a:t>
+            </a:r>
+            <a:r>
+              <a:rPr lang="cs-CZ" sz="1600" dirty="0" err="1" smtClean="0">
+                <a:solidFill>
+                  <a:schemeClr val="tx1"/>
+                </a:solidFill>
+              </a:rPr>
+              <a:t>join</a:t>
+            </a:r>
+            <a:r>
+              <a:rPr lang="cs-CZ" sz="1600" dirty="0" smtClean="0">
+                <a:solidFill>
+                  <a:schemeClr val="tx1"/>
+                </a:solidFill>
+              </a:rPr>
+              <a:t> </a:t>
+            </a:r>
+            <a:r>
+              <a:rPr lang="cs-CZ" sz="1600" dirty="0" err="1" smtClean="0">
+                <a:solidFill>
+                  <a:schemeClr val="tx1"/>
+                </a:solidFill>
+              </a:rPr>
+              <a:t>productGroup</a:t>
+            </a:r>
+            <a:r>
+              <a:rPr lang="cs-CZ" sz="1600" dirty="0" smtClean="0">
+                <a:solidFill>
+                  <a:schemeClr val="tx1"/>
+                </a:solidFill>
+              </a:rPr>
+              <a:t> on </a:t>
+            </a:r>
+            <a:r>
+              <a:rPr lang="cs-CZ" sz="1600" dirty="0" err="1" smtClean="0">
+                <a:solidFill>
+                  <a:schemeClr val="tx1"/>
+                </a:solidFill>
+              </a:rPr>
+              <a:t>idGroup</a:t>
+            </a:r>
+            <a:r>
+              <a:rPr lang="cs-CZ" sz="1600" dirty="0" smtClean="0">
+                <a:solidFill>
+                  <a:schemeClr val="tx1"/>
+                </a:solidFill>
+              </a:rPr>
+              <a:t> = </a:t>
+            </a:r>
+            <a:r>
+              <a:rPr lang="cs-CZ" sz="1600" dirty="0" err="1" smtClean="0">
+                <a:solidFill>
+                  <a:schemeClr val="tx1"/>
+                </a:solidFill>
+              </a:rPr>
+              <a:t>productGroup.id</a:t>
+            </a:r>
+            <a:r>
+              <a:rPr lang="cs-CZ" sz="1600" dirty="0" smtClean="0">
+                <a:solidFill>
+                  <a:schemeClr val="tx1"/>
+                </a:solidFill>
+              </a:rPr>
+              <a:t> </a:t>
+            </a:r>
+            <a:r>
+              <a:rPr lang="cs-CZ" sz="1600" dirty="0" err="1" smtClean="0">
+                <a:solidFill>
+                  <a:schemeClr val="tx1"/>
+                </a:solidFill>
+              </a:rPr>
+              <a:t>where</a:t>
+            </a:r>
+            <a:r>
+              <a:rPr lang="cs-CZ" sz="1600" dirty="0" smtClean="0">
+                <a:solidFill>
+                  <a:schemeClr val="tx1"/>
+                </a:solidFill>
+              </a:rPr>
+              <a:t> </a:t>
+            </a:r>
+            <a:r>
+              <a:rPr lang="cs-CZ" sz="1600" dirty="0" err="1" smtClean="0">
+                <a:solidFill>
+                  <a:schemeClr val="tx1"/>
+                </a:solidFill>
+              </a:rPr>
+              <a:t>product.name</a:t>
+            </a:r>
+            <a:r>
+              <a:rPr lang="cs-CZ" sz="1600" dirty="0" smtClean="0">
+                <a:solidFill>
+                  <a:schemeClr val="tx1"/>
+                </a:solidFill>
+              </a:rPr>
+              <a:t> </a:t>
+            </a:r>
+            <a:r>
+              <a:rPr lang="cs-CZ" sz="1600" dirty="0" err="1" smtClean="0">
+                <a:solidFill>
+                  <a:schemeClr val="tx1"/>
+                </a:solidFill>
+              </a:rPr>
+              <a:t>like</a:t>
+            </a:r>
+            <a:r>
+              <a:rPr lang="cs-CZ" sz="1600" dirty="0" smtClean="0">
+                <a:solidFill>
+                  <a:schemeClr val="tx1"/>
+                </a:solidFill>
+              </a:rPr>
+              <a:t> </a:t>
+            </a:r>
+            <a:r>
+              <a:rPr lang="cs-CZ" sz="1600" dirty="0" smtClean="0">
+                <a:solidFill>
+                  <a:schemeClr val="tx1"/>
+                </a:solidFill>
+              </a:rPr>
+              <a:t>? </a:t>
+            </a:r>
+            <a:r>
+              <a:rPr lang="cs-CZ" sz="1600" dirty="0" err="1" smtClean="0">
+                <a:solidFill>
+                  <a:schemeClr val="tx1"/>
+                </a:solidFill>
+              </a:rPr>
+              <a:t>and</a:t>
+            </a:r>
+            <a:r>
+              <a:rPr lang="cs-CZ" sz="1600" dirty="0" smtClean="0">
+                <a:solidFill>
+                  <a:schemeClr val="tx1"/>
+                </a:solidFill>
+              </a:rPr>
+              <a:t> </a:t>
+            </a:r>
+            <a:r>
+              <a:rPr lang="cs-CZ" sz="1600" dirty="0" err="1" smtClean="0">
+                <a:solidFill>
+                  <a:schemeClr val="tx1"/>
+                </a:solidFill>
+              </a:rPr>
+              <a:t>productGroup.name</a:t>
+            </a:r>
+            <a:r>
+              <a:rPr lang="cs-CZ" sz="1600" dirty="0" smtClean="0">
+                <a:solidFill>
+                  <a:schemeClr val="tx1"/>
+                </a:solidFill>
+              </a:rPr>
+              <a:t> </a:t>
+            </a:r>
+            <a:r>
+              <a:rPr lang="cs-CZ" sz="1600" dirty="0" err="1" smtClean="0">
+                <a:solidFill>
+                  <a:schemeClr val="tx1"/>
+                </a:solidFill>
+              </a:rPr>
+              <a:t>like</a:t>
+            </a:r>
+            <a:r>
+              <a:rPr lang="cs-CZ" sz="1600" dirty="0" smtClean="0">
+                <a:solidFill>
+                  <a:schemeClr val="tx1"/>
+                </a:solidFill>
+              </a:rPr>
+              <a:t> ?</a:t>
             </a:r>
             <a:endParaRPr lang="cs-CZ" sz="1600" dirty="0" smtClean="0">
               <a:solidFill>
@@ -5935,7 +6267,7 @@
             <a:pPr lvl="1"/>
             <a:r>
               <a:rPr lang="cs-CZ" sz="1800" dirty="0" err="1" smtClean="0"/>
-              <a:t>getProductById</a:t>
+              <a:t>getProductsByChoose</a:t>
             </a:r>
             <a:endParaRPr lang="cs-CZ" sz="1800" dirty="0" smtClean="0"/>
           </a:p>
@@ -5944,12 +6276,379 @@
               <a:buNone/>
             </a:pPr>
             <a:r>
+              <a:rPr lang="cs-CZ" sz="1600" dirty="0" err="1" smtClean="0">
+                <a:solidFill>
+                  <a:schemeClr val="tx1"/>
+                </a:solidFill>
+              </a:rPr>
+              <a:t>select</a:t>
+            </a:r>
+            <a:r>
+              <a:rPr lang="cs-CZ" sz="1600" dirty="0" smtClean="0">
+                <a:solidFill>
+                  <a:schemeClr val="tx1"/>
+                </a:solidFill>
+              </a:rPr>
+              <a:t> </a:t>
+            </a:r>
+            <a:r>
+              <a:rPr lang="cs-CZ" sz="1600" dirty="0" err="1" smtClean="0">
+                <a:solidFill>
+                  <a:schemeClr val="tx1"/>
+                </a:solidFill>
+              </a:rPr>
+              <a:t>product</a:t>
+            </a:r>
+            <a:r>
+              <a:rPr lang="cs-CZ" sz="1600" dirty="0" smtClean="0">
+                <a:solidFill>
+                  <a:schemeClr val="tx1"/>
+                </a:solidFill>
+              </a:rPr>
+              <a:t>.*, </a:t>
+            </a:r>
+            <a:r>
+              <a:rPr lang="cs-CZ" sz="1600" dirty="0" err="1" smtClean="0">
+                <a:solidFill>
+                  <a:schemeClr val="tx1"/>
+                </a:solidFill>
+              </a:rPr>
+              <a:t>productGroup.name</a:t>
+            </a:r>
+            <a:r>
+              <a:rPr lang="cs-CZ" sz="1600" dirty="0" smtClean="0">
+                <a:solidFill>
+                  <a:schemeClr val="tx1"/>
+                </a:solidFill>
+              </a:rPr>
+              <a:t> as </a:t>
+            </a:r>
+            <a:r>
+              <a:rPr lang="cs-CZ" sz="1600" dirty="0" err="1" smtClean="0">
+                <a:solidFill>
+                  <a:schemeClr val="tx1"/>
+                </a:solidFill>
+              </a:rPr>
+              <a:t>groupName</a:t>
+            </a:r>
+            <a:r>
+              <a:rPr lang="cs-CZ" sz="1600" dirty="0" smtClean="0">
+                <a:solidFill>
+                  <a:schemeClr val="tx1"/>
+                </a:solidFill>
+              </a:rPr>
+              <a:t>, </a:t>
+            </a:r>
+            <a:r>
+              <a:rPr lang="cs-CZ" sz="1600" dirty="0" err="1" smtClean="0">
+                <a:solidFill>
+                  <a:schemeClr val="tx1"/>
+                </a:solidFill>
+              </a:rPr>
+              <a:t>productGroup.groupType</a:t>
+            </a:r>
+            <a:r>
+              <a:rPr lang="cs-CZ" sz="1600" dirty="0" smtClean="0">
+                <a:solidFill>
+                  <a:schemeClr val="tx1"/>
+                </a:solidFill>
+              </a:rPr>
+              <a:t> </a:t>
+            </a:r>
+            <a:r>
+              <a:rPr lang="cs-CZ" sz="1600" dirty="0" err="1" smtClean="0">
+                <a:solidFill>
+                  <a:schemeClr val="tx1"/>
+                </a:solidFill>
+              </a:rPr>
+              <a:t>from</a:t>
+            </a:r>
+            <a:r>
+              <a:rPr lang="cs-CZ" sz="1600" dirty="0" smtClean="0">
+                <a:solidFill>
+                  <a:schemeClr val="tx1"/>
+                </a:solidFill>
+              </a:rPr>
+              <a:t> </a:t>
+            </a:r>
+            <a:r>
+              <a:rPr lang="cs-CZ" sz="1600" dirty="0" err="1" smtClean="0">
+                <a:solidFill>
+                  <a:schemeClr val="tx1"/>
+                </a:solidFill>
+              </a:rPr>
+              <a:t>product</a:t>
+            </a:r>
+            <a:r>
+              <a:rPr lang="cs-CZ" sz="1600" dirty="0" smtClean="0">
+                <a:solidFill>
+                  <a:schemeClr val="tx1"/>
+                </a:solidFill>
+              </a:rPr>
+              <a:t> </a:t>
+            </a:r>
+            <a:r>
+              <a:rPr lang="cs-CZ" sz="1600" dirty="0" err="1" smtClean="0">
+                <a:solidFill>
+                  <a:schemeClr val="tx1"/>
+                </a:solidFill>
+              </a:rPr>
+              <a:t>inner</a:t>
+            </a:r>
+            <a:r>
+              <a:rPr lang="cs-CZ" sz="1600" dirty="0" smtClean="0">
+                <a:solidFill>
+                  <a:schemeClr val="tx1"/>
+                </a:solidFill>
+              </a:rPr>
+              <a:t> </a:t>
+            </a:r>
+            <a:r>
+              <a:rPr lang="cs-CZ" sz="1600" dirty="0" err="1" smtClean="0">
+                <a:solidFill>
+                  <a:schemeClr val="tx1"/>
+                </a:solidFill>
+              </a:rPr>
+              <a:t>join</a:t>
+            </a:r>
+            <a:r>
+              <a:rPr lang="cs-CZ" sz="1600" dirty="0" smtClean="0">
+                <a:solidFill>
+                  <a:schemeClr val="tx1"/>
+                </a:solidFill>
+              </a:rPr>
+              <a:t> </a:t>
+            </a:r>
+            <a:r>
+              <a:rPr lang="cs-CZ" sz="1600" dirty="0" err="1" smtClean="0">
+                <a:solidFill>
+                  <a:schemeClr val="tx1"/>
+                </a:solidFill>
+              </a:rPr>
+              <a:t>productGroup</a:t>
+            </a:r>
+            <a:r>
+              <a:rPr lang="cs-CZ" sz="1600" dirty="0" smtClean="0">
+                <a:solidFill>
+                  <a:schemeClr val="tx1"/>
+                </a:solidFill>
+              </a:rPr>
+              <a:t> on </a:t>
+            </a:r>
+            <a:r>
+              <a:rPr lang="cs-CZ" sz="1600" dirty="0" err="1" smtClean="0">
+                <a:solidFill>
+                  <a:schemeClr val="tx1"/>
+                </a:solidFill>
+              </a:rPr>
+              <a:t>idGroup</a:t>
+            </a:r>
+            <a:r>
+              <a:rPr lang="cs-CZ" sz="1600" dirty="0" smtClean="0">
+                <a:solidFill>
+                  <a:schemeClr val="tx1"/>
+                </a:solidFill>
+              </a:rPr>
+              <a:t> = </a:t>
+            </a:r>
+            <a:r>
+              <a:rPr lang="cs-CZ" sz="1600" dirty="0" err="1" smtClean="0">
+                <a:solidFill>
+                  <a:schemeClr val="tx1"/>
+                </a:solidFill>
+              </a:rPr>
+              <a:t>productGroup.id</a:t>
+            </a:r>
+            <a:r>
+              <a:rPr lang="cs-CZ" sz="1600" dirty="0" smtClean="0">
+                <a:solidFill>
+                  <a:schemeClr val="tx1"/>
+                </a:solidFill>
+              </a:rPr>
+              <a:t> </a:t>
+            </a:r>
+            <a:r>
+              <a:rPr lang="cs-CZ" sz="1600" dirty="0" err="1" smtClean="0">
+                <a:solidFill>
+                  <a:schemeClr val="tx1"/>
+                </a:solidFill>
+              </a:rPr>
+              <a:t>where</a:t>
+            </a:r>
+            <a:r>
+              <a:rPr lang="cs-CZ" sz="1600" dirty="0" smtClean="0">
+                <a:solidFill>
+                  <a:schemeClr val="tx1"/>
+                </a:solidFill>
+              </a:rPr>
+              <a:t> </a:t>
+            </a:r>
+            <a:r>
+              <a:rPr lang="cs-CZ" sz="1600" dirty="0" err="1" smtClean="0">
+                <a:solidFill>
+                  <a:schemeClr val="tx1"/>
+                </a:solidFill>
+              </a:rPr>
+              <a:t>product.name</a:t>
+            </a:r>
+            <a:r>
+              <a:rPr lang="cs-CZ" sz="1600" dirty="0" smtClean="0">
+                <a:solidFill>
+                  <a:schemeClr val="tx1"/>
+                </a:solidFill>
+              </a:rPr>
+              <a:t> </a:t>
+            </a:r>
+            <a:r>
+              <a:rPr lang="cs-CZ" sz="1600" dirty="0" err="1" smtClean="0">
+                <a:solidFill>
+                  <a:schemeClr val="tx1"/>
+                </a:solidFill>
+              </a:rPr>
+              <a:t>like</a:t>
+            </a:r>
+            <a:r>
+              <a:rPr lang="cs-CZ" sz="1600" dirty="0" smtClean="0">
+                <a:solidFill>
+                  <a:schemeClr val="tx1"/>
+                </a:solidFill>
+              </a:rPr>
+              <a:t> ? </a:t>
+            </a:r>
+            <a:r>
+              <a:rPr lang="cs-CZ" sz="1600" dirty="0" err="1" smtClean="0">
+                <a:solidFill>
+                  <a:schemeClr val="tx1"/>
+                </a:solidFill>
+              </a:rPr>
+              <a:t>and</a:t>
+            </a:r>
+            <a:r>
+              <a:rPr lang="cs-CZ" sz="1600" dirty="0" smtClean="0">
+                <a:solidFill>
+                  <a:schemeClr val="tx1"/>
+                </a:solidFill>
+              </a:rPr>
+              <a:t> </a:t>
+            </a:r>
+            <a:r>
+              <a:rPr lang="cs-CZ" sz="1600" dirty="0" err="1" smtClean="0">
+                <a:solidFill>
+                  <a:schemeClr val="tx1"/>
+                </a:solidFill>
+              </a:rPr>
+              <a:t>productGroup.name</a:t>
+            </a:r>
+            <a:r>
+              <a:rPr lang="cs-CZ" sz="1600" dirty="0" smtClean="0">
+                <a:solidFill>
+                  <a:schemeClr val="tx1"/>
+                </a:solidFill>
+              </a:rPr>
+              <a:t> </a:t>
+            </a:r>
+            <a:r>
+              <a:rPr lang="cs-CZ" sz="1600" dirty="0" err="1" smtClean="0">
+                <a:solidFill>
+                  <a:schemeClr val="tx1"/>
+                </a:solidFill>
+              </a:rPr>
+              <a:t>like</a:t>
+            </a:r>
+            <a:r>
+              <a:rPr lang="cs-CZ" sz="1600" dirty="0" smtClean="0">
+                <a:solidFill>
+                  <a:schemeClr val="tx1"/>
+                </a:solidFill>
+              </a:rPr>
+              <a:t> </a:t>
+            </a:r>
+            <a:r>
+              <a:rPr lang="cs-CZ" sz="1600" dirty="0" smtClean="0">
+                <a:solidFill>
+                  <a:schemeClr val="tx1"/>
+                </a:solidFill>
+              </a:rPr>
+              <a:t>? </a:t>
+            </a:r>
+            <a:r>
+              <a:rPr lang="cs-CZ" sz="1600" dirty="0" err="1" smtClean="0">
+                <a:solidFill>
+                  <a:schemeClr val="tx1"/>
+                </a:solidFill>
+              </a:rPr>
+              <a:t>and</a:t>
+            </a:r>
+            <a:r>
+              <a:rPr lang="cs-CZ" sz="1600" dirty="0" smtClean="0">
+                <a:solidFill>
+                  <a:schemeClr val="tx1"/>
+                </a:solidFill>
+              </a:rPr>
+              <a:t> </a:t>
+            </a:r>
+            <a:r>
+              <a:rPr lang="cs-CZ" sz="1600" dirty="0" err="1" smtClean="0">
+                <a:solidFill>
+                  <a:schemeClr val="tx1"/>
+                </a:solidFill>
+              </a:rPr>
+              <a:t>product.id</a:t>
+            </a:r>
+            <a:r>
+              <a:rPr lang="cs-CZ" sz="1600" dirty="0" smtClean="0">
+                <a:solidFill>
+                  <a:schemeClr val="tx1"/>
+                </a:solidFill>
+              </a:rPr>
+              <a:t> = 1</a:t>
+            </a:r>
+          </a:p>
+          <a:p>
+            <a:pPr lvl="1"/>
+            <a:r>
+              <a:rPr lang="cs-CZ" sz="1800" dirty="0" err="1" smtClean="0"/>
+              <a:t>getProductsByChoose</a:t>
+            </a:r>
+            <a:endParaRPr lang="cs-CZ" sz="1800" dirty="0" smtClean="0"/>
+          </a:p>
+          <a:p>
+            <a:pPr lvl="2">
+              <a:buNone/>
+            </a:pPr>
+            <a:r>
+              <a:rPr lang="cs-CZ" sz="1600" dirty="0" err="1" smtClean="0">
+                <a:solidFill>
+                  <a:schemeClr val="tx1"/>
+                </a:solidFill>
+              </a:rPr>
+              <a:t>Select</a:t>
+            </a:r>
+            <a:endParaRPr lang="cs-CZ" sz="1600" dirty="0" smtClean="0">
+              <a:solidFill>
+                <a:schemeClr val="tx1"/>
+              </a:solidFill>
+            </a:endParaRPr>
+          </a:p>
+          <a:p>
+            <a:pPr lvl="1"/>
+            <a:r>
+              <a:rPr lang="cs-CZ" sz="1800" dirty="0" err="1" smtClean="0"/>
+              <a:t>getProductsById</a:t>
+            </a:r>
+            <a:endParaRPr lang="cs-CZ" sz="1800" dirty="0" smtClean="0"/>
+          </a:p>
+          <a:p>
+            <a:pPr lvl="2">
+              <a:buNone/>
+            </a:pPr>
+            <a:r>
               <a:rPr lang="en-US" sz="1600" dirty="0" smtClean="0">
                 <a:solidFill>
                   <a:schemeClr val="tx1"/>
                 </a:solidFill>
               </a:rPr>
-              <a:t>select product.* , productGroup.name as </a:t>
+              <a:t>select product.*, productGroup.name as </a:t>
             </a:r>
             <a:r>
               <a:rPr lang="en-US" sz="1600" dirty="0" err="1" smtClean="0">
@@ -5965,7 +6664,15 @@
                   <a:schemeClr val="tx1"/>
                 </a:solidFill>
               </a:rPr>
-              <a:t>,</a:t>
+              <a:t>, </a:t>
+            </a:r>
+            <a:r>
+              <a:rPr lang="en-US" sz="1600" dirty="0" err="1" smtClean="0">
+                <a:solidFill>
+                  <a:schemeClr val="tx1"/>
+                </a:solidFill>
+              </a:rPr>
+              <a:t>productGroup.groupType</a:t>
             </a:r>
             <a:r>
               <a:rPr lang="cs-CZ" sz="1600" dirty="0" smtClean="0">
@@ -5973,15 +6680,71 @@
                   <a:schemeClr val="tx1"/>
                 </a:solidFill>
               </a:rPr>
+              <a:t> f</a:t>
+            </a:r>
+            <a:r>
+              <a:rPr lang="en-US" sz="1600" dirty="0" err="1" smtClean="0">
+                <a:solidFill>
+                  <a:schemeClr val="tx1"/>
+                </a:solidFill>
+              </a:rPr>
+              <a:t>rom</a:t>
+            </a:r>
+            <a:r>
+              <a:rPr lang="en-US" sz="1600" dirty="0" smtClean="0">
+                <a:solidFill>
+                  <a:schemeClr val="tx1"/>
+                </a:solidFill>
+              </a:rPr>
+              <a:t> product</a:t>
+            </a:r>
+            <a:r>
+              <a:rPr lang="cs-CZ" sz="1600" dirty="0" smtClean="0">
+                <a:solidFill>
+                  <a:schemeClr val="tx1"/>
+                </a:solidFill>
+              </a:rPr>
               <a:t> </a:t>
             </a:r>
             <a:r>
+              <a:rPr lang="en-US" sz="1600" dirty="0" smtClean="0">
+                <a:solidFill>
+                  <a:schemeClr val="tx1"/>
+                </a:solidFill>
+              </a:rPr>
+              <a:t>inner join </a:t>
+            </a:r>
+            <a:r>
               <a:rPr lang="en-US" sz="1600" dirty="0" err="1" smtClean="0">
                 <a:solidFill>
                   <a:schemeClr val="tx1"/>
                 </a:solidFill>
               </a:rPr>
-              <a:t>productGroup.groupType</a:t>
+              <a:t>productGroup</a:t>
+            </a:r>
+            <a:r>
+              <a:rPr lang="en-US" sz="1600" dirty="0" smtClean="0">
+                <a:solidFill>
+                  <a:schemeClr val="tx1"/>
+                </a:solidFill>
+              </a:rPr>
+              <a:t> on </a:t>
+            </a:r>
+            <a:r>
+              <a:rPr lang="en-US" sz="1600" dirty="0" err="1" smtClean="0">
+                <a:solidFill>
+                  <a:schemeClr val="tx1"/>
+                </a:solidFill>
+              </a:rPr>
+              <a:t>idGroup</a:t>
+            </a:r>
+            <a:r>
+              <a:rPr lang="en-US" sz="1600" dirty="0" smtClean="0">
+                <a:solidFill>
+                  <a:schemeClr val="tx1"/>
+                </a:solidFill>
+              </a:rPr>
+              <a:t> = productGroup.id</a:t>
             </a:r>
             <a:r>
               <a:rPr lang="cs-CZ" sz="1600" dirty="0" smtClean="0">
@@ -5997,34 +6760,71 @@
                   <a:schemeClr val="tx1"/>
                 </a:solidFill>
               </a:rPr>
-              <a:t>from </a:t>
-            </a:r>
+              <a:t>where product.id in</a:t>
+            </a:r>
+            <a:r>
+              <a:rPr lang="cs-CZ" sz="1600" dirty="0" smtClean="0">
+                <a:solidFill>
+                  <a:schemeClr val="tx1"/>
+                </a:solidFill>
+              </a:rPr>
+              <a:t> (?, ?, ?)</a:t>
+            </a:r>
+          </a:p>
+          <a:p>
+            <a:pPr lvl="1"/>
+            <a:r>
+              <a:rPr lang="cs-CZ" sz="1800" dirty="0" err="1" smtClean="0"/>
+              <a:t>selectiveUpdate</a:t>
+            </a:r>
+            <a:r>
+              <a:rPr lang="cs-CZ" sz="1800" dirty="0" smtClean="0"/>
+              <a:t>, </a:t>
+            </a:r>
+            <a:r>
+              <a:rPr lang="cs-CZ" sz="1800" dirty="0" err="1" smtClean="0"/>
+              <a:t>selectiveUpdateAlternativeWithTrim</a:t>
+            </a:r>
+            <a:endParaRPr lang="cs-CZ" sz="1800" dirty="0" smtClean="0"/>
+          </a:p>
+          <a:p>
+            <a:pPr lvl="2">
+              <a:buNone/>
+            </a:pPr>
             <a:r>
               <a:rPr lang="en-US" sz="1600" dirty="0" smtClean="0">
                 <a:solidFill>
                   <a:schemeClr val="tx1"/>
                 </a:solidFill>
               </a:rPr>
-              <a:t>product inner join </a:t>
-            </a:r>
-            <a:r>
-              <a:rPr lang="en-US" sz="1600" dirty="0" err="1" smtClean="0">
-                <a:solidFill>
-                  <a:schemeClr val="tx1"/>
-                </a:solidFill>
-              </a:rPr>
-              <a:t>productGroup</a:t>
-            </a:r>
-            <a:r>
-              <a:rPr lang="en-US" sz="1600" dirty="0" smtClean="0">
-                <a:solidFill>
-                  <a:schemeClr val="tx1"/>
-                </a:solidFill>
-              </a:rPr>
-              <a:t> on </a:t>
-            </a:r>
-            <a:r>
-              <a:rPr lang="en-US" sz="1600" dirty="0" err="1" smtClean="0">
+              <a:t>update product</a:t>
+            </a:r>
+            <a:r>
+              <a:rPr lang="cs-CZ" sz="1600" dirty="0" smtClean="0">
+                <a:solidFill>
+                  <a:schemeClr val="tx1"/>
+                </a:solidFill>
+              </a:rPr>
+              <a:t> set </a:t>
+            </a:r>
+            <a:r>
+              <a:rPr lang="cs-CZ" sz="1600" dirty="0" err="1" smtClean="0">
+                <a:solidFill>
+                  <a:schemeClr val="tx1"/>
+                </a:solidFill>
+              </a:rPr>
+              <a:t>name</a:t>
+            </a:r>
+            <a:r>
+              <a:rPr lang="cs-CZ" sz="1600" dirty="0" smtClean="0">
+                <a:solidFill>
+                  <a:schemeClr val="tx1"/>
+                </a:solidFill>
+              </a:rPr>
+              <a:t> = ?, </a:t>
+            </a:r>
+            <a:r>
+              <a:rPr lang="cs-CZ" sz="1600" dirty="0" err="1" smtClean="0">
                 <a:solidFill>
                   <a:schemeClr val="tx1"/>
                 </a:solidFill>
@@ -6032,52 +6832,20 @@
               <a:t>idGroup</a:t>
             </a:r>
             <a:r>
-              <a:rPr lang="en-US" sz="1600" dirty="0" smtClean="0">
-                <a:solidFill>
-                  <a:schemeClr val="tx1"/>
-                </a:solidFill>
-              </a:rPr>
-              <a:t> = </a:t>
-            </a:r>
-            <a:r>
-              <a:rPr lang="en-US" sz="1600" dirty="0" smtClean="0">
-                <a:solidFill>
-                  <a:schemeClr val="tx1"/>
-                </a:solidFill>
-              </a:rPr>
-              <a:t>productGroup.id</a:t>
-            </a:r>
-            <a:r>
               <a:rPr lang="cs-CZ" sz="1600" dirty="0" smtClean="0">
                 <a:solidFill>
                   <a:schemeClr val="tx1"/>
                 </a:solidFill>
               </a:rPr>
-              <a:t> </a:t>
-            </a:r>
-            <a:r>
-              <a:rPr lang="en-US" sz="1600" dirty="0" smtClean="0">
-                <a:solidFill>
-                  <a:schemeClr val="tx1"/>
-                </a:solidFill>
-              </a:rPr>
-              <a:t>where </a:t>
-            </a:r>
-            <a:r>
-              <a:rPr lang="en-US" sz="1600" dirty="0" smtClean="0">
-                <a:solidFill>
-                  <a:schemeClr val="tx1"/>
-                </a:solidFill>
-              </a:rPr>
-              <a:t>id = </a:t>
-            </a:r>
-            <a:r>
-              <a:rPr lang="en-US" sz="1600" dirty="0" smtClean="0">
-                <a:solidFill>
-                  <a:schemeClr val="tx1"/>
-                </a:solidFill>
-              </a:rPr>
-              <a:t>#</a:t>
+              <a:t> = ? </a:t>
+            </a:r>
+            <a:r>
+              <a:rPr lang="cs-CZ" sz="1600" dirty="0" err="1" smtClean="0">
+                <a:solidFill>
+                  <a:schemeClr val="tx1"/>
+                </a:solidFill>
+              </a:rPr>
+              <a:t>where</a:t>
             </a:r>
             <a:r>
               <a:rPr lang="cs-CZ" sz="1600" dirty="0" smtClean="0">
@@ -6085,7 +6853,7 @@
                   <a:schemeClr val="tx1"/>
                 </a:solidFill>
               </a:rPr>
-              <a:t>?</a:t>
+              <a:t> id = ?</a:t>
             </a:r>
           </a:p>
         </p:txBody>
@@ -6164,6 +6932,421 @@
 </file>
 
 <file path=ppt/slides/slide11.xml><?xml version="1.0" encoding="utf-8"?>
+<p:sld xmlns:a="http://schemas.openxmlformats.org/drawingml/2006/main" xmlns:r="http://schemas.openxmlformats.org/officeDocument/2006/relationships" xmlns:p="http://schemas.openxmlformats.org/presentationml/2006/main">
+  <p:cSld>
+    <p:spTree>
+      <p:nvGrpSpPr>
+        <p:cNvPr id="1" name=""/>
+        <p:cNvGrpSpPr/>
+        <p:nvPr/>
+      </p:nvGrpSpPr>
+      <p:grpSpPr>
+        <a:xfrm>
+          <a:off x="0" y="0"/>
+          <a:ext cx="0" cy="0"/>
+          <a:chOff x="0" y="0"/>
+          <a:chExt cx="0" cy="0"/>
+        </a:xfrm>
+      </p:grpSpPr>
+      <p:sp>
+        <p:nvSpPr>
+          <p:cNvPr id="2" name="Nadpis 1"/>
+          <p:cNvSpPr>
+            <a:spLocks noGrp="1"/>
+          </p:cNvSpPr>
+          <p:nvPr>
+            <p:ph type="title"/>
+          </p:nvPr>
+        </p:nvSpPr>
+        <p:spPr/>
+        <p:txBody>
+          <a:bodyPr/>
+          <a:lstStyle/>
+          <a:p>
+            <a:r>
+              <a:rPr lang="cs-CZ" dirty="0" smtClean="0"/>
+              <a:t>Anotace místo XML</a:t>
+            </a:r>
+            <a:endParaRPr lang="cs-CZ" dirty="0"/>
+          </a:p>
+        </p:txBody>
+      </p:sp>
+      <p:sp>
+        <p:nvSpPr>
+          <p:cNvPr id="3" name="Zástupný symbol pro obsah 2"/>
+          <p:cNvSpPr>
+            <a:spLocks noGrp="1"/>
+          </p:cNvSpPr>
+          <p:nvPr>
+            <p:ph idx="1"/>
+          </p:nvPr>
+        </p:nvSpPr>
+        <p:spPr/>
+        <p:txBody>
+          <a:bodyPr/>
+          <a:lstStyle/>
+          <a:p>
+            <a:r>
+              <a:rPr lang="cs-CZ" sz="2000" b="1" dirty="0" smtClean="0">
+                <a:ln w="12700">
+                  <a:solidFill>
+                    <a:schemeClr val="tx2">
+                      <a:satMod val="155000"/>
+                    </a:schemeClr>
+                  </a:solidFill>
+                  <a:prstDash val="solid"/>
+                </a:ln>
+                <a:solidFill>
+                  <a:schemeClr val="bg2">
+                    <a:tint val="85000"/>
+                    <a:satMod val="155000"/>
+                  </a:schemeClr>
+                </a:solidFill>
+                <a:effectLst>
+                  <a:outerShdw blurRad="41275" dist="20320" dir="1800000" algn="tl" rotWithShape="0">
+                    <a:srgbClr val="000000">
+                      <a:alpha val="40000"/>
+                    </a:srgbClr>
+                  </a:outerShdw>
+                </a:effectLst>
+              </a:rPr>
+              <a:t>E_</a:t>
+            </a:r>
+            <a:r>
+              <a:rPr lang="cs-CZ" sz="2000" b="1" dirty="0" err="1" smtClean="0">
+                <a:ln w="12700">
+                  <a:solidFill>
+                    <a:schemeClr val="tx2">
+                      <a:satMod val="155000"/>
+                    </a:schemeClr>
+                  </a:solidFill>
+                  <a:prstDash val="solid"/>
+                </a:ln>
+                <a:solidFill>
+                  <a:schemeClr val="bg2">
+                    <a:tint val="85000"/>
+                    <a:satMod val="155000"/>
+                  </a:schemeClr>
+                </a:solidFill>
+                <a:effectLst>
+                  <a:outerShdw blurRad="41275" dist="20320" dir="1800000" algn="tl" rotWithShape="0">
+                    <a:srgbClr val="000000">
+                      <a:alpha val="40000"/>
+                    </a:srgbClr>
+                  </a:outerShdw>
+                </a:effectLst>
+              </a:rPr>
+              <a:t>AnnotationBasedProductMapperTest</a:t>
+            </a:r>
+            <a:endParaRPr lang="cs-CZ" sz="1800" dirty="0" smtClean="0"/>
+          </a:p>
+          <a:p>
+            <a:pPr lvl="1"/>
+            <a:r>
+              <a:rPr lang="cs-CZ" sz="1800" dirty="0" err="1" smtClean="0"/>
+              <a:t>countProducts</a:t>
+            </a:r>
+            <a:endParaRPr lang="cs-CZ" sz="1800" dirty="0" smtClean="0"/>
+          </a:p>
+          <a:p>
+            <a:pPr lvl="2">
+              <a:buNone/>
+            </a:pPr>
+            <a:r>
+              <a:rPr lang="cs-CZ" sz="1600" dirty="0" err="1" smtClean="0">
+                <a:solidFill>
+                  <a:schemeClr val="tx1"/>
+                </a:solidFill>
+              </a:rPr>
+              <a:t>select</a:t>
+            </a:r>
+            <a:r>
+              <a:rPr lang="cs-CZ" sz="1600" dirty="0" smtClean="0">
+                <a:solidFill>
+                  <a:schemeClr val="tx1"/>
+                </a:solidFill>
+              </a:rPr>
+              <a:t> </a:t>
+            </a:r>
+            <a:r>
+              <a:rPr lang="cs-CZ" sz="1600" dirty="0" err="1" smtClean="0">
+                <a:solidFill>
+                  <a:schemeClr val="tx1"/>
+                </a:solidFill>
+              </a:rPr>
+              <a:t>count</a:t>
+            </a:r>
+            <a:r>
+              <a:rPr lang="cs-CZ" sz="1600" dirty="0" smtClean="0">
+                <a:solidFill>
+                  <a:schemeClr val="tx1"/>
+                </a:solidFill>
+              </a:rPr>
+              <a:t>(0) </a:t>
+            </a:r>
+            <a:r>
+              <a:rPr lang="cs-CZ" sz="1600" dirty="0" err="1" smtClean="0">
+                <a:solidFill>
+                  <a:schemeClr val="tx1"/>
+                </a:solidFill>
+              </a:rPr>
+              <a:t>from</a:t>
+            </a:r>
+            <a:r>
+              <a:rPr lang="cs-CZ" sz="1600" dirty="0" smtClean="0">
+                <a:solidFill>
+                  <a:schemeClr val="tx1"/>
+                </a:solidFill>
+              </a:rPr>
+              <a:t> </a:t>
+            </a:r>
+            <a:r>
+              <a:rPr lang="cs-CZ" sz="1600" dirty="0" err="1" smtClean="0">
+                <a:solidFill>
+                  <a:schemeClr val="tx1"/>
+                </a:solidFill>
+              </a:rPr>
+              <a:t>product</a:t>
+            </a:r>
+            <a:endParaRPr lang="cs-CZ" sz="1600" dirty="0" smtClean="0">
+              <a:solidFill>
+                <a:schemeClr val="tx1"/>
+              </a:solidFill>
+            </a:endParaRPr>
+          </a:p>
+          <a:p>
+            <a:pPr lvl="1"/>
+            <a:r>
+              <a:rPr lang="cs-CZ" sz="1800" dirty="0" err="1" smtClean="0"/>
+              <a:t>getProductById</a:t>
+            </a:r>
+            <a:endParaRPr lang="cs-CZ" sz="1800" dirty="0" smtClean="0"/>
+          </a:p>
+          <a:p>
+            <a:pPr lvl="2">
+              <a:buNone/>
+            </a:pPr>
+            <a:r>
+              <a:rPr lang="en-US" sz="1600" dirty="0" smtClean="0">
+                <a:solidFill>
+                  <a:schemeClr val="tx1"/>
+                </a:solidFill>
+              </a:rPr>
+              <a:t>select product.* , productGroup.name as </a:t>
+            </a:r>
+            <a:r>
+              <a:rPr lang="en-US" sz="1600" dirty="0" err="1" smtClean="0">
+                <a:solidFill>
+                  <a:schemeClr val="tx1"/>
+                </a:solidFill>
+              </a:rPr>
+              <a:t>groupName</a:t>
+            </a:r>
+            <a:r>
+              <a:rPr lang="en-US" sz="1600" dirty="0" smtClean="0">
+                <a:solidFill>
+                  <a:schemeClr val="tx1"/>
+                </a:solidFill>
+              </a:rPr>
+              <a:t>,</a:t>
+            </a:r>
+            <a:r>
+              <a:rPr lang="cs-CZ" sz="1600" dirty="0" smtClean="0">
+                <a:solidFill>
+                  <a:schemeClr val="tx1"/>
+                </a:solidFill>
+              </a:rPr>
+              <a:t> </a:t>
+            </a:r>
+            <a:r>
+              <a:rPr lang="en-US" sz="1600" dirty="0" err="1" smtClean="0">
+                <a:solidFill>
+                  <a:schemeClr val="tx1"/>
+                </a:solidFill>
+              </a:rPr>
+              <a:t>productGroup.groupType</a:t>
+            </a:r>
+            <a:r>
+              <a:rPr lang="cs-CZ" sz="1600" dirty="0" smtClean="0">
+                <a:solidFill>
+                  <a:schemeClr val="tx1"/>
+                </a:solidFill>
+              </a:rPr>
+              <a:t> </a:t>
+            </a:r>
+            <a:r>
+              <a:rPr lang="en-US" sz="1600" dirty="0" smtClean="0">
+                <a:solidFill>
+                  <a:schemeClr val="tx1"/>
+                </a:solidFill>
+              </a:rPr>
+              <a:t>from </a:t>
+            </a:r>
+            <a:r>
+              <a:rPr lang="en-US" sz="1600" dirty="0" smtClean="0">
+                <a:solidFill>
+                  <a:schemeClr val="tx1"/>
+                </a:solidFill>
+              </a:rPr>
+              <a:t>product inner join </a:t>
+            </a:r>
+            <a:r>
+              <a:rPr lang="en-US" sz="1600" dirty="0" err="1" smtClean="0">
+                <a:solidFill>
+                  <a:schemeClr val="tx1"/>
+                </a:solidFill>
+              </a:rPr>
+              <a:t>productGroup</a:t>
+            </a:r>
+            <a:r>
+              <a:rPr lang="en-US" sz="1600" dirty="0" smtClean="0">
+                <a:solidFill>
+                  <a:schemeClr val="tx1"/>
+                </a:solidFill>
+              </a:rPr>
+              <a:t> on </a:t>
+            </a:r>
+            <a:r>
+              <a:rPr lang="en-US" sz="1600" dirty="0" err="1" smtClean="0">
+                <a:solidFill>
+                  <a:schemeClr val="tx1"/>
+                </a:solidFill>
+              </a:rPr>
+              <a:t>idGroup</a:t>
+            </a:r>
+            <a:r>
+              <a:rPr lang="en-US" sz="1600" dirty="0" smtClean="0">
+                <a:solidFill>
+                  <a:schemeClr val="tx1"/>
+                </a:solidFill>
+              </a:rPr>
+              <a:t> = </a:t>
+            </a:r>
+            <a:r>
+              <a:rPr lang="en-US" sz="1600" dirty="0" smtClean="0">
+                <a:solidFill>
+                  <a:schemeClr val="tx1"/>
+                </a:solidFill>
+              </a:rPr>
+              <a:t>productGroup.id</a:t>
+            </a:r>
+            <a:r>
+              <a:rPr lang="cs-CZ" sz="1600" dirty="0" smtClean="0">
+                <a:solidFill>
+                  <a:schemeClr val="tx1"/>
+                </a:solidFill>
+              </a:rPr>
+              <a:t> </a:t>
+            </a:r>
+            <a:r>
+              <a:rPr lang="en-US" sz="1600" dirty="0" smtClean="0">
+                <a:solidFill>
+                  <a:schemeClr val="tx1"/>
+                </a:solidFill>
+              </a:rPr>
+              <a:t>where </a:t>
+            </a:r>
+            <a:r>
+              <a:rPr lang="en-US" sz="1600" dirty="0" smtClean="0">
+                <a:solidFill>
+                  <a:schemeClr val="tx1"/>
+                </a:solidFill>
+              </a:rPr>
+              <a:t>id = </a:t>
+            </a:r>
+            <a:r>
+              <a:rPr lang="en-US" sz="1600" dirty="0" smtClean="0">
+                <a:solidFill>
+                  <a:schemeClr val="tx1"/>
+                </a:solidFill>
+              </a:rPr>
+              <a:t>#</a:t>
+            </a:r>
+            <a:r>
+              <a:rPr lang="cs-CZ" sz="1600" dirty="0" smtClean="0">
+                <a:solidFill>
+                  <a:schemeClr val="tx1"/>
+                </a:solidFill>
+              </a:rPr>
+              <a:t>?</a:t>
+            </a:r>
+          </a:p>
+        </p:txBody>
+      </p:sp>
+      <p:sp>
+        <p:nvSpPr>
+          <p:cNvPr id="4" name="Zástupný symbol pro číslo snímku 3"/>
+          <p:cNvSpPr>
+            <a:spLocks noGrp="1"/>
+          </p:cNvSpPr>
+          <p:nvPr>
+            <p:ph type="sldNum" sz="quarter" idx="10"/>
+          </p:nvPr>
+        </p:nvSpPr>
+        <p:spPr/>
+        <p:txBody>
+          <a:bodyPr/>
+          <a:lstStyle/>
+          <a:p>
+            <a:pPr>
+              <a:defRPr/>
+            </a:pPr>
+            <a:fld id="{9AF1F007-AFEE-4035-9C51-B1CFC008845C}" type="slidenum">
+              <a:rPr lang="cs-CZ" smtClean="0"/>
+              <a:pPr>
+                <a:defRPr/>
+              </a:pPr>
+              <a:t>11</a:t>
+            </a:fld>
+            <a:endParaRPr lang="cs-CZ"/>
+          </a:p>
+        </p:txBody>
+      </p:sp>
+      <p:sp>
+        <p:nvSpPr>
+          <p:cNvPr id="5" name="Zástupný symbol pro zápatí 4"/>
+          <p:cNvSpPr>
+            <a:spLocks noGrp="1"/>
+          </p:cNvSpPr>
+          <p:nvPr>
+            <p:ph type="ftr" sz="quarter" idx="11"/>
+          </p:nvPr>
+        </p:nvSpPr>
+        <p:spPr/>
+        <p:txBody>
+          <a:bodyPr/>
+          <a:lstStyle/>
+          <a:p>
+            <a:pPr>
+              <a:defRPr/>
+            </a:pPr>
+            <a:r>
+              <a:rPr lang="cs-CZ" smtClean="0"/>
+              <a:t>www.fg.cz</a:t>
+            </a:r>
+            <a:endParaRPr lang="cs-CZ"/>
+          </a:p>
+        </p:txBody>
+      </p:sp>
+    </p:spTree>
+  </p:cSld>
+  <p:clrMapOvr>
+    <a:masterClrMapping/>
+  </p:clrMapOvr>
+  <p:transition>
+    <p:fade thruBlk="1"/>
+  </p:transition>
+  <p:timing>
+    <p:tnLst>
+      <p:par>
+        <p:cTn id="1" dur="indefinite" restart="never" nodeType="tmRoot"/>
+      </p:par>
+    </p:tnLst>
+  </p:timing>
+</p:sld>
+</file>
+
+<file path=ppt/slides/slide12.xml><?xml version="1.0" encoding="utf-8"?>
 <p:sld xmlns:a="http://schemas.openxmlformats.org/drawingml/2006/main" xmlns:r="http://schemas.openxmlformats.org/officeDocument/2006/relationships" xmlns:p="http://schemas.openxmlformats.org/presentationml/2006/main">
   <p:cSld>
     <p:spTree>
@@ -6321,7 +7504,7 @@
               <a:pPr>
                 <a:defRPr/>
               </a:pPr>
-              <a:t>11</a:t>
+              <a:t>12</a:t>
             </a:fld>
             <a:endParaRPr lang="cs-CZ"/>
           </a:p>
@@ -6514,7 +7697,7 @@
 </p:sld>
 </file>
 
-<file path=ppt/slides/slide12.xml><?xml version="1.0" encoding="utf-8"?>
+<file path=ppt/slides/slide13.xml><?xml version="1.0" encoding="utf-8"?>
 <p:sld xmlns:a="http://schemas.openxmlformats.org/drawingml/2006/main" xmlns:r="http://schemas.openxmlformats.org/officeDocument/2006/relationships" xmlns:p="http://schemas.openxmlformats.org/presentationml/2006/main" showMasterPhAnim="0">
   <p:cSld>
     <p:spTree>
@@ -6692,7 +7875,7 @@
               <a:pPr>
                 <a:defRPr/>
               </a:pPr>
-              <a:t>12</a:t>
+              <a:t>13</a:t>
             </a:fld>
             <a:endParaRPr lang="cs-CZ" smtClean="0"/>
           </a:p>
@@ -7478,17 +8661,18 @@
           <a:lstStyle/>
           <a:p>
             <a:r>
-              <a:rPr lang="cs-CZ" dirty="0" smtClean="0"/>
-              <a:t>Zprovoznění </a:t>
-            </a:r>
-            <a:r>
               <a:rPr lang="cs-CZ" dirty="0" err="1" smtClean="0"/>
               <a:t>iBatis</a:t>
             </a:r>
             <a:r>
               <a:rPr lang="cs-CZ" dirty="0" smtClean="0"/>
-              <a:t> 3 na projektu</a:t>
-            </a:r>
+              <a:t> - ORM / </a:t>
+            </a:r>
+            <a:r>
+              <a:rPr lang="cs-CZ" dirty="0" err="1" smtClean="0"/>
+              <a:t>DataMapper</a:t>
+            </a:r>
+            <a:endParaRPr lang="cs-CZ" dirty="0" smtClean="0"/>
           </a:p>
         </p:txBody>
       </p:sp>
@@ -7502,205 +8686,188 @@
             <p:ph idx="1"/>
           </p:nvPr>
         </p:nvSpPr>
-        <p:spPr/>
+        <p:spPr>
+          <a:xfrm>
+            <a:off x="3286116" y="857232"/>
+            <a:ext cx="2700000" cy="5220000"/>
+          </a:xfrm>
+        </p:spPr>
         <p:txBody>
           <a:bodyPr/>
           <a:lstStyle/>
           <a:p>
             <a:r>
-              <a:rPr lang="cs-CZ" sz="2000" dirty="0" err="1" smtClean="0"/>
+              <a:rPr lang="cs-CZ" sz="1800" dirty="0" err="1" smtClean="0">
+                <a:solidFill>
+                  <a:srgbClr val="C00000"/>
+                </a:solidFill>
+              </a:rPr>
               <a:t>iBatis</a:t>
             </a:r>
-            <a:r>
-              <a:rPr lang="cs-CZ" sz="2000" dirty="0" smtClean="0"/>
-              <a:t> samostatně</a:t>
-            </a:r>
-          </a:p>
-          <a:p>
-            <a:pPr lvl="1"/>
-            <a:r>
-              <a:rPr lang="cs-CZ" sz="1700" dirty="0" smtClean="0"/>
-              <a:t>Konfigurace pomocí XML</a:t>
-            </a:r>
-          </a:p>
-          <a:p>
-            <a:pPr lvl="1"/>
-            <a:r>
-              <a:rPr lang="cs-CZ" sz="1700" dirty="0" smtClean="0"/>
-              <a:t>Konfigurace samostatně Java kódem</a:t>
-            </a:r>
-          </a:p>
-          <a:p>
-            <a:endParaRPr lang="cs-CZ" sz="1200" dirty="0" smtClean="0"/>
-          </a:p>
-          <a:p>
-            <a:r>
-              <a:rPr lang="cs-CZ" sz="1600" b="1" i="1" dirty="0" err="1" smtClean="0"/>
-              <a:t>SqlSessionFactoryBuilder</a:t>
-            </a:r>
-            <a:endParaRPr lang="cs-CZ" sz="1600" b="1" i="1" dirty="0" smtClean="0"/>
-          </a:p>
-          <a:p>
-            <a:pPr lvl="1"/>
-            <a:r>
-              <a:rPr lang="cs-CZ" sz="1400" dirty="0" smtClean="0"/>
-              <a:t>jednoúčelový objekt sloužící pro vytvoření </a:t>
-            </a:r>
-            <a:r>
-              <a:rPr lang="cs-CZ" sz="1400" dirty="0" err="1" smtClean="0"/>
-              <a:t>SqlSessionFactory</a:t>
-            </a:r>
-            <a:r>
-              <a:rPr lang="cs-CZ" sz="1400" dirty="0" smtClean="0"/>
-              <a:t> – možno ihned zahodit</a:t>
-            </a:r>
-          </a:p>
-          <a:p>
-            <a:r>
-              <a:rPr lang="cs-CZ" sz="1600" b="1" i="1" dirty="0" err="1" smtClean="0"/>
-              <a:t>SqlSessionFactory</a:t>
-            </a:r>
-            <a:endParaRPr lang="cs-CZ" sz="1600" b="1" i="1" dirty="0" smtClean="0"/>
-          </a:p>
-          <a:p>
-            <a:pPr lvl="1"/>
-            <a:r>
-              <a:rPr lang="cs-CZ" sz="1400" dirty="0" smtClean="0"/>
-              <a:t>sdílená v aplikaci</a:t>
-            </a:r>
-          </a:p>
-          <a:p>
-            <a:pPr lvl="1"/>
-            <a:r>
-              <a:rPr lang="cs-CZ" sz="1400" dirty="0" err="1" smtClean="0"/>
-              <a:t>thread</a:t>
-            </a:r>
-            <a:r>
-              <a:rPr lang="cs-CZ" sz="1400" dirty="0" smtClean="0"/>
-              <a:t>-safe</a:t>
-            </a:r>
-          </a:p>
-          <a:p>
-            <a:pPr lvl="1"/>
-            <a:r>
-              <a:rPr lang="cs-CZ" sz="1400" dirty="0" smtClean="0"/>
-              <a:t>pracovat jako se </a:t>
-            </a:r>
-            <a:r>
-              <a:rPr lang="cs-CZ" sz="1400" dirty="0" err="1" smtClean="0"/>
-              <a:t>singletonem</a:t>
-            </a:r>
-            <a:endParaRPr lang="cs-CZ" sz="1400" dirty="0" smtClean="0"/>
-          </a:p>
-          <a:p>
-            <a:r>
-              <a:rPr lang="cs-CZ" sz="1600" b="1" i="1" dirty="0" err="1" smtClean="0"/>
-              <a:t>SqlSession</a:t>
-            </a:r>
-            <a:endParaRPr lang="cs-CZ" sz="1600" b="1" i="1" dirty="0" smtClean="0"/>
-          </a:p>
-          <a:p>
-            <a:pPr lvl="1"/>
-            <a:r>
-              <a:rPr lang="cs-CZ" sz="1400" dirty="0" smtClean="0"/>
-              <a:t>pro každý </a:t>
-            </a:r>
-            <a:r>
-              <a:rPr lang="cs-CZ" sz="1400" dirty="0" err="1" smtClean="0"/>
-              <a:t>thread</a:t>
-            </a:r>
-            <a:r>
-              <a:rPr lang="cs-CZ" sz="1400" dirty="0" smtClean="0"/>
-              <a:t> unikání (není </a:t>
-            </a:r>
-            <a:r>
-              <a:rPr lang="cs-CZ" sz="1400" dirty="0" err="1" smtClean="0"/>
-              <a:t>thread</a:t>
-            </a:r>
-            <a:r>
-              <a:rPr lang="cs-CZ" sz="1400" dirty="0" smtClean="0"/>
-              <a:t>-safe)</a:t>
-            </a:r>
-          </a:p>
-          <a:p>
-            <a:pPr lvl="1"/>
-            <a:r>
-              <a:rPr lang="cs-CZ" sz="1400" dirty="0" smtClean="0"/>
-              <a:t>ideálně otevřít na začátku </a:t>
-            </a:r>
-            <a:r>
-              <a:rPr lang="cs-CZ" sz="1400" dirty="0" err="1" smtClean="0"/>
-              <a:t>requestu</a:t>
-            </a:r>
-            <a:r>
-              <a:rPr lang="cs-CZ" sz="1400" dirty="0" smtClean="0"/>
-              <a:t> a na konci ji zase zavřít</a:t>
-            </a:r>
-            <a:endParaRPr lang="cs-CZ" sz="1800" dirty="0" smtClean="0"/>
-          </a:p>
-          <a:p>
-            <a:endParaRPr lang="cs-CZ" sz="1200" dirty="0" smtClean="0"/>
-          </a:p>
-          <a:p>
-            <a:r>
-              <a:rPr lang="cs-CZ" sz="2000" dirty="0" err="1" smtClean="0"/>
-              <a:t>Spring</a:t>
-            </a:r>
-            <a:r>
-              <a:rPr lang="cs-CZ" sz="2000" dirty="0" smtClean="0"/>
-              <a:t> Framework (podpora plánována do 3.1)</a:t>
-            </a:r>
-          </a:p>
-          <a:p>
-            <a:pPr lvl="1"/>
-            <a:r>
-              <a:rPr lang="cs-CZ" sz="1700" dirty="0" smtClean="0">
-                <a:hlinkClick r:id="rId3"/>
-              </a:rPr>
-              <a:t>http://jira.springframework.org/browse/SPR-5991</a:t>
-            </a:r>
-            <a:r>
-              <a:rPr lang="cs-CZ" sz="1700" dirty="0" smtClean="0"/>
-              <a:t> </a:t>
-            </a:r>
-          </a:p>
-          <a:p>
-            <a:pPr lvl="1"/>
-            <a:r>
-              <a:rPr lang="cs-CZ" sz="1700" dirty="0" smtClean="0"/>
-              <a:t>Ukázková implementace v </a:t>
-            </a:r>
-            <a:r>
-              <a:rPr lang="cs-CZ" sz="1700" dirty="0" err="1" smtClean="0"/>
-              <a:t>package</a:t>
-            </a:r>
-            <a:r>
-              <a:rPr lang="cs-CZ" sz="1700" dirty="0" smtClean="0"/>
-              <a:t> </a:t>
-            </a:r>
-            <a:r>
-              <a:rPr lang="cs-CZ" sz="1700" b="1" dirty="0" smtClean="0"/>
-              <a:t>org.springframework.orm.ibatis3</a:t>
-            </a:r>
-          </a:p>
-          <a:p>
-            <a:pPr lvl="1"/>
-            <a:r>
-              <a:rPr lang="cs-CZ" sz="1700" dirty="0" smtClean="0"/>
-              <a:t>Práce s infrastrukturními třídami je řešena za nás</a:t>
-            </a:r>
-          </a:p>
-          <a:p>
-            <a:pPr lvl="1"/>
-            <a:r>
-              <a:rPr lang="cs-CZ" sz="1700" dirty="0" smtClean="0"/>
-              <a:t>Nemusíme se starat o uzavírání </a:t>
-            </a:r>
-            <a:r>
-              <a:rPr lang="cs-CZ" sz="1700" dirty="0" err="1" smtClean="0"/>
-              <a:t>SqlSession</a:t>
-            </a:r>
-            <a:endParaRPr lang="cs-CZ" sz="1700" dirty="0" smtClean="0"/>
+            <a:endParaRPr lang="cs-CZ" sz="1800" dirty="0" smtClean="0">
+              <a:solidFill>
+                <a:srgbClr val="C00000"/>
+              </a:solidFill>
+            </a:endParaRPr>
+          </a:p>
+          <a:p>
+            <a:pPr marL="360000" lvl="1" indent="-180000"/>
+            <a:r>
+              <a:rPr lang="cs-CZ" sz="1200" b="1" dirty="0" smtClean="0"/>
+              <a:t>Mapování objektů na SQL</a:t>
+            </a:r>
+          </a:p>
+          <a:p>
+            <a:pPr marL="360000" lvl="1" indent="-180000"/>
+            <a:endParaRPr lang="cs-CZ" sz="1200" b="1" dirty="0" smtClean="0"/>
+          </a:p>
+          <a:p>
+            <a:pPr marL="360000" lvl="1" indent="-180000"/>
+            <a:r>
+              <a:rPr lang="cs-CZ" sz="1100" b="1" dirty="0" smtClean="0"/>
+              <a:t>Klady</a:t>
+            </a:r>
+          </a:p>
+          <a:p>
+            <a:pPr marL="817200" lvl="2" indent="-180000">
+              <a:buBlip>
+                <a:blip r:embed="rId3"/>
+              </a:buBlip>
+            </a:pPr>
+            <a:r>
+              <a:rPr lang="cs-CZ" sz="1100" dirty="0" smtClean="0"/>
+              <a:t>minimalizace rutinní práce s JDBC</a:t>
+            </a:r>
+          </a:p>
+          <a:p>
+            <a:pPr marL="817200" lvl="2" indent="-180000">
+              <a:buBlip>
+                <a:blip r:embed="rId3"/>
+              </a:buBlip>
+            </a:pPr>
+            <a:r>
+              <a:rPr lang="cs-CZ" sz="1100" dirty="0" smtClean="0"/>
+              <a:t>kontrola / flexibilita</a:t>
+            </a:r>
+          </a:p>
+          <a:p>
+            <a:pPr marL="817200" lvl="2" indent="-180000">
+              <a:buBlip>
+                <a:blip r:embed="rId3"/>
+              </a:buBlip>
+            </a:pPr>
+            <a:r>
+              <a:rPr lang="cs-CZ" sz="1100" dirty="0" smtClean="0"/>
+              <a:t>jednoduchost</a:t>
+            </a:r>
+          </a:p>
+          <a:p>
+            <a:pPr marL="817200" lvl="2" indent="-180000">
+              <a:buBlip>
+                <a:blip r:embed="rId3"/>
+              </a:buBlip>
+            </a:pPr>
+            <a:r>
+              <a:rPr lang="cs-CZ" sz="1100" dirty="0" smtClean="0"/>
+              <a:t>rychlý setup</a:t>
+            </a:r>
+          </a:p>
+          <a:p>
+            <a:pPr marL="817200" lvl="2" indent="-180000">
+              <a:buBlip>
+                <a:blip r:embed="rId3"/>
+              </a:buBlip>
+            </a:pPr>
+            <a:r>
+              <a:rPr lang="cs-CZ" sz="1100" dirty="0" smtClean="0"/>
+              <a:t>odpadá správa zdrojů</a:t>
+            </a:r>
+          </a:p>
+          <a:p>
+            <a:pPr marL="817200" lvl="2" indent="-180000">
+              <a:buBlip>
+                <a:blip r:embed="rId3"/>
+              </a:buBlip>
+            </a:pPr>
+            <a:r>
+              <a:rPr lang="cs-CZ" sz="1100" dirty="0" smtClean="0"/>
+              <a:t>cachování</a:t>
+            </a:r>
+          </a:p>
+          <a:p>
+            <a:pPr marL="817200" lvl="2" indent="-180000">
+              <a:buBlip>
+                <a:blip r:embed="rId3"/>
+              </a:buBlip>
+            </a:pPr>
+            <a:r>
+              <a:rPr lang="cs-CZ" sz="1100" dirty="0" smtClean="0"/>
+              <a:t>jednoduché navázání na existující DB</a:t>
+            </a:r>
+          </a:p>
+          <a:p>
+            <a:pPr marL="817200" lvl="2" indent="-180000">
+              <a:buBlip>
+                <a:blip r:embed="rId3"/>
+              </a:buBlip>
+            </a:pPr>
+            <a:r>
+              <a:rPr lang="cs-CZ" sz="1100" dirty="0" smtClean="0"/>
+              <a:t>stačí znalost SQL</a:t>
+            </a:r>
+          </a:p>
+          <a:p>
+            <a:pPr marL="817200" lvl="2" indent="-180000">
+              <a:buBlip>
+                <a:blip r:embed="rId3"/>
+              </a:buBlip>
+            </a:pPr>
+            <a:endParaRPr lang="cs-CZ" sz="1100" dirty="0" smtClean="0"/>
+          </a:p>
+          <a:p>
+            <a:pPr marL="360000" lvl="1" indent="-180000"/>
+            <a:r>
+              <a:rPr lang="cs-CZ" sz="1100" b="1" dirty="0" smtClean="0"/>
+              <a:t>Zápory</a:t>
+            </a:r>
+          </a:p>
+          <a:p>
+            <a:pPr marL="817200" lvl="2" indent="-180000">
+              <a:buBlip>
+                <a:blip r:embed="rId3"/>
+              </a:buBlip>
+            </a:pPr>
+            <a:r>
+              <a:rPr lang="cs-CZ" sz="1100" dirty="0" smtClean="0"/>
+              <a:t>zůstává stále nějaká rutinní práce</a:t>
+            </a:r>
+          </a:p>
+          <a:p>
+            <a:pPr marL="817200" lvl="2" indent="-180000">
+              <a:buBlip>
+                <a:blip r:embed="rId3"/>
+              </a:buBlip>
+            </a:pPr>
+            <a:r>
+              <a:rPr lang="cs-CZ" sz="1100" dirty="0" smtClean="0"/>
+              <a:t>závisí na použité </a:t>
+            </a:r>
+            <a:r>
+              <a:rPr lang="cs-CZ" sz="1100" dirty="0" smtClean="0"/>
+              <a:t>DB</a:t>
+            </a:r>
+          </a:p>
+          <a:p>
+            <a:pPr marL="817200" lvl="2" indent="-180000">
+              <a:buBlip>
+                <a:blip r:embed="rId3"/>
+              </a:buBlip>
+            </a:pPr>
+            <a:r>
+              <a:rPr lang="cs-CZ" sz="1100" dirty="0" smtClean="0"/>
+              <a:t>náročnější údržba</a:t>
+            </a:r>
+            <a:endParaRPr lang="cs-CZ" sz="1100" dirty="0" smtClean="0"/>
           </a:p>
         </p:txBody>
       </p:sp>
@@ -7759,6 +8926,1104 @@
           </a:p>
         </p:txBody>
       </p:sp>
+      <p:sp>
+        <p:nvSpPr>
+          <p:cNvPr id="8" name="Zástupný symbol pro obsah 2"/>
+          <p:cNvSpPr txBox="1">
+            <a:spLocks/>
+          </p:cNvSpPr>
+          <p:nvPr/>
+        </p:nvSpPr>
+        <p:spPr bwMode="auto">
+          <a:xfrm>
+            <a:off x="428596" y="857232"/>
+            <a:ext cx="2700000" cy="5220000"/>
+          </a:xfrm>
+          <a:prstGeom prst="rect">
+            <a:avLst/>
+          </a:prstGeom>
+          <a:noFill/>
+          <a:ln w="9525">
+            <a:noFill/>
+            <a:miter lim="800000"/>
+            <a:headEnd/>
+            <a:tailEnd/>
+          </a:ln>
+        </p:spPr>
+        <p:txBody>
+          <a:bodyPr vert="horz" wrap="square" lIns="91440" tIns="45720" rIns="91440" bIns="45720" numCol="1" anchor="t" anchorCtr="0" compatLnSpc="1">
+            <a:prstTxWarp prst="textNoShape">
+              <a:avLst/>
+            </a:prstTxWarp>
+          </a:bodyPr>
+          <a:lstStyle/>
+          <a:p>
+            <a:pPr marL="342900" marR="0" lvl="0" indent="-342900" algn="l" defTabSz="914400" rtl="0" eaLnBrk="0" fontAlgn="base" latinLnBrk="0" hangingPunct="0">
+              <a:lnSpc>
+                <a:spcPct val="100000"/>
+              </a:lnSpc>
+              <a:spcBef>
+                <a:spcPct val="20000"/>
+              </a:spcBef>
+              <a:spcAft>
+                <a:spcPct val="0"/>
+              </a:spcAft>
+              <a:buClrTx/>
+              <a:buSzTx/>
+              <a:buFontTx/>
+              <a:buBlip>
+                <a:blip r:embed="rId3"/>
+              </a:buBlip>
+              <a:tabLst/>
+              <a:defRPr/>
+            </a:pPr>
+            <a:r>
+              <a:rPr kumimoji="0" lang="cs-CZ" sz="1600" b="0" i="0" u="none" strike="noStrike" kern="0" cap="none" spc="0" normalizeH="0" baseline="0" noProof="0" dirty="0" smtClean="0">
+                <a:ln>
+                  <a:noFill/>
+                </a:ln>
+                <a:solidFill>
+                  <a:srgbClr val="C00000"/>
+                </a:solidFill>
+                <a:effectLst/>
+                <a:uLnTx/>
+                <a:uFillTx/>
+                <a:latin typeface="+mn-lt"/>
+                <a:ea typeface="+mn-ea"/>
+                <a:cs typeface="+mn-cs"/>
+              </a:rPr>
+              <a:t>JDBC 3.0</a:t>
+            </a:r>
+          </a:p>
+          <a:p>
+            <a:pPr marL="360000" lvl="1" indent="-180000" eaLnBrk="0" hangingPunct="0">
+              <a:spcBef>
+                <a:spcPct val="20000"/>
+              </a:spcBef>
+              <a:buFontTx/>
+              <a:buBlip>
+                <a:blip r:embed="rId3"/>
+              </a:buBlip>
+            </a:pPr>
+            <a:r>
+              <a:rPr lang="cs-CZ" sz="1200" b="1" kern="0" dirty="0" smtClean="0">
+                <a:latin typeface="+mn-lt"/>
+                <a:cs typeface="+mn-cs"/>
+              </a:rPr>
+              <a:t>Žádné mapování</a:t>
+            </a:r>
+          </a:p>
+          <a:p>
+            <a:pPr marL="360000" lvl="1" indent="-180000" eaLnBrk="0" hangingPunct="0">
+              <a:spcBef>
+                <a:spcPct val="20000"/>
+              </a:spcBef>
+              <a:buFontTx/>
+              <a:buBlip>
+                <a:blip r:embed="rId3"/>
+              </a:buBlip>
+            </a:pPr>
+            <a:endParaRPr lang="cs-CZ" sz="1200" b="1" kern="0" dirty="0" smtClean="0">
+              <a:latin typeface="+mn-lt"/>
+              <a:cs typeface="+mn-cs"/>
+            </a:endParaRPr>
+          </a:p>
+          <a:p>
+            <a:pPr marL="360000" lvl="1" indent="-180000" eaLnBrk="0" hangingPunct="0">
+              <a:spcBef>
+                <a:spcPct val="20000"/>
+              </a:spcBef>
+              <a:buFontTx/>
+              <a:buBlip>
+                <a:blip r:embed="rId3"/>
+              </a:buBlip>
+            </a:pPr>
+            <a:r>
+              <a:rPr lang="cs-CZ" sz="1100" b="1" kern="0" dirty="0" smtClean="0">
+                <a:latin typeface="+mn-lt"/>
+                <a:cs typeface="+mn-cs"/>
+              </a:rPr>
+              <a:t>Klady</a:t>
+            </a:r>
+          </a:p>
+          <a:p>
+            <a:pPr marL="817200" lvl="2" indent="-180000" eaLnBrk="0" hangingPunct="0">
+              <a:spcBef>
+                <a:spcPct val="20000"/>
+              </a:spcBef>
+              <a:buFontTx/>
+              <a:buBlip>
+                <a:blip r:embed="rId3"/>
+              </a:buBlip>
+            </a:pPr>
+            <a:r>
+              <a:rPr lang="cs-CZ" sz="1100" kern="0" dirty="0" smtClean="0">
+                <a:latin typeface="+mn-lt"/>
+                <a:cs typeface="+mn-cs"/>
+              </a:rPr>
+              <a:t>maximální výkon</a:t>
+            </a:r>
+          </a:p>
+          <a:p>
+            <a:pPr marL="817200" lvl="2" indent="-180000" eaLnBrk="0" hangingPunct="0">
+              <a:spcBef>
+                <a:spcPct val="20000"/>
+              </a:spcBef>
+              <a:buFontTx/>
+              <a:buBlip>
+                <a:blip r:embed="rId3"/>
+              </a:buBlip>
+            </a:pPr>
+            <a:r>
+              <a:rPr lang="cs-CZ" sz="1100" kern="0" dirty="0" smtClean="0">
+                <a:latin typeface="+mn-lt"/>
+                <a:cs typeface="+mn-cs"/>
+              </a:rPr>
+              <a:t>maximální kontrola / flexibilita</a:t>
+            </a:r>
+          </a:p>
+          <a:p>
+            <a:pPr marL="817200" lvl="2" indent="-180000" eaLnBrk="0" hangingPunct="0">
+              <a:spcBef>
+                <a:spcPct val="20000"/>
+              </a:spcBef>
+              <a:buFontTx/>
+              <a:buBlip>
+                <a:blip r:embed="rId3"/>
+              </a:buBlip>
+            </a:pPr>
+            <a:r>
+              <a:rPr lang="cs-CZ" sz="1100" kern="0" dirty="0" smtClean="0">
+                <a:latin typeface="+mn-lt"/>
+                <a:cs typeface="+mn-cs"/>
+              </a:rPr>
+              <a:t>jednoduchost</a:t>
+            </a:r>
+          </a:p>
+          <a:p>
+            <a:pPr marL="817200" lvl="2" indent="-180000" eaLnBrk="0" hangingPunct="0">
+              <a:spcBef>
+                <a:spcPct val="20000"/>
+              </a:spcBef>
+              <a:buFontTx/>
+              <a:buBlip>
+                <a:blip r:embed="rId3"/>
+              </a:buBlip>
+            </a:pPr>
+            <a:r>
+              <a:rPr lang="cs-CZ" sz="1100" kern="0" dirty="0" smtClean="0">
+                <a:latin typeface="+mn-lt"/>
+                <a:cs typeface="+mn-cs"/>
+              </a:rPr>
+              <a:t>rychlý setup</a:t>
+            </a:r>
+          </a:p>
+          <a:p>
+            <a:pPr marL="817200" lvl="2" indent="-180000" eaLnBrk="0" hangingPunct="0">
+              <a:spcBef>
+                <a:spcPct val="20000"/>
+              </a:spcBef>
+              <a:buFontTx/>
+              <a:buBlip>
+                <a:blip r:embed="rId3"/>
+              </a:buBlip>
+            </a:pPr>
+            <a:r>
+              <a:rPr lang="cs-CZ" sz="1100" kern="0" dirty="0" smtClean="0">
+                <a:latin typeface="+mn-lt"/>
+                <a:cs typeface="+mn-cs"/>
+              </a:rPr>
+              <a:t>jednoduché navázání na existující DB</a:t>
+            </a:r>
+          </a:p>
+          <a:p>
+            <a:pPr marL="817200" lvl="2" indent="-180000" eaLnBrk="0" hangingPunct="0">
+              <a:spcBef>
+                <a:spcPct val="20000"/>
+              </a:spcBef>
+              <a:buFontTx/>
+              <a:buBlip>
+                <a:blip r:embed="rId3"/>
+              </a:buBlip>
+            </a:pPr>
+            <a:r>
+              <a:rPr lang="cs-CZ" sz="1100" kern="0" dirty="0" smtClean="0">
+                <a:latin typeface="+mn-lt"/>
+                <a:cs typeface="+mn-cs"/>
+              </a:rPr>
+              <a:t>stačí znalost SQL</a:t>
+            </a:r>
+          </a:p>
+          <a:p>
+            <a:pPr marL="817200" lvl="2" indent="-180000" eaLnBrk="0" hangingPunct="0">
+              <a:spcBef>
+                <a:spcPct val="20000"/>
+              </a:spcBef>
+              <a:buFontTx/>
+              <a:buBlip>
+                <a:blip r:embed="rId3"/>
+              </a:buBlip>
+            </a:pPr>
+            <a:endParaRPr lang="cs-CZ" sz="1100" kern="0" dirty="0" smtClean="0">
+              <a:latin typeface="+mn-lt"/>
+              <a:cs typeface="+mn-cs"/>
+            </a:endParaRPr>
+          </a:p>
+          <a:p>
+            <a:pPr marL="360000" lvl="1" indent="-180000" eaLnBrk="0" hangingPunct="0">
+              <a:spcBef>
+                <a:spcPct val="20000"/>
+              </a:spcBef>
+              <a:buFontTx/>
+              <a:buBlip>
+                <a:blip r:embed="rId3"/>
+              </a:buBlip>
+            </a:pPr>
+            <a:r>
+              <a:rPr lang="cs-CZ" sz="1100" b="1" kern="0" dirty="0" smtClean="0">
+                <a:latin typeface="+mn-lt"/>
+                <a:cs typeface="+mn-cs"/>
+              </a:rPr>
+              <a:t>Zápory</a:t>
+            </a:r>
+          </a:p>
+          <a:p>
+            <a:pPr marL="817200" lvl="2" indent="-180000" eaLnBrk="0" hangingPunct="0">
+              <a:spcBef>
+                <a:spcPct val="20000"/>
+              </a:spcBef>
+              <a:buFontTx/>
+              <a:buBlip>
+                <a:blip r:embed="rId3"/>
+              </a:buBlip>
+            </a:pPr>
+            <a:r>
+              <a:rPr lang="cs-CZ" sz="1100" kern="0" dirty="0" smtClean="0">
+                <a:latin typeface="+mn-lt"/>
+                <a:cs typeface="+mn-cs"/>
+              </a:rPr>
+              <a:t>minimální produktivita</a:t>
+            </a:r>
+          </a:p>
+          <a:p>
+            <a:pPr marL="817200" lvl="2" indent="-180000" eaLnBrk="0" hangingPunct="0">
+              <a:spcBef>
+                <a:spcPct val="20000"/>
+              </a:spcBef>
+              <a:buFontTx/>
+              <a:buBlip>
+                <a:blip r:embed="rId3"/>
+              </a:buBlip>
+            </a:pPr>
+            <a:r>
+              <a:rPr lang="cs-CZ" sz="1100" kern="0" dirty="0" smtClean="0">
+                <a:latin typeface="+mn-lt"/>
+                <a:cs typeface="+mn-cs"/>
+              </a:rPr>
+              <a:t>nutnost  překopírovávání  parametrů do Statementu</a:t>
+            </a:r>
+          </a:p>
+          <a:p>
+            <a:pPr marL="817200" lvl="2" indent="-180000" eaLnBrk="0" hangingPunct="0">
+              <a:spcBef>
+                <a:spcPct val="20000"/>
+              </a:spcBef>
+              <a:buFontTx/>
+              <a:buBlip>
+                <a:blip r:embed="rId3"/>
+              </a:buBlip>
+            </a:pPr>
+            <a:r>
+              <a:rPr lang="cs-CZ" sz="1100" kern="0" dirty="0" smtClean="0">
+                <a:latin typeface="+mn-lt"/>
+                <a:cs typeface="+mn-cs"/>
+              </a:rPr>
+              <a:t>n</a:t>
+            </a:r>
+            <a:r>
+              <a:rPr kumimoji="0" lang="cs-CZ" sz="1100" b="0" i="0" u="none" strike="noStrike" kern="0" cap="none" spc="0" normalizeH="0" baseline="0" noProof="0" dirty="0" err="1" smtClean="0">
+                <a:ln>
+                  <a:noFill/>
+                </a:ln>
+                <a:solidFill>
+                  <a:schemeClr val="bg2"/>
+                </a:solidFill>
+                <a:effectLst/>
+                <a:uLnTx/>
+                <a:uFillTx/>
+                <a:latin typeface="+mn-lt"/>
+                <a:ea typeface="+mn-ea"/>
+                <a:cs typeface="+mn-cs"/>
+              </a:rPr>
+              <a:t>utnost</a:t>
+            </a:r>
+            <a:r>
+              <a:rPr kumimoji="0" lang="cs-CZ" sz="1100" b="0" i="0" u="none" strike="noStrike" kern="0" cap="none" spc="0" normalizeH="0" noProof="0" dirty="0" smtClean="0">
+                <a:ln>
+                  <a:noFill/>
+                </a:ln>
+                <a:solidFill>
+                  <a:schemeClr val="bg2"/>
+                </a:solidFill>
+                <a:effectLst/>
+                <a:uLnTx/>
+                <a:uFillTx/>
+                <a:latin typeface="+mn-lt"/>
+                <a:ea typeface="+mn-ea"/>
+                <a:cs typeface="+mn-cs"/>
+              </a:rPr>
+              <a:t> překopírovávání dat z ResultSetu do POJO</a:t>
+            </a:r>
+            <a:endParaRPr kumimoji="0" lang="cs-CZ" sz="1100" b="0" i="0" u="none" strike="noStrike" kern="0" cap="none" spc="0" normalizeH="0" baseline="0" noProof="0" dirty="0" smtClean="0">
+              <a:ln>
+                <a:noFill/>
+              </a:ln>
+              <a:solidFill>
+                <a:schemeClr val="bg2"/>
+              </a:solidFill>
+              <a:effectLst/>
+              <a:uLnTx/>
+              <a:uFillTx/>
+              <a:latin typeface="+mn-lt"/>
+              <a:ea typeface="+mn-ea"/>
+              <a:cs typeface="+mn-cs"/>
+            </a:endParaRPr>
+          </a:p>
+          <a:p>
+            <a:pPr marL="817200" lvl="2" indent="-180000" eaLnBrk="0" hangingPunct="0">
+              <a:spcBef>
+                <a:spcPct val="20000"/>
+              </a:spcBef>
+              <a:buFontTx/>
+              <a:buBlip>
+                <a:blip r:embed="rId3"/>
+              </a:buBlip>
+            </a:pPr>
+            <a:r>
+              <a:rPr lang="cs-CZ" sz="1100" kern="0" dirty="0" smtClean="0">
+                <a:latin typeface="+mn-lt"/>
+                <a:cs typeface="+mn-cs"/>
+              </a:rPr>
+              <a:t>n</a:t>
+            </a:r>
+            <a:r>
+              <a:rPr kumimoji="0" lang="cs-CZ" sz="1100" b="0" i="0" u="none" strike="noStrike" kern="0" cap="none" spc="0" normalizeH="0" baseline="0" noProof="0" dirty="0" err="1" smtClean="0">
+                <a:ln>
+                  <a:noFill/>
+                </a:ln>
+                <a:solidFill>
+                  <a:schemeClr val="bg2"/>
+                </a:solidFill>
+                <a:effectLst/>
+                <a:uLnTx/>
+                <a:uFillTx/>
+                <a:latin typeface="+mn-lt"/>
+                <a:ea typeface="+mn-ea"/>
+                <a:cs typeface="+mn-cs"/>
+              </a:rPr>
+              <a:t>utnost</a:t>
+            </a:r>
+            <a:r>
+              <a:rPr kumimoji="0" lang="cs-CZ" sz="1100" b="0" i="0" u="none" strike="noStrike" kern="0" cap="none" spc="0" normalizeH="0" baseline="0" noProof="0" dirty="0" smtClean="0">
+                <a:ln>
+                  <a:noFill/>
+                </a:ln>
+                <a:solidFill>
+                  <a:schemeClr val="bg2"/>
+                </a:solidFill>
+                <a:effectLst/>
+                <a:uLnTx/>
+                <a:uFillTx/>
+                <a:latin typeface="+mn-lt"/>
+                <a:ea typeface="+mn-ea"/>
+                <a:cs typeface="+mn-cs"/>
+              </a:rPr>
+              <a:t> správy zdrojů</a:t>
+            </a:r>
+          </a:p>
+          <a:p>
+            <a:pPr marL="817200" lvl="2" indent="-180000" eaLnBrk="0" hangingPunct="0">
+              <a:spcBef>
+                <a:spcPct val="20000"/>
+              </a:spcBef>
+              <a:buFontTx/>
+              <a:buBlip>
+                <a:blip r:embed="rId3"/>
+              </a:buBlip>
+            </a:pPr>
+            <a:r>
+              <a:rPr lang="cs-CZ" sz="1100" kern="0" dirty="0" smtClean="0">
+                <a:latin typeface="+mn-lt"/>
+                <a:cs typeface="+mn-cs"/>
+              </a:rPr>
+              <a:t>závisí na použité DB</a:t>
+            </a:r>
+            <a:endParaRPr kumimoji="0" lang="cs-CZ" sz="1100" b="0" i="0" u="none" strike="noStrike" kern="0" cap="none" spc="0" normalizeH="0" baseline="0" noProof="0" dirty="0" smtClean="0">
+              <a:ln>
+                <a:noFill/>
+              </a:ln>
+              <a:solidFill>
+                <a:schemeClr val="bg2"/>
+              </a:solidFill>
+              <a:effectLst/>
+              <a:uLnTx/>
+              <a:uFillTx/>
+              <a:latin typeface="+mn-lt"/>
+              <a:ea typeface="+mn-ea"/>
+              <a:cs typeface="+mn-cs"/>
+            </a:endParaRPr>
+          </a:p>
+          <a:p>
+            <a:pPr marL="817200" lvl="2" indent="-180000" eaLnBrk="0" hangingPunct="0">
+              <a:spcBef>
+                <a:spcPct val="20000"/>
+              </a:spcBef>
+              <a:buFontTx/>
+              <a:buBlip>
+                <a:blip r:embed="rId3"/>
+              </a:buBlip>
+            </a:pPr>
+            <a:r>
+              <a:rPr lang="cs-CZ" sz="1100" kern="0" dirty="0" smtClean="0">
+                <a:latin typeface="+mn-lt"/>
+                <a:cs typeface="+mn-cs"/>
+              </a:rPr>
+              <a:t>žádná cache</a:t>
+            </a:r>
+          </a:p>
+          <a:p>
+            <a:pPr marL="817200" lvl="2" indent="-180000" eaLnBrk="0" hangingPunct="0">
+              <a:spcBef>
+                <a:spcPct val="20000"/>
+              </a:spcBef>
+              <a:buFontTx/>
+              <a:buBlip>
+                <a:blip r:embed="rId3"/>
+              </a:buBlip>
+            </a:pPr>
+            <a:r>
+              <a:rPr kumimoji="0" lang="cs-CZ" sz="1100" b="0" i="0" u="none" strike="noStrike" kern="0" cap="none" spc="0" normalizeH="0" baseline="0" noProof="0" dirty="0" smtClean="0">
+                <a:ln>
+                  <a:noFill/>
+                </a:ln>
+                <a:solidFill>
+                  <a:schemeClr val="bg2"/>
+                </a:solidFill>
+                <a:effectLst/>
+                <a:uLnTx/>
+                <a:uFillTx/>
+                <a:latin typeface="+mn-lt"/>
+                <a:ea typeface="+mn-ea"/>
+                <a:cs typeface="+mn-cs"/>
+              </a:rPr>
+              <a:t>velmi problémová</a:t>
+            </a:r>
+            <a:r>
+              <a:rPr kumimoji="0" lang="cs-CZ" sz="1100" b="0" i="0" u="none" strike="noStrike" kern="0" cap="none" spc="0" normalizeH="0" noProof="0" dirty="0" smtClean="0">
+                <a:ln>
+                  <a:noFill/>
+                </a:ln>
+                <a:solidFill>
+                  <a:schemeClr val="bg2"/>
+                </a:solidFill>
+                <a:effectLst/>
+                <a:uLnTx/>
+                <a:uFillTx/>
+                <a:latin typeface="+mn-lt"/>
+                <a:ea typeface="+mn-ea"/>
+                <a:cs typeface="+mn-cs"/>
+              </a:rPr>
+              <a:t> údržba</a:t>
+            </a:r>
+            <a:endParaRPr kumimoji="0" lang="cs-CZ" sz="1100" b="0" i="0" u="none" strike="noStrike" kern="0" cap="none" spc="0" normalizeH="0" baseline="0" noProof="0" dirty="0" smtClean="0">
+              <a:ln>
+                <a:noFill/>
+              </a:ln>
+              <a:solidFill>
+                <a:schemeClr val="bg2"/>
+              </a:solidFill>
+              <a:effectLst/>
+              <a:uLnTx/>
+              <a:uFillTx/>
+              <a:latin typeface="+mn-lt"/>
+              <a:ea typeface="+mn-ea"/>
+              <a:cs typeface="+mn-cs"/>
+            </a:endParaRPr>
+          </a:p>
+        </p:txBody>
+      </p:sp>
+      <p:sp>
+        <p:nvSpPr>
+          <p:cNvPr id="9" name="Zástupný symbol pro obsah 2"/>
+          <p:cNvSpPr txBox="1">
+            <a:spLocks/>
+          </p:cNvSpPr>
+          <p:nvPr/>
+        </p:nvSpPr>
+        <p:spPr bwMode="auto">
+          <a:xfrm>
+            <a:off x="5929322" y="857232"/>
+            <a:ext cx="2700000" cy="5500726"/>
+          </a:xfrm>
+          <a:prstGeom prst="rect">
+            <a:avLst/>
+          </a:prstGeom>
+          <a:noFill/>
+          <a:ln w="9525">
+            <a:noFill/>
+            <a:miter lim="800000"/>
+            <a:headEnd/>
+            <a:tailEnd/>
+          </a:ln>
+        </p:spPr>
+        <p:txBody>
+          <a:bodyPr vert="horz" wrap="square" lIns="91440" tIns="45720" rIns="91440" bIns="45720" numCol="1" anchor="t" anchorCtr="0" compatLnSpc="1">
+            <a:prstTxWarp prst="textNoShape">
+              <a:avLst/>
+            </a:prstTxWarp>
+          </a:bodyPr>
+          <a:lstStyle/>
+          <a:p>
+            <a:pPr marL="342900" marR="0" lvl="0" indent="-342900" algn="l" defTabSz="914400" rtl="0" eaLnBrk="0" fontAlgn="base" latinLnBrk="0" hangingPunct="0">
+              <a:lnSpc>
+                <a:spcPct val="100000"/>
+              </a:lnSpc>
+              <a:spcBef>
+                <a:spcPct val="20000"/>
+              </a:spcBef>
+              <a:spcAft>
+                <a:spcPct val="0"/>
+              </a:spcAft>
+              <a:buClrTx/>
+              <a:buSzTx/>
+              <a:buFontTx/>
+              <a:buBlip>
+                <a:blip r:embed="rId3"/>
+              </a:buBlip>
+              <a:tabLst/>
+              <a:defRPr/>
+            </a:pPr>
+            <a:r>
+              <a:rPr lang="cs-CZ" sz="1800" dirty="0" smtClean="0">
+                <a:solidFill>
+                  <a:srgbClr val="C00000"/>
+                </a:solidFill>
+                <a:latin typeface="+mn-lt"/>
+                <a:cs typeface="+mn-cs"/>
+              </a:rPr>
+              <a:t>JPA /</a:t>
+            </a:r>
+            <a:r>
+              <a:rPr lang="cs-CZ" sz="1800" kern="0" dirty="0" smtClean="0">
+                <a:latin typeface="+mn-lt"/>
+                <a:cs typeface="+mn-cs"/>
+              </a:rPr>
+              <a:t> </a:t>
+            </a:r>
+            <a:r>
+              <a:rPr lang="cs-CZ" sz="1800" dirty="0" err="1" smtClean="0">
+                <a:solidFill>
+                  <a:srgbClr val="C00000"/>
+                </a:solidFill>
+                <a:latin typeface="+mn-lt"/>
+                <a:cs typeface="+mn-cs"/>
+              </a:rPr>
+              <a:t>Hibernate</a:t>
+            </a:r>
+            <a:endParaRPr lang="cs-CZ" sz="1800" kern="0" dirty="0" smtClean="0">
+              <a:latin typeface="+mn-lt"/>
+              <a:cs typeface="+mn-cs"/>
+            </a:endParaRPr>
+          </a:p>
+          <a:p>
+            <a:pPr marL="360000" lvl="1" indent="-180000" eaLnBrk="0" hangingPunct="0">
+              <a:spcBef>
+                <a:spcPct val="20000"/>
+              </a:spcBef>
+              <a:buFontTx/>
+              <a:buBlip>
+                <a:blip r:embed="rId3"/>
+              </a:buBlip>
+            </a:pPr>
+            <a:r>
+              <a:rPr lang="cs-CZ" sz="1200" b="1" kern="0" dirty="0" smtClean="0"/>
+              <a:t>Mapování objektů na tabulky</a:t>
+            </a:r>
+          </a:p>
+          <a:p>
+            <a:pPr marL="360000" lvl="1" indent="-180000" eaLnBrk="0" hangingPunct="0">
+              <a:spcBef>
+                <a:spcPct val="20000"/>
+              </a:spcBef>
+              <a:buFontTx/>
+              <a:buBlip>
+                <a:blip r:embed="rId3"/>
+              </a:buBlip>
+            </a:pPr>
+            <a:endParaRPr lang="cs-CZ" sz="1200" b="1" kern="0" dirty="0" smtClean="0"/>
+          </a:p>
+          <a:p>
+            <a:pPr marL="360000" lvl="1" indent="-180000" eaLnBrk="0" hangingPunct="0">
+              <a:spcBef>
+                <a:spcPct val="20000"/>
+              </a:spcBef>
+              <a:buFontTx/>
+              <a:buBlip>
+                <a:blip r:embed="rId3"/>
+              </a:buBlip>
+            </a:pPr>
+            <a:r>
+              <a:rPr lang="cs-CZ" sz="1100" b="1" kern="0" dirty="0" smtClean="0"/>
+              <a:t>Klady</a:t>
+            </a:r>
+          </a:p>
+          <a:p>
+            <a:pPr marL="817200" lvl="2" indent="-180000" eaLnBrk="0" hangingPunct="0">
+              <a:spcBef>
+                <a:spcPct val="20000"/>
+              </a:spcBef>
+              <a:buFontTx/>
+              <a:buBlip>
+                <a:blip r:embed="rId3"/>
+              </a:buBlip>
+            </a:pPr>
+            <a:r>
+              <a:rPr lang="cs-CZ" sz="1100" kern="0" dirty="0" smtClean="0"/>
+              <a:t>zakrytí způsobu práce s relačními daty (není přímo nutné ovládat SQL)</a:t>
+            </a:r>
+          </a:p>
+          <a:p>
+            <a:pPr marL="817200" lvl="2" indent="-180000" eaLnBrk="0" hangingPunct="0">
+              <a:spcBef>
+                <a:spcPct val="20000"/>
+              </a:spcBef>
+              <a:buFontTx/>
+              <a:buBlip>
+                <a:blip r:embed="rId3"/>
+              </a:buBlip>
+            </a:pPr>
+            <a:r>
+              <a:rPr lang="cs-CZ" sz="1100" kern="0" dirty="0" smtClean="0"/>
+              <a:t>vysoká produktivita</a:t>
+            </a:r>
+          </a:p>
+          <a:p>
+            <a:pPr marL="817200" lvl="2" indent="-180000" eaLnBrk="0" hangingPunct="0">
+              <a:spcBef>
+                <a:spcPct val="20000"/>
+              </a:spcBef>
+              <a:buFontTx/>
+              <a:buBlip>
+                <a:blip r:embed="rId3"/>
+              </a:buBlip>
+            </a:pPr>
+            <a:r>
+              <a:rPr lang="cs-CZ" sz="1100" kern="0" dirty="0" smtClean="0"/>
+              <a:t>přenositelnost </a:t>
+            </a:r>
+          </a:p>
+          <a:p>
+            <a:pPr marL="817200" lvl="2" indent="-180000" eaLnBrk="0" hangingPunct="0">
+              <a:spcBef>
+                <a:spcPct val="20000"/>
+              </a:spcBef>
+              <a:buFontTx/>
+              <a:buBlip>
+                <a:blip r:embed="rId3"/>
+              </a:buBlip>
+            </a:pPr>
+            <a:r>
+              <a:rPr lang="cs-CZ" sz="1100" kern="0" dirty="0" smtClean="0"/>
+              <a:t>velmi efektivní generování relačního modelu z OO</a:t>
+            </a:r>
+          </a:p>
+          <a:p>
+            <a:pPr marL="817200" lvl="2" indent="-180000" eaLnBrk="0" hangingPunct="0">
+              <a:spcBef>
+                <a:spcPct val="20000"/>
+              </a:spcBef>
+              <a:buFontTx/>
+              <a:buBlip>
+                <a:blip r:embed="rId3"/>
+              </a:buBlip>
+            </a:pPr>
+            <a:r>
+              <a:rPr lang="cs-CZ" sz="1100" kern="0" dirty="0" smtClean="0"/>
+              <a:t>efektivní </a:t>
+            </a:r>
+            <a:r>
+              <a:rPr lang="cs-CZ" sz="1100" kern="0" dirty="0" err="1" smtClean="0"/>
+              <a:t>cache</a:t>
+            </a:r>
+            <a:endParaRPr lang="cs-CZ" sz="1100" kern="0" dirty="0" smtClean="0"/>
+          </a:p>
+          <a:p>
+            <a:pPr marL="817200" lvl="2" indent="-180000" eaLnBrk="0" hangingPunct="0">
+              <a:spcBef>
+                <a:spcPct val="20000"/>
+              </a:spcBef>
+              <a:buFontTx/>
+              <a:buBlip>
+                <a:blip r:embed="rId3"/>
+              </a:buBlip>
+            </a:pPr>
+            <a:r>
+              <a:rPr lang="cs-CZ" sz="1100" kern="0" dirty="0" smtClean="0"/>
+              <a:t>relativně jednoduchá údržba (</a:t>
+            </a:r>
+            <a:r>
+              <a:rPr lang="cs-CZ" sz="1100" kern="0" dirty="0" err="1" smtClean="0"/>
+              <a:t>refactoring</a:t>
+            </a:r>
+            <a:r>
+              <a:rPr lang="cs-CZ" sz="1100" kern="0" dirty="0" smtClean="0"/>
+              <a:t>)</a:t>
+            </a:r>
+          </a:p>
+          <a:p>
+            <a:pPr marL="817200" lvl="2" indent="-180000" eaLnBrk="0" hangingPunct="0">
+              <a:spcBef>
+                <a:spcPct val="20000"/>
+              </a:spcBef>
+              <a:buFontTx/>
+              <a:buBlip>
+                <a:blip r:embed="rId3"/>
+              </a:buBlip>
+            </a:pPr>
+            <a:endParaRPr lang="cs-CZ" sz="1100" kern="0" dirty="0" smtClean="0"/>
+          </a:p>
+          <a:p>
+            <a:pPr marL="360000" lvl="1" indent="-180000" eaLnBrk="0" hangingPunct="0">
+              <a:spcBef>
+                <a:spcPct val="20000"/>
+              </a:spcBef>
+              <a:buFontTx/>
+              <a:buBlip>
+                <a:blip r:embed="rId3"/>
+              </a:buBlip>
+            </a:pPr>
+            <a:r>
+              <a:rPr lang="cs-CZ" sz="1100" b="1" kern="0" dirty="0" smtClean="0"/>
+              <a:t>Zápory</a:t>
+            </a:r>
+            <a:endParaRPr lang="cs-CZ" sz="1100" b="1" kern="0" dirty="0" smtClean="0"/>
+          </a:p>
+          <a:p>
+            <a:pPr marL="817200" lvl="2" indent="-180000" eaLnBrk="0" hangingPunct="0">
+              <a:spcBef>
+                <a:spcPct val="20000"/>
+              </a:spcBef>
+              <a:buFontTx/>
+              <a:buBlip>
+                <a:blip r:embed="rId3"/>
+              </a:buBlip>
+            </a:pPr>
+            <a:r>
+              <a:rPr lang="cs-CZ" sz="1100" kern="0" dirty="0" smtClean="0"/>
+              <a:t>ztráta přímé kontroly</a:t>
+            </a:r>
+          </a:p>
+          <a:p>
+            <a:pPr marL="817200" lvl="2" indent="-180000" eaLnBrk="0" hangingPunct="0">
+              <a:spcBef>
+                <a:spcPct val="20000"/>
+              </a:spcBef>
+              <a:buBlip>
+                <a:blip r:embed="rId3"/>
+              </a:buBlip>
+            </a:pPr>
+            <a:r>
+              <a:rPr lang="cs-CZ" sz="1100" kern="0" dirty="0" smtClean="0"/>
+              <a:t>velmi složitý</a:t>
+            </a:r>
+          </a:p>
+          <a:p>
+            <a:pPr marL="817200" lvl="2" indent="-180000" eaLnBrk="0" hangingPunct="0">
+              <a:spcBef>
+                <a:spcPct val="20000"/>
+              </a:spcBef>
+              <a:buFontTx/>
+              <a:buBlip>
+                <a:blip r:embed="rId3"/>
+              </a:buBlip>
+            </a:pPr>
+            <a:r>
+              <a:rPr lang="cs-CZ" sz="1100" kern="0" dirty="0" smtClean="0"/>
+              <a:t>nutná znalost HQL</a:t>
+            </a:r>
+          </a:p>
+          <a:p>
+            <a:pPr marL="817200" lvl="2" indent="-180000" eaLnBrk="0" hangingPunct="0">
+              <a:spcBef>
+                <a:spcPct val="20000"/>
+              </a:spcBef>
+              <a:buFontTx/>
+              <a:buBlip>
+                <a:blip r:embed="rId3"/>
+              </a:buBlip>
+            </a:pPr>
+            <a:r>
+              <a:rPr lang="cs-CZ" sz="1100" kern="0" dirty="0" smtClean="0"/>
+              <a:t>problematické použití při komplikovaných dotazech</a:t>
+            </a:r>
+          </a:p>
+          <a:p>
+            <a:pPr marL="817200" lvl="2" indent="-180000" eaLnBrk="0" hangingPunct="0">
+              <a:spcBef>
+                <a:spcPct val="20000"/>
+              </a:spcBef>
+              <a:buFontTx/>
+              <a:buBlip>
+                <a:blip r:embed="rId3"/>
+              </a:buBlip>
+            </a:pPr>
+            <a:r>
+              <a:rPr lang="cs-CZ" sz="1100" kern="0" dirty="0" smtClean="0"/>
+              <a:t>problémy s dávkovým zpracováním</a:t>
+            </a:r>
+          </a:p>
+          <a:p>
+            <a:pPr marL="817200" lvl="2" indent="-180000" eaLnBrk="0" hangingPunct="0">
+              <a:spcBef>
+                <a:spcPct val="20000"/>
+              </a:spcBef>
+              <a:buFontTx/>
+              <a:buBlip>
+                <a:blip r:embed="rId3"/>
+              </a:buBlip>
+            </a:pPr>
+            <a:r>
+              <a:rPr lang="cs-CZ" sz="1100" kern="0" dirty="0" smtClean="0"/>
+              <a:t>problematické navázání na existující DB</a:t>
+            </a:r>
+          </a:p>
+          <a:p>
+            <a:pPr marL="817200" lvl="2" indent="-180000" eaLnBrk="0" hangingPunct="0">
+              <a:spcBef>
+                <a:spcPct val="20000"/>
+              </a:spcBef>
+              <a:buFontTx/>
+              <a:buBlip>
+                <a:blip r:embed="rId3"/>
+              </a:buBlip>
+            </a:pPr>
+            <a:r>
+              <a:rPr lang="cs-CZ" sz="1100" kern="0" dirty="0" smtClean="0"/>
+              <a:t>díky komplexitě přináší řadu náročných problémů k řešení</a:t>
+            </a:r>
+          </a:p>
+        </p:txBody>
+      </p:sp>
+      <p:pic>
+        <p:nvPicPr>
+          <p:cNvPr id="10" name="Obrázek 9" descr="Thumbs-up.gif"/>
+          <p:cNvPicPr>
+            <a:picLocks noChangeAspect="1"/>
+          </p:cNvPicPr>
+          <p:nvPr/>
+        </p:nvPicPr>
+        <p:blipFill>
+          <a:blip r:embed="rId4" cstate="print"/>
+          <a:stretch>
+            <a:fillRect/>
+          </a:stretch>
+        </p:blipFill>
+        <p:spPr>
+          <a:xfrm>
+            <a:off x="642910" y="2143116"/>
+            <a:ext cx="357190" cy="582028"/>
+          </a:xfrm>
+          <a:prstGeom prst="rect">
+            <a:avLst/>
+          </a:prstGeom>
+        </p:spPr>
+      </p:pic>
+      <p:pic>
+        <p:nvPicPr>
+          <p:cNvPr id="11" name="Obrázek 10" descr="thumbs_down.jpg"/>
+          <p:cNvPicPr>
+            <a:picLocks noChangeAspect="1"/>
+          </p:cNvPicPr>
+          <p:nvPr/>
+        </p:nvPicPr>
+        <p:blipFill>
+          <a:blip r:embed="rId5" cstate="print"/>
+          <a:stretch>
+            <a:fillRect/>
+          </a:stretch>
+        </p:blipFill>
+        <p:spPr>
+          <a:xfrm>
+            <a:off x="642910" y="3786190"/>
+            <a:ext cx="357190" cy="572365"/>
+          </a:xfrm>
+          <a:prstGeom prst="rect">
+            <a:avLst/>
+          </a:prstGeom>
+        </p:spPr>
+      </p:pic>
+      <p:pic>
+        <p:nvPicPr>
+          <p:cNvPr id="12" name="Obrázek 11" descr="Thumbs-up.gif"/>
+          <p:cNvPicPr>
+            <a:picLocks noChangeAspect="1"/>
+          </p:cNvPicPr>
+          <p:nvPr/>
+        </p:nvPicPr>
+        <p:blipFill>
+          <a:blip r:embed="rId4" cstate="print"/>
+          <a:stretch>
+            <a:fillRect/>
+          </a:stretch>
+        </p:blipFill>
+        <p:spPr>
+          <a:xfrm>
+            <a:off x="3571868" y="2143116"/>
+            <a:ext cx="357190" cy="582028"/>
+          </a:xfrm>
+          <a:prstGeom prst="rect">
+            <a:avLst/>
+          </a:prstGeom>
+        </p:spPr>
+      </p:pic>
+      <p:pic>
+        <p:nvPicPr>
+          <p:cNvPr id="13" name="Obrázek 12" descr="thumbs_down.jpg"/>
+          <p:cNvPicPr>
+            <a:picLocks noChangeAspect="1"/>
+          </p:cNvPicPr>
+          <p:nvPr/>
+        </p:nvPicPr>
+        <p:blipFill>
+          <a:blip r:embed="rId5" cstate="print"/>
+          <a:stretch>
+            <a:fillRect/>
+          </a:stretch>
+        </p:blipFill>
+        <p:spPr>
+          <a:xfrm>
+            <a:off x="3571868" y="4286256"/>
+            <a:ext cx="357190" cy="572365"/>
+          </a:xfrm>
+          <a:prstGeom prst="rect">
+            <a:avLst/>
+          </a:prstGeom>
+        </p:spPr>
+      </p:pic>
+      <p:pic>
+        <p:nvPicPr>
+          <p:cNvPr id="14" name="Obrázek 13" descr="Thumbs-up.gif"/>
+          <p:cNvPicPr>
+            <a:picLocks noChangeAspect="1"/>
+          </p:cNvPicPr>
+          <p:nvPr/>
+        </p:nvPicPr>
+        <p:blipFill>
+          <a:blip r:embed="rId4" cstate="print"/>
+          <a:stretch>
+            <a:fillRect/>
+          </a:stretch>
+        </p:blipFill>
+        <p:spPr>
+          <a:xfrm>
+            <a:off x="6215074" y="2143116"/>
+            <a:ext cx="357190" cy="582028"/>
+          </a:xfrm>
+          <a:prstGeom prst="rect">
+            <a:avLst/>
+          </a:prstGeom>
+        </p:spPr>
+      </p:pic>
+      <p:pic>
+        <p:nvPicPr>
+          <p:cNvPr id="15" name="Obrázek 14" descr="thumbs_down.jpg"/>
+          <p:cNvPicPr>
+            <a:picLocks noChangeAspect="1"/>
+          </p:cNvPicPr>
+          <p:nvPr/>
+        </p:nvPicPr>
+        <p:blipFill>
+          <a:blip r:embed="rId5" cstate="print"/>
+          <a:stretch>
+            <a:fillRect/>
+          </a:stretch>
+        </p:blipFill>
+        <p:spPr>
+          <a:xfrm>
+            <a:off x="6215074" y="4429132"/>
+            <a:ext cx="357190" cy="572365"/>
+          </a:xfrm>
+          <a:prstGeom prst="rect">
+            <a:avLst/>
+          </a:prstGeom>
+        </p:spPr>
+      </p:pic>
+      <p:pic>
+        <p:nvPicPr>
+          <p:cNvPr id="1026" name="Picture 2"/>
+          <p:cNvPicPr>
+            <a:picLocks noChangeAspect="1" noChangeArrowheads="1"/>
+          </p:cNvPicPr>
+          <p:nvPr/>
+        </p:nvPicPr>
+        <p:blipFill>
+          <a:blip r:embed="rId6" cstate="print"/>
+          <a:srcRect/>
+          <a:stretch>
+            <a:fillRect/>
+          </a:stretch>
+        </p:blipFill>
+        <p:spPr bwMode="auto">
+          <a:xfrm>
+            <a:off x="3357554" y="857232"/>
+            <a:ext cx="285752" cy="370419"/>
+          </a:xfrm>
+          <a:prstGeom prst="rect">
+            <a:avLst/>
+          </a:prstGeom>
+          <a:noFill/>
+          <a:ln w="9525">
+            <a:noFill/>
+            <a:miter lim="800000"/>
+            <a:headEnd/>
+            <a:tailEnd/>
+          </a:ln>
+          <a:effectLst/>
+        </p:spPr>
+      </p:pic>
+      <p:pic>
+        <p:nvPicPr>
+          <p:cNvPr id="1027" name="Picture 3"/>
+          <p:cNvPicPr>
+            <a:picLocks noChangeAspect="1" noChangeArrowheads="1"/>
+          </p:cNvPicPr>
+          <p:nvPr/>
+        </p:nvPicPr>
+        <p:blipFill>
+          <a:blip r:embed="rId7" cstate="print"/>
+          <a:srcRect/>
+          <a:stretch>
+            <a:fillRect/>
+          </a:stretch>
+        </p:blipFill>
+        <p:spPr bwMode="auto">
+          <a:xfrm>
+            <a:off x="6000760" y="857232"/>
+            <a:ext cx="320742" cy="357190"/>
+          </a:xfrm>
+          <a:prstGeom prst="rect">
+            <a:avLst/>
+          </a:prstGeom>
+          <a:noFill/>
+          <a:ln w="9525">
+            <a:noFill/>
+            <a:miter lim="800000"/>
+            <a:headEnd/>
+            <a:tailEnd/>
+          </a:ln>
+          <a:effectLst/>
+        </p:spPr>
+      </p:pic>
     </p:spTree>
   </p:cSld>
   <p:clrMapOvr>
@@ -7796,6 +10061,338 @@
       </p:grpSpPr>
       <p:sp>
         <p:nvSpPr>
+          <p:cNvPr id="4098" name="Nadpis 1"/>
+          <p:cNvSpPr>
+            <a:spLocks noGrp="1"/>
+          </p:cNvSpPr>
+          <p:nvPr>
+            <p:ph type="title"/>
+          </p:nvPr>
+        </p:nvSpPr>
+        <p:spPr/>
+        <p:txBody>
+          <a:bodyPr/>
+          <a:lstStyle/>
+          <a:p>
+            <a:r>
+              <a:rPr lang="cs-CZ" dirty="0" smtClean="0"/>
+              <a:t>Zprovoznění </a:t>
+            </a:r>
+            <a:r>
+              <a:rPr lang="cs-CZ" dirty="0" err="1" smtClean="0"/>
+              <a:t>iBatis</a:t>
+            </a:r>
+            <a:r>
+              <a:rPr lang="cs-CZ" dirty="0" smtClean="0"/>
+              <a:t> 3 na projektu</a:t>
+            </a:r>
+          </a:p>
+        </p:txBody>
+      </p:sp>
+      <p:sp>
+        <p:nvSpPr>
+          <p:cNvPr id="4099" name="Zástupný symbol pro obsah 2"/>
+          <p:cNvSpPr>
+            <a:spLocks noGrp="1"/>
+          </p:cNvSpPr>
+          <p:nvPr>
+            <p:ph idx="1"/>
+          </p:nvPr>
+        </p:nvSpPr>
+        <p:spPr/>
+        <p:txBody>
+          <a:bodyPr/>
+          <a:lstStyle/>
+          <a:p>
+            <a:r>
+              <a:rPr lang="cs-CZ" sz="2000" dirty="0" err="1" smtClean="0"/>
+              <a:t>iBatis</a:t>
+            </a:r>
+            <a:r>
+              <a:rPr lang="cs-CZ" sz="2000" dirty="0" smtClean="0"/>
+              <a:t> samostatně</a:t>
+            </a:r>
+          </a:p>
+          <a:p>
+            <a:pPr lvl="1"/>
+            <a:r>
+              <a:rPr lang="cs-CZ" sz="1700" dirty="0" smtClean="0"/>
+              <a:t>Konfigurace pomocí XML</a:t>
+            </a:r>
+          </a:p>
+          <a:p>
+            <a:pPr lvl="1"/>
+            <a:r>
+              <a:rPr lang="cs-CZ" sz="1700" dirty="0" smtClean="0"/>
+              <a:t>Konfigurace samostatně Java kódem</a:t>
+            </a:r>
+          </a:p>
+          <a:p>
+            <a:endParaRPr lang="cs-CZ" sz="1200" dirty="0" smtClean="0"/>
+          </a:p>
+          <a:p>
+            <a:r>
+              <a:rPr lang="cs-CZ" sz="1600" b="1" i="1" dirty="0" err="1" smtClean="0"/>
+              <a:t>SqlSessionFactoryBuilder</a:t>
+            </a:r>
+            <a:endParaRPr lang="cs-CZ" sz="1600" b="1" i="1" dirty="0" smtClean="0"/>
+          </a:p>
+          <a:p>
+            <a:pPr lvl="1"/>
+            <a:r>
+              <a:rPr lang="cs-CZ" sz="1400" dirty="0" smtClean="0"/>
+              <a:t>jednoúčelový objekt sloužící pro vytvoření </a:t>
+            </a:r>
+            <a:r>
+              <a:rPr lang="cs-CZ" sz="1400" dirty="0" err="1" smtClean="0"/>
+              <a:t>SqlSessionFactory</a:t>
+            </a:r>
+            <a:r>
+              <a:rPr lang="cs-CZ" sz="1400" dirty="0" smtClean="0"/>
+              <a:t> – možno ihned zahodit</a:t>
+            </a:r>
+          </a:p>
+          <a:p>
+            <a:r>
+              <a:rPr lang="cs-CZ" sz="1600" b="1" i="1" dirty="0" err="1" smtClean="0"/>
+              <a:t>SqlSessionFactory</a:t>
+            </a:r>
+            <a:endParaRPr lang="cs-CZ" sz="1600" b="1" i="1" dirty="0" smtClean="0"/>
+          </a:p>
+          <a:p>
+            <a:pPr lvl="1"/>
+            <a:r>
+              <a:rPr lang="cs-CZ" sz="1400" dirty="0" smtClean="0"/>
+              <a:t>sdílená v aplikaci</a:t>
+            </a:r>
+          </a:p>
+          <a:p>
+            <a:pPr lvl="1"/>
+            <a:r>
+              <a:rPr lang="cs-CZ" sz="1400" dirty="0" err="1" smtClean="0"/>
+              <a:t>thread</a:t>
+            </a:r>
+            <a:r>
+              <a:rPr lang="cs-CZ" sz="1400" dirty="0" smtClean="0"/>
+              <a:t>-safe</a:t>
+            </a:r>
+          </a:p>
+          <a:p>
+            <a:pPr lvl="1"/>
+            <a:r>
+              <a:rPr lang="cs-CZ" sz="1400" dirty="0" smtClean="0"/>
+              <a:t>pracovat jako se </a:t>
+            </a:r>
+            <a:r>
+              <a:rPr lang="cs-CZ" sz="1400" dirty="0" err="1" smtClean="0"/>
+              <a:t>singletonem</a:t>
+            </a:r>
+            <a:endParaRPr lang="cs-CZ" sz="1400" dirty="0" smtClean="0"/>
+          </a:p>
+          <a:p>
+            <a:r>
+              <a:rPr lang="cs-CZ" sz="1600" b="1" i="1" dirty="0" err="1" smtClean="0"/>
+              <a:t>SqlSession</a:t>
+            </a:r>
+            <a:endParaRPr lang="cs-CZ" sz="1600" b="1" i="1" dirty="0" smtClean="0"/>
+          </a:p>
+          <a:p>
+            <a:pPr lvl="1"/>
+            <a:r>
+              <a:rPr lang="cs-CZ" sz="1400" dirty="0" smtClean="0"/>
+              <a:t>pro každý </a:t>
+            </a:r>
+            <a:r>
+              <a:rPr lang="cs-CZ" sz="1400" dirty="0" err="1" smtClean="0"/>
+              <a:t>thread</a:t>
+            </a:r>
+            <a:r>
+              <a:rPr lang="cs-CZ" sz="1400" dirty="0" smtClean="0"/>
+              <a:t> unikání (není </a:t>
+            </a:r>
+            <a:r>
+              <a:rPr lang="cs-CZ" sz="1400" dirty="0" err="1" smtClean="0"/>
+              <a:t>thread</a:t>
+            </a:r>
+            <a:r>
+              <a:rPr lang="cs-CZ" sz="1400" dirty="0" smtClean="0"/>
+              <a:t>-safe)</a:t>
+            </a:r>
+          </a:p>
+          <a:p>
+            <a:pPr lvl="1"/>
+            <a:r>
+              <a:rPr lang="cs-CZ" sz="1400" dirty="0" smtClean="0"/>
+              <a:t>ideálně otevřít na začátku </a:t>
+            </a:r>
+            <a:r>
+              <a:rPr lang="cs-CZ" sz="1400" dirty="0" err="1" smtClean="0"/>
+              <a:t>requestu</a:t>
+            </a:r>
+            <a:r>
+              <a:rPr lang="cs-CZ" sz="1400" dirty="0" smtClean="0"/>
+              <a:t> a na konci ji zase zavřít</a:t>
+            </a:r>
+            <a:endParaRPr lang="cs-CZ" sz="1800" dirty="0" smtClean="0"/>
+          </a:p>
+          <a:p>
+            <a:endParaRPr lang="cs-CZ" sz="1200" dirty="0" smtClean="0"/>
+          </a:p>
+          <a:p>
+            <a:r>
+              <a:rPr lang="cs-CZ" sz="2000" dirty="0" err="1" smtClean="0"/>
+              <a:t>Spring</a:t>
+            </a:r>
+            <a:r>
+              <a:rPr lang="cs-CZ" sz="2000" dirty="0" smtClean="0"/>
+              <a:t> Framework (podpora plánována do 3.1)</a:t>
+            </a:r>
+          </a:p>
+          <a:p>
+            <a:pPr lvl="1"/>
+            <a:r>
+              <a:rPr lang="cs-CZ" sz="1700" dirty="0" smtClean="0">
+                <a:hlinkClick r:id="rId3"/>
+              </a:rPr>
+              <a:t>http://jira.springframework.org/browse/SPR-5991</a:t>
+            </a:r>
+            <a:r>
+              <a:rPr lang="cs-CZ" sz="1700" dirty="0" smtClean="0"/>
+              <a:t> </a:t>
+            </a:r>
+          </a:p>
+          <a:p>
+            <a:pPr lvl="1"/>
+            <a:r>
+              <a:rPr lang="cs-CZ" sz="1700" dirty="0" smtClean="0"/>
+              <a:t>Ukázková implementace v </a:t>
+            </a:r>
+            <a:r>
+              <a:rPr lang="cs-CZ" sz="1700" dirty="0" err="1" smtClean="0"/>
+              <a:t>package</a:t>
+            </a:r>
+            <a:r>
+              <a:rPr lang="cs-CZ" sz="1700" dirty="0" smtClean="0"/>
+              <a:t> </a:t>
+            </a:r>
+            <a:r>
+              <a:rPr lang="cs-CZ" sz="1700" b="1" dirty="0" smtClean="0"/>
+              <a:t>org.springframework.orm.ibatis3</a:t>
+            </a:r>
+          </a:p>
+          <a:p>
+            <a:pPr lvl="1"/>
+            <a:r>
+              <a:rPr lang="cs-CZ" sz="1700" dirty="0" smtClean="0"/>
+              <a:t>Práce s infrastrukturními třídami je řešena za nás</a:t>
+            </a:r>
+          </a:p>
+          <a:p>
+            <a:pPr lvl="1"/>
+            <a:r>
+              <a:rPr lang="cs-CZ" sz="1700" dirty="0" smtClean="0"/>
+              <a:t>Nemusíme se starat o uzavírání </a:t>
+            </a:r>
+            <a:r>
+              <a:rPr lang="cs-CZ" sz="1700" dirty="0" err="1" smtClean="0"/>
+              <a:t>SqlSession</a:t>
+            </a:r>
+            <a:endParaRPr lang="cs-CZ" sz="1700" dirty="0" smtClean="0"/>
+          </a:p>
+        </p:txBody>
+      </p:sp>
+      <p:sp>
+        <p:nvSpPr>
+          <p:cNvPr id="4" name="Zástupný symbol pro číslo snímku 3"/>
+          <p:cNvSpPr>
+            <a:spLocks noGrp="1"/>
+          </p:cNvSpPr>
+          <p:nvPr>
+            <p:ph type="sldNum" sz="quarter" idx="10"/>
+          </p:nvPr>
+        </p:nvSpPr>
+        <p:spPr/>
+        <p:txBody>
+          <a:bodyPr/>
+          <a:lstStyle/>
+          <a:p>
+            <a:pPr>
+              <a:defRPr/>
+            </a:pPr>
+            <a:fld id="{A6112C02-2ADB-4963-B455-E27F555BA63A}" type="slidenum">
+              <a:rPr lang="cs-CZ" smtClean="0"/>
+              <a:pPr>
+                <a:defRPr/>
+              </a:pPr>
+              <a:t>4</a:t>
+            </a:fld>
+            <a:endParaRPr lang="cs-CZ"/>
+          </a:p>
+        </p:txBody>
+      </p:sp>
+      <p:sp>
+        <p:nvSpPr>
+          <p:cNvPr id="5" name="Zástupný symbol pro zápatí 4"/>
+          <p:cNvSpPr>
+            <a:spLocks noGrp="1"/>
+          </p:cNvSpPr>
+          <p:nvPr>
+            <p:ph type="ftr" sz="quarter" idx="11"/>
+          </p:nvPr>
+        </p:nvSpPr>
+        <p:spPr/>
+        <p:txBody>
+          <a:bodyPr/>
+          <a:lstStyle/>
+          <a:p>
+            <a:pPr>
+              <a:defRPr/>
+            </a:pPr>
+            <a:r>
+              <a:rPr lang="cs-CZ" smtClean="0"/>
+              <a:t>www.fg.cz</a:t>
+            </a:r>
+            <a:endParaRPr lang="cs-CZ"/>
+          </a:p>
+        </p:txBody>
+      </p:sp>
+    </p:spTree>
+  </p:cSld>
+  <p:clrMapOvr>
+    <a:masterClrMapping/>
+  </p:clrMapOvr>
+  <p:transition advTm="177966">
+    <p:fade thruBlk="1"/>
+  </p:transition>
+  <p:timing>
+    <p:tnLst>
+      <p:par>
+        <p:cTn id="1" dur="indefinite" restart="never" nodeType="tmRoot"/>
+      </p:par>
+    </p:tnLst>
+  </p:timing>
+</p:sld>
+</file>
+
+<file path=ppt/slides/slide5.xml><?xml version="1.0" encoding="utf-8"?>
+<p:sld xmlns:a="http://schemas.openxmlformats.org/drawingml/2006/main" xmlns:r="http://schemas.openxmlformats.org/officeDocument/2006/relationships" xmlns:p="http://schemas.openxmlformats.org/presentationml/2006/main">
+  <p:cSld>
+    <p:spTree>
+      <p:nvGrpSpPr>
+        <p:cNvPr id="1" name=""/>
+        <p:cNvGrpSpPr/>
+        <p:nvPr/>
+      </p:nvGrpSpPr>
+      <p:grpSpPr>
+        <a:xfrm>
+          <a:off x="0" y="0"/>
+          <a:ext cx="0" cy="0"/>
+          <a:chOff x="0" y="0"/>
+          <a:chExt cx="0" cy="0"/>
+        </a:xfrm>
+      </p:grpSpPr>
+      <p:sp>
+        <p:nvSpPr>
           <p:cNvPr id="2" name="Nadpis 1"/>
           <p:cNvSpPr>
             <a:spLocks noGrp="1"/>
@@ -7863,7 +10460,7 @@
               <a:pPr>
                 <a:defRPr/>
               </a:pPr>
-              <a:t>4</a:t>
+              <a:t>5</a:t>
             </a:fld>
             <a:endParaRPr lang="cs-CZ"/>
           </a:p>
@@ -8051,614 +10648,6 @@
 </p:sld>
 </file>
 
-<file path=ppt/slides/slide5.xml><?xml version="1.0" encoding="utf-8"?>
-<p:sld xmlns:a="http://schemas.openxmlformats.org/drawingml/2006/main" xmlns:r="http://schemas.openxmlformats.org/officeDocument/2006/relationships" xmlns:p="http://schemas.openxmlformats.org/presentationml/2006/main">
-  <p:cSld>
-    <p:spTree>
-      <p:nvGrpSpPr>
-        <p:cNvPr id="1" name=""/>
-        <p:cNvGrpSpPr/>
-        <p:nvPr/>
-      </p:nvGrpSpPr>
-      <p:grpSpPr>
-        <a:xfrm>
-          <a:off x="0" y="0"/>
-          <a:ext cx="0" cy="0"/>
-          <a:chOff x="0" y="0"/>
-          <a:chExt cx="0" cy="0"/>
-        </a:xfrm>
-      </p:grpSpPr>
-      <p:sp>
-        <p:nvSpPr>
-          <p:cNvPr id="2" name="Nadpis 1"/>
-          <p:cNvSpPr>
-            <a:spLocks noGrp="1"/>
-          </p:cNvSpPr>
-          <p:nvPr>
-            <p:ph type="title"/>
-          </p:nvPr>
-        </p:nvSpPr>
-        <p:spPr/>
-        <p:txBody>
-          <a:bodyPr/>
-          <a:lstStyle/>
-          <a:p>
-            <a:r>
-              <a:rPr lang="cs-CZ" dirty="0" smtClean="0"/>
-              <a:t>Základní použití </a:t>
-            </a:r>
-            <a:r>
-              <a:rPr lang="cs-CZ" dirty="0" err="1" smtClean="0"/>
-              <a:t>iBatis</a:t>
-            </a:r>
-            <a:r>
-              <a:rPr lang="cs-CZ" dirty="0" smtClean="0"/>
-              <a:t> 3</a:t>
-            </a:r>
-            <a:endParaRPr lang="cs-CZ" dirty="0"/>
-          </a:p>
-        </p:txBody>
-      </p:sp>
-      <p:sp>
-        <p:nvSpPr>
-          <p:cNvPr id="3" name="Zástupný symbol pro obsah 2"/>
-          <p:cNvSpPr>
-            <a:spLocks noGrp="1"/>
-          </p:cNvSpPr>
-          <p:nvPr>
-            <p:ph idx="1"/>
-          </p:nvPr>
-        </p:nvSpPr>
-        <p:spPr/>
-        <p:txBody>
-          <a:bodyPr/>
-          <a:lstStyle/>
-          <a:p>
-            <a:r>
-              <a:rPr lang="cs-CZ" sz="2000" b="1" dirty="0" smtClean="0">
-                <a:ln w="12700">
-                  <a:solidFill>
-                    <a:schemeClr val="tx2">
-                      <a:satMod val="155000"/>
-                    </a:schemeClr>
-                  </a:solidFill>
-                  <a:prstDash val="solid"/>
-                </a:ln>
-                <a:solidFill>
-                  <a:schemeClr val="bg2">
-                    <a:tint val="85000"/>
-                    <a:satMod val="155000"/>
-                  </a:schemeClr>
-                </a:solidFill>
-                <a:effectLst>
-                  <a:outerShdw blurRad="41275" dist="20320" dir="1800000" algn="tl" rotWithShape="0">
-                    <a:srgbClr val="000000">
-                      <a:alpha val="40000"/>
-                    </a:srgbClr>
-                  </a:outerShdw>
-                </a:effectLst>
-              </a:rPr>
-              <a:t>A_</a:t>
-            </a:r>
-            <a:r>
-              <a:rPr lang="cs-CZ" sz="2000" b="1" dirty="0" err="1" smtClean="0">
-                <a:ln w="12700">
-                  <a:solidFill>
-                    <a:schemeClr val="tx2">
-                      <a:satMod val="155000"/>
-                    </a:schemeClr>
-                  </a:solidFill>
-                  <a:prstDash val="solid"/>
-                </a:ln>
-                <a:solidFill>
-                  <a:schemeClr val="bg2">
-                    <a:tint val="85000"/>
-                    <a:satMod val="155000"/>
-                  </a:schemeClr>
-                </a:solidFill>
-                <a:effectLst>
-                  <a:outerShdw blurRad="41275" dist="20320" dir="1800000" algn="tl" rotWithShape="0">
-                    <a:srgbClr val="000000">
-                      <a:alpha val="40000"/>
-                    </a:srgbClr>
-                  </a:outerShdw>
-                </a:effectLst>
-              </a:rPr>
-              <a:t>ProductTagMapperTest</a:t>
-            </a:r>
-            <a:endParaRPr lang="cs-CZ" sz="2000" b="1" dirty="0" smtClean="0">
-              <a:ln w="12700">
-                <a:solidFill>
-                  <a:schemeClr val="tx2">
-                    <a:satMod val="155000"/>
-                  </a:schemeClr>
-                </a:solidFill>
-                <a:prstDash val="solid"/>
-              </a:ln>
-              <a:solidFill>
-                <a:schemeClr val="bg2">
-                  <a:tint val="85000"/>
-                  <a:satMod val="155000"/>
-                </a:schemeClr>
-              </a:solidFill>
-              <a:effectLst>
-                <a:outerShdw blurRad="41275" dist="20320" dir="1800000" algn="tl" rotWithShape="0">
-                  <a:srgbClr val="000000">
-                    <a:alpha val="40000"/>
-                  </a:srgbClr>
-                </a:outerShdw>
-              </a:effectLst>
-            </a:endParaRPr>
-          </a:p>
-          <a:p>
-            <a:pPr lvl="1"/>
-            <a:r>
-              <a:rPr lang="cs-CZ" sz="1800" dirty="0" err="1" smtClean="0"/>
-              <a:t>testCountTags</a:t>
-            </a:r>
-            <a:endParaRPr lang="cs-CZ" sz="1800" dirty="0" smtClean="0"/>
-          </a:p>
-          <a:p>
-            <a:pPr lvl="2">
-              <a:buNone/>
-            </a:pPr>
-            <a:r>
-              <a:rPr lang="cs-CZ" sz="1600" dirty="0" err="1" smtClean="0">
-                <a:solidFill>
-                  <a:schemeClr val="tx1"/>
-                </a:solidFill>
-              </a:rPr>
-              <a:t>select</a:t>
-            </a:r>
-            <a:r>
-              <a:rPr lang="cs-CZ" sz="1600" dirty="0" smtClean="0">
-                <a:solidFill>
-                  <a:schemeClr val="tx1"/>
-                </a:solidFill>
-              </a:rPr>
-              <a:t> </a:t>
-            </a:r>
-            <a:r>
-              <a:rPr lang="cs-CZ" sz="1600" dirty="0" err="1" smtClean="0">
-                <a:solidFill>
-                  <a:schemeClr val="tx1"/>
-                </a:solidFill>
-              </a:rPr>
-              <a:t>count</a:t>
-            </a:r>
-            <a:r>
-              <a:rPr lang="cs-CZ" sz="1600" dirty="0" smtClean="0">
-                <a:solidFill>
-                  <a:schemeClr val="tx1"/>
-                </a:solidFill>
-              </a:rPr>
-              <a:t>(*) </a:t>
-            </a:r>
-            <a:r>
-              <a:rPr lang="cs-CZ" sz="1600" dirty="0" err="1" smtClean="0">
-                <a:solidFill>
-                  <a:schemeClr val="tx1"/>
-                </a:solidFill>
-              </a:rPr>
-              <a:t>from</a:t>
-            </a:r>
-            <a:r>
-              <a:rPr lang="cs-CZ" sz="1600" dirty="0" smtClean="0">
-                <a:solidFill>
-                  <a:schemeClr val="tx1"/>
-                </a:solidFill>
-              </a:rPr>
-              <a:t> </a:t>
-            </a:r>
-            <a:r>
-              <a:rPr lang="cs-CZ" sz="1600" dirty="0" err="1" smtClean="0">
-                <a:solidFill>
-                  <a:schemeClr val="tx1"/>
-                </a:solidFill>
-              </a:rPr>
-              <a:t>tag</a:t>
-            </a:r>
-            <a:endParaRPr lang="cs-CZ" sz="1600" dirty="0" smtClean="0">
-              <a:solidFill>
-                <a:schemeClr val="tx1"/>
-              </a:solidFill>
-            </a:endParaRPr>
-          </a:p>
-          <a:p>
-            <a:pPr lvl="1"/>
-            <a:r>
-              <a:rPr lang="cs-CZ" sz="1800" dirty="0" err="1" smtClean="0"/>
-              <a:t>testGetTagById</a:t>
-            </a:r>
-            <a:r>
-              <a:rPr lang="cs-CZ" sz="1800" dirty="0" smtClean="0"/>
-              <a:t>, </a:t>
-            </a:r>
-            <a:r>
-              <a:rPr lang="cs-CZ" sz="1800" dirty="0" err="1" smtClean="0"/>
-              <a:t>testGetImmutableTagById</a:t>
-            </a:r>
-            <a:endParaRPr lang="cs-CZ" sz="1800" dirty="0" smtClean="0"/>
-          </a:p>
-          <a:p>
-            <a:pPr lvl="2">
-              <a:buNone/>
-            </a:pPr>
-            <a:r>
-              <a:rPr lang="en-US" sz="1600" dirty="0" err="1" smtClean="0">
-                <a:solidFill>
-                  <a:schemeClr val="tx1"/>
-                </a:solidFill>
-              </a:rPr>
-              <a:t>select * from tag where id = </a:t>
-            </a:r>
-            <a:r>
-              <a:rPr lang="cs-CZ" sz="1600" dirty="0" err="1" smtClean="0">
-                <a:solidFill>
-                  <a:schemeClr val="tx1"/>
-                </a:solidFill>
-              </a:rPr>
-              <a:t>?</a:t>
-            </a:r>
-          </a:p>
-          <a:p>
-            <a:pPr lvl="1"/>
-            <a:r>
-              <a:rPr lang="cs-CZ" sz="1800" dirty="0" err="1" smtClean="0"/>
-              <a:t>testCreateTag</a:t>
-            </a:r>
-            <a:endParaRPr lang="cs-CZ" sz="1800" dirty="0" smtClean="0"/>
-          </a:p>
-          <a:p>
-            <a:pPr lvl="2">
-              <a:buNone/>
-            </a:pPr>
-            <a:r>
-              <a:rPr lang="cs-CZ" sz="1600" dirty="0" err="1" smtClean="0">
-                <a:solidFill>
-                  <a:schemeClr val="tx1"/>
-                </a:solidFill>
-              </a:rPr>
-              <a:t>call identity()</a:t>
-            </a:r>
-          </a:p>
-          <a:p>
-            <a:pPr lvl="2">
-              <a:buNone/>
-            </a:pPr>
-            <a:r>
-              <a:rPr lang="en-US" sz="1600" dirty="0" err="1" smtClean="0">
-                <a:solidFill>
-                  <a:schemeClr val="tx1"/>
-                </a:solidFill>
-              </a:rPr>
-              <a:t>insert into tag (name) values (</a:t>
-            </a:r>
-            <a:r>
-              <a:rPr lang="cs-CZ" sz="1600" dirty="0" err="1" smtClean="0">
-                <a:solidFill>
-                  <a:schemeClr val="tx1"/>
-                </a:solidFill>
-              </a:rPr>
-              <a:t>?</a:t>
-            </a:r>
-            <a:r>
-              <a:rPr lang="en-US" sz="1600" dirty="0" err="1" smtClean="0">
-                <a:solidFill>
-                  <a:schemeClr val="tx1"/>
-                </a:solidFill>
-              </a:rPr>
-              <a:t>)</a:t>
-            </a:r>
-            <a:endParaRPr lang="cs-CZ" sz="1600" dirty="0" err="1" smtClean="0">
-              <a:solidFill>
-                <a:schemeClr val="tx1"/>
-              </a:solidFill>
-            </a:endParaRPr>
-          </a:p>
-          <a:p>
-            <a:pPr lvl="1"/>
-            <a:r>
-              <a:rPr lang="cs-CZ" sz="1800" dirty="0" err="1" smtClean="0"/>
-              <a:t>testUpdateTag</a:t>
-            </a:r>
-            <a:endParaRPr lang="cs-CZ" sz="1800" dirty="0" smtClean="0"/>
-          </a:p>
-          <a:p>
-            <a:pPr lvl="2">
-              <a:buNone/>
-            </a:pPr>
-            <a:r>
-              <a:rPr lang="en-US" sz="1600" dirty="0" err="1" smtClean="0">
-                <a:solidFill>
-                  <a:schemeClr val="tx1"/>
-                </a:solidFill>
-              </a:rPr>
-              <a:t>update tag</a:t>
-            </a:r>
-            <a:r>
-              <a:rPr lang="cs-CZ" sz="1600" dirty="0" err="1" smtClean="0">
-                <a:solidFill>
-                  <a:schemeClr val="tx1"/>
-                </a:solidFill>
-              </a:rPr>
-              <a:t> </a:t>
-            </a:r>
-            <a:r>
-              <a:rPr lang="en-US" sz="1600" dirty="0" err="1" smtClean="0">
-                <a:solidFill>
-                  <a:schemeClr val="tx1"/>
-                </a:solidFill>
-              </a:rPr>
-              <a:t>set name = </a:t>
-            </a:r>
-            <a:r>
-              <a:rPr lang="cs-CZ" sz="1600" dirty="0" err="1" smtClean="0">
-                <a:solidFill>
-                  <a:schemeClr val="tx1"/>
-                </a:solidFill>
-              </a:rPr>
-              <a:t>? </a:t>
-            </a:r>
-            <a:r>
-              <a:rPr lang="en-US" sz="1600" dirty="0" err="1" smtClean="0">
-                <a:solidFill>
-                  <a:schemeClr val="tx1"/>
-                </a:solidFill>
-              </a:rPr>
-              <a:t>where id = </a:t>
-            </a:r>
-            <a:r>
-              <a:rPr lang="cs-CZ" sz="1600" dirty="0" err="1" smtClean="0">
-                <a:solidFill>
-                  <a:schemeClr val="tx1"/>
-                </a:solidFill>
-              </a:rPr>
-              <a:t>?</a:t>
-            </a:r>
-          </a:p>
-          <a:p>
-            <a:pPr lvl="1"/>
-            <a:r>
-              <a:rPr lang="cs-CZ" sz="1800" dirty="0" err="1" smtClean="0"/>
-              <a:t>testDeleteTag</a:t>
-            </a:r>
-            <a:endParaRPr lang="cs-CZ" sz="1800" dirty="0" smtClean="0"/>
-          </a:p>
-          <a:p>
-            <a:pPr lvl="2">
-              <a:buNone/>
-            </a:pPr>
-            <a:r>
-              <a:rPr lang="en-US" sz="1600" dirty="0" err="1" smtClean="0">
-                <a:solidFill>
-                  <a:schemeClr val="tx1"/>
-                </a:solidFill>
-              </a:rPr>
-              <a:t>delete from tag where id = </a:t>
-            </a:r>
-            <a:r>
-              <a:rPr lang="cs-CZ" sz="1600" dirty="0" err="1" smtClean="0">
-                <a:solidFill>
-                  <a:schemeClr val="tx1"/>
-                </a:solidFill>
-              </a:rPr>
-              <a:t>?</a:t>
-            </a:r>
-          </a:p>
-          <a:p>
-            <a:pPr lvl="1"/>
-            <a:r>
-              <a:rPr lang="cs-CZ" sz="1800" dirty="0" err="1" smtClean="0"/>
-              <a:t>testListTagsOrdered</a:t>
-            </a:r>
-          </a:p>
-          <a:p>
-            <a:pPr lvl="2">
-              <a:buNone/>
-            </a:pPr>
-            <a:r>
-              <a:rPr lang="en-US" sz="1600" dirty="0" err="1" smtClean="0">
-                <a:solidFill>
-                  <a:schemeClr val="tx1"/>
-                </a:solidFill>
-              </a:rPr>
-              <a:t>select * from tag order by </a:t>
-            </a:r>
-            <a:r>
-              <a:rPr lang="cs-CZ" sz="1600" dirty="0" err="1" smtClean="0">
-                <a:solidFill>
-                  <a:schemeClr val="tx1"/>
-                </a:solidFill>
-              </a:rPr>
-              <a:t>column</a:t>
-            </a:r>
-            <a:r>
-              <a:rPr lang="en-US" sz="1600" dirty="0" err="1" smtClean="0">
-                <a:solidFill>
-                  <a:schemeClr val="tx1"/>
-                </a:solidFill>
-              </a:rPr>
-              <a:t> asc</a:t>
-            </a:r>
-            <a:endParaRPr lang="cs-CZ" sz="1600" dirty="0" err="1" smtClean="0">
-              <a:solidFill>
-                <a:schemeClr val="tx1"/>
-              </a:solidFill>
-            </a:endParaRPr>
-          </a:p>
-          <a:p>
-            <a:pPr lvl="1"/>
-            <a:r>
-              <a:rPr lang="cs-CZ" sz="1800" dirty="0" err="1" smtClean="0"/>
-              <a:t>testGetCalculationsInHashMap</a:t>
-            </a:r>
-          </a:p>
-          <a:p>
-            <a:pPr lvl="2">
-              <a:buNone/>
-            </a:pPr>
-            <a:r>
-              <a:rPr lang="cs-CZ" sz="1600" dirty="0" err="1" smtClean="0">
-                <a:solidFill>
-                  <a:schemeClr val="tx1"/>
-                </a:solidFill>
-              </a:rPr>
-              <a:t>s</a:t>
-            </a:r>
-            <a:r>
-              <a:rPr lang="en-US" sz="1600" dirty="0" err="1" smtClean="0">
-                <a:solidFill>
-                  <a:schemeClr val="tx1"/>
-                </a:solidFill>
-              </a:rPr>
-              <a:t>elect</a:t>
-            </a:r>
-            <a:r>
-              <a:rPr lang="cs-CZ" sz="1600" dirty="0" err="1" smtClean="0">
-                <a:solidFill>
-                  <a:schemeClr val="tx1"/>
-                </a:solidFill>
-              </a:rPr>
-              <a:t> </a:t>
-            </a:r>
-            <a:r>
-              <a:rPr lang="en-US" sz="1600" dirty="0" err="1" smtClean="0">
-                <a:solidFill>
-                  <a:schemeClr val="tx1"/>
-                </a:solidFill>
-              </a:rPr>
-              <a:t>avg(length(name)) as averageLength,</a:t>
-            </a:r>
-            <a:r>
-              <a:rPr lang="cs-CZ" sz="1600" dirty="0" err="1" smtClean="0">
-                <a:solidFill>
-                  <a:schemeClr val="tx1"/>
-                </a:solidFill>
-              </a:rPr>
-              <a:t> </a:t>
-            </a:r>
-            <a:r>
-              <a:rPr lang="en-US" sz="1600" dirty="0" err="1" smtClean="0">
-                <a:solidFill>
-                  <a:schemeClr val="tx1"/>
-                </a:solidFill>
-              </a:rPr>
-              <a:t>min(length(name)) as minLength,</a:t>
-            </a:r>
-            <a:r>
-              <a:rPr lang="cs-CZ" sz="1600" dirty="0" err="1" smtClean="0">
-                <a:solidFill>
-                  <a:schemeClr val="tx1"/>
-                </a:solidFill>
-              </a:rPr>
-              <a:t> </a:t>
-            </a:r>
-            <a:r>
-              <a:rPr lang="en-US" sz="1600" dirty="0" err="1" smtClean="0">
-                <a:solidFill>
-                  <a:schemeClr val="tx1"/>
-                </a:solidFill>
-              </a:rPr>
-              <a:t>max(length(name)) as maxLength</a:t>
-            </a:r>
-            <a:r>
-              <a:rPr lang="cs-CZ" sz="1600" dirty="0" err="1" smtClean="0">
-                <a:solidFill>
-                  <a:schemeClr val="tx1"/>
-                </a:solidFill>
-              </a:rPr>
-              <a:t> </a:t>
-            </a:r>
-            <a:r>
-              <a:rPr lang="en-US" sz="1600" dirty="0" err="1" smtClean="0">
-                <a:solidFill>
-                  <a:schemeClr val="tx1"/>
-                </a:solidFill>
-              </a:rPr>
-              <a:t>from tag</a:t>
-            </a:r>
-            <a:endParaRPr lang="cs-CZ" sz="1600" dirty="0" err="1" smtClean="0">
-              <a:solidFill>
-                <a:schemeClr val="tx1"/>
-              </a:solidFill>
-            </a:endParaRPr>
-          </a:p>
-        </p:txBody>
-      </p:sp>
-      <p:sp>
-        <p:nvSpPr>
-          <p:cNvPr id="4" name="Zástupný symbol pro číslo snímku 3"/>
-          <p:cNvSpPr>
-            <a:spLocks noGrp="1"/>
-          </p:cNvSpPr>
-          <p:nvPr>
-            <p:ph type="sldNum" sz="quarter" idx="10"/>
-          </p:nvPr>
-        </p:nvSpPr>
-        <p:spPr/>
-        <p:txBody>
-          <a:bodyPr/>
-          <a:lstStyle/>
-          <a:p>
-            <a:pPr>
-              <a:defRPr/>
-            </a:pPr>
-            <a:fld id="{9AF1F007-AFEE-4035-9C51-B1CFC008845C}" type="slidenum">
-              <a:rPr lang="cs-CZ" smtClean="0"/>
-              <a:pPr>
-                <a:defRPr/>
-              </a:pPr>
-              <a:t>5</a:t>
-            </a:fld>
-            <a:endParaRPr lang="cs-CZ"/>
-          </a:p>
-        </p:txBody>
-      </p:sp>
-      <p:sp>
-        <p:nvSpPr>
-          <p:cNvPr id="5" name="Zástupný symbol pro zápatí 4"/>
-          <p:cNvSpPr>
-            <a:spLocks noGrp="1"/>
-          </p:cNvSpPr>
-          <p:nvPr>
-            <p:ph type="ftr" sz="quarter" idx="11"/>
-          </p:nvPr>
-        </p:nvSpPr>
-        <p:spPr/>
-        <p:txBody>
-          <a:bodyPr/>
-          <a:lstStyle/>
-          <a:p>
-            <a:pPr>
-              <a:defRPr/>
-            </a:pPr>
-            <a:r>
-              <a:rPr lang="cs-CZ" smtClean="0"/>
-              <a:t>www.fg.cz</a:t>
-            </a:r>
-            <a:endParaRPr lang="cs-CZ"/>
-          </a:p>
-        </p:txBody>
-      </p:sp>
-    </p:spTree>
-  </p:cSld>
-  <p:clrMapOvr>
-    <a:masterClrMapping/>
-  </p:clrMapOvr>
-  <p:transition>
-    <p:fade thruBlk="1"/>
-  </p:transition>
-  <p:timing>
-    <p:tnLst>
-      <p:par>
-        <p:cTn id="1" dur="indefinite" restart="never" nodeType="tmRoot"/>
-      </p:par>
-    </p:tnLst>
-  </p:timing>
-</p:sld>
-</file>
-
 <file path=ppt/slides/slide6.xml><?xml version="1.0" encoding="utf-8"?>
 <p:sld xmlns:a="http://schemas.openxmlformats.org/drawingml/2006/main" xmlns:r="http://schemas.openxmlformats.org/officeDocument/2006/relationships" xmlns:p="http://schemas.openxmlformats.org/presentationml/2006/main">
   <p:cSld>
@@ -8693,15 +10682,15 @@
           <a:p>
             <a:r>
               <a:rPr lang="cs-CZ" dirty="0" smtClean="0"/>
-              <a:t>Práce se sekvencemi a </a:t>
+              <a:t>Základní použití </a:t>
             </a:r>
             <a:r>
               <a:rPr lang="cs-CZ" dirty="0" err="1" smtClean="0"/>
-              <a:t>inline</a:t>
+              <a:t>iBatis</a:t>
             </a:r>
             <a:r>
               <a:rPr lang="cs-CZ" dirty="0" smtClean="0"/>
-              <a:t> parametry</a:t>
+              <a:t> 3</a:t>
             </a:r>
             <a:endParaRPr lang="cs-CZ" dirty="0"/>
           </a:p>
@@ -8746,7 +10735,7 @@
                   </a:outerShdw>
                 </a:effectLst>
               </a:rPr>
-              <a:t>B_</a:t>
+              <a:t>A_</a:t>
             </a:r>
             <a:r>
               <a:rPr lang="cs-CZ" sz="2000" b="1" dirty="0" err="1" smtClean="0">
@@ -8772,7 +10761,7 @@
                   </a:outerShdw>
                 </a:effectLst>
               </a:rPr>
-              <a:t>ProductGroupMapperTest</a:t>
+              <a:t>ProductTagMapperTest</a:t>
             </a:r>
             <a:endParaRPr lang="cs-CZ" sz="2000" b="1" dirty="0" smtClean="0">
               <a:ln w="12700">
@@ -8802,15 +10791,7 @@
             <a:pPr lvl="1"/>
             <a:r>
               <a:rPr lang="cs-CZ" sz="1800" dirty="0" err="1" smtClean="0"/>
-              <a:t>testCreateGroup</a:t>
-            </a:r>
-            <a:r>
-              <a:rPr lang="cs-CZ" sz="1800" dirty="0" smtClean="0"/>
-              <a:t>, </a:t>
-            </a:r>
-            <a:r>
-              <a:rPr lang="cs-CZ" sz="1800" dirty="0" err="1" smtClean="0"/>
-              <a:t>testCreateGroupWithNullValue</a:t>
+              <a:t>testCountTags</a:t>
             </a:r>
             <a:endParaRPr lang="cs-CZ" sz="1800" dirty="0" smtClean="0"/>
           </a:p>
@@ -8819,20 +10800,60 @@
               <a:buNone/>
             </a:pPr>
             <a:r>
-              <a:rPr lang="en-US" sz="1600" dirty="0" smtClean="0">
-                <a:solidFill>
-                  <a:schemeClr val="tx1"/>
-                </a:solidFill>
-              </a:rPr>
-              <a:t>call next value for </a:t>
-            </a:r>
-            <a:r>
-              <a:rPr lang="en-US" sz="1600" dirty="0" err="1" smtClean="0">
-                <a:solidFill>
-                  <a:schemeClr val="tx1"/>
-                </a:solidFill>
-              </a:rPr>
-              <a:t>groupSequence</a:t>
+              <a:rPr lang="cs-CZ" sz="1600" dirty="0" err="1" smtClean="0">
+                <a:solidFill>
+                  <a:schemeClr val="tx1"/>
+                </a:solidFill>
+              </a:rPr>
+              <a:t>select</a:t>
+            </a:r>
+            <a:r>
+              <a:rPr lang="cs-CZ" sz="1600" dirty="0" smtClean="0">
+                <a:solidFill>
+                  <a:schemeClr val="tx1"/>
+                </a:solidFill>
+              </a:rPr>
+              <a:t> </a:t>
+            </a:r>
+            <a:r>
+              <a:rPr lang="cs-CZ" sz="1600" dirty="0" err="1" smtClean="0">
+                <a:solidFill>
+                  <a:schemeClr val="tx1"/>
+                </a:solidFill>
+              </a:rPr>
+              <a:t>count</a:t>
+            </a:r>
+            <a:r>
+              <a:rPr lang="cs-CZ" sz="1600" dirty="0" smtClean="0">
+                <a:solidFill>
+                  <a:schemeClr val="tx1"/>
+                </a:solidFill>
+              </a:rPr>
+              <a:t>(*) </a:t>
+            </a:r>
+            <a:r>
+              <a:rPr lang="cs-CZ" sz="1600" dirty="0" err="1" smtClean="0">
+                <a:solidFill>
+                  <a:schemeClr val="tx1"/>
+                </a:solidFill>
+              </a:rPr>
+              <a:t>from</a:t>
+            </a:r>
+            <a:r>
+              <a:rPr lang="cs-CZ" sz="1600" dirty="0" smtClean="0">
+                <a:solidFill>
+                  <a:schemeClr val="tx1"/>
+                </a:solidFill>
+              </a:rPr>
+              <a:t> </a:t>
+            </a:r>
+            <a:r>
+              <a:rPr lang="cs-CZ" sz="1600" dirty="0" err="1" smtClean="0">
+                <a:solidFill>
+                  <a:schemeClr val="tx1"/>
+                </a:solidFill>
+              </a:rPr>
+              <a:t>tag</a:t>
             </a:r>
             <a:endParaRPr lang="cs-CZ" sz="1600" dirty="0" smtClean="0">
               <a:solidFill>
@@ -8841,16 +10862,32 @@
             </a:endParaRPr>
           </a:p>
           <a:p>
+            <a:pPr lvl="1"/>
+            <a:r>
+              <a:rPr lang="cs-CZ" sz="1800" dirty="0" err="1" smtClean="0"/>
+              <a:t>testGetTagById</a:t>
+            </a:r>
+            <a:r>
+              <a:rPr lang="cs-CZ" sz="1800" dirty="0" smtClean="0"/>
+              <a:t>, </a:t>
+            </a:r>
+            <a:r>
+              <a:rPr lang="cs-CZ" sz="1800" dirty="0" err="1" smtClean="0"/>
+              <a:t>testGetImmutableTagById</a:t>
+            </a:r>
+            <a:endParaRPr lang="cs-CZ" sz="1800" dirty="0" smtClean="0"/>
+          </a:p>
+          <a:p>
             <a:pPr lvl="2">
               <a:buNone/>
             </a:pPr>
             <a:r>
-              <a:rPr lang="cs-CZ" sz="1600" dirty="0" smtClean="0">
-                <a:solidFill>
-                  <a:schemeClr val="tx1"/>
-                </a:solidFill>
-              </a:rPr>
-              <a:t>insert </a:t>
+              <a:rPr lang="en-US" sz="1600" dirty="0" err="1" smtClean="0">
+                <a:solidFill>
+                  <a:schemeClr val="tx1"/>
+                </a:solidFill>
+              </a:rPr>
+              <a:t>select * from tag where id = </a:t>
             </a:r>
             <a:r>
               <a:rPr lang="cs-CZ" sz="1600" dirty="0" err="1" smtClean="0">
@@ -8858,10 +10895,86 @@
                   <a:schemeClr val="tx1"/>
                 </a:solidFill>
               </a:rPr>
-              <a:t>into</a:t>
-            </a:r>
-            <a:r>
-              <a:rPr lang="cs-CZ" sz="1600" dirty="0" smtClean="0">
+              <a:t>?</a:t>
+            </a:r>
+          </a:p>
+          <a:p>
+            <a:pPr lvl="1"/>
+            <a:r>
+              <a:rPr lang="cs-CZ" sz="1800" dirty="0" err="1" smtClean="0"/>
+              <a:t>testCreateTag</a:t>
+            </a:r>
+            <a:endParaRPr lang="cs-CZ" sz="1800" dirty="0" smtClean="0"/>
+          </a:p>
+          <a:p>
+            <a:pPr lvl="2">
+              <a:buNone/>
+            </a:pPr>
+            <a:r>
+              <a:rPr lang="cs-CZ" sz="1600" dirty="0" err="1" smtClean="0">
+                <a:solidFill>
+                  <a:schemeClr val="tx1"/>
+                </a:solidFill>
+              </a:rPr>
+              <a:t>call identity()</a:t>
+            </a:r>
+          </a:p>
+          <a:p>
+            <a:pPr lvl="2">
+              <a:buNone/>
+            </a:pPr>
+            <a:r>
+              <a:rPr lang="en-US" sz="1600" dirty="0" err="1" smtClean="0">
+                <a:solidFill>
+                  <a:schemeClr val="tx1"/>
+                </a:solidFill>
+              </a:rPr>
+              <a:t>insert into tag (name) values (</a:t>
+            </a:r>
+            <a:r>
+              <a:rPr lang="cs-CZ" sz="1600" dirty="0" err="1" smtClean="0">
+                <a:solidFill>
+                  <a:schemeClr val="tx1"/>
+                </a:solidFill>
+              </a:rPr>
+              <a:t>?</a:t>
+            </a:r>
+            <a:r>
+              <a:rPr lang="en-US" sz="1600" dirty="0" err="1" smtClean="0">
+                <a:solidFill>
+                  <a:schemeClr val="tx1"/>
+                </a:solidFill>
+              </a:rPr>
+              <a:t>)</a:t>
+            </a:r>
+            <a:endParaRPr lang="cs-CZ" sz="1600" dirty="0" err="1" smtClean="0">
+              <a:solidFill>
+                <a:schemeClr val="tx1"/>
+              </a:solidFill>
+            </a:endParaRPr>
+          </a:p>
+          <a:p>
+            <a:pPr lvl="1"/>
+            <a:r>
+              <a:rPr lang="cs-CZ" sz="1800" dirty="0" err="1" smtClean="0"/>
+              <a:t>testUpdateTag</a:t>
+            </a:r>
+            <a:endParaRPr lang="cs-CZ" sz="1800" dirty="0" smtClean="0"/>
+          </a:p>
+          <a:p>
+            <a:pPr lvl="2">
+              <a:buNone/>
+            </a:pPr>
+            <a:r>
+              <a:rPr lang="en-US" sz="1600" dirty="0" err="1" smtClean="0">
+                <a:solidFill>
+                  <a:schemeClr val="tx1"/>
+                </a:solidFill>
+              </a:rPr>
+              <a:t>update tag</a:t>
+            </a:r>
+            <a:r>
+              <a:rPr lang="cs-CZ" sz="1600" dirty="0" err="1" smtClean="0">
                 <a:solidFill>
                   <a:schemeClr val="tx1"/>
                 </a:solidFill>
@@ -8869,20 +10982,28 @@
               <a:t> </a:t>
             </a:r>
             <a:r>
+              <a:rPr lang="en-US" sz="1600" dirty="0" err="1" smtClean="0">
+                <a:solidFill>
+                  <a:schemeClr val="tx1"/>
+                </a:solidFill>
+              </a:rPr>
+              <a:t>set name = </a:t>
+            </a:r>
+            <a:r>
               <a:rPr lang="cs-CZ" sz="1600" dirty="0" err="1" smtClean="0">
                 <a:solidFill>
                   <a:schemeClr val="tx1"/>
                 </a:solidFill>
               </a:rPr>
-              <a:t>productGroup</a:t>
-            </a:r>
-            <a:r>
-              <a:rPr lang="cs-CZ" sz="1600" dirty="0" smtClean="0">
-                <a:solidFill>
-                  <a:schemeClr val="tx1"/>
-                </a:solidFill>
-              </a:rPr>
-              <a:t> (id, </a:t>
+              <a:t>? </a:t>
+            </a:r>
+            <a:r>
+              <a:rPr lang="en-US" sz="1600" dirty="0" err="1" smtClean="0">
+                <a:solidFill>
+                  <a:schemeClr val="tx1"/>
+                </a:solidFill>
+              </a:rPr>
+              <a:t>where id = </a:t>
             </a:r>
             <a:r>
               <a:rPr lang="cs-CZ" sz="1600" dirty="0" err="1" smtClean="0">
@@ -8890,15 +11011,28 @@
                   <a:schemeClr val="tx1"/>
                 </a:solidFill>
               </a:rPr>
-              <a:t>name</a:t>
-            </a:r>
-            <a:r>
-              <a:rPr lang="cs-CZ" sz="1600" dirty="0" smtClean="0">
-                <a:solidFill>
-                  <a:schemeClr val="tx1"/>
-                </a:solidFill>
-              </a:rPr>
-              <a:t>, </a:t>
+              <a:t>?</a:t>
+            </a:r>
+          </a:p>
+          <a:p>
+            <a:pPr lvl="1"/>
+            <a:r>
+              <a:rPr lang="cs-CZ" sz="1800" dirty="0" err="1" smtClean="0"/>
+              <a:t>testDeleteTag</a:t>
+            </a:r>
+            <a:endParaRPr lang="cs-CZ" sz="1800" dirty="0" smtClean="0"/>
+          </a:p>
+          <a:p>
+            <a:pPr lvl="2">
+              <a:buNone/>
+            </a:pPr>
+            <a:r>
+              <a:rPr lang="en-US" sz="1600" dirty="0" err="1" smtClean="0">
+                <a:solidFill>
+                  <a:schemeClr val="tx1"/>
+                </a:solidFill>
+              </a:rPr>
+              <a:t>delete from tag where id = </a:t>
             </a:r>
             <a:r>
               <a:rPr lang="cs-CZ" sz="1600" dirty="0" err="1" smtClean="0">
@@ -8906,15 +11040,27 @@
                   <a:schemeClr val="tx1"/>
                 </a:solidFill>
               </a:rPr>
-              <a:t>groupType</a:t>
-            </a:r>
-            <a:r>
-              <a:rPr lang="cs-CZ" sz="1600" dirty="0" smtClean="0">
-                <a:solidFill>
-                  <a:schemeClr val="tx1"/>
-                </a:solidFill>
-              </a:rPr>
-              <a:t>) </a:t>
+              <a:t>?</a:t>
+            </a:r>
+          </a:p>
+          <a:p>
+            <a:pPr lvl="1"/>
+            <a:r>
+              <a:rPr lang="cs-CZ" sz="1800" dirty="0" err="1" smtClean="0"/>
+              <a:t>testListTagsOrdered</a:t>
+            </a:r>
+          </a:p>
+          <a:p>
+            <a:pPr lvl="2">
+              <a:buNone/>
+            </a:pPr>
+            <a:r>
+              <a:rPr lang="en-US" sz="1600" dirty="0" err="1" smtClean="0">
+                <a:solidFill>
+                  <a:schemeClr val="tx1"/>
+                </a:solidFill>
+              </a:rPr>
+              <a:t>select * from tag order by </a:t>
             </a:r>
             <a:r>
               <a:rPr lang="cs-CZ" sz="1600" dirty="0" err="1" smtClean="0">
@@ -8922,16 +11068,118 @@
                   <a:schemeClr val="tx1"/>
                 </a:solidFill>
               </a:rPr>
-              <a:t>values</a:t>
-            </a:r>
-            <a:r>
-              <a:rPr lang="cs-CZ" sz="1600" dirty="0" smtClean="0">
-                <a:solidFill>
-                  <a:schemeClr val="tx1"/>
-                </a:solidFill>
-              </a:rPr>
-              <a:t> (?, ?, ?)</a:t>
-            </a:r>
+              <a:t>column</a:t>
+            </a:r>
+            <a:r>
+              <a:rPr lang="en-US" sz="1600" dirty="0" err="1" smtClean="0">
+                <a:solidFill>
+                  <a:schemeClr val="tx1"/>
+                </a:solidFill>
+              </a:rPr>
+              <a:t> asc</a:t>
+            </a:r>
+            <a:endParaRPr lang="cs-CZ" sz="1600" dirty="0" err="1" smtClean="0">
+              <a:solidFill>
+                <a:schemeClr val="tx1"/>
+              </a:solidFill>
+            </a:endParaRPr>
+          </a:p>
+          <a:p>
+            <a:pPr lvl="1"/>
+            <a:r>
+              <a:rPr lang="cs-CZ" sz="1800" dirty="0" err="1" smtClean="0"/>
+              <a:t>testGetCalculationsInHashMap</a:t>
+            </a:r>
+          </a:p>
+          <a:p>
+            <a:pPr lvl="2">
+              <a:buNone/>
+            </a:pPr>
+            <a:r>
+              <a:rPr lang="cs-CZ" sz="1600" dirty="0" err="1" smtClean="0">
+                <a:solidFill>
+                  <a:schemeClr val="tx1"/>
+                </a:solidFill>
+              </a:rPr>
+              <a:t>s</a:t>
+            </a:r>
+            <a:r>
+              <a:rPr lang="en-US" sz="1600" dirty="0" err="1" smtClean="0">
+                <a:solidFill>
+                  <a:schemeClr val="tx1"/>
+                </a:solidFill>
+              </a:rPr>
+              <a:t>elect</a:t>
+            </a:r>
+            <a:r>
+              <a:rPr lang="cs-CZ" sz="1600" dirty="0" err="1" smtClean="0">
+                <a:solidFill>
+                  <a:schemeClr val="tx1"/>
+                </a:solidFill>
+              </a:rPr>
+              <a:t> </a:t>
+            </a:r>
+            <a:r>
+              <a:rPr lang="en-US" sz="1600" dirty="0" err="1" smtClean="0">
+                <a:solidFill>
+                  <a:schemeClr val="tx1"/>
+                </a:solidFill>
+              </a:rPr>
+              <a:t>avg(length(name)) as averageLength,</a:t>
+            </a:r>
+            <a:r>
+              <a:rPr lang="cs-CZ" sz="1600" dirty="0" err="1" smtClean="0">
+                <a:solidFill>
+                  <a:schemeClr val="tx1"/>
+                </a:solidFill>
+              </a:rPr>
+              <a:t> </a:t>
+            </a:r>
+            <a:r>
+              <a:rPr lang="en-US" sz="1600" dirty="0" err="1" smtClean="0">
+                <a:solidFill>
+                  <a:schemeClr val="tx1"/>
+                </a:solidFill>
+              </a:rPr>
+              <a:t>min(length(name)) as minLength,</a:t>
+            </a:r>
+            <a:r>
+              <a:rPr lang="cs-CZ" sz="1600" dirty="0" err="1" smtClean="0">
+                <a:solidFill>
+                  <a:schemeClr val="tx1"/>
+                </a:solidFill>
+              </a:rPr>
+              <a:t> </a:t>
+            </a:r>
+            <a:r>
+              <a:rPr lang="en-US" sz="1600" dirty="0" err="1" smtClean="0">
+                <a:solidFill>
+                  <a:schemeClr val="tx1"/>
+                </a:solidFill>
+              </a:rPr>
+              <a:t>max(length(name)) as maxLength</a:t>
+            </a:r>
+            <a:r>
+              <a:rPr lang="cs-CZ" sz="1600" dirty="0" err="1" smtClean="0">
+                <a:solidFill>
+                  <a:schemeClr val="tx1"/>
+                </a:solidFill>
+              </a:rPr>
+              <a:t> </a:t>
+            </a:r>
+            <a:r>
+              <a:rPr lang="en-US" sz="1600" dirty="0" err="1" smtClean="0">
+                <a:solidFill>
+                  <a:schemeClr val="tx1"/>
+                </a:solidFill>
+              </a:rPr>
+              <a:t>from tag</a:t>
+            </a:r>
+            <a:endParaRPr lang="cs-CZ" sz="1600" dirty="0" err="1" smtClean="0">
+              <a:solidFill>
+                <a:schemeClr val="tx1"/>
+              </a:solidFill>
+            </a:endParaRPr>
           </a:p>
         </p:txBody>
       </p:sp>
@@ -9042,23 +11290,15 @@
           <a:p>
             <a:r>
               <a:rPr lang="cs-CZ" dirty="0" smtClean="0"/>
-              <a:t>Asociace a kolekce - </a:t>
+              <a:t>Práce se sekvencemi a </a:t>
             </a:r>
             <a:r>
               <a:rPr lang="cs-CZ" dirty="0" err="1" smtClean="0"/>
-              <a:t>l</a:t>
-            </a:r>
-            <a:r>
-              <a:rPr lang="cs-CZ" dirty="0" err="1" smtClean="0"/>
-              <a:t>azy</a:t>
+              <a:t>inline</a:t>
             </a:r>
             <a:r>
               <a:rPr lang="cs-CZ" dirty="0" smtClean="0"/>
-              <a:t> </a:t>
-            </a:r>
-            <a:r>
-              <a:rPr lang="cs-CZ" dirty="0" err="1" smtClean="0"/>
-              <a:t>loading</a:t>
+              <a:t> parametry</a:t>
             </a:r>
             <a:endParaRPr lang="cs-CZ" dirty="0"/>
           </a:p>
@@ -9103,7 +11343,7 @@
                   </a:outerShdw>
                 </a:effectLst>
               </a:rPr>
-              <a:t>C_</a:t>
+              <a:t>B_</a:t>
             </a:r>
             <a:r>
               <a:rPr lang="cs-CZ" sz="2000" b="1" dirty="0" err="1" smtClean="0">
@@ -9129,7 +11369,7 @@
                   </a:outerShdw>
                 </a:effectLst>
               </a:rPr>
-              <a:t>ProductMapperTest</a:t>
+              <a:t>ProductGroupMapperTest</a:t>
             </a:r>
             <a:endParaRPr lang="cs-CZ" sz="2000" b="1" dirty="0" smtClean="0">
               <a:ln w="12700">
@@ -9159,7 +11399,15 @@
             <a:pPr lvl="1"/>
             <a:r>
               <a:rPr lang="cs-CZ" sz="1800" dirty="0" err="1" smtClean="0"/>
-              <a:t>testGetLazyProductById</a:t>
+              <a:t>testCreateGroup</a:t>
+            </a:r>
+            <a:r>
+              <a:rPr lang="cs-CZ" sz="1800" dirty="0" smtClean="0"/>
+              <a:t>, </a:t>
+            </a:r>
+            <a:r>
+              <a:rPr lang="cs-CZ" sz="1800" dirty="0" err="1" smtClean="0"/>
+              <a:t>testCreateGroupWithNullValue</a:t>
             </a:r>
             <a:endParaRPr lang="cs-CZ" sz="1800" dirty="0" smtClean="0"/>
           </a:p>
@@ -9173,28 +11421,7 @@
                   <a:schemeClr val="tx1"/>
                 </a:solidFill>
               </a:rPr>
-              <a:t>select * from product where id = </a:t>
-            </a:r>
-            <a:r>
-              <a:rPr lang="cs-CZ" sz="1600" dirty="0" smtClean="0">
-                <a:solidFill>
-                  <a:schemeClr val="tx1"/>
-                </a:solidFill>
-              </a:rPr>
-              <a:t>?</a:t>
-            </a:r>
-          </a:p>
-          <a:p>
-            <a:pPr lvl="2">
-              <a:buNone/>
-            </a:pPr>
-            <a:r>
-              <a:rPr lang="en-US" sz="1600" dirty="0" smtClean="0">
-                <a:solidFill>
-                  <a:schemeClr val="tx1"/>
-                </a:solidFill>
-              </a:rPr>
-              <a:t>select * from </a:t>
+              <a:t>call next value for </a:t>
             </a:r>
             <a:r>
               <a:rPr lang="en-US" sz="1600" dirty="0" err="1" smtClean="0">
@@ -9202,23 +11429,7 @@
                   <a:schemeClr val="tx1"/>
                 </a:solidFill>
               </a:rPr>
-              <a:t>productGroup</a:t>
-            </a:r>
-            <a:r>
-              <a:rPr lang="en-US" sz="1600" dirty="0" smtClean="0">
-                <a:solidFill>
-                  <a:schemeClr val="tx1"/>
-                </a:solidFill>
-              </a:rPr>
-              <a:t> where id = </a:t>
-            </a:r>
-            <a:r>
-              <a:rPr lang="cs-CZ" sz="1600" dirty="0" smtClean="0">
-                <a:solidFill>
-                  <a:schemeClr val="tx1"/>
-                </a:solidFill>
-              </a:rPr>
-              <a:t>?</a:t>
+              <a:t>groupSequence</a:t>
             </a:r>
             <a:endParaRPr lang="cs-CZ" sz="1600" dirty="0" smtClean="0">
               <a:solidFill>
@@ -9227,48 +11438,35 @@
             </a:endParaRPr>
           </a:p>
           <a:p>
-            <a:pPr lvl="1"/>
-            <a:r>
-              <a:rPr lang="cs-CZ" sz="1800" dirty="0" err="1" smtClean="0"/>
-              <a:t>testGetFullLazyProductById</a:t>
-            </a:r>
-            <a:endParaRPr lang="cs-CZ" sz="1800" dirty="0" smtClean="0"/>
-          </a:p>
-          <a:p>
             <a:pPr lvl="2">
               <a:buNone/>
             </a:pPr>
             <a:r>
-              <a:rPr lang="en-US" sz="1600" dirty="0" smtClean="0">
-                <a:solidFill>
-                  <a:schemeClr val="tx1"/>
-                </a:solidFill>
-              </a:rPr>
-              <a:t>select * from product where id = </a:t>
-            </a:r>
-            <a:r>
               <a:rPr lang="cs-CZ" sz="1600" dirty="0" smtClean="0">
                 <a:solidFill>
                   <a:schemeClr val="tx1"/>
                 </a:solidFill>
               </a:rPr>
-              <a:t>?</a:t>
-            </a:r>
-          </a:p>
-          <a:p>
-            <a:pPr lvl="2">
-              <a:buNone/>
-            </a:pPr>
-            <a:r>
-              <a:rPr lang="en-US" sz="1600" dirty="0" smtClean="0">
-                <a:solidFill>
-                  <a:schemeClr val="tx1"/>
-                </a:solidFill>
-              </a:rPr>
-              <a:t>select * from </a:t>
-            </a:r>
-            <a:r>
-              <a:rPr lang="en-US" sz="1600" dirty="0" err="1" smtClean="0">
+              <a:t>insert </a:t>
+            </a:r>
+            <a:r>
+              <a:rPr lang="cs-CZ" sz="1600" dirty="0" err="1" smtClean="0">
+                <a:solidFill>
+                  <a:schemeClr val="tx1"/>
+                </a:solidFill>
+              </a:rPr>
+              <a:t>into</a:t>
+            </a:r>
+            <a:r>
+              <a:rPr lang="cs-CZ" sz="1600" dirty="0" smtClean="0">
+                <a:solidFill>
+                  <a:schemeClr val="tx1"/>
+                </a:solidFill>
+              </a:rPr>
+              <a:t> </a:t>
+            </a:r>
+            <a:r>
+              <a:rPr lang="cs-CZ" sz="1600" dirty="0" err="1" smtClean="0">
                 <a:solidFill>
                   <a:schemeClr val="tx1"/>
                 </a:solidFill>
@@ -9276,33 +11474,20 @@
               <a:t>productGroup</a:t>
             </a:r>
             <a:r>
-              <a:rPr lang="en-US" sz="1600" dirty="0" smtClean="0">
-                <a:solidFill>
-                  <a:schemeClr val="tx1"/>
-                </a:solidFill>
-              </a:rPr>
-              <a:t> where id = </a:t>
-            </a:r>
-            <a:r>
               <a:rPr lang="cs-CZ" sz="1600" dirty="0" smtClean="0">
                 <a:solidFill>
                   <a:schemeClr val="tx1"/>
                 </a:solidFill>
               </a:rPr>
-              <a:t>?</a:t>
-            </a:r>
-          </a:p>
-          <a:p>
-            <a:pPr lvl="2">
-              <a:buNone/>
-            </a:pPr>
+              <a:t> (id, </a:t>
+            </a:r>
             <a:r>
               <a:rPr lang="cs-CZ" sz="1600" dirty="0" err="1" smtClean="0">
                 <a:solidFill>
                   <a:schemeClr val="tx1"/>
                 </a:solidFill>
               </a:rPr>
-              <a:t>select</a:t>
+              <a:t>name</a:t>
             </a:r>
             <a:r>
               <a:rPr lang="cs-CZ" sz="1600" dirty="0" smtClean="0">
@@ -9310,7 +11495,7 @@
                   <a:schemeClr val="tx1"/>
                 </a:solidFill>
               </a:rPr>
-              <a:t> * </a:t>
+              <a:t>, </a:t>
             </a:r>
             <a:r>
               <a:rPr lang="cs-CZ" sz="1600" dirty="0" err="1" smtClean="0">
@@ -9318,7 +11503,7 @@
                   <a:schemeClr val="tx1"/>
                 </a:solidFill>
               </a:rPr>
-              <a:t>from</a:t>
+              <a:t>groupType</a:t>
             </a:r>
             <a:r>
               <a:rPr lang="cs-CZ" sz="1600" dirty="0" smtClean="0">
@@ -9326,7 +11511,7 @@
                   <a:schemeClr val="tx1"/>
                 </a:solidFill>
               </a:rPr>
-              <a:t> </a:t>
+              <a:t>) </a:t>
             </a:r>
             <a:r>
               <a:rPr lang="cs-CZ" sz="1600" dirty="0" err="1" smtClean="0">
@@ -9334,7 +11519,7 @@
                   <a:schemeClr val="tx1"/>
                 </a:solidFill>
               </a:rPr>
-              <a:t>tag</a:t>
+              <a:t>values</a:t>
             </a:r>
             <a:r>
               <a:rPr lang="cs-CZ" sz="1600" dirty="0" smtClean="0">
@@ -9342,125 +11527,8 @@
                   <a:schemeClr val="tx1"/>
                 </a:solidFill>
               </a:rPr>
-              <a:t> </a:t>
-            </a:r>
-            <a:r>
-              <a:rPr lang="cs-CZ" sz="1600" dirty="0" err="1" smtClean="0">
-                <a:solidFill>
-                  <a:schemeClr val="tx1"/>
-                </a:solidFill>
-              </a:rPr>
-              <a:t>inner</a:t>
-            </a:r>
-            <a:r>
-              <a:rPr lang="cs-CZ" sz="1600" dirty="0" smtClean="0">
-                <a:solidFill>
-                  <a:schemeClr val="tx1"/>
-                </a:solidFill>
-              </a:rPr>
-              <a:t> </a:t>
-            </a:r>
-            <a:r>
-              <a:rPr lang="cs-CZ" sz="1600" dirty="0" err="1" smtClean="0">
-                <a:solidFill>
-                  <a:schemeClr val="tx1"/>
-                </a:solidFill>
-              </a:rPr>
-              <a:t>join</a:t>
-            </a:r>
-            <a:r>
-              <a:rPr lang="cs-CZ" sz="1600" dirty="0" smtClean="0">
-                <a:solidFill>
-                  <a:schemeClr val="tx1"/>
-                </a:solidFill>
-              </a:rPr>
-              <a:t> </a:t>
-            </a:r>
-            <a:r>
-              <a:rPr lang="cs-CZ" sz="1600" dirty="0" err="1" smtClean="0">
-                <a:solidFill>
-                  <a:schemeClr val="tx1"/>
-                </a:solidFill>
-              </a:rPr>
-              <a:t>productTag</a:t>
-            </a:r>
-            <a:r>
-              <a:rPr lang="cs-CZ" sz="1600" dirty="0" smtClean="0">
-                <a:solidFill>
-                  <a:schemeClr val="tx1"/>
-                </a:solidFill>
-              </a:rPr>
-              <a:t> on </a:t>
-            </a:r>
-            <a:r>
-              <a:rPr lang="cs-CZ" sz="1600" dirty="0" err="1" smtClean="0">
-                <a:solidFill>
-                  <a:schemeClr val="tx1"/>
-                </a:solidFill>
-              </a:rPr>
-              <a:t>productTag.idTag</a:t>
-            </a:r>
-            <a:r>
-              <a:rPr lang="cs-CZ" sz="1600" dirty="0" smtClean="0">
-                <a:solidFill>
-                  <a:schemeClr val="tx1"/>
-                </a:solidFill>
-              </a:rPr>
-              <a:t> = </a:t>
-            </a:r>
-            <a:r>
-              <a:rPr lang="cs-CZ" sz="1600" dirty="0" err="1" smtClean="0">
-                <a:solidFill>
-                  <a:schemeClr val="tx1"/>
-                </a:solidFill>
-              </a:rPr>
-              <a:t>tag.id</a:t>
-            </a:r>
-            <a:r>
-              <a:rPr lang="cs-CZ" sz="1600" dirty="0" smtClean="0">
-                <a:solidFill>
-                  <a:schemeClr val="tx1"/>
-                </a:solidFill>
-              </a:rPr>
-              <a:t> </a:t>
-            </a:r>
-            <a:r>
-              <a:rPr lang="cs-CZ" sz="1600" dirty="0" err="1" smtClean="0">
-                <a:solidFill>
-                  <a:schemeClr val="tx1"/>
-                </a:solidFill>
-              </a:rPr>
-              <a:t>where</a:t>
-            </a:r>
-            <a:r>
-              <a:rPr lang="cs-CZ" sz="1600" dirty="0" smtClean="0">
-                <a:solidFill>
-                  <a:schemeClr val="tx1"/>
-                </a:solidFill>
-              </a:rPr>
-              <a:t> </a:t>
-            </a:r>
-            <a:r>
-              <a:rPr lang="cs-CZ" sz="1600" dirty="0" err="1" smtClean="0">
-                <a:solidFill>
-                  <a:schemeClr val="tx1"/>
-                </a:solidFill>
-              </a:rPr>
-              <a:t>productTag.idProduct</a:t>
-            </a:r>
-            <a:r>
-              <a:rPr lang="cs-CZ" sz="1600" dirty="0" smtClean="0">
-                <a:solidFill>
-                  <a:schemeClr val="tx1"/>
-                </a:solidFill>
-              </a:rPr>
-              <a:t> = ?</a:t>
-            </a:r>
-            <a:endParaRPr lang="cs-CZ" sz="1600" dirty="0" smtClean="0">
-              <a:solidFill>
-                <a:schemeClr val="tx1"/>
-              </a:solidFill>
-            </a:endParaRPr>
+              <a:t> (?, ?, ?)</a:t>
+            </a:r>
           </a:p>
         </p:txBody>
       </p:sp>
@@ -9571,15 +11639,15 @@
           <a:p>
             <a:r>
               <a:rPr lang="cs-CZ" dirty="0" smtClean="0"/>
-              <a:t>Asociace a </a:t>
-            </a:r>
-            <a:r>
-              <a:rPr lang="cs-CZ" dirty="0" smtClean="0"/>
-              <a:t>kolekce – </a:t>
+              <a:t>Asociace a kolekce - </a:t>
             </a:r>
             <a:r>
               <a:rPr lang="cs-CZ" dirty="0" err="1" smtClean="0"/>
-              <a:t>inner</a:t>
+              <a:t>l</a:t>
+            </a:r>
+            <a:r>
+              <a:rPr lang="cs-CZ" dirty="0" err="1" smtClean="0"/>
+              <a:t>azy</a:t>
             </a:r>
             <a:r>
               <a:rPr lang="cs-CZ" dirty="0" smtClean="0"/>
@@ -9587,7 +11655,7 @@
             </a:r>
             <a:r>
               <a:rPr lang="cs-CZ" dirty="0" err="1" smtClean="0"/>
-              <a:t>join</a:t>
+              <a:t>loading</a:t>
             </a:r>
             <a:endParaRPr lang="cs-CZ" dirty="0"/>
           </a:p>
@@ -9688,15 +11756,7 @@
             <a:pPr lvl="1"/>
             <a:r>
               <a:rPr lang="cs-CZ" sz="1800" dirty="0" err="1" smtClean="0"/>
-              <a:t>testGetProducts</a:t>
-            </a:r>
-            <a:r>
-              <a:rPr lang="cs-CZ" sz="1800" dirty="0" smtClean="0"/>
-              <a:t>, </a:t>
-            </a:r>
-            <a:r>
-              <a:rPr lang="cs-CZ" sz="1800" dirty="0" err="1" smtClean="0"/>
-              <a:t>testGetProductsRowBounds</a:t>
+              <a:t>testGetLazyProductById</a:t>
             </a:r>
             <a:endParaRPr lang="cs-CZ" sz="1800" dirty="0" smtClean="0"/>
           </a:p>
@@ -9705,12 +11765,12 @@
               <a:buNone/>
             </a:pPr>
             <a:r>
-              <a:rPr lang="cs-CZ" sz="1600" dirty="0" err="1" smtClean="0">
-                <a:solidFill>
-                  <a:schemeClr val="tx1"/>
-                </a:solidFill>
-              </a:rPr>
-              <a:t>select</a:t>
+              <a:rPr lang="en-US" sz="1600" dirty="0" smtClean="0">
+                <a:solidFill>
+                  <a:schemeClr val="tx1"/>
+                </a:solidFill>
+              </a:rPr>
+              <a:t>select * from product where id = </a:t>
             </a:r>
             <a:r>
               <a:rPr lang="cs-CZ" sz="1600" dirty="0" smtClean="0">
@@ -9718,15 +11778,36 @@
                   <a:schemeClr val="tx1"/>
                 </a:solidFill>
               </a:rPr>
-              <a:t> </a:t>
-            </a:r>
-            <a:r>
-              <a:rPr lang="cs-CZ" sz="1600" dirty="0" err="1" smtClean="0">
-                <a:solidFill>
-                  <a:schemeClr val="tx1"/>
-                </a:solidFill>
-              </a:rPr>
-              <a:t>product</a:t>
+              <a:t>?</a:t>
+            </a:r>
+          </a:p>
+          <a:p>
+            <a:pPr lvl="2">
+              <a:buNone/>
+            </a:pPr>
+            <a:r>
+              <a:rPr lang="en-US" sz="1600" dirty="0" smtClean="0">
+                <a:solidFill>
+                  <a:schemeClr val="tx1"/>
+                </a:solidFill>
+              </a:rPr>
+              <a:t>select * from </a:t>
+            </a:r>
+            <a:r>
+              <a:rPr lang="en-US" sz="1600" dirty="0" err="1" smtClean="0">
+                <a:solidFill>
+                  <a:schemeClr val="tx1"/>
+                </a:solidFill>
+              </a:rPr>
+              <a:t>productGroup</a:t>
+            </a:r>
+            <a:r>
+              <a:rPr lang="en-US" sz="1600" dirty="0" smtClean="0">
+                <a:solidFill>
+                  <a:schemeClr val="tx1"/>
+                </a:solidFill>
+              </a:rPr>
+              <a:t> where id = </a:t>
             </a:r>
             <a:r>
               <a:rPr lang="cs-CZ" sz="1600" dirty="0" smtClean="0">
@@ -9734,159 +11815,7 @@
                   <a:schemeClr val="tx1"/>
                 </a:solidFill>
               </a:rPr>
-              <a:t>.*, </a:t>
-            </a:r>
-            <a:r>
-              <a:rPr lang="cs-CZ" sz="1600" dirty="0" err="1" smtClean="0">
-                <a:solidFill>
-                  <a:schemeClr val="tx1"/>
-                </a:solidFill>
-              </a:rPr>
-              <a:t>productGroup.name</a:t>
-            </a:r>
-            <a:r>
-              <a:rPr lang="cs-CZ" sz="1600" dirty="0" smtClean="0">
-                <a:solidFill>
-                  <a:schemeClr val="tx1"/>
-                </a:solidFill>
-              </a:rPr>
-              <a:t> as </a:t>
-            </a:r>
-            <a:r>
-              <a:rPr lang="cs-CZ" sz="1600" dirty="0" err="1" smtClean="0">
-                <a:solidFill>
-                  <a:schemeClr val="tx1"/>
-                </a:solidFill>
-              </a:rPr>
-              <a:t>groupName</a:t>
-            </a:r>
-            <a:r>
-              <a:rPr lang="cs-CZ" sz="1600" dirty="0" smtClean="0">
-                <a:solidFill>
-                  <a:schemeClr val="tx1"/>
-                </a:solidFill>
-              </a:rPr>
-              <a:t>, </a:t>
-            </a:r>
-            <a:r>
-              <a:rPr lang="cs-CZ" sz="1600" dirty="0" err="1" smtClean="0">
-                <a:solidFill>
-                  <a:schemeClr val="tx1"/>
-                </a:solidFill>
-              </a:rPr>
-              <a:t>productGroup.groupType</a:t>
-            </a:r>
-            <a:r>
-              <a:rPr lang="cs-CZ" sz="1600" dirty="0" smtClean="0">
-                <a:solidFill>
-                  <a:schemeClr val="tx1"/>
-                </a:solidFill>
-              </a:rPr>
-              <a:t> </a:t>
-            </a:r>
-            <a:r>
-              <a:rPr lang="cs-CZ" sz="1600" dirty="0" err="1" smtClean="0">
-                <a:solidFill>
-                  <a:schemeClr val="tx1"/>
-                </a:solidFill>
-              </a:rPr>
-              <a:t>from</a:t>
-            </a:r>
-            <a:r>
-              <a:rPr lang="cs-CZ" sz="1600" dirty="0" smtClean="0">
-                <a:solidFill>
-                  <a:schemeClr val="tx1"/>
-                </a:solidFill>
-              </a:rPr>
-              <a:t> </a:t>
-            </a:r>
-            <a:r>
-              <a:rPr lang="cs-CZ" sz="1600" dirty="0" err="1" smtClean="0">
-                <a:solidFill>
-                  <a:schemeClr val="tx1"/>
-                </a:solidFill>
-              </a:rPr>
-              <a:t>product</a:t>
-            </a:r>
-            <a:r>
-              <a:rPr lang="cs-CZ" sz="1600" dirty="0" smtClean="0">
-                <a:solidFill>
-                  <a:schemeClr val="tx1"/>
-                </a:solidFill>
-              </a:rPr>
-              <a:t> </a:t>
-            </a:r>
-            <a:r>
-              <a:rPr lang="cs-CZ" sz="1600" dirty="0" err="1" smtClean="0">
-                <a:solidFill>
-                  <a:schemeClr val="tx1"/>
-                </a:solidFill>
-              </a:rPr>
-              <a:t>inner</a:t>
-            </a:r>
-            <a:r>
-              <a:rPr lang="cs-CZ" sz="1600" dirty="0" smtClean="0">
-                <a:solidFill>
-                  <a:schemeClr val="tx1"/>
-                </a:solidFill>
-              </a:rPr>
-              <a:t> </a:t>
-            </a:r>
-            <a:r>
-              <a:rPr lang="cs-CZ" sz="1600" dirty="0" err="1" smtClean="0">
-                <a:solidFill>
-                  <a:schemeClr val="tx1"/>
-                </a:solidFill>
-              </a:rPr>
-              <a:t>join</a:t>
-            </a:r>
-            <a:r>
-              <a:rPr lang="cs-CZ" sz="1600" dirty="0" smtClean="0">
-                <a:solidFill>
-                  <a:schemeClr val="tx1"/>
-                </a:solidFill>
-              </a:rPr>
-              <a:t> </a:t>
-            </a:r>
-            <a:r>
-              <a:rPr lang="cs-CZ" sz="1600" dirty="0" err="1" smtClean="0">
-                <a:solidFill>
-                  <a:schemeClr val="tx1"/>
-                </a:solidFill>
-              </a:rPr>
-              <a:t>productGroup</a:t>
-            </a:r>
-            <a:r>
-              <a:rPr lang="cs-CZ" sz="1600" dirty="0" smtClean="0">
-                <a:solidFill>
-                  <a:schemeClr val="tx1"/>
-                </a:solidFill>
-              </a:rPr>
-              <a:t> on </a:t>
-            </a:r>
-            <a:r>
-              <a:rPr lang="cs-CZ" sz="1600" dirty="0" err="1" smtClean="0">
-                <a:solidFill>
-                  <a:schemeClr val="tx1"/>
-                </a:solidFill>
-              </a:rPr>
-              <a:t>idGroup</a:t>
-            </a:r>
-            <a:r>
-              <a:rPr lang="cs-CZ" sz="1600" dirty="0" smtClean="0">
-                <a:solidFill>
-                  <a:schemeClr val="tx1"/>
-                </a:solidFill>
-              </a:rPr>
-              <a:t> = </a:t>
-            </a:r>
-            <a:r>
-              <a:rPr lang="cs-CZ" sz="1600" dirty="0" err="1" smtClean="0">
-                <a:solidFill>
-                  <a:schemeClr val="tx1"/>
-                </a:solidFill>
-              </a:rPr>
-              <a:t>productGroup.id</a:t>
+              <a:t>?</a:t>
             </a:r>
             <a:endParaRPr lang="cs-CZ" sz="1600" dirty="0" smtClean="0">
               <a:solidFill>
@@ -9898,7 +11827,7 @@
             <a:pPr lvl="1"/>
             <a:r>
               <a:rPr lang="cs-CZ" sz="1800" dirty="0" err="1" smtClean="0"/>
-              <a:t>testGetProductById</a:t>
+              <a:t>testGetFullLazyProductById</a:t>
             </a:r>
             <a:endParaRPr lang="cs-CZ" sz="1800" dirty="0" smtClean="0"/>
           </a:p>
@@ -9907,12 +11836,12 @@
               <a:buNone/>
             </a:pPr>
             <a:r>
-              <a:rPr lang="cs-CZ" sz="1600" dirty="0" err="1" smtClean="0">
-                <a:solidFill>
-                  <a:schemeClr val="tx1"/>
-                </a:solidFill>
-              </a:rPr>
-              <a:t>select</a:t>
+              <a:rPr lang="en-US" sz="1600" dirty="0" smtClean="0">
+                <a:solidFill>
+                  <a:schemeClr val="tx1"/>
+                </a:solidFill>
+              </a:rPr>
+              <a:t>select * from product where id = </a:t>
             </a:r>
             <a:r>
               <a:rPr lang="cs-CZ" sz="1600" dirty="0" smtClean="0">
@@ -9920,236 +11849,36 @@
                   <a:schemeClr val="tx1"/>
                 </a:solidFill>
               </a:rPr>
-              <a:t> </a:t>
-            </a:r>
-            <a:r>
-              <a:rPr lang="cs-CZ" sz="1600" dirty="0" err="1" smtClean="0">
-                <a:solidFill>
-                  <a:schemeClr val="tx1"/>
-                </a:solidFill>
-              </a:rPr>
-              <a:t>product</a:t>
-            </a:r>
-            <a:r>
-              <a:rPr lang="cs-CZ" sz="1600" dirty="0" smtClean="0">
-                <a:solidFill>
-                  <a:schemeClr val="tx1"/>
-                </a:solidFill>
-              </a:rPr>
-              <a:t>.*, </a:t>
-            </a:r>
-            <a:r>
-              <a:rPr lang="cs-CZ" sz="1600" dirty="0" err="1" smtClean="0">
-                <a:solidFill>
-                  <a:schemeClr val="tx1"/>
-                </a:solidFill>
-              </a:rPr>
-              <a:t>productGroup.name</a:t>
-            </a:r>
-            <a:r>
-              <a:rPr lang="cs-CZ" sz="1600" dirty="0" smtClean="0">
-                <a:solidFill>
-                  <a:schemeClr val="tx1"/>
-                </a:solidFill>
-              </a:rPr>
-              <a:t> as </a:t>
-            </a:r>
-            <a:r>
-              <a:rPr lang="cs-CZ" sz="1600" dirty="0" err="1" smtClean="0">
-                <a:solidFill>
-                  <a:schemeClr val="tx1"/>
-                </a:solidFill>
-              </a:rPr>
-              <a:t>groupName</a:t>
-            </a:r>
-            <a:r>
-              <a:rPr lang="cs-CZ" sz="1600" dirty="0" smtClean="0">
-                <a:solidFill>
-                  <a:schemeClr val="tx1"/>
-                </a:solidFill>
-              </a:rPr>
-              <a:t>, </a:t>
-            </a:r>
-            <a:r>
-              <a:rPr lang="cs-CZ" sz="1600" dirty="0" err="1" smtClean="0">
-                <a:solidFill>
-                  <a:schemeClr val="tx1"/>
-                </a:solidFill>
-              </a:rPr>
-              <a:t>productGroup.groupType</a:t>
-            </a:r>
-            <a:r>
-              <a:rPr lang="cs-CZ" sz="1600" dirty="0" smtClean="0">
-                <a:solidFill>
-                  <a:schemeClr val="tx1"/>
-                </a:solidFill>
-              </a:rPr>
-              <a:t> </a:t>
-            </a:r>
-            <a:r>
-              <a:rPr lang="cs-CZ" sz="1600" dirty="0" err="1" smtClean="0">
-                <a:solidFill>
-                  <a:schemeClr val="tx1"/>
-                </a:solidFill>
-              </a:rPr>
-              <a:t>from</a:t>
-            </a:r>
-            <a:r>
-              <a:rPr lang="cs-CZ" sz="1600" dirty="0" smtClean="0">
-                <a:solidFill>
-                  <a:schemeClr val="tx1"/>
-                </a:solidFill>
-              </a:rPr>
-              <a:t> </a:t>
-            </a:r>
-            <a:r>
-              <a:rPr lang="cs-CZ" sz="1600" dirty="0" err="1" smtClean="0">
-                <a:solidFill>
-                  <a:schemeClr val="tx1"/>
-                </a:solidFill>
-              </a:rPr>
-              <a:t>product</a:t>
-            </a:r>
-            <a:r>
-              <a:rPr lang="cs-CZ" sz="1600" dirty="0" smtClean="0">
-                <a:solidFill>
-                  <a:schemeClr val="tx1"/>
-                </a:solidFill>
-              </a:rPr>
-              <a:t> </a:t>
-            </a:r>
-            <a:r>
-              <a:rPr lang="cs-CZ" sz="1600" dirty="0" err="1" smtClean="0">
-                <a:solidFill>
-                  <a:schemeClr val="tx1"/>
-                </a:solidFill>
-              </a:rPr>
-              <a:t>inner</a:t>
-            </a:r>
-            <a:r>
-              <a:rPr lang="cs-CZ" sz="1600" dirty="0" smtClean="0">
-                <a:solidFill>
-                  <a:schemeClr val="tx1"/>
-                </a:solidFill>
-              </a:rPr>
-              <a:t> </a:t>
-            </a:r>
-            <a:r>
-              <a:rPr lang="cs-CZ" sz="1600" dirty="0" err="1" smtClean="0">
-                <a:solidFill>
-                  <a:schemeClr val="tx1"/>
-                </a:solidFill>
-              </a:rPr>
-              <a:t>join</a:t>
-            </a:r>
-            <a:r>
-              <a:rPr lang="cs-CZ" sz="1600" dirty="0" smtClean="0">
-                <a:solidFill>
-                  <a:schemeClr val="tx1"/>
-                </a:solidFill>
-              </a:rPr>
-              <a:t> </a:t>
-            </a:r>
-            <a:r>
-              <a:rPr lang="cs-CZ" sz="1600" dirty="0" err="1" smtClean="0">
-                <a:solidFill>
-                  <a:schemeClr val="tx1"/>
-                </a:solidFill>
-              </a:rPr>
-              <a:t>productGroup</a:t>
-            </a:r>
-            <a:r>
-              <a:rPr lang="cs-CZ" sz="1600" dirty="0" smtClean="0">
-                <a:solidFill>
-                  <a:schemeClr val="tx1"/>
-                </a:solidFill>
-              </a:rPr>
-              <a:t> on </a:t>
-            </a:r>
-            <a:r>
-              <a:rPr lang="cs-CZ" sz="1600" dirty="0" err="1" smtClean="0">
-                <a:solidFill>
-                  <a:schemeClr val="tx1"/>
-                </a:solidFill>
-              </a:rPr>
-              <a:t>idGroup</a:t>
-            </a:r>
-            <a:r>
-              <a:rPr lang="cs-CZ" sz="1600" dirty="0" smtClean="0">
-                <a:solidFill>
-                  <a:schemeClr val="tx1"/>
-                </a:solidFill>
-              </a:rPr>
-              <a:t> = </a:t>
-            </a:r>
-            <a:r>
-              <a:rPr lang="cs-CZ" sz="1600" dirty="0" err="1" smtClean="0">
-                <a:solidFill>
-                  <a:schemeClr val="tx1"/>
-                </a:solidFill>
-              </a:rPr>
-              <a:t>productGroup.id</a:t>
-            </a:r>
-            <a:r>
-              <a:rPr lang="cs-CZ" sz="1600" dirty="0" smtClean="0">
-                <a:solidFill>
-                  <a:schemeClr val="tx1"/>
-                </a:solidFill>
-              </a:rPr>
-              <a:t> </a:t>
-            </a:r>
-            <a:r>
-              <a:rPr lang="cs-CZ" sz="1600" dirty="0" err="1" smtClean="0">
-                <a:solidFill>
-                  <a:schemeClr val="tx1"/>
-                </a:solidFill>
-              </a:rPr>
-              <a:t>where</a:t>
-            </a:r>
-            <a:r>
-              <a:rPr lang="cs-CZ" sz="1600" dirty="0" smtClean="0">
-                <a:solidFill>
-                  <a:schemeClr val="tx1"/>
-                </a:solidFill>
-              </a:rPr>
-              <a:t> </a:t>
-            </a:r>
-            <a:r>
-              <a:rPr lang="cs-CZ" sz="1600" dirty="0" err="1" smtClean="0">
-                <a:solidFill>
-                  <a:schemeClr val="tx1"/>
-                </a:solidFill>
-              </a:rPr>
-              <a:t>product.id</a:t>
-            </a:r>
-            <a:r>
-              <a:rPr lang="cs-CZ" sz="1600" dirty="0" smtClean="0">
-                <a:solidFill>
-                  <a:schemeClr val="tx1"/>
-                </a:solidFill>
-              </a:rPr>
-              <a:t> = ?</a:t>
-            </a:r>
-          </a:p>
-          <a:p>
-            <a:pPr lvl="1"/>
-            <a:r>
-              <a:rPr lang="cs-CZ" sz="1800" dirty="0" err="1" smtClean="0"/>
-              <a:t>testGetFullProductById</a:t>
-            </a:r>
-            <a:endParaRPr lang="cs-CZ" sz="1800" dirty="0" smtClean="0"/>
+              <a:t>?</a:t>
+            </a:r>
           </a:p>
           <a:p>
             <a:pPr lvl="2">
               <a:buNone/>
             </a:pPr>
             <a:r>
-              <a:rPr lang="cs-CZ" sz="1600" dirty="0" err="1" smtClean="0">
-                <a:solidFill>
-                  <a:schemeClr val="tx1"/>
-                </a:solidFill>
-              </a:rPr>
-              <a:t>select</a:t>
+              <a:rPr lang="en-US" sz="1600" dirty="0" smtClean="0">
+                <a:solidFill>
+                  <a:schemeClr val="tx1"/>
+                </a:solidFill>
+              </a:rPr>
+              <a:t>select * from </a:t>
+            </a:r>
+            <a:r>
+              <a:rPr lang="en-US" sz="1600" dirty="0" err="1" smtClean="0">
+                <a:solidFill>
+                  <a:schemeClr val="tx1"/>
+                </a:solidFill>
+              </a:rPr>
+              <a:t>productGroup</a:t>
+            </a:r>
+            <a:r>
+              <a:rPr lang="en-US" sz="1600" dirty="0" smtClean="0">
+                <a:solidFill>
+                  <a:schemeClr val="tx1"/>
+                </a:solidFill>
+              </a:rPr>
+              <a:t> where id = </a:t>
             </a:r>
             <a:r>
               <a:rPr lang="cs-CZ" sz="1600" dirty="0" smtClean="0">
@@ -10157,448 +11886,8 @@
                   <a:schemeClr val="tx1"/>
                 </a:solidFill>
               </a:rPr>
-              <a:t> </a:t>
-            </a:r>
-            <a:r>
-              <a:rPr lang="cs-CZ" sz="1600" dirty="0" err="1" smtClean="0">
-                <a:solidFill>
-                  <a:schemeClr val="tx1"/>
-                </a:solidFill>
-              </a:rPr>
-              <a:t>product</a:t>
-            </a:r>
-            <a:r>
-              <a:rPr lang="cs-CZ" sz="1600" dirty="0" smtClean="0">
-                <a:solidFill>
-                  <a:schemeClr val="tx1"/>
-                </a:solidFill>
-              </a:rPr>
-              <a:t>.*, </a:t>
-            </a:r>
-            <a:r>
-              <a:rPr lang="cs-CZ" sz="1600" dirty="0" err="1" smtClean="0">
-                <a:solidFill>
-                  <a:schemeClr val="tx1"/>
-                </a:solidFill>
-              </a:rPr>
-              <a:t>productGroup.name</a:t>
-            </a:r>
-            <a:r>
-              <a:rPr lang="cs-CZ" sz="1600" dirty="0" smtClean="0">
-                <a:solidFill>
-                  <a:schemeClr val="tx1"/>
-                </a:solidFill>
-              </a:rPr>
-              <a:t> as </a:t>
-            </a:r>
-            <a:r>
-              <a:rPr lang="cs-CZ" sz="1600" dirty="0" err="1" smtClean="0">
-                <a:solidFill>
-                  <a:schemeClr val="tx1"/>
-                </a:solidFill>
-              </a:rPr>
-              <a:t>groupName</a:t>
-            </a:r>
-            <a:r>
-              <a:rPr lang="cs-CZ" sz="1600" dirty="0" smtClean="0">
-                <a:solidFill>
-                  <a:schemeClr val="tx1"/>
-                </a:solidFill>
-              </a:rPr>
-              <a:t>, </a:t>
-            </a:r>
-            <a:r>
-              <a:rPr lang="cs-CZ" sz="1600" dirty="0" err="1" smtClean="0">
-                <a:solidFill>
-                  <a:schemeClr val="tx1"/>
-                </a:solidFill>
-              </a:rPr>
-              <a:t>productGroup.groupType</a:t>
-            </a:r>
-            <a:r>
-              <a:rPr lang="cs-CZ" sz="1600" dirty="0" smtClean="0">
-                <a:solidFill>
-                  <a:schemeClr val="tx1"/>
-                </a:solidFill>
-              </a:rPr>
-              <a:t>, </a:t>
-            </a:r>
-            <a:r>
-              <a:rPr lang="cs-CZ" sz="1600" dirty="0" err="1" smtClean="0">
-                <a:solidFill>
-                  <a:schemeClr val="tx1"/>
-                </a:solidFill>
-              </a:rPr>
-              <a:t>tag.id</a:t>
-            </a:r>
-            <a:r>
-              <a:rPr lang="cs-CZ" sz="1600" dirty="0" smtClean="0">
-                <a:solidFill>
-                  <a:schemeClr val="tx1"/>
-                </a:solidFill>
-              </a:rPr>
-              <a:t> as </a:t>
-            </a:r>
-            <a:r>
-              <a:rPr lang="cs-CZ" sz="1600" dirty="0" err="1" smtClean="0">
-                <a:solidFill>
-                  <a:schemeClr val="tx1"/>
-                </a:solidFill>
-              </a:rPr>
-              <a:t>idTag</a:t>
-            </a:r>
-            <a:r>
-              <a:rPr lang="cs-CZ" sz="1600" dirty="0" smtClean="0">
-                <a:solidFill>
-                  <a:schemeClr val="tx1"/>
-                </a:solidFill>
-              </a:rPr>
-              <a:t>, </a:t>
-            </a:r>
-            <a:r>
-              <a:rPr lang="cs-CZ" sz="1600" dirty="0" err="1" smtClean="0">
-                <a:solidFill>
-                  <a:schemeClr val="tx1"/>
-                </a:solidFill>
-              </a:rPr>
-              <a:t>tag.name</a:t>
-            </a:r>
-            <a:r>
-              <a:rPr lang="cs-CZ" sz="1600" dirty="0" smtClean="0">
-                <a:solidFill>
-                  <a:schemeClr val="tx1"/>
-                </a:solidFill>
-              </a:rPr>
-              <a:t> as </a:t>
-            </a:r>
-            <a:r>
-              <a:rPr lang="cs-CZ" sz="1600" dirty="0" err="1" smtClean="0">
-                <a:solidFill>
-                  <a:schemeClr val="tx1"/>
-                </a:solidFill>
-              </a:rPr>
-              <a:t>tagName</a:t>
-            </a:r>
-            <a:r>
-              <a:rPr lang="cs-CZ" sz="1600" dirty="0" smtClean="0">
-                <a:solidFill>
-                  <a:schemeClr val="tx1"/>
-                </a:solidFill>
-              </a:rPr>
-              <a:t> </a:t>
-            </a:r>
-            <a:r>
-              <a:rPr lang="cs-CZ" sz="1600" dirty="0" err="1" smtClean="0">
-                <a:solidFill>
-                  <a:schemeClr val="tx1"/>
-                </a:solidFill>
-              </a:rPr>
-              <a:t>from</a:t>
-            </a:r>
-            <a:r>
-              <a:rPr lang="cs-CZ" sz="1600" dirty="0" smtClean="0">
-                <a:solidFill>
-                  <a:schemeClr val="tx1"/>
-                </a:solidFill>
-              </a:rPr>
-              <a:t> </a:t>
-            </a:r>
-            <a:r>
-              <a:rPr lang="cs-CZ" sz="1600" dirty="0" err="1" smtClean="0">
-                <a:solidFill>
-                  <a:schemeClr val="tx1"/>
-                </a:solidFill>
-              </a:rPr>
-              <a:t>product</a:t>
-            </a:r>
-            <a:r>
-              <a:rPr lang="cs-CZ" sz="1600" dirty="0" smtClean="0">
-                <a:solidFill>
-                  <a:schemeClr val="tx1"/>
-                </a:solidFill>
-              </a:rPr>
-              <a:t> </a:t>
-            </a:r>
-            <a:r>
-              <a:rPr lang="cs-CZ" sz="1600" dirty="0" err="1" smtClean="0">
-                <a:solidFill>
-                  <a:schemeClr val="tx1"/>
-                </a:solidFill>
-              </a:rPr>
-              <a:t>inner</a:t>
-            </a:r>
-            <a:r>
-              <a:rPr lang="cs-CZ" sz="1600" dirty="0" smtClean="0">
-                <a:solidFill>
-                  <a:schemeClr val="tx1"/>
-                </a:solidFill>
-              </a:rPr>
-              <a:t> </a:t>
-            </a:r>
-            <a:r>
-              <a:rPr lang="cs-CZ" sz="1600" dirty="0" err="1" smtClean="0">
-                <a:solidFill>
-                  <a:schemeClr val="tx1"/>
-                </a:solidFill>
-              </a:rPr>
-              <a:t>join</a:t>
-            </a:r>
-            <a:r>
-              <a:rPr lang="cs-CZ" sz="1600" dirty="0" smtClean="0">
-                <a:solidFill>
-                  <a:schemeClr val="tx1"/>
-                </a:solidFill>
-              </a:rPr>
-              <a:t> </a:t>
-            </a:r>
-            <a:r>
-              <a:rPr lang="cs-CZ" sz="1600" dirty="0" err="1" smtClean="0">
-                <a:solidFill>
-                  <a:schemeClr val="tx1"/>
-                </a:solidFill>
-              </a:rPr>
-              <a:t>productGroup</a:t>
-            </a:r>
-            <a:r>
-              <a:rPr lang="cs-CZ" sz="1600" dirty="0" smtClean="0">
-                <a:solidFill>
-                  <a:schemeClr val="tx1"/>
-                </a:solidFill>
-              </a:rPr>
-              <a:t> on </a:t>
-            </a:r>
-            <a:r>
-              <a:rPr lang="cs-CZ" sz="1600" dirty="0" err="1" smtClean="0">
-                <a:solidFill>
-                  <a:schemeClr val="tx1"/>
-                </a:solidFill>
-              </a:rPr>
-              <a:t>idGroup</a:t>
-            </a:r>
-            <a:r>
-              <a:rPr lang="cs-CZ" sz="1600" dirty="0" smtClean="0">
-                <a:solidFill>
-                  <a:schemeClr val="tx1"/>
-                </a:solidFill>
-              </a:rPr>
-              <a:t> = </a:t>
-            </a:r>
-            <a:r>
-              <a:rPr lang="cs-CZ" sz="1600" dirty="0" err="1" smtClean="0">
-                <a:solidFill>
-                  <a:schemeClr val="tx1"/>
-                </a:solidFill>
-              </a:rPr>
-              <a:t>productGroup.id</a:t>
-            </a:r>
-            <a:r>
-              <a:rPr lang="cs-CZ" sz="1600" dirty="0" smtClean="0">
-                <a:solidFill>
-                  <a:schemeClr val="tx1"/>
-                </a:solidFill>
-              </a:rPr>
-              <a:t> </a:t>
-            </a:r>
-            <a:r>
-              <a:rPr lang="cs-CZ" sz="1600" dirty="0" err="1" smtClean="0">
-                <a:solidFill>
-                  <a:schemeClr val="tx1"/>
-                </a:solidFill>
-              </a:rPr>
-              <a:t>left</a:t>
-            </a:r>
-            <a:r>
-              <a:rPr lang="cs-CZ" sz="1600" dirty="0" smtClean="0">
-                <a:solidFill>
-                  <a:schemeClr val="tx1"/>
-                </a:solidFill>
-              </a:rPr>
-              <a:t> </a:t>
-            </a:r>
-            <a:r>
-              <a:rPr lang="cs-CZ" sz="1600" dirty="0" err="1" smtClean="0">
-                <a:solidFill>
-                  <a:schemeClr val="tx1"/>
-                </a:solidFill>
-              </a:rPr>
-              <a:t>join</a:t>
-            </a:r>
-            <a:r>
-              <a:rPr lang="cs-CZ" sz="1600" dirty="0" smtClean="0">
-                <a:solidFill>
-                  <a:schemeClr val="tx1"/>
-                </a:solidFill>
-              </a:rPr>
-              <a:t> </a:t>
-            </a:r>
-            <a:r>
-              <a:rPr lang="cs-CZ" sz="1600" dirty="0" err="1" smtClean="0">
-                <a:solidFill>
-                  <a:schemeClr val="tx1"/>
-                </a:solidFill>
-              </a:rPr>
-              <a:t>productTag</a:t>
-            </a:r>
-            <a:r>
-              <a:rPr lang="cs-CZ" sz="1600" dirty="0" smtClean="0">
-                <a:solidFill>
-                  <a:schemeClr val="tx1"/>
-                </a:solidFill>
-              </a:rPr>
-              <a:t> on </a:t>
-            </a:r>
-            <a:r>
-              <a:rPr lang="cs-CZ" sz="1600" dirty="0" err="1" smtClean="0">
-                <a:solidFill>
-                  <a:schemeClr val="tx1"/>
-                </a:solidFill>
-              </a:rPr>
-              <a:t>product.id</a:t>
-            </a:r>
-            <a:r>
-              <a:rPr lang="cs-CZ" sz="1600" dirty="0" smtClean="0">
-                <a:solidFill>
-                  <a:schemeClr val="tx1"/>
-                </a:solidFill>
-              </a:rPr>
-              <a:t> = </a:t>
-            </a:r>
-            <a:r>
-              <a:rPr lang="cs-CZ" sz="1600" dirty="0" err="1" smtClean="0">
-                <a:solidFill>
-                  <a:schemeClr val="tx1"/>
-                </a:solidFill>
-              </a:rPr>
-              <a:t>productTag.idProduct</a:t>
-            </a:r>
-            <a:r>
-              <a:rPr lang="cs-CZ" sz="1600" dirty="0" smtClean="0">
-                <a:solidFill>
-                  <a:schemeClr val="tx1"/>
-                </a:solidFill>
-              </a:rPr>
-              <a:t> </a:t>
-            </a:r>
-            <a:r>
-              <a:rPr lang="cs-CZ" sz="1600" dirty="0" err="1" smtClean="0">
-                <a:solidFill>
-                  <a:schemeClr val="tx1"/>
-                </a:solidFill>
-              </a:rPr>
-              <a:t>inner</a:t>
-            </a:r>
-            <a:r>
-              <a:rPr lang="cs-CZ" sz="1600" dirty="0" smtClean="0">
-                <a:solidFill>
-                  <a:schemeClr val="tx1"/>
-                </a:solidFill>
-              </a:rPr>
-              <a:t> </a:t>
-            </a:r>
-            <a:r>
-              <a:rPr lang="cs-CZ" sz="1600" dirty="0" err="1" smtClean="0">
-                <a:solidFill>
-                  <a:schemeClr val="tx1"/>
-                </a:solidFill>
-              </a:rPr>
-              <a:t>join</a:t>
-            </a:r>
-            <a:r>
-              <a:rPr lang="cs-CZ" sz="1600" dirty="0" smtClean="0">
-                <a:solidFill>
-                  <a:schemeClr val="tx1"/>
-                </a:solidFill>
-              </a:rPr>
-              <a:t> </a:t>
-            </a:r>
-            <a:r>
-              <a:rPr lang="cs-CZ" sz="1600" dirty="0" err="1" smtClean="0">
-                <a:solidFill>
-                  <a:schemeClr val="tx1"/>
-                </a:solidFill>
-              </a:rPr>
-              <a:t>tag</a:t>
-            </a:r>
-            <a:r>
-              <a:rPr lang="cs-CZ" sz="1600" dirty="0" smtClean="0">
-                <a:solidFill>
-                  <a:schemeClr val="tx1"/>
-                </a:solidFill>
-              </a:rPr>
-              <a:t> on </a:t>
-            </a:r>
-            <a:r>
-              <a:rPr lang="cs-CZ" sz="1600" dirty="0" err="1" smtClean="0">
-                <a:solidFill>
-                  <a:schemeClr val="tx1"/>
-                </a:solidFill>
-              </a:rPr>
-              <a:t>productTag.idTag</a:t>
-            </a:r>
-            <a:r>
-              <a:rPr lang="cs-CZ" sz="1600" dirty="0" smtClean="0">
-                <a:solidFill>
-                  <a:schemeClr val="tx1"/>
-                </a:solidFill>
-              </a:rPr>
-              <a:t> = </a:t>
-            </a:r>
-            <a:r>
-              <a:rPr lang="cs-CZ" sz="1600" dirty="0" err="1" smtClean="0">
-                <a:solidFill>
-                  <a:schemeClr val="tx1"/>
-                </a:solidFill>
-              </a:rPr>
-              <a:t>tag.id</a:t>
-            </a:r>
-            <a:r>
-              <a:rPr lang="cs-CZ" sz="1600" dirty="0" smtClean="0">
-                <a:solidFill>
-                  <a:schemeClr val="tx1"/>
-                </a:solidFill>
-              </a:rPr>
-              <a:t>  </a:t>
-            </a:r>
-            <a:r>
-              <a:rPr lang="cs-CZ" sz="1600" dirty="0" err="1" smtClean="0">
-                <a:solidFill>
-                  <a:schemeClr val="tx1"/>
-                </a:solidFill>
-              </a:rPr>
-              <a:t>where</a:t>
-            </a:r>
-            <a:r>
-              <a:rPr lang="cs-CZ" sz="1600" dirty="0" smtClean="0">
-                <a:solidFill>
-                  <a:schemeClr val="tx1"/>
-                </a:solidFill>
-              </a:rPr>
-              <a:t> </a:t>
-            </a:r>
-            <a:r>
-              <a:rPr lang="cs-CZ" sz="1600" dirty="0" err="1" smtClean="0">
-                <a:solidFill>
-                  <a:schemeClr val="tx1"/>
-                </a:solidFill>
-              </a:rPr>
-              <a:t>product.id</a:t>
-            </a:r>
-            <a:r>
-              <a:rPr lang="cs-CZ" sz="1600" dirty="0" smtClean="0">
-                <a:solidFill>
-                  <a:schemeClr val="tx1"/>
-                </a:solidFill>
-              </a:rPr>
-              <a:t> = ?</a:t>
-            </a:r>
-          </a:p>
-          <a:p>
-            <a:pPr lvl="1"/>
-            <a:r>
-              <a:rPr lang="cs-CZ" sz="1800" dirty="0" err="1" smtClean="0"/>
-              <a:t>testGetProductByNameAndGroup</a:t>
-            </a:r>
-            <a:endParaRPr lang="cs-CZ" sz="1800" dirty="0" smtClean="0"/>
+              <a:t>?</a:t>
+            </a:r>
           </a:p>
           <a:p>
             <a:pPr lvl="2">
@@ -10618,6 +11907,22 @@
                   <a:schemeClr val="tx1"/>
                 </a:solidFill>
               </a:rPr>
+              <a:t> * </a:t>
+            </a:r>
+            <a:r>
+              <a:rPr lang="cs-CZ" sz="1600" dirty="0" err="1" smtClean="0">
+                <a:solidFill>
+                  <a:schemeClr val="tx1"/>
+                </a:solidFill>
+              </a:rPr>
+              <a:t>from</a:t>
+            </a:r>
+            <a:r>
+              <a:rPr lang="cs-CZ" sz="1600" dirty="0" smtClean="0">
+                <a:solidFill>
+                  <a:schemeClr val="tx1"/>
+                </a:solidFill>
+              </a:rPr>
               <a:t> </a:t>
             </a:r>
             <a:r>
@@ -10626,7 +11931,7 @@
                   <a:schemeClr val="tx1"/>
                 </a:solidFill>
               </a:rPr>
-              <a:t>product</a:t>
+              <a:t>tag</a:t>
             </a:r>
             <a:r>
               <a:rPr lang="cs-CZ" sz="1600" dirty="0" smtClean="0">
@@ -10634,7 +11939,7 @@
                   <a:schemeClr val="tx1"/>
                 </a:solidFill>
               </a:rPr>
-              <a:t>.*, </a:t>
+              <a:t> </a:t>
             </a:r>
             <a:r>
               <a:rPr lang="cs-CZ" sz="1600" dirty="0" err="1" smtClean="0">
@@ -10642,7 +11947,7 @@
                   <a:schemeClr val="tx1"/>
                 </a:solidFill>
               </a:rPr>
-              <a:t>productGroup.name</a:t>
+              <a:t>inner</a:t>
             </a:r>
             <a:r>
               <a:rPr lang="cs-CZ" sz="1600" dirty="0" smtClean="0">
@@ -10650,7 +11955,7 @@
                   <a:schemeClr val="tx1"/>
                 </a:solidFill>
               </a:rPr>
-              <a:t> as </a:t>
+              <a:t> </a:t>
             </a:r>
             <a:r>
               <a:rPr lang="cs-CZ" sz="1600" dirty="0" err="1" smtClean="0">
@@ -10658,7 +11963,7 @@
                   <a:schemeClr val="tx1"/>
                 </a:solidFill>
               </a:rPr>
-              <a:t>groupName</a:t>
+              <a:t>join</a:t>
             </a:r>
             <a:r>
               <a:rPr lang="cs-CZ" sz="1600" dirty="0" smtClean="0">
@@ -10666,7 +11971,7 @@
                   <a:schemeClr val="tx1"/>
                 </a:solidFill>
               </a:rPr>
-              <a:t>, </a:t>
+              <a:t> </a:t>
             </a:r>
             <a:r>
               <a:rPr lang="cs-CZ" sz="1600" dirty="0" err="1" smtClean="0">
@@ -10674,7 +11979,7 @@
                   <a:schemeClr val="tx1"/>
                 </a:solidFill>
               </a:rPr>
-              <a:t>productGroup.groupType</a:t>
+              <a:t>productTag</a:t>
             </a:r>
             <a:r>
               <a:rPr lang="cs-CZ" sz="1600" dirty="0" smtClean="0">
@@ -10682,6 +11987,38 @@
                   <a:schemeClr val="tx1"/>
                 </a:solidFill>
               </a:rPr>
+              <a:t> on </a:t>
+            </a:r>
+            <a:r>
+              <a:rPr lang="cs-CZ" sz="1600" dirty="0" err="1" smtClean="0">
+                <a:solidFill>
+                  <a:schemeClr val="tx1"/>
+                </a:solidFill>
+              </a:rPr>
+              <a:t>productTag.idTag</a:t>
+            </a:r>
+            <a:r>
+              <a:rPr lang="cs-CZ" sz="1600" dirty="0" smtClean="0">
+                <a:solidFill>
+                  <a:schemeClr val="tx1"/>
+                </a:solidFill>
+              </a:rPr>
+              <a:t> = </a:t>
+            </a:r>
+            <a:r>
+              <a:rPr lang="cs-CZ" sz="1600" dirty="0" err="1" smtClean="0">
+                <a:solidFill>
+                  <a:schemeClr val="tx1"/>
+                </a:solidFill>
+              </a:rPr>
+              <a:t>tag.id</a:t>
+            </a:r>
+            <a:r>
+              <a:rPr lang="cs-CZ" sz="1600" dirty="0" smtClean="0">
+                <a:solidFill>
+                  <a:schemeClr val="tx1"/>
+                </a:solidFill>
+              </a:rPr>
               <a:t> </a:t>
             </a:r>
             <a:r>
@@ -10690,7 +12027,7 @@
                   <a:schemeClr val="tx1"/>
                 </a:solidFill>
               </a:rPr>
-              <a:t>from</a:t>
+              <a:t>where</a:t>
             </a:r>
             <a:r>
               <a:rPr lang="cs-CZ" sz="1600" dirty="0" smtClean="0">
@@ -10706,7 +12043,7 @@
                   <a:schemeClr val="tx1"/>
                 </a:solidFill>
               </a:rPr>
-              <a:t>product</a:t>
+              <a:t>productTag.idProduct</a:t>
             </a:r>
             <a:r>
               <a:rPr lang="cs-CZ" sz="1600" dirty="0" smtClean="0">
@@ -10714,136 +12051,13 @@
                   <a:schemeClr val="tx1"/>
                 </a:solidFill>
               </a:rPr>
-              <a:t> </a:t>
-            </a:r>
-            <a:r>
-              <a:rPr lang="cs-CZ" sz="1600" dirty="0" err="1" smtClean="0">
-                <a:solidFill>
-                  <a:schemeClr val="tx1"/>
-                </a:solidFill>
-              </a:rPr>
-              <a:t>inner</a:t>
-            </a:r>
-            <a:r>
-              <a:rPr lang="cs-CZ" sz="1600" dirty="0" smtClean="0">
-                <a:solidFill>
-                  <a:schemeClr val="tx1"/>
-                </a:solidFill>
-              </a:rPr>
-              <a:t> </a:t>
-            </a:r>
-            <a:r>
-              <a:rPr lang="cs-CZ" sz="1600" dirty="0" err="1" smtClean="0">
-                <a:solidFill>
-                  <a:schemeClr val="tx1"/>
-                </a:solidFill>
-              </a:rPr>
-              <a:t>join</a:t>
-            </a:r>
-            <a:r>
-              <a:rPr lang="cs-CZ" sz="1600" dirty="0" smtClean="0">
-                <a:solidFill>
-                  <a:schemeClr val="tx1"/>
-                </a:solidFill>
-              </a:rPr>
-              <a:t> </a:t>
-            </a:r>
-            <a:r>
-              <a:rPr lang="cs-CZ" sz="1600" dirty="0" err="1" smtClean="0">
-                <a:solidFill>
-                  <a:schemeClr val="tx1"/>
-                </a:solidFill>
-              </a:rPr>
-              <a:t>productGroup</a:t>
-            </a:r>
-            <a:r>
-              <a:rPr lang="cs-CZ" sz="1600" dirty="0" smtClean="0">
-                <a:solidFill>
-                  <a:schemeClr val="tx1"/>
-                </a:solidFill>
-              </a:rPr>
-              <a:t> on </a:t>
-            </a:r>
-            <a:r>
-              <a:rPr lang="cs-CZ" sz="1600" dirty="0" err="1" smtClean="0">
-                <a:solidFill>
-                  <a:schemeClr val="tx1"/>
-                </a:solidFill>
-              </a:rPr>
-              <a:t>idGroup</a:t>
-            </a:r>
-            <a:r>
-              <a:rPr lang="cs-CZ" sz="1600" dirty="0" smtClean="0">
-                <a:solidFill>
-                  <a:schemeClr val="tx1"/>
-                </a:solidFill>
-              </a:rPr>
-              <a:t> = </a:t>
-            </a:r>
-            <a:r>
-              <a:rPr lang="cs-CZ" sz="1600" dirty="0" err="1" smtClean="0">
-                <a:solidFill>
-                  <a:schemeClr val="tx1"/>
-                </a:solidFill>
-              </a:rPr>
-              <a:t>productGroup.id</a:t>
-            </a:r>
-            <a:r>
-              <a:rPr lang="cs-CZ" sz="1600" dirty="0" smtClean="0">
-                <a:solidFill>
-                  <a:schemeClr val="tx1"/>
-                </a:solidFill>
-              </a:rPr>
-              <a:t> </a:t>
-            </a:r>
-            <a:r>
-              <a:rPr lang="cs-CZ" sz="1600" dirty="0" err="1" smtClean="0">
-                <a:solidFill>
-                  <a:schemeClr val="tx1"/>
-                </a:solidFill>
-              </a:rPr>
-              <a:t>where</a:t>
-            </a:r>
-            <a:r>
-              <a:rPr lang="cs-CZ" sz="1600" dirty="0" smtClean="0">
-                <a:solidFill>
-                  <a:schemeClr val="tx1"/>
-                </a:solidFill>
-              </a:rPr>
-              <a:t> </a:t>
-            </a:r>
-            <a:r>
-              <a:rPr lang="en-US" sz="1600" dirty="0" smtClean="0">
-                <a:solidFill>
-                  <a:schemeClr val="tx1"/>
-                </a:solidFill>
-              </a:rPr>
-              <a:t>name = </a:t>
-            </a:r>
-            <a:r>
-              <a:rPr lang="cs-CZ" sz="1600" dirty="0" smtClean="0">
-                <a:solidFill>
-                  <a:schemeClr val="tx1"/>
-                </a:solidFill>
-              </a:rPr>
-              <a:t>?</a:t>
-            </a:r>
-            <a:r>
-              <a:rPr lang="en-US" sz="1600" dirty="0" smtClean="0">
-                <a:solidFill>
-                  <a:schemeClr val="tx1"/>
-                </a:solidFill>
-              </a:rPr>
-              <a:t> and productGroup.name = </a:t>
-            </a:r>
-            <a:r>
-              <a:rPr lang="cs-CZ" sz="1600" dirty="0" smtClean="0">
-                <a:solidFill>
-                  <a:schemeClr val="tx1"/>
-                </a:solidFill>
-              </a:rPr>
-              <a:t>?</a:t>
-            </a:r>
+              <a:t> = ?</a:t>
+            </a:r>
+            <a:endParaRPr lang="cs-CZ" sz="1600" dirty="0" smtClean="0">
+              <a:solidFill>
+                <a:schemeClr val="tx1"/>
+              </a:solidFill>
+            </a:endParaRPr>
           </a:p>
         </p:txBody>
       </p:sp>
@@ -10954,11 +12168,23 @@
           <a:p>
             <a:r>
               <a:rPr lang="cs-CZ" dirty="0" smtClean="0"/>
-              <a:t>Dynamick</a:t>
+              <a:t>Asociace a </a:t>
             </a:r>
             <a:r>
               <a:rPr lang="cs-CZ" dirty="0" smtClean="0"/>
-              <a:t>é SQL</a:t>
+              <a:t>kolekce – </a:t>
+            </a:r>
+            <a:r>
+              <a:rPr lang="cs-CZ" dirty="0" err="1" smtClean="0"/>
+              <a:t>inner</a:t>
+            </a:r>
+            <a:r>
+              <a:rPr lang="cs-CZ" dirty="0" smtClean="0"/>
+              <a:t> </a:t>
+            </a:r>
+            <a:r>
+              <a:rPr lang="cs-CZ" dirty="0" err="1" smtClean="0"/>
+              <a:t>join</a:t>
             </a:r>
             <a:endParaRPr lang="cs-CZ" dirty="0"/>
           </a:p>
@@ -11003,7 +12229,7 @@
                   </a:outerShdw>
                 </a:effectLst>
               </a:rPr>
-              <a:t>D_</a:t>
+              <a:t>C_</a:t>
             </a:r>
             <a:r>
               <a:rPr lang="cs-CZ" sz="2000" b="1" dirty="0" err="1" smtClean="0">
@@ -11029,41 +12255,45 @@
                   </a:outerShdw>
                 </a:effectLst>
               </a:rPr>
-              <a:t>ConditionalExpressionsTest</a:t>
-            </a:r>
-            <a:r>
-              <a:rPr lang="cs-CZ" sz="2000" b="1" dirty="0" smtClean="0">
-                <a:ln w="12700">
-                  <a:solidFill>
-                    <a:schemeClr val="tx2">
-                      <a:satMod val="155000"/>
-                    </a:schemeClr>
-                  </a:solidFill>
-                  <a:prstDash val="solid"/>
-                </a:ln>
-                <a:solidFill>
-                  <a:schemeClr val="bg2">
-                    <a:tint val="85000"/>
+              <a:t>ProductMapperTest</a:t>
+            </a:r>
+            <a:endParaRPr lang="cs-CZ" sz="2000" b="1" dirty="0" smtClean="0">
+              <a:ln w="12700">
+                <a:solidFill>
+                  <a:schemeClr val="tx2">
                     <a:satMod val="155000"/>
                   </a:schemeClr>
                 </a:solidFill>
-                <a:effectLst>
-                  <a:outerShdw blurRad="41275" dist="20320" dir="1800000" algn="tl" rotWithShape="0">
-                    <a:srgbClr val="000000">
-                      <a:alpha val="40000"/>
-                    </a:srgbClr>
-                  </a:outerShdw>
-                </a:effectLst>
-              </a:rPr>
-              <a:t> (OGNL)</a:t>
-            </a:r>
-            <a:endParaRPr lang="cs-CZ" sz="1800" dirty="0" smtClean="0"/>
+                <a:prstDash val="solid"/>
+              </a:ln>
+              <a:solidFill>
+                <a:schemeClr val="bg2">
+                  <a:tint val="85000"/>
+                  <a:satMod val="155000"/>
+                </a:schemeClr>
+              </a:solidFill>
+              <a:effectLst>
+                <a:outerShdw blurRad="41275" dist="20320" dir="1800000" algn="tl" rotWithShape="0">
+                  <a:srgbClr val="000000">
+                    <a:alpha val="40000"/>
+                  </a:srgbClr>
+                </a:outerShdw>
+              </a:effectLst>
+            </a:endParaRPr>
           </a:p>
           <a:p>
             <a:pPr lvl="1"/>
             <a:r>
               <a:rPr lang="cs-CZ" sz="1800" dirty="0" err="1" smtClean="0"/>
-              <a:t>testCountProducts</a:t>
+              <a:t>testGetProducts</a:t>
+            </a:r>
+            <a:r>
+              <a:rPr lang="cs-CZ" sz="1800" dirty="0" smtClean="0"/>
+              <a:t>, </a:t>
+            </a:r>
+            <a:r>
+              <a:rPr lang="cs-CZ" sz="1800" dirty="0" err="1" smtClean="0"/>
+              <a:t>testGetProductsRowBounds</a:t>
             </a:r>
             <a:endParaRPr lang="cs-CZ" sz="1800" dirty="0" smtClean="0"/>
           </a:p>
@@ -11254,118 +12484,6 @@
                 </a:solidFill>
               </a:rPr>
               <a:t>productGroup.id</a:t>
-            </a:r>
-            <a:r>
-              <a:rPr lang="cs-CZ" sz="1600" dirty="0" smtClean="0">
-                <a:solidFill>
-                  <a:schemeClr val="tx1"/>
-                </a:solidFill>
-              </a:rPr>
-              <a:t> </a:t>
-            </a:r>
-            <a:r>
-              <a:rPr lang="cs-CZ" sz="1600" dirty="0" err="1" smtClean="0">
-                <a:solidFill>
-                  <a:schemeClr val="tx1"/>
-                </a:solidFill>
-              </a:rPr>
-              <a:t>where</a:t>
-            </a:r>
-            <a:r>
-              <a:rPr lang="cs-CZ" sz="1600" dirty="0" smtClean="0">
-                <a:solidFill>
-                  <a:schemeClr val="tx1"/>
-                </a:solidFill>
-              </a:rPr>
-              <a:t> </a:t>
-            </a:r>
-            <a:r>
-              <a:rPr lang="cs-CZ" sz="1600" dirty="0" err="1" smtClean="0">
-                <a:solidFill>
-                  <a:schemeClr val="tx1"/>
-                </a:solidFill>
-              </a:rPr>
-              <a:t>product.name</a:t>
-            </a:r>
-            <a:r>
-              <a:rPr lang="cs-CZ" sz="1600" dirty="0" smtClean="0">
-                <a:solidFill>
-                  <a:schemeClr val="tx1"/>
-                </a:solidFill>
-              </a:rPr>
-              <a:t> </a:t>
-            </a:r>
-            <a:r>
-              <a:rPr lang="cs-CZ" sz="1600" dirty="0" err="1" smtClean="0">
-                <a:solidFill>
-                  <a:schemeClr val="tx1"/>
-                </a:solidFill>
-              </a:rPr>
-              <a:t>like</a:t>
-            </a:r>
-            <a:r>
-              <a:rPr lang="cs-CZ" sz="1600" dirty="0" smtClean="0">
-                <a:solidFill>
-                  <a:schemeClr val="tx1"/>
-                </a:solidFill>
-              </a:rPr>
-              <a:t> </a:t>
-            </a:r>
-            <a:r>
-              <a:rPr lang="cs-CZ" sz="1600" dirty="0" smtClean="0">
-                <a:solidFill>
-                  <a:schemeClr val="tx1"/>
-                </a:solidFill>
-              </a:rPr>
-              <a:t>? </a:t>
-            </a:r>
-            <a:r>
-              <a:rPr lang="cs-CZ" sz="1600" dirty="0" err="1" smtClean="0">
-                <a:solidFill>
-                  <a:schemeClr val="tx1"/>
-                </a:solidFill>
-              </a:rPr>
-              <a:t>and</a:t>
-            </a:r>
-            <a:r>
-              <a:rPr lang="cs-CZ" sz="1600" dirty="0" smtClean="0">
-                <a:solidFill>
-                  <a:schemeClr val="tx1"/>
-                </a:solidFill>
-              </a:rPr>
-              <a:t> </a:t>
-            </a:r>
-            <a:r>
-              <a:rPr lang="cs-CZ" sz="1600" dirty="0" err="1" smtClean="0">
-                <a:solidFill>
-                  <a:schemeClr val="tx1"/>
-                </a:solidFill>
-              </a:rPr>
-              <a:t>productGroup.name</a:t>
-            </a:r>
-            <a:r>
-              <a:rPr lang="cs-CZ" sz="1600" dirty="0" smtClean="0">
-                <a:solidFill>
-                  <a:schemeClr val="tx1"/>
-                </a:solidFill>
-              </a:rPr>
-              <a:t> </a:t>
-            </a:r>
-            <a:r>
-              <a:rPr lang="cs-CZ" sz="1600" dirty="0" err="1" smtClean="0">
-                <a:solidFill>
-                  <a:schemeClr val="tx1"/>
-                </a:solidFill>
-              </a:rPr>
-              <a:t>like</a:t>
-            </a:r>
-            <a:r>
-              <a:rPr lang="cs-CZ" sz="1600" dirty="0" smtClean="0">
-                <a:solidFill>
-                  <a:schemeClr val="tx1"/>
-                </a:solidFill>
-              </a:rPr>
-              <a:t> ?</a:t>
             </a:r>
             <a:endParaRPr lang="cs-CZ" sz="1600" dirty="0" smtClean="0">
               <a:solidFill>
@@ -11377,7 +12495,7 @@
             <a:pPr lvl="1"/>
             <a:r>
               <a:rPr lang="cs-CZ" sz="1800" dirty="0" err="1" smtClean="0"/>
-              <a:t>getProductsByChoose</a:t>
+              <a:t>testGetProductById</a:t>
             </a:r>
             <a:endParaRPr lang="cs-CZ" sz="1800" dirty="0" smtClean="0"/>
           </a:p>
@@ -11599,7 +12717,7 @@
                   <a:schemeClr val="tx1"/>
                 </a:solidFill>
               </a:rPr>
-              <a:t>product.name</a:t>
+              <a:t>product.id</a:t>
             </a:r>
             <a:r>
               <a:rPr lang="cs-CZ" sz="1600" dirty="0" smtClean="0">
@@ -11607,118 +12725,14 @@
                   <a:schemeClr val="tx1"/>
                 </a:solidFill>
               </a:rPr>
-              <a:t> </a:t>
-            </a:r>
-            <a:r>
-              <a:rPr lang="cs-CZ" sz="1600" dirty="0" err="1" smtClean="0">
-                <a:solidFill>
-                  <a:schemeClr val="tx1"/>
-                </a:solidFill>
-              </a:rPr>
-              <a:t>like</a:t>
-            </a:r>
-            <a:r>
-              <a:rPr lang="cs-CZ" sz="1600" dirty="0" smtClean="0">
-                <a:solidFill>
-                  <a:schemeClr val="tx1"/>
-                </a:solidFill>
-              </a:rPr>
-              <a:t> ? </a:t>
-            </a:r>
-            <a:r>
-              <a:rPr lang="cs-CZ" sz="1600" dirty="0" err="1" smtClean="0">
-                <a:solidFill>
-                  <a:schemeClr val="tx1"/>
-                </a:solidFill>
-              </a:rPr>
-              <a:t>and</a:t>
-            </a:r>
-            <a:r>
-              <a:rPr lang="cs-CZ" sz="1600" dirty="0" smtClean="0">
-                <a:solidFill>
-                  <a:schemeClr val="tx1"/>
-                </a:solidFill>
-              </a:rPr>
-              <a:t> </a:t>
-            </a:r>
-            <a:r>
-              <a:rPr lang="cs-CZ" sz="1600" dirty="0" err="1" smtClean="0">
-                <a:solidFill>
-                  <a:schemeClr val="tx1"/>
-                </a:solidFill>
-              </a:rPr>
-              <a:t>productGroup.name</a:t>
-            </a:r>
-            <a:r>
-              <a:rPr lang="cs-CZ" sz="1600" dirty="0" smtClean="0">
-                <a:solidFill>
-                  <a:schemeClr val="tx1"/>
-                </a:solidFill>
-              </a:rPr>
-              <a:t> </a:t>
-            </a:r>
-            <a:r>
-              <a:rPr lang="cs-CZ" sz="1600" dirty="0" err="1" smtClean="0">
-                <a:solidFill>
-                  <a:schemeClr val="tx1"/>
-                </a:solidFill>
-              </a:rPr>
-              <a:t>like</a:t>
-            </a:r>
-            <a:r>
-              <a:rPr lang="cs-CZ" sz="1600" dirty="0" smtClean="0">
-                <a:solidFill>
-                  <a:schemeClr val="tx1"/>
-                </a:solidFill>
-              </a:rPr>
-              <a:t> </a:t>
-            </a:r>
-            <a:r>
-              <a:rPr lang="cs-CZ" sz="1600" dirty="0" smtClean="0">
-                <a:solidFill>
-                  <a:schemeClr val="tx1"/>
-                </a:solidFill>
-              </a:rPr>
-              <a:t>? </a:t>
-            </a:r>
-            <a:r>
-              <a:rPr lang="cs-CZ" sz="1600" dirty="0" err="1" smtClean="0">
-                <a:solidFill>
-                  <a:schemeClr val="tx1"/>
-                </a:solidFill>
-              </a:rPr>
-              <a:t>and</a:t>
-            </a:r>
-            <a:r>
-              <a:rPr lang="cs-CZ" sz="1600" dirty="0" smtClean="0">
-                <a:solidFill>
-                  <a:schemeClr val="tx1"/>
-                </a:solidFill>
-              </a:rPr>
-              <a:t> </a:t>
-            </a:r>
-            <a:r>
-              <a:rPr lang="cs-CZ" sz="1600" dirty="0" err="1" smtClean="0">
-                <a:solidFill>
-                  <a:schemeClr val="tx1"/>
-                </a:solidFill>
-              </a:rPr>
-              <a:t>product.id</a:t>
-            </a:r>
-            <a:r>
-              <a:rPr lang="cs-CZ" sz="1600" dirty="0" smtClean="0">
-                <a:solidFill>
-                  <a:schemeClr val="tx1"/>
-                </a:solidFill>
-              </a:rPr>
-              <a:t> = 1</a:t>
+              <a:t> = ?</a:t>
             </a:r>
           </a:p>
           <a:p>
             <a:pPr lvl="1"/>
             <a:r>
               <a:rPr lang="cs-CZ" sz="1800" dirty="0" err="1" smtClean="0"/>
-              <a:t>getProductsByChoose</a:t>
+              <a:t>testGetFullProductById</a:t>
             </a:r>
             <a:endParaRPr lang="cs-CZ" sz="1800" dirty="0" smtClean="0"/>
           </a:p>
@@ -11732,19 +12746,454 @@
                   <a:schemeClr val="tx1"/>
                 </a:solidFill>
               </a:rPr>
-              <a:t>Select</a:t>
-            </a:r>
-            <a:endParaRPr lang="cs-CZ" sz="1600" dirty="0" smtClean="0">
-              <a:solidFill>
-                <a:schemeClr val="tx1"/>
-              </a:solidFill>
-            </a:endParaRPr>
+              <a:t>select</a:t>
+            </a:r>
+            <a:r>
+              <a:rPr lang="cs-CZ" sz="1600" dirty="0" smtClean="0">
+                <a:solidFill>
+                  <a:schemeClr val="tx1"/>
+                </a:solidFill>
+              </a:rPr>
+              <a:t> </a:t>
+            </a:r>
+            <a:r>
+              <a:rPr lang="cs-CZ" sz="1600" dirty="0" err="1" smtClean="0">
+                <a:solidFill>
+                  <a:schemeClr val="tx1"/>
+                </a:solidFill>
+              </a:rPr>
+              <a:t>product</a:t>
+            </a:r>
+            <a:r>
+              <a:rPr lang="cs-CZ" sz="1600" dirty="0" smtClean="0">
+                <a:solidFill>
+                  <a:schemeClr val="tx1"/>
+                </a:solidFill>
+              </a:rPr>
+              <a:t>.*, </a:t>
+            </a:r>
+            <a:r>
+              <a:rPr lang="cs-CZ" sz="1600" dirty="0" err="1" smtClean="0">
+                <a:solidFill>
+                  <a:schemeClr val="tx1"/>
+                </a:solidFill>
+              </a:rPr>
+              <a:t>productGroup.name</a:t>
+            </a:r>
+            <a:r>
+              <a:rPr lang="cs-CZ" sz="1600" dirty="0" smtClean="0">
+                <a:solidFill>
+                  <a:schemeClr val="tx1"/>
+                </a:solidFill>
+              </a:rPr>
+              <a:t> as </a:t>
+            </a:r>
+            <a:r>
+              <a:rPr lang="cs-CZ" sz="1600" dirty="0" err="1" smtClean="0">
+                <a:solidFill>
+                  <a:schemeClr val="tx1"/>
+                </a:solidFill>
+              </a:rPr>
+              <a:t>groupName</a:t>
+            </a:r>
+            <a:r>
+              <a:rPr lang="cs-CZ" sz="1600" dirty="0" smtClean="0">
+                <a:solidFill>
+                  <a:schemeClr val="tx1"/>
+                </a:solidFill>
+              </a:rPr>
+              <a:t>, </a:t>
+            </a:r>
+            <a:r>
+              <a:rPr lang="cs-CZ" sz="1600" dirty="0" err="1" smtClean="0">
+                <a:solidFill>
+                  <a:schemeClr val="tx1"/>
+                </a:solidFill>
+              </a:rPr>
+              <a:t>productGroup.groupType</a:t>
+            </a:r>
+            <a:r>
+              <a:rPr lang="cs-CZ" sz="1600" dirty="0" smtClean="0">
+                <a:solidFill>
+                  <a:schemeClr val="tx1"/>
+                </a:solidFill>
+              </a:rPr>
+              <a:t>, </a:t>
+            </a:r>
+            <a:r>
+              <a:rPr lang="cs-CZ" sz="1600" dirty="0" err="1" smtClean="0">
+                <a:solidFill>
+                  <a:schemeClr val="tx1"/>
+                </a:solidFill>
+              </a:rPr>
+              <a:t>tag.id</a:t>
+            </a:r>
+            <a:r>
+              <a:rPr lang="cs-CZ" sz="1600" dirty="0" smtClean="0">
+                <a:solidFill>
+                  <a:schemeClr val="tx1"/>
+                </a:solidFill>
+              </a:rPr>
+              <a:t> as </a:t>
+            </a:r>
+            <a:r>
+              <a:rPr lang="cs-CZ" sz="1600" dirty="0" err="1" smtClean="0">
+                <a:solidFill>
+                  <a:schemeClr val="tx1"/>
+                </a:solidFill>
+              </a:rPr>
+              <a:t>idTag</a:t>
+            </a:r>
+            <a:r>
+              <a:rPr lang="cs-CZ" sz="1600" dirty="0" smtClean="0">
+                <a:solidFill>
+                  <a:schemeClr val="tx1"/>
+                </a:solidFill>
+              </a:rPr>
+              <a:t>, </a:t>
+            </a:r>
+            <a:r>
+              <a:rPr lang="cs-CZ" sz="1600" dirty="0" err="1" smtClean="0">
+                <a:solidFill>
+                  <a:schemeClr val="tx1"/>
+                </a:solidFill>
+              </a:rPr>
+              <a:t>tag.name</a:t>
+            </a:r>
+            <a:r>
+              <a:rPr lang="cs-CZ" sz="1600" dirty="0" smtClean="0">
+                <a:solidFill>
+                  <a:schemeClr val="tx1"/>
+                </a:solidFill>
+              </a:rPr>
+              <a:t> as </a:t>
+            </a:r>
+            <a:r>
+              <a:rPr lang="cs-CZ" sz="1600" dirty="0" err="1" smtClean="0">
+                <a:solidFill>
+                  <a:schemeClr val="tx1"/>
+                </a:solidFill>
+              </a:rPr>
+              <a:t>tagName</a:t>
+            </a:r>
+            <a:r>
+              <a:rPr lang="cs-CZ" sz="1600" dirty="0" smtClean="0">
+                <a:solidFill>
+                  <a:schemeClr val="tx1"/>
+                </a:solidFill>
+              </a:rPr>
+              <a:t> </a:t>
+            </a:r>
+            <a:r>
+              <a:rPr lang="cs-CZ" sz="1600" dirty="0" err="1" smtClean="0">
+                <a:solidFill>
+                  <a:schemeClr val="tx1"/>
+                </a:solidFill>
+              </a:rPr>
+              <a:t>from</a:t>
+            </a:r>
+            <a:r>
+              <a:rPr lang="cs-CZ" sz="1600" dirty="0" smtClean="0">
+                <a:solidFill>
+                  <a:schemeClr val="tx1"/>
+                </a:solidFill>
+              </a:rPr>
+              <a:t> </a:t>
+            </a:r>
+            <a:r>
+              <a:rPr lang="cs-CZ" sz="1600" dirty="0" err="1" smtClean="0">
+                <a:solidFill>
+                  <a:schemeClr val="tx1"/>
+                </a:solidFill>
+              </a:rPr>
+              <a:t>product</a:t>
+            </a:r>
+            <a:r>
+              <a:rPr lang="cs-CZ" sz="1600" dirty="0" smtClean="0">
+                <a:solidFill>
+                  <a:schemeClr val="tx1"/>
+                </a:solidFill>
+              </a:rPr>
+              <a:t> </a:t>
+            </a:r>
+            <a:r>
+              <a:rPr lang="cs-CZ" sz="1600" dirty="0" err="1" smtClean="0">
+                <a:solidFill>
+                  <a:schemeClr val="tx1"/>
+                </a:solidFill>
+              </a:rPr>
+              <a:t>inner</a:t>
+            </a:r>
+            <a:r>
+              <a:rPr lang="cs-CZ" sz="1600" dirty="0" smtClean="0">
+                <a:solidFill>
+                  <a:schemeClr val="tx1"/>
+                </a:solidFill>
+              </a:rPr>
+              <a:t> </a:t>
+            </a:r>
+            <a:r>
+              <a:rPr lang="cs-CZ" sz="1600" dirty="0" err="1" smtClean="0">
+                <a:solidFill>
+                  <a:schemeClr val="tx1"/>
+                </a:solidFill>
+              </a:rPr>
+              <a:t>join</a:t>
+            </a:r>
+            <a:r>
+              <a:rPr lang="cs-CZ" sz="1600" dirty="0" smtClean="0">
+                <a:solidFill>
+                  <a:schemeClr val="tx1"/>
+                </a:solidFill>
+              </a:rPr>
+              <a:t> </a:t>
+            </a:r>
+            <a:r>
+              <a:rPr lang="cs-CZ" sz="1600" dirty="0" err="1" smtClean="0">
+                <a:solidFill>
+                  <a:schemeClr val="tx1"/>
+                </a:solidFill>
+              </a:rPr>
+              <a:t>productGroup</a:t>
+            </a:r>
+            <a:r>
+              <a:rPr lang="cs-CZ" sz="1600" dirty="0" smtClean="0">
+                <a:solidFill>
+                  <a:schemeClr val="tx1"/>
+                </a:solidFill>
+              </a:rPr>
+              <a:t> on </a:t>
+            </a:r>
+            <a:r>
+              <a:rPr lang="cs-CZ" sz="1600" dirty="0" err="1" smtClean="0">
+                <a:solidFill>
+                  <a:schemeClr val="tx1"/>
+                </a:solidFill>
+              </a:rPr>
+              <a:t>idGroup</a:t>
+            </a:r>
+            <a:r>
+              <a:rPr lang="cs-CZ" sz="1600" dirty="0" smtClean="0">
+                <a:solidFill>
+                  <a:schemeClr val="tx1"/>
+                </a:solidFill>
+              </a:rPr>
+              <a:t> = </a:t>
+            </a:r>
+            <a:r>
+              <a:rPr lang="cs-CZ" sz="1600" dirty="0" err="1" smtClean="0">
+                <a:solidFill>
+                  <a:schemeClr val="tx1"/>
+                </a:solidFill>
+              </a:rPr>
+              <a:t>productGroup.id</a:t>
+            </a:r>
+            <a:r>
+              <a:rPr lang="cs-CZ" sz="1600" dirty="0" smtClean="0">
+                <a:solidFill>
+                  <a:schemeClr val="tx1"/>
+                </a:solidFill>
+              </a:rPr>
+              <a:t> </a:t>
+            </a:r>
+            <a:r>
+              <a:rPr lang="cs-CZ" sz="1600" dirty="0" err="1" smtClean="0">
+                <a:solidFill>
+                  <a:schemeClr val="tx1"/>
+                </a:solidFill>
+              </a:rPr>
+              <a:t>left</a:t>
+            </a:r>
+            <a:r>
+              <a:rPr lang="cs-CZ" sz="1600" dirty="0" smtClean="0">
+                <a:solidFill>
+                  <a:schemeClr val="tx1"/>
+                </a:solidFill>
+              </a:rPr>
+              <a:t> </a:t>
+            </a:r>
+            <a:r>
+              <a:rPr lang="cs-CZ" sz="1600" dirty="0" err="1" smtClean="0">
+                <a:solidFill>
+                  <a:schemeClr val="tx1"/>
+                </a:solidFill>
+              </a:rPr>
+              <a:t>join</a:t>
+            </a:r>
+            <a:r>
+              <a:rPr lang="cs-CZ" sz="1600" dirty="0" smtClean="0">
+                <a:solidFill>
+                  <a:schemeClr val="tx1"/>
+                </a:solidFill>
+              </a:rPr>
+              <a:t> </a:t>
+            </a:r>
+            <a:r>
+              <a:rPr lang="cs-CZ" sz="1600" dirty="0" err="1" smtClean="0">
+                <a:solidFill>
+                  <a:schemeClr val="tx1"/>
+                </a:solidFill>
+              </a:rPr>
+              <a:t>productTag</a:t>
+            </a:r>
+            <a:r>
+              <a:rPr lang="cs-CZ" sz="1600" dirty="0" smtClean="0">
+                <a:solidFill>
+                  <a:schemeClr val="tx1"/>
+                </a:solidFill>
+              </a:rPr>
+              <a:t> on </a:t>
+            </a:r>
+            <a:r>
+              <a:rPr lang="cs-CZ" sz="1600" dirty="0" err="1" smtClean="0">
+                <a:solidFill>
+                  <a:schemeClr val="tx1"/>
+                </a:solidFill>
+              </a:rPr>
+              <a:t>product.id</a:t>
+            </a:r>
+            <a:r>
+              <a:rPr lang="cs-CZ" sz="1600" dirty="0" smtClean="0">
+                <a:solidFill>
+                  <a:schemeClr val="tx1"/>
+                </a:solidFill>
+              </a:rPr>
+              <a:t> = </a:t>
+            </a:r>
+            <a:r>
+              <a:rPr lang="cs-CZ" sz="1600" dirty="0" err="1" smtClean="0">
+                <a:solidFill>
+                  <a:schemeClr val="tx1"/>
+                </a:solidFill>
+              </a:rPr>
+              <a:t>productTag.idProduct</a:t>
+            </a:r>
+            <a:r>
+              <a:rPr lang="cs-CZ" sz="1600" dirty="0" smtClean="0">
+                <a:solidFill>
+                  <a:schemeClr val="tx1"/>
+                </a:solidFill>
+              </a:rPr>
+              <a:t> </a:t>
+            </a:r>
+            <a:r>
+              <a:rPr lang="cs-CZ" sz="1600" dirty="0" err="1" smtClean="0">
+                <a:solidFill>
+                  <a:schemeClr val="tx1"/>
+                </a:solidFill>
+              </a:rPr>
+              <a:t>inner</a:t>
+            </a:r>
+            <a:r>
+              <a:rPr lang="cs-CZ" sz="1600" dirty="0" smtClean="0">
+                <a:solidFill>
+                  <a:schemeClr val="tx1"/>
+                </a:solidFill>
+              </a:rPr>
+              <a:t> </a:t>
+            </a:r>
+            <a:r>
+              <a:rPr lang="cs-CZ" sz="1600" dirty="0" err="1" smtClean="0">
+                <a:solidFill>
+                  <a:schemeClr val="tx1"/>
+                </a:solidFill>
+              </a:rPr>
+              <a:t>join</a:t>
+            </a:r>
+            <a:r>
+              <a:rPr lang="cs-CZ" sz="1600" dirty="0" smtClean="0">
+                <a:solidFill>
+                  <a:schemeClr val="tx1"/>
+                </a:solidFill>
+              </a:rPr>
+              <a:t> </a:t>
+            </a:r>
+            <a:r>
+              <a:rPr lang="cs-CZ" sz="1600" dirty="0" err="1" smtClean="0">
+                <a:solidFill>
+                  <a:schemeClr val="tx1"/>
+                </a:solidFill>
+              </a:rPr>
+              <a:t>tag</a:t>
+            </a:r>
+            <a:r>
+              <a:rPr lang="cs-CZ" sz="1600" dirty="0" smtClean="0">
+                <a:solidFill>
+                  <a:schemeClr val="tx1"/>
+                </a:solidFill>
+              </a:rPr>
+              <a:t> on </a:t>
+            </a:r>
+            <a:r>
+              <a:rPr lang="cs-CZ" sz="1600" dirty="0" err="1" smtClean="0">
+                <a:solidFill>
+                  <a:schemeClr val="tx1"/>
+                </a:solidFill>
+              </a:rPr>
+              <a:t>productTag.idTag</a:t>
+            </a:r>
+            <a:r>
+              <a:rPr lang="cs-CZ" sz="1600" dirty="0" smtClean="0">
+                <a:solidFill>
+                  <a:schemeClr val="tx1"/>
+                </a:solidFill>
+              </a:rPr>
+              <a:t> = </a:t>
+            </a:r>
+            <a:r>
+              <a:rPr lang="cs-CZ" sz="1600" dirty="0" err="1" smtClean="0">
+                <a:solidFill>
+                  <a:schemeClr val="tx1"/>
+                </a:solidFill>
+              </a:rPr>
+              <a:t>tag.id</a:t>
+            </a:r>
+            <a:r>
+              <a:rPr lang="cs-CZ" sz="1600" dirty="0" smtClean="0">
+                <a:solidFill>
+                  <a:schemeClr val="tx1"/>
+                </a:solidFill>
+              </a:rPr>
+              <a:t>  </a:t>
+            </a:r>
+            <a:r>
+              <a:rPr lang="cs-CZ" sz="1600" dirty="0" err="1" smtClean="0">
+                <a:solidFill>
+                  <a:schemeClr val="tx1"/>
+                </a:solidFill>
+              </a:rPr>
+              <a:t>where</a:t>
+            </a:r>
+            <a:r>
+              <a:rPr lang="cs-CZ" sz="1600" dirty="0" smtClean="0">
+                <a:solidFill>
+                  <a:schemeClr val="tx1"/>
+                </a:solidFill>
+              </a:rPr>
+              <a:t> </a:t>
+            </a:r>
+            <a:r>
+              <a:rPr lang="cs-CZ" sz="1600" dirty="0" err="1" smtClean="0">
+                <a:solidFill>
+                  <a:schemeClr val="tx1"/>
+                </a:solidFill>
+              </a:rPr>
+              <a:t>product.id</a:t>
+            </a:r>
+            <a:r>
+              <a:rPr lang="cs-CZ" sz="1600" dirty="0" smtClean="0">
+                <a:solidFill>
+                  <a:schemeClr val="tx1"/>
+                </a:solidFill>
+              </a:rPr>
+              <a:t> = ?</a:t>
+            </a:r>
           </a:p>
           <a:p>
             <a:pPr lvl="1"/>
             <a:r>
               <a:rPr lang="cs-CZ" sz="1800" dirty="0" err="1" smtClean="0"/>
-              <a:t>getProductsById</a:t>
+              <a:t>testGetProductByNameAndGroup</a:t>
             </a:r>
             <a:endParaRPr lang="cs-CZ" sz="1800" dirty="0" smtClean="0"/>
           </a:p>
@@ -11753,20 +13202,228 @@
               <a:buNone/>
             </a:pPr>
             <a:r>
+              <a:rPr lang="cs-CZ" sz="1600" dirty="0" err="1" smtClean="0">
+                <a:solidFill>
+                  <a:schemeClr val="tx1"/>
+                </a:solidFill>
+              </a:rPr>
+              <a:t>select</a:t>
+            </a:r>
+            <a:r>
+              <a:rPr lang="cs-CZ" sz="1600" dirty="0" smtClean="0">
+                <a:solidFill>
+                  <a:schemeClr val="tx1"/>
+                </a:solidFill>
+              </a:rPr>
+              <a:t> </a:t>
+            </a:r>
+            <a:r>
+              <a:rPr lang="cs-CZ" sz="1600" dirty="0" err="1" smtClean="0">
+                <a:solidFill>
+                  <a:schemeClr val="tx1"/>
+                </a:solidFill>
+              </a:rPr>
+              <a:t>product</a:t>
+            </a:r>
+            <a:r>
+              <a:rPr lang="cs-CZ" sz="1600" dirty="0" smtClean="0">
+                <a:solidFill>
+                  <a:schemeClr val="tx1"/>
+                </a:solidFill>
+              </a:rPr>
+              <a:t>.*, </a:t>
+            </a:r>
+            <a:r>
+              <a:rPr lang="cs-CZ" sz="1600" dirty="0" err="1" smtClean="0">
+                <a:solidFill>
+                  <a:schemeClr val="tx1"/>
+                </a:solidFill>
+              </a:rPr>
+              <a:t>productGroup.name</a:t>
+            </a:r>
+            <a:r>
+              <a:rPr lang="cs-CZ" sz="1600" dirty="0" smtClean="0">
+                <a:solidFill>
+                  <a:schemeClr val="tx1"/>
+                </a:solidFill>
+              </a:rPr>
+              <a:t> as </a:t>
+            </a:r>
+            <a:r>
+              <a:rPr lang="cs-CZ" sz="1600" dirty="0" err="1" smtClean="0">
+                <a:solidFill>
+                  <a:schemeClr val="tx1"/>
+                </a:solidFill>
+              </a:rPr>
+              <a:t>groupName</a:t>
+            </a:r>
+            <a:r>
+              <a:rPr lang="cs-CZ" sz="1600" dirty="0" smtClean="0">
+                <a:solidFill>
+                  <a:schemeClr val="tx1"/>
+                </a:solidFill>
+              </a:rPr>
+              <a:t>, </a:t>
+            </a:r>
+            <a:r>
+              <a:rPr lang="cs-CZ" sz="1600" dirty="0" err="1" smtClean="0">
+                <a:solidFill>
+                  <a:schemeClr val="tx1"/>
+                </a:solidFill>
+              </a:rPr>
+              <a:t>productGroup.groupType</a:t>
+            </a:r>
+            <a:r>
+              <a:rPr lang="cs-CZ" sz="1600" dirty="0" smtClean="0">
+                <a:solidFill>
+                  <a:schemeClr val="tx1"/>
+                </a:solidFill>
+              </a:rPr>
+              <a:t> </a:t>
+            </a:r>
+            <a:r>
+              <a:rPr lang="cs-CZ" sz="1600" dirty="0" err="1" smtClean="0">
+                <a:solidFill>
+                  <a:schemeClr val="tx1"/>
+                </a:solidFill>
+              </a:rPr>
+              <a:t>from</a:t>
+            </a:r>
+            <a:r>
+              <a:rPr lang="cs-CZ" sz="1600" dirty="0" smtClean="0">
+                <a:solidFill>
+                  <a:schemeClr val="tx1"/>
+                </a:solidFill>
+              </a:rPr>
+              <a:t> </a:t>
+            </a:r>
+            <a:r>
+              <a:rPr lang="cs-CZ" sz="1600" dirty="0" err="1" smtClean="0">
+                <a:solidFill>
+                  <a:schemeClr val="tx1"/>
+                </a:solidFill>
+              </a:rPr>
+              <a:t>product</a:t>
+            </a:r>
+            <a:r>
+              <a:rPr lang="cs-CZ" sz="1600" dirty="0" smtClean="0">
+                <a:solidFill>
+                  <a:schemeClr val="tx1"/>
+                </a:solidFill>
+              </a:rPr>
+              <a:t> </a:t>
+            </a:r>
+            <a:r>
+              <a:rPr lang="cs-CZ" sz="1600" dirty="0" err="1" smtClean="0">
+                <a:solidFill>
+                  <a:schemeClr val="tx1"/>
+                </a:solidFill>
+              </a:rPr>
+              <a:t>inner</a:t>
+            </a:r>
+            <a:r>
+              <a:rPr lang="cs-CZ" sz="1600" dirty="0" smtClean="0">
+                <a:solidFill>
+                  <a:schemeClr val="tx1"/>
+                </a:solidFill>
+              </a:rPr>
+              <a:t> </a:t>
+            </a:r>
+            <a:r>
+              <a:rPr lang="cs-CZ" sz="1600" dirty="0" err="1" smtClean="0">
+                <a:solidFill>
+                  <a:schemeClr val="tx1"/>
+                </a:solidFill>
+              </a:rPr>
+              <a:t>join</a:t>
+            </a:r>
+            <a:r>
+              <a:rPr lang="cs-CZ" sz="1600" dirty="0" smtClean="0">
+                <a:solidFill>
+                  <a:schemeClr val="tx1"/>
+                </a:solidFill>
+              </a:rPr>
+              <a:t> </a:t>
+            </a:r>
+            <a:r>
+              <a:rPr lang="cs-CZ" sz="1600" dirty="0" err="1" smtClean="0">
+                <a:solidFill>
+                  <a:schemeClr val="tx1"/>
+                </a:solidFill>
+              </a:rPr>
+              <a:t>productGroup</a:t>
+            </a:r>
+            <a:r>
+              <a:rPr lang="cs-CZ" sz="1600" dirty="0" smtClean="0">
+                <a:solidFill>
+                  <a:schemeClr val="tx1"/>
+                </a:solidFill>
+              </a:rPr>
+              <a:t> on </a:t>
+            </a:r>
+            <a:r>
+              <a:rPr lang="cs-CZ" sz="1600" dirty="0" err="1" smtClean="0">
+                <a:solidFill>
+                  <a:schemeClr val="tx1"/>
+                </a:solidFill>
+              </a:rPr>
+              <a:t>idGroup</a:t>
+            </a:r>
+            <a:r>
+              <a:rPr lang="cs-CZ" sz="1600" dirty="0" smtClean="0">
+                <a:solidFill>
+                  <a:schemeClr val="tx1"/>
+                </a:solidFill>
+              </a:rPr>
+              <a:t> = </a:t>
+            </a:r>
+            <a:r>
+              <a:rPr lang="cs-CZ" sz="1600" dirty="0" err="1" smtClean="0">
+                <a:solidFill>
+                  <a:schemeClr val="tx1"/>
+                </a:solidFill>
+              </a:rPr>
+              <a:t>productGroup.id</a:t>
+            </a:r>
+            <a:r>
+              <a:rPr lang="cs-CZ" sz="1600" dirty="0" smtClean="0">
+                <a:solidFill>
+                  <a:schemeClr val="tx1"/>
+                </a:solidFill>
+              </a:rPr>
+              <a:t> </a:t>
+            </a:r>
+            <a:r>
+              <a:rPr lang="cs-CZ" sz="1600" dirty="0" err="1" smtClean="0">
+                <a:solidFill>
+                  <a:schemeClr val="tx1"/>
+                </a:solidFill>
+              </a:rPr>
+              <a:t>where</a:t>
+            </a:r>
+            <a:r>
+              <a:rPr lang="cs-CZ" sz="1600" dirty="0" smtClean="0">
+                <a:solidFill>
+                  <a:schemeClr val="tx1"/>
+                </a:solidFill>
+              </a:rPr>
+              <a:t> </a:t>
+            </a:r>
+            <a:r>
               <a:rPr lang="en-US" sz="1600" dirty="0" smtClean="0">
                 <a:solidFill>
                   <a:schemeClr val="tx1"/>
                 </a:solidFill>
               </a:rPr>
-              <a:t>select product.*, productGroup.name as </a:t>
-            </a:r>
-            <a:r>
-              <a:rPr lang="en-US" sz="1600" dirty="0" err="1" smtClean="0">
-                <a:solidFill>
-                  <a:schemeClr val="tx1"/>
-                </a:solidFill>
-              </a:rPr>
-              <a:t>groupName</a:t>
+              <a:t>name = </a:t>
+            </a:r>
+            <a:r>
+              <a:rPr lang="cs-CZ" sz="1600" dirty="0" smtClean="0">
+                <a:solidFill>
+                  <a:schemeClr val="tx1"/>
+                </a:solidFill>
+              </a:rPr>
+              <a:t>?</a:t>
             </a:r>
             <a:r>
               <a:rPr lang="en-US" sz="1600" dirty="0" smtClean="0">
@@ -11774,15 +13431,7 @@
                   <a:schemeClr val="tx1"/>
                 </a:solidFill>
               </a:rPr>
-              <a:t>, </a:t>
-            </a:r>
-            <a:r>
-              <a:rPr lang="en-US" sz="1600" dirty="0" err="1" smtClean="0">
-                <a:solidFill>
-                  <a:schemeClr val="tx1"/>
-                </a:solidFill>
-              </a:rPr>
-              <a:t>productGroup.groupType</a:t>
+              <a:t> and productGroup.name = </a:t>
             </a:r>
             <a:r>
               <a:rPr lang="cs-CZ" sz="1600" dirty="0" smtClean="0">
@@ -11790,180 +13439,7 @@
                   <a:schemeClr val="tx1"/>
                 </a:solidFill>
               </a:rPr>
-              <a:t> f</a:t>
-            </a:r>
-            <a:r>
-              <a:rPr lang="en-US" sz="1600" dirty="0" err="1" smtClean="0">
-                <a:solidFill>
-                  <a:schemeClr val="tx1"/>
-                </a:solidFill>
-              </a:rPr>
-              <a:t>rom</a:t>
-            </a:r>
-            <a:r>
-              <a:rPr lang="en-US" sz="1600" dirty="0" smtClean="0">
-                <a:solidFill>
-                  <a:schemeClr val="tx1"/>
-                </a:solidFill>
-              </a:rPr>
-              <a:t> product</a:t>
-            </a:r>
-            <a:r>
-              <a:rPr lang="cs-CZ" sz="1600" dirty="0" smtClean="0">
-                <a:solidFill>
-                  <a:schemeClr val="tx1"/>
-                </a:solidFill>
-              </a:rPr>
-              <a:t> </a:t>
-            </a:r>
-            <a:r>
-              <a:rPr lang="en-US" sz="1600" dirty="0" smtClean="0">
-                <a:solidFill>
-                  <a:schemeClr val="tx1"/>
-                </a:solidFill>
-              </a:rPr>
-              <a:t>inner join </a:t>
-            </a:r>
-            <a:r>
-              <a:rPr lang="en-US" sz="1600" dirty="0" err="1" smtClean="0">
-                <a:solidFill>
-                  <a:schemeClr val="tx1"/>
-                </a:solidFill>
-              </a:rPr>
-              <a:t>productGroup</a:t>
-            </a:r>
-            <a:r>
-              <a:rPr lang="en-US" sz="1600" dirty="0" smtClean="0">
-                <a:solidFill>
-                  <a:schemeClr val="tx1"/>
-                </a:solidFill>
-              </a:rPr>
-              <a:t> on </a:t>
-            </a:r>
-            <a:r>
-              <a:rPr lang="en-US" sz="1600" dirty="0" err="1" smtClean="0">
-                <a:solidFill>
-                  <a:schemeClr val="tx1"/>
-                </a:solidFill>
-              </a:rPr>
-              <a:t>idGroup</a:t>
-            </a:r>
-            <a:r>
-              <a:rPr lang="en-US" sz="1600" dirty="0" smtClean="0">
-                <a:solidFill>
-                  <a:schemeClr val="tx1"/>
-                </a:solidFill>
-              </a:rPr>
-              <a:t> = productGroup.id</a:t>
-            </a:r>
-            <a:r>
-              <a:rPr lang="cs-CZ" sz="1600" dirty="0" smtClean="0">
-                <a:solidFill>
-                  <a:schemeClr val="tx1"/>
-                </a:solidFill>
-              </a:rPr>
-              <a:t> </a:t>
-            </a:r>
-            <a:r>
-              <a:rPr lang="en-US" sz="1600" dirty="0" smtClean="0">
-                <a:solidFill>
-                  <a:schemeClr val="tx1"/>
-                </a:solidFill>
-              </a:rPr>
-              <a:t>where product.id in</a:t>
-            </a:r>
-            <a:r>
-              <a:rPr lang="cs-CZ" sz="1600" dirty="0" smtClean="0">
-                <a:solidFill>
-                  <a:schemeClr val="tx1"/>
-                </a:solidFill>
-              </a:rPr>
-              <a:t> (?, ?, ?)</a:t>
-            </a:r>
-          </a:p>
-          <a:p>
-            <a:pPr lvl="1"/>
-            <a:r>
-              <a:rPr lang="cs-CZ" sz="1800" dirty="0" err="1" smtClean="0"/>
-              <a:t>selectiveUpdate</a:t>
-            </a:r>
-            <a:r>
-              <a:rPr lang="cs-CZ" sz="1800" dirty="0" smtClean="0"/>
-              <a:t>, </a:t>
-            </a:r>
-            <a:r>
-              <a:rPr lang="cs-CZ" sz="1800" dirty="0" err="1" smtClean="0"/>
-              <a:t>selectiveUpdateAlternativeWithTrim</a:t>
-            </a:r>
-            <a:endParaRPr lang="cs-CZ" sz="1800" dirty="0" smtClean="0"/>
-          </a:p>
-          <a:p>
-            <a:pPr lvl="2">
-              <a:buNone/>
-            </a:pPr>
-            <a:r>
-              <a:rPr lang="en-US" sz="1600" dirty="0" smtClean="0">
-                <a:solidFill>
-                  <a:schemeClr val="tx1"/>
-                </a:solidFill>
-              </a:rPr>
-              <a:t>update product</a:t>
-            </a:r>
-            <a:r>
-              <a:rPr lang="cs-CZ" sz="1600" dirty="0" smtClean="0">
-                <a:solidFill>
-                  <a:schemeClr val="tx1"/>
-                </a:solidFill>
-              </a:rPr>
-              <a:t> set </a:t>
-            </a:r>
-            <a:r>
-              <a:rPr lang="cs-CZ" sz="1600" dirty="0" err="1" smtClean="0">
-                <a:solidFill>
-                  <a:schemeClr val="tx1"/>
-                </a:solidFill>
-              </a:rPr>
-              <a:t>name</a:t>
-            </a:r>
-            <a:r>
-              <a:rPr lang="cs-CZ" sz="1600" dirty="0" smtClean="0">
-                <a:solidFill>
-                  <a:schemeClr val="tx1"/>
-                </a:solidFill>
-              </a:rPr>
-              <a:t> = ?, </a:t>
-            </a:r>
-            <a:r>
-              <a:rPr lang="cs-CZ" sz="1600" dirty="0" err="1" smtClean="0">
-                <a:solidFill>
-                  <a:schemeClr val="tx1"/>
-                </a:solidFill>
-              </a:rPr>
-              <a:t>idGroup</a:t>
-            </a:r>
-            <a:r>
-              <a:rPr lang="cs-CZ" sz="1600" dirty="0" smtClean="0">
-                <a:solidFill>
-                  <a:schemeClr val="tx1"/>
-                </a:solidFill>
-              </a:rPr>
-              <a:t> = ? </a:t>
-            </a:r>
-            <a:r>
-              <a:rPr lang="cs-CZ" sz="1600" dirty="0" err="1" smtClean="0">
-                <a:solidFill>
-                  <a:schemeClr val="tx1"/>
-                </a:solidFill>
-              </a:rPr>
-              <a:t>where</a:t>
-            </a:r>
-            <a:r>
-              <a:rPr lang="cs-CZ" sz="1600" dirty="0" smtClean="0">
-                <a:solidFill>
-                  <a:schemeClr val="tx1"/>
-                </a:solidFill>
-              </a:rPr>
-              <a:t> id = ?</a:t>
+              <a:t>?</a:t>
             </a:r>
           </a:p>
         </p:txBody>

--- a/docs/iBatis 3 Workskop CZJUG.pptx
+++ b/docs/iBatis 3 Workskop CZJUG.pptx
@@ -5,16 +5,25 @@
     <p:sldMasterId id="2147483649" r:id="rId1"/>
   </p:sldMasterIdLst>
   <p:notesMasterIdLst>
-    <p:notesMasterId r:id="rId6"/>
+    <p:notesMasterId r:id="rId15"/>
   </p:notesMasterIdLst>
   <p:handoutMasterIdLst>
-    <p:handoutMasterId r:id="rId7"/>
+    <p:handoutMasterId r:id="rId16"/>
   </p:handoutMasterIdLst>
   <p:sldIdLst>
     <p:sldId id="256" r:id="rId2"/>
-    <p:sldId id="318" r:id="rId3"/>
-    <p:sldId id="319" r:id="rId4"/>
-    <p:sldId id="290" r:id="rId5"/>
+    <p:sldId id="320" r:id="rId3"/>
+    <p:sldId id="329" r:id="rId4"/>
+    <p:sldId id="318" r:id="rId5"/>
+    <p:sldId id="322" r:id="rId6"/>
+    <p:sldId id="321" r:id="rId7"/>
+    <p:sldId id="323" r:id="rId8"/>
+    <p:sldId id="325" r:id="rId9"/>
+    <p:sldId id="324" r:id="rId10"/>
+    <p:sldId id="326" r:id="rId11"/>
+    <p:sldId id="327" r:id="rId12"/>
+    <p:sldId id="328" r:id="rId13"/>
+    <p:sldId id="290" r:id="rId14"/>
   </p:sldIdLst>
   <p:sldSz cx="9144000" cy="6858000" type="screen4x3"/>
   <p:notesSz cx="6800850" cy="9931400"/>
@@ -491,6 +500,241 @@
 </p:notes>
 </file>
 
+<file path=ppt/notesSlides/notesSlide10.xml><?xml version="1.0" encoding="utf-8"?>
+<p:notes xmlns:a="http://schemas.openxmlformats.org/drawingml/2006/main" xmlns:r="http://schemas.openxmlformats.org/officeDocument/2006/relationships" xmlns:p="http://schemas.openxmlformats.org/presentationml/2006/main">
+  <p:cSld>
+    <p:spTree>
+      <p:nvGrpSpPr>
+        <p:cNvPr id="1" name=""/>
+        <p:cNvGrpSpPr/>
+        <p:nvPr/>
+      </p:nvGrpSpPr>
+      <p:grpSpPr>
+        <a:xfrm>
+          <a:off x="0" y="0"/>
+          <a:ext cx="0" cy="0"/>
+          <a:chOff x="0" y="0"/>
+          <a:chExt cx="0" cy="0"/>
+        </a:xfrm>
+      </p:grpSpPr>
+      <p:sp>
+        <p:nvSpPr>
+          <p:cNvPr id="2" name="Zástupný symbol pro obrázek snímku 1"/>
+          <p:cNvSpPr>
+            <a:spLocks noGrp="1" noRot="1" noChangeAspect="1"/>
+          </p:cNvSpPr>
+          <p:nvPr>
+            <p:ph type="sldImg"/>
+          </p:nvPr>
+        </p:nvSpPr>
+        <p:spPr/>
+      </p:sp>
+      <p:sp>
+        <p:nvSpPr>
+          <p:cNvPr id="3" name="Zástupný symbol pro poznámky 2"/>
+          <p:cNvSpPr>
+            <a:spLocks noGrp="1"/>
+          </p:cNvSpPr>
+          <p:nvPr>
+            <p:ph type="body" idx="1"/>
+          </p:nvPr>
+        </p:nvSpPr>
+        <p:spPr/>
+        <p:txBody>
+          <a:bodyPr>
+            <a:normAutofit/>
+          </a:bodyPr>
+          <a:lstStyle/>
+          <a:p>
+            <a:endParaRPr lang="cs-CZ"/>
+          </a:p>
+        </p:txBody>
+      </p:sp>
+    </p:spTree>
+  </p:cSld>
+  <p:clrMapOvr>
+    <a:masterClrMapping/>
+  </p:clrMapOvr>
+</p:notes>
+</file>
+
+<file path=ppt/notesSlides/notesSlide11.xml><?xml version="1.0" encoding="utf-8"?>
+<p:notes xmlns:a="http://schemas.openxmlformats.org/drawingml/2006/main" xmlns:r="http://schemas.openxmlformats.org/officeDocument/2006/relationships" xmlns:p="http://schemas.openxmlformats.org/presentationml/2006/main">
+  <p:cSld>
+    <p:spTree>
+      <p:nvGrpSpPr>
+        <p:cNvPr id="1" name=""/>
+        <p:cNvGrpSpPr/>
+        <p:nvPr/>
+      </p:nvGrpSpPr>
+      <p:grpSpPr>
+        <a:xfrm>
+          <a:off x="0" y="0"/>
+          <a:ext cx="0" cy="0"/>
+          <a:chOff x="0" y="0"/>
+          <a:chExt cx="0" cy="0"/>
+        </a:xfrm>
+      </p:grpSpPr>
+      <p:sp>
+        <p:nvSpPr>
+          <p:cNvPr id="2" name="Zástupný symbol pro obrázek snímku 1"/>
+          <p:cNvSpPr>
+            <a:spLocks noGrp="1" noRot="1" noChangeAspect="1"/>
+          </p:cNvSpPr>
+          <p:nvPr>
+            <p:ph type="sldImg"/>
+          </p:nvPr>
+        </p:nvSpPr>
+        <p:spPr/>
+      </p:sp>
+      <p:sp>
+        <p:nvSpPr>
+          <p:cNvPr id="3" name="Zástupný symbol pro poznámky 2"/>
+          <p:cNvSpPr>
+            <a:spLocks noGrp="1"/>
+          </p:cNvSpPr>
+          <p:nvPr>
+            <p:ph type="body" idx="1"/>
+          </p:nvPr>
+        </p:nvSpPr>
+        <p:spPr/>
+        <p:txBody>
+          <a:bodyPr>
+            <a:normAutofit/>
+          </a:bodyPr>
+          <a:lstStyle/>
+          <a:p>
+            <a:endParaRPr lang="cs-CZ"/>
+          </a:p>
+        </p:txBody>
+      </p:sp>
+    </p:spTree>
+  </p:cSld>
+  <p:clrMapOvr>
+    <a:masterClrMapping/>
+  </p:clrMapOvr>
+</p:notes>
+</file>
+
+<file path=ppt/notesSlides/notesSlide12.xml><?xml version="1.0" encoding="utf-8"?>
+<p:notes xmlns:a="http://schemas.openxmlformats.org/drawingml/2006/main" xmlns:r="http://schemas.openxmlformats.org/officeDocument/2006/relationships" xmlns:p="http://schemas.openxmlformats.org/presentationml/2006/main">
+  <p:cSld>
+    <p:spTree>
+      <p:nvGrpSpPr>
+        <p:cNvPr id="1" name=""/>
+        <p:cNvGrpSpPr/>
+        <p:nvPr/>
+      </p:nvGrpSpPr>
+      <p:grpSpPr>
+        <a:xfrm>
+          <a:off x="0" y="0"/>
+          <a:ext cx="0" cy="0"/>
+          <a:chOff x="0" y="0"/>
+          <a:chExt cx="0" cy="0"/>
+        </a:xfrm>
+      </p:grpSpPr>
+      <p:sp>
+        <p:nvSpPr>
+          <p:cNvPr id="2" name="Zástupný symbol pro obrázek snímku 1"/>
+          <p:cNvSpPr>
+            <a:spLocks noGrp="1" noRot="1" noChangeAspect="1"/>
+          </p:cNvSpPr>
+          <p:nvPr>
+            <p:ph type="sldImg"/>
+          </p:nvPr>
+        </p:nvSpPr>
+        <p:spPr/>
+      </p:sp>
+      <p:sp>
+        <p:nvSpPr>
+          <p:cNvPr id="3" name="Zástupný symbol pro poznámky 2"/>
+          <p:cNvSpPr>
+            <a:spLocks noGrp="1"/>
+          </p:cNvSpPr>
+          <p:nvPr>
+            <p:ph type="body" idx="1"/>
+          </p:nvPr>
+        </p:nvSpPr>
+        <p:spPr/>
+        <p:txBody>
+          <a:bodyPr>
+            <a:normAutofit/>
+          </a:bodyPr>
+          <a:lstStyle/>
+          <a:p>
+            <a:endParaRPr lang="cs-CZ"/>
+          </a:p>
+        </p:txBody>
+      </p:sp>
+    </p:spTree>
+  </p:cSld>
+  <p:clrMapOvr>
+    <a:masterClrMapping/>
+  </p:clrMapOvr>
+</p:notes>
+</file>
+
+<file path=ppt/notesSlides/notesSlide13.xml><?xml version="1.0" encoding="utf-8"?>
+<p:notes xmlns:a="http://schemas.openxmlformats.org/drawingml/2006/main" xmlns:r="http://schemas.openxmlformats.org/officeDocument/2006/relationships" xmlns:p="http://schemas.openxmlformats.org/presentationml/2006/main">
+  <p:cSld>
+    <p:spTree>
+      <p:nvGrpSpPr>
+        <p:cNvPr id="1" name=""/>
+        <p:cNvGrpSpPr/>
+        <p:nvPr/>
+      </p:nvGrpSpPr>
+      <p:grpSpPr>
+        <a:xfrm>
+          <a:off x="0" y="0"/>
+          <a:ext cx="0" cy="0"/>
+          <a:chOff x="0" y="0"/>
+          <a:chExt cx="0" cy="0"/>
+        </a:xfrm>
+      </p:grpSpPr>
+      <p:sp>
+        <p:nvSpPr>
+          <p:cNvPr id="46082" name="Rectangle 2"/>
+          <p:cNvSpPr>
+            <a:spLocks noGrp="1" noRot="1" noChangeAspect="1" noChangeArrowheads="1" noTextEdit="1"/>
+          </p:cNvSpPr>
+          <p:nvPr>
+            <p:ph type="sldImg"/>
+          </p:nvPr>
+        </p:nvSpPr>
+        <p:spPr>
+          <a:ln/>
+        </p:spPr>
+      </p:sp>
+      <p:sp>
+        <p:nvSpPr>
+          <p:cNvPr id="46083" name="Rectangle 3"/>
+          <p:cNvSpPr>
+            <a:spLocks noGrp="1" noChangeArrowheads="1"/>
+          </p:cNvSpPr>
+          <p:nvPr>
+            <p:ph type="body" idx="1"/>
+          </p:nvPr>
+        </p:nvSpPr>
+        <p:spPr>
+          <a:noFill/>
+          <a:ln w="9525"/>
+        </p:spPr>
+        <p:txBody>
+          <a:bodyPr/>
+          <a:lstStyle/>
+          <a:p>
+            <a:endParaRPr lang="cs-CZ" smtClean="0"/>
+          </a:p>
+        </p:txBody>
+      </p:sp>
+    </p:spTree>
+  </p:cSld>
+  <p:clrMapOvr>
+    <a:masterClrMapping/>
+  </p:clrMapOvr>
+</p:notes>
+</file>
+
 <file path=ppt/notesSlides/notesSlide2.xml><?xml version="1.0" encoding="utf-8"?>
 <p:notes xmlns:a="http://schemas.openxmlformats.org/drawingml/2006/main" xmlns:r="http://schemas.openxmlformats.org/officeDocument/2006/relationships" xmlns:p="http://schemas.openxmlformats.org/presentationml/2006/main">
   <p:cSld>
@@ -510,21 +754,19 @@
       </p:grpSpPr>
       <p:sp>
         <p:nvSpPr>
-          <p:cNvPr id="26626" name="Zástupný symbol pro obrázek snímku 1"/>
-          <p:cNvSpPr>
-            <a:spLocks noGrp="1" noRot="1" noChangeAspect="1" noTextEdit="1"/>
+          <p:cNvPr id="2" name="Zástupný symbol pro obrázek snímku 1"/>
+          <p:cNvSpPr>
+            <a:spLocks noGrp="1" noRot="1" noChangeAspect="1"/>
           </p:cNvSpPr>
           <p:nvPr>
             <p:ph type="sldImg"/>
           </p:nvPr>
         </p:nvSpPr>
-        <p:spPr>
-          <a:ln/>
-        </p:spPr>
-      </p:sp>
-      <p:sp>
-        <p:nvSpPr>
-          <p:cNvPr id="26627" name="Zástupný symbol pro poznámky 2"/>
+        <p:spPr/>
+      </p:sp>
+      <p:sp>
+        <p:nvSpPr>
+          <p:cNvPr id="3" name="Zástupný symbol pro poznámky 2"/>
           <p:cNvSpPr>
             <a:spLocks noGrp="1"/>
           </p:cNvSpPr>
@@ -532,15 +774,14 @@
             <p:ph type="body" idx="1"/>
           </p:nvPr>
         </p:nvSpPr>
-        <p:spPr>
-          <a:noFill/>
-          <a:ln w="9525"/>
-        </p:spPr>
+        <p:spPr/>
         <p:txBody>
-          <a:bodyPr/>
+          <a:bodyPr>
+            <a:normAutofit/>
+          </a:bodyPr>
           <a:lstStyle/>
           <a:p>
-            <a:endParaRPr lang="cs-CZ" smtClean="0"/>
+            <a:endParaRPr lang="cs-CZ"/>
           </a:p>
         </p:txBody>
       </p:sp>
@@ -632,9 +873,9 @@
       </p:grpSpPr>
       <p:sp>
         <p:nvSpPr>
-          <p:cNvPr id="46082" name="Rectangle 2"/>
-          <p:cNvSpPr>
-            <a:spLocks noGrp="1" noRot="1" noChangeAspect="1" noChangeArrowheads="1" noTextEdit="1"/>
+          <p:cNvPr id="26626" name="Zástupný symbol pro obrázek snímku 1"/>
+          <p:cNvSpPr>
+            <a:spLocks noGrp="1" noRot="1" noChangeAspect="1" noTextEdit="1"/>
           </p:cNvSpPr>
           <p:nvPr>
             <p:ph type="sldImg"/>
@@ -646,9 +887,9 @@
       </p:sp>
       <p:sp>
         <p:nvSpPr>
-          <p:cNvPr id="46083" name="Rectangle 3"/>
-          <p:cNvSpPr>
-            <a:spLocks noGrp="1" noChangeArrowheads="1"/>
+          <p:cNvPr id="26627" name="Zástupný symbol pro poznámky 2"/>
+          <p:cNvSpPr>
+            <a:spLocks noGrp="1"/>
           </p:cNvSpPr>
           <p:nvPr>
             <p:ph type="body" idx="1"/>
@@ -663,6 +904,296 @@
           <a:lstStyle/>
           <a:p>
             <a:endParaRPr lang="cs-CZ" smtClean="0"/>
+          </a:p>
+        </p:txBody>
+      </p:sp>
+    </p:spTree>
+  </p:cSld>
+  <p:clrMapOvr>
+    <a:masterClrMapping/>
+  </p:clrMapOvr>
+</p:notes>
+</file>
+
+<file path=ppt/notesSlides/notesSlide5.xml><?xml version="1.0" encoding="utf-8"?>
+<p:notes xmlns:a="http://schemas.openxmlformats.org/drawingml/2006/main" xmlns:r="http://schemas.openxmlformats.org/officeDocument/2006/relationships" xmlns:p="http://schemas.openxmlformats.org/presentationml/2006/main">
+  <p:cSld>
+    <p:spTree>
+      <p:nvGrpSpPr>
+        <p:cNvPr id="1" name=""/>
+        <p:cNvGrpSpPr/>
+        <p:nvPr/>
+      </p:nvGrpSpPr>
+      <p:grpSpPr>
+        <a:xfrm>
+          <a:off x="0" y="0"/>
+          <a:ext cx="0" cy="0"/>
+          <a:chOff x="0" y="0"/>
+          <a:chExt cx="0" cy="0"/>
+        </a:xfrm>
+      </p:grpSpPr>
+      <p:sp>
+        <p:nvSpPr>
+          <p:cNvPr id="2" name="Zástupný symbol pro obrázek snímku 1"/>
+          <p:cNvSpPr>
+            <a:spLocks noGrp="1" noRot="1" noChangeAspect="1"/>
+          </p:cNvSpPr>
+          <p:nvPr>
+            <p:ph type="sldImg"/>
+          </p:nvPr>
+        </p:nvSpPr>
+        <p:spPr/>
+      </p:sp>
+      <p:sp>
+        <p:nvSpPr>
+          <p:cNvPr id="3" name="Zástupný symbol pro poznámky 2"/>
+          <p:cNvSpPr>
+            <a:spLocks noGrp="1"/>
+          </p:cNvSpPr>
+          <p:nvPr>
+            <p:ph type="body" idx="1"/>
+          </p:nvPr>
+        </p:nvSpPr>
+        <p:spPr/>
+        <p:txBody>
+          <a:bodyPr>
+            <a:normAutofit/>
+          </a:bodyPr>
+          <a:lstStyle/>
+          <a:p>
+            <a:endParaRPr lang="cs-CZ"/>
+          </a:p>
+        </p:txBody>
+      </p:sp>
+    </p:spTree>
+  </p:cSld>
+  <p:clrMapOvr>
+    <a:masterClrMapping/>
+  </p:clrMapOvr>
+</p:notes>
+</file>
+
+<file path=ppt/notesSlides/notesSlide6.xml><?xml version="1.0" encoding="utf-8"?>
+<p:notes xmlns:a="http://schemas.openxmlformats.org/drawingml/2006/main" xmlns:r="http://schemas.openxmlformats.org/officeDocument/2006/relationships" xmlns:p="http://schemas.openxmlformats.org/presentationml/2006/main">
+  <p:cSld>
+    <p:spTree>
+      <p:nvGrpSpPr>
+        <p:cNvPr id="1" name=""/>
+        <p:cNvGrpSpPr/>
+        <p:nvPr/>
+      </p:nvGrpSpPr>
+      <p:grpSpPr>
+        <a:xfrm>
+          <a:off x="0" y="0"/>
+          <a:ext cx="0" cy="0"/>
+          <a:chOff x="0" y="0"/>
+          <a:chExt cx="0" cy="0"/>
+        </a:xfrm>
+      </p:grpSpPr>
+      <p:sp>
+        <p:nvSpPr>
+          <p:cNvPr id="2" name="Zástupný symbol pro obrázek snímku 1"/>
+          <p:cNvSpPr>
+            <a:spLocks noGrp="1" noRot="1" noChangeAspect="1"/>
+          </p:cNvSpPr>
+          <p:nvPr>
+            <p:ph type="sldImg"/>
+          </p:nvPr>
+        </p:nvSpPr>
+        <p:spPr/>
+      </p:sp>
+      <p:sp>
+        <p:nvSpPr>
+          <p:cNvPr id="3" name="Zástupný symbol pro poznámky 2"/>
+          <p:cNvSpPr>
+            <a:spLocks noGrp="1"/>
+          </p:cNvSpPr>
+          <p:nvPr>
+            <p:ph type="body" idx="1"/>
+          </p:nvPr>
+        </p:nvSpPr>
+        <p:spPr/>
+        <p:txBody>
+          <a:bodyPr>
+            <a:normAutofit/>
+          </a:bodyPr>
+          <a:lstStyle/>
+          <a:p>
+            <a:endParaRPr lang="cs-CZ"/>
+          </a:p>
+        </p:txBody>
+      </p:sp>
+    </p:spTree>
+  </p:cSld>
+  <p:clrMapOvr>
+    <a:masterClrMapping/>
+  </p:clrMapOvr>
+</p:notes>
+</file>
+
+<file path=ppt/notesSlides/notesSlide7.xml><?xml version="1.0" encoding="utf-8"?>
+<p:notes xmlns:a="http://schemas.openxmlformats.org/drawingml/2006/main" xmlns:r="http://schemas.openxmlformats.org/officeDocument/2006/relationships" xmlns:p="http://schemas.openxmlformats.org/presentationml/2006/main">
+  <p:cSld>
+    <p:spTree>
+      <p:nvGrpSpPr>
+        <p:cNvPr id="1" name=""/>
+        <p:cNvGrpSpPr/>
+        <p:nvPr/>
+      </p:nvGrpSpPr>
+      <p:grpSpPr>
+        <a:xfrm>
+          <a:off x="0" y="0"/>
+          <a:ext cx="0" cy="0"/>
+          <a:chOff x="0" y="0"/>
+          <a:chExt cx="0" cy="0"/>
+        </a:xfrm>
+      </p:grpSpPr>
+      <p:sp>
+        <p:nvSpPr>
+          <p:cNvPr id="2" name="Zástupný symbol pro obrázek snímku 1"/>
+          <p:cNvSpPr>
+            <a:spLocks noGrp="1" noRot="1" noChangeAspect="1"/>
+          </p:cNvSpPr>
+          <p:nvPr>
+            <p:ph type="sldImg"/>
+          </p:nvPr>
+        </p:nvSpPr>
+        <p:spPr/>
+      </p:sp>
+      <p:sp>
+        <p:nvSpPr>
+          <p:cNvPr id="3" name="Zástupný symbol pro poznámky 2"/>
+          <p:cNvSpPr>
+            <a:spLocks noGrp="1"/>
+          </p:cNvSpPr>
+          <p:nvPr>
+            <p:ph type="body" idx="1"/>
+          </p:nvPr>
+        </p:nvSpPr>
+        <p:spPr/>
+        <p:txBody>
+          <a:bodyPr>
+            <a:normAutofit/>
+          </a:bodyPr>
+          <a:lstStyle/>
+          <a:p>
+            <a:endParaRPr lang="cs-CZ"/>
+          </a:p>
+        </p:txBody>
+      </p:sp>
+    </p:spTree>
+  </p:cSld>
+  <p:clrMapOvr>
+    <a:masterClrMapping/>
+  </p:clrMapOvr>
+</p:notes>
+</file>
+
+<file path=ppt/notesSlides/notesSlide8.xml><?xml version="1.0" encoding="utf-8"?>
+<p:notes xmlns:a="http://schemas.openxmlformats.org/drawingml/2006/main" xmlns:r="http://schemas.openxmlformats.org/officeDocument/2006/relationships" xmlns:p="http://schemas.openxmlformats.org/presentationml/2006/main">
+  <p:cSld>
+    <p:spTree>
+      <p:nvGrpSpPr>
+        <p:cNvPr id="1" name=""/>
+        <p:cNvGrpSpPr/>
+        <p:nvPr/>
+      </p:nvGrpSpPr>
+      <p:grpSpPr>
+        <a:xfrm>
+          <a:off x="0" y="0"/>
+          <a:ext cx="0" cy="0"/>
+          <a:chOff x="0" y="0"/>
+          <a:chExt cx="0" cy="0"/>
+        </a:xfrm>
+      </p:grpSpPr>
+      <p:sp>
+        <p:nvSpPr>
+          <p:cNvPr id="2" name="Zástupný symbol pro obrázek snímku 1"/>
+          <p:cNvSpPr>
+            <a:spLocks noGrp="1" noRot="1" noChangeAspect="1"/>
+          </p:cNvSpPr>
+          <p:nvPr>
+            <p:ph type="sldImg"/>
+          </p:nvPr>
+        </p:nvSpPr>
+        <p:spPr/>
+      </p:sp>
+      <p:sp>
+        <p:nvSpPr>
+          <p:cNvPr id="3" name="Zástupný symbol pro poznámky 2"/>
+          <p:cNvSpPr>
+            <a:spLocks noGrp="1"/>
+          </p:cNvSpPr>
+          <p:nvPr>
+            <p:ph type="body" idx="1"/>
+          </p:nvPr>
+        </p:nvSpPr>
+        <p:spPr/>
+        <p:txBody>
+          <a:bodyPr>
+            <a:normAutofit/>
+          </a:bodyPr>
+          <a:lstStyle/>
+          <a:p>
+            <a:endParaRPr lang="cs-CZ"/>
+          </a:p>
+        </p:txBody>
+      </p:sp>
+    </p:spTree>
+  </p:cSld>
+  <p:clrMapOvr>
+    <a:masterClrMapping/>
+  </p:clrMapOvr>
+</p:notes>
+</file>
+
+<file path=ppt/notesSlides/notesSlide9.xml><?xml version="1.0" encoding="utf-8"?>
+<p:notes xmlns:a="http://schemas.openxmlformats.org/drawingml/2006/main" xmlns:r="http://schemas.openxmlformats.org/officeDocument/2006/relationships" xmlns:p="http://schemas.openxmlformats.org/presentationml/2006/main">
+  <p:cSld>
+    <p:spTree>
+      <p:nvGrpSpPr>
+        <p:cNvPr id="1" name=""/>
+        <p:cNvGrpSpPr/>
+        <p:nvPr/>
+      </p:nvGrpSpPr>
+      <p:grpSpPr>
+        <a:xfrm>
+          <a:off x="0" y="0"/>
+          <a:ext cx="0" cy="0"/>
+          <a:chOff x="0" y="0"/>
+          <a:chExt cx="0" cy="0"/>
+        </a:xfrm>
+      </p:grpSpPr>
+      <p:sp>
+        <p:nvSpPr>
+          <p:cNvPr id="2" name="Zástupný symbol pro obrázek snímku 1"/>
+          <p:cNvSpPr>
+            <a:spLocks noGrp="1" noRot="1" noChangeAspect="1"/>
+          </p:cNvSpPr>
+          <p:nvPr>
+            <p:ph type="sldImg"/>
+          </p:nvPr>
+        </p:nvSpPr>
+        <p:spPr/>
+      </p:sp>
+      <p:sp>
+        <p:nvSpPr>
+          <p:cNvPr id="3" name="Zástupný symbol pro poznámky 2"/>
+          <p:cNvSpPr>
+            <a:spLocks noGrp="1"/>
+          </p:cNvSpPr>
+          <p:nvPr>
+            <p:ph type="body" idx="1"/>
+          </p:nvPr>
+        </p:nvSpPr>
+        <p:spPr/>
+        <p:txBody>
+          <a:bodyPr>
+            <a:normAutofit/>
+          </a:bodyPr>
+          <a:lstStyle/>
+          <a:p>
+            <a:endParaRPr lang="cs-CZ"/>
           </a:p>
         </p:txBody>
       </p:sp>
@@ -5093,8 +5624,8 @@
         </p:nvSpPr>
         <p:spPr>
           <a:xfrm>
-            <a:off x="339725" y="3686175"/>
-            <a:ext cx="8451850" cy="1571625"/>
+            <a:off x="339725" y="2071678"/>
+            <a:ext cx="8451850" cy="2257428"/>
           </a:xfrm>
         </p:spPr>
         <p:txBody>
@@ -5129,8 +5660,135 @@
             </a:r>
             <a:r>
               <a:rPr lang="cs-CZ" sz="2800" b="0" dirty="0" smtClean="0"/>
-              <a:t> 3 - Workshop</a:t>
-            </a:r>
+              <a:t> 3 – Workshop</a:t>
+            </a:r>
+            <a:br>
+              <a:rPr lang="cs-CZ" sz="2800" b="0" dirty="0" smtClean="0"/>
+            </a:br>
+            <a:r>
+              <a:rPr lang="cs-CZ" sz="2800" b="0" dirty="0" smtClean="0">
+                <a:hlinkClick r:id="rId3"/>
+              </a:rPr>
+              <a:t>http://blog.</a:t>
+            </a:r>
+            <a:r>
+              <a:rPr lang="cs-CZ" sz="2800" b="0" dirty="0" err="1" smtClean="0">
+                <a:hlinkClick r:id="rId3"/>
+              </a:rPr>
+              <a:t>novoj.net</a:t>
+            </a:r>
+            <a:r>
+              <a:rPr lang="cs-CZ" sz="2800" b="0" dirty="0" smtClean="0"/>
+              <a:t> </a:t>
+            </a:r>
+          </a:p>
+        </p:txBody>
+      </p:sp>
+      <p:pic>
+        <p:nvPicPr>
+          <p:cNvPr id="4" name="Obrázek 3" descr="logo_jetbrains.tif"/>
+          <p:cNvPicPr>
+            <a:picLocks noChangeAspect="1"/>
+          </p:cNvPicPr>
+          <p:nvPr/>
+        </p:nvPicPr>
+        <p:blipFill>
+          <a:blip r:embed="rId4" cstate="print">
+            <a:clrChange>
+              <a:clrFrom>
+                <a:srgbClr val="FFFFFF"/>
+              </a:clrFrom>
+              <a:clrTo>
+                <a:srgbClr val="FFFFFF">
+                  <a:alpha val="0"/>
+                </a:srgbClr>
+              </a:clrTo>
+            </a:clrChange>
+          </a:blip>
+          <a:stretch>
+            <a:fillRect/>
+          </a:stretch>
+        </p:blipFill>
+        <p:spPr>
+          <a:xfrm>
+            <a:off x="5072066" y="5000636"/>
+            <a:ext cx="2418687" cy="928694"/>
+          </a:xfrm>
+          <a:prstGeom prst="rect">
+            <a:avLst/>
+          </a:prstGeom>
+        </p:spPr>
+      </p:pic>
+      <p:pic>
+        <p:nvPicPr>
+          <p:cNvPr id="9218" name="Picture 2" descr="http://jetbrains-java-academy.googlegroups.com/attach/a98d7908e16103d8/Member.gif?gda=ohudYEYAAACj_6sddv3GpgjRo6pCWO-iTUTQ6AIjER5ZxZjwcxgCQipCvwWZUes_HoVjQQt1p_w3MCnZ3ExGKa1voVhs8LxdWEbx3Jxluo-tWVup78SUNg&amp;view=1&amp;part=2"/>
+          <p:cNvPicPr>
+            <a:picLocks noChangeAspect="1" noChangeArrowheads="1"/>
+          </p:cNvPicPr>
+          <p:nvPr/>
+        </p:nvPicPr>
+        <p:blipFill>
+          <a:blip r:embed="rId5" cstate="print">
+            <a:clrChange>
+              <a:clrFrom>
+                <a:srgbClr val="FFFFFF"/>
+              </a:clrFrom>
+              <a:clrTo>
+                <a:srgbClr val="FFFFFF">
+                  <a:alpha val="0"/>
+                </a:srgbClr>
+              </a:clrTo>
+            </a:clrChange>
+          </a:blip>
+          <a:srcRect/>
+          <a:stretch>
+            <a:fillRect/>
+          </a:stretch>
+        </p:blipFill>
+        <p:spPr bwMode="auto">
+          <a:xfrm>
+            <a:off x="7715272" y="5000636"/>
+            <a:ext cx="790826" cy="1071570"/>
+          </a:xfrm>
+          <a:prstGeom prst="rect">
+            <a:avLst/>
+          </a:prstGeom>
+          <a:noFill/>
+          <a:scene3d>
+            <a:camera prst="orthographicFront">
+              <a:rot lat="0" lon="0" rev="19799999"/>
+            </a:camera>
+            <a:lightRig rig="threePt" dir="t"/>
+          </a:scene3d>
+        </p:spPr>
+      </p:pic>
+      <p:sp>
+        <p:nvSpPr>
+          <p:cNvPr id="5" name="TextovéPole 4"/>
+          <p:cNvSpPr txBox="1"/>
+          <p:nvPr/>
+        </p:nvSpPr>
+        <p:spPr>
+          <a:xfrm>
+            <a:off x="5072066" y="4572008"/>
+            <a:ext cx="1857388" cy="369332"/>
+          </a:xfrm>
+          <a:prstGeom prst="rect">
+            <a:avLst/>
+          </a:prstGeom>
+          <a:noFill/>
+        </p:spPr>
+        <p:txBody>
+          <a:bodyPr wrap="square" rtlCol="0">
+            <a:spAutoFit/>
+          </a:bodyPr>
+          <a:lstStyle/>
+          <a:p>
+            <a:r>
+              <a:rPr lang="cs-CZ" sz="1800" dirty="0" smtClean="0"/>
+              <a:t>Sponzor:</a:t>
+            </a:r>
+            <a:endParaRPr lang="cs-CZ" sz="1800" dirty="0"/>
           </a:p>
         </p:txBody>
       </p:sp>
@@ -5152,7 +5810,7 @@
 </p:sld>
 </file>
 
-<file path=ppt/slides/slide2.xml><?xml version="1.0" encoding="utf-8"?>
+<file path=ppt/slides/slide10.xml><?xml version="1.0" encoding="utf-8"?>
 <p:sld xmlns:a="http://schemas.openxmlformats.org/drawingml/2006/main" xmlns:r="http://schemas.openxmlformats.org/officeDocument/2006/relationships" xmlns:p="http://schemas.openxmlformats.org/presentationml/2006/main">
   <p:cSld>
     <p:spTree>
@@ -5171,7 +5829,7 @@
       </p:grpSpPr>
       <p:sp>
         <p:nvSpPr>
-          <p:cNvPr id="4098" name="Nadpis 1"/>
+          <p:cNvPr id="2" name="Nadpis 1"/>
           <p:cNvSpPr>
             <a:spLocks noGrp="1"/>
           </p:cNvSpPr>
@@ -5185,19 +5843,20 @@
           <a:lstStyle/>
           <a:p>
             <a:r>
-              <a:rPr lang="cs-CZ" dirty="0" err="1" smtClean="0"/>
-              <a:t>SetUp</a:t>
-            </a:r>
-            <a:r>
               <a:rPr lang="cs-CZ" dirty="0" smtClean="0"/>
-              <a:t> připojení</a:t>
-            </a:r>
+              <a:t>Dynamick</a:t>
+            </a:r>
+            <a:r>
+              <a:rPr lang="cs-CZ" dirty="0" smtClean="0"/>
+              <a:t>é SQL</a:t>
+            </a:r>
+            <a:endParaRPr lang="cs-CZ" dirty="0"/>
           </a:p>
         </p:txBody>
       </p:sp>
       <p:sp>
         <p:nvSpPr>
-          <p:cNvPr id="4099" name="Zástupný symbol pro obsah 2"/>
+          <p:cNvPr id="3" name="Zástupný symbol pro obsah 2"/>
           <p:cNvSpPr>
             <a:spLocks noGrp="1"/>
           </p:cNvSpPr>
@@ -5211,141 +5870,990 @@
           <a:lstStyle/>
           <a:p>
             <a:r>
-              <a:rPr lang="cs-CZ" sz="2000" dirty="0" err="1" smtClean="0"/>
-              <a:t>cz.novoj.ibatis.IBatisInitializationTest</a:t>
-            </a:r>
-            <a:endParaRPr lang="cs-CZ" sz="2000" smtClean="0"/>
-          </a:p>
-          <a:p>
-            <a:r>
-              <a:rPr lang="cs-CZ" sz="2000" dirty="0" err="1" smtClean="0"/>
-              <a:t>Pure</a:t>
-            </a:r>
-            <a:r>
-              <a:rPr lang="cs-CZ" sz="2000" dirty="0" smtClean="0"/>
+              <a:rPr lang="cs-CZ" sz="2000" b="1" dirty="0" smtClean="0">
+                <a:ln w="12700">
+                  <a:solidFill>
+                    <a:schemeClr val="tx2">
+                      <a:satMod val="155000"/>
+                    </a:schemeClr>
+                  </a:solidFill>
+                  <a:prstDash val="solid"/>
+                </a:ln>
+                <a:solidFill>
+                  <a:schemeClr val="bg2">
+                    <a:tint val="85000"/>
+                    <a:satMod val="155000"/>
+                  </a:schemeClr>
+                </a:solidFill>
+                <a:effectLst>
+                  <a:outerShdw blurRad="41275" dist="20320" dir="1800000" algn="tl" rotWithShape="0">
+                    <a:srgbClr val="000000">
+                      <a:alpha val="40000"/>
+                    </a:srgbClr>
+                  </a:outerShdw>
+                </a:effectLst>
+              </a:rPr>
+              <a:t>D_</a:t>
+            </a:r>
+            <a:r>
+              <a:rPr lang="cs-CZ" sz="2000" b="1" dirty="0" err="1" smtClean="0">
+                <a:ln w="12700">
+                  <a:solidFill>
+                    <a:schemeClr val="tx2">
+                      <a:satMod val="155000"/>
+                    </a:schemeClr>
+                  </a:solidFill>
+                  <a:prstDash val="solid"/>
+                </a:ln>
+                <a:solidFill>
+                  <a:schemeClr val="bg2">
+                    <a:tint val="85000"/>
+                    <a:satMod val="155000"/>
+                  </a:schemeClr>
+                </a:solidFill>
+                <a:effectLst>
+                  <a:outerShdw blurRad="41275" dist="20320" dir="1800000" algn="tl" rotWithShape="0">
+                    <a:srgbClr val="000000">
+                      <a:alpha val="40000"/>
+                    </a:srgbClr>
+                  </a:outerShdw>
+                </a:effectLst>
+              </a:rPr>
+              <a:t>ConditionalExpressionsTest</a:t>
+            </a:r>
+            <a:r>
+              <a:rPr lang="cs-CZ" sz="2000" b="1" dirty="0" smtClean="0">
+                <a:ln w="12700">
+                  <a:solidFill>
+                    <a:schemeClr val="tx2">
+                      <a:satMod val="155000"/>
+                    </a:schemeClr>
+                  </a:solidFill>
+                  <a:prstDash val="solid"/>
+                </a:ln>
+                <a:solidFill>
+                  <a:schemeClr val="bg2">
+                    <a:tint val="85000"/>
+                    <a:satMod val="155000"/>
+                  </a:schemeClr>
+                </a:solidFill>
+                <a:effectLst>
+                  <a:outerShdw blurRad="41275" dist="20320" dir="1800000" algn="tl" rotWithShape="0">
+                    <a:srgbClr val="000000">
+                      <a:alpha val="40000"/>
+                    </a:srgbClr>
+                  </a:outerShdw>
+                </a:effectLst>
+              </a:rPr>
+              <a:t> (OGNL)</a:t>
+            </a:r>
+            <a:endParaRPr lang="cs-CZ" sz="1800" dirty="0" smtClean="0"/>
+          </a:p>
+          <a:p>
+            <a:pPr lvl="1"/>
+            <a:r>
+              <a:rPr lang="cs-CZ" sz="1800" dirty="0" err="1" smtClean="0"/>
+              <a:t>testCountProducts</a:t>
+            </a:r>
+            <a:endParaRPr lang="cs-CZ" sz="1800" dirty="0" smtClean="0"/>
+          </a:p>
+          <a:p>
+            <a:pPr lvl="2">
+              <a:buNone/>
+            </a:pPr>
+            <a:r>
+              <a:rPr lang="cs-CZ" sz="1600" dirty="0" err="1" smtClean="0">
+                <a:solidFill>
+                  <a:schemeClr val="tx1"/>
+                </a:solidFill>
+              </a:rPr>
+              <a:t>select</a:t>
+            </a:r>
+            <a:r>
+              <a:rPr lang="cs-CZ" sz="1600" dirty="0" smtClean="0">
+                <a:solidFill>
+                  <a:schemeClr val="tx1"/>
+                </a:solidFill>
+              </a:rPr>
               <a:t> </a:t>
             </a:r>
             <a:r>
-              <a:rPr lang="cs-CZ" sz="2000" dirty="0" err="1" smtClean="0"/>
-              <a:t>iBatis</a:t>
-            </a:r>
-            <a:endParaRPr lang="cs-CZ" sz="2000" dirty="0" smtClean="0"/>
-          </a:p>
-          <a:p>
-            <a:r>
-              <a:rPr lang="cs-CZ" sz="2000" dirty="0" err="1" smtClean="0"/>
-              <a:t>Spring</a:t>
-            </a:r>
-            <a:r>
-              <a:rPr lang="cs-CZ" sz="2000" dirty="0" smtClean="0"/>
-              <a:t> Framework (podpora plánována do 3.1)</a:t>
-            </a:r>
+              <a:rPr lang="cs-CZ" sz="1600" dirty="0" err="1" smtClean="0">
+                <a:solidFill>
+                  <a:schemeClr val="tx1"/>
+                </a:solidFill>
+              </a:rPr>
+              <a:t>product</a:t>
+            </a:r>
+            <a:r>
+              <a:rPr lang="cs-CZ" sz="1600" dirty="0" smtClean="0">
+                <a:solidFill>
+                  <a:schemeClr val="tx1"/>
+                </a:solidFill>
+              </a:rPr>
+              <a:t>.*, </a:t>
+            </a:r>
+            <a:r>
+              <a:rPr lang="cs-CZ" sz="1600" dirty="0" err="1" smtClean="0">
+                <a:solidFill>
+                  <a:schemeClr val="tx1"/>
+                </a:solidFill>
+              </a:rPr>
+              <a:t>productGroup.name</a:t>
+            </a:r>
+            <a:r>
+              <a:rPr lang="cs-CZ" sz="1600" dirty="0" smtClean="0">
+                <a:solidFill>
+                  <a:schemeClr val="tx1"/>
+                </a:solidFill>
+              </a:rPr>
+              <a:t> as </a:t>
+            </a:r>
+            <a:r>
+              <a:rPr lang="cs-CZ" sz="1600" dirty="0" err="1" smtClean="0">
+                <a:solidFill>
+                  <a:schemeClr val="tx1"/>
+                </a:solidFill>
+              </a:rPr>
+              <a:t>groupName</a:t>
+            </a:r>
+            <a:r>
+              <a:rPr lang="cs-CZ" sz="1600" dirty="0" smtClean="0">
+                <a:solidFill>
+                  <a:schemeClr val="tx1"/>
+                </a:solidFill>
+              </a:rPr>
+              <a:t>, </a:t>
+            </a:r>
+            <a:r>
+              <a:rPr lang="cs-CZ" sz="1600" dirty="0" err="1" smtClean="0">
+                <a:solidFill>
+                  <a:schemeClr val="tx1"/>
+                </a:solidFill>
+              </a:rPr>
+              <a:t>productGroup.groupType</a:t>
+            </a:r>
+            <a:r>
+              <a:rPr lang="cs-CZ" sz="1600" dirty="0" smtClean="0">
+                <a:solidFill>
+                  <a:schemeClr val="tx1"/>
+                </a:solidFill>
+              </a:rPr>
+              <a:t> </a:t>
+            </a:r>
+            <a:r>
+              <a:rPr lang="cs-CZ" sz="1600" dirty="0" err="1" smtClean="0">
+                <a:solidFill>
+                  <a:schemeClr val="tx1"/>
+                </a:solidFill>
+              </a:rPr>
+              <a:t>from</a:t>
+            </a:r>
+            <a:r>
+              <a:rPr lang="cs-CZ" sz="1600" dirty="0" smtClean="0">
+                <a:solidFill>
+                  <a:schemeClr val="tx1"/>
+                </a:solidFill>
+              </a:rPr>
+              <a:t> </a:t>
+            </a:r>
+            <a:r>
+              <a:rPr lang="cs-CZ" sz="1600" dirty="0" err="1" smtClean="0">
+                <a:solidFill>
+                  <a:schemeClr val="tx1"/>
+                </a:solidFill>
+              </a:rPr>
+              <a:t>product</a:t>
+            </a:r>
+            <a:r>
+              <a:rPr lang="cs-CZ" sz="1600" dirty="0" smtClean="0">
+                <a:solidFill>
+                  <a:schemeClr val="tx1"/>
+                </a:solidFill>
+              </a:rPr>
+              <a:t> </a:t>
+            </a:r>
+            <a:r>
+              <a:rPr lang="cs-CZ" sz="1600" dirty="0" err="1" smtClean="0">
+                <a:solidFill>
+                  <a:schemeClr val="tx1"/>
+                </a:solidFill>
+              </a:rPr>
+              <a:t>inner</a:t>
+            </a:r>
+            <a:r>
+              <a:rPr lang="cs-CZ" sz="1600" dirty="0" smtClean="0">
+                <a:solidFill>
+                  <a:schemeClr val="tx1"/>
+                </a:solidFill>
+              </a:rPr>
+              <a:t> </a:t>
+            </a:r>
+            <a:r>
+              <a:rPr lang="cs-CZ" sz="1600" dirty="0" err="1" smtClean="0">
+                <a:solidFill>
+                  <a:schemeClr val="tx1"/>
+                </a:solidFill>
+              </a:rPr>
+              <a:t>join</a:t>
+            </a:r>
+            <a:r>
+              <a:rPr lang="cs-CZ" sz="1600" dirty="0" smtClean="0">
+                <a:solidFill>
+                  <a:schemeClr val="tx1"/>
+                </a:solidFill>
+              </a:rPr>
+              <a:t> </a:t>
+            </a:r>
+            <a:r>
+              <a:rPr lang="cs-CZ" sz="1600" dirty="0" err="1" smtClean="0">
+                <a:solidFill>
+                  <a:schemeClr val="tx1"/>
+                </a:solidFill>
+              </a:rPr>
+              <a:t>productGroup</a:t>
+            </a:r>
+            <a:r>
+              <a:rPr lang="cs-CZ" sz="1600" dirty="0" smtClean="0">
+                <a:solidFill>
+                  <a:schemeClr val="tx1"/>
+                </a:solidFill>
+              </a:rPr>
+              <a:t> on </a:t>
+            </a:r>
+            <a:r>
+              <a:rPr lang="cs-CZ" sz="1600" dirty="0" err="1" smtClean="0">
+                <a:solidFill>
+                  <a:schemeClr val="tx1"/>
+                </a:solidFill>
+              </a:rPr>
+              <a:t>idGroup</a:t>
+            </a:r>
+            <a:r>
+              <a:rPr lang="cs-CZ" sz="1600" dirty="0" smtClean="0">
+                <a:solidFill>
+                  <a:schemeClr val="tx1"/>
+                </a:solidFill>
+              </a:rPr>
+              <a:t> = </a:t>
+            </a:r>
+            <a:r>
+              <a:rPr lang="cs-CZ" sz="1600" dirty="0" err="1" smtClean="0">
+                <a:solidFill>
+                  <a:schemeClr val="tx1"/>
+                </a:solidFill>
+              </a:rPr>
+              <a:t>productGroup.id</a:t>
+            </a:r>
+            <a:r>
+              <a:rPr lang="cs-CZ" sz="1600" dirty="0" smtClean="0">
+                <a:solidFill>
+                  <a:schemeClr val="tx1"/>
+                </a:solidFill>
+              </a:rPr>
+              <a:t> </a:t>
+            </a:r>
+            <a:r>
+              <a:rPr lang="cs-CZ" sz="1600" dirty="0" err="1" smtClean="0">
+                <a:solidFill>
+                  <a:schemeClr val="tx1"/>
+                </a:solidFill>
+              </a:rPr>
+              <a:t>where</a:t>
+            </a:r>
+            <a:r>
+              <a:rPr lang="cs-CZ" sz="1600" dirty="0" smtClean="0">
+                <a:solidFill>
+                  <a:schemeClr val="tx1"/>
+                </a:solidFill>
+              </a:rPr>
+              <a:t> </a:t>
+            </a:r>
+            <a:r>
+              <a:rPr lang="cs-CZ" sz="1600" dirty="0" err="1" smtClean="0">
+                <a:solidFill>
+                  <a:schemeClr val="tx1"/>
+                </a:solidFill>
+              </a:rPr>
+              <a:t>product.name</a:t>
+            </a:r>
+            <a:r>
+              <a:rPr lang="cs-CZ" sz="1600" dirty="0" smtClean="0">
+                <a:solidFill>
+                  <a:schemeClr val="tx1"/>
+                </a:solidFill>
+              </a:rPr>
+              <a:t> </a:t>
+            </a:r>
+            <a:r>
+              <a:rPr lang="cs-CZ" sz="1600" dirty="0" err="1" smtClean="0">
+                <a:solidFill>
+                  <a:schemeClr val="tx1"/>
+                </a:solidFill>
+              </a:rPr>
+              <a:t>like</a:t>
+            </a:r>
+            <a:r>
+              <a:rPr lang="cs-CZ" sz="1600" dirty="0" smtClean="0">
+                <a:solidFill>
+                  <a:schemeClr val="tx1"/>
+                </a:solidFill>
+              </a:rPr>
+              <a:t> </a:t>
+            </a:r>
+            <a:r>
+              <a:rPr lang="cs-CZ" sz="1600" dirty="0" smtClean="0">
+                <a:solidFill>
+                  <a:schemeClr val="tx1"/>
+                </a:solidFill>
+              </a:rPr>
+              <a:t>? </a:t>
+            </a:r>
+            <a:r>
+              <a:rPr lang="cs-CZ" sz="1600" dirty="0" err="1" smtClean="0">
+                <a:solidFill>
+                  <a:schemeClr val="tx1"/>
+                </a:solidFill>
+              </a:rPr>
+              <a:t>and</a:t>
+            </a:r>
+            <a:r>
+              <a:rPr lang="cs-CZ" sz="1600" dirty="0" smtClean="0">
+                <a:solidFill>
+                  <a:schemeClr val="tx1"/>
+                </a:solidFill>
+              </a:rPr>
+              <a:t> </a:t>
+            </a:r>
+            <a:r>
+              <a:rPr lang="cs-CZ" sz="1600" dirty="0" err="1" smtClean="0">
+                <a:solidFill>
+                  <a:schemeClr val="tx1"/>
+                </a:solidFill>
+              </a:rPr>
+              <a:t>productGroup.name</a:t>
+            </a:r>
+            <a:r>
+              <a:rPr lang="cs-CZ" sz="1600" dirty="0" smtClean="0">
+                <a:solidFill>
+                  <a:schemeClr val="tx1"/>
+                </a:solidFill>
+              </a:rPr>
+              <a:t> </a:t>
+            </a:r>
+            <a:r>
+              <a:rPr lang="cs-CZ" sz="1600" dirty="0" err="1" smtClean="0">
+                <a:solidFill>
+                  <a:schemeClr val="tx1"/>
+                </a:solidFill>
+              </a:rPr>
+              <a:t>like</a:t>
+            </a:r>
+            <a:r>
+              <a:rPr lang="cs-CZ" sz="1600" dirty="0" smtClean="0">
+                <a:solidFill>
+                  <a:schemeClr val="tx1"/>
+                </a:solidFill>
+              </a:rPr>
+              <a:t> ?</a:t>
+            </a:r>
+            <a:endParaRPr lang="cs-CZ" sz="1600" dirty="0" smtClean="0">
+              <a:solidFill>
+                <a:schemeClr val="tx1"/>
+              </a:solidFill>
+            </a:endParaRPr>
           </a:p>
           <a:p>
             <a:pPr lvl="1"/>
             <a:r>
-              <a:rPr lang="cs-CZ" sz="1700" dirty="0" smtClean="0">
-                <a:hlinkClick r:id="rId3"/>
-              </a:rPr>
-              <a:t>http://jira.springframework.org/browse/SPR-5991</a:t>
-            </a:r>
-            <a:r>
-              <a:rPr lang="cs-CZ" sz="1700" dirty="0" smtClean="0"/>
+              <a:rPr lang="cs-CZ" sz="1800" dirty="0" err="1" smtClean="0"/>
+              <a:t>getProductsByChoose</a:t>
+            </a:r>
+            <a:endParaRPr lang="cs-CZ" sz="1800" dirty="0" smtClean="0"/>
+          </a:p>
+          <a:p>
+            <a:pPr lvl="2">
+              <a:buNone/>
+            </a:pPr>
+            <a:r>
+              <a:rPr lang="cs-CZ" sz="1600" dirty="0" err="1" smtClean="0">
+                <a:solidFill>
+                  <a:schemeClr val="tx1"/>
+                </a:solidFill>
+              </a:rPr>
+              <a:t>select</a:t>
+            </a:r>
+            <a:r>
+              <a:rPr lang="cs-CZ" sz="1600" dirty="0" smtClean="0">
+                <a:solidFill>
+                  <a:schemeClr val="tx1"/>
+                </a:solidFill>
+              </a:rPr>
               <a:t> </a:t>
             </a:r>
-          </a:p>
-          <a:p>
-            <a:r>
-              <a:rPr lang="cs-CZ" sz="1800" b="1" i="1" dirty="0" err="1" smtClean="0"/>
-              <a:t>SqlSessionFactoryBuilder</a:t>
-            </a:r>
-            <a:endParaRPr lang="cs-CZ" sz="1800" b="1" i="1" dirty="0" smtClean="0"/>
+            <a:r>
+              <a:rPr lang="cs-CZ" sz="1600" dirty="0" err="1" smtClean="0">
+                <a:solidFill>
+                  <a:schemeClr val="tx1"/>
+                </a:solidFill>
+              </a:rPr>
+              <a:t>product</a:t>
+            </a:r>
+            <a:r>
+              <a:rPr lang="cs-CZ" sz="1600" dirty="0" smtClean="0">
+                <a:solidFill>
+                  <a:schemeClr val="tx1"/>
+                </a:solidFill>
+              </a:rPr>
+              <a:t>.*, </a:t>
+            </a:r>
+            <a:r>
+              <a:rPr lang="cs-CZ" sz="1600" dirty="0" err="1" smtClean="0">
+                <a:solidFill>
+                  <a:schemeClr val="tx1"/>
+                </a:solidFill>
+              </a:rPr>
+              <a:t>productGroup.name</a:t>
+            </a:r>
+            <a:r>
+              <a:rPr lang="cs-CZ" sz="1600" dirty="0" smtClean="0">
+                <a:solidFill>
+                  <a:schemeClr val="tx1"/>
+                </a:solidFill>
+              </a:rPr>
+              <a:t> as </a:t>
+            </a:r>
+            <a:r>
+              <a:rPr lang="cs-CZ" sz="1600" dirty="0" err="1" smtClean="0">
+                <a:solidFill>
+                  <a:schemeClr val="tx1"/>
+                </a:solidFill>
+              </a:rPr>
+              <a:t>groupName</a:t>
+            </a:r>
+            <a:r>
+              <a:rPr lang="cs-CZ" sz="1600" dirty="0" smtClean="0">
+                <a:solidFill>
+                  <a:schemeClr val="tx1"/>
+                </a:solidFill>
+              </a:rPr>
+              <a:t>, </a:t>
+            </a:r>
+            <a:r>
+              <a:rPr lang="cs-CZ" sz="1600" dirty="0" err="1" smtClean="0">
+                <a:solidFill>
+                  <a:schemeClr val="tx1"/>
+                </a:solidFill>
+              </a:rPr>
+              <a:t>productGroup.groupType</a:t>
+            </a:r>
+            <a:r>
+              <a:rPr lang="cs-CZ" sz="1600" dirty="0" smtClean="0">
+                <a:solidFill>
+                  <a:schemeClr val="tx1"/>
+                </a:solidFill>
+              </a:rPr>
+              <a:t> </a:t>
+            </a:r>
+            <a:r>
+              <a:rPr lang="cs-CZ" sz="1600" dirty="0" err="1" smtClean="0">
+                <a:solidFill>
+                  <a:schemeClr val="tx1"/>
+                </a:solidFill>
+              </a:rPr>
+              <a:t>from</a:t>
+            </a:r>
+            <a:r>
+              <a:rPr lang="cs-CZ" sz="1600" dirty="0" smtClean="0">
+                <a:solidFill>
+                  <a:schemeClr val="tx1"/>
+                </a:solidFill>
+              </a:rPr>
+              <a:t> </a:t>
+            </a:r>
+            <a:r>
+              <a:rPr lang="cs-CZ" sz="1600" dirty="0" err="1" smtClean="0">
+                <a:solidFill>
+                  <a:schemeClr val="tx1"/>
+                </a:solidFill>
+              </a:rPr>
+              <a:t>product</a:t>
+            </a:r>
+            <a:r>
+              <a:rPr lang="cs-CZ" sz="1600" dirty="0" smtClean="0">
+                <a:solidFill>
+                  <a:schemeClr val="tx1"/>
+                </a:solidFill>
+              </a:rPr>
+              <a:t> </a:t>
+            </a:r>
+            <a:r>
+              <a:rPr lang="cs-CZ" sz="1600" dirty="0" err="1" smtClean="0">
+                <a:solidFill>
+                  <a:schemeClr val="tx1"/>
+                </a:solidFill>
+              </a:rPr>
+              <a:t>inner</a:t>
+            </a:r>
+            <a:r>
+              <a:rPr lang="cs-CZ" sz="1600" dirty="0" smtClean="0">
+                <a:solidFill>
+                  <a:schemeClr val="tx1"/>
+                </a:solidFill>
+              </a:rPr>
+              <a:t> </a:t>
+            </a:r>
+            <a:r>
+              <a:rPr lang="cs-CZ" sz="1600" dirty="0" err="1" smtClean="0">
+                <a:solidFill>
+                  <a:schemeClr val="tx1"/>
+                </a:solidFill>
+              </a:rPr>
+              <a:t>join</a:t>
+            </a:r>
+            <a:r>
+              <a:rPr lang="cs-CZ" sz="1600" dirty="0" smtClean="0">
+                <a:solidFill>
+                  <a:schemeClr val="tx1"/>
+                </a:solidFill>
+              </a:rPr>
+              <a:t> </a:t>
+            </a:r>
+            <a:r>
+              <a:rPr lang="cs-CZ" sz="1600" dirty="0" err="1" smtClean="0">
+                <a:solidFill>
+                  <a:schemeClr val="tx1"/>
+                </a:solidFill>
+              </a:rPr>
+              <a:t>productGroup</a:t>
+            </a:r>
+            <a:r>
+              <a:rPr lang="cs-CZ" sz="1600" dirty="0" smtClean="0">
+                <a:solidFill>
+                  <a:schemeClr val="tx1"/>
+                </a:solidFill>
+              </a:rPr>
+              <a:t> on </a:t>
+            </a:r>
+            <a:r>
+              <a:rPr lang="cs-CZ" sz="1600" dirty="0" err="1" smtClean="0">
+                <a:solidFill>
+                  <a:schemeClr val="tx1"/>
+                </a:solidFill>
+              </a:rPr>
+              <a:t>idGroup</a:t>
+            </a:r>
+            <a:r>
+              <a:rPr lang="cs-CZ" sz="1600" dirty="0" smtClean="0">
+                <a:solidFill>
+                  <a:schemeClr val="tx1"/>
+                </a:solidFill>
+              </a:rPr>
+              <a:t> = </a:t>
+            </a:r>
+            <a:r>
+              <a:rPr lang="cs-CZ" sz="1600" dirty="0" err="1" smtClean="0">
+                <a:solidFill>
+                  <a:schemeClr val="tx1"/>
+                </a:solidFill>
+              </a:rPr>
+              <a:t>productGroup.id</a:t>
+            </a:r>
+            <a:r>
+              <a:rPr lang="cs-CZ" sz="1600" dirty="0" smtClean="0">
+                <a:solidFill>
+                  <a:schemeClr val="tx1"/>
+                </a:solidFill>
+              </a:rPr>
+              <a:t> </a:t>
+            </a:r>
+            <a:r>
+              <a:rPr lang="cs-CZ" sz="1600" dirty="0" err="1" smtClean="0">
+                <a:solidFill>
+                  <a:schemeClr val="tx1"/>
+                </a:solidFill>
+              </a:rPr>
+              <a:t>where</a:t>
+            </a:r>
+            <a:r>
+              <a:rPr lang="cs-CZ" sz="1600" dirty="0" smtClean="0">
+                <a:solidFill>
+                  <a:schemeClr val="tx1"/>
+                </a:solidFill>
+              </a:rPr>
+              <a:t> </a:t>
+            </a:r>
+            <a:r>
+              <a:rPr lang="cs-CZ" sz="1600" dirty="0" err="1" smtClean="0">
+                <a:solidFill>
+                  <a:schemeClr val="tx1"/>
+                </a:solidFill>
+              </a:rPr>
+              <a:t>product.name</a:t>
+            </a:r>
+            <a:r>
+              <a:rPr lang="cs-CZ" sz="1600" dirty="0" smtClean="0">
+                <a:solidFill>
+                  <a:schemeClr val="tx1"/>
+                </a:solidFill>
+              </a:rPr>
+              <a:t> </a:t>
+            </a:r>
+            <a:r>
+              <a:rPr lang="cs-CZ" sz="1600" dirty="0" err="1" smtClean="0">
+                <a:solidFill>
+                  <a:schemeClr val="tx1"/>
+                </a:solidFill>
+              </a:rPr>
+              <a:t>like</a:t>
+            </a:r>
+            <a:r>
+              <a:rPr lang="cs-CZ" sz="1600" dirty="0" smtClean="0">
+                <a:solidFill>
+                  <a:schemeClr val="tx1"/>
+                </a:solidFill>
+              </a:rPr>
+              <a:t> ? </a:t>
+            </a:r>
+            <a:r>
+              <a:rPr lang="cs-CZ" sz="1600" dirty="0" err="1" smtClean="0">
+                <a:solidFill>
+                  <a:schemeClr val="tx1"/>
+                </a:solidFill>
+              </a:rPr>
+              <a:t>and</a:t>
+            </a:r>
+            <a:r>
+              <a:rPr lang="cs-CZ" sz="1600" dirty="0" smtClean="0">
+                <a:solidFill>
+                  <a:schemeClr val="tx1"/>
+                </a:solidFill>
+              </a:rPr>
+              <a:t> </a:t>
+            </a:r>
+            <a:r>
+              <a:rPr lang="cs-CZ" sz="1600" dirty="0" err="1" smtClean="0">
+                <a:solidFill>
+                  <a:schemeClr val="tx1"/>
+                </a:solidFill>
+              </a:rPr>
+              <a:t>productGroup.name</a:t>
+            </a:r>
+            <a:r>
+              <a:rPr lang="cs-CZ" sz="1600" dirty="0" smtClean="0">
+                <a:solidFill>
+                  <a:schemeClr val="tx1"/>
+                </a:solidFill>
+              </a:rPr>
+              <a:t> </a:t>
+            </a:r>
+            <a:r>
+              <a:rPr lang="cs-CZ" sz="1600" dirty="0" err="1" smtClean="0">
+                <a:solidFill>
+                  <a:schemeClr val="tx1"/>
+                </a:solidFill>
+              </a:rPr>
+              <a:t>like</a:t>
+            </a:r>
+            <a:r>
+              <a:rPr lang="cs-CZ" sz="1600" dirty="0" smtClean="0">
+                <a:solidFill>
+                  <a:schemeClr val="tx1"/>
+                </a:solidFill>
+              </a:rPr>
+              <a:t> </a:t>
+            </a:r>
+            <a:r>
+              <a:rPr lang="cs-CZ" sz="1600" dirty="0" smtClean="0">
+                <a:solidFill>
+                  <a:schemeClr val="tx1"/>
+                </a:solidFill>
+              </a:rPr>
+              <a:t>? </a:t>
+            </a:r>
+            <a:r>
+              <a:rPr lang="cs-CZ" sz="1600" dirty="0" err="1" smtClean="0">
+                <a:solidFill>
+                  <a:schemeClr val="tx1"/>
+                </a:solidFill>
+              </a:rPr>
+              <a:t>and</a:t>
+            </a:r>
+            <a:r>
+              <a:rPr lang="cs-CZ" sz="1600" dirty="0" smtClean="0">
+                <a:solidFill>
+                  <a:schemeClr val="tx1"/>
+                </a:solidFill>
+              </a:rPr>
+              <a:t> </a:t>
+            </a:r>
+            <a:r>
+              <a:rPr lang="cs-CZ" sz="1600" dirty="0" err="1" smtClean="0">
+                <a:solidFill>
+                  <a:schemeClr val="tx1"/>
+                </a:solidFill>
+              </a:rPr>
+              <a:t>product.id</a:t>
+            </a:r>
+            <a:r>
+              <a:rPr lang="cs-CZ" sz="1600" dirty="0" smtClean="0">
+                <a:solidFill>
+                  <a:schemeClr val="tx1"/>
+                </a:solidFill>
+              </a:rPr>
+              <a:t> = 1</a:t>
+            </a:r>
           </a:p>
           <a:p>
             <a:pPr lvl="1"/>
             <a:r>
-              <a:rPr lang="cs-CZ" sz="1500" dirty="0" smtClean="0"/>
-              <a:t>jednoúčelový objekt sloužící pro vytvoření </a:t>
-            </a:r>
-            <a:r>
-              <a:rPr lang="cs-CZ" sz="1500" dirty="0" err="1" smtClean="0"/>
-              <a:t>SqlSessionFactory</a:t>
-            </a:r>
-            <a:r>
-              <a:rPr lang="cs-CZ" sz="1500" dirty="0" smtClean="0"/>
-              <a:t> – možno ihned zahodit</a:t>
-            </a:r>
-          </a:p>
-          <a:p>
-            <a:r>
-              <a:rPr lang="cs-CZ" sz="1800" b="1" i="1" dirty="0" err="1" smtClean="0"/>
-              <a:t>SqlSessionFactory</a:t>
-            </a:r>
-            <a:endParaRPr lang="cs-CZ" sz="1800" b="1" i="1" dirty="0" smtClean="0"/>
+              <a:rPr lang="cs-CZ" sz="1800" dirty="0" err="1" smtClean="0"/>
+              <a:t>getProductsByChoose</a:t>
+            </a:r>
+            <a:endParaRPr lang="cs-CZ" sz="1800" dirty="0" smtClean="0"/>
+          </a:p>
+          <a:p>
+            <a:pPr lvl="2">
+              <a:buNone/>
+            </a:pPr>
+            <a:r>
+              <a:rPr lang="cs-CZ" sz="1600" dirty="0" err="1" smtClean="0">
+                <a:solidFill>
+                  <a:schemeClr val="tx1"/>
+                </a:solidFill>
+              </a:rPr>
+              <a:t>Select</a:t>
+            </a:r>
+            <a:endParaRPr lang="cs-CZ" sz="1600" dirty="0" smtClean="0">
+              <a:solidFill>
+                <a:schemeClr val="tx1"/>
+              </a:solidFill>
+            </a:endParaRPr>
           </a:p>
           <a:p>
             <a:pPr lvl="1"/>
             <a:r>
-              <a:rPr lang="cs-CZ" sz="1500" dirty="0" smtClean="0"/>
-              <a:t>sdílená v aplikaci, </a:t>
-            </a:r>
-            <a:r>
-              <a:rPr lang="cs-CZ" sz="1500" dirty="0" err="1" smtClean="0"/>
-              <a:t>thread</a:t>
-            </a:r>
-            <a:r>
-              <a:rPr lang="cs-CZ" sz="1500" dirty="0" smtClean="0"/>
-              <a:t>-safe, pracovat jako se </a:t>
-            </a:r>
-            <a:r>
-              <a:rPr lang="cs-CZ" sz="1500" dirty="0" err="1" smtClean="0"/>
-              <a:t>singletonem</a:t>
-            </a:r>
-            <a:endParaRPr lang="cs-CZ" sz="1500" dirty="0" smtClean="0"/>
-          </a:p>
-          <a:p>
-            <a:r>
-              <a:rPr lang="cs-CZ" sz="1800" b="1" i="1" dirty="0" err="1" smtClean="0"/>
-              <a:t>SqlSession</a:t>
-            </a:r>
-            <a:endParaRPr lang="cs-CZ" sz="1800" b="1" i="1" dirty="0" smtClean="0"/>
+              <a:rPr lang="cs-CZ" sz="1800" dirty="0" err="1" smtClean="0"/>
+              <a:t>getProductsById</a:t>
+            </a:r>
+            <a:endParaRPr lang="cs-CZ" sz="1800" dirty="0" smtClean="0"/>
+          </a:p>
+          <a:p>
+            <a:pPr lvl="2">
+              <a:buNone/>
+            </a:pPr>
+            <a:r>
+              <a:rPr lang="en-US" sz="1600" dirty="0" smtClean="0">
+                <a:solidFill>
+                  <a:schemeClr val="tx1"/>
+                </a:solidFill>
+              </a:rPr>
+              <a:t>select product.*, productGroup.name as </a:t>
+            </a:r>
+            <a:r>
+              <a:rPr lang="en-US" sz="1600" dirty="0" err="1" smtClean="0">
+                <a:solidFill>
+                  <a:schemeClr val="tx1"/>
+                </a:solidFill>
+              </a:rPr>
+              <a:t>groupName</a:t>
+            </a:r>
+            <a:r>
+              <a:rPr lang="en-US" sz="1600" dirty="0" smtClean="0">
+                <a:solidFill>
+                  <a:schemeClr val="tx1"/>
+                </a:solidFill>
+              </a:rPr>
+              <a:t>, </a:t>
+            </a:r>
+            <a:r>
+              <a:rPr lang="en-US" sz="1600" dirty="0" err="1" smtClean="0">
+                <a:solidFill>
+                  <a:schemeClr val="tx1"/>
+                </a:solidFill>
+              </a:rPr>
+              <a:t>productGroup.groupType</a:t>
+            </a:r>
+            <a:r>
+              <a:rPr lang="cs-CZ" sz="1600" dirty="0" smtClean="0">
+                <a:solidFill>
+                  <a:schemeClr val="tx1"/>
+                </a:solidFill>
+              </a:rPr>
+              <a:t> f</a:t>
+            </a:r>
+            <a:r>
+              <a:rPr lang="en-US" sz="1600" dirty="0" err="1" smtClean="0">
+                <a:solidFill>
+                  <a:schemeClr val="tx1"/>
+                </a:solidFill>
+              </a:rPr>
+              <a:t>rom</a:t>
+            </a:r>
+            <a:r>
+              <a:rPr lang="en-US" sz="1600" dirty="0" smtClean="0">
+                <a:solidFill>
+                  <a:schemeClr val="tx1"/>
+                </a:solidFill>
+              </a:rPr>
+              <a:t> product</a:t>
+            </a:r>
+            <a:r>
+              <a:rPr lang="cs-CZ" sz="1600" dirty="0" smtClean="0">
+                <a:solidFill>
+                  <a:schemeClr val="tx1"/>
+                </a:solidFill>
+              </a:rPr>
+              <a:t> </a:t>
+            </a:r>
+            <a:r>
+              <a:rPr lang="en-US" sz="1600" dirty="0" smtClean="0">
+                <a:solidFill>
+                  <a:schemeClr val="tx1"/>
+                </a:solidFill>
+              </a:rPr>
+              <a:t>inner join </a:t>
+            </a:r>
+            <a:r>
+              <a:rPr lang="en-US" sz="1600" dirty="0" err="1" smtClean="0">
+                <a:solidFill>
+                  <a:schemeClr val="tx1"/>
+                </a:solidFill>
+              </a:rPr>
+              <a:t>productGroup</a:t>
+            </a:r>
+            <a:r>
+              <a:rPr lang="en-US" sz="1600" dirty="0" smtClean="0">
+                <a:solidFill>
+                  <a:schemeClr val="tx1"/>
+                </a:solidFill>
+              </a:rPr>
+              <a:t> on </a:t>
+            </a:r>
+            <a:r>
+              <a:rPr lang="en-US" sz="1600" dirty="0" err="1" smtClean="0">
+                <a:solidFill>
+                  <a:schemeClr val="tx1"/>
+                </a:solidFill>
+              </a:rPr>
+              <a:t>idGroup</a:t>
+            </a:r>
+            <a:r>
+              <a:rPr lang="en-US" sz="1600" dirty="0" smtClean="0">
+                <a:solidFill>
+                  <a:schemeClr val="tx1"/>
+                </a:solidFill>
+              </a:rPr>
+              <a:t> = productGroup.id</a:t>
+            </a:r>
+            <a:r>
+              <a:rPr lang="cs-CZ" sz="1600" dirty="0" smtClean="0">
+                <a:solidFill>
+                  <a:schemeClr val="tx1"/>
+                </a:solidFill>
+              </a:rPr>
+              <a:t> </a:t>
+            </a:r>
+            <a:r>
+              <a:rPr lang="en-US" sz="1600" dirty="0" smtClean="0">
+                <a:solidFill>
+                  <a:schemeClr val="tx1"/>
+                </a:solidFill>
+              </a:rPr>
+              <a:t>where product.id in</a:t>
+            </a:r>
+            <a:r>
+              <a:rPr lang="cs-CZ" sz="1600" dirty="0" smtClean="0">
+                <a:solidFill>
+                  <a:schemeClr val="tx1"/>
+                </a:solidFill>
+              </a:rPr>
+              <a:t> (?, ?, ?)</a:t>
+            </a:r>
           </a:p>
           <a:p>
             <a:pPr lvl="1"/>
             <a:r>
-              <a:rPr lang="cs-CZ" sz="1500" dirty="0" smtClean="0"/>
-              <a:t>pro každý </a:t>
-            </a:r>
-            <a:r>
-              <a:rPr lang="cs-CZ" sz="1500" dirty="0" err="1" smtClean="0"/>
-              <a:t>thread</a:t>
-            </a:r>
-            <a:r>
-              <a:rPr lang="cs-CZ" sz="1500" dirty="0" smtClean="0"/>
-              <a:t> unikání (není </a:t>
-            </a:r>
-            <a:r>
-              <a:rPr lang="cs-CZ" sz="1500" dirty="0" err="1" smtClean="0"/>
-              <a:t>thread</a:t>
-            </a:r>
-            <a:r>
-              <a:rPr lang="cs-CZ" sz="1500" dirty="0" smtClean="0"/>
-              <a:t>-safe)</a:t>
-            </a:r>
-          </a:p>
-          <a:p>
-            <a:pPr lvl="1"/>
-            <a:r>
-              <a:rPr lang="cs-CZ" sz="1500" dirty="0" smtClean="0"/>
-              <a:t>ideálně otevřít na začátku </a:t>
-            </a:r>
-            <a:r>
-              <a:rPr lang="cs-CZ" sz="1500" dirty="0" err="1" smtClean="0"/>
-              <a:t>requestu</a:t>
-            </a:r>
-            <a:r>
-              <a:rPr lang="cs-CZ" sz="1500" dirty="0" smtClean="0"/>
-              <a:t> a na konci ji zase zavřít</a:t>
+              <a:rPr lang="cs-CZ" sz="1800" dirty="0" err="1" smtClean="0"/>
+              <a:t>selectiveUpdate</a:t>
+            </a:r>
+            <a:r>
+              <a:rPr lang="cs-CZ" sz="1800" dirty="0" smtClean="0"/>
+              <a:t>, </a:t>
+            </a:r>
+            <a:r>
+              <a:rPr lang="cs-CZ" sz="1800" dirty="0" err="1" smtClean="0"/>
+              <a:t>selectiveUpdateAlternativeWithTrim</a:t>
+            </a:r>
+            <a:endParaRPr lang="cs-CZ" sz="1800" dirty="0" smtClean="0"/>
+          </a:p>
+          <a:p>
+            <a:pPr lvl="2">
+              <a:buNone/>
+            </a:pPr>
+            <a:r>
+              <a:rPr lang="en-US" sz="1600" dirty="0" smtClean="0">
+                <a:solidFill>
+                  <a:schemeClr val="tx1"/>
+                </a:solidFill>
+              </a:rPr>
+              <a:t>update product</a:t>
+            </a:r>
+            <a:r>
+              <a:rPr lang="cs-CZ" sz="1600" dirty="0" smtClean="0">
+                <a:solidFill>
+                  <a:schemeClr val="tx1"/>
+                </a:solidFill>
+              </a:rPr>
+              <a:t> set </a:t>
+            </a:r>
+            <a:r>
+              <a:rPr lang="cs-CZ" sz="1600" dirty="0" err="1" smtClean="0">
+                <a:solidFill>
+                  <a:schemeClr val="tx1"/>
+                </a:solidFill>
+              </a:rPr>
+              <a:t>name</a:t>
+            </a:r>
+            <a:r>
+              <a:rPr lang="cs-CZ" sz="1600" dirty="0" smtClean="0">
+                <a:solidFill>
+                  <a:schemeClr val="tx1"/>
+                </a:solidFill>
+              </a:rPr>
+              <a:t> = ?, </a:t>
+            </a:r>
+            <a:r>
+              <a:rPr lang="cs-CZ" sz="1600" dirty="0" err="1" smtClean="0">
+                <a:solidFill>
+                  <a:schemeClr val="tx1"/>
+                </a:solidFill>
+              </a:rPr>
+              <a:t>idGroup</a:t>
+            </a:r>
+            <a:r>
+              <a:rPr lang="cs-CZ" sz="1600" dirty="0" smtClean="0">
+                <a:solidFill>
+                  <a:schemeClr val="tx1"/>
+                </a:solidFill>
+              </a:rPr>
+              <a:t> = ? </a:t>
+            </a:r>
+            <a:r>
+              <a:rPr lang="cs-CZ" sz="1600" dirty="0" err="1" smtClean="0">
+                <a:solidFill>
+                  <a:schemeClr val="tx1"/>
+                </a:solidFill>
+              </a:rPr>
+              <a:t>where</a:t>
+            </a:r>
+            <a:r>
+              <a:rPr lang="cs-CZ" sz="1600" dirty="0" smtClean="0">
+                <a:solidFill>
+                  <a:schemeClr val="tx1"/>
+                </a:solidFill>
+              </a:rPr>
+              <a:t> id = ?</a:t>
             </a:r>
           </a:p>
         </p:txBody>
@@ -5368,12 +6876,12 @@
             <a:pPr>
               <a:defRPr/>
             </a:pPr>
-            <a:fld id="{A6112C02-2ADB-4963-B455-E27F555BA63A}" type="slidenum">
+            <a:fld id="{9AF1F007-AFEE-4035-9C51-B1CFC008845C}" type="slidenum">
               <a:rPr lang="cs-CZ" smtClean="0"/>
               <a:pPr>
                 <a:defRPr/>
               </a:pPr>
-              <a:t>2</a:t>
+              <a:t>10</a:t>
             </a:fld>
             <a:endParaRPr lang="cs-CZ"/>
           </a:p>
@@ -5410,7 +6918,7 @@
   <p:clrMapOvr>
     <a:masterClrMapping/>
   </p:clrMapOvr>
-  <p:transition advTm="177966">
+  <p:transition>
     <p:fade thruBlk="1"/>
   </p:transition>
   <p:timing>
@@ -5423,7 +6931,7 @@
 </p:sld>
 </file>
 
-<file path=ppt/slides/slide3.xml><?xml version="1.0" encoding="utf-8"?>
+<file path=ppt/slides/slide11.xml><?xml version="1.0" encoding="utf-8"?>
 <p:sld xmlns:a="http://schemas.openxmlformats.org/drawingml/2006/main" xmlns:r="http://schemas.openxmlformats.org/officeDocument/2006/relationships" xmlns:p="http://schemas.openxmlformats.org/presentationml/2006/main">
   <p:cSld>
     <p:spTree>
@@ -5442,7 +6950,7 @@
       </p:grpSpPr>
       <p:sp>
         <p:nvSpPr>
-          <p:cNvPr id="4098" name="Nadpis 1"/>
+          <p:cNvPr id="2" name="Nadpis 1"/>
           <p:cNvSpPr>
             <a:spLocks noGrp="1"/>
           </p:cNvSpPr>
@@ -5457,14 +6965,15 @@
           <a:p>
             <a:r>
               <a:rPr lang="cs-CZ" dirty="0" smtClean="0"/>
-              <a:t>Priorita dat</a:t>
-            </a:r>
+              <a:t>Anotace místo XML</a:t>
+            </a:r>
+            <a:endParaRPr lang="cs-CZ" dirty="0"/>
           </a:p>
         </p:txBody>
       </p:sp>
       <p:sp>
         <p:nvSpPr>
-          <p:cNvPr id="4099" name="Zástupný symbol pro obsah 2"/>
+          <p:cNvPr id="3" name="Zástupný symbol pro obsah 2"/>
           <p:cNvSpPr>
             <a:spLocks noGrp="1"/>
           </p:cNvSpPr>
@@ -5478,24 +6987,289 @@
           <a:lstStyle/>
           <a:p>
             <a:r>
-              <a:rPr lang="cs-CZ" sz="1800" dirty="0" smtClean="0"/>
-              <a:t>Programové</a:t>
-            </a:r>
-          </a:p>
-          <a:p>
-            <a:r>
-              <a:rPr lang="cs-CZ" sz="1800" dirty="0" smtClean="0"/>
-              <a:t>XML</a:t>
-            </a:r>
-          </a:p>
-          <a:p>
-            <a:r>
-              <a:rPr lang="cs-CZ" sz="1800" dirty="0" smtClean="0"/>
-              <a:t>Anotace</a:t>
-            </a:r>
-          </a:p>
-          <a:p>
+              <a:rPr lang="cs-CZ" sz="2000" b="1" dirty="0" smtClean="0">
+                <a:ln w="12700">
+                  <a:solidFill>
+                    <a:schemeClr val="tx2">
+                      <a:satMod val="155000"/>
+                    </a:schemeClr>
+                  </a:solidFill>
+                  <a:prstDash val="solid"/>
+                </a:ln>
+                <a:solidFill>
+                  <a:schemeClr val="bg2">
+                    <a:tint val="85000"/>
+                    <a:satMod val="155000"/>
+                  </a:schemeClr>
+                </a:solidFill>
+                <a:effectLst>
+                  <a:outerShdw blurRad="41275" dist="20320" dir="1800000" algn="tl" rotWithShape="0">
+                    <a:srgbClr val="000000">
+                      <a:alpha val="40000"/>
+                    </a:srgbClr>
+                  </a:outerShdw>
+                </a:effectLst>
+              </a:rPr>
+              <a:t>E_</a:t>
+            </a:r>
+            <a:r>
+              <a:rPr lang="cs-CZ" sz="2000" b="1" dirty="0" err="1" smtClean="0">
+                <a:ln w="12700">
+                  <a:solidFill>
+                    <a:schemeClr val="tx2">
+                      <a:satMod val="155000"/>
+                    </a:schemeClr>
+                  </a:solidFill>
+                  <a:prstDash val="solid"/>
+                </a:ln>
+                <a:solidFill>
+                  <a:schemeClr val="bg2">
+                    <a:tint val="85000"/>
+                    <a:satMod val="155000"/>
+                  </a:schemeClr>
+                </a:solidFill>
+                <a:effectLst>
+                  <a:outerShdw blurRad="41275" dist="20320" dir="1800000" algn="tl" rotWithShape="0">
+                    <a:srgbClr val="000000">
+                      <a:alpha val="40000"/>
+                    </a:srgbClr>
+                  </a:outerShdw>
+                </a:effectLst>
+              </a:rPr>
+              <a:t>AnnotationBasedProductMapperTest</a:t>
+            </a:r>
             <a:endParaRPr lang="cs-CZ" sz="1800" dirty="0" smtClean="0"/>
+          </a:p>
+          <a:p>
+            <a:pPr lvl="1"/>
+            <a:r>
+              <a:rPr lang="cs-CZ" sz="1800" dirty="0" err="1" smtClean="0"/>
+              <a:t>countProducts</a:t>
+            </a:r>
+            <a:endParaRPr lang="cs-CZ" sz="1800" dirty="0" smtClean="0"/>
+          </a:p>
+          <a:p>
+            <a:pPr lvl="2">
+              <a:buNone/>
+            </a:pPr>
+            <a:r>
+              <a:rPr lang="cs-CZ" sz="1600" dirty="0" err="1" smtClean="0">
+                <a:solidFill>
+                  <a:schemeClr val="tx1"/>
+                </a:solidFill>
+              </a:rPr>
+              <a:t>select</a:t>
+            </a:r>
+            <a:r>
+              <a:rPr lang="cs-CZ" sz="1600" dirty="0" smtClean="0">
+                <a:solidFill>
+                  <a:schemeClr val="tx1"/>
+                </a:solidFill>
+              </a:rPr>
+              <a:t> </a:t>
+            </a:r>
+            <a:r>
+              <a:rPr lang="cs-CZ" sz="1600" dirty="0" err="1" smtClean="0">
+                <a:solidFill>
+                  <a:schemeClr val="tx1"/>
+                </a:solidFill>
+              </a:rPr>
+              <a:t>count</a:t>
+            </a:r>
+            <a:r>
+              <a:rPr lang="cs-CZ" sz="1600" dirty="0" smtClean="0">
+                <a:solidFill>
+                  <a:schemeClr val="tx1"/>
+                </a:solidFill>
+              </a:rPr>
+              <a:t>(0) </a:t>
+            </a:r>
+            <a:r>
+              <a:rPr lang="cs-CZ" sz="1600" dirty="0" err="1" smtClean="0">
+                <a:solidFill>
+                  <a:schemeClr val="tx1"/>
+                </a:solidFill>
+              </a:rPr>
+              <a:t>from</a:t>
+            </a:r>
+            <a:r>
+              <a:rPr lang="cs-CZ" sz="1600" dirty="0" smtClean="0">
+                <a:solidFill>
+                  <a:schemeClr val="tx1"/>
+                </a:solidFill>
+              </a:rPr>
+              <a:t> </a:t>
+            </a:r>
+            <a:r>
+              <a:rPr lang="cs-CZ" sz="1600" dirty="0" err="1" smtClean="0">
+                <a:solidFill>
+                  <a:schemeClr val="tx1"/>
+                </a:solidFill>
+              </a:rPr>
+              <a:t>product</a:t>
+            </a:r>
+            <a:endParaRPr lang="cs-CZ" sz="1600" dirty="0" smtClean="0">
+              <a:solidFill>
+                <a:schemeClr val="tx1"/>
+              </a:solidFill>
+            </a:endParaRPr>
+          </a:p>
+          <a:p>
+            <a:pPr lvl="1"/>
+            <a:r>
+              <a:rPr lang="cs-CZ" sz="1800" dirty="0" err="1" smtClean="0"/>
+              <a:t>getProductById</a:t>
+            </a:r>
+            <a:endParaRPr lang="cs-CZ" sz="1800" dirty="0" smtClean="0"/>
+          </a:p>
+          <a:p>
+            <a:pPr lvl="2">
+              <a:buNone/>
+            </a:pPr>
+            <a:r>
+              <a:rPr lang="en-US" sz="1600" dirty="0" smtClean="0">
+                <a:solidFill>
+                  <a:schemeClr val="tx1"/>
+                </a:solidFill>
+              </a:rPr>
+              <a:t>select product.* , productGroup.name as </a:t>
+            </a:r>
+            <a:r>
+              <a:rPr lang="en-US" sz="1600" dirty="0" err="1" smtClean="0">
+                <a:solidFill>
+                  <a:schemeClr val="tx1"/>
+                </a:solidFill>
+              </a:rPr>
+              <a:t>groupName</a:t>
+            </a:r>
+            <a:r>
+              <a:rPr lang="en-US" sz="1600" dirty="0" smtClean="0">
+                <a:solidFill>
+                  <a:schemeClr val="tx1"/>
+                </a:solidFill>
+              </a:rPr>
+              <a:t>,</a:t>
+            </a:r>
+            <a:r>
+              <a:rPr lang="cs-CZ" sz="1600" dirty="0" smtClean="0">
+                <a:solidFill>
+                  <a:schemeClr val="tx1"/>
+                </a:solidFill>
+              </a:rPr>
+              <a:t> </a:t>
+            </a:r>
+            <a:r>
+              <a:rPr lang="en-US" sz="1600" dirty="0" err="1" smtClean="0">
+                <a:solidFill>
+                  <a:schemeClr val="tx1"/>
+                </a:solidFill>
+              </a:rPr>
+              <a:t>productGroup.groupType</a:t>
+            </a:r>
+            <a:r>
+              <a:rPr lang="cs-CZ" sz="1600" dirty="0" smtClean="0">
+                <a:solidFill>
+                  <a:schemeClr val="tx1"/>
+                </a:solidFill>
+              </a:rPr>
+              <a:t> </a:t>
+            </a:r>
+            <a:r>
+              <a:rPr lang="en-US" sz="1600" dirty="0" smtClean="0">
+                <a:solidFill>
+                  <a:schemeClr val="tx1"/>
+                </a:solidFill>
+              </a:rPr>
+              <a:t>from </a:t>
+            </a:r>
+            <a:r>
+              <a:rPr lang="en-US" sz="1600" dirty="0" smtClean="0">
+                <a:solidFill>
+                  <a:schemeClr val="tx1"/>
+                </a:solidFill>
+              </a:rPr>
+              <a:t>product inner join </a:t>
+            </a:r>
+            <a:r>
+              <a:rPr lang="en-US" sz="1600" dirty="0" err="1" smtClean="0">
+                <a:solidFill>
+                  <a:schemeClr val="tx1"/>
+                </a:solidFill>
+              </a:rPr>
+              <a:t>productGroup</a:t>
+            </a:r>
+            <a:r>
+              <a:rPr lang="en-US" sz="1600" dirty="0" smtClean="0">
+                <a:solidFill>
+                  <a:schemeClr val="tx1"/>
+                </a:solidFill>
+              </a:rPr>
+              <a:t> on </a:t>
+            </a:r>
+            <a:r>
+              <a:rPr lang="en-US" sz="1600" dirty="0" err="1" smtClean="0">
+                <a:solidFill>
+                  <a:schemeClr val="tx1"/>
+                </a:solidFill>
+              </a:rPr>
+              <a:t>idGroup</a:t>
+            </a:r>
+            <a:r>
+              <a:rPr lang="en-US" sz="1600" dirty="0" smtClean="0">
+                <a:solidFill>
+                  <a:schemeClr val="tx1"/>
+                </a:solidFill>
+              </a:rPr>
+              <a:t> = </a:t>
+            </a:r>
+            <a:r>
+              <a:rPr lang="en-US" sz="1600" dirty="0" smtClean="0">
+                <a:solidFill>
+                  <a:schemeClr val="tx1"/>
+                </a:solidFill>
+              </a:rPr>
+              <a:t>productGroup.id</a:t>
+            </a:r>
+            <a:r>
+              <a:rPr lang="cs-CZ" sz="1600" dirty="0" smtClean="0">
+                <a:solidFill>
+                  <a:schemeClr val="tx1"/>
+                </a:solidFill>
+              </a:rPr>
+              <a:t> </a:t>
+            </a:r>
+            <a:r>
+              <a:rPr lang="en-US" sz="1600" dirty="0" smtClean="0">
+                <a:solidFill>
+                  <a:schemeClr val="tx1"/>
+                </a:solidFill>
+              </a:rPr>
+              <a:t>where </a:t>
+            </a:r>
+            <a:r>
+              <a:rPr lang="en-US" sz="1600" dirty="0" smtClean="0">
+                <a:solidFill>
+                  <a:schemeClr val="tx1"/>
+                </a:solidFill>
+              </a:rPr>
+              <a:t>id = </a:t>
+            </a:r>
+            <a:r>
+              <a:rPr lang="en-US" sz="1600" dirty="0" smtClean="0">
+                <a:solidFill>
+                  <a:schemeClr val="tx1"/>
+                </a:solidFill>
+              </a:rPr>
+              <a:t>#</a:t>
+            </a:r>
+            <a:r>
+              <a:rPr lang="cs-CZ" sz="1600" dirty="0" smtClean="0">
+                <a:solidFill>
+                  <a:schemeClr val="tx1"/>
+                </a:solidFill>
+              </a:rPr>
+              <a:t>?</a:t>
+            </a:r>
           </a:p>
         </p:txBody>
       </p:sp>
@@ -5517,12 +7291,12 @@
             <a:pPr>
               <a:defRPr/>
             </a:pPr>
-            <a:fld id="{A6112C02-2ADB-4963-B455-E27F555BA63A}" type="slidenum">
+            <a:fld id="{9AF1F007-AFEE-4035-9C51-B1CFC008845C}" type="slidenum">
               <a:rPr lang="cs-CZ" smtClean="0"/>
               <a:pPr>
                 <a:defRPr/>
               </a:pPr>
-              <a:t>3</a:t>
+              <a:t>11</a:t>
             </a:fld>
             <a:endParaRPr lang="cs-CZ"/>
           </a:p>
@@ -5559,7 +7333,7 @@
   <p:clrMapOvr>
     <a:masterClrMapping/>
   </p:clrMapOvr>
-  <p:transition advTm="177966">
+  <p:transition>
     <p:fade thruBlk="1"/>
   </p:transition>
   <p:timing>
@@ -5572,8 +7346,8 @@
 </p:sld>
 </file>
 
-<file path=ppt/slides/slide4.xml><?xml version="1.0" encoding="utf-8"?>
-<p:sld xmlns:a="http://schemas.openxmlformats.org/drawingml/2006/main" xmlns:r="http://schemas.openxmlformats.org/officeDocument/2006/relationships" xmlns:p="http://schemas.openxmlformats.org/presentationml/2006/main" showMasterPhAnim="0">
+<file path=ppt/slides/slide12.xml><?xml version="1.0" encoding="utf-8"?>
+<p:sld xmlns:a="http://schemas.openxmlformats.org/drawingml/2006/main" xmlns:r="http://schemas.openxmlformats.org/officeDocument/2006/relationships" xmlns:p="http://schemas.openxmlformats.org/presentationml/2006/main">
   <p:cSld>
     <p:spTree>
       <p:nvGrpSpPr>
@@ -5589,446 +7363,214 @@
           <a:chExt cx="0" cy="0"/>
         </a:xfrm>
       </p:grpSpPr>
-      <p:sp>
-        <p:nvSpPr>
-          <p:cNvPr id="17410" name="Zástupný symbol pro číslo snímku 3"/>
-          <p:cNvSpPr>
-            <a:spLocks noGrp="1"/>
-          </p:cNvSpPr>
-          <p:nvPr>
-            <p:ph type="sldNum" sz="quarter" idx="10"/>
-          </p:nvPr>
-        </p:nvSpPr>
-        <p:spPr/>
-        <p:txBody>
-          <a:bodyPr/>
-          <a:lstStyle/>
-          <a:p>
-            <a:pPr>
-              <a:defRPr/>
-            </a:pPr>
-            <a:fld id="{1B49ED0A-F5BA-4E63-BAB1-AC05AF2A8F08}" type="slidenum">
-              <a:rPr lang="cs-CZ" smtClean="0"/>
-              <a:pPr>
-                <a:defRPr/>
-              </a:pPr>
-              <a:t>4</a:t>
-            </a:fld>
-            <a:endParaRPr lang="cs-CZ" smtClean="0"/>
-          </a:p>
-        </p:txBody>
-      </p:sp>
-      <p:sp>
-        <p:nvSpPr>
-          <p:cNvPr id="17411" name="Zástupný symbol pro zápatí 4"/>
-          <p:cNvSpPr>
-            <a:spLocks noGrp="1"/>
-          </p:cNvSpPr>
-          <p:nvPr>
-            <p:ph type="ftr" sz="quarter" idx="11"/>
-          </p:nvPr>
-        </p:nvSpPr>
-        <p:spPr/>
-        <p:txBody>
-          <a:bodyPr/>
-          <a:lstStyle/>
-          <a:p>
-            <a:pPr>
-              <a:defRPr/>
-            </a:pPr>
-            <a:r>
-              <a:rPr lang="cs-CZ" smtClean="0"/>
-              <a:t>www.fg.cz</a:t>
-            </a:r>
-          </a:p>
-        </p:txBody>
-      </p:sp>
-      <p:sp>
-        <p:nvSpPr>
-          <p:cNvPr id="23556" name="Rectangle 2"/>
-          <p:cNvSpPr>
-            <a:spLocks noGrp="1" noChangeArrowheads="1"/>
-          </p:cNvSpPr>
-          <p:nvPr>
-            <p:ph type="title"/>
-          </p:nvPr>
-        </p:nvSpPr>
-        <p:spPr/>
-        <p:txBody>
-          <a:bodyPr/>
-          <a:lstStyle/>
-          <a:p>
-            <a:pPr eaLnBrk="1" hangingPunct="1"/>
-            <a:r>
-              <a:rPr lang="cs-CZ" smtClean="0"/>
-              <a:t>Užitečné odkazy</a:t>
-            </a:r>
-          </a:p>
-        </p:txBody>
-      </p:sp>
-      <p:sp>
-        <p:nvSpPr>
-          <p:cNvPr id="35845" name="Rectangle 3"/>
-          <p:cNvSpPr>
-            <a:spLocks noGrp="1" noChangeArrowheads="1"/>
-          </p:cNvSpPr>
-          <p:nvPr>
-            <p:ph type="body" idx="1"/>
-          </p:nvPr>
-        </p:nvSpPr>
+      <p:pic>
+        <p:nvPicPr>
+          <p:cNvPr id="7" name="Obrázek 6" descr="User-class-model.png"/>
+          <p:cNvPicPr>
+            <a:picLocks noChangeAspect="1"/>
+          </p:cNvPicPr>
+          <p:nvPr/>
+        </p:nvPicPr>
+        <p:blipFill>
+          <a:blip r:embed="rId3" cstate="print"/>
+          <a:stretch>
+            <a:fillRect/>
+          </a:stretch>
+        </p:blipFill>
         <p:spPr>
           <a:xfrm>
-            <a:off x="422275" y="960438"/>
-            <a:ext cx="8229600" cy="4183062"/>
-          </a:xfrm>
-        </p:spPr>
-        <p:txBody>
-          <a:bodyPr/>
-          <a:lstStyle/>
-          <a:p>
-            <a:pPr eaLnBrk="1" hangingPunct="1"/>
-            <a:r>
-              <a:rPr lang="cs-CZ" dirty="0" smtClean="0">
-                <a:hlinkClick r:id="rId3"/>
-              </a:rPr>
-              <a:t>http://junit.org</a:t>
-            </a:r>
-            <a:r>
-              <a:rPr lang="cs-CZ" dirty="0" smtClean="0"/>
-              <a:t> (</a:t>
-            </a:r>
-            <a:r>
-              <a:rPr lang="cs-CZ" dirty="0" err="1" smtClean="0"/>
-              <a:t>jUnit</a:t>
-            </a:r>
-            <a:r>
-              <a:rPr lang="cs-CZ" dirty="0" smtClean="0"/>
-              <a:t> </a:t>
-            </a:r>
-            <a:r>
-              <a:rPr lang="cs-CZ" dirty="0" err="1" smtClean="0"/>
-              <a:t>homepage</a:t>
-            </a:r>
-            <a:r>
-              <a:rPr lang="cs-CZ" dirty="0" smtClean="0"/>
-              <a:t>)</a:t>
-            </a:r>
-          </a:p>
-          <a:p>
-            <a:pPr eaLnBrk="1" hangingPunct="1"/>
-            <a:r>
-              <a:rPr lang="cs-CZ" dirty="0" smtClean="0">
-                <a:hlinkClick r:id="rId4"/>
-              </a:rPr>
-              <a:t>http://www.</a:t>
-            </a:r>
-            <a:r>
-              <a:rPr lang="cs-CZ" dirty="0" err="1" smtClean="0">
-                <a:hlinkClick r:id="rId4"/>
-              </a:rPr>
-              <a:t>devx.com</a:t>
-            </a:r>
-            <a:r>
-              <a:rPr lang="cs-CZ" dirty="0" smtClean="0">
-                <a:hlinkClick r:id="rId4"/>
-              </a:rPr>
-              <a:t>/</a:t>
-            </a:r>
-            <a:r>
-              <a:rPr lang="cs-CZ" dirty="0" err="1" smtClean="0">
-                <a:hlinkClick r:id="rId4"/>
-              </a:rPr>
-              <a:t>Java</a:t>
-            </a:r>
-            <a:r>
-              <a:rPr lang="cs-CZ" dirty="0" smtClean="0">
-                <a:hlinkClick r:id="rId4"/>
-              </a:rPr>
-              <a:t>/</a:t>
-            </a:r>
-            <a:r>
-              <a:rPr lang="cs-CZ" dirty="0" err="1" smtClean="0">
-                <a:hlinkClick r:id="rId4"/>
-              </a:rPr>
-              <a:t>Article</a:t>
-            </a:r>
-            <a:r>
-              <a:rPr lang="cs-CZ" dirty="0" smtClean="0">
-                <a:hlinkClick r:id="rId4"/>
-              </a:rPr>
-              <a:t>/31983</a:t>
-            </a:r>
-            <a:r>
-              <a:rPr lang="cs-CZ" dirty="0" smtClean="0"/>
-              <a:t> (</a:t>
-            </a:r>
-            <a:r>
-              <a:rPr lang="cs-CZ" dirty="0" err="1" smtClean="0"/>
-              <a:t>jUnit</a:t>
-            </a:r>
-            <a:r>
-              <a:rPr lang="cs-CZ" dirty="0" smtClean="0"/>
-              <a:t> 4.x)</a:t>
-            </a:r>
-          </a:p>
-          <a:p>
-            <a:pPr eaLnBrk="1" hangingPunct="1"/>
-            <a:r>
-              <a:rPr lang="cs-CZ" dirty="0" smtClean="0">
-                <a:hlinkClick r:id="rId5"/>
-              </a:rPr>
-              <a:t>http://xunitpatterns.com</a:t>
-            </a:r>
-            <a:r>
-              <a:rPr lang="cs-CZ" dirty="0" smtClean="0"/>
-              <a:t> (</a:t>
-            </a:r>
-            <a:r>
-              <a:rPr lang="cs-CZ" dirty="0" err="1" smtClean="0"/>
-              <a:t>patterny</a:t>
-            </a:r>
-            <a:r>
-              <a:rPr lang="cs-CZ" dirty="0" smtClean="0"/>
-              <a:t> &amp; </a:t>
-            </a:r>
-            <a:r>
-              <a:rPr lang="cs-CZ" dirty="0" err="1" smtClean="0"/>
-              <a:t>antipatterny</a:t>
-            </a:r>
-            <a:r>
-              <a:rPr lang="cs-CZ" dirty="0" smtClean="0"/>
-              <a:t>)</a:t>
-            </a:r>
-          </a:p>
-          <a:p>
-            <a:pPr eaLnBrk="1" hangingPunct="1"/>
-            <a:r>
-              <a:rPr lang="cs-CZ" dirty="0" smtClean="0">
-                <a:hlinkClick r:id="rId6"/>
-              </a:rPr>
-              <a:t>http://www.</a:t>
-            </a:r>
-            <a:r>
-              <a:rPr lang="cs-CZ" dirty="0" err="1" smtClean="0">
-                <a:hlinkClick r:id="rId6"/>
-              </a:rPr>
-              <a:t>mockobjects.com</a:t>
-            </a:r>
-            <a:r>
-              <a:rPr lang="cs-CZ" dirty="0" smtClean="0"/>
-              <a:t> (techniky testování)</a:t>
-            </a:r>
-          </a:p>
-          <a:p>
-            <a:pPr eaLnBrk="1" hangingPunct="1"/>
-            <a:r>
-              <a:rPr lang="cs-CZ" dirty="0" smtClean="0">
-                <a:hlinkClick r:id="rId7"/>
-              </a:rPr>
-              <a:t>http://www.</a:t>
-            </a:r>
-            <a:r>
-              <a:rPr lang="cs-CZ" dirty="0" err="1" smtClean="0">
-                <a:hlinkClick r:id="rId7"/>
-              </a:rPr>
-              <a:t>easymock.org</a:t>
-            </a:r>
-            <a:r>
-              <a:rPr lang="cs-CZ" dirty="0" smtClean="0"/>
-              <a:t> (</a:t>
-            </a:r>
-            <a:r>
-              <a:rPr lang="cs-CZ" dirty="0" err="1" smtClean="0"/>
-              <a:t>mock</a:t>
-            </a:r>
-            <a:r>
-              <a:rPr lang="cs-CZ" dirty="0" smtClean="0"/>
-              <a:t> </a:t>
-            </a:r>
-            <a:r>
-              <a:rPr lang="cs-CZ" dirty="0" err="1" smtClean="0"/>
-              <a:t>testing</a:t>
-            </a:r>
-            <a:r>
-              <a:rPr lang="cs-CZ" dirty="0" smtClean="0"/>
-              <a:t> </a:t>
-            </a:r>
-            <a:r>
-              <a:rPr lang="cs-CZ" dirty="0" err="1" smtClean="0"/>
-              <a:t>tool</a:t>
-            </a:r>
-            <a:r>
-              <a:rPr lang="cs-CZ" dirty="0" smtClean="0"/>
-              <a:t>)</a:t>
-            </a:r>
-          </a:p>
-          <a:p>
-            <a:pPr eaLnBrk="1" hangingPunct="1"/>
-            <a:r>
-              <a:rPr lang="cs-CZ" dirty="0" smtClean="0">
-                <a:hlinkClick r:id="rId8"/>
-              </a:rPr>
-              <a:t>http://selenium.openqa.org</a:t>
-            </a:r>
-            <a:r>
-              <a:rPr lang="cs-CZ" dirty="0" smtClean="0"/>
-              <a:t> (testování web UI)</a:t>
-            </a:r>
-          </a:p>
-          <a:p>
-            <a:pPr eaLnBrk="1" hangingPunct="1"/>
-            <a:r>
-              <a:rPr lang="cs-CZ" dirty="0" smtClean="0">
-                <a:hlinkClick r:id="rId9"/>
-              </a:rPr>
-              <a:t>http://www.</a:t>
-            </a:r>
-            <a:r>
-              <a:rPr lang="cs-CZ" dirty="0" err="1" smtClean="0">
-                <a:hlinkClick r:id="rId9"/>
-              </a:rPr>
-              <a:t>martinfowler.com</a:t>
-            </a:r>
-            <a:r>
-              <a:rPr lang="cs-CZ" dirty="0" smtClean="0">
-                <a:hlinkClick r:id="rId9"/>
-              </a:rPr>
-              <a:t>/</a:t>
-            </a:r>
-            <a:r>
-              <a:rPr lang="cs-CZ" dirty="0" smtClean="0"/>
-              <a:t> (blog Martina </a:t>
-            </a:r>
-            <a:r>
-              <a:rPr lang="cs-CZ" dirty="0" err="1" smtClean="0"/>
-              <a:t>Fowlera</a:t>
-            </a:r>
-            <a:r>
-              <a:rPr lang="cs-CZ" dirty="0" smtClean="0"/>
-              <a:t>)</a:t>
-            </a:r>
-          </a:p>
-          <a:p>
-            <a:pPr eaLnBrk="1" hangingPunct="1"/>
-            <a:r>
-              <a:rPr lang="cs-CZ" dirty="0" smtClean="0">
-                <a:hlinkClick r:id="rId10"/>
-              </a:rPr>
-              <a:t>http://blog.</a:t>
-            </a:r>
-            <a:r>
-              <a:rPr lang="cs-CZ" dirty="0" err="1" smtClean="0">
-                <a:hlinkClick r:id="rId10"/>
-              </a:rPr>
-              <a:t>novoj.net</a:t>
-            </a:r>
-            <a:r>
-              <a:rPr lang="cs-CZ" dirty="0" smtClean="0"/>
-              <a:t> (Myšlenky dne Otce </a:t>
-            </a:r>
-            <a:r>
-              <a:rPr lang="cs-CZ" dirty="0" err="1" smtClean="0"/>
-              <a:t>Fura</a:t>
-            </a:r>
-            <a:r>
-              <a:rPr lang="cs-CZ" dirty="0" smtClean="0"/>
-              <a:t>)</a:t>
-            </a:r>
-          </a:p>
-          <a:p>
-            <a:pPr eaLnBrk="1" hangingPunct="1"/>
-            <a:r>
-              <a:rPr lang="cs-CZ" dirty="0" smtClean="0">
-                <a:hlinkClick r:id="rId11"/>
-              </a:rPr>
-              <a:t>http://www.</a:t>
-            </a:r>
-            <a:r>
-              <a:rPr lang="cs-CZ" dirty="0" err="1" smtClean="0">
-                <a:hlinkClick r:id="rId11"/>
-              </a:rPr>
-              <a:t>fg.cz</a:t>
-            </a:r>
-            <a:r>
-              <a:rPr lang="cs-CZ" dirty="0" smtClean="0"/>
-              <a:t> (Web společnosti FG Forrest - články)</a:t>
-            </a:r>
-          </a:p>
-        </p:txBody>
-      </p:sp>
-      <p:sp>
-        <p:nvSpPr>
-          <p:cNvPr id="35846" name="WordArt 4"/>
-          <p:cNvSpPr>
-            <a:spLocks noChangeArrowheads="1" noChangeShapeType="1" noTextEdit="1"/>
-          </p:cNvSpPr>
-          <p:nvPr/>
-        </p:nvSpPr>
-        <p:spPr bwMode="auto">
-          <a:xfrm>
-            <a:off x="2195513" y="5373688"/>
-            <a:ext cx="5381625" cy="906462"/>
+            <a:off x="642910" y="1428736"/>
+            <a:ext cx="7953375" cy="4857750"/>
           </a:xfrm>
           <a:prstGeom prst="rect">
             <a:avLst/>
           </a:prstGeom>
         </p:spPr>
+      </p:pic>
+      <p:sp>
+        <p:nvSpPr>
+          <p:cNvPr id="2" name="Nadpis 1"/>
+          <p:cNvSpPr>
+            <a:spLocks noGrp="1"/>
+          </p:cNvSpPr>
+          <p:nvPr>
+            <p:ph type="title"/>
+          </p:nvPr>
+        </p:nvSpPr>
+        <p:spPr/>
         <p:txBody>
-          <a:bodyPr wrap="none" fromWordArt="1">
-            <a:prstTxWarp prst="textInflateTop">
-              <a:avLst>
-                <a:gd name="adj" fmla="val 31917"/>
-              </a:avLst>
-            </a:prstTxWarp>
-            <a:scene3d>
-              <a:camera prst="legacyObliqueTopLeft"/>
-              <a:lightRig rig="legacyNormal3" dir="r"/>
-            </a:scene3d>
-            <a:sp3d extrusionH="201600" prstMaterial="legacyMatte">
-              <a:extrusionClr>
-                <a:srgbClr val="0066CC"/>
-              </a:extrusionClr>
-            </a:sp3d>
-          </a:bodyPr>
+          <a:bodyPr/>
           <a:lstStyle/>
           <a:p>
-            <a:pPr algn="ctr"/>
-            <a:r>
-              <a:rPr lang="cs-CZ" sz="4800" b="1" kern="10">
-                <a:ln w="9525">
-                  <a:round/>
-                  <a:headEnd/>
-                  <a:tailEnd/>
+            <a:r>
+              <a:rPr lang="cs-CZ" dirty="0" smtClean="0"/>
+              <a:t>Diskriminátor</a:t>
+            </a:r>
+            <a:endParaRPr lang="cs-CZ" dirty="0"/>
+          </a:p>
+        </p:txBody>
+      </p:sp>
+      <p:sp>
+        <p:nvSpPr>
+          <p:cNvPr id="3" name="Zástupný symbol pro obsah 2"/>
+          <p:cNvSpPr>
+            <a:spLocks noGrp="1"/>
+          </p:cNvSpPr>
+          <p:nvPr>
+            <p:ph idx="1"/>
+          </p:nvPr>
+        </p:nvSpPr>
+        <p:spPr/>
+        <p:txBody>
+          <a:bodyPr/>
+          <a:lstStyle/>
+          <a:p>
+            <a:r>
+              <a:rPr lang="cs-CZ" sz="2000" b="1" dirty="0" smtClean="0">
+                <a:ln w="12700">
+                  <a:solidFill>
+                    <a:schemeClr val="tx2">
+                      <a:satMod val="155000"/>
+                    </a:schemeClr>
+                  </a:solidFill>
+                  <a:prstDash val="solid"/>
                 </a:ln>
-                <a:gradFill rotWithShape="1">
-                  <a:gsLst>
-                    <a:gs pos="0">
-                      <a:srgbClr val="FF0000"/>
-                    </a:gs>
-                    <a:gs pos="50000">
-                      <a:srgbClr val="FFCC00"/>
-                    </a:gs>
-                    <a:gs pos="100000">
-                      <a:srgbClr val="FF0000"/>
-                    </a:gs>
-                  </a:gsLst>
-                  <a:lin ang="0" scaled="1"/>
-                </a:gradFill>
-                <a:latin typeface="Arial Unicode MS"/>
-                <a:ea typeface="Arial Unicode MS"/>
-                <a:cs typeface="Arial Unicode MS"/>
-              </a:rPr>
-              <a:t>Děkuji za pozornost</a:t>
-            </a:r>
+                <a:solidFill>
+                  <a:schemeClr val="bg2">
+                    <a:tint val="85000"/>
+                    <a:satMod val="155000"/>
+                  </a:schemeClr>
+                </a:solidFill>
+                <a:effectLst>
+                  <a:outerShdw blurRad="41275" dist="20320" dir="1800000" algn="tl" rotWithShape="0">
+                    <a:srgbClr val="000000">
+                      <a:alpha val="40000"/>
+                    </a:srgbClr>
+                  </a:outerShdw>
+                </a:effectLst>
+              </a:rPr>
+              <a:t>F_</a:t>
+            </a:r>
+            <a:r>
+              <a:rPr lang="cs-CZ" sz="2000" b="1" dirty="0" err="1" smtClean="0">
+                <a:ln w="12700">
+                  <a:solidFill>
+                    <a:schemeClr val="tx2">
+                      <a:satMod val="155000"/>
+                    </a:schemeClr>
+                  </a:solidFill>
+                  <a:prstDash val="solid"/>
+                </a:ln>
+                <a:solidFill>
+                  <a:schemeClr val="bg2">
+                    <a:tint val="85000"/>
+                    <a:satMod val="155000"/>
+                  </a:schemeClr>
+                </a:solidFill>
+                <a:effectLst>
+                  <a:outerShdw blurRad="41275" dist="20320" dir="1800000" algn="tl" rotWithShape="0">
+                    <a:srgbClr val="000000">
+                      <a:alpha val="40000"/>
+                    </a:srgbClr>
+                  </a:outerShdw>
+                </a:effectLst>
+              </a:rPr>
+              <a:t>UserMapperTest</a:t>
+            </a:r>
+            <a:endParaRPr lang="cs-CZ" sz="1800" dirty="0" smtClean="0"/>
           </a:p>
         </p:txBody>
       </p:sp>
+      <p:sp>
+        <p:nvSpPr>
+          <p:cNvPr id="4" name="Zástupný symbol pro číslo snímku 3"/>
+          <p:cNvSpPr>
+            <a:spLocks noGrp="1"/>
+          </p:cNvSpPr>
+          <p:nvPr>
+            <p:ph type="sldNum" sz="quarter" idx="10"/>
+          </p:nvPr>
+        </p:nvSpPr>
+        <p:spPr/>
+        <p:txBody>
+          <a:bodyPr/>
+          <a:lstStyle/>
+          <a:p>
+            <a:pPr>
+              <a:defRPr/>
+            </a:pPr>
+            <a:fld id="{9AF1F007-AFEE-4035-9C51-B1CFC008845C}" type="slidenum">
+              <a:rPr lang="cs-CZ" smtClean="0"/>
+              <a:pPr>
+                <a:defRPr/>
+              </a:pPr>
+              <a:t>12</a:t>
+            </a:fld>
+            <a:endParaRPr lang="cs-CZ"/>
+          </a:p>
+        </p:txBody>
+      </p:sp>
+      <p:sp>
+        <p:nvSpPr>
+          <p:cNvPr id="5" name="Zástupný symbol pro zápatí 4"/>
+          <p:cNvSpPr>
+            <a:spLocks noGrp="1"/>
+          </p:cNvSpPr>
+          <p:nvPr>
+            <p:ph type="ftr" sz="quarter" idx="11"/>
+          </p:nvPr>
+        </p:nvSpPr>
+        <p:spPr/>
+        <p:txBody>
+          <a:bodyPr/>
+          <a:lstStyle/>
+          <a:p>
+            <a:pPr>
+              <a:defRPr/>
+            </a:pPr>
+            <a:r>
+              <a:rPr lang="cs-CZ" smtClean="0"/>
+              <a:t>www.fg.cz</a:t>
+            </a:r>
+            <a:endParaRPr lang="cs-CZ"/>
+          </a:p>
+        </p:txBody>
+      </p:sp>
+      <p:pic>
+        <p:nvPicPr>
+          <p:cNvPr id="6" name="Obrázek 5" descr="User-data-model.png"/>
+          <p:cNvPicPr>
+            <a:picLocks noChangeAspect="1"/>
+          </p:cNvPicPr>
+          <p:nvPr/>
+        </p:nvPicPr>
+        <p:blipFill>
+          <a:blip r:embed="rId4" cstate="print"/>
+          <a:stretch>
+            <a:fillRect/>
+          </a:stretch>
+        </p:blipFill>
+        <p:spPr>
+          <a:xfrm>
+            <a:off x="3571868" y="3214686"/>
+            <a:ext cx="2343150" cy="2695575"/>
+          </a:xfrm>
+          <a:prstGeom prst="rect">
+            <a:avLst/>
+          </a:prstGeom>
+          <a:effectLst>
+            <a:outerShdw blurRad="520700" sx="140000" sy="140000" algn="ctr" rotWithShape="0">
+              <a:schemeClr val="bg1"/>
+            </a:outerShdw>
+          </a:effectLst>
+        </p:spPr>
+      </p:pic>
     </p:spTree>
   </p:cSld>
   <p:clrMapOvr>
     <a:masterClrMapping/>
   </p:clrMapOvr>
-  <p:transition advTm="123288">
+  <p:transition>
     <p:fade thruBlk="1"/>
   </p:transition>
   <p:timing>
@@ -6043,9 +7585,6 @@
                     <p:cTn id="3" fill="hold">
                       <p:stCondLst>
                         <p:cond delay="indefinite"/>
-                        <p:cond evt="onBegin" delay="0">
-                          <p:tn val="2"/>
-                        </p:cond>
                       </p:stCondLst>
                       <p:childTnLst>
                         <p:par>
@@ -6055,7 +7594,7 @@
                             </p:stCondLst>
                             <p:childTnLst>
                               <p:par>
-                                <p:cTn id="5" presetID="47" presetClass="entr" presetSubtype="0" fill="hold" grpId="0" nodeType="withEffect">
+                                <p:cTn id="5" presetID="23" presetClass="entr" presetSubtype="16" fill="hold" nodeType="clickEffect">
                                   <p:stCondLst>
                                     <p:cond delay="0"/>
                                   </p:stCondLst>
@@ -6068,889 +7607,7 @@
                                           </p:stCondLst>
                                         </p:cTn>
                                         <p:tgtEl>
-                                          <p:spTgt spid="35845">
-                                            <p:txEl>
-                                              <p:pRg st="0" end="0"/>
-                                            </p:txEl>
-                                          </p:spTgt>
-                                        </p:tgtEl>
-                                        <p:attrNameLst>
-                                          <p:attrName>style.visibility</p:attrName>
-                                        </p:attrNameLst>
-                                      </p:cBhvr>
-                                      <p:to>
-                                        <p:strVal val="visible"/>
-                                      </p:to>
-                                    </p:set>
-                                    <p:animEffect transition="in" filter="fade">
-                                      <p:cBhvr>
-                                        <p:cTn id="7" dur="500"/>
-                                        <p:tgtEl>
-                                          <p:spTgt spid="35845">
-                                            <p:txEl>
-                                              <p:pRg st="0" end="0"/>
-                                            </p:txEl>
-                                          </p:spTgt>
-                                        </p:tgtEl>
-                                      </p:cBhvr>
-                                    </p:animEffect>
-                                    <p:anim calcmode="lin" valueType="num">
-                                      <p:cBhvr>
-                                        <p:cTn id="8" dur="500" fill="hold"/>
-                                        <p:tgtEl>
-                                          <p:spTgt spid="35845">
-                                            <p:txEl>
-                                              <p:pRg st="0" end="0"/>
-                                            </p:txEl>
-                                          </p:spTgt>
-                                        </p:tgtEl>
-                                        <p:attrNameLst>
-                                          <p:attrName>ppt_x</p:attrName>
-                                        </p:attrNameLst>
-                                      </p:cBhvr>
-                                      <p:tavLst>
-                                        <p:tav tm="0">
-                                          <p:val>
-                                            <p:strVal val="#ppt_x"/>
-                                          </p:val>
-                                        </p:tav>
-                                        <p:tav tm="100000">
-                                          <p:val>
-                                            <p:strVal val="#ppt_x"/>
-                                          </p:val>
-                                        </p:tav>
-                                      </p:tavLst>
-                                    </p:anim>
-                                    <p:anim calcmode="lin" valueType="num">
-                                      <p:cBhvr>
-                                        <p:cTn id="9" dur="500" fill="hold"/>
-                                        <p:tgtEl>
-                                          <p:spTgt spid="35845">
-                                            <p:txEl>
-                                              <p:pRg st="0" end="0"/>
-                                            </p:txEl>
-                                          </p:spTgt>
-                                        </p:tgtEl>
-                                        <p:attrNameLst>
-                                          <p:attrName>ppt_y</p:attrName>
-                                        </p:attrNameLst>
-                                      </p:cBhvr>
-                                      <p:tavLst>
-                                        <p:tav tm="0">
-                                          <p:val>
-                                            <p:strVal val="#ppt_y-.1"/>
-                                          </p:val>
-                                        </p:tav>
-                                        <p:tav tm="100000">
-                                          <p:val>
-                                            <p:strVal val="#ppt_y"/>
-                                          </p:val>
-                                        </p:tav>
-                                      </p:tavLst>
-                                    </p:anim>
-                                  </p:childTnLst>
-                                </p:cTn>
-                              </p:par>
-                              <p:par>
-                                <p:cTn id="10" presetID="47" presetClass="entr" presetSubtype="0" fill="hold" grpId="0" nodeType="withEffect">
-                                  <p:stCondLst>
-                                    <p:cond delay="0"/>
-                                  </p:stCondLst>
-                                  <p:childTnLst>
-                                    <p:set>
-                                      <p:cBhvr>
-                                        <p:cTn id="11" dur="1" fill="hold">
-                                          <p:stCondLst>
-                                            <p:cond delay="0"/>
-                                          </p:stCondLst>
-                                        </p:cTn>
-                                        <p:tgtEl>
-                                          <p:spTgt spid="35845">
-                                            <p:txEl>
-                                              <p:pRg st="1" end="1"/>
-                                            </p:txEl>
-                                          </p:spTgt>
-                                        </p:tgtEl>
-                                        <p:attrNameLst>
-                                          <p:attrName>style.visibility</p:attrName>
-                                        </p:attrNameLst>
-                                      </p:cBhvr>
-                                      <p:to>
-                                        <p:strVal val="visible"/>
-                                      </p:to>
-                                    </p:set>
-                                    <p:animEffect transition="in" filter="fade">
-                                      <p:cBhvr>
-                                        <p:cTn id="12" dur="500"/>
-                                        <p:tgtEl>
-                                          <p:spTgt spid="35845">
-                                            <p:txEl>
-                                              <p:pRg st="1" end="1"/>
-                                            </p:txEl>
-                                          </p:spTgt>
-                                        </p:tgtEl>
-                                      </p:cBhvr>
-                                    </p:animEffect>
-                                    <p:anim calcmode="lin" valueType="num">
-                                      <p:cBhvr>
-                                        <p:cTn id="13" dur="500" fill="hold"/>
-                                        <p:tgtEl>
-                                          <p:spTgt spid="35845">
-                                            <p:txEl>
-                                              <p:pRg st="1" end="1"/>
-                                            </p:txEl>
-                                          </p:spTgt>
-                                        </p:tgtEl>
-                                        <p:attrNameLst>
-                                          <p:attrName>ppt_x</p:attrName>
-                                        </p:attrNameLst>
-                                      </p:cBhvr>
-                                      <p:tavLst>
-                                        <p:tav tm="0">
-                                          <p:val>
-                                            <p:strVal val="#ppt_x"/>
-                                          </p:val>
-                                        </p:tav>
-                                        <p:tav tm="100000">
-                                          <p:val>
-                                            <p:strVal val="#ppt_x"/>
-                                          </p:val>
-                                        </p:tav>
-                                      </p:tavLst>
-                                    </p:anim>
-                                    <p:anim calcmode="lin" valueType="num">
-                                      <p:cBhvr>
-                                        <p:cTn id="14" dur="500" fill="hold"/>
-                                        <p:tgtEl>
-                                          <p:spTgt spid="35845">
-                                            <p:txEl>
-                                              <p:pRg st="1" end="1"/>
-                                            </p:txEl>
-                                          </p:spTgt>
-                                        </p:tgtEl>
-                                        <p:attrNameLst>
-                                          <p:attrName>ppt_y</p:attrName>
-                                        </p:attrNameLst>
-                                      </p:cBhvr>
-                                      <p:tavLst>
-                                        <p:tav tm="0">
-                                          <p:val>
-                                            <p:strVal val="#ppt_y-.1"/>
-                                          </p:val>
-                                        </p:tav>
-                                        <p:tav tm="100000">
-                                          <p:val>
-                                            <p:strVal val="#ppt_y"/>
-                                          </p:val>
-                                        </p:tav>
-                                      </p:tavLst>
-                                    </p:anim>
-                                  </p:childTnLst>
-                                </p:cTn>
-                              </p:par>
-                              <p:par>
-                                <p:cTn id="15" presetID="47" presetClass="entr" presetSubtype="0" fill="hold" grpId="0" nodeType="withEffect">
-                                  <p:stCondLst>
-                                    <p:cond delay="0"/>
-                                  </p:stCondLst>
-                                  <p:childTnLst>
-                                    <p:set>
-                                      <p:cBhvr>
-                                        <p:cTn id="16" dur="1" fill="hold">
-                                          <p:stCondLst>
-                                            <p:cond delay="0"/>
-                                          </p:stCondLst>
-                                        </p:cTn>
-                                        <p:tgtEl>
-                                          <p:spTgt spid="35845">
-                                            <p:txEl>
-                                              <p:pRg st="2" end="2"/>
-                                            </p:txEl>
-                                          </p:spTgt>
-                                        </p:tgtEl>
-                                        <p:attrNameLst>
-                                          <p:attrName>style.visibility</p:attrName>
-                                        </p:attrNameLst>
-                                      </p:cBhvr>
-                                      <p:to>
-                                        <p:strVal val="visible"/>
-                                      </p:to>
-                                    </p:set>
-                                    <p:animEffect transition="in" filter="fade">
-                                      <p:cBhvr>
-                                        <p:cTn id="17" dur="500"/>
-                                        <p:tgtEl>
-                                          <p:spTgt spid="35845">
-                                            <p:txEl>
-                                              <p:pRg st="2" end="2"/>
-                                            </p:txEl>
-                                          </p:spTgt>
-                                        </p:tgtEl>
-                                      </p:cBhvr>
-                                    </p:animEffect>
-                                    <p:anim calcmode="lin" valueType="num">
-                                      <p:cBhvr>
-                                        <p:cTn id="18" dur="500" fill="hold"/>
-                                        <p:tgtEl>
-                                          <p:spTgt spid="35845">
-                                            <p:txEl>
-                                              <p:pRg st="2" end="2"/>
-                                            </p:txEl>
-                                          </p:spTgt>
-                                        </p:tgtEl>
-                                        <p:attrNameLst>
-                                          <p:attrName>ppt_x</p:attrName>
-                                        </p:attrNameLst>
-                                      </p:cBhvr>
-                                      <p:tavLst>
-                                        <p:tav tm="0">
-                                          <p:val>
-                                            <p:strVal val="#ppt_x"/>
-                                          </p:val>
-                                        </p:tav>
-                                        <p:tav tm="100000">
-                                          <p:val>
-                                            <p:strVal val="#ppt_x"/>
-                                          </p:val>
-                                        </p:tav>
-                                      </p:tavLst>
-                                    </p:anim>
-                                    <p:anim calcmode="lin" valueType="num">
-                                      <p:cBhvr>
-                                        <p:cTn id="19" dur="500" fill="hold"/>
-                                        <p:tgtEl>
-                                          <p:spTgt spid="35845">
-                                            <p:txEl>
-                                              <p:pRg st="2" end="2"/>
-                                            </p:txEl>
-                                          </p:spTgt>
-                                        </p:tgtEl>
-                                        <p:attrNameLst>
-                                          <p:attrName>ppt_y</p:attrName>
-                                        </p:attrNameLst>
-                                      </p:cBhvr>
-                                      <p:tavLst>
-                                        <p:tav tm="0">
-                                          <p:val>
-                                            <p:strVal val="#ppt_y-.1"/>
-                                          </p:val>
-                                        </p:tav>
-                                        <p:tav tm="100000">
-                                          <p:val>
-                                            <p:strVal val="#ppt_y"/>
-                                          </p:val>
-                                        </p:tav>
-                                      </p:tavLst>
-                                    </p:anim>
-                                  </p:childTnLst>
-                                </p:cTn>
-                              </p:par>
-                              <p:par>
-                                <p:cTn id="20" presetID="47" presetClass="entr" presetSubtype="0" fill="hold" grpId="0" nodeType="withEffect">
-                                  <p:stCondLst>
-                                    <p:cond delay="0"/>
-                                  </p:stCondLst>
-                                  <p:childTnLst>
-                                    <p:set>
-                                      <p:cBhvr>
-                                        <p:cTn id="21" dur="1" fill="hold">
-                                          <p:stCondLst>
-                                            <p:cond delay="0"/>
-                                          </p:stCondLst>
-                                        </p:cTn>
-                                        <p:tgtEl>
-                                          <p:spTgt spid="35845">
-                                            <p:txEl>
-                                              <p:pRg st="3" end="3"/>
-                                            </p:txEl>
-                                          </p:spTgt>
-                                        </p:tgtEl>
-                                        <p:attrNameLst>
-                                          <p:attrName>style.visibility</p:attrName>
-                                        </p:attrNameLst>
-                                      </p:cBhvr>
-                                      <p:to>
-                                        <p:strVal val="visible"/>
-                                      </p:to>
-                                    </p:set>
-                                    <p:animEffect transition="in" filter="fade">
-                                      <p:cBhvr>
-                                        <p:cTn id="22" dur="500"/>
-                                        <p:tgtEl>
-                                          <p:spTgt spid="35845">
-                                            <p:txEl>
-                                              <p:pRg st="3" end="3"/>
-                                            </p:txEl>
-                                          </p:spTgt>
-                                        </p:tgtEl>
-                                      </p:cBhvr>
-                                    </p:animEffect>
-                                    <p:anim calcmode="lin" valueType="num">
-                                      <p:cBhvr>
-                                        <p:cTn id="23" dur="500" fill="hold"/>
-                                        <p:tgtEl>
-                                          <p:spTgt spid="35845">
-                                            <p:txEl>
-                                              <p:pRg st="3" end="3"/>
-                                            </p:txEl>
-                                          </p:spTgt>
-                                        </p:tgtEl>
-                                        <p:attrNameLst>
-                                          <p:attrName>ppt_x</p:attrName>
-                                        </p:attrNameLst>
-                                      </p:cBhvr>
-                                      <p:tavLst>
-                                        <p:tav tm="0">
-                                          <p:val>
-                                            <p:strVal val="#ppt_x"/>
-                                          </p:val>
-                                        </p:tav>
-                                        <p:tav tm="100000">
-                                          <p:val>
-                                            <p:strVal val="#ppt_x"/>
-                                          </p:val>
-                                        </p:tav>
-                                      </p:tavLst>
-                                    </p:anim>
-                                    <p:anim calcmode="lin" valueType="num">
-                                      <p:cBhvr>
-                                        <p:cTn id="24" dur="500" fill="hold"/>
-                                        <p:tgtEl>
-                                          <p:spTgt spid="35845">
-                                            <p:txEl>
-                                              <p:pRg st="3" end="3"/>
-                                            </p:txEl>
-                                          </p:spTgt>
-                                        </p:tgtEl>
-                                        <p:attrNameLst>
-                                          <p:attrName>ppt_y</p:attrName>
-                                        </p:attrNameLst>
-                                      </p:cBhvr>
-                                      <p:tavLst>
-                                        <p:tav tm="0">
-                                          <p:val>
-                                            <p:strVal val="#ppt_y-.1"/>
-                                          </p:val>
-                                        </p:tav>
-                                        <p:tav tm="100000">
-                                          <p:val>
-                                            <p:strVal val="#ppt_y"/>
-                                          </p:val>
-                                        </p:tav>
-                                      </p:tavLst>
-                                    </p:anim>
-                                  </p:childTnLst>
-                                </p:cTn>
-                              </p:par>
-                              <p:par>
-                                <p:cTn id="25" presetID="47" presetClass="entr" presetSubtype="0" fill="hold" grpId="0" nodeType="withEffect">
-                                  <p:stCondLst>
-                                    <p:cond delay="0"/>
-                                  </p:stCondLst>
-                                  <p:childTnLst>
-                                    <p:set>
-                                      <p:cBhvr>
-                                        <p:cTn id="26" dur="1" fill="hold">
-                                          <p:stCondLst>
-                                            <p:cond delay="0"/>
-                                          </p:stCondLst>
-                                        </p:cTn>
-                                        <p:tgtEl>
-                                          <p:spTgt spid="35845">
-                                            <p:txEl>
-                                              <p:pRg st="4" end="4"/>
-                                            </p:txEl>
-                                          </p:spTgt>
-                                        </p:tgtEl>
-                                        <p:attrNameLst>
-                                          <p:attrName>style.visibility</p:attrName>
-                                        </p:attrNameLst>
-                                      </p:cBhvr>
-                                      <p:to>
-                                        <p:strVal val="visible"/>
-                                      </p:to>
-                                    </p:set>
-                                    <p:animEffect transition="in" filter="fade">
-                                      <p:cBhvr>
-                                        <p:cTn id="27" dur="500"/>
-                                        <p:tgtEl>
-                                          <p:spTgt spid="35845">
-                                            <p:txEl>
-                                              <p:pRg st="4" end="4"/>
-                                            </p:txEl>
-                                          </p:spTgt>
-                                        </p:tgtEl>
-                                      </p:cBhvr>
-                                    </p:animEffect>
-                                    <p:anim calcmode="lin" valueType="num">
-                                      <p:cBhvr>
-                                        <p:cTn id="28" dur="500" fill="hold"/>
-                                        <p:tgtEl>
-                                          <p:spTgt spid="35845">
-                                            <p:txEl>
-                                              <p:pRg st="4" end="4"/>
-                                            </p:txEl>
-                                          </p:spTgt>
-                                        </p:tgtEl>
-                                        <p:attrNameLst>
-                                          <p:attrName>ppt_x</p:attrName>
-                                        </p:attrNameLst>
-                                      </p:cBhvr>
-                                      <p:tavLst>
-                                        <p:tav tm="0">
-                                          <p:val>
-                                            <p:strVal val="#ppt_x"/>
-                                          </p:val>
-                                        </p:tav>
-                                        <p:tav tm="100000">
-                                          <p:val>
-                                            <p:strVal val="#ppt_x"/>
-                                          </p:val>
-                                        </p:tav>
-                                      </p:tavLst>
-                                    </p:anim>
-                                    <p:anim calcmode="lin" valueType="num">
-                                      <p:cBhvr>
-                                        <p:cTn id="29" dur="500" fill="hold"/>
-                                        <p:tgtEl>
-                                          <p:spTgt spid="35845">
-                                            <p:txEl>
-                                              <p:pRg st="4" end="4"/>
-                                            </p:txEl>
-                                          </p:spTgt>
-                                        </p:tgtEl>
-                                        <p:attrNameLst>
-                                          <p:attrName>ppt_y</p:attrName>
-                                        </p:attrNameLst>
-                                      </p:cBhvr>
-                                      <p:tavLst>
-                                        <p:tav tm="0">
-                                          <p:val>
-                                            <p:strVal val="#ppt_y-.1"/>
-                                          </p:val>
-                                        </p:tav>
-                                        <p:tav tm="100000">
-                                          <p:val>
-                                            <p:strVal val="#ppt_y"/>
-                                          </p:val>
-                                        </p:tav>
-                                      </p:tavLst>
-                                    </p:anim>
-                                  </p:childTnLst>
-                                </p:cTn>
-                              </p:par>
-                              <p:par>
-                                <p:cTn id="30" presetID="47" presetClass="entr" presetSubtype="0" fill="hold" grpId="0" nodeType="withEffect">
-                                  <p:stCondLst>
-                                    <p:cond delay="0"/>
-                                  </p:stCondLst>
-                                  <p:childTnLst>
-                                    <p:set>
-                                      <p:cBhvr>
-                                        <p:cTn id="31" dur="1" fill="hold">
-                                          <p:stCondLst>
-                                            <p:cond delay="0"/>
-                                          </p:stCondLst>
-                                        </p:cTn>
-                                        <p:tgtEl>
-                                          <p:spTgt spid="35845">
-                                            <p:txEl>
-                                              <p:pRg st="5" end="5"/>
-                                            </p:txEl>
-                                          </p:spTgt>
-                                        </p:tgtEl>
-                                        <p:attrNameLst>
-                                          <p:attrName>style.visibility</p:attrName>
-                                        </p:attrNameLst>
-                                      </p:cBhvr>
-                                      <p:to>
-                                        <p:strVal val="visible"/>
-                                      </p:to>
-                                    </p:set>
-                                    <p:animEffect transition="in" filter="fade">
-                                      <p:cBhvr>
-                                        <p:cTn id="32" dur="500"/>
-                                        <p:tgtEl>
-                                          <p:spTgt spid="35845">
-                                            <p:txEl>
-                                              <p:pRg st="5" end="5"/>
-                                            </p:txEl>
-                                          </p:spTgt>
-                                        </p:tgtEl>
-                                      </p:cBhvr>
-                                    </p:animEffect>
-                                    <p:anim calcmode="lin" valueType="num">
-                                      <p:cBhvr>
-                                        <p:cTn id="33" dur="500" fill="hold"/>
-                                        <p:tgtEl>
-                                          <p:spTgt spid="35845">
-                                            <p:txEl>
-                                              <p:pRg st="5" end="5"/>
-                                            </p:txEl>
-                                          </p:spTgt>
-                                        </p:tgtEl>
-                                        <p:attrNameLst>
-                                          <p:attrName>ppt_x</p:attrName>
-                                        </p:attrNameLst>
-                                      </p:cBhvr>
-                                      <p:tavLst>
-                                        <p:tav tm="0">
-                                          <p:val>
-                                            <p:strVal val="#ppt_x"/>
-                                          </p:val>
-                                        </p:tav>
-                                        <p:tav tm="100000">
-                                          <p:val>
-                                            <p:strVal val="#ppt_x"/>
-                                          </p:val>
-                                        </p:tav>
-                                      </p:tavLst>
-                                    </p:anim>
-                                    <p:anim calcmode="lin" valueType="num">
-                                      <p:cBhvr>
-                                        <p:cTn id="34" dur="500" fill="hold"/>
-                                        <p:tgtEl>
-                                          <p:spTgt spid="35845">
-                                            <p:txEl>
-                                              <p:pRg st="5" end="5"/>
-                                            </p:txEl>
-                                          </p:spTgt>
-                                        </p:tgtEl>
-                                        <p:attrNameLst>
-                                          <p:attrName>ppt_y</p:attrName>
-                                        </p:attrNameLst>
-                                      </p:cBhvr>
-                                      <p:tavLst>
-                                        <p:tav tm="0">
-                                          <p:val>
-                                            <p:strVal val="#ppt_y-.1"/>
-                                          </p:val>
-                                        </p:tav>
-                                        <p:tav tm="100000">
-                                          <p:val>
-                                            <p:strVal val="#ppt_y"/>
-                                          </p:val>
-                                        </p:tav>
-                                      </p:tavLst>
-                                    </p:anim>
-                                  </p:childTnLst>
-                                </p:cTn>
-                              </p:par>
-                              <p:par>
-                                <p:cTn id="35" presetID="47" presetClass="entr" presetSubtype="0" fill="hold" grpId="0" nodeType="withEffect">
-                                  <p:stCondLst>
-                                    <p:cond delay="0"/>
-                                  </p:stCondLst>
-                                  <p:childTnLst>
-                                    <p:set>
-                                      <p:cBhvr>
-                                        <p:cTn id="36" dur="1" fill="hold">
-                                          <p:stCondLst>
-                                            <p:cond delay="0"/>
-                                          </p:stCondLst>
-                                        </p:cTn>
-                                        <p:tgtEl>
-                                          <p:spTgt spid="35845">
-                                            <p:txEl>
-                                              <p:pRg st="6" end="6"/>
-                                            </p:txEl>
-                                          </p:spTgt>
-                                        </p:tgtEl>
-                                        <p:attrNameLst>
-                                          <p:attrName>style.visibility</p:attrName>
-                                        </p:attrNameLst>
-                                      </p:cBhvr>
-                                      <p:to>
-                                        <p:strVal val="visible"/>
-                                      </p:to>
-                                    </p:set>
-                                    <p:animEffect transition="in" filter="fade">
-                                      <p:cBhvr>
-                                        <p:cTn id="37" dur="500"/>
-                                        <p:tgtEl>
-                                          <p:spTgt spid="35845">
-                                            <p:txEl>
-                                              <p:pRg st="6" end="6"/>
-                                            </p:txEl>
-                                          </p:spTgt>
-                                        </p:tgtEl>
-                                      </p:cBhvr>
-                                    </p:animEffect>
-                                    <p:anim calcmode="lin" valueType="num">
-                                      <p:cBhvr>
-                                        <p:cTn id="38" dur="500" fill="hold"/>
-                                        <p:tgtEl>
-                                          <p:spTgt spid="35845">
-                                            <p:txEl>
-                                              <p:pRg st="6" end="6"/>
-                                            </p:txEl>
-                                          </p:spTgt>
-                                        </p:tgtEl>
-                                        <p:attrNameLst>
-                                          <p:attrName>ppt_x</p:attrName>
-                                        </p:attrNameLst>
-                                      </p:cBhvr>
-                                      <p:tavLst>
-                                        <p:tav tm="0">
-                                          <p:val>
-                                            <p:strVal val="#ppt_x"/>
-                                          </p:val>
-                                        </p:tav>
-                                        <p:tav tm="100000">
-                                          <p:val>
-                                            <p:strVal val="#ppt_x"/>
-                                          </p:val>
-                                        </p:tav>
-                                      </p:tavLst>
-                                    </p:anim>
-                                    <p:anim calcmode="lin" valueType="num">
-                                      <p:cBhvr>
-                                        <p:cTn id="39" dur="500" fill="hold"/>
-                                        <p:tgtEl>
-                                          <p:spTgt spid="35845">
-                                            <p:txEl>
-                                              <p:pRg st="6" end="6"/>
-                                            </p:txEl>
-                                          </p:spTgt>
-                                        </p:tgtEl>
-                                        <p:attrNameLst>
-                                          <p:attrName>ppt_y</p:attrName>
-                                        </p:attrNameLst>
-                                      </p:cBhvr>
-                                      <p:tavLst>
-                                        <p:tav tm="0">
-                                          <p:val>
-                                            <p:strVal val="#ppt_y-.1"/>
-                                          </p:val>
-                                        </p:tav>
-                                        <p:tav tm="100000">
-                                          <p:val>
-                                            <p:strVal val="#ppt_y"/>
-                                          </p:val>
-                                        </p:tav>
-                                      </p:tavLst>
-                                    </p:anim>
-                                  </p:childTnLst>
-                                </p:cTn>
-                              </p:par>
-                              <p:par>
-                                <p:cTn id="40" presetID="47" presetClass="entr" presetSubtype="0" fill="hold" grpId="0" nodeType="withEffect">
-                                  <p:stCondLst>
-                                    <p:cond delay="0"/>
-                                  </p:stCondLst>
-                                  <p:childTnLst>
-                                    <p:set>
-                                      <p:cBhvr>
-                                        <p:cTn id="41" dur="1" fill="hold">
-                                          <p:stCondLst>
-                                            <p:cond delay="0"/>
-                                          </p:stCondLst>
-                                        </p:cTn>
-                                        <p:tgtEl>
-                                          <p:spTgt spid="35845">
-                                            <p:txEl>
-                                              <p:pRg st="7" end="7"/>
-                                            </p:txEl>
-                                          </p:spTgt>
-                                        </p:tgtEl>
-                                        <p:attrNameLst>
-                                          <p:attrName>style.visibility</p:attrName>
-                                        </p:attrNameLst>
-                                      </p:cBhvr>
-                                      <p:to>
-                                        <p:strVal val="visible"/>
-                                      </p:to>
-                                    </p:set>
-                                    <p:animEffect transition="in" filter="fade">
-                                      <p:cBhvr>
-                                        <p:cTn id="42" dur="500"/>
-                                        <p:tgtEl>
-                                          <p:spTgt spid="35845">
-                                            <p:txEl>
-                                              <p:pRg st="7" end="7"/>
-                                            </p:txEl>
-                                          </p:spTgt>
-                                        </p:tgtEl>
-                                      </p:cBhvr>
-                                    </p:animEffect>
-                                    <p:anim calcmode="lin" valueType="num">
-                                      <p:cBhvr>
-                                        <p:cTn id="43" dur="500" fill="hold"/>
-                                        <p:tgtEl>
-                                          <p:spTgt spid="35845">
-                                            <p:txEl>
-                                              <p:pRg st="7" end="7"/>
-                                            </p:txEl>
-                                          </p:spTgt>
-                                        </p:tgtEl>
-                                        <p:attrNameLst>
-                                          <p:attrName>ppt_x</p:attrName>
-                                        </p:attrNameLst>
-                                      </p:cBhvr>
-                                      <p:tavLst>
-                                        <p:tav tm="0">
-                                          <p:val>
-                                            <p:strVal val="#ppt_x"/>
-                                          </p:val>
-                                        </p:tav>
-                                        <p:tav tm="100000">
-                                          <p:val>
-                                            <p:strVal val="#ppt_x"/>
-                                          </p:val>
-                                        </p:tav>
-                                      </p:tavLst>
-                                    </p:anim>
-                                    <p:anim calcmode="lin" valueType="num">
-                                      <p:cBhvr>
-                                        <p:cTn id="44" dur="500" fill="hold"/>
-                                        <p:tgtEl>
-                                          <p:spTgt spid="35845">
-                                            <p:txEl>
-                                              <p:pRg st="7" end="7"/>
-                                            </p:txEl>
-                                          </p:spTgt>
-                                        </p:tgtEl>
-                                        <p:attrNameLst>
-                                          <p:attrName>ppt_y</p:attrName>
-                                        </p:attrNameLst>
-                                      </p:cBhvr>
-                                      <p:tavLst>
-                                        <p:tav tm="0">
-                                          <p:val>
-                                            <p:strVal val="#ppt_y-.1"/>
-                                          </p:val>
-                                        </p:tav>
-                                        <p:tav tm="100000">
-                                          <p:val>
-                                            <p:strVal val="#ppt_y"/>
-                                          </p:val>
-                                        </p:tav>
-                                      </p:tavLst>
-                                    </p:anim>
-                                  </p:childTnLst>
-                                </p:cTn>
-                              </p:par>
-                              <p:par>
-                                <p:cTn id="45" presetID="47" presetClass="entr" presetSubtype="0" fill="hold" grpId="0" nodeType="withEffect">
-                                  <p:stCondLst>
-                                    <p:cond delay="0"/>
-                                  </p:stCondLst>
-                                  <p:childTnLst>
-                                    <p:set>
-                                      <p:cBhvr>
-                                        <p:cTn id="46" dur="1" fill="hold">
-                                          <p:stCondLst>
-                                            <p:cond delay="0"/>
-                                          </p:stCondLst>
-                                        </p:cTn>
-                                        <p:tgtEl>
-                                          <p:spTgt spid="35845">
-                                            <p:txEl>
-                                              <p:pRg st="8" end="8"/>
-                                            </p:txEl>
-                                          </p:spTgt>
-                                        </p:tgtEl>
-                                        <p:attrNameLst>
-                                          <p:attrName>style.visibility</p:attrName>
-                                        </p:attrNameLst>
-                                      </p:cBhvr>
-                                      <p:to>
-                                        <p:strVal val="visible"/>
-                                      </p:to>
-                                    </p:set>
-                                    <p:animEffect transition="in" filter="fade">
-                                      <p:cBhvr>
-                                        <p:cTn id="47" dur="500"/>
-                                        <p:tgtEl>
-                                          <p:spTgt spid="35845">
-                                            <p:txEl>
-                                              <p:pRg st="8" end="8"/>
-                                            </p:txEl>
-                                          </p:spTgt>
-                                        </p:tgtEl>
-                                      </p:cBhvr>
-                                    </p:animEffect>
-                                    <p:anim calcmode="lin" valueType="num">
-                                      <p:cBhvr>
-                                        <p:cTn id="48" dur="500" fill="hold"/>
-                                        <p:tgtEl>
-                                          <p:spTgt spid="35845">
-                                            <p:txEl>
-                                              <p:pRg st="8" end="8"/>
-                                            </p:txEl>
-                                          </p:spTgt>
-                                        </p:tgtEl>
-                                        <p:attrNameLst>
-                                          <p:attrName>ppt_x</p:attrName>
-                                        </p:attrNameLst>
-                                      </p:cBhvr>
-                                      <p:tavLst>
-                                        <p:tav tm="0">
-                                          <p:val>
-                                            <p:strVal val="#ppt_x"/>
-                                          </p:val>
-                                        </p:tav>
-                                        <p:tav tm="100000">
-                                          <p:val>
-                                            <p:strVal val="#ppt_x"/>
-                                          </p:val>
-                                        </p:tav>
-                                      </p:tavLst>
-                                    </p:anim>
-                                    <p:anim calcmode="lin" valueType="num">
-                                      <p:cBhvr>
-                                        <p:cTn id="49" dur="500" fill="hold"/>
-                                        <p:tgtEl>
-                                          <p:spTgt spid="35845">
-                                            <p:txEl>
-                                              <p:pRg st="8" end="8"/>
-                                            </p:txEl>
-                                          </p:spTgt>
-                                        </p:tgtEl>
-                                        <p:attrNameLst>
-                                          <p:attrName>ppt_y</p:attrName>
-                                        </p:attrNameLst>
-                                      </p:cBhvr>
-                                      <p:tavLst>
-                                        <p:tav tm="0">
-                                          <p:val>
-                                            <p:strVal val="#ppt_y-.1"/>
-                                          </p:val>
-                                        </p:tav>
-                                        <p:tav tm="100000">
-                                          <p:val>
-                                            <p:strVal val="#ppt_y"/>
-                                          </p:val>
-                                        </p:tav>
-                                      </p:tavLst>
-                                    </p:anim>
-                                  </p:childTnLst>
-                                </p:cTn>
-                              </p:par>
-                            </p:childTnLst>
-                          </p:cTn>
-                        </p:par>
-                        <p:par>
-                          <p:cTn id="50" fill="hold">
-                            <p:stCondLst>
-                              <p:cond delay="500"/>
-                            </p:stCondLst>
-                            <p:childTnLst>
-                              <p:par>
-                                <p:cTn id="51" presetID="49" presetClass="entr" presetSubtype="0" decel="100000" fill="hold" grpId="0" nodeType="afterEffect">
-                                  <p:stCondLst>
-                                    <p:cond delay="0"/>
-                                  </p:stCondLst>
-                                  <p:childTnLst>
-                                    <p:set>
-                                      <p:cBhvr>
-                                        <p:cTn id="52" dur="1" fill="hold">
-                                          <p:stCondLst>
-                                            <p:cond delay="0"/>
-                                          </p:stCondLst>
-                                        </p:cTn>
-                                        <p:tgtEl>
-                                          <p:spTgt spid="35846"/>
+                                          <p:spTgt spid="6"/>
                                         </p:tgtEl>
                                         <p:attrNameLst>
                                           <p:attrName>style.visibility</p:attrName>
@@ -6962,9 +7619,9 @@
                                     </p:set>
                                     <p:anim calcmode="lin" valueType="num">
                                       <p:cBhvr>
-                                        <p:cTn id="53" dur="500" fill="hold"/>
+                                        <p:cTn id="7" dur="500" fill="hold"/>
                                         <p:tgtEl>
-                                          <p:spTgt spid="35846"/>
+                                          <p:spTgt spid="6"/>
                                         </p:tgtEl>
                                         <p:attrNameLst>
                                           <p:attrName>ppt_w</p:attrName>
@@ -6985,9 +7642,9 @@
                                     </p:anim>
                                     <p:anim calcmode="lin" valueType="num">
                                       <p:cBhvr>
-                                        <p:cTn id="54" dur="500" fill="hold"/>
+                                        <p:cTn id="8" dur="500" fill="hold"/>
                                         <p:tgtEl>
-                                          <p:spTgt spid="35846"/>
+                                          <p:spTgt spid="6"/>
                                         </p:tgtEl>
                                         <p:attrNameLst>
                                           <p:attrName>ppt_h</p:attrName>
@@ -7006,37 +7663,6 @@
                                         </p:tav>
                                       </p:tavLst>
                                     </p:anim>
-                                    <p:anim calcmode="lin" valueType="num">
-                                      <p:cBhvr>
-                                        <p:cTn id="55" dur="500" fill="hold"/>
-                                        <p:tgtEl>
-                                          <p:spTgt spid="35846"/>
-                                        </p:tgtEl>
-                                        <p:attrNameLst>
-                                          <p:attrName>style.rotation</p:attrName>
-                                        </p:attrNameLst>
-                                      </p:cBhvr>
-                                      <p:tavLst>
-                                        <p:tav tm="0">
-                                          <p:val>
-                                            <p:fltVal val="360"/>
-                                          </p:val>
-                                        </p:tav>
-                                        <p:tav tm="100000">
-                                          <p:val>
-                                            <p:fltVal val="0"/>
-                                          </p:val>
-                                        </p:tav>
-                                      </p:tavLst>
-                                    </p:anim>
-                                    <p:animEffect transition="in" filter="fade">
-                                      <p:cBhvr>
-                                        <p:cTn id="56" dur="500"/>
-                                        <p:tgtEl>
-                                          <p:spTgt spid="35846"/>
-                                        </p:tgtEl>
-                                      </p:cBhvr>
-                                    </p:animEffect>
                                   </p:childTnLst>
                                 </p:cTn>
                               </p:par>
@@ -7067,10 +7693,5826 @@
         </p:cTn>
       </p:par>
     </p:tnLst>
-    <p:bldLst>
-      <p:bldP spid="35845" grpId="0" uiExpand="1" build="p"/>
-      <p:bldP spid="35846" grpId="0" animBg="1"/>
-    </p:bldLst>
+  </p:timing>
+</p:sld>
+</file>
+
+<file path=ppt/slides/slide13.xml><?xml version="1.0" encoding="utf-8"?>
+<p:sld xmlns:a="http://schemas.openxmlformats.org/drawingml/2006/main" xmlns:r="http://schemas.openxmlformats.org/officeDocument/2006/relationships" xmlns:p="http://schemas.openxmlformats.org/presentationml/2006/main" showMasterPhAnim="0">
+  <p:cSld>
+    <p:spTree>
+      <p:nvGrpSpPr>
+        <p:cNvPr id="1" name=""/>
+        <p:cNvGrpSpPr/>
+        <p:nvPr/>
+      </p:nvGrpSpPr>
+      <p:grpSpPr>
+        <a:xfrm>
+          <a:off x="0" y="0"/>
+          <a:ext cx="0" cy="0"/>
+          <a:chOff x="0" y="0"/>
+          <a:chExt cx="0" cy="0"/>
+        </a:xfrm>
+      </p:grpSpPr>
+      <p:sp>
+        <p:nvSpPr>
+          <p:cNvPr id="23556" name="Rectangle 2"/>
+          <p:cNvSpPr>
+            <a:spLocks noGrp="1" noChangeArrowheads="1"/>
+          </p:cNvSpPr>
+          <p:nvPr>
+            <p:ph type="title"/>
+          </p:nvPr>
+        </p:nvSpPr>
+        <p:spPr/>
+        <p:txBody>
+          <a:bodyPr/>
+          <a:lstStyle/>
+          <a:p>
+            <a:pPr eaLnBrk="1" hangingPunct="1"/>
+            <a:r>
+              <a:rPr lang="cs-CZ" smtClean="0"/>
+              <a:t>Užitečné odkazy</a:t>
+            </a:r>
+          </a:p>
+        </p:txBody>
+      </p:sp>
+      <p:sp>
+        <p:nvSpPr>
+          <p:cNvPr id="35845" name="Rectangle 3"/>
+          <p:cNvSpPr>
+            <a:spLocks noGrp="1" noChangeArrowheads="1"/>
+          </p:cNvSpPr>
+          <p:nvPr>
+            <p:ph idx="1"/>
+          </p:nvPr>
+        </p:nvSpPr>
+        <p:spPr>
+          <a:xfrm>
+            <a:off x="422275" y="960438"/>
+            <a:ext cx="8229600" cy="1325554"/>
+          </a:xfrm>
+        </p:spPr>
+        <p:txBody>
+          <a:bodyPr/>
+          <a:lstStyle/>
+          <a:p>
+            <a:pPr eaLnBrk="1" hangingPunct="1"/>
+            <a:r>
+              <a:rPr lang="cs-CZ" dirty="0" smtClean="0">
+                <a:hlinkClick r:id="rId3"/>
+              </a:rPr>
+              <a:t>http://ibatis.apache.org/</a:t>
+            </a:r>
+            <a:r>
+              <a:rPr lang="cs-CZ" dirty="0" smtClean="0"/>
+              <a:t> (</a:t>
+            </a:r>
+            <a:r>
+              <a:rPr lang="cs-CZ" dirty="0" err="1" smtClean="0"/>
+              <a:t>iBatis</a:t>
+            </a:r>
+            <a:r>
+              <a:rPr lang="cs-CZ" dirty="0" smtClean="0"/>
+              <a:t> </a:t>
+            </a:r>
+            <a:r>
+              <a:rPr lang="cs-CZ" dirty="0" err="1" smtClean="0"/>
+              <a:t>homepage</a:t>
+            </a:r>
+            <a:r>
+              <a:rPr lang="cs-CZ" dirty="0" smtClean="0"/>
+              <a:t>)</a:t>
+            </a:r>
+          </a:p>
+          <a:p>
+            <a:pPr eaLnBrk="1" hangingPunct="1"/>
+            <a:r>
+              <a:rPr lang="cs-CZ" sz="2800" dirty="0" smtClean="0">
+                <a:hlinkClick r:id="rId4"/>
+              </a:rPr>
+              <a:t>http://www.</a:t>
+            </a:r>
+            <a:r>
+              <a:rPr lang="cs-CZ" sz="2800" dirty="0" err="1" smtClean="0">
+                <a:hlinkClick r:id="rId4"/>
+              </a:rPr>
+              <a:t>opensymphony.com</a:t>
+            </a:r>
+            <a:r>
+              <a:rPr lang="cs-CZ" sz="2800" dirty="0" smtClean="0">
+                <a:hlinkClick r:id="rId4"/>
+              </a:rPr>
+              <a:t>/</a:t>
+            </a:r>
+            <a:r>
+              <a:rPr lang="cs-CZ" sz="2800" dirty="0" err="1" smtClean="0">
+                <a:hlinkClick r:id="rId4"/>
+              </a:rPr>
+              <a:t>ognl</a:t>
+            </a:r>
+            <a:r>
+              <a:rPr lang="cs-CZ" sz="2800" dirty="0" smtClean="0">
+                <a:hlinkClick r:id="rId4"/>
+              </a:rPr>
+              <a:t>/</a:t>
+            </a:r>
+            <a:r>
+              <a:rPr lang="cs-CZ" sz="2800" dirty="0" smtClean="0"/>
+              <a:t> (OGNL)</a:t>
+            </a:r>
+            <a:endParaRPr lang="cs-CZ" dirty="0" smtClean="0"/>
+          </a:p>
+          <a:p>
+            <a:pPr eaLnBrk="1" hangingPunct="1"/>
+            <a:r>
+              <a:rPr lang="cs-CZ" dirty="0" smtClean="0">
+                <a:hlinkClick r:id="rId5"/>
+              </a:rPr>
+              <a:t>http://blog.</a:t>
+            </a:r>
+            <a:r>
+              <a:rPr lang="cs-CZ" dirty="0" err="1" smtClean="0">
+                <a:hlinkClick r:id="rId5"/>
+              </a:rPr>
+              <a:t>novoj.net</a:t>
+            </a:r>
+            <a:r>
+              <a:rPr lang="cs-CZ" dirty="0" smtClean="0"/>
+              <a:t> (Myšlenky dne Otce </a:t>
+            </a:r>
+            <a:r>
+              <a:rPr lang="cs-CZ" dirty="0" err="1" smtClean="0"/>
+              <a:t>Fura</a:t>
+            </a:r>
+            <a:r>
+              <a:rPr lang="cs-CZ" dirty="0" smtClean="0"/>
+              <a:t>)</a:t>
+            </a:r>
+          </a:p>
+        </p:txBody>
+      </p:sp>
+      <p:sp>
+        <p:nvSpPr>
+          <p:cNvPr id="17410" name="Zástupný symbol pro číslo snímku 3"/>
+          <p:cNvSpPr>
+            <a:spLocks noGrp="1"/>
+          </p:cNvSpPr>
+          <p:nvPr>
+            <p:ph type="sldNum" sz="quarter" idx="10"/>
+          </p:nvPr>
+        </p:nvSpPr>
+        <p:spPr/>
+        <p:txBody>
+          <a:bodyPr/>
+          <a:lstStyle/>
+          <a:p>
+            <a:pPr>
+              <a:defRPr/>
+            </a:pPr>
+            <a:fld id="{1B49ED0A-F5BA-4E63-BAB1-AC05AF2A8F08}" type="slidenum">
+              <a:rPr lang="cs-CZ" smtClean="0"/>
+              <a:pPr>
+                <a:defRPr/>
+              </a:pPr>
+              <a:t>13</a:t>
+            </a:fld>
+            <a:endParaRPr lang="cs-CZ" smtClean="0"/>
+          </a:p>
+        </p:txBody>
+      </p:sp>
+      <p:sp>
+        <p:nvSpPr>
+          <p:cNvPr id="17411" name="Zástupný symbol pro zápatí 4"/>
+          <p:cNvSpPr>
+            <a:spLocks noGrp="1"/>
+          </p:cNvSpPr>
+          <p:nvPr>
+            <p:ph type="ftr" sz="quarter" idx="11"/>
+          </p:nvPr>
+        </p:nvSpPr>
+        <p:spPr/>
+        <p:txBody>
+          <a:bodyPr/>
+          <a:lstStyle/>
+          <a:p>
+            <a:pPr>
+              <a:defRPr/>
+            </a:pPr>
+            <a:r>
+              <a:rPr lang="cs-CZ" smtClean="0"/>
+              <a:t>www.fg.cz</a:t>
+            </a:r>
+          </a:p>
+        </p:txBody>
+      </p:sp>
+      <p:sp>
+        <p:nvSpPr>
+          <p:cNvPr id="7" name="Rectangle 2"/>
+          <p:cNvSpPr txBox="1">
+            <a:spLocks noChangeArrowheads="1"/>
+          </p:cNvSpPr>
+          <p:nvPr/>
+        </p:nvSpPr>
+        <p:spPr bwMode="auto">
+          <a:xfrm>
+            <a:off x="369908" y="2738438"/>
+            <a:ext cx="7059612" cy="762000"/>
+          </a:xfrm>
+          <a:prstGeom prst="rect">
+            <a:avLst/>
+          </a:prstGeom>
+          <a:noFill/>
+          <a:ln w="9525">
+            <a:noFill/>
+            <a:miter lim="800000"/>
+            <a:headEnd/>
+            <a:tailEnd/>
+          </a:ln>
+        </p:spPr>
+        <p:txBody>
+          <a:bodyPr vert="horz" wrap="square" lIns="91440" tIns="45720" rIns="91440" bIns="45720" numCol="1" anchor="ctr" anchorCtr="0" compatLnSpc="1">
+            <a:prstTxWarp prst="textNoShape">
+              <a:avLst/>
+            </a:prstTxWarp>
+          </a:bodyPr>
+          <a:lstStyle/>
+          <a:p>
+            <a:pPr marL="0" marR="0" lvl="0" indent="0" algn="l" defTabSz="914400" rtl="0" eaLnBrk="1" fontAlgn="base" latinLnBrk="0" hangingPunct="1">
+              <a:lnSpc>
+                <a:spcPct val="100000"/>
+              </a:lnSpc>
+              <a:spcBef>
+                <a:spcPct val="0"/>
+              </a:spcBef>
+              <a:spcAft>
+                <a:spcPct val="0"/>
+              </a:spcAft>
+              <a:buClrTx/>
+              <a:buSzTx/>
+              <a:buFontTx/>
+              <a:buNone/>
+              <a:tabLst/>
+              <a:defRPr/>
+            </a:pPr>
+            <a:r>
+              <a:rPr kumimoji="0" lang="cs-CZ" sz="2400" b="0" i="0" u="none" strike="noStrike" kern="0" cap="none" spc="0" normalizeH="0" baseline="0" noProof="0" dirty="0" smtClean="0">
+                <a:ln>
+                  <a:noFill/>
+                </a:ln>
+                <a:solidFill>
+                  <a:srgbClr val="DE4322"/>
+                </a:solidFill>
+                <a:effectLst/>
+                <a:uLnTx/>
+                <a:uFillTx/>
+                <a:latin typeface="+mj-lt"/>
+                <a:ea typeface="+mj-ea"/>
+                <a:cs typeface="+mj-cs"/>
+              </a:rPr>
+              <a:t>Nezapomeňte:</a:t>
+            </a:r>
+          </a:p>
+        </p:txBody>
+      </p:sp>
+      <p:sp>
+        <p:nvSpPr>
+          <p:cNvPr id="8" name="Rectangle 3"/>
+          <p:cNvSpPr txBox="1">
+            <a:spLocks noChangeArrowheads="1"/>
+          </p:cNvSpPr>
+          <p:nvPr/>
+        </p:nvSpPr>
+        <p:spPr bwMode="auto">
+          <a:xfrm>
+            <a:off x="428596" y="3389330"/>
+            <a:ext cx="8229600" cy="1754182"/>
+          </a:xfrm>
+          <a:prstGeom prst="rect">
+            <a:avLst/>
+          </a:prstGeom>
+          <a:noFill/>
+          <a:ln w="9525">
+            <a:noFill/>
+            <a:miter lim="800000"/>
+            <a:headEnd/>
+            <a:tailEnd/>
+          </a:ln>
+        </p:spPr>
+        <p:txBody>
+          <a:bodyPr vert="horz" wrap="square" lIns="91440" tIns="45720" rIns="91440" bIns="45720" numCol="1" anchor="t" anchorCtr="0" compatLnSpc="1">
+            <a:prstTxWarp prst="textNoShape">
+              <a:avLst/>
+            </a:prstTxWarp>
+          </a:bodyPr>
+          <a:lstStyle/>
+          <a:p>
+            <a:pPr marL="342900" marR="0" lvl="0" indent="-342900" algn="l" defTabSz="914400" rtl="0" eaLnBrk="1" fontAlgn="base" latinLnBrk="0" hangingPunct="1">
+              <a:lnSpc>
+                <a:spcPct val="100000"/>
+              </a:lnSpc>
+              <a:spcBef>
+                <a:spcPct val="20000"/>
+              </a:spcBef>
+              <a:spcAft>
+                <a:spcPct val="0"/>
+              </a:spcAft>
+              <a:buClrTx/>
+              <a:buSzTx/>
+              <a:buFontTx/>
+              <a:buBlip>
+                <a:blip r:embed="rId6"/>
+              </a:buBlip>
+              <a:tabLst/>
+              <a:defRPr/>
+            </a:pPr>
+            <a:r>
+              <a:rPr kumimoji="0" lang="cs-CZ" sz="2500" b="0" i="0" u="none" strike="noStrike" kern="0" cap="none" spc="0" normalizeH="0" baseline="0" noProof="0" dirty="0" smtClean="0">
+                <a:ln>
+                  <a:noFill/>
+                </a:ln>
+                <a:solidFill>
+                  <a:schemeClr val="bg2"/>
+                </a:solidFill>
+                <a:effectLst/>
+                <a:uLnTx/>
+                <a:uFillTx/>
+                <a:latin typeface="+mn-lt"/>
+                <a:ea typeface="+mn-ea"/>
+                <a:cs typeface="+mn-cs"/>
+              </a:rPr>
+              <a:t>dokončené implementace posílejte na adresu </a:t>
+            </a:r>
+            <a:r>
+              <a:rPr kumimoji="0" lang="cs-CZ" sz="2500" b="0" i="0" u="none" strike="noStrike" kern="0" cap="none" spc="0" normalizeH="0" baseline="0" noProof="0" dirty="0" smtClean="0">
+                <a:ln>
+                  <a:noFill/>
+                </a:ln>
+                <a:solidFill>
+                  <a:schemeClr val="bg2"/>
+                </a:solidFill>
+                <a:effectLst/>
+                <a:uLnTx/>
+                <a:uFillTx/>
+                <a:latin typeface="+mn-lt"/>
+                <a:ea typeface="+mn-ea"/>
+                <a:cs typeface="+mn-cs"/>
+                <a:hlinkClick r:id="rId7"/>
+              </a:rPr>
+              <a:t>novotny@fg.cz</a:t>
+            </a:r>
+            <a:r>
+              <a:rPr lang="cs-CZ" kern="0" dirty="0" smtClean="0">
+                <a:latin typeface="+mn-lt"/>
+                <a:cs typeface="+mn-cs"/>
+              </a:rPr>
+              <a:t> </a:t>
+            </a:r>
+          </a:p>
+          <a:p>
+            <a:pPr marL="342900" marR="0" lvl="0" indent="-342900" algn="l" defTabSz="914400" rtl="0" eaLnBrk="1" fontAlgn="base" latinLnBrk="0" hangingPunct="1">
+              <a:lnSpc>
+                <a:spcPct val="100000"/>
+              </a:lnSpc>
+              <a:spcBef>
+                <a:spcPct val="20000"/>
+              </a:spcBef>
+              <a:spcAft>
+                <a:spcPct val="0"/>
+              </a:spcAft>
+              <a:buClrTx/>
+              <a:buSzTx/>
+              <a:buFontTx/>
+              <a:buBlip>
+                <a:blip r:embed="rId6"/>
+              </a:buBlip>
+              <a:tabLst/>
+              <a:defRPr/>
+            </a:pPr>
+            <a:r>
+              <a:rPr lang="cs-CZ" kern="0" dirty="0" smtClean="0">
+                <a:latin typeface="+mn-lt"/>
+                <a:cs typeface="+mn-cs"/>
+              </a:rPr>
+              <a:t>soutěž bude uzavřena nejpozději 7. března, výherce bude zveřejněn na adrese </a:t>
+            </a:r>
+            <a:r>
+              <a:rPr lang="cs-CZ" kern="0" dirty="0" smtClean="0">
+                <a:latin typeface="+mn-lt"/>
+                <a:cs typeface="+mn-cs"/>
+                <a:hlinkClick r:id="rId5"/>
+              </a:rPr>
+              <a:t>http://blog.</a:t>
+            </a:r>
+            <a:r>
+              <a:rPr lang="cs-CZ" kern="0" dirty="0" err="1" smtClean="0">
+                <a:latin typeface="+mn-lt"/>
+                <a:cs typeface="+mn-cs"/>
+                <a:hlinkClick r:id="rId5"/>
+              </a:rPr>
+              <a:t>novoj.net</a:t>
+            </a:r>
+            <a:r>
+              <a:rPr lang="cs-CZ" kern="0" dirty="0" smtClean="0">
+                <a:latin typeface="+mn-lt"/>
+                <a:cs typeface="+mn-cs"/>
+              </a:rPr>
+              <a:t> </a:t>
+            </a:r>
+            <a:endParaRPr kumimoji="0" lang="cs-CZ" sz="2500" b="0" i="0" u="none" strike="noStrike" kern="0" cap="none" spc="0" normalizeH="0" baseline="0" noProof="0" dirty="0" smtClean="0">
+              <a:ln>
+                <a:noFill/>
+              </a:ln>
+              <a:solidFill>
+                <a:schemeClr val="bg2"/>
+              </a:solidFill>
+              <a:effectLst/>
+              <a:uLnTx/>
+              <a:uFillTx/>
+              <a:latin typeface="+mn-lt"/>
+              <a:ea typeface="+mn-ea"/>
+              <a:cs typeface="+mn-cs"/>
+            </a:endParaRPr>
+          </a:p>
+        </p:txBody>
+      </p:sp>
+    </p:spTree>
+  </p:cSld>
+  <p:clrMapOvr>
+    <a:masterClrMapping/>
+  </p:clrMapOvr>
+  <p:transition advTm="123288">
+    <p:fade thruBlk="1"/>
+  </p:transition>
+  <p:timing>
+    <p:tnLst>
+      <p:par>
+        <p:cTn id="1" dur="indefinite" restart="never" nodeType="tmRoot"/>
+      </p:par>
+    </p:tnLst>
+  </p:timing>
+</p:sld>
+</file>
+
+<file path=ppt/slides/slide2.xml><?xml version="1.0" encoding="utf-8"?>
+<p:sld xmlns:a="http://schemas.openxmlformats.org/drawingml/2006/main" xmlns:r="http://schemas.openxmlformats.org/officeDocument/2006/relationships" xmlns:p="http://schemas.openxmlformats.org/presentationml/2006/main">
+  <p:cSld>
+    <p:spTree>
+      <p:nvGrpSpPr>
+        <p:cNvPr id="1" name=""/>
+        <p:cNvGrpSpPr/>
+        <p:nvPr/>
+      </p:nvGrpSpPr>
+      <p:grpSpPr>
+        <a:xfrm>
+          <a:off x="0" y="0"/>
+          <a:ext cx="0" cy="0"/>
+          <a:chOff x="0" y="0"/>
+          <a:chExt cx="0" cy="0"/>
+        </a:xfrm>
+      </p:grpSpPr>
+      <p:sp>
+        <p:nvSpPr>
+          <p:cNvPr id="2" name="Nadpis 1"/>
+          <p:cNvSpPr>
+            <a:spLocks noGrp="1"/>
+          </p:cNvSpPr>
+          <p:nvPr>
+            <p:ph type="title"/>
+          </p:nvPr>
+        </p:nvSpPr>
+        <p:spPr/>
+        <p:txBody>
+          <a:bodyPr/>
+          <a:lstStyle/>
+          <a:p>
+            <a:r>
+              <a:rPr lang="cs-CZ" dirty="0" smtClean="0"/>
+              <a:t>Agenda</a:t>
+            </a:r>
+            <a:endParaRPr lang="cs-CZ" dirty="0"/>
+          </a:p>
+        </p:txBody>
+      </p:sp>
+      <p:sp>
+        <p:nvSpPr>
+          <p:cNvPr id="3" name="Zástupný symbol pro obsah 2"/>
+          <p:cNvSpPr>
+            <a:spLocks noGrp="1"/>
+          </p:cNvSpPr>
+          <p:nvPr>
+            <p:ph idx="1"/>
+          </p:nvPr>
+        </p:nvSpPr>
+        <p:spPr/>
+        <p:txBody>
+          <a:bodyPr/>
+          <a:lstStyle/>
+          <a:p>
+            <a:r>
+              <a:rPr lang="cs-CZ" sz="2400" dirty="0" smtClean="0"/>
+              <a:t>Požadavky:</a:t>
+            </a:r>
+          </a:p>
+          <a:p>
+            <a:pPr lvl="1"/>
+            <a:r>
+              <a:rPr lang="cs-CZ" sz="1800" dirty="0" smtClean="0"/>
+              <a:t>JDK 1.5 / 1.6</a:t>
+            </a:r>
+          </a:p>
+          <a:p>
+            <a:pPr lvl="1"/>
+            <a:r>
+              <a:rPr lang="cs-CZ" sz="1800" dirty="0" smtClean="0"/>
+              <a:t>Java IDE</a:t>
+            </a:r>
+          </a:p>
+          <a:p>
+            <a:pPr lvl="1"/>
+            <a:r>
+              <a:rPr lang="cs-CZ" sz="1800" dirty="0" smtClean="0"/>
+              <a:t>Apache </a:t>
+            </a:r>
+            <a:r>
+              <a:rPr lang="cs-CZ" sz="1800" dirty="0" err="1" smtClean="0"/>
+              <a:t>Maven</a:t>
+            </a:r>
+            <a:endParaRPr lang="cs-CZ" sz="1800" dirty="0" smtClean="0"/>
+          </a:p>
+          <a:p>
+            <a:pPr lvl="1"/>
+            <a:r>
+              <a:rPr lang="cs-CZ" sz="1800" dirty="0" smtClean="0"/>
+              <a:t>GIT</a:t>
+            </a:r>
+          </a:p>
+          <a:p>
+            <a:r>
+              <a:rPr lang="cs-CZ" sz="2400" dirty="0" smtClean="0"/>
+              <a:t>Ke stažení:</a:t>
+            </a:r>
+          </a:p>
+          <a:p>
+            <a:pPr lvl="1"/>
+            <a:r>
+              <a:rPr lang="cs-CZ" sz="1800" dirty="0" smtClean="0"/>
+              <a:t>GIT: </a:t>
+            </a:r>
+            <a:r>
+              <a:rPr lang="cs-CZ" sz="1800" dirty="0" err="1" smtClean="0">
+                <a:hlinkClick r:id="rId3"/>
+              </a:rPr>
+              <a:t>git</a:t>
+            </a:r>
+            <a:r>
+              <a:rPr lang="cs-CZ" sz="1800" dirty="0" smtClean="0">
+                <a:hlinkClick r:id="rId3"/>
+              </a:rPr>
+              <a:t>://</a:t>
+            </a:r>
+            <a:r>
+              <a:rPr lang="cs-CZ" sz="1800" dirty="0" err="1" smtClean="0">
+                <a:hlinkClick r:id="rId3"/>
+              </a:rPr>
+              <a:t>github.com</a:t>
+            </a:r>
+            <a:r>
+              <a:rPr lang="cs-CZ" sz="1800" dirty="0" smtClean="0">
+                <a:hlinkClick r:id="rId3"/>
+              </a:rPr>
+              <a:t>/</a:t>
+            </a:r>
+            <a:r>
+              <a:rPr lang="cs-CZ" sz="1800" dirty="0" err="1" smtClean="0">
+                <a:hlinkClick r:id="rId3"/>
+              </a:rPr>
+              <a:t>novoj</a:t>
+            </a:r>
+            <a:r>
+              <a:rPr lang="cs-CZ" sz="1800" dirty="0" smtClean="0">
+                <a:hlinkClick r:id="rId3"/>
+              </a:rPr>
+              <a:t>/</a:t>
+            </a:r>
+            <a:r>
+              <a:rPr lang="cs-CZ" sz="1800" dirty="0" err="1" smtClean="0">
+                <a:hlinkClick r:id="rId3"/>
+              </a:rPr>
+              <a:t>iBatisWorkShop.git</a:t>
+            </a:r>
+            <a:endParaRPr lang="cs-CZ" sz="1800" dirty="0" smtClean="0"/>
+          </a:p>
+          <a:p>
+            <a:pPr lvl="1"/>
+            <a:r>
+              <a:rPr lang="cs-CZ" sz="1800" dirty="0" smtClean="0"/>
+              <a:t>HTTP: </a:t>
+            </a:r>
+            <a:r>
+              <a:rPr lang="cs-CZ" sz="1800" dirty="0" smtClean="0">
+                <a:hlinkClick r:id="rId4"/>
+              </a:rPr>
+              <a:t>http://github.com/novoj/iBatisWorkShop/tree/master</a:t>
+            </a:r>
+            <a:r>
+              <a:rPr lang="cs-CZ" sz="1800" dirty="0" smtClean="0"/>
+              <a:t> </a:t>
+            </a:r>
+          </a:p>
+          <a:p>
+            <a:r>
+              <a:rPr lang="cs-CZ" sz="2000" dirty="0" smtClean="0"/>
+              <a:t>Ověření připraveného prostředí:</a:t>
+            </a:r>
+          </a:p>
+          <a:p>
+            <a:pPr lvl="1"/>
+            <a:r>
+              <a:rPr lang="cs-CZ" sz="1800" dirty="0" smtClean="0"/>
+              <a:t>všechny testy v </a:t>
+            </a:r>
+            <a:r>
+              <a:rPr lang="cs-CZ" sz="1800" dirty="0" err="1" smtClean="0"/>
+              <a:t>package</a:t>
+            </a:r>
+            <a:r>
+              <a:rPr lang="cs-CZ" sz="1800" dirty="0" smtClean="0"/>
+              <a:t> </a:t>
+            </a:r>
+            <a:r>
+              <a:rPr lang="cs-CZ" sz="1800" b="1" dirty="0" err="1" smtClean="0"/>
+              <a:t>cz.novoj.ibatis.init</a:t>
+            </a:r>
+            <a:r>
+              <a:rPr lang="cs-CZ" sz="1800" dirty="0" smtClean="0"/>
+              <a:t> prošly</a:t>
+            </a:r>
+          </a:p>
+          <a:p>
+            <a:r>
+              <a:rPr lang="cs-CZ" sz="2000" dirty="0" smtClean="0"/>
+              <a:t>Soutěž o licenci </a:t>
+            </a:r>
+            <a:r>
+              <a:rPr lang="cs-CZ" sz="2000" b="1" dirty="0" err="1" smtClean="0"/>
+              <a:t>IntelliJ</a:t>
+            </a:r>
+            <a:r>
+              <a:rPr lang="cs-CZ" sz="2000" b="1" dirty="0" smtClean="0"/>
+              <a:t> Idea 9 – </a:t>
+            </a:r>
+            <a:r>
+              <a:rPr lang="cs-CZ" sz="2000" b="1" dirty="0" err="1" smtClean="0"/>
+              <a:t>Ultimate</a:t>
+            </a:r>
+            <a:r>
+              <a:rPr lang="cs-CZ" sz="2000" b="1" dirty="0" smtClean="0"/>
+              <a:t> </a:t>
+            </a:r>
+            <a:r>
+              <a:rPr lang="cs-CZ" sz="2000" b="1" dirty="0" err="1" smtClean="0"/>
+              <a:t>Edition</a:t>
+            </a:r>
+            <a:endParaRPr lang="cs-CZ" sz="2000" b="1" dirty="0" smtClean="0"/>
+          </a:p>
+          <a:p>
+            <a:pPr lvl="1"/>
+            <a:r>
+              <a:rPr lang="cs-CZ" sz="1800" dirty="0" smtClean="0"/>
+              <a:t>zprovoznění všech </a:t>
+            </a:r>
+            <a:r>
+              <a:rPr lang="cs-CZ" sz="1800" dirty="0" err="1" smtClean="0"/>
+              <a:t>JUnit</a:t>
+            </a:r>
+            <a:r>
+              <a:rPr lang="cs-CZ" sz="1800" dirty="0" smtClean="0"/>
+              <a:t> testů = doplnění chybějící </a:t>
+            </a:r>
+            <a:r>
+              <a:rPr lang="cs-CZ" sz="1800" dirty="0" err="1" smtClean="0"/>
+              <a:t>iBatis</a:t>
+            </a:r>
+            <a:r>
+              <a:rPr lang="cs-CZ" sz="1800" dirty="0" smtClean="0"/>
+              <a:t> implementace</a:t>
+            </a:r>
+          </a:p>
+          <a:p>
+            <a:pPr lvl="1"/>
+            <a:r>
+              <a:rPr lang="cs-CZ" sz="1800" dirty="0" smtClean="0"/>
+              <a:t>odeslání výsledku na adresu </a:t>
+            </a:r>
+            <a:r>
+              <a:rPr lang="cs-CZ" sz="1800" dirty="0" err="1" smtClean="0">
+                <a:hlinkClick r:id="rId5"/>
+              </a:rPr>
+              <a:t>novotny</a:t>
+            </a:r>
+            <a:r>
+              <a:rPr lang="cs-CZ" sz="1800" dirty="0" smtClean="0">
+                <a:hlinkClick r:id="rId5"/>
+              </a:rPr>
+              <a:t>@</a:t>
+            </a:r>
+            <a:r>
+              <a:rPr lang="cs-CZ" sz="1800" dirty="0" err="1" smtClean="0">
+                <a:hlinkClick r:id="rId5"/>
+              </a:rPr>
+              <a:t>fg.cz</a:t>
+            </a:r>
+            <a:r>
+              <a:rPr lang="cs-CZ" sz="1800" dirty="0" smtClean="0"/>
+              <a:t> </a:t>
+            </a:r>
+          </a:p>
+          <a:p>
+            <a:pPr lvl="1"/>
+            <a:r>
+              <a:rPr lang="cs-CZ" sz="1800" dirty="0" smtClean="0"/>
+              <a:t>první uspokojivý výsledek vyhrává</a:t>
+            </a:r>
+            <a:endParaRPr lang="cs-CZ" sz="2000" dirty="0" smtClean="0"/>
+          </a:p>
+        </p:txBody>
+      </p:sp>
+      <p:sp>
+        <p:nvSpPr>
+          <p:cNvPr id="4" name="Zástupný symbol pro číslo snímku 3"/>
+          <p:cNvSpPr>
+            <a:spLocks noGrp="1"/>
+          </p:cNvSpPr>
+          <p:nvPr>
+            <p:ph type="sldNum" sz="quarter" idx="10"/>
+          </p:nvPr>
+        </p:nvSpPr>
+        <p:spPr/>
+        <p:txBody>
+          <a:bodyPr/>
+          <a:lstStyle/>
+          <a:p>
+            <a:pPr>
+              <a:defRPr/>
+            </a:pPr>
+            <a:fld id="{9AF1F007-AFEE-4035-9C51-B1CFC008845C}" type="slidenum">
+              <a:rPr lang="cs-CZ" smtClean="0"/>
+              <a:pPr>
+                <a:defRPr/>
+              </a:pPr>
+              <a:t>2</a:t>
+            </a:fld>
+            <a:endParaRPr lang="cs-CZ"/>
+          </a:p>
+        </p:txBody>
+      </p:sp>
+      <p:sp>
+        <p:nvSpPr>
+          <p:cNvPr id="5" name="Zástupný symbol pro zápatí 4"/>
+          <p:cNvSpPr>
+            <a:spLocks noGrp="1"/>
+          </p:cNvSpPr>
+          <p:nvPr>
+            <p:ph type="ftr" sz="quarter" idx="11"/>
+          </p:nvPr>
+        </p:nvSpPr>
+        <p:spPr>
+          <a:xfrm>
+            <a:off x="468312" y="6524625"/>
+            <a:ext cx="6461141" cy="333375"/>
+          </a:xfrm>
+        </p:spPr>
+        <p:txBody>
+          <a:bodyPr/>
+          <a:lstStyle/>
+          <a:p>
+            <a:pPr>
+              <a:defRPr/>
+            </a:pPr>
+            <a:r>
+              <a:rPr lang="cs-CZ" dirty="0" smtClean="0"/>
+              <a:t>www.</a:t>
+            </a:r>
+            <a:r>
+              <a:rPr lang="cs-CZ" dirty="0" err="1" smtClean="0"/>
+              <a:t>fg.cz</a:t>
+            </a:r>
+            <a:endParaRPr lang="cs-CZ" dirty="0"/>
+          </a:p>
+        </p:txBody>
+      </p:sp>
+      <p:pic>
+        <p:nvPicPr>
+          <p:cNvPr id="6" name="Obrázek 5" descr="logo_jetbrains.tif"/>
+          <p:cNvPicPr>
+            <a:picLocks noChangeAspect="1"/>
+          </p:cNvPicPr>
+          <p:nvPr/>
+        </p:nvPicPr>
+        <p:blipFill>
+          <a:blip r:embed="rId6" cstate="print">
+            <a:clrChange>
+              <a:clrFrom>
+                <a:srgbClr val="FFFFFF"/>
+              </a:clrFrom>
+              <a:clrTo>
+                <a:srgbClr val="FFFFFF">
+                  <a:alpha val="0"/>
+                </a:srgbClr>
+              </a:clrTo>
+            </a:clrChange>
+          </a:blip>
+          <a:stretch>
+            <a:fillRect/>
+          </a:stretch>
+        </p:blipFill>
+        <p:spPr>
+          <a:xfrm>
+            <a:off x="5209934" y="1428736"/>
+            <a:ext cx="2418687" cy="928694"/>
+          </a:xfrm>
+          <a:prstGeom prst="rect">
+            <a:avLst/>
+          </a:prstGeom>
+        </p:spPr>
+      </p:pic>
+      <p:pic>
+        <p:nvPicPr>
+          <p:cNvPr id="7" name="Picture 2" descr="http://jetbrains-java-academy.googlegroups.com/attach/a98d7908e16103d8/Member.gif?gda=ohudYEYAAACj_6sddv3GpgjRo6pCWO-iTUTQ6AIjER5ZxZjwcxgCQipCvwWZUes_HoVjQQt1p_w3MCnZ3ExGKa1voVhs8LxdWEbx3Jxluo-tWVup78SUNg&amp;view=1&amp;part=2"/>
+          <p:cNvPicPr>
+            <a:picLocks noChangeAspect="1" noChangeArrowheads="1"/>
+          </p:cNvPicPr>
+          <p:nvPr/>
+        </p:nvPicPr>
+        <p:blipFill>
+          <a:blip r:embed="rId7" cstate="print">
+            <a:clrChange>
+              <a:clrFrom>
+                <a:srgbClr val="FFFFFF"/>
+              </a:clrFrom>
+              <a:clrTo>
+                <a:srgbClr val="FFFFFF">
+                  <a:alpha val="0"/>
+                </a:srgbClr>
+              </a:clrTo>
+            </a:clrChange>
+          </a:blip>
+          <a:srcRect/>
+          <a:stretch>
+            <a:fillRect/>
+          </a:stretch>
+        </p:blipFill>
+        <p:spPr bwMode="auto">
+          <a:xfrm>
+            <a:off x="7853140" y="1428736"/>
+            <a:ext cx="790826" cy="1071570"/>
+          </a:xfrm>
+          <a:prstGeom prst="rect">
+            <a:avLst/>
+          </a:prstGeom>
+          <a:noFill/>
+          <a:scene3d>
+            <a:camera prst="orthographicFront">
+              <a:rot lat="0" lon="0" rev="19799999"/>
+            </a:camera>
+            <a:lightRig rig="threePt" dir="t"/>
+          </a:scene3d>
+        </p:spPr>
+      </p:pic>
+      <p:sp>
+        <p:nvSpPr>
+          <p:cNvPr id="8" name="TextovéPole 7"/>
+          <p:cNvSpPr txBox="1"/>
+          <p:nvPr/>
+        </p:nvSpPr>
+        <p:spPr>
+          <a:xfrm>
+            <a:off x="5209934" y="1000108"/>
+            <a:ext cx="1857388" cy="369332"/>
+          </a:xfrm>
+          <a:prstGeom prst="rect">
+            <a:avLst/>
+          </a:prstGeom>
+          <a:noFill/>
+        </p:spPr>
+        <p:txBody>
+          <a:bodyPr wrap="square" rtlCol="0">
+            <a:spAutoFit/>
+          </a:bodyPr>
+          <a:lstStyle/>
+          <a:p>
+            <a:r>
+              <a:rPr lang="cs-CZ" sz="1800" dirty="0" smtClean="0"/>
+              <a:t>Sponzor:</a:t>
+            </a:r>
+            <a:endParaRPr lang="cs-CZ" sz="1800" dirty="0"/>
+          </a:p>
+        </p:txBody>
+      </p:sp>
+    </p:spTree>
+  </p:cSld>
+  <p:clrMapOvr>
+    <a:masterClrMapping/>
+  </p:clrMapOvr>
+  <p:transition>
+    <p:fade thruBlk="1"/>
+  </p:transition>
+  <p:timing>
+    <p:tnLst>
+      <p:par>
+        <p:cTn id="1" dur="indefinite" restart="never" nodeType="tmRoot"/>
+      </p:par>
+    </p:tnLst>
+  </p:timing>
+</p:sld>
+</file>
+
+<file path=ppt/slides/slide3.xml><?xml version="1.0" encoding="utf-8"?>
+<p:sld xmlns:a="http://schemas.openxmlformats.org/drawingml/2006/main" xmlns:r="http://schemas.openxmlformats.org/officeDocument/2006/relationships" xmlns:p="http://schemas.openxmlformats.org/presentationml/2006/main">
+  <p:cSld>
+    <p:spTree>
+      <p:nvGrpSpPr>
+        <p:cNvPr id="1" name=""/>
+        <p:cNvGrpSpPr/>
+        <p:nvPr/>
+      </p:nvGrpSpPr>
+      <p:grpSpPr>
+        <a:xfrm>
+          <a:off x="0" y="0"/>
+          <a:ext cx="0" cy="0"/>
+          <a:chOff x="0" y="0"/>
+          <a:chExt cx="0" cy="0"/>
+        </a:xfrm>
+      </p:grpSpPr>
+      <p:sp>
+        <p:nvSpPr>
+          <p:cNvPr id="4098" name="Nadpis 1"/>
+          <p:cNvSpPr>
+            <a:spLocks noGrp="1"/>
+          </p:cNvSpPr>
+          <p:nvPr>
+            <p:ph type="title"/>
+          </p:nvPr>
+        </p:nvSpPr>
+        <p:spPr/>
+        <p:txBody>
+          <a:bodyPr/>
+          <a:lstStyle/>
+          <a:p>
+            <a:r>
+              <a:rPr lang="cs-CZ" dirty="0" err="1" smtClean="0"/>
+              <a:t>iBatis</a:t>
+            </a:r>
+            <a:r>
+              <a:rPr lang="cs-CZ" dirty="0" smtClean="0"/>
+              <a:t> - ORM / </a:t>
+            </a:r>
+            <a:r>
+              <a:rPr lang="cs-CZ" dirty="0" err="1" smtClean="0"/>
+              <a:t>DataMapper</a:t>
+            </a:r>
+            <a:endParaRPr lang="cs-CZ" dirty="0" smtClean="0"/>
+          </a:p>
+        </p:txBody>
+      </p:sp>
+      <p:sp>
+        <p:nvSpPr>
+          <p:cNvPr id="4099" name="Zástupný symbol pro obsah 2"/>
+          <p:cNvSpPr>
+            <a:spLocks noGrp="1"/>
+          </p:cNvSpPr>
+          <p:nvPr>
+            <p:ph idx="1"/>
+          </p:nvPr>
+        </p:nvSpPr>
+        <p:spPr>
+          <a:xfrm>
+            <a:off x="3286116" y="857232"/>
+            <a:ext cx="2700000" cy="5220000"/>
+          </a:xfrm>
+        </p:spPr>
+        <p:txBody>
+          <a:bodyPr/>
+          <a:lstStyle/>
+          <a:p>
+            <a:r>
+              <a:rPr lang="cs-CZ" sz="1800" dirty="0" err="1" smtClean="0">
+                <a:solidFill>
+                  <a:srgbClr val="C00000"/>
+                </a:solidFill>
+              </a:rPr>
+              <a:t>iBatis</a:t>
+            </a:r>
+            <a:endParaRPr lang="cs-CZ" sz="1800" dirty="0" smtClean="0">
+              <a:solidFill>
+                <a:srgbClr val="C00000"/>
+              </a:solidFill>
+            </a:endParaRPr>
+          </a:p>
+          <a:p>
+            <a:pPr marL="360000" lvl="1" indent="-180000"/>
+            <a:r>
+              <a:rPr lang="cs-CZ" sz="1200" b="1" dirty="0" smtClean="0"/>
+              <a:t>Mapování objektů na SQL</a:t>
+            </a:r>
+          </a:p>
+          <a:p>
+            <a:pPr marL="360000" lvl="1" indent="-180000"/>
+            <a:endParaRPr lang="cs-CZ" sz="1200" b="1" dirty="0" smtClean="0"/>
+          </a:p>
+          <a:p>
+            <a:pPr marL="360000" lvl="1" indent="-180000"/>
+            <a:r>
+              <a:rPr lang="cs-CZ" sz="1100" b="1" dirty="0" smtClean="0"/>
+              <a:t>Klady</a:t>
+            </a:r>
+          </a:p>
+          <a:p>
+            <a:pPr marL="817200" lvl="2" indent="-180000">
+              <a:buBlip>
+                <a:blip r:embed="rId3"/>
+              </a:buBlip>
+            </a:pPr>
+            <a:r>
+              <a:rPr lang="cs-CZ" sz="1100" dirty="0" smtClean="0"/>
+              <a:t>minimalizace rutinní práce s JDBC</a:t>
+            </a:r>
+          </a:p>
+          <a:p>
+            <a:pPr marL="817200" lvl="2" indent="-180000">
+              <a:buBlip>
+                <a:blip r:embed="rId3"/>
+              </a:buBlip>
+            </a:pPr>
+            <a:r>
+              <a:rPr lang="cs-CZ" sz="1100" dirty="0" smtClean="0"/>
+              <a:t>kontrola / flexibilita</a:t>
+            </a:r>
+          </a:p>
+          <a:p>
+            <a:pPr marL="817200" lvl="2" indent="-180000">
+              <a:buBlip>
+                <a:blip r:embed="rId3"/>
+              </a:buBlip>
+            </a:pPr>
+            <a:r>
+              <a:rPr lang="cs-CZ" sz="1100" dirty="0" smtClean="0"/>
+              <a:t>jednoduchost</a:t>
+            </a:r>
+          </a:p>
+          <a:p>
+            <a:pPr marL="817200" lvl="2" indent="-180000">
+              <a:buBlip>
+                <a:blip r:embed="rId3"/>
+              </a:buBlip>
+            </a:pPr>
+            <a:r>
+              <a:rPr lang="cs-CZ" sz="1100" dirty="0" smtClean="0"/>
+              <a:t>rychlý setup</a:t>
+            </a:r>
+          </a:p>
+          <a:p>
+            <a:pPr marL="817200" lvl="2" indent="-180000">
+              <a:buBlip>
+                <a:blip r:embed="rId3"/>
+              </a:buBlip>
+            </a:pPr>
+            <a:r>
+              <a:rPr lang="cs-CZ" sz="1100" dirty="0" smtClean="0"/>
+              <a:t>odpadá správa zdrojů</a:t>
+            </a:r>
+          </a:p>
+          <a:p>
+            <a:pPr marL="817200" lvl="2" indent="-180000">
+              <a:buBlip>
+                <a:blip r:embed="rId3"/>
+              </a:buBlip>
+            </a:pPr>
+            <a:r>
+              <a:rPr lang="cs-CZ" sz="1100" dirty="0" smtClean="0"/>
+              <a:t>cachování</a:t>
+            </a:r>
+          </a:p>
+          <a:p>
+            <a:pPr marL="817200" lvl="2" indent="-180000">
+              <a:buBlip>
+                <a:blip r:embed="rId3"/>
+              </a:buBlip>
+            </a:pPr>
+            <a:r>
+              <a:rPr lang="cs-CZ" sz="1100" dirty="0" smtClean="0"/>
+              <a:t>jednoduché navázání na existující DB</a:t>
+            </a:r>
+          </a:p>
+          <a:p>
+            <a:pPr marL="817200" lvl="2" indent="-180000">
+              <a:buBlip>
+                <a:blip r:embed="rId3"/>
+              </a:buBlip>
+            </a:pPr>
+            <a:r>
+              <a:rPr lang="cs-CZ" sz="1100" dirty="0" smtClean="0"/>
+              <a:t>stačí znalost SQL</a:t>
+            </a:r>
+          </a:p>
+          <a:p>
+            <a:pPr marL="817200" lvl="2" indent="-180000">
+              <a:buBlip>
+                <a:blip r:embed="rId3"/>
+              </a:buBlip>
+            </a:pPr>
+            <a:endParaRPr lang="cs-CZ" sz="1100" dirty="0" smtClean="0"/>
+          </a:p>
+          <a:p>
+            <a:pPr marL="360000" lvl="1" indent="-180000"/>
+            <a:r>
+              <a:rPr lang="cs-CZ" sz="1100" b="1" dirty="0" smtClean="0"/>
+              <a:t>Zápory</a:t>
+            </a:r>
+          </a:p>
+          <a:p>
+            <a:pPr marL="817200" lvl="2" indent="-180000">
+              <a:buBlip>
+                <a:blip r:embed="rId3"/>
+              </a:buBlip>
+            </a:pPr>
+            <a:r>
+              <a:rPr lang="cs-CZ" sz="1100" dirty="0" smtClean="0"/>
+              <a:t>zůstává stále nějaká rutinní práce</a:t>
+            </a:r>
+          </a:p>
+          <a:p>
+            <a:pPr marL="817200" lvl="2" indent="-180000">
+              <a:buBlip>
+                <a:blip r:embed="rId3"/>
+              </a:buBlip>
+            </a:pPr>
+            <a:r>
+              <a:rPr lang="cs-CZ" sz="1100" dirty="0" smtClean="0"/>
+              <a:t>závisí na použité </a:t>
+            </a:r>
+            <a:r>
+              <a:rPr lang="cs-CZ" sz="1100" dirty="0" smtClean="0"/>
+              <a:t>DB</a:t>
+            </a:r>
+          </a:p>
+          <a:p>
+            <a:pPr marL="817200" lvl="2" indent="-180000">
+              <a:buBlip>
+                <a:blip r:embed="rId3"/>
+              </a:buBlip>
+            </a:pPr>
+            <a:r>
+              <a:rPr lang="cs-CZ" sz="1100" dirty="0" smtClean="0"/>
+              <a:t>náročnější údržba</a:t>
+            </a:r>
+            <a:endParaRPr lang="cs-CZ" sz="1100" dirty="0" smtClean="0"/>
+          </a:p>
+        </p:txBody>
+      </p:sp>
+      <p:sp>
+        <p:nvSpPr>
+          <p:cNvPr id="4" name="Zástupný symbol pro číslo snímku 3"/>
+          <p:cNvSpPr>
+            <a:spLocks noGrp="1"/>
+          </p:cNvSpPr>
+          <p:nvPr>
+            <p:ph type="sldNum" sz="quarter" idx="10"/>
+          </p:nvPr>
+        </p:nvSpPr>
+        <p:spPr/>
+        <p:txBody>
+          <a:bodyPr/>
+          <a:lstStyle/>
+          <a:p>
+            <a:pPr>
+              <a:defRPr/>
+            </a:pPr>
+            <a:fld id="{A6112C02-2ADB-4963-B455-E27F555BA63A}" type="slidenum">
+              <a:rPr lang="cs-CZ" smtClean="0"/>
+              <a:pPr>
+                <a:defRPr/>
+              </a:pPr>
+              <a:t>3</a:t>
+            </a:fld>
+            <a:endParaRPr lang="cs-CZ"/>
+          </a:p>
+        </p:txBody>
+      </p:sp>
+      <p:sp>
+        <p:nvSpPr>
+          <p:cNvPr id="5" name="Zástupný symbol pro zápatí 4"/>
+          <p:cNvSpPr>
+            <a:spLocks noGrp="1"/>
+          </p:cNvSpPr>
+          <p:nvPr>
+            <p:ph type="ftr" sz="quarter" idx="11"/>
+          </p:nvPr>
+        </p:nvSpPr>
+        <p:spPr/>
+        <p:txBody>
+          <a:bodyPr/>
+          <a:lstStyle/>
+          <a:p>
+            <a:pPr>
+              <a:defRPr/>
+            </a:pPr>
+            <a:r>
+              <a:rPr lang="cs-CZ" smtClean="0"/>
+              <a:t>www.fg.cz</a:t>
+            </a:r>
+            <a:endParaRPr lang="cs-CZ"/>
+          </a:p>
+        </p:txBody>
+      </p:sp>
+      <p:sp>
+        <p:nvSpPr>
+          <p:cNvPr id="8" name="Zástupný symbol pro obsah 2"/>
+          <p:cNvSpPr txBox="1">
+            <a:spLocks/>
+          </p:cNvSpPr>
+          <p:nvPr/>
+        </p:nvSpPr>
+        <p:spPr bwMode="auto">
+          <a:xfrm>
+            <a:off x="428596" y="857232"/>
+            <a:ext cx="2700000" cy="5220000"/>
+          </a:xfrm>
+          <a:prstGeom prst="rect">
+            <a:avLst/>
+          </a:prstGeom>
+          <a:noFill/>
+          <a:ln w="9525">
+            <a:noFill/>
+            <a:miter lim="800000"/>
+            <a:headEnd/>
+            <a:tailEnd/>
+          </a:ln>
+        </p:spPr>
+        <p:txBody>
+          <a:bodyPr vert="horz" wrap="square" lIns="91440" tIns="45720" rIns="91440" bIns="45720" numCol="1" anchor="t" anchorCtr="0" compatLnSpc="1">
+            <a:prstTxWarp prst="textNoShape">
+              <a:avLst/>
+            </a:prstTxWarp>
+          </a:bodyPr>
+          <a:lstStyle/>
+          <a:p>
+            <a:pPr marL="342900" marR="0" lvl="0" indent="-342900" algn="l" defTabSz="914400" rtl="0" eaLnBrk="0" fontAlgn="base" latinLnBrk="0" hangingPunct="0">
+              <a:lnSpc>
+                <a:spcPct val="100000"/>
+              </a:lnSpc>
+              <a:spcBef>
+                <a:spcPct val="20000"/>
+              </a:spcBef>
+              <a:spcAft>
+                <a:spcPct val="0"/>
+              </a:spcAft>
+              <a:buClrTx/>
+              <a:buSzTx/>
+              <a:buFontTx/>
+              <a:buBlip>
+                <a:blip r:embed="rId3"/>
+              </a:buBlip>
+              <a:tabLst/>
+              <a:defRPr/>
+            </a:pPr>
+            <a:r>
+              <a:rPr kumimoji="0" lang="cs-CZ" sz="1600" b="0" i="0" u="none" strike="noStrike" kern="0" cap="none" spc="0" normalizeH="0" baseline="0" noProof="0" dirty="0" smtClean="0">
+                <a:ln>
+                  <a:noFill/>
+                </a:ln>
+                <a:solidFill>
+                  <a:srgbClr val="C00000"/>
+                </a:solidFill>
+                <a:effectLst/>
+                <a:uLnTx/>
+                <a:uFillTx/>
+                <a:latin typeface="+mn-lt"/>
+                <a:ea typeface="+mn-ea"/>
+                <a:cs typeface="+mn-cs"/>
+              </a:rPr>
+              <a:t>JDBC 3.0</a:t>
+            </a:r>
+          </a:p>
+          <a:p>
+            <a:pPr marL="360000" lvl="1" indent="-180000" eaLnBrk="0" hangingPunct="0">
+              <a:spcBef>
+                <a:spcPct val="20000"/>
+              </a:spcBef>
+              <a:buFontTx/>
+              <a:buBlip>
+                <a:blip r:embed="rId3"/>
+              </a:buBlip>
+            </a:pPr>
+            <a:r>
+              <a:rPr lang="cs-CZ" sz="1200" b="1" kern="0" dirty="0" smtClean="0">
+                <a:latin typeface="+mn-lt"/>
+                <a:cs typeface="+mn-cs"/>
+              </a:rPr>
+              <a:t>Žádné mapování</a:t>
+            </a:r>
+          </a:p>
+          <a:p>
+            <a:pPr marL="360000" lvl="1" indent="-180000" eaLnBrk="0" hangingPunct="0">
+              <a:spcBef>
+                <a:spcPct val="20000"/>
+              </a:spcBef>
+              <a:buFontTx/>
+              <a:buBlip>
+                <a:blip r:embed="rId3"/>
+              </a:buBlip>
+            </a:pPr>
+            <a:endParaRPr lang="cs-CZ" sz="1200" b="1" kern="0" dirty="0" smtClean="0">
+              <a:latin typeface="+mn-lt"/>
+              <a:cs typeface="+mn-cs"/>
+            </a:endParaRPr>
+          </a:p>
+          <a:p>
+            <a:pPr marL="360000" lvl="1" indent="-180000" eaLnBrk="0" hangingPunct="0">
+              <a:spcBef>
+                <a:spcPct val="20000"/>
+              </a:spcBef>
+              <a:buFontTx/>
+              <a:buBlip>
+                <a:blip r:embed="rId3"/>
+              </a:buBlip>
+            </a:pPr>
+            <a:r>
+              <a:rPr lang="cs-CZ" sz="1100" b="1" kern="0" dirty="0" smtClean="0">
+                <a:latin typeface="+mn-lt"/>
+                <a:cs typeface="+mn-cs"/>
+              </a:rPr>
+              <a:t>Klady</a:t>
+            </a:r>
+          </a:p>
+          <a:p>
+            <a:pPr marL="817200" lvl="2" indent="-180000" eaLnBrk="0" hangingPunct="0">
+              <a:spcBef>
+                <a:spcPct val="20000"/>
+              </a:spcBef>
+              <a:buFontTx/>
+              <a:buBlip>
+                <a:blip r:embed="rId3"/>
+              </a:buBlip>
+            </a:pPr>
+            <a:r>
+              <a:rPr lang="cs-CZ" sz="1100" kern="0" dirty="0" smtClean="0">
+                <a:latin typeface="+mn-lt"/>
+                <a:cs typeface="+mn-cs"/>
+              </a:rPr>
+              <a:t>maximální výkon</a:t>
+            </a:r>
+          </a:p>
+          <a:p>
+            <a:pPr marL="817200" lvl="2" indent="-180000" eaLnBrk="0" hangingPunct="0">
+              <a:spcBef>
+                <a:spcPct val="20000"/>
+              </a:spcBef>
+              <a:buFontTx/>
+              <a:buBlip>
+                <a:blip r:embed="rId3"/>
+              </a:buBlip>
+            </a:pPr>
+            <a:r>
+              <a:rPr lang="cs-CZ" sz="1100" kern="0" dirty="0" smtClean="0">
+                <a:latin typeface="+mn-lt"/>
+                <a:cs typeface="+mn-cs"/>
+              </a:rPr>
+              <a:t>maximální kontrola / flexibilita</a:t>
+            </a:r>
+          </a:p>
+          <a:p>
+            <a:pPr marL="817200" lvl="2" indent="-180000" eaLnBrk="0" hangingPunct="0">
+              <a:spcBef>
+                <a:spcPct val="20000"/>
+              </a:spcBef>
+              <a:buFontTx/>
+              <a:buBlip>
+                <a:blip r:embed="rId3"/>
+              </a:buBlip>
+            </a:pPr>
+            <a:r>
+              <a:rPr lang="cs-CZ" sz="1100" kern="0" dirty="0" smtClean="0">
+                <a:latin typeface="+mn-lt"/>
+                <a:cs typeface="+mn-cs"/>
+              </a:rPr>
+              <a:t>jednoduchost</a:t>
+            </a:r>
+          </a:p>
+          <a:p>
+            <a:pPr marL="817200" lvl="2" indent="-180000" eaLnBrk="0" hangingPunct="0">
+              <a:spcBef>
+                <a:spcPct val="20000"/>
+              </a:spcBef>
+              <a:buFontTx/>
+              <a:buBlip>
+                <a:blip r:embed="rId3"/>
+              </a:buBlip>
+            </a:pPr>
+            <a:r>
+              <a:rPr lang="cs-CZ" sz="1100" kern="0" dirty="0" smtClean="0">
+                <a:latin typeface="+mn-lt"/>
+                <a:cs typeface="+mn-cs"/>
+              </a:rPr>
+              <a:t>rychlý setup</a:t>
+            </a:r>
+          </a:p>
+          <a:p>
+            <a:pPr marL="817200" lvl="2" indent="-180000" eaLnBrk="0" hangingPunct="0">
+              <a:spcBef>
+                <a:spcPct val="20000"/>
+              </a:spcBef>
+              <a:buFontTx/>
+              <a:buBlip>
+                <a:blip r:embed="rId3"/>
+              </a:buBlip>
+            </a:pPr>
+            <a:r>
+              <a:rPr lang="cs-CZ" sz="1100" kern="0" dirty="0" smtClean="0">
+                <a:latin typeface="+mn-lt"/>
+                <a:cs typeface="+mn-cs"/>
+              </a:rPr>
+              <a:t>jednoduché navázání na existující DB</a:t>
+            </a:r>
+          </a:p>
+          <a:p>
+            <a:pPr marL="817200" lvl="2" indent="-180000" eaLnBrk="0" hangingPunct="0">
+              <a:spcBef>
+                <a:spcPct val="20000"/>
+              </a:spcBef>
+              <a:buFontTx/>
+              <a:buBlip>
+                <a:blip r:embed="rId3"/>
+              </a:buBlip>
+            </a:pPr>
+            <a:r>
+              <a:rPr lang="cs-CZ" sz="1100" kern="0" dirty="0" smtClean="0">
+                <a:latin typeface="+mn-lt"/>
+                <a:cs typeface="+mn-cs"/>
+              </a:rPr>
+              <a:t>stačí znalost SQL</a:t>
+            </a:r>
+          </a:p>
+          <a:p>
+            <a:pPr marL="817200" lvl="2" indent="-180000" eaLnBrk="0" hangingPunct="0">
+              <a:spcBef>
+                <a:spcPct val="20000"/>
+              </a:spcBef>
+              <a:buFontTx/>
+              <a:buBlip>
+                <a:blip r:embed="rId3"/>
+              </a:buBlip>
+            </a:pPr>
+            <a:endParaRPr lang="cs-CZ" sz="1100" kern="0" dirty="0" smtClean="0">
+              <a:latin typeface="+mn-lt"/>
+              <a:cs typeface="+mn-cs"/>
+            </a:endParaRPr>
+          </a:p>
+          <a:p>
+            <a:pPr marL="360000" lvl="1" indent="-180000" eaLnBrk="0" hangingPunct="0">
+              <a:spcBef>
+                <a:spcPct val="20000"/>
+              </a:spcBef>
+              <a:buFontTx/>
+              <a:buBlip>
+                <a:blip r:embed="rId3"/>
+              </a:buBlip>
+            </a:pPr>
+            <a:r>
+              <a:rPr lang="cs-CZ" sz="1100" b="1" kern="0" dirty="0" smtClean="0">
+                <a:latin typeface="+mn-lt"/>
+                <a:cs typeface="+mn-cs"/>
+              </a:rPr>
+              <a:t>Zápory</a:t>
+            </a:r>
+          </a:p>
+          <a:p>
+            <a:pPr marL="817200" lvl="2" indent="-180000" eaLnBrk="0" hangingPunct="0">
+              <a:spcBef>
+                <a:spcPct val="20000"/>
+              </a:spcBef>
+              <a:buFontTx/>
+              <a:buBlip>
+                <a:blip r:embed="rId3"/>
+              </a:buBlip>
+            </a:pPr>
+            <a:r>
+              <a:rPr lang="cs-CZ" sz="1100" kern="0" dirty="0" smtClean="0">
+                <a:latin typeface="+mn-lt"/>
+                <a:cs typeface="+mn-cs"/>
+              </a:rPr>
+              <a:t>minimální produktivita</a:t>
+            </a:r>
+          </a:p>
+          <a:p>
+            <a:pPr marL="817200" lvl="2" indent="-180000" eaLnBrk="0" hangingPunct="0">
+              <a:spcBef>
+                <a:spcPct val="20000"/>
+              </a:spcBef>
+              <a:buFontTx/>
+              <a:buBlip>
+                <a:blip r:embed="rId3"/>
+              </a:buBlip>
+            </a:pPr>
+            <a:r>
+              <a:rPr lang="cs-CZ" sz="1100" kern="0" dirty="0" smtClean="0">
+                <a:latin typeface="+mn-lt"/>
+                <a:cs typeface="+mn-cs"/>
+              </a:rPr>
+              <a:t>nutnost  překopírovávání  parametrů do Statementu</a:t>
+            </a:r>
+          </a:p>
+          <a:p>
+            <a:pPr marL="817200" lvl="2" indent="-180000" eaLnBrk="0" hangingPunct="0">
+              <a:spcBef>
+                <a:spcPct val="20000"/>
+              </a:spcBef>
+              <a:buFontTx/>
+              <a:buBlip>
+                <a:blip r:embed="rId3"/>
+              </a:buBlip>
+            </a:pPr>
+            <a:r>
+              <a:rPr lang="cs-CZ" sz="1100" kern="0" dirty="0" smtClean="0">
+                <a:latin typeface="+mn-lt"/>
+                <a:cs typeface="+mn-cs"/>
+              </a:rPr>
+              <a:t>n</a:t>
+            </a:r>
+            <a:r>
+              <a:rPr kumimoji="0" lang="cs-CZ" sz="1100" b="0" i="0" u="none" strike="noStrike" kern="0" cap="none" spc="0" normalizeH="0" baseline="0" noProof="0" dirty="0" err="1" smtClean="0">
+                <a:ln>
+                  <a:noFill/>
+                </a:ln>
+                <a:solidFill>
+                  <a:schemeClr val="bg2"/>
+                </a:solidFill>
+                <a:effectLst/>
+                <a:uLnTx/>
+                <a:uFillTx/>
+                <a:latin typeface="+mn-lt"/>
+                <a:ea typeface="+mn-ea"/>
+                <a:cs typeface="+mn-cs"/>
+              </a:rPr>
+              <a:t>utnost</a:t>
+            </a:r>
+            <a:r>
+              <a:rPr kumimoji="0" lang="cs-CZ" sz="1100" b="0" i="0" u="none" strike="noStrike" kern="0" cap="none" spc="0" normalizeH="0" noProof="0" dirty="0" smtClean="0">
+                <a:ln>
+                  <a:noFill/>
+                </a:ln>
+                <a:solidFill>
+                  <a:schemeClr val="bg2"/>
+                </a:solidFill>
+                <a:effectLst/>
+                <a:uLnTx/>
+                <a:uFillTx/>
+                <a:latin typeface="+mn-lt"/>
+                <a:ea typeface="+mn-ea"/>
+                <a:cs typeface="+mn-cs"/>
+              </a:rPr>
+              <a:t> překopírovávání dat z ResultSetu do POJO</a:t>
+            </a:r>
+            <a:endParaRPr kumimoji="0" lang="cs-CZ" sz="1100" b="0" i="0" u="none" strike="noStrike" kern="0" cap="none" spc="0" normalizeH="0" baseline="0" noProof="0" dirty="0" smtClean="0">
+              <a:ln>
+                <a:noFill/>
+              </a:ln>
+              <a:solidFill>
+                <a:schemeClr val="bg2"/>
+              </a:solidFill>
+              <a:effectLst/>
+              <a:uLnTx/>
+              <a:uFillTx/>
+              <a:latin typeface="+mn-lt"/>
+              <a:ea typeface="+mn-ea"/>
+              <a:cs typeface="+mn-cs"/>
+            </a:endParaRPr>
+          </a:p>
+          <a:p>
+            <a:pPr marL="817200" lvl="2" indent="-180000" eaLnBrk="0" hangingPunct="0">
+              <a:spcBef>
+                <a:spcPct val="20000"/>
+              </a:spcBef>
+              <a:buFontTx/>
+              <a:buBlip>
+                <a:blip r:embed="rId3"/>
+              </a:buBlip>
+            </a:pPr>
+            <a:r>
+              <a:rPr lang="cs-CZ" sz="1100" kern="0" dirty="0" smtClean="0">
+                <a:latin typeface="+mn-lt"/>
+                <a:cs typeface="+mn-cs"/>
+              </a:rPr>
+              <a:t>n</a:t>
+            </a:r>
+            <a:r>
+              <a:rPr kumimoji="0" lang="cs-CZ" sz="1100" b="0" i="0" u="none" strike="noStrike" kern="0" cap="none" spc="0" normalizeH="0" baseline="0" noProof="0" dirty="0" err="1" smtClean="0">
+                <a:ln>
+                  <a:noFill/>
+                </a:ln>
+                <a:solidFill>
+                  <a:schemeClr val="bg2"/>
+                </a:solidFill>
+                <a:effectLst/>
+                <a:uLnTx/>
+                <a:uFillTx/>
+                <a:latin typeface="+mn-lt"/>
+                <a:ea typeface="+mn-ea"/>
+                <a:cs typeface="+mn-cs"/>
+              </a:rPr>
+              <a:t>utnost</a:t>
+            </a:r>
+            <a:r>
+              <a:rPr kumimoji="0" lang="cs-CZ" sz="1100" b="0" i="0" u="none" strike="noStrike" kern="0" cap="none" spc="0" normalizeH="0" baseline="0" noProof="0" dirty="0" smtClean="0">
+                <a:ln>
+                  <a:noFill/>
+                </a:ln>
+                <a:solidFill>
+                  <a:schemeClr val="bg2"/>
+                </a:solidFill>
+                <a:effectLst/>
+                <a:uLnTx/>
+                <a:uFillTx/>
+                <a:latin typeface="+mn-lt"/>
+                <a:ea typeface="+mn-ea"/>
+                <a:cs typeface="+mn-cs"/>
+              </a:rPr>
+              <a:t> správy zdrojů</a:t>
+            </a:r>
+          </a:p>
+          <a:p>
+            <a:pPr marL="817200" lvl="2" indent="-180000" eaLnBrk="0" hangingPunct="0">
+              <a:spcBef>
+                <a:spcPct val="20000"/>
+              </a:spcBef>
+              <a:buFontTx/>
+              <a:buBlip>
+                <a:blip r:embed="rId3"/>
+              </a:buBlip>
+            </a:pPr>
+            <a:r>
+              <a:rPr lang="cs-CZ" sz="1100" kern="0" dirty="0" smtClean="0">
+                <a:latin typeface="+mn-lt"/>
+                <a:cs typeface="+mn-cs"/>
+              </a:rPr>
+              <a:t>závisí na použité DB</a:t>
+            </a:r>
+            <a:endParaRPr kumimoji="0" lang="cs-CZ" sz="1100" b="0" i="0" u="none" strike="noStrike" kern="0" cap="none" spc="0" normalizeH="0" baseline="0" noProof="0" dirty="0" smtClean="0">
+              <a:ln>
+                <a:noFill/>
+              </a:ln>
+              <a:solidFill>
+                <a:schemeClr val="bg2"/>
+              </a:solidFill>
+              <a:effectLst/>
+              <a:uLnTx/>
+              <a:uFillTx/>
+              <a:latin typeface="+mn-lt"/>
+              <a:ea typeface="+mn-ea"/>
+              <a:cs typeface="+mn-cs"/>
+            </a:endParaRPr>
+          </a:p>
+          <a:p>
+            <a:pPr marL="817200" lvl="2" indent="-180000" eaLnBrk="0" hangingPunct="0">
+              <a:spcBef>
+                <a:spcPct val="20000"/>
+              </a:spcBef>
+              <a:buFontTx/>
+              <a:buBlip>
+                <a:blip r:embed="rId3"/>
+              </a:buBlip>
+            </a:pPr>
+            <a:r>
+              <a:rPr lang="cs-CZ" sz="1100" kern="0" dirty="0" smtClean="0">
+                <a:latin typeface="+mn-lt"/>
+                <a:cs typeface="+mn-cs"/>
+              </a:rPr>
+              <a:t>žádná cache</a:t>
+            </a:r>
+          </a:p>
+          <a:p>
+            <a:pPr marL="817200" lvl="2" indent="-180000" eaLnBrk="0" hangingPunct="0">
+              <a:spcBef>
+                <a:spcPct val="20000"/>
+              </a:spcBef>
+              <a:buFontTx/>
+              <a:buBlip>
+                <a:blip r:embed="rId3"/>
+              </a:buBlip>
+            </a:pPr>
+            <a:r>
+              <a:rPr kumimoji="0" lang="cs-CZ" sz="1100" b="0" i="0" u="none" strike="noStrike" kern="0" cap="none" spc="0" normalizeH="0" baseline="0" noProof="0" dirty="0" smtClean="0">
+                <a:ln>
+                  <a:noFill/>
+                </a:ln>
+                <a:solidFill>
+                  <a:schemeClr val="bg2"/>
+                </a:solidFill>
+                <a:effectLst/>
+                <a:uLnTx/>
+                <a:uFillTx/>
+                <a:latin typeface="+mn-lt"/>
+                <a:ea typeface="+mn-ea"/>
+                <a:cs typeface="+mn-cs"/>
+              </a:rPr>
+              <a:t>velmi problémová</a:t>
+            </a:r>
+            <a:r>
+              <a:rPr kumimoji="0" lang="cs-CZ" sz="1100" b="0" i="0" u="none" strike="noStrike" kern="0" cap="none" spc="0" normalizeH="0" noProof="0" dirty="0" smtClean="0">
+                <a:ln>
+                  <a:noFill/>
+                </a:ln>
+                <a:solidFill>
+                  <a:schemeClr val="bg2"/>
+                </a:solidFill>
+                <a:effectLst/>
+                <a:uLnTx/>
+                <a:uFillTx/>
+                <a:latin typeface="+mn-lt"/>
+                <a:ea typeface="+mn-ea"/>
+                <a:cs typeface="+mn-cs"/>
+              </a:rPr>
+              <a:t> údržba</a:t>
+            </a:r>
+            <a:endParaRPr kumimoji="0" lang="cs-CZ" sz="1100" b="0" i="0" u="none" strike="noStrike" kern="0" cap="none" spc="0" normalizeH="0" baseline="0" noProof="0" dirty="0" smtClean="0">
+              <a:ln>
+                <a:noFill/>
+              </a:ln>
+              <a:solidFill>
+                <a:schemeClr val="bg2"/>
+              </a:solidFill>
+              <a:effectLst/>
+              <a:uLnTx/>
+              <a:uFillTx/>
+              <a:latin typeface="+mn-lt"/>
+              <a:ea typeface="+mn-ea"/>
+              <a:cs typeface="+mn-cs"/>
+            </a:endParaRPr>
+          </a:p>
+        </p:txBody>
+      </p:sp>
+      <p:sp>
+        <p:nvSpPr>
+          <p:cNvPr id="9" name="Zástupný symbol pro obsah 2"/>
+          <p:cNvSpPr txBox="1">
+            <a:spLocks/>
+          </p:cNvSpPr>
+          <p:nvPr/>
+        </p:nvSpPr>
+        <p:spPr bwMode="auto">
+          <a:xfrm>
+            <a:off x="5929322" y="857232"/>
+            <a:ext cx="2700000" cy="5500726"/>
+          </a:xfrm>
+          <a:prstGeom prst="rect">
+            <a:avLst/>
+          </a:prstGeom>
+          <a:noFill/>
+          <a:ln w="9525">
+            <a:noFill/>
+            <a:miter lim="800000"/>
+            <a:headEnd/>
+            <a:tailEnd/>
+          </a:ln>
+        </p:spPr>
+        <p:txBody>
+          <a:bodyPr vert="horz" wrap="square" lIns="91440" tIns="45720" rIns="91440" bIns="45720" numCol="1" anchor="t" anchorCtr="0" compatLnSpc="1">
+            <a:prstTxWarp prst="textNoShape">
+              <a:avLst/>
+            </a:prstTxWarp>
+          </a:bodyPr>
+          <a:lstStyle/>
+          <a:p>
+            <a:pPr marL="342900" marR="0" lvl="0" indent="-342900" algn="l" defTabSz="914400" rtl="0" eaLnBrk="0" fontAlgn="base" latinLnBrk="0" hangingPunct="0">
+              <a:lnSpc>
+                <a:spcPct val="100000"/>
+              </a:lnSpc>
+              <a:spcBef>
+                <a:spcPct val="20000"/>
+              </a:spcBef>
+              <a:spcAft>
+                <a:spcPct val="0"/>
+              </a:spcAft>
+              <a:buClrTx/>
+              <a:buSzTx/>
+              <a:buFontTx/>
+              <a:buBlip>
+                <a:blip r:embed="rId3"/>
+              </a:buBlip>
+              <a:tabLst/>
+              <a:defRPr/>
+            </a:pPr>
+            <a:r>
+              <a:rPr lang="cs-CZ" sz="1800" dirty="0" smtClean="0">
+                <a:solidFill>
+                  <a:srgbClr val="C00000"/>
+                </a:solidFill>
+                <a:latin typeface="+mn-lt"/>
+                <a:cs typeface="+mn-cs"/>
+              </a:rPr>
+              <a:t>JPA /</a:t>
+            </a:r>
+            <a:r>
+              <a:rPr lang="cs-CZ" sz="1800" kern="0" dirty="0" smtClean="0">
+                <a:latin typeface="+mn-lt"/>
+                <a:cs typeface="+mn-cs"/>
+              </a:rPr>
+              <a:t> </a:t>
+            </a:r>
+            <a:r>
+              <a:rPr lang="cs-CZ" sz="1800" dirty="0" err="1" smtClean="0">
+                <a:solidFill>
+                  <a:srgbClr val="C00000"/>
+                </a:solidFill>
+                <a:latin typeface="+mn-lt"/>
+                <a:cs typeface="+mn-cs"/>
+              </a:rPr>
+              <a:t>Hibernate</a:t>
+            </a:r>
+            <a:endParaRPr lang="cs-CZ" sz="1800" kern="0" dirty="0" smtClean="0">
+              <a:latin typeface="+mn-lt"/>
+              <a:cs typeface="+mn-cs"/>
+            </a:endParaRPr>
+          </a:p>
+          <a:p>
+            <a:pPr marL="360000" lvl="1" indent="-180000" eaLnBrk="0" hangingPunct="0">
+              <a:spcBef>
+                <a:spcPct val="20000"/>
+              </a:spcBef>
+              <a:buFontTx/>
+              <a:buBlip>
+                <a:blip r:embed="rId3"/>
+              </a:buBlip>
+            </a:pPr>
+            <a:r>
+              <a:rPr lang="cs-CZ" sz="1200" b="1" kern="0" dirty="0" smtClean="0"/>
+              <a:t>Mapování objektů na tabulky</a:t>
+            </a:r>
+          </a:p>
+          <a:p>
+            <a:pPr marL="360000" lvl="1" indent="-180000" eaLnBrk="0" hangingPunct="0">
+              <a:spcBef>
+                <a:spcPct val="20000"/>
+              </a:spcBef>
+              <a:buFontTx/>
+              <a:buBlip>
+                <a:blip r:embed="rId3"/>
+              </a:buBlip>
+            </a:pPr>
+            <a:endParaRPr lang="cs-CZ" sz="1200" b="1" kern="0" dirty="0" smtClean="0"/>
+          </a:p>
+          <a:p>
+            <a:pPr marL="360000" lvl="1" indent="-180000" eaLnBrk="0" hangingPunct="0">
+              <a:spcBef>
+                <a:spcPct val="20000"/>
+              </a:spcBef>
+              <a:buFontTx/>
+              <a:buBlip>
+                <a:blip r:embed="rId3"/>
+              </a:buBlip>
+            </a:pPr>
+            <a:r>
+              <a:rPr lang="cs-CZ" sz="1100" b="1" kern="0" dirty="0" smtClean="0"/>
+              <a:t>Klady</a:t>
+            </a:r>
+          </a:p>
+          <a:p>
+            <a:pPr marL="817200" lvl="2" indent="-180000" eaLnBrk="0" hangingPunct="0">
+              <a:spcBef>
+                <a:spcPct val="20000"/>
+              </a:spcBef>
+              <a:buFontTx/>
+              <a:buBlip>
+                <a:blip r:embed="rId3"/>
+              </a:buBlip>
+            </a:pPr>
+            <a:r>
+              <a:rPr lang="cs-CZ" sz="1100" kern="0" dirty="0" smtClean="0"/>
+              <a:t>zakrytí způsobu práce s relačními daty (není přímo nutné ovládat SQL)</a:t>
+            </a:r>
+          </a:p>
+          <a:p>
+            <a:pPr marL="817200" lvl="2" indent="-180000" eaLnBrk="0" hangingPunct="0">
+              <a:spcBef>
+                <a:spcPct val="20000"/>
+              </a:spcBef>
+              <a:buFontTx/>
+              <a:buBlip>
+                <a:blip r:embed="rId3"/>
+              </a:buBlip>
+            </a:pPr>
+            <a:r>
+              <a:rPr lang="cs-CZ" sz="1100" kern="0" dirty="0" smtClean="0"/>
+              <a:t>vysoká produktivita</a:t>
+            </a:r>
+          </a:p>
+          <a:p>
+            <a:pPr marL="817200" lvl="2" indent="-180000" eaLnBrk="0" hangingPunct="0">
+              <a:spcBef>
+                <a:spcPct val="20000"/>
+              </a:spcBef>
+              <a:buFontTx/>
+              <a:buBlip>
+                <a:blip r:embed="rId3"/>
+              </a:buBlip>
+            </a:pPr>
+            <a:r>
+              <a:rPr lang="cs-CZ" sz="1100" kern="0" dirty="0" smtClean="0"/>
+              <a:t>přenositelnost </a:t>
+            </a:r>
+          </a:p>
+          <a:p>
+            <a:pPr marL="817200" lvl="2" indent="-180000" eaLnBrk="0" hangingPunct="0">
+              <a:spcBef>
+                <a:spcPct val="20000"/>
+              </a:spcBef>
+              <a:buFontTx/>
+              <a:buBlip>
+                <a:blip r:embed="rId3"/>
+              </a:buBlip>
+            </a:pPr>
+            <a:r>
+              <a:rPr lang="cs-CZ" sz="1100" kern="0" dirty="0" smtClean="0"/>
+              <a:t>velmi efektivní generování relačního modelu z OO</a:t>
+            </a:r>
+          </a:p>
+          <a:p>
+            <a:pPr marL="817200" lvl="2" indent="-180000" eaLnBrk="0" hangingPunct="0">
+              <a:spcBef>
+                <a:spcPct val="20000"/>
+              </a:spcBef>
+              <a:buFontTx/>
+              <a:buBlip>
+                <a:blip r:embed="rId3"/>
+              </a:buBlip>
+            </a:pPr>
+            <a:r>
+              <a:rPr lang="cs-CZ" sz="1100" kern="0" dirty="0" smtClean="0"/>
+              <a:t>efektivní </a:t>
+            </a:r>
+            <a:r>
+              <a:rPr lang="cs-CZ" sz="1100" kern="0" dirty="0" err="1" smtClean="0"/>
+              <a:t>cache</a:t>
+            </a:r>
+            <a:endParaRPr lang="cs-CZ" sz="1100" kern="0" dirty="0" smtClean="0"/>
+          </a:p>
+          <a:p>
+            <a:pPr marL="817200" lvl="2" indent="-180000" eaLnBrk="0" hangingPunct="0">
+              <a:spcBef>
+                <a:spcPct val="20000"/>
+              </a:spcBef>
+              <a:buFontTx/>
+              <a:buBlip>
+                <a:blip r:embed="rId3"/>
+              </a:buBlip>
+            </a:pPr>
+            <a:r>
+              <a:rPr lang="cs-CZ" sz="1100" kern="0" dirty="0" smtClean="0"/>
+              <a:t>relativně jednoduchá údržba (</a:t>
+            </a:r>
+            <a:r>
+              <a:rPr lang="cs-CZ" sz="1100" kern="0" dirty="0" err="1" smtClean="0"/>
+              <a:t>refactoring</a:t>
+            </a:r>
+            <a:r>
+              <a:rPr lang="cs-CZ" sz="1100" kern="0" dirty="0" smtClean="0"/>
+              <a:t>)</a:t>
+            </a:r>
+          </a:p>
+          <a:p>
+            <a:pPr marL="817200" lvl="2" indent="-180000" eaLnBrk="0" hangingPunct="0">
+              <a:spcBef>
+                <a:spcPct val="20000"/>
+              </a:spcBef>
+              <a:buFontTx/>
+              <a:buBlip>
+                <a:blip r:embed="rId3"/>
+              </a:buBlip>
+            </a:pPr>
+            <a:endParaRPr lang="cs-CZ" sz="1100" kern="0" dirty="0" smtClean="0"/>
+          </a:p>
+          <a:p>
+            <a:pPr marL="360000" lvl="1" indent="-180000" eaLnBrk="0" hangingPunct="0">
+              <a:spcBef>
+                <a:spcPct val="20000"/>
+              </a:spcBef>
+              <a:buFontTx/>
+              <a:buBlip>
+                <a:blip r:embed="rId3"/>
+              </a:buBlip>
+            </a:pPr>
+            <a:r>
+              <a:rPr lang="cs-CZ" sz="1100" b="1" kern="0" dirty="0" smtClean="0"/>
+              <a:t>Zápory</a:t>
+            </a:r>
+            <a:endParaRPr lang="cs-CZ" sz="1100" b="1" kern="0" dirty="0" smtClean="0"/>
+          </a:p>
+          <a:p>
+            <a:pPr marL="817200" lvl="2" indent="-180000" eaLnBrk="0" hangingPunct="0">
+              <a:spcBef>
+                <a:spcPct val="20000"/>
+              </a:spcBef>
+              <a:buFontTx/>
+              <a:buBlip>
+                <a:blip r:embed="rId3"/>
+              </a:buBlip>
+            </a:pPr>
+            <a:r>
+              <a:rPr lang="cs-CZ" sz="1100" kern="0" dirty="0" smtClean="0"/>
+              <a:t>ztráta přímé kontroly</a:t>
+            </a:r>
+          </a:p>
+          <a:p>
+            <a:pPr marL="817200" lvl="2" indent="-180000" eaLnBrk="0" hangingPunct="0">
+              <a:spcBef>
+                <a:spcPct val="20000"/>
+              </a:spcBef>
+              <a:buBlip>
+                <a:blip r:embed="rId3"/>
+              </a:buBlip>
+            </a:pPr>
+            <a:r>
+              <a:rPr lang="cs-CZ" sz="1100" kern="0" dirty="0" smtClean="0"/>
+              <a:t>velmi složitý</a:t>
+            </a:r>
+          </a:p>
+          <a:p>
+            <a:pPr marL="817200" lvl="2" indent="-180000" eaLnBrk="0" hangingPunct="0">
+              <a:spcBef>
+                <a:spcPct val="20000"/>
+              </a:spcBef>
+              <a:buFontTx/>
+              <a:buBlip>
+                <a:blip r:embed="rId3"/>
+              </a:buBlip>
+            </a:pPr>
+            <a:r>
+              <a:rPr lang="cs-CZ" sz="1100" kern="0" dirty="0" smtClean="0"/>
+              <a:t>nutná znalost HQL</a:t>
+            </a:r>
+          </a:p>
+          <a:p>
+            <a:pPr marL="817200" lvl="2" indent="-180000" eaLnBrk="0" hangingPunct="0">
+              <a:spcBef>
+                <a:spcPct val="20000"/>
+              </a:spcBef>
+              <a:buFontTx/>
+              <a:buBlip>
+                <a:blip r:embed="rId3"/>
+              </a:buBlip>
+            </a:pPr>
+            <a:r>
+              <a:rPr lang="cs-CZ" sz="1100" kern="0" dirty="0" smtClean="0"/>
+              <a:t>problematické použití při komplikovaných dotazech</a:t>
+            </a:r>
+          </a:p>
+          <a:p>
+            <a:pPr marL="817200" lvl="2" indent="-180000" eaLnBrk="0" hangingPunct="0">
+              <a:spcBef>
+                <a:spcPct val="20000"/>
+              </a:spcBef>
+              <a:buFontTx/>
+              <a:buBlip>
+                <a:blip r:embed="rId3"/>
+              </a:buBlip>
+            </a:pPr>
+            <a:r>
+              <a:rPr lang="cs-CZ" sz="1100" kern="0" dirty="0" smtClean="0"/>
+              <a:t>problémy s dávkovým zpracováním</a:t>
+            </a:r>
+          </a:p>
+          <a:p>
+            <a:pPr marL="817200" lvl="2" indent="-180000" eaLnBrk="0" hangingPunct="0">
+              <a:spcBef>
+                <a:spcPct val="20000"/>
+              </a:spcBef>
+              <a:buFontTx/>
+              <a:buBlip>
+                <a:blip r:embed="rId3"/>
+              </a:buBlip>
+            </a:pPr>
+            <a:r>
+              <a:rPr lang="cs-CZ" sz="1100" kern="0" dirty="0" smtClean="0"/>
+              <a:t>problematické navázání na existující DB</a:t>
+            </a:r>
+          </a:p>
+          <a:p>
+            <a:pPr marL="817200" lvl="2" indent="-180000" eaLnBrk="0" hangingPunct="0">
+              <a:spcBef>
+                <a:spcPct val="20000"/>
+              </a:spcBef>
+              <a:buFontTx/>
+              <a:buBlip>
+                <a:blip r:embed="rId3"/>
+              </a:buBlip>
+            </a:pPr>
+            <a:r>
+              <a:rPr lang="cs-CZ" sz="1100" kern="0" dirty="0" smtClean="0"/>
+              <a:t>díky komplexitě přináší řadu náročných problémů k řešení</a:t>
+            </a:r>
+          </a:p>
+        </p:txBody>
+      </p:sp>
+      <p:pic>
+        <p:nvPicPr>
+          <p:cNvPr id="10" name="Obrázek 9" descr="Thumbs-up.gif"/>
+          <p:cNvPicPr>
+            <a:picLocks noChangeAspect="1"/>
+          </p:cNvPicPr>
+          <p:nvPr/>
+        </p:nvPicPr>
+        <p:blipFill>
+          <a:blip r:embed="rId4" cstate="print"/>
+          <a:stretch>
+            <a:fillRect/>
+          </a:stretch>
+        </p:blipFill>
+        <p:spPr>
+          <a:xfrm>
+            <a:off x="642910" y="2143116"/>
+            <a:ext cx="357190" cy="582028"/>
+          </a:xfrm>
+          <a:prstGeom prst="rect">
+            <a:avLst/>
+          </a:prstGeom>
+        </p:spPr>
+      </p:pic>
+      <p:pic>
+        <p:nvPicPr>
+          <p:cNvPr id="11" name="Obrázek 10" descr="thumbs_down.jpg"/>
+          <p:cNvPicPr>
+            <a:picLocks noChangeAspect="1"/>
+          </p:cNvPicPr>
+          <p:nvPr/>
+        </p:nvPicPr>
+        <p:blipFill>
+          <a:blip r:embed="rId5" cstate="print"/>
+          <a:stretch>
+            <a:fillRect/>
+          </a:stretch>
+        </p:blipFill>
+        <p:spPr>
+          <a:xfrm>
+            <a:off x="642910" y="3786190"/>
+            <a:ext cx="357190" cy="572365"/>
+          </a:xfrm>
+          <a:prstGeom prst="rect">
+            <a:avLst/>
+          </a:prstGeom>
+        </p:spPr>
+      </p:pic>
+      <p:pic>
+        <p:nvPicPr>
+          <p:cNvPr id="12" name="Obrázek 11" descr="Thumbs-up.gif"/>
+          <p:cNvPicPr>
+            <a:picLocks noChangeAspect="1"/>
+          </p:cNvPicPr>
+          <p:nvPr/>
+        </p:nvPicPr>
+        <p:blipFill>
+          <a:blip r:embed="rId4" cstate="print"/>
+          <a:stretch>
+            <a:fillRect/>
+          </a:stretch>
+        </p:blipFill>
+        <p:spPr>
+          <a:xfrm>
+            <a:off x="3571868" y="2143116"/>
+            <a:ext cx="357190" cy="582028"/>
+          </a:xfrm>
+          <a:prstGeom prst="rect">
+            <a:avLst/>
+          </a:prstGeom>
+        </p:spPr>
+      </p:pic>
+      <p:pic>
+        <p:nvPicPr>
+          <p:cNvPr id="13" name="Obrázek 12" descr="thumbs_down.jpg"/>
+          <p:cNvPicPr>
+            <a:picLocks noChangeAspect="1"/>
+          </p:cNvPicPr>
+          <p:nvPr/>
+        </p:nvPicPr>
+        <p:blipFill>
+          <a:blip r:embed="rId5" cstate="print"/>
+          <a:stretch>
+            <a:fillRect/>
+          </a:stretch>
+        </p:blipFill>
+        <p:spPr>
+          <a:xfrm>
+            <a:off x="3571868" y="4286256"/>
+            <a:ext cx="357190" cy="572365"/>
+          </a:xfrm>
+          <a:prstGeom prst="rect">
+            <a:avLst/>
+          </a:prstGeom>
+        </p:spPr>
+      </p:pic>
+      <p:pic>
+        <p:nvPicPr>
+          <p:cNvPr id="14" name="Obrázek 13" descr="Thumbs-up.gif"/>
+          <p:cNvPicPr>
+            <a:picLocks noChangeAspect="1"/>
+          </p:cNvPicPr>
+          <p:nvPr/>
+        </p:nvPicPr>
+        <p:blipFill>
+          <a:blip r:embed="rId4" cstate="print"/>
+          <a:stretch>
+            <a:fillRect/>
+          </a:stretch>
+        </p:blipFill>
+        <p:spPr>
+          <a:xfrm>
+            <a:off x="6215074" y="2143116"/>
+            <a:ext cx="357190" cy="582028"/>
+          </a:xfrm>
+          <a:prstGeom prst="rect">
+            <a:avLst/>
+          </a:prstGeom>
+        </p:spPr>
+      </p:pic>
+      <p:pic>
+        <p:nvPicPr>
+          <p:cNvPr id="15" name="Obrázek 14" descr="thumbs_down.jpg"/>
+          <p:cNvPicPr>
+            <a:picLocks noChangeAspect="1"/>
+          </p:cNvPicPr>
+          <p:nvPr/>
+        </p:nvPicPr>
+        <p:blipFill>
+          <a:blip r:embed="rId5" cstate="print"/>
+          <a:stretch>
+            <a:fillRect/>
+          </a:stretch>
+        </p:blipFill>
+        <p:spPr>
+          <a:xfrm>
+            <a:off x="6215074" y="4429132"/>
+            <a:ext cx="357190" cy="572365"/>
+          </a:xfrm>
+          <a:prstGeom prst="rect">
+            <a:avLst/>
+          </a:prstGeom>
+        </p:spPr>
+      </p:pic>
+      <p:pic>
+        <p:nvPicPr>
+          <p:cNvPr id="1026" name="Picture 2"/>
+          <p:cNvPicPr>
+            <a:picLocks noChangeAspect="1" noChangeArrowheads="1"/>
+          </p:cNvPicPr>
+          <p:nvPr/>
+        </p:nvPicPr>
+        <p:blipFill>
+          <a:blip r:embed="rId6" cstate="print"/>
+          <a:srcRect/>
+          <a:stretch>
+            <a:fillRect/>
+          </a:stretch>
+        </p:blipFill>
+        <p:spPr bwMode="auto">
+          <a:xfrm>
+            <a:off x="3357554" y="857232"/>
+            <a:ext cx="285752" cy="370419"/>
+          </a:xfrm>
+          <a:prstGeom prst="rect">
+            <a:avLst/>
+          </a:prstGeom>
+          <a:noFill/>
+          <a:ln w="9525">
+            <a:noFill/>
+            <a:miter lim="800000"/>
+            <a:headEnd/>
+            <a:tailEnd/>
+          </a:ln>
+          <a:effectLst/>
+        </p:spPr>
+      </p:pic>
+      <p:pic>
+        <p:nvPicPr>
+          <p:cNvPr id="1027" name="Picture 3"/>
+          <p:cNvPicPr>
+            <a:picLocks noChangeAspect="1" noChangeArrowheads="1"/>
+          </p:cNvPicPr>
+          <p:nvPr/>
+        </p:nvPicPr>
+        <p:blipFill>
+          <a:blip r:embed="rId7" cstate="print"/>
+          <a:srcRect/>
+          <a:stretch>
+            <a:fillRect/>
+          </a:stretch>
+        </p:blipFill>
+        <p:spPr bwMode="auto">
+          <a:xfrm>
+            <a:off x="6000760" y="857232"/>
+            <a:ext cx="320742" cy="357190"/>
+          </a:xfrm>
+          <a:prstGeom prst="rect">
+            <a:avLst/>
+          </a:prstGeom>
+          <a:noFill/>
+          <a:ln w="9525">
+            <a:noFill/>
+            <a:miter lim="800000"/>
+            <a:headEnd/>
+            <a:tailEnd/>
+          </a:ln>
+          <a:effectLst/>
+        </p:spPr>
+      </p:pic>
+    </p:spTree>
+  </p:cSld>
+  <p:clrMapOvr>
+    <a:masterClrMapping/>
+  </p:clrMapOvr>
+  <p:transition advTm="177966">
+    <p:fade thruBlk="1"/>
+  </p:transition>
+  <p:timing>
+    <p:tnLst>
+      <p:par>
+        <p:cTn id="1" dur="indefinite" restart="never" nodeType="tmRoot"/>
+      </p:par>
+    </p:tnLst>
+  </p:timing>
+</p:sld>
+</file>
+
+<file path=ppt/slides/slide4.xml><?xml version="1.0" encoding="utf-8"?>
+<p:sld xmlns:a="http://schemas.openxmlformats.org/drawingml/2006/main" xmlns:r="http://schemas.openxmlformats.org/officeDocument/2006/relationships" xmlns:p="http://schemas.openxmlformats.org/presentationml/2006/main">
+  <p:cSld>
+    <p:spTree>
+      <p:nvGrpSpPr>
+        <p:cNvPr id="1" name=""/>
+        <p:cNvGrpSpPr/>
+        <p:nvPr/>
+      </p:nvGrpSpPr>
+      <p:grpSpPr>
+        <a:xfrm>
+          <a:off x="0" y="0"/>
+          <a:ext cx="0" cy="0"/>
+          <a:chOff x="0" y="0"/>
+          <a:chExt cx="0" cy="0"/>
+        </a:xfrm>
+      </p:grpSpPr>
+      <p:sp>
+        <p:nvSpPr>
+          <p:cNvPr id="4098" name="Nadpis 1"/>
+          <p:cNvSpPr>
+            <a:spLocks noGrp="1"/>
+          </p:cNvSpPr>
+          <p:nvPr>
+            <p:ph type="title"/>
+          </p:nvPr>
+        </p:nvSpPr>
+        <p:spPr/>
+        <p:txBody>
+          <a:bodyPr/>
+          <a:lstStyle/>
+          <a:p>
+            <a:r>
+              <a:rPr lang="cs-CZ" dirty="0" smtClean="0"/>
+              <a:t>Zprovoznění </a:t>
+            </a:r>
+            <a:r>
+              <a:rPr lang="cs-CZ" dirty="0" err="1" smtClean="0"/>
+              <a:t>iBatis</a:t>
+            </a:r>
+            <a:r>
+              <a:rPr lang="cs-CZ" dirty="0" smtClean="0"/>
+              <a:t> 3 na projektu</a:t>
+            </a:r>
+          </a:p>
+        </p:txBody>
+      </p:sp>
+      <p:sp>
+        <p:nvSpPr>
+          <p:cNvPr id="4099" name="Zástupný symbol pro obsah 2"/>
+          <p:cNvSpPr>
+            <a:spLocks noGrp="1"/>
+          </p:cNvSpPr>
+          <p:nvPr>
+            <p:ph idx="1"/>
+          </p:nvPr>
+        </p:nvSpPr>
+        <p:spPr/>
+        <p:txBody>
+          <a:bodyPr/>
+          <a:lstStyle/>
+          <a:p>
+            <a:r>
+              <a:rPr lang="cs-CZ" sz="2000" dirty="0" err="1" smtClean="0"/>
+              <a:t>iBatis</a:t>
+            </a:r>
+            <a:r>
+              <a:rPr lang="cs-CZ" sz="2000" dirty="0" smtClean="0"/>
+              <a:t> samostatně</a:t>
+            </a:r>
+          </a:p>
+          <a:p>
+            <a:pPr lvl="1"/>
+            <a:r>
+              <a:rPr lang="cs-CZ" sz="1700" dirty="0" smtClean="0"/>
+              <a:t>Konfigurace pomocí XML</a:t>
+            </a:r>
+          </a:p>
+          <a:p>
+            <a:pPr lvl="1"/>
+            <a:r>
+              <a:rPr lang="cs-CZ" sz="1700" dirty="0" smtClean="0"/>
+              <a:t>Konfigurace samostatně Java kódem</a:t>
+            </a:r>
+          </a:p>
+          <a:p>
+            <a:endParaRPr lang="cs-CZ" sz="1200" dirty="0" smtClean="0"/>
+          </a:p>
+          <a:p>
+            <a:r>
+              <a:rPr lang="cs-CZ" sz="1600" b="1" i="1" dirty="0" err="1" smtClean="0"/>
+              <a:t>SqlSessionFactoryBuilder</a:t>
+            </a:r>
+            <a:endParaRPr lang="cs-CZ" sz="1600" b="1" i="1" dirty="0" smtClean="0"/>
+          </a:p>
+          <a:p>
+            <a:pPr lvl="1"/>
+            <a:r>
+              <a:rPr lang="cs-CZ" sz="1400" dirty="0" smtClean="0"/>
+              <a:t>jednoúčelový objekt sloužící pro vytvoření </a:t>
+            </a:r>
+            <a:r>
+              <a:rPr lang="cs-CZ" sz="1400" dirty="0" err="1" smtClean="0"/>
+              <a:t>SqlSessionFactory</a:t>
+            </a:r>
+            <a:r>
+              <a:rPr lang="cs-CZ" sz="1400" dirty="0" smtClean="0"/>
+              <a:t> – možno ihned zahodit</a:t>
+            </a:r>
+          </a:p>
+          <a:p>
+            <a:r>
+              <a:rPr lang="cs-CZ" sz="1600" b="1" i="1" dirty="0" err="1" smtClean="0"/>
+              <a:t>SqlSessionFactory</a:t>
+            </a:r>
+            <a:endParaRPr lang="cs-CZ" sz="1600" b="1" i="1" dirty="0" smtClean="0"/>
+          </a:p>
+          <a:p>
+            <a:pPr lvl="1"/>
+            <a:r>
+              <a:rPr lang="cs-CZ" sz="1400" dirty="0" smtClean="0"/>
+              <a:t>sdílená v aplikaci</a:t>
+            </a:r>
+          </a:p>
+          <a:p>
+            <a:pPr lvl="1"/>
+            <a:r>
+              <a:rPr lang="cs-CZ" sz="1400" dirty="0" err="1" smtClean="0"/>
+              <a:t>thread</a:t>
+            </a:r>
+            <a:r>
+              <a:rPr lang="cs-CZ" sz="1400" dirty="0" smtClean="0"/>
+              <a:t>-safe</a:t>
+            </a:r>
+          </a:p>
+          <a:p>
+            <a:pPr lvl="1"/>
+            <a:r>
+              <a:rPr lang="cs-CZ" sz="1400" dirty="0" smtClean="0"/>
+              <a:t>pracovat jako se </a:t>
+            </a:r>
+            <a:r>
+              <a:rPr lang="cs-CZ" sz="1400" dirty="0" err="1" smtClean="0"/>
+              <a:t>singletonem</a:t>
+            </a:r>
+            <a:endParaRPr lang="cs-CZ" sz="1400" dirty="0" smtClean="0"/>
+          </a:p>
+          <a:p>
+            <a:r>
+              <a:rPr lang="cs-CZ" sz="1600" b="1" i="1" dirty="0" err="1" smtClean="0"/>
+              <a:t>SqlSession</a:t>
+            </a:r>
+            <a:endParaRPr lang="cs-CZ" sz="1600" b="1" i="1" dirty="0" smtClean="0"/>
+          </a:p>
+          <a:p>
+            <a:pPr lvl="1"/>
+            <a:r>
+              <a:rPr lang="cs-CZ" sz="1400" dirty="0" smtClean="0"/>
+              <a:t>pro každý </a:t>
+            </a:r>
+            <a:r>
+              <a:rPr lang="cs-CZ" sz="1400" dirty="0" err="1" smtClean="0"/>
+              <a:t>thread</a:t>
+            </a:r>
+            <a:r>
+              <a:rPr lang="cs-CZ" sz="1400" dirty="0" smtClean="0"/>
+              <a:t> unikání (není </a:t>
+            </a:r>
+            <a:r>
+              <a:rPr lang="cs-CZ" sz="1400" dirty="0" err="1" smtClean="0"/>
+              <a:t>thread</a:t>
+            </a:r>
+            <a:r>
+              <a:rPr lang="cs-CZ" sz="1400" dirty="0" smtClean="0"/>
+              <a:t>-safe)</a:t>
+            </a:r>
+          </a:p>
+          <a:p>
+            <a:pPr lvl="1"/>
+            <a:r>
+              <a:rPr lang="cs-CZ" sz="1400" dirty="0" smtClean="0"/>
+              <a:t>ideálně otevřít na začátku </a:t>
+            </a:r>
+            <a:r>
+              <a:rPr lang="cs-CZ" sz="1400" dirty="0" err="1" smtClean="0"/>
+              <a:t>requestu</a:t>
+            </a:r>
+            <a:r>
+              <a:rPr lang="cs-CZ" sz="1400" dirty="0" smtClean="0"/>
+              <a:t> a na konci ji zase zavřít</a:t>
+            </a:r>
+            <a:endParaRPr lang="cs-CZ" sz="1800" dirty="0" smtClean="0"/>
+          </a:p>
+          <a:p>
+            <a:endParaRPr lang="cs-CZ" sz="1200" dirty="0" smtClean="0"/>
+          </a:p>
+          <a:p>
+            <a:r>
+              <a:rPr lang="cs-CZ" sz="2000" dirty="0" err="1" smtClean="0"/>
+              <a:t>Spring</a:t>
+            </a:r>
+            <a:r>
+              <a:rPr lang="cs-CZ" sz="2000" dirty="0" smtClean="0"/>
+              <a:t> Framework (podpora plánována do 3.1)</a:t>
+            </a:r>
+          </a:p>
+          <a:p>
+            <a:pPr lvl="1"/>
+            <a:r>
+              <a:rPr lang="cs-CZ" sz="1700" dirty="0" smtClean="0">
+                <a:hlinkClick r:id="rId3"/>
+              </a:rPr>
+              <a:t>http://jira.springframework.org/browse/SPR-5991</a:t>
+            </a:r>
+            <a:r>
+              <a:rPr lang="cs-CZ" sz="1700" dirty="0" smtClean="0"/>
+              <a:t> </a:t>
+            </a:r>
+          </a:p>
+          <a:p>
+            <a:pPr lvl="1"/>
+            <a:r>
+              <a:rPr lang="cs-CZ" sz="1700" dirty="0" smtClean="0"/>
+              <a:t>Ukázková implementace v </a:t>
+            </a:r>
+            <a:r>
+              <a:rPr lang="cs-CZ" sz="1700" dirty="0" err="1" smtClean="0"/>
+              <a:t>package</a:t>
+            </a:r>
+            <a:r>
+              <a:rPr lang="cs-CZ" sz="1700" dirty="0" smtClean="0"/>
+              <a:t> </a:t>
+            </a:r>
+            <a:r>
+              <a:rPr lang="cs-CZ" sz="1700" b="1" dirty="0" smtClean="0"/>
+              <a:t>org.springframework.orm.ibatis3</a:t>
+            </a:r>
+          </a:p>
+          <a:p>
+            <a:pPr lvl="1"/>
+            <a:r>
+              <a:rPr lang="cs-CZ" sz="1700" dirty="0" smtClean="0"/>
+              <a:t>Práce s infrastrukturními třídami je řešena za nás</a:t>
+            </a:r>
+          </a:p>
+          <a:p>
+            <a:pPr lvl="1"/>
+            <a:r>
+              <a:rPr lang="cs-CZ" sz="1700" dirty="0" smtClean="0"/>
+              <a:t>Nemusíme se starat o uzavírání </a:t>
+            </a:r>
+            <a:r>
+              <a:rPr lang="cs-CZ" sz="1700" dirty="0" err="1" smtClean="0"/>
+              <a:t>SqlSession</a:t>
+            </a:r>
+            <a:endParaRPr lang="cs-CZ" sz="1700" dirty="0" smtClean="0"/>
+          </a:p>
+        </p:txBody>
+      </p:sp>
+      <p:sp>
+        <p:nvSpPr>
+          <p:cNvPr id="4" name="Zástupný symbol pro číslo snímku 3"/>
+          <p:cNvSpPr>
+            <a:spLocks noGrp="1"/>
+          </p:cNvSpPr>
+          <p:nvPr>
+            <p:ph type="sldNum" sz="quarter" idx="10"/>
+          </p:nvPr>
+        </p:nvSpPr>
+        <p:spPr/>
+        <p:txBody>
+          <a:bodyPr/>
+          <a:lstStyle/>
+          <a:p>
+            <a:pPr>
+              <a:defRPr/>
+            </a:pPr>
+            <a:fld id="{A6112C02-2ADB-4963-B455-E27F555BA63A}" type="slidenum">
+              <a:rPr lang="cs-CZ" smtClean="0"/>
+              <a:pPr>
+                <a:defRPr/>
+              </a:pPr>
+              <a:t>4</a:t>
+            </a:fld>
+            <a:endParaRPr lang="cs-CZ"/>
+          </a:p>
+        </p:txBody>
+      </p:sp>
+      <p:sp>
+        <p:nvSpPr>
+          <p:cNvPr id="5" name="Zástupný symbol pro zápatí 4"/>
+          <p:cNvSpPr>
+            <a:spLocks noGrp="1"/>
+          </p:cNvSpPr>
+          <p:nvPr>
+            <p:ph type="ftr" sz="quarter" idx="11"/>
+          </p:nvPr>
+        </p:nvSpPr>
+        <p:spPr/>
+        <p:txBody>
+          <a:bodyPr/>
+          <a:lstStyle/>
+          <a:p>
+            <a:pPr>
+              <a:defRPr/>
+            </a:pPr>
+            <a:r>
+              <a:rPr lang="cs-CZ" smtClean="0"/>
+              <a:t>www.fg.cz</a:t>
+            </a:r>
+            <a:endParaRPr lang="cs-CZ"/>
+          </a:p>
+        </p:txBody>
+      </p:sp>
+    </p:spTree>
+  </p:cSld>
+  <p:clrMapOvr>
+    <a:masterClrMapping/>
+  </p:clrMapOvr>
+  <p:transition advTm="177966">
+    <p:fade thruBlk="1"/>
+  </p:transition>
+  <p:timing>
+    <p:tnLst>
+      <p:par>
+        <p:cTn id="1" dur="indefinite" restart="never" nodeType="tmRoot"/>
+      </p:par>
+    </p:tnLst>
+  </p:timing>
+</p:sld>
+</file>
+
+<file path=ppt/slides/slide5.xml><?xml version="1.0" encoding="utf-8"?>
+<p:sld xmlns:a="http://schemas.openxmlformats.org/drawingml/2006/main" xmlns:r="http://schemas.openxmlformats.org/officeDocument/2006/relationships" xmlns:p="http://schemas.openxmlformats.org/presentationml/2006/main">
+  <p:cSld>
+    <p:spTree>
+      <p:nvGrpSpPr>
+        <p:cNvPr id="1" name=""/>
+        <p:cNvGrpSpPr/>
+        <p:nvPr/>
+      </p:nvGrpSpPr>
+      <p:grpSpPr>
+        <a:xfrm>
+          <a:off x="0" y="0"/>
+          <a:ext cx="0" cy="0"/>
+          <a:chOff x="0" y="0"/>
+          <a:chExt cx="0" cy="0"/>
+        </a:xfrm>
+      </p:grpSpPr>
+      <p:sp>
+        <p:nvSpPr>
+          <p:cNvPr id="2" name="Nadpis 1"/>
+          <p:cNvSpPr>
+            <a:spLocks noGrp="1"/>
+          </p:cNvSpPr>
+          <p:nvPr>
+            <p:ph type="title"/>
+          </p:nvPr>
+        </p:nvSpPr>
+        <p:spPr/>
+        <p:txBody>
+          <a:bodyPr/>
+          <a:lstStyle/>
+          <a:p>
+            <a:r>
+              <a:rPr lang="cs-CZ" dirty="0" smtClean="0"/>
+              <a:t>Datový model</a:t>
+            </a:r>
+            <a:endParaRPr lang="cs-CZ" dirty="0"/>
+          </a:p>
+        </p:txBody>
+      </p:sp>
+      <p:pic>
+        <p:nvPicPr>
+          <p:cNvPr id="6" name="Zástupný symbol pro obsah 5" descr="Products-data-model.png"/>
+          <p:cNvPicPr>
+            <a:picLocks noGrp="1" noChangeAspect="1"/>
+          </p:cNvPicPr>
+          <p:nvPr>
+            <p:ph idx="1"/>
+          </p:nvPr>
+        </p:nvPicPr>
+        <p:blipFill>
+          <a:blip r:embed="rId3" cstate="print"/>
+          <a:stretch>
+            <a:fillRect/>
+          </a:stretch>
+        </p:blipFill>
+        <p:spPr>
+          <a:xfrm>
+            <a:off x="498475" y="1132681"/>
+            <a:ext cx="8077200" cy="4867275"/>
+          </a:xfrm>
+        </p:spPr>
+      </p:pic>
+      <p:sp>
+        <p:nvSpPr>
+          <p:cNvPr id="4" name="Zástupný symbol pro číslo snímku 3"/>
+          <p:cNvSpPr>
+            <a:spLocks noGrp="1"/>
+          </p:cNvSpPr>
+          <p:nvPr>
+            <p:ph type="sldNum" sz="quarter" idx="10"/>
+          </p:nvPr>
+        </p:nvSpPr>
+        <p:spPr/>
+        <p:txBody>
+          <a:bodyPr/>
+          <a:lstStyle/>
+          <a:p>
+            <a:pPr>
+              <a:defRPr/>
+            </a:pPr>
+            <a:fld id="{9AF1F007-AFEE-4035-9C51-B1CFC008845C}" type="slidenum">
+              <a:rPr lang="cs-CZ" smtClean="0"/>
+              <a:pPr>
+                <a:defRPr/>
+              </a:pPr>
+              <a:t>5</a:t>
+            </a:fld>
+            <a:endParaRPr lang="cs-CZ"/>
+          </a:p>
+        </p:txBody>
+      </p:sp>
+      <p:sp>
+        <p:nvSpPr>
+          <p:cNvPr id="5" name="Zástupný symbol pro zápatí 4"/>
+          <p:cNvSpPr>
+            <a:spLocks noGrp="1"/>
+          </p:cNvSpPr>
+          <p:nvPr>
+            <p:ph type="ftr" sz="quarter" idx="11"/>
+          </p:nvPr>
+        </p:nvSpPr>
+        <p:spPr/>
+        <p:txBody>
+          <a:bodyPr/>
+          <a:lstStyle/>
+          <a:p>
+            <a:pPr>
+              <a:defRPr/>
+            </a:pPr>
+            <a:r>
+              <a:rPr lang="cs-CZ" smtClean="0"/>
+              <a:t>www.fg.cz</a:t>
+            </a:r>
+            <a:endParaRPr lang="cs-CZ"/>
+          </a:p>
+        </p:txBody>
+      </p:sp>
+      <p:pic>
+        <p:nvPicPr>
+          <p:cNvPr id="7" name="Obrázek 6" descr="Product-class-model.png"/>
+          <p:cNvPicPr>
+            <a:picLocks noChangeAspect="1"/>
+          </p:cNvPicPr>
+          <p:nvPr/>
+        </p:nvPicPr>
+        <p:blipFill>
+          <a:blip r:embed="rId4" cstate="print"/>
+          <a:stretch>
+            <a:fillRect/>
+          </a:stretch>
+        </p:blipFill>
+        <p:spPr>
+          <a:xfrm>
+            <a:off x="500034" y="1142984"/>
+            <a:ext cx="8058150" cy="4933950"/>
+          </a:xfrm>
+          <a:prstGeom prst="rect">
+            <a:avLst/>
+          </a:prstGeom>
+        </p:spPr>
+      </p:pic>
+    </p:spTree>
+  </p:cSld>
+  <p:clrMapOvr>
+    <a:masterClrMapping/>
+  </p:clrMapOvr>
+  <p:transition>
+    <p:fade thruBlk="1"/>
+  </p:transition>
+  <p:timing>
+    <p:tnLst>
+      <p:par>
+        <p:cTn id="1" dur="indefinite" restart="never" nodeType="tmRoot">
+          <p:childTnLst>
+            <p:seq concurrent="1" nextAc="seek">
+              <p:cTn id="2" dur="indefinite" nodeType="mainSeq">
+                <p:childTnLst>
+                  <p:par>
+                    <p:cTn id="3" fill="hold">
+                      <p:stCondLst>
+                        <p:cond delay="indefinite"/>
+                      </p:stCondLst>
+                      <p:childTnLst>
+                        <p:par>
+                          <p:cTn id="4" fill="hold">
+                            <p:stCondLst>
+                              <p:cond delay="0"/>
+                            </p:stCondLst>
+                            <p:childTnLst>
+                              <p:par>
+                                <p:cTn id="5" presetID="2" presetClass="entr" presetSubtype="4" fill="hold" nodeType="clickEffect">
+                                  <p:stCondLst>
+                                    <p:cond delay="0"/>
+                                  </p:stCondLst>
+                                  <p:childTnLst>
+                                    <p:set>
+                                      <p:cBhvr>
+                                        <p:cTn id="6" dur="1" fill="hold">
+                                          <p:stCondLst>
+                                            <p:cond delay="0"/>
+                                          </p:stCondLst>
+                                        </p:cTn>
+                                        <p:tgtEl>
+                                          <p:spTgt spid="7"/>
+                                        </p:tgtEl>
+                                        <p:attrNameLst>
+                                          <p:attrName>style.visibility</p:attrName>
+                                        </p:attrNameLst>
+                                      </p:cBhvr>
+                                      <p:to>
+                                        <p:strVal val="visible"/>
+                                      </p:to>
+                                    </p:set>
+                                    <p:anim calcmode="lin" valueType="num">
+                                      <p:cBhvr additive="base">
+                                        <p:cTn id="7" dur="500" fill="hold"/>
+                                        <p:tgtEl>
+                                          <p:spTgt spid="7"/>
+                                        </p:tgtEl>
+                                        <p:attrNameLst>
+                                          <p:attrName>ppt_x</p:attrName>
+                                        </p:attrNameLst>
+                                      </p:cBhvr>
+                                      <p:tavLst>
+                                        <p:tav tm="0">
+                                          <p:val>
+                                            <p:strVal val="#ppt_x"/>
+                                          </p:val>
+                                        </p:tav>
+                                        <p:tav tm="100000">
+                                          <p:val>
+                                            <p:strVal val="#ppt_x"/>
+                                          </p:val>
+                                        </p:tav>
+                                      </p:tavLst>
+                                    </p:anim>
+                                    <p:anim calcmode="lin" valueType="num">
+                                      <p:cBhvr additive="base">
+                                        <p:cTn id="8" dur="500" fill="hold"/>
+                                        <p:tgtEl>
+                                          <p:spTgt spid="7"/>
+                                        </p:tgtEl>
+                                        <p:attrNameLst>
+                                          <p:attrName>ppt_y</p:attrName>
+                                        </p:attrNameLst>
+                                      </p:cBhvr>
+                                      <p:tavLst>
+                                        <p:tav tm="0">
+                                          <p:val>
+                                            <p:strVal val="1+#ppt_h/2"/>
+                                          </p:val>
+                                        </p:tav>
+                                        <p:tav tm="100000">
+                                          <p:val>
+                                            <p:strVal val="#ppt_y"/>
+                                          </p:val>
+                                        </p:tav>
+                                      </p:tavLst>
+                                    </p:anim>
+                                  </p:childTnLst>
+                                </p:cTn>
+                              </p:par>
+                            </p:childTnLst>
+                          </p:cTn>
+                        </p:par>
+                      </p:childTnLst>
+                    </p:cTn>
+                  </p:par>
+                </p:childTnLst>
+              </p:cTn>
+              <p:prevCondLst>
+                <p:cond evt="onPrev" delay="0">
+                  <p:tgtEl>
+                    <p:sldTgt/>
+                  </p:tgtEl>
+                </p:cond>
+              </p:prevCondLst>
+              <p:nextCondLst>
+                <p:cond evt="onNext" delay="0">
+                  <p:tgtEl>
+                    <p:sldTgt/>
+                  </p:tgtEl>
+                </p:cond>
+              </p:nextCondLst>
+            </p:seq>
+          </p:childTnLst>
+        </p:cTn>
+      </p:par>
+    </p:tnLst>
+  </p:timing>
+</p:sld>
+</file>
+
+<file path=ppt/slides/slide6.xml><?xml version="1.0" encoding="utf-8"?>
+<p:sld xmlns:a="http://schemas.openxmlformats.org/drawingml/2006/main" xmlns:r="http://schemas.openxmlformats.org/officeDocument/2006/relationships" xmlns:p="http://schemas.openxmlformats.org/presentationml/2006/main">
+  <p:cSld>
+    <p:spTree>
+      <p:nvGrpSpPr>
+        <p:cNvPr id="1" name=""/>
+        <p:cNvGrpSpPr/>
+        <p:nvPr/>
+      </p:nvGrpSpPr>
+      <p:grpSpPr>
+        <a:xfrm>
+          <a:off x="0" y="0"/>
+          <a:ext cx="0" cy="0"/>
+          <a:chOff x="0" y="0"/>
+          <a:chExt cx="0" cy="0"/>
+        </a:xfrm>
+      </p:grpSpPr>
+      <p:sp>
+        <p:nvSpPr>
+          <p:cNvPr id="2" name="Nadpis 1"/>
+          <p:cNvSpPr>
+            <a:spLocks noGrp="1"/>
+          </p:cNvSpPr>
+          <p:nvPr>
+            <p:ph type="title"/>
+          </p:nvPr>
+        </p:nvSpPr>
+        <p:spPr/>
+        <p:txBody>
+          <a:bodyPr/>
+          <a:lstStyle/>
+          <a:p>
+            <a:r>
+              <a:rPr lang="cs-CZ" dirty="0" smtClean="0"/>
+              <a:t>Základní použití </a:t>
+            </a:r>
+            <a:r>
+              <a:rPr lang="cs-CZ" dirty="0" err="1" smtClean="0"/>
+              <a:t>iBatis</a:t>
+            </a:r>
+            <a:r>
+              <a:rPr lang="cs-CZ" dirty="0" smtClean="0"/>
+              <a:t> 3</a:t>
+            </a:r>
+            <a:endParaRPr lang="cs-CZ" dirty="0"/>
+          </a:p>
+        </p:txBody>
+      </p:sp>
+      <p:sp>
+        <p:nvSpPr>
+          <p:cNvPr id="3" name="Zástupný symbol pro obsah 2"/>
+          <p:cNvSpPr>
+            <a:spLocks noGrp="1"/>
+          </p:cNvSpPr>
+          <p:nvPr>
+            <p:ph idx="1"/>
+          </p:nvPr>
+        </p:nvSpPr>
+        <p:spPr/>
+        <p:txBody>
+          <a:bodyPr/>
+          <a:lstStyle/>
+          <a:p>
+            <a:r>
+              <a:rPr lang="cs-CZ" sz="2000" b="1" dirty="0" smtClean="0">
+                <a:ln w="12700">
+                  <a:solidFill>
+                    <a:schemeClr val="tx2">
+                      <a:satMod val="155000"/>
+                    </a:schemeClr>
+                  </a:solidFill>
+                  <a:prstDash val="solid"/>
+                </a:ln>
+                <a:solidFill>
+                  <a:schemeClr val="bg2">
+                    <a:tint val="85000"/>
+                    <a:satMod val="155000"/>
+                  </a:schemeClr>
+                </a:solidFill>
+                <a:effectLst>
+                  <a:outerShdw blurRad="41275" dist="20320" dir="1800000" algn="tl" rotWithShape="0">
+                    <a:srgbClr val="000000">
+                      <a:alpha val="40000"/>
+                    </a:srgbClr>
+                  </a:outerShdw>
+                </a:effectLst>
+              </a:rPr>
+              <a:t>A_</a:t>
+            </a:r>
+            <a:r>
+              <a:rPr lang="cs-CZ" sz="2000" b="1" dirty="0" err="1" smtClean="0">
+                <a:ln w="12700">
+                  <a:solidFill>
+                    <a:schemeClr val="tx2">
+                      <a:satMod val="155000"/>
+                    </a:schemeClr>
+                  </a:solidFill>
+                  <a:prstDash val="solid"/>
+                </a:ln>
+                <a:solidFill>
+                  <a:schemeClr val="bg2">
+                    <a:tint val="85000"/>
+                    <a:satMod val="155000"/>
+                  </a:schemeClr>
+                </a:solidFill>
+                <a:effectLst>
+                  <a:outerShdw blurRad="41275" dist="20320" dir="1800000" algn="tl" rotWithShape="0">
+                    <a:srgbClr val="000000">
+                      <a:alpha val="40000"/>
+                    </a:srgbClr>
+                  </a:outerShdw>
+                </a:effectLst>
+              </a:rPr>
+              <a:t>ProductTagMapperTest</a:t>
+            </a:r>
+            <a:endParaRPr lang="cs-CZ" sz="2000" b="1" dirty="0" smtClean="0">
+              <a:ln w="12700">
+                <a:solidFill>
+                  <a:schemeClr val="tx2">
+                    <a:satMod val="155000"/>
+                  </a:schemeClr>
+                </a:solidFill>
+                <a:prstDash val="solid"/>
+              </a:ln>
+              <a:solidFill>
+                <a:schemeClr val="bg2">
+                  <a:tint val="85000"/>
+                  <a:satMod val="155000"/>
+                </a:schemeClr>
+              </a:solidFill>
+              <a:effectLst>
+                <a:outerShdw blurRad="41275" dist="20320" dir="1800000" algn="tl" rotWithShape="0">
+                  <a:srgbClr val="000000">
+                    <a:alpha val="40000"/>
+                  </a:srgbClr>
+                </a:outerShdw>
+              </a:effectLst>
+            </a:endParaRPr>
+          </a:p>
+          <a:p>
+            <a:pPr lvl="1"/>
+            <a:r>
+              <a:rPr lang="cs-CZ" sz="1800" dirty="0" err="1" smtClean="0"/>
+              <a:t>testCountTags</a:t>
+            </a:r>
+            <a:endParaRPr lang="cs-CZ" sz="1800" dirty="0" smtClean="0"/>
+          </a:p>
+          <a:p>
+            <a:pPr lvl="2">
+              <a:buNone/>
+            </a:pPr>
+            <a:r>
+              <a:rPr lang="cs-CZ" sz="1600" dirty="0" err="1" smtClean="0">
+                <a:solidFill>
+                  <a:schemeClr val="tx1"/>
+                </a:solidFill>
+              </a:rPr>
+              <a:t>select</a:t>
+            </a:r>
+            <a:r>
+              <a:rPr lang="cs-CZ" sz="1600" dirty="0" smtClean="0">
+                <a:solidFill>
+                  <a:schemeClr val="tx1"/>
+                </a:solidFill>
+              </a:rPr>
+              <a:t> </a:t>
+            </a:r>
+            <a:r>
+              <a:rPr lang="cs-CZ" sz="1600" dirty="0" err="1" smtClean="0">
+                <a:solidFill>
+                  <a:schemeClr val="tx1"/>
+                </a:solidFill>
+              </a:rPr>
+              <a:t>count</a:t>
+            </a:r>
+            <a:r>
+              <a:rPr lang="cs-CZ" sz="1600" dirty="0" smtClean="0">
+                <a:solidFill>
+                  <a:schemeClr val="tx1"/>
+                </a:solidFill>
+              </a:rPr>
+              <a:t>(*) </a:t>
+            </a:r>
+            <a:r>
+              <a:rPr lang="cs-CZ" sz="1600" dirty="0" err="1" smtClean="0">
+                <a:solidFill>
+                  <a:schemeClr val="tx1"/>
+                </a:solidFill>
+              </a:rPr>
+              <a:t>from</a:t>
+            </a:r>
+            <a:r>
+              <a:rPr lang="cs-CZ" sz="1600" dirty="0" smtClean="0">
+                <a:solidFill>
+                  <a:schemeClr val="tx1"/>
+                </a:solidFill>
+              </a:rPr>
+              <a:t> </a:t>
+            </a:r>
+            <a:r>
+              <a:rPr lang="cs-CZ" sz="1600" dirty="0" err="1" smtClean="0">
+                <a:solidFill>
+                  <a:schemeClr val="tx1"/>
+                </a:solidFill>
+              </a:rPr>
+              <a:t>tag</a:t>
+            </a:r>
+            <a:endParaRPr lang="cs-CZ" sz="1600" dirty="0" smtClean="0">
+              <a:solidFill>
+                <a:schemeClr val="tx1"/>
+              </a:solidFill>
+            </a:endParaRPr>
+          </a:p>
+          <a:p>
+            <a:pPr lvl="1"/>
+            <a:r>
+              <a:rPr lang="cs-CZ" sz="1800" dirty="0" err="1" smtClean="0"/>
+              <a:t>testGetTagById</a:t>
+            </a:r>
+            <a:r>
+              <a:rPr lang="cs-CZ" sz="1800" dirty="0" smtClean="0"/>
+              <a:t>, </a:t>
+            </a:r>
+            <a:r>
+              <a:rPr lang="cs-CZ" sz="1800" dirty="0" err="1" smtClean="0"/>
+              <a:t>testGetImmutableTagById</a:t>
+            </a:r>
+            <a:endParaRPr lang="cs-CZ" sz="1800" dirty="0" smtClean="0"/>
+          </a:p>
+          <a:p>
+            <a:pPr lvl="2">
+              <a:buNone/>
+            </a:pPr>
+            <a:r>
+              <a:rPr lang="en-US" sz="1600" dirty="0" err="1" smtClean="0">
+                <a:solidFill>
+                  <a:schemeClr val="tx1"/>
+                </a:solidFill>
+              </a:rPr>
+              <a:t>select * from tag where id = </a:t>
+            </a:r>
+            <a:r>
+              <a:rPr lang="cs-CZ" sz="1600" dirty="0" err="1" smtClean="0">
+                <a:solidFill>
+                  <a:schemeClr val="tx1"/>
+                </a:solidFill>
+              </a:rPr>
+              <a:t>?</a:t>
+            </a:r>
+          </a:p>
+          <a:p>
+            <a:pPr lvl="1"/>
+            <a:r>
+              <a:rPr lang="cs-CZ" sz="1800" dirty="0" err="1" smtClean="0"/>
+              <a:t>testCreateTag</a:t>
+            </a:r>
+            <a:endParaRPr lang="cs-CZ" sz="1800" dirty="0" smtClean="0"/>
+          </a:p>
+          <a:p>
+            <a:pPr lvl="2">
+              <a:buNone/>
+            </a:pPr>
+            <a:r>
+              <a:rPr lang="cs-CZ" sz="1600" dirty="0" err="1" smtClean="0">
+                <a:solidFill>
+                  <a:schemeClr val="tx1"/>
+                </a:solidFill>
+              </a:rPr>
+              <a:t>call identity()</a:t>
+            </a:r>
+          </a:p>
+          <a:p>
+            <a:pPr lvl="2">
+              <a:buNone/>
+            </a:pPr>
+            <a:r>
+              <a:rPr lang="en-US" sz="1600" dirty="0" err="1" smtClean="0">
+                <a:solidFill>
+                  <a:schemeClr val="tx1"/>
+                </a:solidFill>
+              </a:rPr>
+              <a:t>insert into tag (name) values (</a:t>
+            </a:r>
+            <a:r>
+              <a:rPr lang="cs-CZ" sz="1600" dirty="0" err="1" smtClean="0">
+                <a:solidFill>
+                  <a:schemeClr val="tx1"/>
+                </a:solidFill>
+              </a:rPr>
+              <a:t>?</a:t>
+            </a:r>
+            <a:r>
+              <a:rPr lang="en-US" sz="1600" dirty="0" err="1" smtClean="0">
+                <a:solidFill>
+                  <a:schemeClr val="tx1"/>
+                </a:solidFill>
+              </a:rPr>
+              <a:t>)</a:t>
+            </a:r>
+            <a:endParaRPr lang="cs-CZ" sz="1600" dirty="0" err="1" smtClean="0">
+              <a:solidFill>
+                <a:schemeClr val="tx1"/>
+              </a:solidFill>
+            </a:endParaRPr>
+          </a:p>
+          <a:p>
+            <a:pPr lvl="1"/>
+            <a:r>
+              <a:rPr lang="cs-CZ" sz="1800" dirty="0" err="1" smtClean="0"/>
+              <a:t>testUpdateTag</a:t>
+            </a:r>
+            <a:endParaRPr lang="cs-CZ" sz="1800" dirty="0" smtClean="0"/>
+          </a:p>
+          <a:p>
+            <a:pPr lvl="2">
+              <a:buNone/>
+            </a:pPr>
+            <a:r>
+              <a:rPr lang="en-US" sz="1600" dirty="0" err="1" smtClean="0">
+                <a:solidFill>
+                  <a:schemeClr val="tx1"/>
+                </a:solidFill>
+              </a:rPr>
+              <a:t>update tag</a:t>
+            </a:r>
+            <a:r>
+              <a:rPr lang="cs-CZ" sz="1600" dirty="0" err="1" smtClean="0">
+                <a:solidFill>
+                  <a:schemeClr val="tx1"/>
+                </a:solidFill>
+              </a:rPr>
+              <a:t> </a:t>
+            </a:r>
+            <a:r>
+              <a:rPr lang="en-US" sz="1600" dirty="0" err="1" smtClean="0">
+                <a:solidFill>
+                  <a:schemeClr val="tx1"/>
+                </a:solidFill>
+              </a:rPr>
+              <a:t>set name = </a:t>
+            </a:r>
+            <a:r>
+              <a:rPr lang="cs-CZ" sz="1600" dirty="0" err="1" smtClean="0">
+                <a:solidFill>
+                  <a:schemeClr val="tx1"/>
+                </a:solidFill>
+              </a:rPr>
+              <a:t>? </a:t>
+            </a:r>
+            <a:r>
+              <a:rPr lang="en-US" sz="1600" dirty="0" err="1" smtClean="0">
+                <a:solidFill>
+                  <a:schemeClr val="tx1"/>
+                </a:solidFill>
+              </a:rPr>
+              <a:t>where id = </a:t>
+            </a:r>
+            <a:r>
+              <a:rPr lang="cs-CZ" sz="1600" dirty="0" err="1" smtClean="0">
+                <a:solidFill>
+                  <a:schemeClr val="tx1"/>
+                </a:solidFill>
+              </a:rPr>
+              <a:t>?</a:t>
+            </a:r>
+          </a:p>
+          <a:p>
+            <a:pPr lvl="1"/>
+            <a:r>
+              <a:rPr lang="cs-CZ" sz="1800" dirty="0" err="1" smtClean="0"/>
+              <a:t>testDeleteTag</a:t>
+            </a:r>
+            <a:endParaRPr lang="cs-CZ" sz="1800" dirty="0" smtClean="0"/>
+          </a:p>
+          <a:p>
+            <a:pPr lvl="2">
+              <a:buNone/>
+            </a:pPr>
+            <a:r>
+              <a:rPr lang="en-US" sz="1600" dirty="0" err="1" smtClean="0">
+                <a:solidFill>
+                  <a:schemeClr val="tx1"/>
+                </a:solidFill>
+              </a:rPr>
+              <a:t>delete from tag where id = </a:t>
+            </a:r>
+            <a:r>
+              <a:rPr lang="cs-CZ" sz="1600" dirty="0" err="1" smtClean="0">
+                <a:solidFill>
+                  <a:schemeClr val="tx1"/>
+                </a:solidFill>
+              </a:rPr>
+              <a:t>?</a:t>
+            </a:r>
+          </a:p>
+          <a:p>
+            <a:pPr lvl="1"/>
+            <a:r>
+              <a:rPr lang="cs-CZ" sz="1800" dirty="0" err="1" smtClean="0"/>
+              <a:t>testListTagsOrdered</a:t>
+            </a:r>
+          </a:p>
+          <a:p>
+            <a:pPr lvl="2">
+              <a:buNone/>
+            </a:pPr>
+            <a:r>
+              <a:rPr lang="en-US" sz="1600" dirty="0" err="1" smtClean="0">
+                <a:solidFill>
+                  <a:schemeClr val="tx1"/>
+                </a:solidFill>
+              </a:rPr>
+              <a:t>select * from tag order by </a:t>
+            </a:r>
+            <a:r>
+              <a:rPr lang="cs-CZ" sz="1600" dirty="0" err="1" smtClean="0">
+                <a:solidFill>
+                  <a:schemeClr val="tx1"/>
+                </a:solidFill>
+              </a:rPr>
+              <a:t>column</a:t>
+            </a:r>
+            <a:r>
+              <a:rPr lang="en-US" sz="1600" dirty="0" err="1" smtClean="0">
+                <a:solidFill>
+                  <a:schemeClr val="tx1"/>
+                </a:solidFill>
+              </a:rPr>
+              <a:t> asc</a:t>
+            </a:r>
+            <a:endParaRPr lang="cs-CZ" sz="1600" dirty="0" err="1" smtClean="0">
+              <a:solidFill>
+                <a:schemeClr val="tx1"/>
+              </a:solidFill>
+            </a:endParaRPr>
+          </a:p>
+          <a:p>
+            <a:pPr lvl="1"/>
+            <a:r>
+              <a:rPr lang="cs-CZ" sz="1800" dirty="0" err="1" smtClean="0"/>
+              <a:t>testGetCalculationsInHashMap</a:t>
+            </a:r>
+          </a:p>
+          <a:p>
+            <a:pPr lvl="2">
+              <a:buNone/>
+            </a:pPr>
+            <a:r>
+              <a:rPr lang="cs-CZ" sz="1600" dirty="0" err="1" smtClean="0">
+                <a:solidFill>
+                  <a:schemeClr val="tx1"/>
+                </a:solidFill>
+              </a:rPr>
+              <a:t>s</a:t>
+            </a:r>
+            <a:r>
+              <a:rPr lang="en-US" sz="1600" dirty="0" err="1" smtClean="0">
+                <a:solidFill>
+                  <a:schemeClr val="tx1"/>
+                </a:solidFill>
+              </a:rPr>
+              <a:t>elect</a:t>
+            </a:r>
+            <a:r>
+              <a:rPr lang="cs-CZ" sz="1600" dirty="0" err="1" smtClean="0">
+                <a:solidFill>
+                  <a:schemeClr val="tx1"/>
+                </a:solidFill>
+              </a:rPr>
+              <a:t> </a:t>
+            </a:r>
+            <a:r>
+              <a:rPr lang="en-US" sz="1600" dirty="0" err="1" smtClean="0">
+                <a:solidFill>
+                  <a:schemeClr val="tx1"/>
+                </a:solidFill>
+              </a:rPr>
+              <a:t>avg(length(name)) as averageLength,</a:t>
+            </a:r>
+            <a:r>
+              <a:rPr lang="cs-CZ" sz="1600" dirty="0" err="1" smtClean="0">
+                <a:solidFill>
+                  <a:schemeClr val="tx1"/>
+                </a:solidFill>
+              </a:rPr>
+              <a:t> </a:t>
+            </a:r>
+            <a:r>
+              <a:rPr lang="en-US" sz="1600" dirty="0" err="1" smtClean="0">
+                <a:solidFill>
+                  <a:schemeClr val="tx1"/>
+                </a:solidFill>
+              </a:rPr>
+              <a:t>min(length(name)) as minLength,</a:t>
+            </a:r>
+            <a:r>
+              <a:rPr lang="cs-CZ" sz="1600" dirty="0" err="1" smtClean="0">
+                <a:solidFill>
+                  <a:schemeClr val="tx1"/>
+                </a:solidFill>
+              </a:rPr>
+              <a:t> </a:t>
+            </a:r>
+            <a:r>
+              <a:rPr lang="en-US" sz="1600" dirty="0" err="1" smtClean="0">
+                <a:solidFill>
+                  <a:schemeClr val="tx1"/>
+                </a:solidFill>
+              </a:rPr>
+              <a:t>max(length(name)) as maxLength</a:t>
+            </a:r>
+            <a:r>
+              <a:rPr lang="cs-CZ" sz="1600" dirty="0" err="1" smtClean="0">
+                <a:solidFill>
+                  <a:schemeClr val="tx1"/>
+                </a:solidFill>
+              </a:rPr>
+              <a:t> </a:t>
+            </a:r>
+            <a:r>
+              <a:rPr lang="en-US" sz="1600" dirty="0" err="1" smtClean="0">
+                <a:solidFill>
+                  <a:schemeClr val="tx1"/>
+                </a:solidFill>
+              </a:rPr>
+              <a:t>from tag</a:t>
+            </a:r>
+            <a:endParaRPr lang="cs-CZ" sz="1600" dirty="0" err="1" smtClean="0">
+              <a:solidFill>
+                <a:schemeClr val="tx1"/>
+              </a:solidFill>
+            </a:endParaRPr>
+          </a:p>
+        </p:txBody>
+      </p:sp>
+      <p:sp>
+        <p:nvSpPr>
+          <p:cNvPr id="4" name="Zástupný symbol pro číslo snímku 3"/>
+          <p:cNvSpPr>
+            <a:spLocks noGrp="1"/>
+          </p:cNvSpPr>
+          <p:nvPr>
+            <p:ph type="sldNum" sz="quarter" idx="10"/>
+          </p:nvPr>
+        </p:nvSpPr>
+        <p:spPr/>
+        <p:txBody>
+          <a:bodyPr/>
+          <a:lstStyle/>
+          <a:p>
+            <a:pPr>
+              <a:defRPr/>
+            </a:pPr>
+            <a:fld id="{9AF1F007-AFEE-4035-9C51-B1CFC008845C}" type="slidenum">
+              <a:rPr lang="cs-CZ" smtClean="0"/>
+              <a:pPr>
+                <a:defRPr/>
+              </a:pPr>
+              <a:t>6</a:t>
+            </a:fld>
+            <a:endParaRPr lang="cs-CZ"/>
+          </a:p>
+        </p:txBody>
+      </p:sp>
+      <p:sp>
+        <p:nvSpPr>
+          <p:cNvPr id="5" name="Zástupný symbol pro zápatí 4"/>
+          <p:cNvSpPr>
+            <a:spLocks noGrp="1"/>
+          </p:cNvSpPr>
+          <p:nvPr>
+            <p:ph type="ftr" sz="quarter" idx="11"/>
+          </p:nvPr>
+        </p:nvSpPr>
+        <p:spPr/>
+        <p:txBody>
+          <a:bodyPr/>
+          <a:lstStyle/>
+          <a:p>
+            <a:pPr>
+              <a:defRPr/>
+            </a:pPr>
+            <a:r>
+              <a:rPr lang="cs-CZ" smtClean="0"/>
+              <a:t>www.fg.cz</a:t>
+            </a:r>
+            <a:endParaRPr lang="cs-CZ"/>
+          </a:p>
+        </p:txBody>
+      </p:sp>
+    </p:spTree>
+  </p:cSld>
+  <p:clrMapOvr>
+    <a:masterClrMapping/>
+  </p:clrMapOvr>
+  <p:transition>
+    <p:fade thruBlk="1"/>
+  </p:transition>
+  <p:timing>
+    <p:tnLst>
+      <p:par>
+        <p:cTn id="1" dur="indefinite" restart="never" nodeType="tmRoot"/>
+      </p:par>
+    </p:tnLst>
+  </p:timing>
+</p:sld>
+</file>
+
+<file path=ppt/slides/slide7.xml><?xml version="1.0" encoding="utf-8"?>
+<p:sld xmlns:a="http://schemas.openxmlformats.org/drawingml/2006/main" xmlns:r="http://schemas.openxmlformats.org/officeDocument/2006/relationships" xmlns:p="http://schemas.openxmlformats.org/presentationml/2006/main">
+  <p:cSld>
+    <p:spTree>
+      <p:nvGrpSpPr>
+        <p:cNvPr id="1" name=""/>
+        <p:cNvGrpSpPr/>
+        <p:nvPr/>
+      </p:nvGrpSpPr>
+      <p:grpSpPr>
+        <a:xfrm>
+          <a:off x="0" y="0"/>
+          <a:ext cx="0" cy="0"/>
+          <a:chOff x="0" y="0"/>
+          <a:chExt cx="0" cy="0"/>
+        </a:xfrm>
+      </p:grpSpPr>
+      <p:sp>
+        <p:nvSpPr>
+          <p:cNvPr id="2" name="Nadpis 1"/>
+          <p:cNvSpPr>
+            <a:spLocks noGrp="1"/>
+          </p:cNvSpPr>
+          <p:nvPr>
+            <p:ph type="title"/>
+          </p:nvPr>
+        </p:nvSpPr>
+        <p:spPr/>
+        <p:txBody>
+          <a:bodyPr/>
+          <a:lstStyle/>
+          <a:p>
+            <a:r>
+              <a:rPr lang="cs-CZ" dirty="0" smtClean="0"/>
+              <a:t>Práce se sekvencemi a </a:t>
+            </a:r>
+            <a:r>
+              <a:rPr lang="cs-CZ" dirty="0" err="1" smtClean="0"/>
+              <a:t>inline</a:t>
+            </a:r>
+            <a:r>
+              <a:rPr lang="cs-CZ" dirty="0" smtClean="0"/>
+              <a:t> parametry</a:t>
+            </a:r>
+            <a:endParaRPr lang="cs-CZ" dirty="0"/>
+          </a:p>
+        </p:txBody>
+      </p:sp>
+      <p:sp>
+        <p:nvSpPr>
+          <p:cNvPr id="3" name="Zástupný symbol pro obsah 2"/>
+          <p:cNvSpPr>
+            <a:spLocks noGrp="1"/>
+          </p:cNvSpPr>
+          <p:nvPr>
+            <p:ph idx="1"/>
+          </p:nvPr>
+        </p:nvSpPr>
+        <p:spPr/>
+        <p:txBody>
+          <a:bodyPr/>
+          <a:lstStyle/>
+          <a:p>
+            <a:r>
+              <a:rPr lang="cs-CZ" sz="2000" b="1" dirty="0" smtClean="0">
+                <a:ln w="12700">
+                  <a:solidFill>
+                    <a:schemeClr val="tx2">
+                      <a:satMod val="155000"/>
+                    </a:schemeClr>
+                  </a:solidFill>
+                  <a:prstDash val="solid"/>
+                </a:ln>
+                <a:solidFill>
+                  <a:schemeClr val="bg2">
+                    <a:tint val="85000"/>
+                    <a:satMod val="155000"/>
+                  </a:schemeClr>
+                </a:solidFill>
+                <a:effectLst>
+                  <a:outerShdw blurRad="41275" dist="20320" dir="1800000" algn="tl" rotWithShape="0">
+                    <a:srgbClr val="000000">
+                      <a:alpha val="40000"/>
+                    </a:srgbClr>
+                  </a:outerShdw>
+                </a:effectLst>
+              </a:rPr>
+              <a:t>B_</a:t>
+            </a:r>
+            <a:r>
+              <a:rPr lang="cs-CZ" sz="2000" b="1" dirty="0" err="1" smtClean="0">
+                <a:ln w="12700">
+                  <a:solidFill>
+                    <a:schemeClr val="tx2">
+                      <a:satMod val="155000"/>
+                    </a:schemeClr>
+                  </a:solidFill>
+                  <a:prstDash val="solid"/>
+                </a:ln>
+                <a:solidFill>
+                  <a:schemeClr val="bg2">
+                    <a:tint val="85000"/>
+                    <a:satMod val="155000"/>
+                  </a:schemeClr>
+                </a:solidFill>
+                <a:effectLst>
+                  <a:outerShdw blurRad="41275" dist="20320" dir="1800000" algn="tl" rotWithShape="0">
+                    <a:srgbClr val="000000">
+                      <a:alpha val="40000"/>
+                    </a:srgbClr>
+                  </a:outerShdw>
+                </a:effectLst>
+              </a:rPr>
+              <a:t>ProductGroupMapperTest</a:t>
+            </a:r>
+            <a:endParaRPr lang="cs-CZ" sz="2000" b="1" dirty="0" smtClean="0">
+              <a:ln w="12700">
+                <a:solidFill>
+                  <a:schemeClr val="tx2">
+                    <a:satMod val="155000"/>
+                  </a:schemeClr>
+                </a:solidFill>
+                <a:prstDash val="solid"/>
+              </a:ln>
+              <a:solidFill>
+                <a:schemeClr val="bg2">
+                  <a:tint val="85000"/>
+                  <a:satMod val="155000"/>
+                </a:schemeClr>
+              </a:solidFill>
+              <a:effectLst>
+                <a:outerShdw blurRad="41275" dist="20320" dir="1800000" algn="tl" rotWithShape="0">
+                  <a:srgbClr val="000000">
+                    <a:alpha val="40000"/>
+                  </a:srgbClr>
+                </a:outerShdw>
+              </a:effectLst>
+            </a:endParaRPr>
+          </a:p>
+          <a:p>
+            <a:pPr lvl="1"/>
+            <a:r>
+              <a:rPr lang="cs-CZ" sz="1800" dirty="0" err="1" smtClean="0"/>
+              <a:t>testCreateGroup</a:t>
+            </a:r>
+            <a:r>
+              <a:rPr lang="cs-CZ" sz="1800" dirty="0" smtClean="0"/>
+              <a:t>, </a:t>
+            </a:r>
+            <a:r>
+              <a:rPr lang="cs-CZ" sz="1800" dirty="0" err="1" smtClean="0"/>
+              <a:t>testCreateGroupWithNullValue</a:t>
+            </a:r>
+            <a:endParaRPr lang="cs-CZ" sz="1800" dirty="0" smtClean="0"/>
+          </a:p>
+          <a:p>
+            <a:pPr lvl="2">
+              <a:buNone/>
+            </a:pPr>
+            <a:r>
+              <a:rPr lang="en-US" sz="1600" dirty="0" smtClean="0">
+                <a:solidFill>
+                  <a:schemeClr val="tx1"/>
+                </a:solidFill>
+              </a:rPr>
+              <a:t>call next value for </a:t>
+            </a:r>
+            <a:r>
+              <a:rPr lang="en-US" sz="1600" dirty="0" err="1" smtClean="0">
+                <a:solidFill>
+                  <a:schemeClr val="tx1"/>
+                </a:solidFill>
+              </a:rPr>
+              <a:t>groupSequence</a:t>
+            </a:r>
+            <a:endParaRPr lang="cs-CZ" sz="1600" dirty="0" smtClean="0">
+              <a:solidFill>
+                <a:schemeClr val="tx1"/>
+              </a:solidFill>
+            </a:endParaRPr>
+          </a:p>
+          <a:p>
+            <a:pPr lvl="2">
+              <a:buNone/>
+            </a:pPr>
+            <a:r>
+              <a:rPr lang="cs-CZ" sz="1600" dirty="0" smtClean="0">
+                <a:solidFill>
+                  <a:schemeClr val="tx1"/>
+                </a:solidFill>
+              </a:rPr>
+              <a:t>insert </a:t>
+            </a:r>
+            <a:r>
+              <a:rPr lang="cs-CZ" sz="1600" dirty="0" err="1" smtClean="0">
+                <a:solidFill>
+                  <a:schemeClr val="tx1"/>
+                </a:solidFill>
+              </a:rPr>
+              <a:t>into</a:t>
+            </a:r>
+            <a:r>
+              <a:rPr lang="cs-CZ" sz="1600" dirty="0" smtClean="0">
+                <a:solidFill>
+                  <a:schemeClr val="tx1"/>
+                </a:solidFill>
+              </a:rPr>
+              <a:t> </a:t>
+            </a:r>
+            <a:r>
+              <a:rPr lang="cs-CZ" sz="1600" dirty="0" err="1" smtClean="0">
+                <a:solidFill>
+                  <a:schemeClr val="tx1"/>
+                </a:solidFill>
+              </a:rPr>
+              <a:t>productGroup</a:t>
+            </a:r>
+            <a:r>
+              <a:rPr lang="cs-CZ" sz="1600" dirty="0" smtClean="0">
+                <a:solidFill>
+                  <a:schemeClr val="tx1"/>
+                </a:solidFill>
+              </a:rPr>
+              <a:t> (id, </a:t>
+            </a:r>
+            <a:r>
+              <a:rPr lang="cs-CZ" sz="1600" dirty="0" err="1" smtClean="0">
+                <a:solidFill>
+                  <a:schemeClr val="tx1"/>
+                </a:solidFill>
+              </a:rPr>
+              <a:t>name</a:t>
+            </a:r>
+            <a:r>
+              <a:rPr lang="cs-CZ" sz="1600" dirty="0" smtClean="0">
+                <a:solidFill>
+                  <a:schemeClr val="tx1"/>
+                </a:solidFill>
+              </a:rPr>
+              <a:t>, </a:t>
+            </a:r>
+            <a:r>
+              <a:rPr lang="cs-CZ" sz="1600" dirty="0" err="1" smtClean="0">
+                <a:solidFill>
+                  <a:schemeClr val="tx1"/>
+                </a:solidFill>
+              </a:rPr>
+              <a:t>groupType</a:t>
+            </a:r>
+            <a:r>
+              <a:rPr lang="cs-CZ" sz="1600" dirty="0" smtClean="0">
+                <a:solidFill>
+                  <a:schemeClr val="tx1"/>
+                </a:solidFill>
+              </a:rPr>
+              <a:t>) </a:t>
+            </a:r>
+            <a:r>
+              <a:rPr lang="cs-CZ" sz="1600" dirty="0" err="1" smtClean="0">
+                <a:solidFill>
+                  <a:schemeClr val="tx1"/>
+                </a:solidFill>
+              </a:rPr>
+              <a:t>values</a:t>
+            </a:r>
+            <a:r>
+              <a:rPr lang="cs-CZ" sz="1600" dirty="0" smtClean="0">
+                <a:solidFill>
+                  <a:schemeClr val="tx1"/>
+                </a:solidFill>
+              </a:rPr>
+              <a:t> (?, ?, ?)</a:t>
+            </a:r>
+          </a:p>
+        </p:txBody>
+      </p:sp>
+      <p:sp>
+        <p:nvSpPr>
+          <p:cNvPr id="4" name="Zástupný symbol pro číslo snímku 3"/>
+          <p:cNvSpPr>
+            <a:spLocks noGrp="1"/>
+          </p:cNvSpPr>
+          <p:nvPr>
+            <p:ph type="sldNum" sz="quarter" idx="10"/>
+          </p:nvPr>
+        </p:nvSpPr>
+        <p:spPr/>
+        <p:txBody>
+          <a:bodyPr/>
+          <a:lstStyle/>
+          <a:p>
+            <a:pPr>
+              <a:defRPr/>
+            </a:pPr>
+            <a:fld id="{9AF1F007-AFEE-4035-9C51-B1CFC008845C}" type="slidenum">
+              <a:rPr lang="cs-CZ" smtClean="0"/>
+              <a:pPr>
+                <a:defRPr/>
+              </a:pPr>
+              <a:t>7</a:t>
+            </a:fld>
+            <a:endParaRPr lang="cs-CZ"/>
+          </a:p>
+        </p:txBody>
+      </p:sp>
+      <p:sp>
+        <p:nvSpPr>
+          <p:cNvPr id="5" name="Zástupný symbol pro zápatí 4"/>
+          <p:cNvSpPr>
+            <a:spLocks noGrp="1"/>
+          </p:cNvSpPr>
+          <p:nvPr>
+            <p:ph type="ftr" sz="quarter" idx="11"/>
+          </p:nvPr>
+        </p:nvSpPr>
+        <p:spPr/>
+        <p:txBody>
+          <a:bodyPr/>
+          <a:lstStyle/>
+          <a:p>
+            <a:pPr>
+              <a:defRPr/>
+            </a:pPr>
+            <a:r>
+              <a:rPr lang="cs-CZ" smtClean="0"/>
+              <a:t>www.fg.cz</a:t>
+            </a:r>
+            <a:endParaRPr lang="cs-CZ"/>
+          </a:p>
+        </p:txBody>
+      </p:sp>
+    </p:spTree>
+  </p:cSld>
+  <p:clrMapOvr>
+    <a:masterClrMapping/>
+  </p:clrMapOvr>
+  <p:transition>
+    <p:fade thruBlk="1"/>
+  </p:transition>
+  <p:timing>
+    <p:tnLst>
+      <p:par>
+        <p:cTn id="1" dur="indefinite" restart="never" nodeType="tmRoot"/>
+      </p:par>
+    </p:tnLst>
+  </p:timing>
+</p:sld>
+</file>
+
+<file path=ppt/slides/slide8.xml><?xml version="1.0" encoding="utf-8"?>
+<p:sld xmlns:a="http://schemas.openxmlformats.org/drawingml/2006/main" xmlns:r="http://schemas.openxmlformats.org/officeDocument/2006/relationships" xmlns:p="http://schemas.openxmlformats.org/presentationml/2006/main">
+  <p:cSld>
+    <p:spTree>
+      <p:nvGrpSpPr>
+        <p:cNvPr id="1" name=""/>
+        <p:cNvGrpSpPr/>
+        <p:nvPr/>
+      </p:nvGrpSpPr>
+      <p:grpSpPr>
+        <a:xfrm>
+          <a:off x="0" y="0"/>
+          <a:ext cx="0" cy="0"/>
+          <a:chOff x="0" y="0"/>
+          <a:chExt cx="0" cy="0"/>
+        </a:xfrm>
+      </p:grpSpPr>
+      <p:sp>
+        <p:nvSpPr>
+          <p:cNvPr id="2" name="Nadpis 1"/>
+          <p:cNvSpPr>
+            <a:spLocks noGrp="1"/>
+          </p:cNvSpPr>
+          <p:nvPr>
+            <p:ph type="title"/>
+          </p:nvPr>
+        </p:nvSpPr>
+        <p:spPr/>
+        <p:txBody>
+          <a:bodyPr/>
+          <a:lstStyle/>
+          <a:p>
+            <a:r>
+              <a:rPr lang="cs-CZ" dirty="0" smtClean="0"/>
+              <a:t>Asociace a kolekce - </a:t>
+            </a:r>
+            <a:r>
+              <a:rPr lang="cs-CZ" dirty="0" err="1" smtClean="0"/>
+              <a:t>l</a:t>
+            </a:r>
+            <a:r>
+              <a:rPr lang="cs-CZ" dirty="0" err="1" smtClean="0"/>
+              <a:t>azy</a:t>
+            </a:r>
+            <a:r>
+              <a:rPr lang="cs-CZ" dirty="0" smtClean="0"/>
+              <a:t> </a:t>
+            </a:r>
+            <a:r>
+              <a:rPr lang="cs-CZ" dirty="0" err="1" smtClean="0"/>
+              <a:t>loading</a:t>
+            </a:r>
+            <a:endParaRPr lang="cs-CZ" dirty="0"/>
+          </a:p>
+        </p:txBody>
+      </p:sp>
+      <p:sp>
+        <p:nvSpPr>
+          <p:cNvPr id="3" name="Zástupný symbol pro obsah 2"/>
+          <p:cNvSpPr>
+            <a:spLocks noGrp="1"/>
+          </p:cNvSpPr>
+          <p:nvPr>
+            <p:ph idx="1"/>
+          </p:nvPr>
+        </p:nvSpPr>
+        <p:spPr/>
+        <p:txBody>
+          <a:bodyPr/>
+          <a:lstStyle/>
+          <a:p>
+            <a:r>
+              <a:rPr lang="cs-CZ" sz="2000" b="1" dirty="0" smtClean="0">
+                <a:ln w="12700">
+                  <a:solidFill>
+                    <a:schemeClr val="tx2">
+                      <a:satMod val="155000"/>
+                    </a:schemeClr>
+                  </a:solidFill>
+                  <a:prstDash val="solid"/>
+                </a:ln>
+                <a:solidFill>
+                  <a:schemeClr val="bg2">
+                    <a:tint val="85000"/>
+                    <a:satMod val="155000"/>
+                  </a:schemeClr>
+                </a:solidFill>
+                <a:effectLst>
+                  <a:outerShdw blurRad="41275" dist="20320" dir="1800000" algn="tl" rotWithShape="0">
+                    <a:srgbClr val="000000">
+                      <a:alpha val="40000"/>
+                    </a:srgbClr>
+                  </a:outerShdw>
+                </a:effectLst>
+              </a:rPr>
+              <a:t>C_</a:t>
+            </a:r>
+            <a:r>
+              <a:rPr lang="cs-CZ" sz="2000" b="1" dirty="0" err="1" smtClean="0">
+                <a:ln w="12700">
+                  <a:solidFill>
+                    <a:schemeClr val="tx2">
+                      <a:satMod val="155000"/>
+                    </a:schemeClr>
+                  </a:solidFill>
+                  <a:prstDash val="solid"/>
+                </a:ln>
+                <a:solidFill>
+                  <a:schemeClr val="bg2">
+                    <a:tint val="85000"/>
+                    <a:satMod val="155000"/>
+                  </a:schemeClr>
+                </a:solidFill>
+                <a:effectLst>
+                  <a:outerShdw blurRad="41275" dist="20320" dir="1800000" algn="tl" rotWithShape="0">
+                    <a:srgbClr val="000000">
+                      <a:alpha val="40000"/>
+                    </a:srgbClr>
+                  </a:outerShdw>
+                </a:effectLst>
+              </a:rPr>
+              <a:t>ProductMapperTest</a:t>
+            </a:r>
+            <a:endParaRPr lang="cs-CZ" sz="2000" b="1" dirty="0" smtClean="0">
+              <a:ln w="12700">
+                <a:solidFill>
+                  <a:schemeClr val="tx2">
+                    <a:satMod val="155000"/>
+                  </a:schemeClr>
+                </a:solidFill>
+                <a:prstDash val="solid"/>
+              </a:ln>
+              <a:solidFill>
+                <a:schemeClr val="bg2">
+                  <a:tint val="85000"/>
+                  <a:satMod val="155000"/>
+                </a:schemeClr>
+              </a:solidFill>
+              <a:effectLst>
+                <a:outerShdw blurRad="41275" dist="20320" dir="1800000" algn="tl" rotWithShape="0">
+                  <a:srgbClr val="000000">
+                    <a:alpha val="40000"/>
+                  </a:srgbClr>
+                </a:outerShdw>
+              </a:effectLst>
+            </a:endParaRPr>
+          </a:p>
+          <a:p>
+            <a:pPr lvl="1"/>
+            <a:r>
+              <a:rPr lang="cs-CZ" sz="1800" dirty="0" err="1" smtClean="0"/>
+              <a:t>testGetLazyProductById</a:t>
+            </a:r>
+            <a:endParaRPr lang="cs-CZ" sz="1800" dirty="0" smtClean="0"/>
+          </a:p>
+          <a:p>
+            <a:pPr lvl="2">
+              <a:buNone/>
+            </a:pPr>
+            <a:r>
+              <a:rPr lang="en-US" sz="1600" dirty="0" smtClean="0">
+                <a:solidFill>
+                  <a:schemeClr val="tx1"/>
+                </a:solidFill>
+              </a:rPr>
+              <a:t>select * from product where id = </a:t>
+            </a:r>
+            <a:r>
+              <a:rPr lang="cs-CZ" sz="1600" dirty="0" smtClean="0">
+                <a:solidFill>
+                  <a:schemeClr val="tx1"/>
+                </a:solidFill>
+              </a:rPr>
+              <a:t>?</a:t>
+            </a:r>
+          </a:p>
+          <a:p>
+            <a:pPr lvl="2">
+              <a:buNone/>
+            </a:pPr>
+            <a:r>
+              <a:rPr lang="en-US" sz="1600" dirty="0" smtClean="0">
+                <a:solidFill>
+                  <a:schemeClr val="tx1"/>
+                </a:solidFill>
+              </a:rPr>
+              <a:t>select * from </a:t>
+            </a:r>
+            <a:r>
+              <a:rPr lang="en-US" sz="1600" dirty="0" err="1" smtClean="0">
+                <a:solidFill>
+                  <a:schemeClr val="tx1"/>
+                </a:solidFill>
+              </a:rPr>
+              <a:t>productGroup</a:t>
+            </a:r>
+            <a:r>
+              <a:rPr lang="en-US" sz="1600" dirty="0" smtClean="0">
+                <a:solidFill>
+                  <a:schemeClr val="tx1"/>
+                </a:solidFill>
+              </a:rPr>
+              <a:t> where id = </a:t>
+            </a:r>
+            <a:r>
+              <a:rPr lang="cs-CZ" sz="1600" dirty="0" smtClean="0">
+                <a:solidFill>
+                  <a:schemeClr val="tx1"/>
+                </a:solidFill>
+              </a:rPr>
+              <a:t>?</a:t>
+            </a:r>
+            <a:endParaRPr lang="cs-CZ" sz="1600" dirty="0" smtClean="0">
+              <a:solidFill>
+                <a:schemeClr val="tx1"/>
+              </a:solidFill>
+            </a:endParaRPr>
+          </a:p>
+          <a:p>
+            <a:pPr lvl="1"/>
+            <a:r>
+              <a:rPr lang="cs-CZ" sz="1800" dirty="0" err="1" smtClean="0"/>
+              <a:t>testGetFullLazyProductById</a:t>
+            </a:r>
+            <a:endParaRPr lang="cs-CZ" sz="1800" dirty="0" smtClean="0"/>
+          </a:p>
+          <a:p>
+            <a:pPr lvl="2">
+              <a:buNone/>
+            </a:pPr>
+            <a:r>
+              <a:rPr lang="en-US" sz="1600" dirty="0" smtClean="0">
+                <a:solidFill>
+                  <a:schemeClr val="tx1"/>
+                </a:solidFill>
+              </a:rPr>
+              <a:t>select * from product where id = </a:t>
+            </a:r>
+            <a:r>
+              <a:rPr lang="cs-CZ" sz="1600" dirty="0" smtClean="0">
+                <a:solidFill>
+                  <a:schemeClr val="tx1"/>
+                </a:solidFill>
+              </a:rPr>
+              <a:t>?</a:t>
+            </a:r>
+          </a:p>
+          <a:p>
+            <a:pPr lvl="2">
+              <a:buNone/>
+            </a:pPr>
+            <a:r>
+              <a:rPr lang="en-US" sz="1600" dirty="0" smtClean="0">
+                <a:solidFill>
+                  <a:schemeClr val="tx1"/>
+                </a:solidFill>
+              </a:rPr>
+              <a:t>select * from </a:t>
+            </a:r>
+            <a:r>
+              <a:rPr lang="en-US" sz="1600" dirty="0" err="1" smtClean="0">
+                <a:solidFill>
+                  <a:schemeClr val="tx1"/>
+                </a:solidFill>
+              </a:rPr>
+              <a:t>productGroup</a:t>
+            </a:r>
+            <a:r>
+              <a:rPr lang="en-US" sz="1600" dirty="0" smtClean="0">
+                <a:solidFill>
+                  <a:schemeClr val="tx1"/>
+                </a:solidFill>
+              </a:rPr>
+              <a:t> where id = </a:t>
+            </a:r>
+            <a:r>
+              <a:rPr lang="cs-CZ" sz="1600" dirty="0" smtClean="0">
+                <a:solidFill>
+                  <a:schemeClr val="tx1"/>
+                </a:solidFill>
+              </a:rPr>
+              <a:t>?</a:t>
+            </a:r>
+          </a:p>
+          <a:p>
+            <a:pPr lvl="2">
+              <a:buNone/>
+            </a:pPr>
+            <a:r>
+              <a:rPr lang="cs-CZ" sz="1600" dirty="0" err="1" smtClean="0">
+                <a:solidFill>
+                  <a:schemeClr val="tx1"/>
+                </a:solidFill>
+              </a:rPr>
+              <a:t>select</a:t>
+            </a:r>
+            <a:r>
+              <a:rPr lang="cs-CZ" sz="1600" dirty="0" smtClean="0">
+                <a:solidFill>
+                  <a:schemeClr val="tx1"/>
+                </a:solidFill>
+              </a:rPr>
+              <a:t> * </a:t>
+            </a:r>
+            <a:r>
+              <a:rPr lang="cs-CZ" sz="1600" dirty="0" err="1" smtClean="0">
+                <a:solidFill>
+                  <a:schemeClr val="tx1"/>
+                </a:solidFill>
+              </a:rPr>
+              <a:t>from</a:t>
+            </a:r>
+            <a:r>
+              <a:rPr lang="cs-CZ" sz="1600" dirty="0" smtClean="0">
+                <a:solidFill>
+                  <a:schemeClr val="tx1"/>
+                </a:solidFill>
+              </a:rPr>
+              <a:t> </a:t>
+            </a:r>
+            <a:r>
+              <a:rPr lang="cs-CZ" sz="1600" dirty="0" err="1" smtClean="0">
+                <a:solidFill>
+                  <a:schemeClr val="tx1"/>
+                </a:solidFill>
+              </a:rPr>
+              <a:t>tag</a:t>
+            </a:r>
+            <a:r>
+              <a:rPr lang="cs-CZ" sz="1600" dirty="0" smtClean="0">
+                <a:solidFill>
+                  <a:schemeClr val="tx1"/>
+                </a:solidFill>
+              </a:rPr>
+              <a:t> </a:t>
+            </a:r>
+            <a:r>
+              <a:rPr lang="cs-CZ" sz="1600" dirty="0" err="1" smtClean="0">
+                <a:solidFill>
+                  <a:schemeClr val="tx1"/>
+                </a:solidFill>
+              </a:rPr>
+              <a:t>inner</a:t>
+            </a:r>
+            <a:r>
+              <a:rPr lang="cs-CZ" sz="1600" dirty="0" smtClean="0">
+                <a:solidFill>
+                  <a:schemeClr val="tx1"/>
+                </a:solidFill>
+              </a:rPr>
+              <a:t> </a:t>
+            </a:r>
+            <a:r>
+              <a:rPr lang="cs-CZ" sz="1600" dirty="0" err="1" smtClean="0">
+                <a:solidFill>
+                  <a:schemeClr val="tx1"/>
+                </a:solidFill>
+              </a:rPr>
+              <a:t>join</a:t>
+            </a:r>
+            <a:r>
+              <a:rPr lang="cs-CZ" sz="1600" dirty="0" smtClean="0">
+                <a:solidFill>
+                  <a:schemeClr val="tx1"/>
+                </a:solidFill>
+              </a:rPr>
+              <a:t> </a:t>
+            </a:r>
+            <a:r>
+              <a:rPr lang="cs-CZ" sz="1600" dirty="0" err="1" smtClean="0">
+                <a:solidFill>
+                  <a:schemeClr val="tx1"/>
+                </a:solidFill>
+              </a:rPr>
+              <a:t>productTag</a:t>
+            </a:r>
+            <a:r>
+              <a:rPr lang="cs-CZ" sz="1600" dirty="0" smtClean="0">
+                <a:solidFill>
+                  <a:schemeClr val="tx1"/>
+                </a:solidFill>
+              </a:rPr>
+              <a:t> on </a:t>
+            </a:r>
+            <a:r>
+              <a:rPr lang="cs-CZ" sz="1600" dirty="0" err="1" smtClean="0">
+                <a:solidFill>
+                  <a:schemeClr val="tx1"/>
+                </a:solidFill>
+              </a:rPr>
+              <a:t>productTag.idTag</a:t>
+            </a:r>
+            <a:r>
+              <a:rPr lang="cs-CZ" sz="1600" dirty="0" smtClean="0">
+                <a:solidFill>
+                  <a:schemeClr val="tx1"/>
+                </a:solidFill>
+              </a:rPr>
+              <a:t> = </a:t>
+            </a:r>
+            <a:r>
+              <a:rPr lang="cs-CZ" sz="1600" dirty="0" err="1" smtClean="0">
+                <a:solidFill>
+                  <a:schemeClr val="tx1"/>
+                </a:solidFill>
+              </a:rPr>
+              <a:t>tag.id</a:t>
+            </a:r>
+            <a:r>
+              <a:rPr lang="cs-CZ" sz="1600" dirty="0" smtClean="0">
+                <a:solidFill>
+                  <a:schemeClr val="tx1"/>
+                </a:solidFill>
+              </a:rPr>
+              <a:t> </a:t>
+            </a:r>
+            <a:r>
+              <a:rPr lang="cs-CZ" sz="1600" dirty="0" err="1" smtClean="0">
+                <a:solidFill>
+                  <a:schemeClr val="tx1"/>
+                </a:solidFill>
+              </a:rPr>
+              <a:t>where</a:t>
+            </a:r>
+            <a:r>
+              <a:rPr lang="cs-CZ" sz="1600" dirty="0" smtClean="0">
+                <a:solidFill>
+                  <a:schemeClr val="tx1"/>
+                </a:solidFill>
+              </a:rPr>
+              <a:t> </a:t>
+            </a:r>
+            <a:r>
+              <a:rPr lang="cs-CZ" sz="1600" dirty="0" err="1" smtClean="0">
+                <a:solidFill>
+                  <a:schemeClr val="tx1"/>
+                </a:solidFill>
+              </a:rPr>
+              <a:t>productTag.idProduct</a:t>
+            </a:r>
+            <a:r>
+              <a:rPr lang="cs-CZ" sz="1600" dirty="0" smtClean="0">
+                <a:solidFill>
+                  <a:schemeClr val="tx1"/>
+                </a:solidFill>
+              </a:rPr>
+              <a:t> = ?</a:t>
+            </a:r>
+            <a:endParaRPr lang="cs-CZ" sz="1600" dirty="0" smtClean="0">
+              <a:solidFill>
+                <a:schemeClr val="tx1"/>
+              </a:solidFill>
+            </a:endParaRPr>
+          </a:p>
+        </p:txBody>
+      </p:sp>
+      <p:sp>
+        <p:nvSpPr>
+          <p:cNvPr id="4" name="Zástupný symbol pro číslo snímku 3"/>
+          <p:cNvSpPr>
+            <a:spLocks noGrp="1"/>
+          </p:cNvSpPr>
+          <p:nvPr>
+            <p:ph type="sldNum" sz="quarter" idx="10"/>
+          </p:nvPr>
+        </p:nvSpPr>
+        <p:spPr/>
+        <p:txBody>
+          <a:bodyPr/>
+          <a:lstStyle/>
+          <a:p>
+            <a:pPr>
+              <a:defRPr/>
+            </a:pPr>
+            <a:fld id="{9AF1F007-AFEE-4035-9C51-B1CFC008845C}" type="slidenum">
+              <a:rPr lang="cs-CZ" smtClean="0"/>
+              <a:pPr>
+                <a:defRPr/>
+              </a:pPr>
+              <a:t>8</a:t>
+            </a:fld>
+            <a:endParaRPr lang="cs-CZ"/>
+          </a:p>
+        </p:txBody>
+      </p:sp>
+      <p:sp>
+        <p:nvSpPr>
+          <p:cNvPr id="5" name="Zástupný symbol pro zápatí 4"/>
+          <p:cNvSpPr>
+            <a:spLocks noGrp="1"/>
+          </p:cNvSpPr>
+          <p:nvPr>
+            <p:ph type="ftr" sz="quarter" idx="11"/>
+          </p:nvPr>
+        </p:nvSpPr>
+        <p:spPr/>
+        <p:txBody>
+          <a:bodyPr/>
+          <a:lstStyle/>
+          <a:p>
+            <a:pPr>
+              <a:defRPr/>
+            </a:pPr>
+            <a:r>
+              <a:rPr lang="cs-CZ" smtClean="0"/>
+              <a:t>www.fg.cz</a:t>
+            </a:r>
+            <a:endParaRPr lang="cs-CZ"/>
+          </a:p>
+        </p:txBody>
+      </p:sp>
+    </p:spTree>
+  </p:cSld>
+  <p:clrMapOvr>
+    <a:masterClrMapping/>
+  </p:clrMapOvr>
+  <p:transition>
+    <p:fade thruBlk="1"/>
+  </p:transition>
+  <p:timing>
+    <p:tnLst>
+      <p:par>
+        <p:cTn id="1" dur="indefinite" restart="never" nodeType="tmRoot"/>
+      </p:par>
+    </p:tnLst>
+  </p:timing>
+</p:sld>
+</file>
+
+<file path=ppt/slides/slide9.xml><?xml version="1.0" encoding="utf-8"?>
+<p:sld xmlns:a="http://schemas.openxmlformats.org/drawingml/2006/main" xmlns:r="http://schemas.openxmlformats.org/officeDocument/2006/relationships" xmlns:p="http://schemas.openxmlformats.org/presentationml/2006/main">
+  <p:cSld>
+    <p:spTree>
+      <p:nvGrpSpPr>
+        <p:cNvPr id="1" name=""/>
+        <p:cNvGrpSpPr/>
+        <p:nvPr/>
+      </p:nvGrpSpPr>
+      <p:grpSpPr>
+        <a:xfrm>
+          <a:off x="0" y="0"/>
+          <a:ext cx="0" cy="0"/>
+          <a:chOff x="0" y="0"/>
+          <a:chExt cx="0" cy="0"/>
+        </a:xfrm>
+      </p:grpSpPr>
+      <p:sp>
+        <p:nvSpPr>
+          <p:cNvPr id="2" name="Nadpis 1"/>
+          <p:cNvSpPr>
+            <a:spLocks noGrp="1"/>
+          </p:cNvSpPr>
+          <p:nvPr>
+            <p:ph type="title"/>
+          </p:nvPr>
+        </p:nvSpPr>
+        <p:spPr/>
+        <p:txBody>
+          <a:bodyPr/>
+          <a:lstStyle/>
+          <a:p>
+            <a:r>
+              <a:rPr lang="cs-CZ" dirty="0" smtClean="0"/>
+              <a:t>Asociace a </a:t>
+            </a:r>
+            <a:r>
+              <a:rPr lang="cs-CZ" dirty="0" smtClean="0"/>
+              <a:t>kolekce – </a:t>
+            </a:r>
+            <a:r>
+              <a:rPr lang="cs-CZ" dirty="0" err="1" smtClean="0"/>
+              <a:t>inner</a:t>
+            </a:r>
+            <a:r>
+              <a:rPr lang="cs-CZ" dirty="0" smtClean="0"/>
+              <a:t> </a:t>
+            </a:r>
+            <a:r>
+              <a:rPr lang="cs-CZ" dirty="0" err="1" smtClean="0"/>
+              <a:t>join</a:t>
+            </a:r>
+            <a:endParaRPr lang="cs-CZ" dirty="0"/>
+          </a:p>
+        </p:txBody>
+      </p:sp>
+      <p:sp>
+        <p:nvSpPr>
+          <p:cNvPr id="3" name="Zástupný symbol pro obsah 2"/>
+          <p:cNvSpPr>
+            <a:spLocks noGrp="1"/>
+          </p:cNvSpPr>
+          <p:nvPr>
+            <p:ph idx="1"/>
+          </p:nvPr>
+        </p:nvSpPr>
+        <p:spPr/>
+        <p:txBody>
+          <a:bodyPr/>
+          <a:lstStyle/>
+          <a:p>
+            <a:r>
+              <a:rPr lang="cs-CZ" sz="2000" b="1" dirty="0" smtClean="0">
+                <a:ln w="12700">
+                  <a:solidFill>
+                    <a:schemeClr val="tx2">
+                      <a:satMod val="155000"/>
+                    </a:schemeClr>
+                  </a:solidFill>
+                  <a:prstDash val="solid"/>
+                </a:ln>
+                <a:solidFill>
+                  <a:schemeClr val="bg2">
+                    <a:tint val="85000"/>
+                    <a:satMod val="155000"/>
+                  </a:schemeClr>
+                </a:solidFill>
+                <a:effectLst>
+                  <a:outerShdw blurRad="41275" dist="20320" dir="1800000" algn="tl" rotWithShape="0">
+                    <a:srgbClr val="000000">
+                      <a:alpha val="40000"/>
+                    </a:srgbClr>
+                  </a:outerShdw>
+                </a:effectLst>
+              </a:rPr>
+              <a:t>C_</a:t>
+            </a:r>
+            <a:r>
+              <a:rPr lang="cs-CZ" sz="2000" b="1" dirty="0" err="1" smtClean="0">
+                <a:ln w="12700">
+                  <a:solidFill>
+                    <a:schemeClr val="tx2">
+                      <a:satMod val="155000"/>
+                    </a:schemeClr>
+                  </a:solidFill>
+                  <a:prstDash val="solid"/>
+                </a:ln>
+                <a:solidFill>
+                  <a:schemeClr val="bg2">
+                    <a:tint val="85000"/>
+                    <a:satMod val="155000"/>
+                  </a:schemeClr>
+                </a:solidFill>
+                <a:effectLst>
+                  <a:outerShdw blurRad="41275" dist="20320" dir="1800000" algn="tl" rotWithShape="0">
+                    <a:srgbClr val="000000">
+                      <a:alpha val="40000"/>
+                    </a:srgbClr>
+                  </a:outerShdw>
+                </a:effectLst>
+              </a:rPr>
+              <a:t>ProductMapperTest</a:t>
+            </a:r>
+            <a:endParaRPr lang="cs-CZ" sz="2000" b="1" dirty="0" smtClean="0">
+              <a:ln w="12700">
+                <a:solidFill>
+                  <a:schemeClr val="tx2">
+                    <a:satMod val="155000"/>
+                  </a:schemeClr>
+                </a:solidFill>
+                <a:prstDash val="solid"/>
+              </a:ln>
+              <a:solidFill>
+                <a:schemeClr val="bg2">
+                  <a:tint val="85000"/>
+                  <a:satMod val="155000"/>
+                </a:schemeClr>
+              </a:solidFill>
+              <a:effectLst>
+                <a:outerShdw blurRad="41275" dist="20320" dir="1800000" algn="tl" rotWithShape="0">
+                  <a:srgbClr val="000000">
+                    <a:alpha val="40000"/>
+                  </a:srgbClr>
+                </a:outerShdw>
+              </a:effectLst>
+            </a:endParaRPr>
+          </a:p>
+          <a:p>
+            <a:pPr lvl="1"/>
+            <a:r>
+              <a:rPr lang="cs-CZ" sz="1800" dirty="0" err="1" smtClean="0"/>
+              <a:t>testGetProducts</a:t>
+            </a:r>
+            <a:r>
+              <a:rPr lang="cs-CZ" sz="1800" dirty="0" smtClean="0"/>
+              <a:t>, </a:t>
+            </a:r>
+            <a:r>
+              <a:rPr lang="cs-CZ" sz="1800" dirty="0" err="1" smtClean="0"/>
+              <a:t>testGetProductsRowBounds</a:t>
+            </a:r>
+            <a:endParaRPr lang="cs-CZ" sz="1800" dirty="0" smtClean="0"/>
+          </a:p>
+          <a:p>
+            <a:pPr lvl="2">
+              <a:buNone/>
+            </a:pPr>
+            <a:r>
+              <a:rPr lang="cs-CZ" sz="1600" dirty="0" err="1" smtClean="0">
+                <a:solidFill>
+                  <a:schemeClr val="tx1"/>
+                </a:solidFill>
+              </a:rPr>
+              <a:t>select</a:t>
+            </a:r>
+            <a:r>
+              <a:rPr lang="cs-CZ" sz="1600" dirty="0" smtClean="0">
+                <a:solidFill>
+                  <a:schemeClr val="tx1"/>
+                </a:solidFill>
+              </a:rPr>
+              <a:t> </a:t>
+            </a:r>
+            <a:r>
+              <a:rPr lang="cs-CZ" sz="1600" dirty="0" err="1" smtClean="0">
+                <a:solidFill>
+                  <a:schemeClr val="tx1"/>
+                </a:solidFill>
+              </a:rPr>
+              <a:t>product</a:t>
+            </a:r>
+            <a:r>
+              <a:rPr lang="cs-CZ" sz="1600" dirty="0" smtClean="0">
+                <a:solidFill>
+                  <a:schemeClr val="tx1"/>
+                </a:solidFill>
+              </a:rPr>
+              <a:t>.*, </a:t>
+            </a:r>
+            <a:r>
+              <a:rPr lang="cs-CZ" sz="1600" dirty="0" err="1" smtClean="0">
+                <a:solidFill>
+                  <a:schemeClr val="tx1"/>
+                </a:solidFill>
+              </a:rPr>
+              <a:t>productGroup.name</a:t>
+            </a:r>
+            <a:r>
+              <a:rPr lang="cs-CZ" sz="1600" dirty="0" smtClean="0">
+                <a:solidFill>
+                  <a:schemeClr val="tx1"/>
+                </a:solidFill>
+              </a:rPr>
+              <a:t> as </a:t>
+            </a:r>
+            <a:r>
+              <a:rPr lang="cs-CZ" sz="1600" dirty="0" err="1" smtClean="0">
+                <a:solidFill>
+                  <a:schemeClr val="tx1"/>
+                </a:solidFill>
+              </a:rPr>
+              <a:t>groupName</a:t>
+            </a:r>
+            <a:r>
+              <a:rPr lang="cs-CZ" sz="1600" dirty="0" smtClean="0">
+                <a:solidFill>
+                  <a:schemeClr val="tx1"/>
+                </a:solidFill>
+              </a:rPr>
+              <a:t>, </a:t>
+            </a:r>
+            <a:r>
+              <a:rPr lang="cs-CZ" sz="1600" dirty="0" err="1" smtClean="0">
+                <a:solidFill>
+                  <a:schemeClr val="tx1"/>
+                </a:solidFill>
+              </a:rPr>
+              <a:t>productGroup.groupType</a:t>
+            </a:r>
+            <a:r>
+              <a:rPr lang="cs-CZ" sz="1600" dirty="0" smtClean="0">
+                <a:solidFill>
+                  <a:schemeClr val="tx1"/>
+                </a:solidFill>
+              </a:rPr>
+              <a:t> </a:t>
+            </a:r>
+            <a:r>
+              <a:rPr lang="cs-CZ" sz="1600" dirty="0" err="1" smtClean="0">
+                <a:solidFill>
+                  <a:schemeClr val="tx1"/>
+                </a:solidFill>
+              </a:rPr>
+              <a:t>from</a:t>
+            </a:r>
+            <a:r>
+              <a:rPr lang="cs-CZ" sz="1600" dirty="0" smtClean="0">
+                <a:solidFill>
+                  <a:schemeClr val="tx1"/>
+                </a:solidFill>
+              </a:rPr>
+              <a:t> </a:t>
+            </a:r>
+            <a:r>
+              <a:rPr lang="cs-CZ" sz="1600" dirty="0" err="1" smtClean="0">
+                <a:solidFill>
+                  <a:schemeClr val="tx1"/>
+                </a:solidFill>
+              </a:rPr>
+              <a:t>product</a:t>
+            </a:r>
+            <a:r>
+              <a:rPr lang="cs-CZ" sz="1600" dirty="0" smtClean="0">
+                <a:solidFill>
+                  <a:schemeClr val="tx1"/>
+                </a:solidFill>
+              </a:rPr>
+              <a:t> </a:t>
+            </a:r>
+            <a:r>
+              <a:rPr lang="cs-CZ" sz="1600" dirty="0" err="1" smtClean="0">
+                <a:solidFill>
+                  <a:schemeClr val="tx1"/>
+                </a:solidFill>
+              </a:rPr>
+              <a:t>inner</a:t>
+            </a:r>
+            <a:r>
+              <a:rPr lang="cs-CZ" sz="1600" dirty="0" smtClean="0">
+                <a:solidFill>
+                  <a:schemeClr val="tx1"/>
+                </a:solidFill>
+              </a:rPr>
+              <a:t> </a:t>
+            </a:r>
+            <a:r>
+              <a:rPr lang="cs-CZ" sz="1600" dirty="0" err="1" smtClean="0">
+                <a:solidFill>
+                  <a:schemeClr val="tx1"/>
+                </a:solidFill>
+              </a:rPr>
+              <a:t>join</a:t>
+            </a:r>
+            <a:r>
+              <a:rPr lang="cs-CZ" sz="1600" dirty="0" smtClean="0">
+                <a:solidFill>
+                  <a:schemeClr val="tx1"/>
+                </a:solidFill>
+              </a:rPr>
+              <a:t> </a:t>
+            </a:r>
+            <a:r>
+              <a:rPr lang="cs-CZ" sz="1600" dirty="0" err="1" smtClean="0">
+                <a:solidFill>
+                  <a:schemeClr val="tx1"/>
+                </a:solidFill>
+              </a:rPr>
+              <a:t>productGroup</a:t>
+            </a:r>
+            <a:r>
+              <a:rPr lang="cs-CZ" sz="1600" dirty="0" smtClean="0">
+                <a:solidFill>
+                  <a:schemeClr val="tx1"/>
+                </a:solidFill>
+              </a:rPr>
+              <a:t> on </a:t>
+            </a:r>
+            <a:r>
+              <a:rPr lang="cs-CZ" sz="1600" dirty="0" err="1" smtClean="0">
+                <a:solidFill>
+                  <a:schemeClr val="tx1"/>
+                </a:solidFill>
+              </a:rPr>
+              <a:t>idGroup</a:t>
+            </a:r>
+            <a:r>
+              <a:rPr lang="cs-CZ" sz="1600" dirty="0" smtClean="0">
+                <a:solidFill>
+                  <a:schemeClr val="tx1"/>
+                </a:solidFill>
+              </a:rPr>
+              <a:t> = </a:t>
+            </a:r>
+            <a:r>
+              <a:rPr lang="cs-CZ" sz="1600" dirty="0" err="1" smtClean="0">
+                <a:solidFill>
+                  <a:schemeClr val="tx1"/>
+                </a:solidFill>
+              </a:rPr>
+              <a:t>productGroup.id</a:t>
+            </a:r>
+            <a:endParaRPr lang="cs-CZ" sz="1600" dirty="0" smtClean="0">
+              <a:solidFill>
+                <a:schemeClr val="tx1"/>
+              </a:solidFill>
+            </a:endParaRPr>
+          </a:p>
+          <a:p>
+            <a:pPr lvl="1"/>
+            <a:r>
+              <a:rPr lang="cs-CZ" sz="1800" dirty="0" err="1" smtClean="0"/>
+              <a:t>testGetProductById</a:t>
+            </a:r>
+            <a:endParaRPr lang="cs-CZ" sz="1800" dirty="0" smtClean="0"/>
+          </a:p>
+          <a:p>
+            <a:pPr lvl="2">
+              <a:buNone/>
+            </a:pPr>
+            <a:r>
+              <a:rPr lang="cs-CZ" sz="1600" dirty="0" err="1" smtClean="0">
+                <a:solidFill>
+                  <a:schemeClr val="tx1"/>
+                </a:solidFill>
+              </a:rPr>
+              <a:t>select</a:t>
+            </a:r>
+            <a:r>
+              <a:rPr lang="cs-CZ" sz="1600" dirty="0" smtClean="0">
+                <a:solidFill>
+                  <a:schemeClr val="tx1"/>
+                </a:solidFill>
+              </a:rPr>
+              <a:t> </a:t>
+            </a:r>
+            <a:r>
+              <a:rPr lang="cs-CZ" sz="1600" dirty="0" err="1" smtClean="0">
+                <a:solidFill>
+                  <a:schemeClr val="tx1"/>
+                </a:solidFill>
+              </a:rPr>
+              <a:t>product</a:t>
+            </a:r>
+            <a:r>
+              <a:rPr lang="cs-CZ" sz="1600" dirty="0" smtClean="0">
+                <a:solidFill>
+                  <a:schemeClr val="tx1"/>
+                </a:solidFill>
+              </a:rPr>
+              <a:t>.*, </a:t>
+            </a:r>
+            <a:r>
+              <a:rPr lang="cs-CZ" sz="1600" dirty="0" err="1" smtClean="0">
+                <a:solidFill>
+                  <a:schemeClr val="tx1"/>
+                </a:solidFill>
+              </a:rPr>
+              <a:t>productGroup.name</a:t>
+            </a:r>
+            <a:r>
+              <a:rPr lang="cs-CZ" sz="1600" dirty="0" smtClean="0">
+                <a:solidFill>
+                  <a:schemeClr val="tx1"/>
+                </a:solidFill>
+              </a:rPr>
+              <a:t> as </a:t>
+            </a:r>
+            <a:r>
+              <a:rPr lang="cs-CZ" sz="1600" dirty="0" err="1" smtClean="0">
+                <a:solidFill>
+                  <a:schemeClr val="tx1"/>
+                </a:solidFill>
+              </a:rPr>
+              <a:t>groupName</a:t>
+            </a:r>
+            <a:r>
+              <a:rPr lang="cs-CZ" sz="1600" dirty="0" smtClean="0">
+                <a:solidFill>
+                  <a:schemeClr val="tx1"/>
+                </a:solidFill>
+              </a:rPr>
+              <a:t>, </a:t>
+            </a:r>
+            <a:r>
+              <a:rPr lang="cs-CZ" sz="1600" dirty="0" err="1" smtClean="0">
+                <a:solidFill>
+                  <a:schemeClr val="tx1"/>
+                </a:solidFill>
+              </a:rPr>
+              <a:t>productGroup.groupType</a:t>
+            </a:r>
+            <a:r>
+              <a:rPr lang="cs-CZ" sz="1600" dirty="0" smtClean="0">
+                <a:solidFill>
+                  <a:schemeClr val="tx1"/>
+                </a:solidFill>
+              </a:rPr>
+              <a:t> </a:t>
+            </a:r>
+            <a:r>
+              <a:rPr lang="cs-CZ" sz="1600" dirty="0" err="1" smtClean="0">
+                <a:solidFill>
+                  <a:schemeClr val="tx1"/>
+                </a:solidFill>
+              </a:rPr>
+              <a:t>from</a:t>
+            </a:r>
+            <a:r>
+              <a:rPr lang="cs-CZ" sz="1600" dirty="0" smtClean="0">
+                <a:solidFill>
+                  <a:schemeClr val="tx1"/>
+                </a:solidFill>
+              </a:rPr>
+              <a:t> </a:t>
+            </a:r>
+            <a:r>
+              <a:rPr lang="cs-CZ" sz="1600" dirty="0" err="1" smtClean="0">
+                <a:solidFill>
+                  <a:schemeClr val="tx1"/>
+                </a:solidFill>
+              </a:rPr>
+              <a:t>product</a:t>
+            </a:r>
+            <a:r>
+              <a:rPr lang="cs-CZ" sz="1600" dirty="0" smtClean="0">
+                <a:solidFill>
+                  <a:schemeClr val="tx1"/>
+                </a:solidFill>
+              </a:rPr>
+              <a:t> </a:t>
+            </a:r>
+            <a:r>
+              <a:rPr lang="cs-CZ" sz="1600" dirty="0" err="1" smtClean="0">
+                <a:solidFill>
+                  <a:schemeClr val="tx1"/>
+                </a:solidFill>
+              </a:rPr>
+              <a:t>inner</a:t>
+            </a:r>
+            <a:r>
+              <a:rPr lang="cs-CZ" sz="1600" dirty="0" smtClean="0">
+                <a:solidFill>
+                  <a:schemeClr val="tx1"/>
+                </a:solidFill>
+              </a:rPr>
+              <a:t> </a:t>
+            </a:r>
+            <a:r>
+              <a:rPr lang="cs-CZ" sz="1600" dirty="0" err="1" smtClean="0">
+                <a:solidFill>
+                  <a:schemeClr val="tx1"/>
+                </a:solidFill>
+              </a:rPr>
+              <a:t>join</a:t>
+            </a:r>
+            <a:r>
+              <a:rPr lang="cs-CZ" sz="1600" dirty="0" smtClean="0">
+                <a:solidFill>
+                  <a:schemeClr val="tx1"/>
+                </a:solidFill>
+              </a:rPr>
+              <a:t> </a:t>
+            </a:r>
+            <a:r>
+              <a:rPr lang="cs-CZ" sz="1600" dirty="0" err="1" smtClean="0">
+                <a:solidFill>
+                  <a:schemeClr val="tx1"/>
+                </a:solidFill>
+              </a:rPr>
+              <a:t>productGroup</a:t>
+            </a:r>
+            <a:r>
+              <a:rPr lang="cs-CZ" sz="1600" dirty="0" smtClean="0">
+                <a:solidFill>
+                  <a:schemeClr val="tx1"/>
+                </a:solidFill>
+              </a:rPr>
+              <a:t> on </a:t>
+            </a:r>
+            <a:r>
+              <a:rPr lang="cs-CZ" sz="1600" dirty="0" err="1" smtClean="0">
+                <a:solidFill>
+                  <a:schemeClr val="tx1"/>
+                </a:solidFill>
+              </a:rPr>
+              <a:t>idGroup</a:t>
+            </a:r>
+            <a:r>
+              <a:rPr lang="cs-CZ" sz="1600" dirty="0" smtClean="0">
+                <a:solidFill>
+                  <a:schemeClr val="tx1"/>
+                </a:solidFill>
+              </a:rPr>
+              <a:t> = </a:t>
+            </a:r>
+            <a:r>
+              <a:rPr lang="cs-CZ" sz="1600" dirty="0" err="1" smtClean="0">
+                <a:solidFill>
+                  <a:schemeClr val="tx1"/>
+                </a:solidFill>
+              </a:rPr>
+              <a:t>productGroup.id</a:t>
+            </a:r>
+            <a:r>
+              <a:rPr lang="cs-CZ" sz="1600" dirty="0" smtClean="0">
+                <a:solidFill>
+                  <a:schemeClr val="tx1"/>
+                </a:solidFill>
+              </a:rPr>
+              <a:t> </a:t>
+            </a:r>
+            <a:r>
+              <a:rPr lang="cs-CZ" sz="1600" dirty="0" err="1" smtClean="0">
+                <a:solidFill>
+                  <a:schemeClr val="tx1"/>
+                </a:solidFill>
+              </a:rPr>
+              <a:t>where</a:t>
+            </a:r>
+            <a:r>
+              <a:rPr lang="cs-CZ" sz="1600" dirty="0" smtClean="0">
+                <a:solidFill>
+                  <a:schemeClr val="tx1"/>
+                </a:solidFill>
+              </a:rPr>
+              <a:t> </a:t>
+            </a:r>
+            <a:r>
+              <a:rPr lang="cs-CZ" sz="1600" dirty="0" err="1" smtClean="0">
+                <a:solidFill>
+                  <a:schemeClr val="tx1"/>
+                </a:solidFill>
+              </a:rPr>
+              <a:t>product.id</a:t>
+            </a:r>
+            <a:r>
+              <a:rPr lang="cs-CZ" sz="1600" dirty="0" smtClean="0">
+                <a:solidFill>
+                  <a:schemeClr val="tx1"/>
+                </a:solidFill>
+              </a:rPr>
+              <a:t> = ?</a:t>
+            </a:r>
+          </a:p>
+          <a:p>
+            <a:pPr lvl="1"/>
+            <a:r>
+              <a:rPr lang="cs-CZ" sz="1800" dirty="0" err="1" smtClean="0"/>
+              <a:t>testGetFullProductById</a:t>
+            </a:r>
+            <a:endParaRPr lang="cs-CZ" sz="1800" dirty="0" smtClean="0"/>
+          </a:p>
+          <a:p>
+            <a:pPr lvl="2">
+              <a:buNone/>
+            </a:pPr>
+            <a:r>
+              <a:rPr lang="cs-CZ" sz="1600" dirty="0" err="1" smtClean="0">
+                <a:solidFill>
+                  <a:schemeClr val="tx1"/>
+                </a:solidFill>
+              </a:rPr>
+              <a:t>select</a:t>
+            </a:r>
+            <a:r>
+              <a:rPr lang="cs-CZ" sz="1600" dirty="0" smtClean="0">
+                <a:solidFill>
+                  <a:schemeClr val="tx1"/>
+                </a:solidFill>
+              </a:rPr>
+              <a:t> </a:t>
+            </a:r>
+            <a:r>
+              <a:rPr lang="cs-CZ" sz="1600" dirty="0" err="1" smtClean="0">
+                <a:solidFill>
+                  <a:schemeClr val="tx1"/>
+                </a:solidFill>
+              </a:rPr>
+              <a:t>product</a:t>
+            </a:r>
+            <a:r>
+              <a:rPr lang="cs-CZ" sz="1600" dirty="0" smtClean="0">
+                <a:solidFill>
+                  <a:schemeClr val="tx1"/>
+                </a:solidFill>
+              </a:rPr>
+              <a:t>.*, </a:t>
+            </a:r>
+            <a:r>
+              <a:rPr lang="cs-CZ" sz="1600" dirty="0" err="1" smtClean="0">
+                <a:solidFill>
+                  <a:schemeClr val="tx1"/>
+                </a:solidFill>
+              </a:rPr>
+              <a:t>productGroup.name</a:t>
+            </a:r>
+            <a:r>
+              <a:rPr lang="cs-CZ" sz="1600" dirty="0" smtClean="0">
+                <a:solidFill>
+                  <a:schemeClr val="tx1"/>
+                </a:solidFill>
+              </a:rPr>
+              <a:t> as </a:t>
+            </a:r>
+            <a:r>
+              <a:rPr lang="cs-CZ" sz="1600" dirty="0" err="1" smtClean="0">
+                <a:solidFill>
+                  <a:schemeClr val="tx1"/>
+                </a:solidFill>
+              </a:rPr>
+              <a:t>groupName</a:t>
+            </a:r>
+            <a:r>
+              <a:rPr lang="cs-CZ" sz="1600" dirty="0" smtClean="0">
+                <a:solidFill>
+                  <a:schemeClr val="tx1"/>
+                </a:solidFill>
+              </a:rPr>
+              <a:t>, </a:t>
+            </a:r>
+            <a:r>
+              <a:rPr lang="cs-CZ" sz="1600" dirty="0" err="1" smtClean="0">
+                <a:solidFill>
+                  <a:schemeClr val="tx1"/>
+                </a:solidFill>
+              </a:rPr>
+              <a:t>productGroup.groupType</a:t>
+            </a:r>
+            <a:r>
+              <a:rPr lang="cs-CZ" sz="1600" dirty="0" smtClean="0">
+                <a:solidFill>
+                  <a:schemeClr val="tx1"/>
+                </a:solidFill>
+              </a:rPr>
+              <a:t>, </a:t>
+            </a:r>
+            <a:r>
+              <a:rPr lang="cs-CZ" sz="1600" dirty="0" err="1" smtClean="0">
+                <a:solidFill>
+                  <a:schemeClr val="tx1"/>
+                </a:solidFill>
+              </a:rPr>
+              <a:t>tag.id</a:t>
+            </a:r>
+            <a:r>
+              <a:rPr lang="cs-CZ" sz="1600" dirty="0" smtClean="0">
+                <a:solidFill>
+                  <a:schemeClr val="tx1"/>
+                </a:solidFill>
+              </a:rPr>
+              <a:t> as </a:t>
+            </a:r>
+            <a:r>
+              <a:rPr lang="cs-CZ" sz="1600" dirty="0" err="1" smtClean="0">
+                <a:solidFill>
+                  <a:schemeClr val="tx1"/>
+                </a:solidFill>
+              </a:rPr>
+              <a:t>idTag</a:t>
+            </a:r>
+            <a:r>
+              <a:rPr lang="cs-CZ" sz="1600" dirty="0" smtClean="0">
+                <a:solidFill>
+                  <a:schemeClr val="tx1"/>
+                </a:solidFill>
+              </a:rPr>
+              <a:t>, </a:t>
+            </a:r>
+            <a:r>
+              <a:rPr lang="cs-CZ" sz="1600" dirty="0" err="1" smtClean="0">
+                <a:solidFill>
+                  <a:schemeClr val="tx1"/>
+                </a:solidFill>
+              </a:rPr>
+              <a:t>tag.name</a:t>
+            </a:r>
+            <a:r>
+              <a:rPr lang="cs-CZ" sz="1600" dirty="0" smtClean="0">
+                <a:solidFill>
+                  <a:schemeClr val="tx1"/>
+                </a:solidFill>
+              </a:rPr>
+              <a:t> as </a:t>
+            </a:r>
+            <a:r>
+              <a:rPr lang="cs-CZ" sz="1600" dirty="0" err="1" smtClean="0">
+                <a:solidFill>
+                  <a:schemeClr val="tx1"/>
+                </a:solidFill>
+              </a:rPr>
+              <a:t>tagName</a:t>
+            </a:r>
+            <a:r>
+              <a:rPr lang="cs-CZ" sz="1600" dirty="0" smtClean="0">
+                <a:solidFill>
+                  <a:schemeClr val="tx1"/>
+                </a:solidFill>
+              </a:rPr>
+              <a:t> </a:t>
+            </a:r>
+            <a:r>
+              <a:rPr lang="cs-CZ" sz="1600" dirty="0" err="1" smtClean="0">
+                <a:solidFill>
+                  <a:schemeClr val="tx1"/>
+                </a:solidFill>
+              </a:rPr>
+              <a:t>from</a:t>
+            </a:r>
+            <a:r>
+              <a:rPr lang="cs-CZ" sz="1600" dirty="0" smtClean="0">
+                <a:solidFill>
+                  <a:schemeClr val="tx1"/>
+                </a:solidFill>
+              </a:rPr>
+              <a:t> </a:t>
+            </a:r>
+            <a:r>
+              <a:rPr lang="cs-CZ" sz="1600" dirty="0" err="1" smtClean="0">
+                <a:solidFill>
+                  <a:schemeClr val="tx1"/>
+                </a:solidFill>
+              </a:rPr>
+              <a:t>product</a:t>
+            </a:r>
+            <a:r>
+              <a:rPr lang="cs-CZ" sz="1600" dirty="0" smtClean="0">
+                <a:solidFill>
+                  <a:schemeClr val="tx1"/>
+                </a:solidFill>
+              </a:rPr>
+              <a:t> </a:t>
+            </a:r>
+            <a:r>
+              <a:rPr lang="cs-CZ" sz="1600" dirty="0" err="1" smtClean="0">
+                <a:solidFill>
+                  <a:schemeClr val="tx1"/>
+                </a:solidFill>
+              </a:rPr>
+              <a:t>inner</a:t>
+            </a:r>
+            <a:r>
+              <a:rPr lang="cs-CZ" sz="1600" dirty="0" smtClean="0">
+                <a:solidFill>
+                  <a:schemeClr val="tx1"/>
+                </a:solidFill>
+              </a:rPr>
+              <a:t> </a:t>
+            </a:r>
+            <a:r>
+              <a:rPr lang="cs-CZ" sz="1600" dirty="0" err="1" smtClean="0">
+                <a:solidFill>
+                  <a:schemeClr val="tx1"/>
+                </a:solidFill>
+              </a:rPr>
+              <a:t>join</a:t>
+            </a:r>
+            <a:r>
+              <a:rPr lang="cs-CZ" sz="1600" dirty="0" smtClean="0">
+                <a:solidFill>
+                  <a:schemeClr val="tx1"/>
+                </a:solidFill>
+              </a:rPr>
+              <a:t> </a:t>
+            </a:r>
+            <a:r>
+              <a:rPr lang="cs-CZ" sz="1600" dirty="0" err="1" smtClean="0">
+                <a:solidFill>
+                  <a:schemeClr val="tx1"/>
+                </a:solidFill>
+              </a:rPr>
+              <a:t>productGroup</a:t>
+            </a:r>
+            <a:r>
+              <a:rPr lang="cs-CZ" sz="1600" dirty="0" smtClean="0">
+                <a:solidFill>
+                  <a:schemeClr val="tx1"/>
+                </a:solidFill>
+              </a:rPr>
+              <a:t> on </a:t>
+            </a:r>
+            <a:r>
+              <a:rPr lang="cs-CZ" sz="1600" dirty="0" err="1" smtClean="0">
+                <a:solidFill>
+                  <a:schemeClr val="tx1"/>
+                </a:solidFill>
+              </a:rPr>
+              <a:t>idGroup</a:t>
+            </a:r>
+            <a:r>
+              <a:rPr lang="cs-CZ" sz="1600" dirty="0" smtClean="0">
+                <a:solidFill>
+                  <a:schemeClr val="tx1"/>
+                </a:solidFill>
+              </a:rPr>
+              <a:t> = </a:t>
+            </a:r>
+            <a:r>
+              <a:rPr lang="cs-CZ" sz="1600" dirty="0" err="1" smtClean="0">
+                <a:solidFill>
+                  <a:schemeClr val="tx1"/>
+                </a:solidFill>
+              </a:rPr>
+              <a:t>productGroup.id</a:t>
+            </a:r>
+            <a:r>
+              <a:rPr lang="cs-CZ" sz="1600" dirty="0" smtClean="0">
+                <a:solidFill>
+                  <a:schemeClr val="tx1"/>
+                </a:solidFill>
+              </a:rPr>
+              <a:t> </a:t>
+            </a:r>
+            <a:r>
+              <a:rPr lang="cs-CZ" sz="1600" dirty="0" err="1" smtClean="0">
+                <a:solidFill>
+                  <a:schemeClr val="tx1"/>
+                </a:solidFill>
+              </a:rPr>
+              <a:t>left</a:t>
+            </a:r>
+            <a:r>
+              <a:rPr lang="cs-CZ" sz="1600" dirty="0" smtClean="0">
+                <a:solidFill>
+                  <a:schemeClr val="tx1"/>
+                </a:solidFill>
+              </a:rPr>
+              <a:t> </a:t>
+            </a:r>
+            <a:r>
+              <a:rPr lang="cs-CZ" sz="1600" dirty="0" err="1" smtClean="0">
+                <a:solidFill>
+                  <a:schemeClr val="tx1"/>
+                </a:solidFill>
+              </a:rPr>
+              <a:t>join</a:t>
+            </a:r>
+            <a:r>
+              <a:rPr lang="cs-CZ" sz="1600" dirty="0" smtClean="0">
+                <a:solidFill>
+                  <a:schemeClr val="tx1"/>
+                </a:solidFill>
+              </a:rPr>
+              <a:t> </a:t>
+            </a:r>
+            <a:r>
+              <a:rPr lang="cs-CZ" sz="1600" dirty="0" err="1" smtClean="0">
+                <a:solidFill>
+                  <a:schemeClr val="tx1"/>
+                </a:solidFill>
+              </a:rPr>
+              <a:t>productTag</a:t>
+            </a:r>
+            <a:r>
+              <a:rPr lang="cs-CZ" sz="1600" dirty="0" smtClean="0">
+                <a:solidFill>
+                  <a:schemeClr val="tx1"/>
+                </a:solidFill>
+              </a:rPr>
+              <a:t> on </a:t>
+            </a:r>
+            <a:r>
+              <a:rPr lang="cs-CZ" sz="1600" dirty="0" err="1" smtClean="0">
+                <a:solidFill>
+                  <a:schemeClr val="tx1"/>
+                </a:solidFill>
+              </a:rPr>
+              <a:t>product.id</a:t>
+            </a:r>
+            <a:r>
+              <a:rPr lang="cs-CZ" sz="1600" dirty="0" smtClean="0">
+                <a:solidFill>
+                  <a:schemeClr val="tx1"/>
+                </a:solidFill>
+              </a:rPr>
+              <a:t> = </a:t>
+            </a:r>
+            <a:r>
+              <a:rPr lang="cs-CZ" sz="1600" dirty="0" err="1" smtClean="0">
+                <a:solidFill>
+                  <a:schemeClr val="tx1"/>
+                </a:solidFill>
+              </a:rPr>
+              <a:t>productTag.idProduct</a:t>
+            </a:r>
+            <a:r>
+              <a:rPr lang="cs-CZ" sz="1600" dirty="0" smtClean="0">
+                <a:solidFill>
+                  <a:schemeClr val="tx1"/>
+                </a:solidFill>
+              </a:rPr>
+              <a:t> </a:t>
+            </a:r>
+            <a:r>
+              <a:rPr lang="cs-CZ" sz="1600" dirty="0" err="1" smtClean="0">
+                <a:solidFill>
+                  <a:schemeClr val="tx1"/>
+                </a:solidFill>
+              </a:rPr>
+              <a:t>inner</a:t>
+            </a:r>
+            <a:r>
+              <a:rPr lang="cs-CZ" sz="1600" dirty="0" smtClean="0">
+                <a:solidFill>
+                  <a:schemeClr val="tx1"/>
+                </a:solidFill>
+              </a:rPr>
+              <a:t> </a:t>
+            </a:r>
+            <a:r>
+              <a:rPr lang="cs-CZ" sz="1600" dirty="0" err="1" smtClean="0">
+                <a:solidFill>
+                  <a:schemeClr val="tx1"/>
+                </a:solidFill>
+              </a:rPr>
+              <a:t>join</a:t>
+            </a:r>
+            <a:r>
+              <a:rPr lang="cs-CZ" sz="1600" dirty="0" smtClean="0">
+                <a:solidFill>
+                  <a:schemeClr val="tx1"/>
+                </a:solidFill>
+              </a:rPr>
+              <a:t> </a:t>
+            </a:r>
+            <a:r>
+              <a:rPr lang="cs-CZ" sz="1600" dirty="0" err="1" smtClean="0">
+                <a:solidFill>
+                  <a:schemeClr val="tx1"/>
+                </a:solidFill>
+              </a:rPr>
+              <a:t>tag</a:t>
+            </a:r>
+            <a:r>
+              <a:rPr lang="cs-CZ" sz="1600" dirty="0" smtClean="0">
+                <a:solidFill>
+                  <a:schemeClr val="tx1"/>
+                </a:solidFill>
+              </a:rPr>
+              <a:t> on </a:t>
+            </a:r>
+            <a:r>
+              <a:rPr lang="cs-CZ" sz="1600" dirty="0" err="1" smtClean="0">
+                <a:solidFill>
+                  <a:schemeClr val="tx1"/>
+                </a:solidFill>
+              </a:rPr>
+              <a:t>productTag.idTag</a:t>
+            </a:r>
+            <a:r>
+              <a:rPr lang="cs-CZ" sz="1600" dirty="0" smtClean="0">
+                <a:solidFill>
+                  <a:schemeClr val="tx1"/>
+                </a:solidFill>
+              </a:rPr>
+              <a:t> = </a:t>
+            </a:r>
+            <a:r>
+              <a:rPr lang="cs-CZ" sz="1600" dirty="0" err="1" smtClean="0">
+                <a:solidFill>
+                  <a:schemeClr val="tx1"/>
+                </a:solidFill>
+              </a:rPr>
+              <a:t>tag.id</a:t>
+            </a:r>
+            <a:r>
+              <a:rPr lang="cs-CZ" sz="1600" dirty="0" smtClean="0">
+                <a:solidFill>
+                  <a:schemeClr val="tx1"/>
+                </a:solidFill>
+              </a:rPr>
+              <a:t>  </a:t>
+            </a:r>
+            <a:r>
+              <a:rPr lang="cs-CZ" sz="1600" dirty="0" err="1" smtClean="0">
+                <a:solidFill>
+                  <a:schemeClr val="tx1"/>
+                </a:solidFill>
+              </a:rPr>
+              <a:t>where</a:t>
+            </a:r>
+            <a:r>
+              <a:rPr lang="cs-CZ" sz="1600" dirty="0" smtClean="0">
+                <a:solidFill>
+                  <a:schemeClr val="tx1"/>
+                </a:solidFill>
+              </a:rPr>
+              <a:t> </a:t>
+            </a:r>
+            <a:r>
+              <a:rPr lang="cs-CZ" sz="1600" dirty="0" err="1" smtClean="0">
+                <a:solidFill>
+                  <a:schemeClr val="tx1"/>
+                </a:solidFill>
+              </a:rPr>
+              <a:t>product.id</a:t>
+            </a:r>
+            <a:r>
+              <a:rPr lang="cs-CZ" sz="1600" dirty="0" smtClean="0">
+                <a:solidFill>
+                  <a:schemeClr val="tx1"/>
+                </a:solidFill>
+              </a:rPr>
+              <a:t> = ?</a:t>
+            </a:r>
+          </a:p>
+          <a:p>
+            <a:pPr lvl="1"/>
+            <a:r>
+              <a:rPr lang="cs-CZ" sz="1800" dirty="0" err="1" smtClean="0"/>
+              <a:t>testGetProductByNameAndGroup</a:t>
+            </a:r>
+            <a:endParaRPr lang="cs-CZ" sz="1800" dirty="0" smtClean="0"/>
+          </a:p>
+          <a:p>
+            <a:pPr lvl="2">
+              <a:buNone/>
+            </a:pPr>
+            <a:r>
+              <a:rPr lang="cs-CZ" sz="1600" dirty="0" err="1" smtClean="0">
+                <a:solidFill>
+                  <a:schemeClr val="tx1"/>
+                </a:solidFill>
+              </a:rPr>
+              <a:t>select</a:t>
+            </a:r>
+            <a:r>
+              <a:rPr lang="cs-CZ" sz="1600" dirty="0" smtClean="0">
+                <a:solidFill>
+                  <a:schemeClr val="tx1"/>
+                </a:solidFill>
+              </a:rPr>
+              <a:t> </a:t>
+            </a:r>
+            <a:r>
+              <a:rPr lang="cs-CZ" sz="1600" dirty="0" err="1" smtClean="0">
+                <a:solidFill>
+                  <a:schemeClr val="tx1"/>
+                </a:solidFill>
+              </a:rPr>
+              <a:t>product</a:t>
+            </a:r>
+            <a:r>
+              <a:rPr lang="cs-CZ" sz="1600" dirty="0" smtClean="0">
+                <a:solidFill>
+                  <a:schemeClr val="tx1"/>
+                </a:solidFill>
+              </a:rPr>
+              <a:t>.*, </a:t>
+            </a:r>
+            <a:r>
+              <a:rPr lang="cs-CZ" sz="1600" dirty="0" err="1" smtClean="0">
+                <a:solidFill>
+                  <a:schemeClr val="tx1"/>
+                </a:solidFill>
+              </a:rPr>
+              <a:t>productGroup.name</a:t>
+            </a:r>
+            <a:r>
+              <a:rPr lang="cs-CZ" sz="1600" dirty="0" smtClean="0">
+                <a:solidFill>
+                  <a:schemeClr val="tx1"/>
+                </a:solidFill>
+              </a:rPr>
+              <a:t> as </a:t>
+            </a:r>
+            <a:r>
+              <a:rPr lang="cs-CZ" sz="1600" dirty="0" err="1" smtClean="0">
+                <a:solidFill>
+                  <a:schemeClr val="tx1"/>
+                </a:solidFill>
+              </a:rPr>
+              <a:t>groupName</a:t>
+            </a:r>
+            <a:r>
+              <a:rPr lang="cs-CZ" sz="1600" dirty="0" smtClean="0">
+                <a:solidFill>
+                  <a:schemeClr val="tx1"/>
+                </a:solidFill>
+              </a:rPr>
+              <a:t>, </a:t>
+            </a:r>
+            <a:r>
+              <a:rPr lang="cs-CZ" sz="1600" dirty="0" err="1" smtClean="0">
+                <a:solidFill>
+                  <a:schemeClr val="tx1"/>
+                </a:solidFill>
+              </a:rPr>
+              <a:t>productGroup.groupType</a:t>
+            </a:r>
+            <a:r>
+              <a:rPr lang="cs-CZ" sz="1600" dirty="0" smtClean="0">
+                <a:solidFill>
+                  <a:schemeClr val="tx1"/>
+                </a:solidFill>
+              </a:rPr>
+              <a:t> </a:t>
+            </a:r>
+            <a:r>
+              <a:rPr lang="cs-CZ" sz="1600" dirty="0" err="1" smtClean="0">
+                <a:solidFill>
+                  <a:schemeClr val="tx1"/>
+                </a:solidFill>
+              </a:rPr>
+              <a:t>from</a:t>
+            </a:r>
+            <a:r>
+              <a:rPr lang="cs-CZ" sz="1600" dirty="0" smtClean="0">
+                <a:solidFill>
+                  <a:schemeClr val="tx1"/>
+                </a:solidFill>
+              </a:rPr>
+              <a:t> </a:t>
+            </a:r>
+            <a:r>
+              <a:rPr lang="cs-CZ" sz="1600" dirty="0" err="1" smtClean="0">
+                <a:solidFill>
+                  <a:schemeClr val="tx1"/>
+                </a:solidFill>
+              </a:rPr>
+              <a:t>product</a:t>
+            </a:r>
+            <a:r>
+              <a:rPr lang="cs-CZ" sz="1600" dirty="0" smtClean="0">
+                <a:solidFill>
+                  <a:schemeClr val="tx1"/>
+                </a:solidFill>
+              </a:rPr>
+              <a:t> </a:t>
+            </a:r>
+            <a:r>
+              <a:rPr lang="cs-CZ" sz="1600" dirty="0" err="1" smtClean="0">
+                <a:solidFill>
+                  <a:schemeClr val="tx1"/>
+                </a:solidFill>
+              </a:rPr>
+              <a:t>inner</a:t>
+            </a:r>
+            <a:r>
+              <a:rPr lang="cs-CZ" sz="1600" dirty="0" smtClean="0">
+                <a:solidFill>
+                  <a:schemeClr val="tx1"/>
+                </a:solidFill>
+              </a:rPr>
+              <a:t> </a:t>
+            </a:r>
+            <a:r>
+              <a:rPr lang="cs-CZ" sz="1600" dirty="0" err="1" smtClean="0">
+                <a:solidFill>
+                  <a:schemeClr val="tx1"/>
+                </a:solidFill>
+              </a:rPr>
+              <a:t>join</a:t>
+            </a:r>
+            <a:r>
+              <a:rPr lang="cs-CZ" sz="1600" dirty="0" smtClean="0">
+                <a:solidFill>
+                  <a:schemeClr val="tx1"/>
+                </a:solidFill>
+              </a:rPr>
+              <a:t> </a:t>
+            </a:r>
+            <a:r>
+              <a:rPr lang="cs-CZ" sz="1600" dirty="0" err="1" smtClean="0">
+                <a:solidFill>
+                  <a:schemeClr val="tx1"/>
+                </a:solidFill>
+              </a:rPr>
+              <a:t>productGroup</a:t>
+            </a:r>
+            <a:r>
+              <a:rPr lang="cs-CZ" sz="1600" dirty="0" smtClean="0">
+                <a:solidFill>
+                  <a:schemeClr val="tx1"/>
+                </a:solidFill>
+              </a:rPr>
+              <a:t> on </a:t>
+            </a:r>
+            <a:r>
+              <a:rPr lang="cs-CZ" sz="1600" dirty="0" err="1" smtClean="0">
+                <a:solidFill>
+                  <a:schemeClr val="tx1"/>
+                </a:solidFill>
+              </a:rPr>
+              <a:t>idGroup</a:t>
+            </a:r>
+            <a:r>
+              <a:rPr lang="cs-CZ" sz="1600" dirty="0" smtClean="0">
+                <a:solidFill>
+                  <a:schemeClr val="tx1"/>
+                </a:solidFill>
+              </a:rPr>
+              <a:t> = </a:t>
+            </a:r>
+            <a:r>
+              <a:rPr lang="cs-CZ" sz="1600" dirty="0" err="1" smtClean="0">
+                <a:solidFill>
+                  <a:schemeClr val="tx1"/>
+                </a:solidFill>
+              </a:rPr>
+              <a:t>productGroup.id</a:t>
+            </a:r>
+            <a:r>
+              <a:rPr lang="cs-CZ" sz="1600" dirty="0" smtClean="0">
+                <a:solidFill>
+                  <a:schemeClr val="tx1"/>
+                </a:solidFill>
+              </a:rPr>
+              <a:t> </a:t>
+            </a:r>
+            <a:r>
+              <a:rPr lang="cs-CZ" sz="1600" dirty="0" err="1" smtClean="0">
+                <a:solidFill>
+                  <a:schemeClr val="tx1"/>
+                </a:solidFill>
+              </a:rPr>
+              <a:t>where</a:t>
+            </a:r>
+            <a:r>
+              <a:rPr lang="cs-CZ" sz="1600" dirty="0" smtClean="0">
+                <a:solidFill>
+                  <a:schemeClr val="tx1"/>
+                </a:solidFill>
+              </a:rPr>
+              <a:t> </a:t>
+            </a:r>
+            <a:r>
+              <a:rPr lang="en-US" sz="1600" dirty="0" smtClean="0">
+                <a:solidFill>
+                  <a:schemeClr val="tx1"/>
+                </a:solidFill>
+              </a:rPr>
+              <a:t>name = </a:t>
+            </a:r>
+            <a:r>
+              <a:rPr lang="cs-CZ" sz="1600" dirty="0" smtClean="0">
+                <a:solidFill>
+                  <a:schemeClr val="tx1"/>
+                </a:solidFill>
+              </a:rPr>
+              <a:t>?</a:t>
+            </a:r>
+            <a:r>
+              <a:rPr lang="en-US" sz="1600" dirty="0" smtClean="0">
+                <a:solidFill>
+                  <a:schemeClr val="tx1"/>
+                </a:solidFill>
+              </a:rPr>
+              <a:t> and productGroup.name = </a:t>
+            </a:r>
+            <a:r>
+              <a:rPr lang="cs-CZ" sz="1600" dirty="0" smtClean="0">
+                <a:solidFill>
+                  <a:schemeClr val="tx1"/>
+                </a:solidFill>
+              </a:rPr>
+              <a:t>?</a:t>
+            </a:r>
+          </a:p>
+        </p:txBody>
+      </p:sp>
+      <p:sp>
+        <p:nvSpPr>
+          <p:cNvPr id="4" name="Zástupný symbol pro číslo snímku 3"/>
+          <p:cNvSpPr>
+            <a:spLocks noGrp="1"/>
+          </p:cNvSpPr>
+          <p:nvPr>
+            <p:ph type="sldNum" sz="quarter" idx="10"/>
+          </p:nvPr>
+        </p:nvSpPr>
+        <p:spPr/>
+        <p:txBody>
+          <a:bodyPr/>
+          <a:lstStyle/>
+          <a:p>
+            <a:pPr>
+              <a:defRPr/>
+            </a:pPr>
+            <a:fld id="{9AF1F007-AFEE-4035-9C51-B1CFC008845C}" type="slidenum">
+              <a:rPr lang="cs-CZ" smtClean="0"/>
+              <a:pPr>
+                <a:defRPr/>
+              </a:pPr>
+              <a:t>9</a:t>
+            </a:fld>
+            <a:endParaRPr lang="cs-CZ"/>
+          </a:p>
+        </p:txBody>
+      </p:sp>
+      <p:sp>
+        <p:nvSpPr>
+          <p:cNvPr id="5" name="Zástupný symbol pro zápatí 4"/>
+          <p:cNvSpPr>
+            <a:spLocks noGrp="1"/>
+          </p:cNvSpPr>
+          <p:nvPr>
+            <p:ph type="ftr" sz="quarter" idx="11"/>
+          </p:nvPr>
+        </p:nvSpPr>
+        <p:spPr/>
+        <p:txBody>
+          <a:bodyPr/>
+          <a:lstStyle/>
+          <a:p>
+            <a:pPr>
+              <a:defRPr/>
+            </a:pPr>
+            <a:r>
+              <a:rPr lang="cs-CZ" smtClean="0"/>
+              <a:t>www.fg.cz</a:t>
+            </a:r>
+            <a:endParaRPr lang="cs-CZ"/>
+          </a:p>
+        </p:txBody>
+      </p:sp>
+    </p:spTree>
+  </p:cSld>
+  <p:clrMapOvr>
+    <a:masterClrMapping/>
+  </p:clrMapOvr>
+  <p:transition>
+    <p:fade thruBlk="1"/>
+  </p:transition>
+  <p:timing>
+    <p:tnLst>
+      <p:par>
+        <p:cTn id="1" dur="indefinite" restart="never" nodeType="tmRoot"/>
+      </p:par>
+    </p:tnLst>
   </p:timing>
 </p:sld>
 </file>
